--- a/Minecraft/Learning DevOps Through Minecraft.pptx
+++ b/Minecraft/Learning DevOps Through Minecraft.pptx
@@ -5,7 +5,7 @@
     <p:sldMasterId id="2147483712" r:id="rId1"/>
   </p:sldMasterIdLst>
   <p:notesMasterIdLst>
-    <p:notesMasterId r:id="rId51"/>
+    <p:notesMasterId r:id="rId54"/>
   </p:notesMasterIdLst>
   <p:sldIdLst>
     <p:sldId id="256" r:id="rId2"/>
@@ -54,9 +54,12 @@
     <p:sldId id="282" r:id="rId45"/>
     <p:sldId id="302" r:id="rId46"/>
     <p:sldId id="295" r:id="rId47"/>
-    <p:sldId id="299" r:id="rId48"/>
-    <p:sldId id="301" r:id="rId49"/>
-    <p:sldId id="300" r:id="rId50"/>
+    <p:sldId id="305" r:id="rId48"/>
+    <p:sldId id="306" r:id="rId49"/>
+    <p:sldId id="307" r:id="rId50"/>
+    <p:sldId id="308" r:id="rId51"/>
+    <p:sldId id="299" r:id="rId52"/>
+    <p:sldId id="301" r:id="rId53"/>
   </p:sldIdLst>
   <p:sldSz cx="12192000" cy="6858000"/>
   <p:notesSz cx="6858000" cy="9144000"/>
@@ -5718,7 +5721,18 @@
           <a:p>
             <a:r>
               <a:rPr lang="en-US" dirty="0"/>
-              <a:t>Thoughts?</a:t>
+              <a:t>Hence, curl on the api.minecraftservices.com/</a:t>
+            </a:r>
+            <a:r>
+              <a:rPr lang="en-US" dirty="0" err="1"/>
+              <a:t>publickey</a:t>
+            </a:r>
+            <a:endParaRPr lang="en-US" dirty="0"/>
+          </a:p>
+          <a:p>
+            <a:r>
+              <a:rPr lang="en-US" dirty="0"/>
+              <a:t>Subdomain won’t respond to a ping</a:t>
             </a:r>
           </a:p>
         </p:txBody>
@@ -5750,6 +5764,293 @@
     <p:extLst>
       <p:ext uri="{BB962C8B-B14F-4D97-AF65-F5344CB8AC3E}">
         <p14:creationId xmlns:p14="http://schemas.microsoft.com/office/powerpoint/2010/main" val="1946768187"/>
+      </p:ext>
+    </p:extLst>
+  </p:cSld>
+  <p:clrMapOvr>
+    <a:masterClrMapping/>
+  </p:clrMapOvr>
+</p:notes>
+</file>
+
+<file path=ppt/notesSlides/notesSlide26.xml><?xml version="1.0" encoding="utf-8"?>
+<p:notes xmlns:a="http://schemas.openxmlformats.org/drawingml/2006/main" xmlns:r="http://schemas.openxmlformats.org/officeDocument/2006/relationships" xmlns:p="http://schemas.openxmlformats.org/presentationml/2006/main">
+  <p:cSld>
+    <p:spTree>
+      <p:nvGrpSpPr>
+        <p:cNvPr id="1" name=""/>
+        <p:cNvGrpSpPr/>
+        <p:nvPr/>
+      </p:nvGrpSpPr>
+      <p:grpSpPr>
+        <a:xfrm>
+          <a:off x="0" y="0"/>
+          <a:ext cx="0" cy="0"/>
+          <a:chOff x="0" y="0"/>
+          <a:chExt cx="0" cy="0"/>
+        </a:xfrm>
+      </p:grpSpPr>
+      <p:sp>
+        <p:nvSpPr>
+          <p:cNvPr id="2" name="Slide Image Placeholder 1"/>
+          <p:cNvSpPr>
+            <a:spLocks noGrp="1" noRot="1" noChangeAspect="1"/>
+          </p:cNvSpPr>
+          <p:nvPr>
+            <p:ph type="sldImg"/>
+          </p:nvPr>
+        </p:nvSpPr>
+        <p:spPr/>
+      </p:sp>
+      <p:sp>
+        <p:nvSpPr>
+          <p:cNvPr id="3" name="Notes Placeholder 2"/>
+          <p:cNvSpPr>
+            <a:spLocks noGrp="1"/>
+          </p:cNvSpPr>
+          <p:nvPr>
+            <p:ph type="body" idx="1"/>
+          </p:nvPr>
+        </p:nvSpPr>
+        <p:spPr/>
+        <p:txBody>
+          <a:bodyPr/>
+          <a:lstStyle/>
+          <a:p>
+            <a:r>
+              <a:rPr lang="en-US" dirty="0"/>
+              <a:t>You could use multiple </a:t>
+            </a:r>
+            <a:r>
+              <a:rPr lang="en-US" dirty="0" err="1"/>
+              <a:t>Dockerfile</a:t>
+            </a:r>
+            <a:r>
+              <a:rPr lang="en-US" dirty="0"/>
+              <a:t> and a bash scripts, but this is probably cleaner</a:t>
+            </a:r>
+          </a:p>
+        </p:txBody>
+      </p:sp>
+      <p:sp>
+        <p:nvSpPr>
+          <p:cNvPr id="4" name="Slide Number Placeholder 3"/>
+          <p:cNvSpPr>
+            <a:spLocks noGrp="1"/>
+          </p:cNvSpPr>
+          <p:nvPr>
+            <p:ph type="sldNum" sz="quarter" idx="5"/>
+          </p:nvPr>
+        </p:nvSpPr>
+        <p:spPr/>
+        <p:txBody>
+          <a:bodyPr/>
+          <a:lstStyle/>
+          <a:p>
+            <a:fld id="{6843FF4B-3F5C-48A3-8BB1-124264C9C8AE}" type="slidenum">
+              <a:rPr lang="en-US" smtClean="0"/>
+              <a:t>47</a:t>
+            </a:fld>
+            <a:endParaRPr lang="en-US"/>
+          </a:p>
+        </p:txBody>
+      </p:sp>
+    </p:spTree>
+    <p:extLst>
+      <p:ext uri="{BB962C8B-B14F-4D97-AF65-F5344CB8AC3E}">
+        <p14:creationId xmlns:p14="http://schemas.microsoft.com/office/powerpoint/2010/main" val="1039942666"/>
+      </p:ext>
+    </p:extLst>
+  </p:cSld>
+  <p:clrMapOvr>
+    <a:masterClrMapping/>
+  </p:clrMapOvr>
+</p:notes>
+</file>
+
+<file path=ppt/notesSlides/notesSlide27.xml><?xml version="1.0" encoding="utf-8"?>
+<p:notes xmlns:a="http://schemas.openxmlformats.org/drawingml/2006/main" xmlns:r="http://schemas.openxmlformats.org/officeDocument/2006/relationships" xmlns:p="http://schemas.openxmlformats.org/presentationml/2006/main">
+  <p:cSld>
+    <p:spTree>
+      <p:nvGrpSpPr>
+        <p:cNvPr id="1" name=""/>
+        <p:cNvGrpSpPr/>
+        <p:nvPr/>
+      </p:nvGrpSpPr>
+      <p:grpSpPr>
+        <a:xfrm>
+          <a:off x="0" y="0"/>
+          <a:ext cx="0" cy="0"/>
+          <a:chOff x="0" y="0"/>
+          <a:chExt cx="0" cy="0"/>
+        </a:xfrm>
+      </p:grpSpPr>
+      <p:sp>
+        <p:nvSpPr>
+          <p:cNvPr id="2" name="Slide Image Placeholder 1"/>
+          <p:cNvSpPr>
+            <a:spLocks noGrp="1" noRot="1" noChangeAspect="1"/>
+          </p:cNvSpPr>
+          <p:nvPr>
+            <p:ph type="sldImg"/>
+          </p:nvPr>
+        </p:nvSpPr>
+        <p:spPr/>
+      </p:sp>
+      <p:sp>
+        <p:nvSpPr>
+          <p:cNvPr id="3" name="Notes Placeholder 2"/>
+          <p:cNvSpPr>
+            <a:spLocks noGrp="1"/>
+          </p:cNvSpPr>
+          <p:nvPr>
+            <p:ph type="body" idx="1"/>
+          </p:nvPr>
+        </p:nvSpPr>
+        <p:spPr/>
+        <p:txBody>
+          <a:bodyPr/>
+          <a:lstStyle/>
+          <a:p>
+            <a:r>
+              <a:rPr lang="en-US" dirty="0"/>
+              <a:t>https://docs.docker.com/reference/compose-file/services</a:t>
+            </a:r>
+          </a:p>
+          <a:p>
+            <a:r>
+              <a:rPr lang="en-US" dirty="0"/>
+              <a:t>Wget needs a user-agent string to work; the : before 04 needs to be changed to a dot. </a:t>
+            </a:r>
+          </a:p>
+          <a:p>
+            <a:r>
+              <a:rPr lang="en-US" dirty="0"/>
+              <a:t>Escape your quotes</a:t>
+            </a:r>
+          </a:p>
+          <a:p>
+            <a:r>
+              <a:rPr lang="en-US" dirty="0"/>
+              <a:t>Data directory is for plugins I think.</a:t>
+            </a:r>
+          </a:p>
+        </p:txBody>
+      </p:sp>
+      <p:sp>
+        <p:nvSpPr>
+          <p:cNvPr id="4" name="Slide Number Placeholder 3"/>
+          <p:cNvSpPr>
+            <a:spLocks noGrp="1"/>
+          </p:cNvSpPr>
+          <p:nvPr>
+            <p:ph type="sldNum" sz="quarter" idx="5"/>
+          </p:nvPr>
+        </p:nvSpPr>
+        <p:spPr/>
+        <p:txBody>
+          <a:bodyPr/>
+          <a:lstStyle/>
+          <a:p>
+            <a:fld id="{6843FF4B-3F5C-48A3-8BB1-124264C9C8AE}" type="slidenum">
+              <a:rPr lang="en-US" smtClean="0"/>
+              <a:t>48</a:t>
+            </a:fld>
+            <a:endParaRPr lang="en-US"/>
+          </a:p>
+        </p:txBody>
+      </p:sp>
+    </p:spTree>
+    <p:extLst>
+      <p:ext uri="{BB962C8B-B14F-4D97-AF65-F5344CB8AC3E}">
+        <p14:creationId xmlns:p14="http://schemas.microsoft.com/office/powerpoint/2010/main" val="1041027481"/>
+      </p:ext>
+    </p:extLst>
+  </p:cSld>
+  <p:clrMapOvr>
+    <a:masterClrMapping/>
+  </p:clrMapOvr>
+</p:notes>
+</file>
+
+<file path=ppt/notesSlides/notesSlide28.xml><?xml version="1.0" encoding="utf-8"?>
+<p:notes xmlns:a="http://schemas.openxmlformats.org/drawingml/2006/main" xmlns:r="http://schemas.openxmlformats.org/officeDocument/2006/relationships" xmlns:p="http://schemas.openxmlformats.org/presentationml/2006/main">
+  <p:cSld>
+    <p:spTree>
+      <p:nvGrpSpPr>
+        <p:cNvPr id="1" name=""/>
+        <p:cNvGrpSpPr/>
+        <p:nvPr/>
+      </p:nvGrpSpPr>
+      <p:grpSpPr>
+        <a:xfrm>
+          <a:off x="0" y="0"/>
+          <a:ext cx="0" cy="0"/>
+          <a:chOff x="0" y="0"/>
+          <a:chExt cx="0" cy="0"/>
+        </a:xfrm>
+      </p:grpSpPr>
+      <p:sp>
+        <p:nvSpPr>
+          <p:cNvPr id="2" name="Slide Image Placeholder 1"/>
+          <p:cNvSpPr>
+            <a:spLocks noGrp="1" noRot="1" noChangeAspect="1"/>
+          </p:cNvSpPr>
+          <p:nvPr>
+            <p:ph type="sldImg"/>
+          </p:nvPr>
+        </p:nvSpPr>
+        <p:spPr/>
+      </p:sp>
+      <p:sp>
+        <p:nvSpPr>
+          <p:cNvPr id="3" name="Notes Placeholder 2"/>
+          <p:cNvSpPr>
+            <a:spLocks noGrp="1"/>
+          </p:cNvSpPr>
+          <p:nvPr>
+            <p:ph type="body" idx="1"/>
+          </p:nvPr>
+        </p:nvSpPr>
+        <p:spPr/>
+        <p:txBody>
+          <a:bodyPr/>
+          <a:lstStyle/>
+          <a:p>
+            <a:r>
+              <a:rPr lang="en-US" dirty="0"/>
+              <a:t>The –d detaches everything</a:t>
+            </a:r>
+          </a:p>
+        </p:txBody>
+      </p:sp>
+      <p:sp>
+        <p:nvSpPr>
+          <p:cNvPr id="4" name="Slide Number Placeholder 3"/>
+          <p:cNvSpPr>
+            <a:spLocks noGrp="1"/>
+          </p:cNvSpPr>
+          <p:nvPr>
+            <p:ph type="sldNum" sz="quarter" idx="5"/>
+          </p:nvPr>
+        </p:nvSpPr>
+        <p:spPr/>
+        <p:txBody>
+          <a:bodyPr/>
+          <a:lstStyle/>
+          <a:p>
+            <a:fld id="{6843FF4B-3F5C-48A3-8BB1-124264C9C8AE}" type="slidenum">
+              <a:rPr lang="en-US" smtClean="0"/>
+              <a:t>49</a:t>
+            </a:fld>
+            <a:endParaRPr lang="en-US"/>
+          </a:p>
+        </p:txBody>
+      </p:sp>
+    </p:spTree>
+    <p:extLst>
+      <p:ext uri="{BB962C8B-B14F-4D97-AF65-F5344CB8AC3E}">
+        <p14:creationId xmlns:p14="http://schemas.microsoft.com/office/powerpoint/2010/main" val="665450786"/>
       </p:ext>
     </p:extLst>
   </p:cSld>
@@ -21767,8 +22068,8 @@
         </p:nvSpPr>
         <p:spPr>
           <a:xfrm>
-            <a:off x="4739751" y="4283239"/>
-            <a:ext cx="6479629" cy="1475177"/>
+            <a:off x="4739752" y="4283239"/>
+            <a:ext cx="3278882" cy="1475177"/>
           </a:xfrm>
         </p:spPr>
         <p:txBody>
@@ -21873,6 +22174,42 @@
           </a:fontRef>
         </p:style>
       </p:cxnSp>
+      <p:pic>
+        <p:nvPicPr>
+          <p:cNvPr id="7" name="Picture 6" descr="A qr code with a few black squares&#10;&#10;Description automatically generated">
+            <a:extLst>
+              <a:ext uri="{FF2B5EF4-FFF2-40B4-BE49-F238E27FC236}">
+                <a16:creationId xmlns:a16="http://schemas.microsoft.com/office/drawing/2014/main" id="{5D18D39C-EB45-38DE-5EBC-3117BA42CD54}"/>
+              </a:ext>
+            </a:extLst>
+          </p:cNvPr>
+          <p:cNvPicPr>
+            <a:picLocks noChangeAspect="1"/>
+          </p:cNvPicPr>
+          <p:nvPr/>
+        </p:nvPicPr>
+        <p:blipFill>
+          <a:blip r:embed="rId3">
+            <a:extLst>
+              <a:ext uri="{28A0092B-C50C-407E-A947-70E740481C1C}">
+                <a14:useLocalDpi xmlns:a14="http://schemas.microsoft.com/office/drawing/2010/main" val="0"/>
+              </a:ext>
+            </a:extLst>
+          </a:blip>
+          <a:stretch>
+            <a:fillRect/>
+          </a:stretch>
+        </p:blipFill>
+        <p:spPr>
+          <a:xfrm>
+            <a:off x="8567054" y="2656918"/>
+            <a:ext cx="3056440" cy="3056440"/>
+          </a:xfrm>
+          <a:prstGeom prst="rect">
+            <a:avLst/>
+          </a:prstGeom>
+        </p:spPr>
+      </p:pic>
     </p:spTree>
     <p:extLst>
       <p:ext uri="{BB962C8B-B14F-4D97-AF65-F5344CB8AC3E}">
@@ -24980,7 +25317,15 @@
             </a:r>
             <a:r>
               <a:rPr lang="en-US" dirty="0"/>
-              <a:t>, sed</a:t>
+              <a:t>, sed, </a:t>
+            </a:r>
+            <a:r>
+              <a:rPr lang="en-US" dirty="0" err="1"/>
+              <a:t>udev</a:t>
+            </a:r>
+            <a:r>
+              <a:rPr lang="en-US" dirty="0"/>
+              <a:t>-dev</a:t>
             </a:r>
           </a:p>
           <a:p>
@@ -25707,19 +26052,7 @@
               <a:rPr lang="en-US" dirty="0">
                 <a:hlinkClick r:id="rId3"/>
               </a:rPr>
-              <a:t>https://gist.githubusercontent.com/mrobbeloth/e14a28c87cad0ced2d89ad0079424236/</a:t>
-            </a:r>
-            <a:r>
-              <a:rPr lang="en-US" b="1" dirty="0">
-                <a:hlinkClick r:id="rId3"/>
-              </a:rPr>
-              <a:t>raw</a:t>
-            </a:r>
-            <a:r>
-              <a:rPr lang="en-US" dirty="0">
-                <a:hlinkClick r:id="rId3"/>
-              </a:rPr>
-              <a:t>/4c49d5a8367903dd948a361e94016d5c9fd4f1c3/Dockerfile</a:t>
+              <a:t>https://raw.githubusercontent.com/mrobbeloth/Lectures/refs/heads/main/Minecraft/DockerFile</a:t>
             </a:r>
             <a:endParaRPr lang="en-US" dirty="0"/>
           </a:p>
@@ -25840,10 +26173,10 @@
       </p:grpSpPr>
       <p:pic>
         <p:nvPicPr>
-          <p:cNvPr id="5" name="Picture 4">
+          <p:cNvPr id="3" name="Picture 2">
             <a:extLst>
               <a:ext uri="{FF2B5EF4-FFF2-40B4-BE49-F238E27FC236}">
-                <a16:creationId xmlns:a16="http://schemas.microsoft.com/office/drawing/2014/main" id="{1C6A9156-96E0-DF4D-97ED-0D1F3A7521F3}"/>
+                <a16:creationId xmlns:a16="http://schemas.microsoft.com/office/drawing/2014/main" id="{6E7068B4-0194-6E42-FFF2-570A81B57062}"/>
               </a:ext>
             </a:extLst>
           </p:cNvPr>
@@ -25860,8 +26193,8 @@
         </p:blipFill>
         <p:spPr>
           <a:xfrm>
-            <a:off x="115747" y="393539"/>
-            <a:ext cx="11624893" cy="6309263"/>
+            <a:off x="1781238" y="0"/>
+            <a:ext cx="8629523" cy="6858000"/>
           </a:xfrm>
           <a:prstGeom prst="rect">
             <a:avLst/>
@@ -34901,14 +35234,21 @@
             <p:ph type="title"/>
           </p:nvPr>
         </p:nvSpPr>
-        <p:spPr/>
+        <p:spPr>
+          <a:xfrm>
+            <a:off x="565150" y="770890"/>
+            <a:ext cx="10021168" cy="691329"/>
+          </a:xfrm>
+        </p:spPr>
         <p:txBody>
-          <a:bodyPr/>
+          <a:bodyPr>
+            <a:normAutofit fontScale="90000"/>
+          </a:bodyPr>
           <a:lstStyle/>
           <a:p>
             <a:r>
               <a:rPr lang="en-US" dirty="0"/>
-              <a:t>If it doesn’t all go right</a:t>
+              <a:t>If it doesn’t all go right – one possibility</a:t>
             </a:r>
           </a:p>
         </p:txBody>
@@ -40942,14 +41282,6 @@
 <file path=ppt/slides/slide47.xml><?xml version="1.0" encoding="utf-8"?>
 <p:sld xmlns:a="http://schemas.openxmlformats.org/drawingml/2006/main" xmlns:r="http://schemas.openxmlformats.org/officeDocument/2006/relationships" xmlns:p="http://schemas.openxmlformats.org/presentationml/2006/main">
   <p:cSld>
-    <p:bg>
-      <p:bgPr>
-        <a:solidFill>
-          <a:schemeClr val="bg1"/>
-        </a:solidFill>
-        <a:effectLst/>
-      </p:bgPr>
-    </p:bg>
     <p:spTree>
       <p:nvGrpSpPr>
         <p:cNvPr id="1" name=""/>
@@ -40964,3180 +41296,12 @@
           <a:chExt cx="0" cy="0"/>
         </a:xfrm>
       </p:grpSpPr>
-      <p:grpSp>
-        <p:nvGrpSpPr>
-          <p:cNvPr id="9" name="Group 8">
-            <a:extLst>
-              <a:ext uri="{FF2B5EF4-FFF2-40B4-BE49-F238E27FC236}">
-                <a16:creationId xmlns:a16="http://schemas.microsoft.com/office/drawing/2014/main" id="{EB46B8FB-F6A2-5F47-A6CD-A7E17E69270F}"/>
-              </a:ext>
-              <a:ext uri="{C183D7F6-B498-43B3-948B-1728B52AA6E4}">
-                <adec:decorative xmlns:adec="http://schemas.microsoft.com/office/drawing/2017/decorative" val="1"/>
-              </a:ext>
-            </a:extLst>
-          </p:cNvPr>
-          <p:cNvGrpSpPr>
-            <a:grpSpLocks noGrp="1" noUngrp="1" noRot="1" noChangeAspect="1" noMove="1" noResize="1"/>
-          </p:cNvGrpSpPr>
-          <p:nvPr>
-            <p:extLst>
-              <p:ext uri="{386F3935-93C4-4BCD-93E2-E3B085C9AB24}">
-                <p16:designElem xmlns:p16="http://schemas.microsoft.com/office/powerpoint/2015/main" val="1"/>
-              </p:ext>
-            </p:extLst>
-          </p:nvPr>
-        </p:nvGrpSpPr>
-        <p:grpSpPr>
-          <a:xfrm>
-            <a:off x="6201388" y="0"/>
-            <a:ext cx="5990612" cy="6858001"/>
-            <a:chOff x="6201388" y="0"/>
-            <a:chExt cx="5990612" cy="6858001"/>
-          </a:xfrm>
-        </p:grpSpPr>
-        <p:sp>
-          <p:nvSpPr>
-            <p:cNvPr id="10" name="Oval 9">
-              <a:extLst>
-                <a:ext uri="{FF2B5EF4-FFF2-40B4-BE49-F238E27FC236}">
-                  <a16:creationId xmlns:a16="http://schemas.microsoft.com/office/drawing/2014/main" id="{419BDE93-3EC2-4E4D-BC0B-417378F49EDA}"/>
-                </a:ext>
-                <a:ext uri="{C183D7F6-B498-43B3-948B-1728B52AA6E4}">
-                  <adec:decorative xmlns:adec="http://schemas.microsoft.com/office/drawing/2017/decorative" val="1"/>
-                </a:ext>
-              </a:extLst>
-            </p:cNvPr>
-            <p:cNvSpPr/>
-            <p:nvPr>
-              <p:extLst>
-                <p:ext uri="{386F3935-93C4-4BCD-93E2-E3B085C9AB24}">
-                  <p16:designElem xmlns:p16="http://schemas.microsoft.com/office/powerpoint/2015/main" val="1"/>
-                </p:ext>
-              </p:extLst>
-            </p:nvPr>
-          </p:nvSpPr>
-          <p:spPr>
-            <a:xfrm>
-              <a:off x="6201388" y="3549396"/>
-              <a:ext cx="1130725" cy="1130724"/>
-            </a:xfrm>
-            <a:prstGeom prst="ellipse">
-              <a:avLst/>
-            </a:prstGeom>
-            <a:solidFill>
-              <a:schemeClr val="bg2"/>
-            </a:solidFill>
-            <a:ln>
-              <a:noFill/>
-            </a:ln>
-          </p:spPr>
-          <p:style>
-            <a:lnRef idx="2">
-              <a:schemeClr val="accent1">
-                <a:shade val="50000"/>
-              </a:schemeClr>
-            </a:lnRef>
-            <a:fillRef idx="1">
-              <a:schemeClr val="accent1"/>
-            </a:fillRef>
-            <a:effectRef idx="0">
-              <a:schemeClr val="accent1"/>
-            </a:effectRef>
-            <a:fontRef idx="minor">
-              <a:schemeClr val="lt1"/>
-            </a:fontRef>
-          </p:style>
-          <p:txBody>
-            <a:bodyPr rtlCol="0" anchor="ctr"/>
-            <a:lstStyle/>
-            <a:p>
-              <a:pPr algn="ctr"/>
-              <a:endParaRPr lang="en-US"/>
-            </a:p>
-          </p:txBody>
-        </p:sp>
-        <p:sp>
-          <p:nvSpPr>
-            <p:cNvPr id="11" name="Freeform 46">
-              <a:extLst>
-                <a:ext uri="{FF2B5EF4-FFF2-40B4-BE49-F238E27FC236}">
-                  <a16:creationId xmlns:a16="http://schemas.microsoft.com/office/drawing/2014/main" id="{FE21F82F-1EE5-8240-97F8-387DF0253FCE}"/>
-                </a:ext>
-                <a:ext uri="{C183D7F6-B498-43B3-948B-1728B52AA6E4}">
-                  <adec:decorative xmlns:adec="http://schemas.microsoft.com/office/drawing/2017/decorative" val="1"/>
-                </a:ext>
-              </a:extLst>
-            </p:cNvPr>
-            <p:cNvSpPr/>
-            <p:nvPr>
-              <p:extLst>
-                <p:ext uri="{386F3935-93C4-4BCD-93E2-E3B085C9AB24}">
-                  <p16:designElem xmlns:p16="http://schemas.microsoft.com/office/powerpoint/2015/main" val="1"/>
-                </p:ext>
-              </p:extLst>
-            </p:nvPr>
-          </p:nvSpPr>
-          <p:spPr>
-            <a:xfrm>
-              <a:off x="6201389" y="1"/>
-              <a:ext cx="1130725" cy="565575"/>
-            </a:xfrm>
-            <a:custGeom>
-              <a:avLst/>
-              <a:gdLst>
-                <a:gd name="connsiteX0" fmla="*/ 21 w 1130725"/>
-                <a:gd name="connsiteY0" fmla="*/ 0 h 565575"/>
-                <a:gd name="connsiteX1" fmla="*/ 1130704 w 1130725"/>
-                <a:gd name="connsiteY1" fmla="*/ 0 h 565575"/>
-                <a:gd name="connsiteX2" fmla="*/ 1130725 w 1130725"/>
-                <a:gd name="connsiteY2" fmla="*/ 213 h 565575"/>
-                <a:gd name="connsiteX3" fmla="*/ 565362 w 1130725"/>
-                <a:gd name="connsiteY3" fmla="*/ 565575 h 565575"/>
-                <a:gd name="connsiteX4" fmla="*/ 0 w 1130725"/>
-                <a:gd name="connsiteY4" fmla="*/ 213 h 565575"/>
-              </a:gdLst>
-              <a:ahLst/>
-              <a:cxnLst>
-                <a:cxn ang="0">
-                  <a:pos x="connsiteX0" y="connsiteY0"/>
-                </a:cxn>
-                <a:cxn ang="0">
-                  <a:pos x="connsiteX1" y="connsiteY1"/>
-                </a:cxn>
-                <a:cxn ang="0">
-                  <a:pos x="connsiteX2" y="connsiteY2"/>
-                </a:cxn>
-                <a:cxn ang="0">
-                  <a:pos x="connsiteX3" y="connsiteY3"/>
-                </a:cxn>
-                <a:cxn ang="0">
-                  <a:pos x="connsiteX4" y="connsiteY4"/>
-                </a:cxn>
-              </a:cxnLst>
-              <a:rect l="l" t="t" r="r" b="b"/>
-              <a:pathLst>
-                <a:path w="1130725" h="565575">
-                  <a:moveTo>
-                    <a:pt x="21" y="0"/>
-                  </a:moveTo>
-                  <a:lnTo>
-                    <a:pt x="1130704" y="0"/>
-                  </a:lnTo>
-                  <a:lnTo>
-                    <a:pt x="1130725" y="213"/>
-                  </a:lnTo>
-                  <a:cubicBezTo>
-                    <a:pt x="1130725" y="312454"/>
-                    <a:pt x="877604" y="565575"/>
-                    <a:pt x="565362" y="565575"/>
-                  </a:cubicBezTo>
-                  <a:cubicBezTo>
-                    <a:pt x="253121" y="565575"/>
-                    <a:pt x="0" y="312454"/>
-                    <a:pt x="0" y="213"/>
-                  </a:cubicBezTo>
-                  <a:close/>
-                </a:path>
-              </a:pathLst>
-            </a:custGeom>
-            <a:solidFill>
-              <a:schemeClr val="bg2"/>
-            </a:solidFill>
-            <a:ln>
-              <a:noFill/>
-            </a:ln>
-          </p:spPr>
-          <p:style>
-            <a:lnRef idx="2">
-              <a:schemeClr val="accent1">
-                <a:shade val="50000"/>
-              </a:schemeClr>
-            </a:lnRef>
-            <a:fillRef idx="1">
-              <a:schemeClr val="accent1"/>
-            </a:fillRef>
-            <a:effectRef idx="0">
-              <a:schemeClr val="accent1"/>
-            </a:effectRef>
-            <a:fontRef idx="minor">
-              <a:schemeClr val="lt1"/>
-            </a:fontRef>
-          </p:style>
-          <p:txBody>
-            <a:bodyPr wrap="square" rtlCol="0" anchor="ctr">
-              <a:noAutofit/>
-            </a:bodyPr>
-            <a:lstStyle/>
-            <a:p>
-              <a:pPr algn="ctr"/>
-              <a:endParaRPr lang="en-US"/>
-            </a:p>
-          </p:txBody>
-        </p:sp>
-        <p:sp>
-          <p:nvSpPr>
-            <p:cNvPr id="12" name="Freeform 48">
-              <a:extLst>
-                <a:ext uri="{FF2B5EF4-FFF2-40B4-BE49-F238E27FC236}">
-                  <a16:creationId xmlns:a16="http://schemas.microsoft.com/office/drawing/2014/main" id="{AE1903E3-6B5F-6B4C-9A1F-62628A050AEB}"/>
-                </a:ext>
-                <a:ext uri="{C183D7F6-B498-43B3-948B-1728B52AA6E4}">
-                  <adec:decorative xmlns:adec="http://schemas.microsoft.com/office/drawing/2017/decorative" val="1"/>
-                </a:ext>
-              </a:extLst>
-            </p:cNvPr>
-            <p:cNvSpPr/>
-            <p:nvPr>
-              <p:extLst>
-                <p:ext uri="{386F3935-93C4-4BCD-93E2-E3B085C9AB24}">
-                  <p16:designElem xmlns:p16="http://schemas.microsoft.com/office/powerpoint/2015/main" val="1"/>
-                </p:ext>
-              </p:extLst>
-            </p:nvPr>
-          </p:nvSpPr>
-          <p:spPr>
-            <a:xfrm>
-              <a:off x="7564255" y="6292426"/>
-              <a:ext cx="1130723" cy="565575"/>
-            </a:xfrm>
-            <a:custGeom>
-              <a:avLst/>
-              <a:gdLst>
-                <a:gd name="connsiteX0" fmla="*/ 565362 w 1130723"/>
-                <a:gd name="connsiteY0" fmla="*/ 0 h 565575"/>
-                <a:gd name="connsiteX1" fmla="*/ 1130723 w 1130723"/>
-                <a:gd name="connsiteY1" fmla="*/ 565362 h 565575"/>
-                <a:gd name="connsiteX2" fmla="*/ 1130702 w 1130723"/>
-                <a:gd name="connsiteY2" fmla="*/ 565575 h 565575"/>
-                <a:gd name="connsiteX3" fmla="*/ 21 w 1130723"/>
-                <a:gd name="connsiteY3" fmla="*/ 565575 h 565575"/>
-                <a:gd name="connsiteX4" fmla="*/ 0 w 1130723"/>
-                <a:gd name="connsiteY4" fmla="*/ 565362 h 565575"/>
-                <a:gd name="connsiteX5" fmla="*/ 565362 w 1130723"/>
-                <a:gd name="connsiteY5" fmla="*/ 0 h 565575"/>
-              </a:gdLst>
-              <a:ahLst/>
-              <a:cxnLst>
-                <a:cxn ang="0">
-                  <a:pos x="connsiteX0" y="connsiteY0"/>
-                </a:cxn>
-                <a:cxn ang="0">
-                  <a:pos x="connsiteX1" y="connsiteY1"/>
-                </a:cxn>
-                <a:cxn ang="0">
-                  <a:pos x="connsiteX2" y="connsiteY2"/>
-                </a:cxn>
-                <a:cxn ang="0">
-                  <a:pos x="connsiteX3" y="connsiteY3"/>
-                </a:cxn>
-                <a:cxn ang="0">
-                  <a:pos x="connsiteX4" y="connsiteY4"/>
-                </a:cxn>
-                <a:cxn ang="0">
-                  <a:pos x="connsiteX5" y="connsiteY5"/>
-                </a:cxn>
-              </a:cxnLst>
-              <a:rect l="l" t="t" r="r" b="b"/>
-              <a:pathLst>
-                <a:path w="1130723" h="565575">
-                  <a:moveTo>
-                    <a:pt x="565362" y="0"/>
-                  </a:moveTo>
-                  <a:cubicBezTo>
-                    <a:pt x="877602" y="0"/>
-                    <a:pt x="1130723" y="253121"/>
-                    <a:pt x="1130723" y="565362"/>
-                  </a:cubicBezTo>
-                  <a:lnTo>
-                    <a:pt x="1130702" y="565575"/>
-                  </a:lnTo>
-                  <a:lnTo>
-                    <a:pt x="21" y="565575"/>
-                  </a:lnTo>
-                  <a:lnTo>
-                    <a:pt x="0" y="565362"/>
-                  </a:lnTo>
-                  <a:cubicBezTo>
-                    <a:pt x="0" y="253121"/>
-                    <a:pt x="253120" y="0"/>
-                    <a:pt x="565362" y="0"/>
-                  </a:cubicBezTo>
-                  <a:close/>
-                </a:path>
-              </a:pathLst>
-            </a:custGeom>
-            <a:solidFill>
-              <a:schemeClr val="bg2"/>
-            </a:solidFill>
-            <a:ln>
-              <a:noFill/>
-            </a:ln>
-          </p:spPr>
-          <p:style>
-            <a:lnRef idx="2">
-              <a:schemeClr val="accent1">
-                <a:shade val="50000"/>
-              </a:schemeClr>
-            </a:lnRef>
-            <a:fillRef idx="1">
-              <a:schemeClr val="accent1"/>
-            </a:fillRef>
-            <a:effectRef idx="0">
-              <a:schemeClr val="accent1"/>
-            </a:effectRef>
-            <a:fontRef idx="minor">
-              <a:schemeClr val="lt1"/>
-            </a:fontRef>
-          </p:style>
-          <p:txBody>
-            <a:bodyPr wrap="square" rtlCol="0" anchor="ctr">
-              <a:noAutofit/>
-            </a:bodyPr>
-            <a:lstStyle/>
-            <a:p>
-              <a:pPr algn="ctr"/>
-              <a:endParaRPr lang="en-US"/>
-            </a:p>
-          </p:txBody>
-        </p:sp>
-        <p:sp>
-          <p:nvSpPr>
-            <p:cNvPr id="13" name="Oval 12">
-              <a:extLst>
-                <a:ext uri="{FF2B5EF4-FFF2-40B4-BE49-F238E27FC236}">
-                  <a16:creationId xmlns:a16="http://schemas.microsoft.com/office/drawing/2014/main" id="{F7C55863-3B37-0743-B001-1A970033FBA8}"/>
-                </a:ext>
-                <a:ext uri="{C183D7F6-B498-43B3-948B-1728B52AA6E4}">
-                  <adec:decorative xmlns:adec="http://schemas.microsoft.com/office/drawing/2017/decorative" val="1"/>
-                </a:ext>
-              </a:extLst>
-            </p:cNvPr>
-            <p:cNvSpPr/>
-            <p:nvPr>
-              <p:extLst>
-                <p:ext uri="{386F3935-93C4-4BCD-93E2-E3B085C9AB24}">
-                  <p16:designElem xmlns:p16="http://schemas.microsoft.com/office/powerpoint/2015/main" val="1"/>
-                </p:ext>
-              </p:extLst>
-            </p:nvPr>
-          </p:nvSpPr>
-          <p:spPr>
-            <a:xfrm>
-              <a:off x="7564253" y="3549396"/>
-              <a:ext cx="1130725" cy="1130724"/>
-            </a:xfrm>
-            <a:prstGeom prst="ellipse">
-              <a:avLst/>
-            </a:prstGeom>
-            <a:solidFill>
-              <a:schemeClr val="bg2"/>
-            </a:solidFill>
-            <a:ln>
-              <a:noFill/>
-            </a:ln>
-          </p:spPr>
-          <p:style>
-            <a:lnRef idx="2">
-              <a:schemeClr val="accent1">
-                <a:shade val="50000"/>
-              </a:schemeClr>
-            </a:lnRef>
-            <a:fillRef idx="1">
-              <a:schemeClr val="accent1"/>
-            </a:fillRef>
-            <a:effectRef idx="0">
-              <a:schemeClr val="accent1"/>
-            </a:effectRef>
-            <a:fontRef idx="minor">
-              <a:schemeClr val="lt1"/>
-            </a:fontRef>
-          </p:style>
-          <p:txBody>
-            <a:bodyPr rtlCol="0" anchor="ctr"/>
-            <a:lstStyle/>
-            <a:p>
-              <a:pPr algn="ctr"/>
-              <a:endParaRPr lang="en-US"/>
-            </a:p>
-          </p:txBody>
-        </p:sp>
-        <p:sp>
-          <p:nvSpPr>
-            <p:cNvPr id="14" name="Oval 13">
-              <a:extLst>
-                <a:ext uri="{FF2B5EF4-FFF2-40B4-BE49-F238E27FC236}">
-                  <a16:creationId xmlns:a16="http://schemas.microsoft.com/office/drawing/2014/main" id="{932B4C24-3A58-924C-B79A-D961EF7C2C48}"/>
-                </a:ext>
-                <a:ext uri="{C183D7F6-B498-43B3-948B-1728B52AA6E4}">
-                  <adec:decorative xmlns:adec="http://schemas.microsoft.com/office/drawing/2017/decorative" val="1"/>
-                </a:ext>
-              </a:extLst>
-            </p:cNvPr>
-            <p:cNvSpPr/>
-            <p:nvPr>
-              <p:extLst>
-                <p:ext uri="{386F3935-93C4-4BCD-93E2-E3B085C9AB24}">
-                  <p16:designElem xmlns:p16="http://schemas.microsoft.com/office/powerpoint/2015/main" val="1"/>
-                </p:ext>
-              </p:extLst>
-            </p:nvPr>
-          </p:nvSpPr>
-          <p:spPr>
-            <a:xfrm>
-              <a:off x="7564253" y="2177881"/>
-              <a:ext cx="1130725" cy="1130724"/>
-            </a:xfrm>
-            <a:prstGeom prst="ellipse">
-              <a:avLst/>
-            </a:prstGeom>
-            <a:solidFill>
-              <a:schemeClr val="bg2"/>
-            </a:solidFill>
-            <a:ln>
-              <a:noFill/>
-            </a:ln>
-          </p:spPr>
-          <p:style>
-            <a:lnRef idx="2">
-              <a:schemeClr val="accent1">
-                <a:shade val="50000"/>
-              </a:schemeClr>
-            </a:lnRef>
-            <a:fillRef idx="1">
-              <a:schemeClr val="accent1"/>
-            </a:fillRef>
-            <a:effectRef idx="0">
-              <a:schemeClr val="accent1"/>
-            </a:effectRef>
-            <a:fontRef idx="minor">
-              <a:schemeClr val="lt1"/>
-            </a:fontRef>
-          </p:style>
-          <p:txBody>
-            <a:bodyPr rtlCol="0" anchor="ctr"/>
-            <a:lstStyle/>
-            <a:p>
-              <a:pPr algn="ctr"/>
-              <a:endParaRPr lang="en-US"/>
-            </a:p>
-          </p:txBody>
-        </p:sp>
-        <p:sp>
-          <p:nvSpPr>
-            <p:cNvPr id="15" name="Oval 14">
-              <a:extLst>
-                <a:ext uri="{FF2B5EF4-FFF2-40B4-BE49-F238E27FC236}">
-                  <a16:creationId xmlns:a16="http://schemas.microsoft.com/office/drawing/2014/main" id="{21EF52E0-D2CF-544F-93A6-4D7B45A0483A}"/>
-                </a:ext>
-                <a:ext uri="{C183D7F6-B498-43B3-948B-1728B52AA6E4}">
-                  <adec:decorative xmlns:adec="http://schemas.microsoft.com/office/drawing/2017/decorative" val="1"/>
-                </a:ext>
-              </a:extLst>
-            </p:cNvPr>
-            <p:cNvSpPr/>
-            <p:nvPr>
-              <p:extLst>
-                <p:ext uri="{386F3935-93C4-4BCD-93E2-E3B085C9AB24}">
-                  <p16:designElem xmlns:p16="http://schemas.microsoft.com/office/powerpoint/2015/main" val="1"/>
-                </p:ext>
-              </p:extLst>
-            </p:nvPr>
-          </p:nvSpPr>
-          <p:spPr>
-            <a:xfrm>
-              <a:off x="7564253" y="806366"/>
-              <a:ext cx="1130725" cy="1130724"/>
-            </a:xfrm>
-            <a:prstGeom prst="ellipse">
-              <a:avLst/>
-            </a:prstGeom>
-            <a:solidFill>
-              <a:schemeClr val="accent1"/>
-            </a:solidFill>
-            <a:ln>
-              <a:noFill/>
-            </a:ln>
-          </p:spPr>
-          <p:style>
-            <a:lnRef idx="2">
-              <a:schemeClr val="accent1">
-                <a:shade val="50000"/>
-              </a:schemeClr>
-            </a:lnRef>
-            <a:fillRef idx="1">
-              <a:schemeClr val="accent1"/>
-            </a:fillRef>
-            <a:effectRef idx="0">
-              <a:schemeClr val="accent1"/>
-            </a:effectRef>
-            <a:fontRef idx="minor">
-              <a:schemeClr val="lt1"/>
-            </a:fontRef>
-          </p:style>
-          <p:txBody>
-            <a:bodyPr rtlCol="0" anchor="ctr"/>
-            <a:lstStyle/>
-            <a:p>
-              <a:pPr algn="ctr"/>
-              <a:endParaRPr lang="en-US"/>
-            </a:p>
-          </p:txBody>
-        </p:sp>
-        <p:sp>
-          <p:nvSpPr>
-            <p:cNvPr id="16" name="Freeform 63">
-              <a:extLst>
-                <a:ext uri="{FF2B5EF4-FFF2-40B4-BE49-F238E27FC236}">
-                  <a16:creationId xmlns:a16="http://schemas.microsoft.com/office/drawing/2014/main" id="{6966CFE5-1C8C-2E4F-9B2D-A8438F5A5322}"/>
-                </a:ext>
-                <a:ext uri="{C183D7F6-B498-43B3-948B-1728B52AA6E4}">
-                  <adec:decorative xmlns:adec="http://schemas.microsoft.com/office/drawing/2017/decorative" val="1"/>
-                </a:ext>
-              </a:extLst>
-            </p:cNvPr>
-            <p:cNvSpPr/>
-            <p:nvPr>
-              <p:extLst>
-                <p:ext uri="{386F3935-93C4-4BCD-93E2-E3B085C9AB24}">
-                  <p16:designElem xmlns:p16="http://schemas.microsoft.com/office/powerpoint/2015/main" val="1"/>
-                </p:ext>
-              </p:extLst>
-            </p:nvPr>
-          </p:nvSpPr>
-          <p:spPr>
-            <a:xfrm>
-              <a:off x="7564254" y="1"/>
-              <a:ext cx="1130725" cy="565575"/>
-            </a:xfrm>
-            <a:custGeom>
-              <a:avLst/>
-              <a:gdLst>
-                <a:gd name="connsiteX0" fmla="*/ 21 w 1130725"/>
-                <a:gd name="connsiteY0" fmla="*/ 0 h 565575"/>
-                <a:gd name="connsiteX1" fmla="*/ 1130704 w 1130725"/>
-                <a:gd name="connsiteY1" fmla="*/ 0 h 565575"/>
-                <a:gd name="connsiteX2" fmla="*/ 1130725 w 1130725"/>
-                <a:gd name="connsiteY2" fmla="*/ 213 h 565575"/>
-                <a:gd name="connsiteX3" fmla="*/ 565363 w 1130725"/>
-                <a:gd name="connsiteY3" fmla="*/ 565575 h 565575"/>
-                <a:gd name="connsiteX4" fmla="*/ 0 w 1130725"/>
-                <a:gd name="connsiteY4" fmla="*/ 213 h 565575"/>
-              </a:gdLst>
-              <a:ahLst/>
-              <a:cxnLst>
-                <a:cxn ang="0">
-                  <a:pos x="connsiteX0" y="connsiteY0"/>
-                </a:cxn>
-                <a:cxn ang="0">
-                  <a:pos x="connsiteX1" y="connsiteY1"/>
-                </a:cxn>
-                <a:cxn ang="0">
-                  <a:pos x="connsiteX2" y="connsiteY2"/>
-                </a:cxn>
-                <a:cxn ang="0">
-                  <a:pos x="connsiteX3" y="connsiteY3"/>
-                </a:cxn>
-                <a:cxn ang="0">
-                  <a:pos x="connsiteX4" y="connsiteY4"/>
-                </a:cxn>
-              </a:cxnLst>
-              <a:rect l="l" t="t" r="r" b="b"/>
-              <a:pathLst>
-                <a:path w="1130725" h="565575">
-                  <a:moveTo>
-                    <a:pt x="21" y="0"/>
-                  </a:moveTo>
-                  <a:lnTo>
-                    <a:pt x="1130704" y="0"/>
-                  </a:lnTo>
-                  <a:lnTo>
-                    <a:pt x="1130725" y="213"/>
-                  </a:lnTo>
-                  <a:cubicBezTo>
-                    <a:pt x="1130725" y="312454"/>
-                    <a:pt x="877603" y="565575"/>
-                    <a:pt x="565363" y="565575"/>
-                  </a:cubicBezTo>
-                  <a:cubicBezTo>
-                    <a:pt x="253121" y="565575"/>
-                    <a:pt x="0" y="312454"/>
-                    <a:pt x="0" y="213"/>
-                  </a:cubicBezTo>
-                  <a:close/>
-                </a:path>
-              </a:pathLst>
-            </a:custGeom>
-            <a:solidFill>
-              <a:schemeClr val="bg2"/>
-            </a:solidFill>
-            <a:ln>
-              <a:noFill/>
-            </a:ln>
-          </p:spPr>
-          <p:style>
-            <a:lnRef idx="2">
-              <a:schemeClr val="accent1">
-                <a:shade val="50000"/>
-              </a:schemeClr>
-            </a:lnRef>
-            <a:fillRef idx="1">
-              <a:schemeClr val="accent1"/>
-            </a:fillRef>
-            <a:effectRef idx="0">
-              <a:schemeClr val="accent1"/>
-            </a:effectRef>
-            <a:fontRef idx="minor">
-              <a:schemeClr val="lt1"/>
-            </a:fontRef>
-          </p:style>
-          <p:txBody>
-            <a:bodyPr wrap="square" rtlCol="0" anchor="ctr">
-              <a:noAutofit/>
-            </a:bodyPr>
-            <a:lstStyle/>
-            <a:p>
-              <a:pPr algn="ctr"/>
-              <a:endParaRPr lang="en-US"/>
-            </a:p>
-          </p:txBody>
-        </p:sp>
-        <p:sp>
-          <p:nvSpPr>
-            <p:cNvPr id="17" name="Freeform 64">
-              <a:extLst>
-                <a:ext uri="{FF2B5EF4-FFF2-40B4-BE49-F238E27FC236}">
-                  <a16:creationId xmlns:a16="http://schemas.microsoft.com/office/drawing/2014/main" id="{9FD29EF3-A5B2-554A-A307-6BE1BCE8AF03}"/>
-                </a:ext>
-                <a:ext uri="{C183D7F6-B498-43B3-948B-1728B52AA6E4}">
-                  <adec:decorative xmlns:adec="http://schemas.microsoft.com/office/drawing/2017/decorative" val="1"/>
-                </a:ext>
-              </a:extLst>
-            </p:cNvPr>
-            <p:cNvSpPr/>
-            <p:nvPr>
-              <p:extLst>
-                <p:ext uri="{386F3935-93C4-4BCD-93E2-E3B085C9AB24}">
-                  <p16:designElem xmlns:p16="http://schemas.microsoft.com/office/powerpoint/2015/main" val="1"/>
-                </p:ext>
-              </p:extLst>
-            </p:nvPr>
-          </p:nvSpPr>
-          <p:spPr>
-            <a:xfrm>
-              <a:off x="8927118" y="6292426"/>
-              <a:ext cx="1130724" cy="565575"/>
-            </a:xfrm>
-            <a:custGeom>
-              <a:avLst/>
-              <a:gdLst>
-                <a:gd name="connsiteX0" fmla="*/ 565362 w 1130724"/>
-                <a:gd name="connsiteY0" fmla="*/ 0 h 565575"/>
-                <a:gd name="connsiteX1" fmla="*/ 1130724 w 1130724"/>
-                <a:gd name="connsiteY1" fmla="*/ 565362 h 565575"/>
-                <a:gd name="connsiteX2" fmla="*/ 1130703 w 1130724"/>
-                <a:gd name="connsiteY2" fmla="*/ 565575 h 565575"/>
-                <a:gd name="connsiteX3" fmla="*/ 22 w 1130724"/>
-                <a:gd name="connsiteY3" fmla="*/ 565575 h 565575"/>
-                <a:gd name="connsiteX4" fmla="*/ 0 w 1130724"/>
-                <a:gd name="connsiteY4" fmla="*/ 565362 h 565575"/>
-                <a:gd name="connsiteX5" fmla="*/ 565362 w 1130724"/>
-                <a:gd name="connsiteY5" fmla="*/ 0 h 565575"/>
-              </a:gdLst>
-              <a:ahLst/>
-              <a:cxnLst>
-                <a:cxn ang="0">
-                  <a:pos x="connsiteX0" y="connsiteY0"/>
-                </a:cxn>
-                <a:cxn ang="0">
-                  <a:pos x="connsiteX1" y="connsiteY1"/>
-                </a:cxn>
-                <a:cxn ang="0">
-                  <a:pos x="connsiteX2" y="connsiteY2"/>
-                </a:cxn>
-                <a:cxn ang="0">
-                  <a:pos x="connsiteX3" y="connsiteY3"/>
-                </a:cxn>
-                <a:cxn ang="0">
-                  <a:pos x="connsiteX4" y="connsiteY4"/>
-                </a:cxn>
-                <a:cxn ang="0">
-                  <a:pos x="connsiteX5" y="connsiteY5"/>
-                </a:cxn>
-              </a:cxnLst>
-              <a:rect l="l" t="t" r="r" b="b"/>
-              <a:pathLst>
-                <a:path w="1130724" h="565575">
-                  <a:moveTo>
-                    <a:pt x="565362" y="0"/>
-                  </a:moveTo>
-                  <a:cubicBezTo>
-                    <a:pt x="877603" y="0"/>
-                    <a:pt x="1130724" y="253121"/>
-                    <a:pt x="1130724" y="565362"/>
-                  </a:cubicBezTo>
-                  <a:lnTo>
-                    <a:pt x="1130703" y="565575"/>
-                  </a:lnTo>
-                  <a:lnTo>
-                    <a:pt x="22" y="565575"/>
-                  </a:lnTo>
-                  <a:lnTo>
-                    <a:pt x="0" y="565362"/>
-                  </a:lnTo>
-                  <a:cubicBezTo>
-                    <a:pt x="0" y="253121"/>
-                    <a:pt x="253121" y="0"/>
-                    <a:pt x="565362" y="0"/>
-                  </a:cubicBezTo>
-                  <a:close/>
-                </a:path>
-              </a:pathLst>
-            </a:custGeom>
-            <a:solidFill>
-              <a:schemeClr val="accent1"/>
-            </a:solidFill>
-            <a:ln>
-              <a:noFill/>
-            </a:ln>
-          </p:spPr>
-          <p:style>
-            <a:lnRef idx="2">
-              <a:schemeClr val="accent1">
-                <a:shade val="50000"/>
-              </a:schemeClr>
-            </a:lnRef>
-            <a:fillRef idx="1">
-              <a:schemeClr val="accent1"/>
-            </a:fillRef>
-            <a:effectRef idx="0">
-              <a:schemeClr val="accent1"/>
-            </a:effectRef>
-            <a:fontRef idx="minor">
-              <a:schemeClr val="lt1"/>
-            </a:fontRef>
-          </p:style>
-          <p:txBody>
-            <a:bodyPr wrap="square" rtlCol="0" anchor="ctr">
-              <a:noAutofit/>
-            </a:bodyPr>
-            <a:lstStyle/>
-            <a:p>
-              <a:pPr algn="ctr"/>
-              <a:endParaRPr lang="en-US"/>
-            </a:p>
-          </p:txBody>
-        </p:sp>
-        <p:sp>
-          <p:nvSpPr>
-            <p:cNvPr id="18" name="Oval 17">
-              <a:extLst>
-                <a:ext uri="{FF2B5EF4-FFF2-40B4-BE49-F238E27FC236}">
-                  <a16:creationId xmlns:a16="http://schemas.microsoft.com/office/drawing/2014/main" id="{AC1ECAD8-0CF2-934D-AA1E-C108208CDE6F}"/>
-                </a:ext>
-                <a:ext uri="{C183D7F6-B498-43B3-948B-1728B52AA6E4}">
-                  <adec:decorative xmlns:adec="http://schemas.microsoft.com/office/drawing/2017/decorative" val="1"/>
-                </a:ext>
-              </a:extLst>
-            </p:cNvPr>
-            <p:cNvSpPr/>
-            <p:nvPr>
-              <p:extLst>
-                <p:ext uri="{386F3935-93C4-4BCD-93E2-E3B085C9AB24}">
-                  <p16:designElem xmlns:p16="http://schemas.microsoft.com/office/powerpoint/2015/main" val="1"/>
-                </p:ext>
-              </p:extLst>
-            </p:nvPr>
-          </p:nvSpPr>
-          <p:spPr>
-            <a:xfrm>
-              <a:off x="8927118" y="4920911"/>
-              <a:ext cx="1130725" cy="1130724"/>
-            </a:xfrm>
-            <a:prstGeom prst="ellipse">
-              <a:avLst/>
-            </a:prstGeom>
-            <a:solidFill>
-              <a:schemeClr val="bg2"/>
-            </a:solidFill>
-            <a:ln>
-              <a:noFill/>
-            </a:ln>
-          </p:spPr>
-          <p:style>
-            <a:lnRef idx="2">
-              <a:schemeClr val="accent1">
-                <a:shade val="50000"/>
-              </a:schemeClr>
-            </a:lnRef>
-            <a:fillRef idx="1">
-              <a:schemeClr val="accent1"/>
-            </a:fillRef>
-            <a:effectRef idx="0">
-              <a:schemeClr val="accent1"/>
-            </a:effectRef>
-            <a:fontRef idx="minor">
-              <a:schemeClr val="lt1"/>
-            </a:fontRef>
-          </p:style>
-          <p:txBody>
-            <a:bodyPr rtlCol="0" anchor="ctr"/>
-            <a:lstStyle/>
-            <a:p>
-              <a:pPr algn="ctr"/>
-              <a:endParaRPr lang="en-US"/>
-            </a:p>
-          </p:txBody>
-        </p:sp>
-        <p:sp>
-          <p:nvSpPr>
-            <p:cNvPr id="19" name="Oval 18">
-              <a:extLst>
-                <a:ext uri="{FF2B5EF4-FFF2-40B4-BE49-F238E27FC236}">
-                  <a16:creationId xmlns:a16="http://schemas.microsoft.com/office/drawing/2014/main" id="{DB14DED1-3A58-8C4D-902E-2A9F34043F61}"/>
-                </a:ext>
-                <a:ext uri="{C183D7F6-B498-43B3-948B-1728B52AA6E4}">
-                  <adec:decorative xmlns:adec="http://schemas.microsoft.com/office/drawing/2017/decorative" val="1"/>
-                </a:ext>
-              </a:extLst>
-            </p:cNvPr>
-            <p:cNvSpPr/>
-            <p:nvPr>
-              <p:extLst>
-                <p:ext uri="{386F3935-93C4-4BCD-93E2-E3B085C9AB24}">
-                  <p16:designElem xmlns:p16="http://schemas.microsoft.com/office/powerpoint/2015/main" val="1"/>
-                </p:ext>
-              </p:extLst>
-            </p:nvPr>
-          </p:nvSpPr>
-          <p:spPr>
-            <a:xfrm>
-              <a:off x="8927118" y="3549396"/>
-              <a:ext cx="1130725" cy="1130724"/>
-            </a:xfrm>
-            <a:prstGeom prst="ellipse">
-              <a:avLst/>
-            </a:prstGeom>
-            <a:solidFill>
-              <a:schemeClr val="accent1"/>
-            </a:solidFill>
-            <a:ln>
-              <a:noFill/>
-            </a:ln>
-          </p:spPr>
-          <p:style>
-            <a:lnRef idx="2">
-              <a:schemeClr val="accent1">
-                <a:shade val="50000"/>
-              </a:schemeClr>
-            </a:lnRef>
-            <a:fillRef idx="1">
-              <a:schemeClr val="accent1"/>
-            </a:fillRef>
-            <a:effectRef idx="0">
-              <a:schemeClr val="accent1"/>
-            </a:effectRef>
-            <a:fontRef idx="minor">
-              <a:schemeClr val="lt1"/>
-            </a:fontRef>
-          </p:style>
-          <p:txBody>
-            <a:bodyPr rtlCol="0" anchor="ctr"/>
-            <a:lstStyle/>
-            <a:p>
-              <a:pPr algn="ctr"/>
-              <a:endParaRPr lang="en-US"/>
-            </a:p>
-          </p:txBody>
-        </p:sp>
-        <p:sp>
-          <p:nvSpPr>
-            <p:cNvPr id="20" name="Oval 19">
-              <a:extLst>
-                <a:ext uri="{FF2B5EF4-FFF2-40B4-BE49-F238E27FC236}">
-                  <a16:creationId xmlns:a16="http://schemas.microsoft.com/office/drawing/2014/main" id="{65D65157-5719-0341-A807-A8956595FB4C}"/>
-                </a:ext>
-                <a:ext uri="{C183D7F6-B498-43B3-948B-1728B52AA6E4}">
-                  <adec:decorative xmlns:adec="http://schemas.microsoft.com/office/drawing/2017/decorative" val="1"/>
-                </a:ext>
-              </a:extLst>
-            </p:cNvPr>
-            <p:cNvSpPr/>
-            <p:nvPr>
-              <p:extLst>
-                <p:ext uri="{386F3935-93C4-4BCD-93E2-E3B085C9AB24}">
-                  <p16:designElem xmlns:p16="http://schemas.microsoft.com/office/powerpoint/2015/main" val="1"/>
-                </p:ext>
-              </p:extLst>
-            </p:nvPr>
-          </p:nvSpPr>
-          <p:spPr>
-            <a:xfrm>
-              <a:off x="8927118" y="2177881"/>
-              <a:ext cx="1130725" cy="1130724"/>
-            </a:xfrm>
-            <a:prstGeom prst="ellipse">
-              <a:avLst/>
-            </a:prstGeom>
-            <a:solidFill>
-              <a:schemeClr val="accent1"/>
-            </a:solidFill>
-            <a:ln>
-              <a:noFill/>
-            </a:ln>
-          </p:spPr>
-          <p:style>
-            <a:lnRef idx="2">
-              <a:schemeClr val="accent1">
-                <a:shade val="50000"/>
-              </a:schemeClr>
-            </a:lnRef>
-            <a:fillRef idx="1">
-              <a:schemeClr val="accent1"/>
-            </a:fillRef>
-            <a:effectRef idx="0">
-              <a:schemeClr val="accent1"/>
-            </a:effectRef>
-            <a:fontRef idx="minor">
-              <a:schemeClr val="lt1"/>
-            </a:fontRef>
-          </p:style>
-          <p:txBody>
-            <a:bodyPr rtlCol="0" anchor="ctr"/>
-            <a:lstStyle/>
-            <a:p>
-              <a:pPr algn="ctr"/>
-              <a:endParaRPr lang="en-US"/>
-            </a:p>
-          </p:txBody>
-        </p:sp>
-        <p:sp>
-          <p:nvSpPr>
-            <p:cNvPr id="21" name="Oval 20">
-              <a:extLst>
-                <a:ext uri="{FF2B5EF4-FFF2-40B4-BE49-F238E27FC236}">
-                  <a16:creationId xmlns:a16="http://schemas.microsoft.com/office/drawing/2014/main" id="{A7F23F74-B777-2A4C-8EF9-E798880D5942}"/>
-                </a:ext>
-                <a:ext uri="{C183D7F6-B498-43B3-948B-1728B52AA6E4}">
-                  <adec:decorative xmlns:adec="http://schemas.microsoft.com/office/drawing/2017/decorative" val="1"/>
-                </a:ext>
-              </a:extLst>
-            </p:cNvPr>
-            <p:cNvSpPr/>
-            <p:nvPr>
-              <p:extLst>
-                <p:ext uri="{386F3935-93C4-4BCD-93E2-E3B085C9AB24}">
-                  <p16:designElem xmlns:p16="http://schemas.microsoft.com/office/powerpoint/2015/main" val="1"/>
-                </p:ext>
-              </p:extLst>
-            </p:nvPr>
-          </p:nvSpPr>
-          <p:spPr>
-            <a:xfrm>
-              <a:off x="8927118" y="806366"/>
-              <a:ext cx="1130725" cy="1130724"/>
-            </a:xfrm>
-            <a:prstGeom prst="ellipse">
-              <a:avLst/>
-            </a:prstGeom>
-            <a:solidFill>
-              <a:schemeClr val="bg2"/>
-            </a:solidFill>
-            <a:ln>
-              <a:noFill/>
-            </a:ln>
-          </p:spPr>
-          <p:style>
-            <a:lnRef idx="2">
-              <a:schemeClr val="accent1">
-                <a:shade val="50000"/>
-              </a:schemeClr>
-            </a:lnRef>
-            <a:fillRef idx="1">
-              <a:schemeClr val="accent1"/>
-            </a:fillRef>
-            <a:effectRef idx="0">
-              <a:schemeClr val="accent1"/>
-            </a:effectRef>
-            <a:fontRef idx="minor">
-              <a:schemeClr val="lt1"/>
-            </a:fontRef>
-          </p:style>
-          <p:txBody>
-            <a:bodyPr rtlCol="0" anchor="ctr"/>
-            <a:lstStyle/>
-            <a:p>
-              <a:pPr algn="ctr"/>
-              <a:endParaRPr lang="en-US"/>
-            </a:p>
-          </p:txBody>
-        </p:sp>
-        <p:sp>
-          <p:nvSpPr>
-            <p:cNvPr id="22" name="Freeform 70">
-              <a:extLst>
-                <a:ext uri="{FF2B5EF4-FFF2-40B4-BE49-F238E27FC236}">
-                  <a16:creationId xmlns:a16="http://schemas.microsoft.com/office/drawing/2014/main" id="{E3B9A050-0AE1-1D4B-A2AC-6EEF64B106D9}"/>
-                </a:ext>
-                <a:ext uri="{C183D7F6-B498-43B3-948B-1728B52AA6E4}">
-                  <adec:decorative xmlns:adec="http://schemas.microsoft.com/office/drawing/2017/decorative" val="1"/>
-                </a:ext>
-              </a:extLst>
-            </p:cNvPr>
-            <p:cNvSpPr/>
-            <p:nvPr>
-              <p:extLst>
-                <p:ext uri="{386F3935-93C4-4BCD-93E2-E3B085C9AB24}">
-                  <p16:designElem xmlns:p16="http://schemas.microsoft.com/office/powerpoint/2015/main" val="1"/>
-                </p:ext>
-              </p:extLst>
-            </p:nvPr>
-          </p:nvSpPr>
-          <p:spPr>
-            <a:xfrm>
-              <a:off x="8927117" y="0"/>
-              <a:ext cx="1130726" cy="565576"/>
-            </a:xfrm>
-            <a:custGeom>
-              <a:avLst/>
-              <a:gdLst>
-                <a:gd name="connsiteX0" fmla="*/ 22 w 1130726"/>
-                <a:gd name="connsiteY0" fmla="*/ 0 h 565576"/>
-                <a:gd name="connsiteX1" fmla="*/ 1130704 w 1130726"/>
-                <a:gd name="connsiteY1" fmla="*/ 0 h 565576"/>
-                <a:gd name="connsiteX2" fmla="*/ 1130726 w 1130726"/>
-                <a:gd name="connsiteY2" fmla="*/ 214 h 565576"/>
-                <a:gd name="connsiteX3" fmla="*/ 565363 w 1130726"/>
-                <a:gd name="connsiteY3" fmla="*/ 565576 h 565576"/>
-                <a:gd name="connsiteX4" fmla="*/ 0 w 1130726"/>
-                <a:gd name="connsiteY4" fmla="*/ 214 h 565576"/>
-              </a:gdLst>
-              <a:ahLst/>
-              <a:cxnLst>
-                <a:cxn ang="0">
-                  <a:pos x="connsiteX0" y="connsiteY0"/>
-                </a:cxn>
-                <a:cxn ang="0">
-                  <a:pos x="connsiteX1" y="connsiteY1"/>
-                </a:cxn>
-                <a:cxn ang="0">
-                  <a:pos x="connsiteX2" y="connsiteY2"/>
-                </a:cxn>
-                <a:cxn ang="0">
-                  <a:pos x="connsiteX3" y="connsiteY3"/>
-                </a:cxn>
-                <a:cxn ang="0">
-                  <a:pos x="connsiteX4" y="connsiteY4"/>
-                </a:cxn>
-              </a:cxnLst>
-              <a:rect l="l" t="t" r="r" b="b"/>
-              <a:pathLst>
-                <a:path w="1130726" h="565576">
-                  <a:moveTo>
-                    <a:pt x="22" y="0"/>
-                  </a:moveTo>
-                  <a:lnTo>
-                    <a:pt x="1130704" y="0"/>
-                  </a:lnTo>
-                  <a:lnTo>
-                    <a:pt x="1130726" y="214"/>
-                  </a:lnTo>
-                  <a:cubicBezTo>
-                    <a:pt x="1130726" y="312455"/>
-                    <a:pt x="877604" y="565576"/>
-                    <a:pt x="565363" y="565576"/>
-                  </a:cubicBezTo>
-                  <a:cubicBezTo>
-                    <a:pt x="253122" y="565576"/>
-                    <a:pt x="0" y="312455"/>
-                    <a:pt x="0" y="214"/>
-                  </a:cubicBezTo>
-                  <a:close/>
-                </a:path>
-              </a:pathLst>
-            </a:custGeom>
-            <a:solidFill>
-              <a:schemeClr val="accent1"/>
-            </a:solidFill>
-            <a:ln>
-              <a:noFill/>
-            </a:ln>
-          </p:spPr>
-          <p:style>
-            <a:lnRef idx="2">
-              <a:schemeClr val="accent1">
-                <a:shade val="50000"/>
-              </a:schemeClr>
-            </a:lnRef>
-            <a:fillRef idx="1">
-              <a:schemeClr val="accent1"/>
-            </a:fillRef>
-            <a:effectRef idx="0">
-              <a:schemeClr val="accent1"/>
-            </a:effectRef>
-            <a:fontRef idx="minor">
-              <a:schemeClr val="lt1"/>
-            </a:fontRef>
-          </p:style>
-          <p:txBody>
-            <a:bodyPr wrap="square" rtlCol="0" anchor="ctr">
-              <a:noAutofit/>
-            </a:bodyPr>
-            <a:lstStyle/>
-            <a:p>
-              <a:pPr algn="ctr"/>
-              <a:endParaRPr lang="en-US"/>
-            </a:p>
-          </p:txBody>
-        </p:sp>
-        <p:sp>
-          <p:nvSpPr>
-            <p:cNvPr id="23" name="Freeform 71">
-              <a:extLst>
-                <a:ext uri="{FF2B5EF4-FFF2-40B4-BE49-F238E27FC236}">
-                  <a16:creationId xmlns:a16="http://schemas.microsoft.com/office/drawing/2014/main" id="{C424FE38-F803-8D47-BF56-1B18EC2B1F03}"/>
-                </a:ext>
-                <a:ext uri="{C183D7F6-B498-43B3-948B-1728B52AA6E4}">
-                  <adec:decorative xmlns:adec="http://schemas.microsoft.com/office/drawing/2017/decorative" val="1"/>
-                </a:ext>
-              </a:extLst>
-            </p:cNvPr>
-            <p:cNvSpPr/>
-            <p:nvPr>
-              <p:extLst>
-                <p:ext uri="{386F3935-93C4-4BCD-93E2-E3B085C9AB24}">
-                  <p16:designElem xmlns:p16="http://schemas.microsoft.com/office/powerpoint/2015/main" val="1"/>
-                </p:ext>
-              </p:extLst>
-            </p:nvPr>
-          </p:nvSpPr>
-          <p:spPr>
-            <a:xfrm>
-              <a:off x="10289984" y="6292426"/>
-              <a:ext cx="1130724" cy="565575"/>
-            </a:xfrm>
-            <a:custGeom>
-              <a:avLst/>
-              <a:gdLst>
-                <a:gd name="connsiteX0" fmla="*/ 565362 w 1130724"/>
-                <a:gd name="connsiteY0" fmla="*/ 0 h 565575"/>
-                <a:gd name="connsiteX1" fmla="*/ 1130724 w 1130724"/>
-                <a:gd name="connsiteY1" fmla="*/ 565362 h 565575"/>
-                <a:gd name="connsiteX2" fmla="*/ 1130703 w 1130724"/>
-                <a:gd name="connsiteY2" fmla="*/ 565575 h 565575"/>
-                <a:gd name="connsiteX3" fmla="*/ 21 w 1130724"/>
-                <a:gd name="connsiteY3" fmla="*/ 565575 h 565575"/>
-                <a:gd name="connsiteX4" fmla="*/ 0 w 1130724"/>
-                <a:gd name="connsiteY4" fmla="*/ 565362 h 565575"/>
-                <a:gd name="connsiteX5" fmla="*/ 565362 w 1130724"/>
-                <a:gd name="connsiteY5" fmla="*/ 0 h 565575"/>
-              </a:gdLst>
-              <a:ahLst/>
-              <a:cxnLst>
-                <a:cxn ang="0">
-                  <a:pos x="connsiteX0" y="connsiteY0"/>
-                </a:cxn>
-                <a:cxn ang="0">
-                  <a:pos x="connsiteX1" y="connsiteY1"/>
-                </a:cxn>
-                <a:cxn ang="0">
-                  <a:pos x="connsiteX2" y="connsiteY2"/>
-                </a:cxn>
-                <a:cxn ang="0">
-                  <a:pos x="connsiteX3" y="connsiteY3"/>
-                </a:cxn>
-                <a:cxn ang="0">
-                  <a:pos x="connsiteX4" y="connsiteY4"/>
-                </a:cxn>
-                <a:cxn ang="0">
-                  <a:pos x="connsiteX5" y="connsiteY5"/>
-                </a:cxn>
-              </a:cxnLst>
-              <a:rect l="l" t="t" r="r" b="b"/>
-              <a:pathLst>
-                <a:path w="1130724" h="565575">
-                  <a:moveTo>
-                    <a:pt x="565362" y="0"/>
-                  </a:moveTo>
-                  <a:cubicBezTo>
-                    <a:pt x="877603" y="0"/>
-                    <a:pt x="1130724" y="253121"/>
-                    <a:pt x="1130724" y="565362"/>
-                  </a:cubicBezTo>
-                  <a:lnTo>
-                    <a:pt x="1130703" y="565575"/>
-                  </a:lnTo>
-                  <a:lnTo>
-                    <a:pt x="21" y="565575"/>
-                  </a:lnTo>
-                  <a:lnTo>
-                    <a:pt x="0" y="565362"/>
-                  </a:lnTo>
-                  <a:cubicBezTo>
-                    <a:pt x="0" y="253121"/>
-                    <a:pt x="253121" y="0"/>
-                    <a:pt x="565362" y="0"/>
-                  </a:cubicBezTo>
-                  <a:close/>
-                </a:path>
-              </a:pathLst>
-            </a:custGeom>
-            <a:solidFill>
-              <a:schemeClr val="bg2"/>
-            </a:solidFill>
-            <a:ln>
-              <a:noFill/>
-            </a:ln>
-          </p:spPr>
-          <p:style>
-            <a:lnRef idx="2">
-              <a:schemeClr val="accent1">
-                <a:shade val="50000"/>
-              </a:schemeClr>
-            </a:lnRef>
-            <a:fillRef idx="1">
-              <a:schemeClr val="accent1"/>
-            </a:fillRef>
-            <a:effectRef idx="0">
-              <a:schemeClr val="accent1"/>
-            </a:effectRef>
-            <a:fontRef idx="minor">
-              <a:schemeClr val="lt1"/>
-            </a:fontRef>
-          </p:style>
-          <p:txBody>
-            <a:bodyPr wrap="square" rtlCol="0" anchor="ctr">
-              <a:noAutofit/>
-            </a:bodyPr>
-            <a:lstStyle/>
-            <a:p>
-              <a:pPr algn="ctr"/>
-              <a:endParaRPr lang="en-US"/>
-            </a:p>
-          </p:txBody>
-        </p:sp>
-        <p:sp>
-          <p:nvSpPr>
-            <p:cNvPr id="24" name="Oval 23">
-              <a:extLst>
-                <a:ext uri="{FF2B5EF4-FFF2-40B4-BE49-F238E27FC236}">
-                  <a16:creationId xmlns:a16="http://schemas.microsoft.com/office/drawing/2014/main" id="{E37187F2-9212-0641-97D0-1ACD50B748A8}"/>
-                </a:ext>
-                <a:ext uri="{C183D7F6-B498-43B3-948B-1728B52AA6E4}">
-                  <adec:decorative xmlns:adec="http://schemas.microsoft.com/office/drawing/2017/decorative" val="1"/>
-                </a:ext>
-              </a:extLst>
-            </p:cNvPr>
-            <p:cNvSpPr/>
-            <p:nvPr>
-              <p:extLst>
-                <p:ext uri="{386F3935-93C4-4BCD-93E2-E3B085C9AB24}">
-                  <p16:designElem xmlns:p16="http://schemas.microsoft.com/office/powerpoint/2015/main" val="1"/>
-                </p:ext>
-              </p:extLst>
-            </p:nvPr>
-          </p:nvSpPr>
-          <p:spPr>
-            <a:xfrm>
-              <a:off x="10289984" y="4920911"/>
-              <a:ext cx="1130725" cy="1130724"/>
-            </a:xfrm>
-            <a:prstGeom prst="ellipse">
-              <a:avLst/>
-            </a:prstGeom>
-            <a:solidFill>
-              <a:schemeClr val="accent1"/>
-            </a:solidFill>
-            <a:ln>
-              <a:noFill/>
-            </a:ln>
-          </p:spPr>
-          <p:style>
-            <a:lnRef idx="2">
-              <a:schemeClr val="accent1">
-                <a:shade val="50000"/>
-              </a:schemeClr>
-            </a:lnRef>
-            <a:fillRef idx="1">
-              <a:schemeClr val="accent1"/>
-            </a:fillRef>
-            <a:effectRef idx="0">
-              <a:schemeClr val="accent1"/>
-            </a:effectRef>
-            <a:fontRef idx="minor">
-              <a:schemeClr val="lt1"/>
-            </a:fontRef>
-          </p:style>
-          <p:txBody>
-            <a:bodyPr rtlCol="0" anchor="ctr"/>
-            <a:lstStyle/>
-            <a:p>
-              <a:pPr algn="ctr"/>
-              <a:endParaRPr lang="en-US"/>
-            </a:p>
-          </p:txBody>
-        </p:sp>
-        <p:sp>
-          <p:nvSpPr>
-            <p:cNvPr id="25" name="Oval 24">
-              <a:extLst>
-                <a:ext uri="{FF2B5EF4-FFF2-40B4-BE49-F238E27FC236}">
-                  <a16:creationId xmlns:a16="http://schemas.microsoft.com/office/drawing/2014/main" id="{C760C651-2AC4-564E-BEAA-AB7FAFE7F79F}"/>
-                </a:ext>
-                <a:ext uri="{C183D7F6-B498-43B3-948B-1728B52AA6E4}">
-                  <adec:decorative xmlns:adec="http://schemas.microsoft.com/office/drawing/2017/decorative" val="1"/>
-                </a:ext>
-              </a:extLst>
-            </p:cNvPr>
-            <p:cNvSpPr/>
-            <p:nvPr>
-              <p:extLst>
-                <p:ext uri="{386F3935-93C4-4BCD-93E2-E3B085C9AB24}">
-                  <p16:designElem xmlns:p16="http://schemas.microsoft.com/office/powerpoint/2015/main" val="1"/>
-                </p:ext>
-              </p:extLst>
-            </p:nvPr>
-          </p:nvSpPr>
-          <p:spPr>
-            <a:xfrm>
-              <a:off x="10289984" y="3549396"/>
-              <a:ext cx="1130725" cy="1130724"/>
-            </a:xfrm>
-            <a:prstGeom prst="ellipse">
-              <a:avLst/>
-            </a:prstGeom>
-            <a:solidFill>
-              <a:schemeClr val="bg2"/>
-            </a:solidFill>
-            <a:ln>
-              <a:noFill/>
-            </a:ln>
-          </p:spPr>
-          <p:style>
-            <a:lnRef idx="2">
-              <a:schemeClr val="accent1">
-                <a:shade val="50000"/>
-              </a:schemeClr>
-            </a:lnRef>
-            <a:fillRef idx="1">
-              <a:schemeClr val="accent1"/>
-            </a:fillRef>
-            <a:effectRef idx="0">
-              <a:schemeClr val="accent1"/>
-            </a:effectRef>
-            <a:fontRef idx="minor">
-              <a:schemeClr val="lt1"/>
-            </a:fontRef>
-          </p:style>
-          <p:txBody>
-            <a:bodyPr rtlCol="0" anchor="ctr"/>
-            <a:lstStyle/>
-            <a:p>
-              <a:pPr algn="ctr"/>
-              <a:endParaRPr lang="en-US"/>
-            </a:p>
-          </p:txBody>
-        </p:sp>
-        <p:sp>
-          <p:nvSpPr>
-            <p:cNvPr id="26" name="Oval 25">
-              <a:extLst>
-                <a:ext uri="{FF2B5EF4-FFF2-40B4-BE49-F238E27FC236}">
-                  <a16:creationId xmlns:a16="http://schemas.microsoft.com/office/drawing/2014/main" id="{58B0A1B8-5BA3-3548-9511-B4904D05264B}"/>
-                </a:ext>
-                <a:ext uri="{C183D7F6-B498-43B3-948B-1728B52AA6E4}">
-                  <adec:decorative xmlns:adec="http://schemas.microsoft.com/office/drawing/2017/decorative" val="1"/>
-                </a:ext>
-              </a:extLst>
-            </p:cNvPr>
-            <p:cNvSpPr/>
-            <p:nvPr>
-              <p:extLst>
-                <p:ext uri="{386F3935-93C4-4BCD-93E2-E3B085C9AB24}">
-                  <p16:designElem xmlns:p16="http://schemas.microsoft.com/office/powerpoint/2015/main" val="1"/>
-                </p:ext>
-              </p:extLst>
-            </p:nvPr>
-          </p:nvSpPr>
-          <p:spPr>
-            <a:xfrm>
-              <a:off x="10289984" y="806366"/>
-              <a:ext cx="1130725" cy="1130724"/>
-            </a:xfrm>
-            <a:prstGeom prst="ellipse">
-              <a:avLst/>
-            </a:prstGeom>
-            <a:solidFill>
-              <a:schemeClr val="bg2"/>
-            </a:solidFill>
-            <a:ln>
-              <a:noFill/>
-            </a:ln>
-          </p:spPr>
-          <p:style>
-            <a:lnRef idx="2">
-              <a:schemeClr val="accent1">
-                <a:shade val="50000"/>
-              </a:schemeClr>
-            </a:lnRef>
-            <a:fillRef idx="1">
-              <a:schemeClr val="accent1"/>
-            </a:fillRef>
-            <a:effectRef idx="0">
-              <a:schemeClr val="accent1"/>
-            </a:effectRef>
-            <a:fontRef idx="minor">
-              <a:schemeClr val="lt1"/>
-            </a:fontRef>
-          </p:style>
-          <p:txBody>
-            <a:bodyPr rtlCol="0" anchor="ctr"/>
-            <a:lstStyle/>
-            <a:p>
-              <a:pPr algn="ctr"/>
-              <a:endParaRPr lang="en-US"/>
-            </a:p>
-          </p:txBody>
-        </p:sp>
-        <p:sp>
-          <p:nvSpPr>
-            <p:cNvPr id="27" name="Freeform 75">
-              <a:extLst>
-                <a:ext uri="{FF2B5EF4-FFF2-40B4-BE49-F238E27FC236}">
-                  <a16:creationId xmlns:a16="http://schemas.microsoft.com/office/drawing/2014/main" id="{424CD779-EE9A-214D-9488-767327E373AA}"/>
-                </a:ext>
-                <a:ext uri="{C183D7F6-B498-43B3-948B-1728B52AA6E4}">
-                  <adec:decorative xmlns:adec="http://schemas.microsoft.com/office/drawing/2017/decorative" val="1"/>
-                </a:ext>
-              </a:extLst>
-            </p:cNvPr>
-            <p:cNvSpPr/>
-            <p:nvPr>
-              <p:extLst>
-                <p:ext uri="{386F3935-93C4-4BCD-93E2-E3B085C9AB24}">
-                  <p16:designElem xmlns:p16="http://schemas.microsoft.com/office/powerpoint/2015/main" val="1"/>
-                </p:ext>
-              </p:extLst>
-            </p:nvPr>
-          </p:nvSpPr>
-          <p:spPr>
-            <a:xfrm>
-              <a:off x="10289983" y="0"/>
-              <a:ext cx="1130726" cy="565576"/>
-            </a:xfrm>
-            <a:custGeom>
-              <a:avLst/>
-              <a:gdLst>
-                <a:gd name="connsiteX0" fmla="*/ 21 w 1130726"/>
-                <a:gd name="connsiteY0" fmla="*/ 0 h 565576"/>
-                <a:gd name="connsiteX1" fmla="*/ 1130704 w 1130726"/>
-                <a:gd name="connsiteY1" fmla="*/ 0 h 565576"/>
-                <a:gd name="connsiteX2" fmla="*/ 1130726 w 1130726"/>
-                <a:gd name="connsiteY2" fmla="*/ 214 h 565576"/>
-                <a:gd name="connsiteX3" fmla="*/ 565363 w 1130726"/>
-                <a:gd name="connsiteY3" fmla="*/ 565576 h 565576"/>
-                <a:gd name="connsiteX4" fmla="*/ 0 w 1130726"/>
-                <a:gd name="connsiteY4" fmla="*/ 214 h 565576"/>
-              </a:gdLst>
-              <a:ahLst/>
-              <a:cxnLst>
-                <a:cxn ang="0">
-                  <a:pos x="connsiteX0" y="connsiteY0"/>
-                </a:cxn>
-                <a:cxn ang="0">
-                  <a:pos x="connsiteX1" y="connsiteY1"/>
-                </a:cxn>
-                <a:cxn ang="0">
-                  <a:pos x="connsiteX2" y="connsiteY2"/>
-                </a:cxn>
-                <a:cxn ang="0">
-                  <a:pos x="connsiteX3" y="connsiteY3"/>
-                </a:cxn>
-                <a:cxn ang="0">
-                  <a:pos x="connsiteX4" y="connsiteY4"/>
-                </a:cxn>
-              </a:cxnLst>
-              <a:rect l="l" t="t" r="r" b="b"/>
-              <a:pathLst>
-                <a:path w="1130726" h="565576">
-                  <a:moveTo>
-                    <a:pt x="21" y="0"/>
-                  </a:moveTo>
-                  <a:lnTo>
-                    <a:pt x="1130704" y="0"/>
-                  </a:lnTo>
-                  <a:lnTo>
-                    <a:pt x="1130726" y="214"/>
-                  </a:lnTo>
-                  <a:cubicBezTo>
-                    <a:pt x="1130726" y="312455"/>
-                    <a:pt x="877604" y="565576"/>
-                    <a:pt x="565363" y="565576"/>
-                  </a:cubicBezTo>
-                  <a:cubicBezTo>
-                    <a:pt x="253122" y="565576"/>
-                    <a:pt x="0" y="312455"/>
-                    <a:pt x="0" y="214"/>
-                  </a:cubicBezTo>
-                  <a:close/>
-                </a:path>
-              </a:pathLst>
-            </a:custGeom>
-            <a:solidFill>
-              <a:schemeClr val="bg2"/>
-            </a:solidFill>
-            <a:ln>
-              <a:noFill/>
-            </a:ln>
-          </p:spPr>
-          <p:style>
-            <a:lnRef idx="2">
-              <a:schemeClr val="accent1">
-                <a:shade val="50000"/>
-              </a:schemeClr>
-            </a:lnRef>
-            <a:fillRef idx="1">
-              <a:schemeClr val="accent1"/>
-            </a:fillRef>
-            <a:effectRef idx="0">
-              <a:schemeClr val="accent1"/>
-            </a:effectRef>
-            <a:fontRef idx="minor">
-              <a:schemeClr val="lt1"/>
-            </a:fontRef>
-          </p:style>
-          <p:txBody>
-            <a:bodyPr wrap="square" rtlCol="0" anchor="ctr">
-              <a:noAutofit/>
-            </a:bodyPr>
-            <a:lstStyle/>
-            <a:p>
-              <a:pPr algn="ctr"/>
-              <a:endParaRPr lang="en-US"/>
-            </a:p>
-          </p:txBody>
-        </p:sp>
-        <p:sp>
-          <p:nvSpPr>
-            <p:cNvPr id="28" name="Freeform 76">
-              <a:extLst>
-                <a:ext uri="{FF2B5EF4-FFF2-40B4-BE49-F238E27FC236}">
-                  <a16:creationId xmlns:a16="http://schemas.microsoft.com/office/drawing/2014/main" id="{630D08C6-9EFB-8540-875F-2A55DED2AAE3}"/>
-                </a:ext>
-                <a:ext uri="{C183D7F6-B498-43B3-948B-1728B52AA6E4}">
-                  <adec:decorative xmlns:adec="http://schemas.microsoft.com/office/drawing/2017/decorative" val="1"/>
-                </a:ext>
-              </a:extLst>
-            </p:cNvPr>
-            <p:cNvSpPr/>
-            <p:nvPr>
-              <p:extLst>
-                <p:ext uri="{386F3935-93C4-4BCD-93E2-E3B085C9AB24}">
-                  <p16:designElem xmlns:p16="http://schemas.microsoft.com/office/powerpoint/2015/main" val="1"/>
-                </p:ext>
-              </p:extLst>
-            </p:nvPr>
-          </p:nvSpPr>
-          <p:spPr>
-            <a:xfrm>
-              <a:off x="11652854" y="6295069"/>
-              <a:ext cx="539146" cy="562931"/>
-            </a:xfrm>
-            <a:custGeom>
-              <a:avLst/>
-              <a:gdLst>
-                <a:gd name="connsiteX0" fmla="*/ 539146 w 539146"/>
-                <a:gd name="connsiteY0" fmla="*/ 0 h 562931"/>
-                <a:gd name="connsiteX1" fmla="*/ 539146 w 539146"/>
-                <a:gd name="connsiteY1" fmla="*/ 562931 h 562931"/>
-                <a:gd name="connsiteX2" fmla="*/ 21 w 539146"/>
-                <a:gd name="connsiteY2" fmla="*/ 562931 h 562931"/>
-                <a:gd name="connsiteX3" fmla="*/ 0 w 539146"/>
-                <a:gd name="connsiteY3" fmla="*/ 562719 h 562931"/>
-                <a:gd name="connsiteX4" fmla="*/ 451422 w 539146"/>
-                <a:gd name="connsiteY4" fmla="*/ 8843 h 562931"/>
-              </a:gdLst>
-              <a:ahLst/>
-              <a:cxnLst>
-                <a:cxn ang="0">
-                  <a:pos x="connsiteX0" y="connsiteY0"/>
-                </a:cxn>
-                <a:cxn ang="0">
-                  <a:pos x="connsiteX1" y="connsiteY1"/>
-                </a:cxn>
-                <a:cxn ang="0">
-                  <a:pos x="connsiteX2" y="connsiteY2"/>
-                </a:cxn>
-                <a:cxn ang="0">
-                  <a:pos x="connsiteX3" y="connsiteY3"/>
-                </a:cxn>
-                <a:cxn ang="0">
-                  <a:pos x="connsiteX4" y="connsiteY4"/>
-                </a:cxn>
-              </a:cxnLst>
-              <a:rect l="l" t="t" r="r" b="b"/>
-              <a:pathLst>
-                <a:path w="539146" h="562931">
-                  <a:moveTo>
-                    <a:pt x="539146" y="0"/>
-                  </a:moveTo>
-                  <a:lnTo>
-                    <a:pt x="539146" y="562931"/>
-                  </a:lnTo>
-                  <a:lnTo>
-                    <a:pt x="21" y="562931"/>
-                  </a:lnTo>
-                  <a:lnTo>
-                    <a:pt x="0" y="562719"/>
-                  </a:lnTo>
-                  <a:cubicBezTo>
-                    <a:pt x="0" y="289508"/>
-                    <a:pt x="193796" y="61561"/>
-                    <a:pt x="451422" y="8843"/>
-                  </a:cubicBezTo>
-                  <a:close/>
-                </a:path>
-              </a:pathLst>
-            </a:custGeom>
-            <a:solidFill>
-              <a:schemeClr val="bg2"/>
-            </a:solidFill>
-            <a:ln>
-              <a:noFill/>
-            </a:ln>
-          </p:spPr>
-          <p:style>
-            <a:lnRef idx="2">
-              <a:schemeClr val="accent1">
-                <a:shade val="50000"/>
-              </a:schemeClr>
-            </a:lnRef>
-            <a:fillRef idx="1">
-              <a:schemeClr val="accent1"/>
-            </a:fillRef>
-            <a:effectRef idx="0">
-              <a:schemeClr val="accent1"/>
-            </a:effectRef>
-            <a:fontRef idx="minor">
-              <a:schemeClr val="lt1"/>
-            </a:fontRef>
-          </p:style>
-          <p:txBody>
-            <a:bodyPr wrap="square" rtlCol="0" anchor="ctr">
-              <a:noAutofit/>
-            </a:bodyPr>
-            <a:lstStyle/>
-            <a:p>
-              <a:pPr algn="ctr"/>
-              <a:endParaRPr lang="en-US"/>
-            </a:p>
-          </p:txBody>
-        </p:sp>
-        <p:sp>
-          <p:nvSpPr>
-            <p:cNvPr id="29" name="Freeform 77">
-              <a:extLst>
-                <a:ext uri="{FF2B5EF4-FFF2-40B4-BE49-F238E27FC236}">
-                  <a16:creationId xmlns:a16="http://schemas.microsoft.com/office/drawing/2014/main" id="{D7E8DA86-1294-4641-9C52-6E153150641C}"/>
-                </a:ext>
-                <a:ext uri="{C183D7F6-B498-43B3-948B-1728B52AA6E4}">
-                  <adec:decorative xmlns:adec="http://schemas.microsoft.com/office/drawing/2017/decorative" val="1"/>
-                </a:ext>
-              </a:extLst>
-            </p:cNvPr>
-            <p:cNvSpPr/>
-            <p:nvPr>
-              <p:extLst>
-                <p:ext uri="{386F3935-93C4-4BCD-93E2-E3B085C9AB24}">
-                  <p16:designElem xmlns:p16="http://schemas.microsoft.com/office/powerpoint/2015/main" val="1"/>
-                </p:ext>
-              </p:extLst>
-            </p:nvPr>
-          </p:nvSpPr>
-          <p:spPr>
-            <a:xfrm>
-              <a:off x="11652853" y="4923555"/>
-              <a:ext cx="539147" cy="1125439"/>
-            </a:xfrm>
-            <a:custGeom>
-              <a:avLst/>
-              <a:gdLst>
-                <a:gd name="connsiteX0" fmla="*/ 539147 w 539147"/>
-                <a:gd name="connsiteY0" fmla="*/ 0 h 1125439"/>
-                <a:gd name="connsiteX1" fmla="*/ 539147 w 539147"/>
-                <a:gd name="connsiteY1" fmla="*/ 1125439 h 1125439"/>
-                <a:gd name="connsiteX2" fmla="*/ 451423 w 539147"/>
-                <a:gd name="connsiteY2" fmla="*/ 1116595 h 1125439"/>
-                <a:gd name="connsiteX3" fmla="*/ 0 w 539147"/>
-                <a:gd name="connsiteY3" fmla="*/ 562719 h 1125439"/>
-                <a:gd name="connsiteX4" fmla="*/ 451423 w 539147"/>
-                <a:gd name="connsiteY4" fmla="*/ 8843 h 1125439"/>
-              </a:gdLst>
-              <a:ahLst/>
-              <a:cxnLst>
-                <a:cxn ang="0">
-                  <a:pos x="connsiteX0" y="connsiteY0"/>
-                </a:cxn>
-                <a:cxn ang="0">
-                  <a:pos x="connsiteX1" y="connsiteY1"/>
-                </a:cxn>
-                <a:cxn ang="0">
-                  <a:pos x="connsiteX2" y="connsiteY2"/>
-                </a:cxn>
-                <a:cxn ang="0">
-                  <a:pos x="connsiteX3" y="connsiteY3"/>
-                </a:cxn>
-                <a:cxn ang="0">
-                  <a:pos x="connsiteX4" y="connsiteY4"/>
-                </a:cxn>
-              </a:cxnLst>
-              <a:rect l="l" t="t" r="r" b="b"/>
-              <a:pathLst>
-                <a:path w="539147" h="1125439">
-                  <a:moveTo>
-                    <a:pt x="539147" y="0"/>
-                  </a:moveTo>
-                  <a:lnTo>
-                    <a:pt x="539147" y="1125439"/>
-                  </a:lnTo>
-                  <a:lnTo>
-                    <a:pt x="451423" y="1116595"/>
-                  </a:lnTo>
-                  <a:cubicBezTo>
-                    <a:pt x="193797" y="1063877"/>
-                    <a:pt x="0" y="835930"/>
-                    <a:pt x="0" y="562719"/>
-                  </a:cubicBezTo>
-                  <a:cubicBezTo>
-                    <a:pt x="0" y="289508"/>
-                    <a:pt x="193797" y="61561"/>
-                    <a:pt x="451423" y="8843"/>
-                  </a:cubicBezTo>
-                  <a:close/>
-                </a:path>
-              </a:pathLst>
-            </a:custGeom>
-            <a:solidFill>
-              <a:schemeClr val="accent1"/>
-            </a:solidFill>
-            <a:ln>
-              <a:noFill/>
-            </a:ln>
-          </p:spPr>
-          <p:style>
-            <a:lnRef idx="2">
-              <a:schemeClr val="accent1">
-                <a:shade val="50000"/>
-              </a:schemeClr>
-            </a:lnRef>
-            <a:fillRef idx="1">
-              <a:schemeClr val="accent1"/>
-            </a:fillRef>
-            <a:effectRef idx="0">
-              <a:schemeClr val="accent1"/>
-            </a:effectRef>
-            <a:fontRef idx="minor">
-              <a:schemeClr val="lt1"/>
-            </a:fontRef>
-          </p:style>
-          <p:txBody>
-            <a:bodyPr wrap="square" rtlCol="0" anchor="ctr">
-              <a:noAutofit/>
-            </a:bodyPr>
-            <a:lstStyle/>
-            <a:p>
-              <a:pPr algn="ctr"/>
-              <a:endParaRPr lang="en-US"/>
-            </a:p>
-          </p:txBody>
-        </p:sp>
-        <p:sp>
-          <p:nvSpPr>
-            <p:cNvPr id="30" name="Freeform 78">
-              <a:extLst>
-                <a:ext uri="{FF2B5EF4-FFF2-40B4-BE49-F238E27FC236}">
-                  <a16:creationId xmlns:a16="http://schemas.microsoft.com/office/drawing/2014/main" id="{011063C9-2A43-3348-A018-F27FACAA778D}"/>
-                </a:ext>
-                <a:ext uri="{C183D7F6-B498-43B3-948B-1728B52AA6E4}">
-                  <adec:decorative xmlns:adec="http://schemas.microsoft.com/office/drawing/2017/decorative" val="1"/>
-                </a:ext>
-              </a:extLst>
-            </p:cNvPr>
-            <p:cNvSpPr/>
-            <p:nvPr>
-              <p:extLst>
-                <p:ext uri="{386F3935-93C4-4BCD-93E2-E3B085C9AB24}">
-                  <p16:designElem xmlns:p16="http://schemas.microsoft.com/office/powerpoint/2015/main" val="1"/>
-                </p:ext>
-              </p:extLst>
-            </p:nvPr>
-          </p:nvSpPr>
-          <p:spPr>
-            <a:xfrm>
-              <a:off x="11652853" y="3552039"/>
-              <a:ext cx="539147" cy="1125438"/>
-            </a:xfrm>
-            <a:custGeom>
-              <a:avLst/>
-              <a:gdLst>
-                <a:gd name="connsiteX0" fmla="*/ 539147 w 539147"/>
-                <a:gd name="connsiteY0" fmla="*/ 0 h 1125438"/>
-                <a:gd name="connsiteX1" fmla="*/ 539147 w 539147"/>
-                <a:gd name="connsiteY1" fmla="*/ 1125438 h 1125438"/>
-                <a:gd name="connsiteX2" fmla="*/ 451423 w 539147"/>
-                <a:gd name="connsiteY2" fmla="*/ 1116595 h 1125438"/>
-                <a:gd name="connsiteX3" fmla="*/ 0 w 539147"/>
-                <a:gd name="connsiteY3" fmla="*/ 562719 h 1125438"/>
-                <a:gd name="connsiteX4" fmla="*/ 451423 w 539147"/>
-                <a:gd name="connsiteY4" fmla="*/ 8843 h 1125438"/>
-              </a:gdLst>
-              <a:ahLst/>
-              <a:cxnLst>
-                <a:cxn ang="0">
-                  <a:pos x="connsiteX0" y="connsiteY0"/>
-                </a:cxn>
-                <a:cxn ang="0">
-                  <a:pos x="connsiteX1" y="connsiteY1"/>
-                </a:cxn>
-                <a:cxn ang="0">
-                  <a:pos x="connsiteX2" y="connsiteY2"/>
-                </a:cxn>
-                <a:cxn ang="0">
-                  <a:pos x="connsiteX3" y="connsiteY3"/>
-                </a:cxn>
-                <a:cxn ang="0">
-                  <a:pos x="connsiteX4" y="connsiteY4"/>
-                </a:cxn>
-              </a:cxnLst>
-              <a:rect l="l" t="t" r="r" b="b"/>
-              <a:pathLst>
-                <a:path w="539147" h="1125438">
-                  <a:moveTo>
-                    <a:pt x="539147" y="0"/>
-                  </a:moveTo>
-                  <a:lnTo>
-                    <a:pt x="539147" y="1125438"/>
-                  </a:lnTo>
-                  <a:lnTo>
-                    <a:pt x="451423" y="1116595"/>
-                  </a:lnTo>
-                  <a:cubicBezTo>
-                    <a:pt x="193797" y="1063877"/>
-                    <a:pt x="0" y="835930"/>
-                    <a:pt x="0" y="562719"/>
-                  </a:cubicBezTo>
-                  <a:cubicBezTo>
-                    <a:pt x="0" y="289508"/>
-                    <a:pt x="193797" y="61561"/>
-                    <a:pt x="451423" y="8843"/>
-                  </a:cubicBezTo>
-                  <a:close/>
-                </a:path>
-              </a:pathLst>
-            </a:custGeom>
-            <a:solidFill>
-              <a:schemeClr val="bg2"/>
-            </a:solidFill>
-            <a:ln>
-              <a:noFill/>
-            </a:ln>
-          </p:spPr>
-          <p:style>
-            <a:lnRef idx="2">
-              <a:schemeClr val="accent1">
-                <a:shade val="50000"/>
-              </a:schemeClr>
-            </a:lnRef>
-            <a:fillRef idx="1">
-              <a:schemeClr val="accent1"/>
-            </a:fillRef>
-            <a:effectRef idx="0">
-              <a:schemeClr val="accent1"/>
-            </a:effectRef>
-            <a:fontRef idx="minor">
-              <a:schemeClr val="lt1"/>
-            </a:fontRef>
-          </p:style>
-          <p:txBody>
-            <a:bodyPr wrap="square" rtlCol="0" anchor="ctr">
-              <a:noAutofit/>
-            </a:bodyPr>
-            <a:lstStyle/>
-            <a:p>
-              <a:pPr algn="ctr"/>
-              <a:endParaRPr lang="en-US"/>
-            </a:p>
-          </p:txBody>
-        </p:sp>
-        <p:sp>
-          <p:nvSpPr>
-            <p:cNvPr id="31" name="Freeform 79">
-              <a:extLst>
-                <a:ext uri="{FF2B5EF4-FFF2-40B4-BE49-F238E27FC236}">
-                  <a16:creationId xmlns:a16="http://schemas.microsoft.com/office/drawing/2014/main" id="{EE85C7DE-D965-244F-BD95-3A05FF4AAC61}"/>
-                </a:ext>
-                <a:ext uri="{C183D7F6-B498-43B3-948B-1728B52AA6E4}">
-                  <adec:decorative xmlns:adec="http://schemas.microsoft.com/office/drawing/2017/decorative" val="1"/>
-                </a:ext>
-              </a:extLst>
-            </p:cNvPr>
-            <p:cNvSpPr/>
-            <p:nvPr>
-              <p:extLst>
-                <p:ext uri="{386F3935-93C4-4BCD-93E2-E3B085C9AB24}">
-                  <p16:designElem xmlns:p16="http://schemas.microsoft.com/office/powerpoint/2015/main" val="1"/>
-                </p:ext>
-              </p:extLst>
-            </p:nvPr>
-          </p:nvSpPr>
-          <p:spPr>
-            <a:xfrm>
-              <a:off x="11652853" y="2180524"/>
-              <a:ext cx="539147" cy="1125438"/>
-            </a:xfrm>
-            <a:custGeom>
-              <a:avLst/>
-              <a:gdLst>
-                <a:gd name="connsiteX0" fmla="*/ 539147 w 539147"/>
-                <a:gd name="connsiteY0" fmla="*/ 0 h 1125438"/>
-                <a:gd name="connsiteX1" fmla="*/ 539147 w 539147"/>
-                <a:gd name="connsiteY1" fmla="*/ 1125438 h 1125438"/>
-                <a:gd name="connsiteX2" fmla="*/ 451423 w 539147"/>
-                <a:gd name="connsiteY2" fmla="*/ 1116595 h 1125438"/>
-                <a:gd name="connsiteX3" fmla="*/ 0 w 539147"/>
-                <a:gd name="connsiteY3" fmla="*/ 562719 h 1125438"/>
-                <a:gd name="connsiteX4" fmla="*/ 451423 w 539147"/>
-                <a:gd name="connsiteY4" fmla="*/ 8843 h 1125438"/>
-              </a:gdLst>
-              <a:ahLst/>
-              <a:cxnLst>
-                <a:cxn ang="0">
-                  <a:pos x="connsiteX0" y="connsiteY0"/>
-                </a:cxn>
-                <a:cxn ang="0">
-                  <a:pos x="connsiteX1" y="connsiteY1"/>
-                </a:cxn>
-                <a:cxn ang="0">
-                  <a:pos x="connsiteX2" y="connsiteY2"/>
-                </a:cxn>
-                <a:cxn ang="0">
-                  <a:pos x="connsiteX3" y="connsiteY3"/>
-                </a:cxn>
-                <a:cxn ang="0">
-                  <a:pos x="connsiteX4" y="connsiteY4"/>
-                </a:cxn>
-              </a:cxnLst>
-              <a:rect l="l" t="t" r="r" b="b"/>
-              <a:pathLst>
-                <a:path w="539147" h="1125438">
-                  <a:moveTo>
-                    <a:pt x="539147" y="0"/>
-                  </a:moveTo>
-                  <a:lnTo>
-                    <a:pt x="539147" y="1125438"/>
-                  </a:lnTo>
-                  <a:lnTo>
-                    <a:pt x="451423" y="1116595"/>
-                  </a:lnTo>
-                  <a:cubicBezTo>
-                    <a:pt x="193797" y="1063877"/>
-                    <a:pt x="0" y="835930"/>
-                    <a:pt x="0" y="562719"/>
-                  </a:cubicBezTo>
-                  <a:cubicBezTo>
-                    <a:pt x="0" y="289509"/>
-                    <a:pt x="193797" y="61561"/>
-                    <a:pt x="451423" y="8843"/>
-                  </a:cubicBezTo>
-                  <a:close/>
-                </a:path>
-              </a:pathLst>
-            </a:custGeom>
-            <a:solidFill>
-              <a:schemeClr val="bg2"/>
-            </a:solidFill>
-            <a:ln>
-              <a:noFill/>
-            </a:ln>
-          </p:spPr>
-          <p:style>
-            <a:lnRef idx="2">
-              <a:schemeClr val="accent1">
-                <a:shade val="50000"/>
-              </a:schemeClr>
-            </a:lnRef>
-            <a:fillRef idx="1">
-              <a:schemeClr val="accent1"/>
-            </a:fillRef>
-            <a:effectRef idx="0">
-              <a:schemeClr val="accent1"/>
-            </a:effectRef>
-            <a:fontRef idx="minor">
-              <a:schemeClr val="lt1"/>
-            </a:fontRef>
-          </p:style>
-          <p:txBody>
-            <a:bodyPr wrap="square" rtlCol="0" anchor="ctr">
-              <a:noAutofit/>
-            </a:bodyPr>
-            <a:lstStyle/>
-            <a:p>
-              <a:pPr algn="ctr"/>
-              <a:endParaRPr lang="en-US"/>
-            </a:p>
-          </p:txBody>
-        </p:sp>
-        <p:sp>
-          <p:nvSpPr>
-            <p:cNvPr id="32" name="Freeform 80">
-              <a:extLst>
-                <a:ext uri="{FF2B5EF4-FFF2-40B4-BE49-F238E27FC236}">
-                  <a16:creationId xmlns:a16="http://schemas.microsoft.com/office/drawing/2014/main" id="{315A1389-149A-3342-A863-637D42FDB28D}"/>
-                </a:ext>
-                <a:ext uri="{C183D7F6-B498-43B3-948B-1728B52AA6E4}">
-                  <adec:decorative xmlns:adec="http://schemas.microsoft.com/office/drawing/2017/decorative" val="1"/>
-                </a:ext>
-              </a:extLst>
-            </p:cNvPr>
-            <p:cNvSpPr/>
-            <p:nvPr>
-              <p:extLst>
-                <p:ext uri="{386F3935-93C4-4BCD-93E2-E3B085C9AB24}">
-                  <p16:designElem xmlns:p16="http://schemas.microsoft.com/office/powerpoint/2015/main" val="1"/>
-                </p:ext>
-              </p:extLst>
-            </p:nvPr>
-          </p:nvSpPr>
-          <p:spPr>
-            <a:xfrm>
-              <a:off x="11652853" y="809010"/>
-              <a:ext cx="539147" cy="1125439"/>
-            </a:xfrm>
-            <a:custGeom>
-              <a:avLst/>
-              <a:gdLst>
-                <a:gd name="connsiteX0" fmla="*/ 539147 w 539147"/>
-                <a:gd name="connsiteY0" fmla="*/ 0 h 1125439"/>
-                <a:gd name="connsiteX1" fmla="*/ 539147 w 539147"/>
-                <a:gd name="connsiteY1" fmla="*/ 1125439 h 1125439"/>
-                <a:gd name="connsiteX2" fmla="*/ 451423 w 539147"/>
-                <a:gd name="connsiteY2" fmla="*/ 1116595 h 1125439"/>
-                <a:gd name="connsiteX3" fmla="*/ 0 w 539147"/>
-                <a:gd name="connsiteY3" fmla="*/ 562719 h 1125439"/>
-                <a:gd name="connsiteX4" fmla="*/ 451423 w 539147"/>
-                <a:gd name="connsiteY4" fmla="*/ 8843 h 1125439"/>
-              </a:gdLst>
-              <a:ahLst/>
-              <a:cxnLst>
-                <a:cxn ang="0">
-                  <a:pos x="connsiteX0" y="connsiteY0"/>
-                </a:cxn>
-                <a:cxn ang="0">
-                  <a:pos x="connsiteX1" y="connsiteY1"/>
-                </a:cxn>
-                <a:cxn ang="0">
-                  <a:pos x="connsiteX2" y="connsiteY2"/>
-                </a:cxn>
-                <a:cxn ang="0">
-                  <a:pos x="connsiteX3" y="connsiteY3"/>
-                </a:cxn>
-                <a:cxn ang="0">
-                  <a:pos x="connsiteX4" y="connsiteY4"/>
-                </a:cxn>
-              </a:cxnLst>
-              <a:rect l="l" t="t" r="r" b="b"/>
-              <a:pathLst>
-                <a:path w="539147" h="1125439">
-                  <a:moveTo>
-                    <a:pt x="539147" y="0"/>
-                  </a:moveTo>
-                  <a:lnTo>
-                    <a:pt x="539147" y="1125439"/>
-                  </a:lnTo>
-                  <a:lnTo>
-                    <a:pt x="451423" y="1116595"/>
-                  </a:lnTo>
-                  <a:cubicBezTo>
-                    <a:pt x="193797" y="1063877"/>
-                    <a:pt x="0" y="835930"/>
-                    <a:pt x="0" y="562719"/>
-                  </a:cubicBezTo>
-                  <a:cubicBezTo>
-                    <a:pt x="0" y="289508"/>
-                    <a:pt x="193797" y="61561"/>
-                    <a:pt x="451423" y="8843"/>
-                  </a:cubicBezTo>
-                  <a:close/>
-                </a:path>
-              </a:pathLst>
-            </a:custGeom>
-            <a:solidFill>
-              <a:schemeClr val="bg2"/>
-            </a:solidFill>
-            <a:ln>
-              <a:noFill/>
-            </a:ln>
-          </p:spPr>
-          <p:style>
-            <a:lnRef idx="2">
-              <a:schemeClr val="accent1">
-                <a:shade val="50000"/>
-              </a:schemeClr>
-            </a:lnRef>
-            <a:fillRef idx="1">
-              <a:schemeClr val="accent1"/>
-            </a:fillRef>
-            <a:effectRef idx="0">
-              <a:schemeClr val="accent1"/>
-            </a:effectRef>
-            <a:fontRef idx="minor">
-              <a:schemeClr val="lt1"/>
-            </a:fontRef>
-          </p:style>
-          <p:txBody>
-            <a:bodyPr wrap="square" rtlCol="0" anchor="ctr">
-              <a:noAutofit/>
-            </a:bodyPr>
-            <a:lstStyle/>
-            <a:p>
-              <a:pPr algn="ctr"/>
-              <a:endParaRPr lang="en-US"/>
-            </a:p>
-          </p:txBody>
-        </p:sp>
-        <p:sp>
-          <p:nvSpPr>
-            <p:cNvPr id="33" name="Freeform 81">
-              <a:extLst>
-                <a:ext uri="{FF2B5EF4-FFF2-40B4-BE49-F238E27FC236}">
-                  <a16:creationId xmlns:a16="http://schemas.microsoft.com/office/drawing/2014/main" id="{B149CC6F-B6C6-BE46-B451-1BF7D47A8936}"/>
-                </a:ext>
-                <a:ext uri="{C183D7F6-B498-43B3-948B-1728B52AA6E4}">
-                  <adec:decorative xmlns:adec="http://schemas.microsoft.com/office/drawing/2017/decorative" val="1"/>
-                </a:ext>
-              </a:extLst>
-            </p:cNvPr>
-            <p:cNvSpPr/>
-            <p:nvPr>
-              <p:extLst>
-                <p:ext uri="{386F3935-93C4-4BCD-93E2-E3B085C9AB24}">
-                  <p16:designElem xmlns:p16="http://schemas.microsoft.com/office/powerpoint/2015/main" val="1"/>
-                </p:ext>
-              </p:extLst>
-            </p:nvPr>
-          </p:nvSpPr>
-          <p:spPr>
-            <a:xfrm>
-              <a:off x="11652853" y="1"/>
-              <a:ext cx="539147" cy="562933"/>
-            </a:xfrm>
-            <a:custGeom>
-              <a:avLst/>
-              <a:gdLst>
-                <a:gd name="connsiteX0" fmla="*/ 22 w 539147"/>
-                <a:gd name="connsiteY0" fmla="*/ 0 h 562933"/>
-                <a:gd name="connsiteX1" fmla="*/ 539147 w 539147"/>
-                <a:gd name="connsiteY1" fmla="*/ 0 h 562933"/>
-                <a:gd name="connsiteX2" fmla="*/ 539147 w 539147"/>
-                <a:gd name="connsiteY2" fmla="*/ 562933 h 562933"/>
-                <a:gd name="connsiteX3" fmla="*/ 451423 w 539147"/>
-                <a:gd name="connsiteY3" fmla="*/ 554090 h 562933"/>
-                <a:gd name="connsiteX4" fmla="*/ 0 w 539147"/>
-                <a:gd name="connsiteY4" fmla="*/ 214 h 562933"/>
-              </a:gdLst>
-              <a:ahLst/>
-              <a:cxnLst>
-                <a:cxn ang="0">
-                  <a:pos x="connsiteX0" y="connsiteY0"/>
-                </a:cxn>
-                <a:cxn ang="0">
-                  <a:pos x="connsiteX1" y="connsiteY1"/>
-                </a:cxn>
-                <a:cxn ang="0">
-                  <a:pos x="connsiteX2" y="connsiteY2"/>
-                </a:cxn>
-                <a:cxn ang="0">
-                  <a:pos x="connsiteX3" y="connsiteY3"/>
-                </a:cxn>
-                <a:cxn ang="0">
-                  <a:pos x="connsiteX4" y="connsiteY4"/>
-                </a:cxn>
-              </a:cxnLst>
-              <a:rect l="l" t="t" r="r" b="b"/>
-              <a:pathLst>
-                <a:path w="539147" h="562933">
-                  <a:moveTo>
-                    <a:pt x="22" y="0"/>
-                  </a:moveTo>
-                  <a:lnTo>
-                    <a:pt x="539147" y="0"/>
-                  </a:lnTo>
-                  <a:lnTo>
-                    <a:pt x="539147" y="562933"/>
-                  </a:lnTo>
-                  <a:lnTo>
-                    <a:pt x="451423" y="554090"/>
-                  </a:lnTo>
-                  <a:cubicBezTo>
-                    <a:pt x="193797" y="501372"/>
-                    <a:pt x="0" y="273425"/>
-                    <a:pt x="0" y="214"/>
-                  </a:cubicBezTo>
-                  <a:close/>
-                </a:path>
-              </a:pathLst>
-            </a:custGeom>
-            <a:solidFill>
-              <a:schemeClr val="bg2"/>
-            </a:solidFill>
-            <a:ln>
-              <a:noFill/>
-            </a:ln>
-          </p:spPr>
-          <p:style>
-            <a:lnRef idx="2">
-              <a:schemeClr val="accent1">
-                <a:shade val="50000"/>
-              </a:schemeClr>
-            </a:lnRef>
-            <a:fillRef idx="1">
-              <a:schemeClr val="accent1"/>
-            </a:fillRef>
-            <a:effectRef idx="0">
-              <a:schemeClr val="accent1"/>
-            </a:effectRef>
-            <a:fontRef idx="minor">
-              <a:schemeClr val="lt1"/>
-            </a:fontRef>
-          </p:style>
-          <p:txBody>
-            <a:bodyPr wrap="square" rtlCol="0" anchor="ctr">
-              <a:noAutofit/>
-            </a:bodyPr>
-            <a:lstStyle/>
-            <a:p>
-              <a:pPr algn="ctr"/>
-              <a:endParaRPr lang="en-US"/>
-            </a:p>
-          </p:txBody>
-        </p:sp>
-      </p:grpSp>
-      <p:cxnSp>
-        <p:nvCxnSpPr>
-          <p:cNvPr id="35" name="Straight Connector 34">
-            <a:extLst>
-              <a:ext uri="{FF2B5EF4-FFF2-40B4-BE49-F238E27FC236}">
-                <a16:creationId xmlns:a16="http://schemas.microsoft.com/office/drawing/2014/main" id="{D33A3282-0389-C547-8CA6-7F3E7F27B34D}"/>
-              </a:ext>
-              <a:ext uri="{C183D7F6-B498-43B3-948B-1728B52AA6E4}">
-                <adec:decorative xmlns:adec="http://schemas.microsoft.com/office/drawing/2017/decorative" val="1"/>
-              </a:ext>
-            </a:extLst>
-          </p:cNvPr>
-          <p:cNvCxnSpPr>
-            <a:cxnSpLocks noGrp="1" noRot="1" noChangeAspect="1" noMove="1" noResize="1" noEditPoints="1" noAdjustHandles="1" noChangeArrowheads="1" noChangeShapeType="1"/>
-          </p:cNvCxnSpPr>
-          <p:nvPr>
-            <p:extLst>
-              <p:ext uri="{386F3935-93C4-4BCD-93E2-E3B085C9AB24}">
-                <p16:designElem xmlns:p16="http://schemas.microsoft.com/office/powerpoint/2015/main" val="1"/>
-              </p:ext>
-            </p:extLst>
-          </p:nvPr>
-        </p:nvCxnSpPr>
-        <p:spPr>
-          <a:xfrm>
-            <a:off x="565150" y="6087110"/>
-            <a:ext cx="5066001" cy="0"/>
-          </a:xfrm>
-          <a:prstGeom prst="line">
-            <a:avLst/>
-          </a:prstGeom>
-          <a:ln w="12700">
-            <a:solidFill>
-              <a:schemeClr val="bg1">
-                <a:lumMod val="65000"/>
-              </a:schemeClr>
-            </a:solidFill>
-          </a:ln>
-        </p:spPr>
-        <p:style>
-          <a:lnRef idx="1">
-            <a:schemeClr val="accent1"/>
-          </a:lnRef>
-          <a:fillRef idx="0">
-            <a:schemeClr val="accent1"/>
-          </a:fillRef>
-          <a:effectRef idx="0">
-            <a:schemeClr val="accent1"/>
-          </a:effectRef>
-          <a:fontRef idx="minor">
-            <a:schemeClr val="tx1"/>
-          </a:fontRef>
-        </p:style>
-      </p:cxnSp>
-      <p:sp useBgFill="1">
-        <p:nvSpPr>
-          <p:cNvPr id="37" name="Rectangle 36">
-            <a:extLst>
-              <a:ext uri="{FF2B5EF4-FFF2-40B4-BE49-F238E27FC236}">
-                <a16:creationId xmlns:a16="http://schemas.microsoft.com/office/drawing/2014/main" id="{4EFE82FE-7465-AE46-88DF-34D347E83B84}"/>
-              </a:ext>
-              <a:ext uri="{C183D7F6-B498-43B3-948B-1728B52AA6E4}">
-                <adec:decorative xmlns:adec="http://schemas.microsoft.com/office/drawing/2017/decorative" val="1"/>
-              </a:ext>
-            </a:extLst>
-          </p:cNvPr>
-          <p:cNvSpPr>
-            <a:spLocks noGrp="1" noRot="1" noChangeAspect="1" noMove="1" noResize="1" noEditPoints="1" noAdjustHandles="1" noChangeArrowheads="1" noChangeShapeType="1" noTextEdit="1"/>
-          </p:cNvSpPr>
-          <p:nvPr>
-            <p:extLst>
-              <p:ext uri="{386F3935-93C4-4BCD-93E2-E3B085C9AB24}">
-                <p16:designElem xmlns:p16="http://schemas.microsoft.com/office/powerpoint/2015/main" val="1"/>
-              </p:ext>
-            </p:extLst>
-          </p:nvPr>
-        </p:nvSpPr>
-        <p:spPr>
-          <a:xfrm>
-            <a:off x="0" y="0"/>
-            <a:ext cx="12192000" cy="6858000"/>
-          </a:xfrm>
-          <a:prstGeom prst="rect">
-            <a:avLst/>
-          </a:prstGeom>
-          <a:ln>
-            <a:noFill/>
-          </a:ln>
-        </p:spPr>
-        <p:style>
-          <a:lnRef idx="2">
-            <a:schemeClr val="accent1">
-              <a:shade val="50000"/>
-            </a:schemeClr>
-          </a:lnRef>
-          <a:fillRef idx="1">
-            <a:schemeClr val="accent1"/>
-          </a:fillRef>
-          <a:effectRef idx="0">
-            <a:schemeClr val="accent1"/>
-          </a:effectRef>
-          <a:fontRef idx="minor">
-            <a:schemeClr val="lt1"/>
-          </a:fontRef>
-        </p:style>
-        <p:txBody>
-          <a:bodyPr rtlCol="0" anchor="ctr"/>
-          <a:lstStyle/>
-          <a:p>
-            <a:pPr algn="ctr"/>
-            <a:endParaRPr lang="en-US"/>
-          </a:p>
-        </p:txBody>
-      </p:sp>
-      <p:grpSp>
-        <p:nvGrpSpPr>
-          <p:cNvPr id="39" name="Group 38">
-            <a:extLst>
-              <a:ext uri="{FF2B5EF4-FFF2-40B4-BE49-F238E27FC236}">
-                <a16:creationId xmlns:a16="http://schemas.microsoft.com/office/drawing/2014/main" id="{66F2B51C-9578-EB41-A17E-FFF9D491ADA0}"/>
-              </a:ext>
-              <a:ext uri="{C183D7F6-B498-43B3-948B-1728B52AA6E4}">
-                <adec:decorative xmlns:adec="http://schemas.microsoft.com/office/drawing/2017/decorative" val="1"/>
-              </a:ext>
-            </a:extLst>
-          </p:cNvPr>
-          <p:cNvGrpSpPr>
-            <a:grpSpLocks noGrp="1" noUngrp="1" noRot="1" noChangeAspect="1" noMove="1" noResize="1"/>
-          </p:cNvGrpSpPr>
-          <p:nvPr>
-            <p:extLst>
-              <p:ext uri="{386F3935-93C4-4BCD-93E2-E3B085C9AB24}">
-                <p16:designElem xmlns:p16="http://schemas.microsoft.com/office/powerpoint/2015/main" val="1"/>
-              </p:ext>
-            </p:extLst>
-          </p:nvPr>
-        </p:nvGrpSpPr>
-        <p:grpSpPr>
-          <a:xfrm>
-            <a:off x="10290315" y="0"/>
-            <a:ext cx="1901686" cy="6858000"/>
-            <a:chOff x="10290315" y="0"/>
-            <a:chExt cx="1901686" cy="6858000"/>
-          </a:xfrm>
-        </p:grpSpPr>
-        <p:sp>
-          <p:nvSpPr>
-            <p:cNvPr id="40" name="Oval 39">
-              <a:extLst>
-                <a:ext uri="{FF2B5EF4-FFF2-40B4-BE49-F238E27FC236}">
-                  <a16:creationId xmlns:a16="http://schemas.microsoft.com/office/drawing/2014/main" id="{14E9CAEA-4CF4-D249-8127-CD2FA20187E6}"/>
-                </a:ext>
-                <a:ext uri="{C183D7F6-B498-43B3-948B-1728B52AA6E4}">
-                  <adec:decorative xmlns:adec="http://schemas.microsoft.com/office/drawing/2017/decorative" val="1"/>
-                </a:ext>
-              </a:extLst>
-            </p:cNvPr>
-            <p:cNvSpPr/>
-            <p:nvPr>
-              <p:extLst>
-                <p:ext uri="{386F3935-93C4-4BCD-93E2-E3B085C9AB24}">
-                  <p16:designElem xmlns:p16="http://schemas.microsoft.com/office/powerpoint/2015/main" val="1"/>
-                </p:ext>
-              </p:extLst>
-            </p:nvPr>
-          </p:nvSpPr>
-          <p:spPr>
-            <a:xfrm>
-              <a:off x="10290315" y="3549390"/>
-              <a:ext cx="1130724" cy="1130723"/>
-            </a:xfrm>
-            <a:prstGeom prst="ellipse">
-              <a:avLst/>
-            </a:prstGeom>
-            <a:solidFill>
-              <a:schemeClr val="bg2"/>
-            </a:solidFill>
-            <a:ln>
-              <a:noFill/>
-            </a:ln>
-          </p:spPr>
-          <p:style>
-            <a:lnRef idx="2">
-              <a:schemeClr val="accent1">
-                <a:shade val="50000"/>
-              </a:schemeClr>
-            </a:lnRef>
-            <a:fillRef idx="1">
-              <a:schemeClr val="accent1"/>
-            </a:fillRef>
-            <a:effectRef idx="0">
-              <a:schemeClr val="accent1"/>
-            </a:effectRef>
-            <a:fontRef idx="minor">
-              <a:schemeClr val="lt1"/>
-            </a:fontRef>
-          </p:style>
-          <p:txBody>
-            <a:bodyPr rtlCol="0" anchor="ctr"/>
-            <a:lstStyle/>
-            <a:p>
-              <a:pPr algn="ctr"/>
-              <a:endParaRPr lang="en-US"/>
-            </a:p>
-          </p:txBody>
-        </p:sp>
-        <p:sp>
-          <p:nvSpPr>
-            <p:cNvPr id="41" name="Freeform 85">
-              <a:extLst>
-                <a:ext uri="{FF2B5EF4-FFF2-40B4-BE49-F238E27FC236}">
-                  <a16:creationId xmlns:a16="http://schemas.microsoft.com/office/drawing/2014/main" id="{E51EDD93-C3A3-DF47-BCFC-43B049E34EC6}"/>
-                </a:ext>
-                <a:ext uri="{C183D7F6-B498-43B3-948B-1728B52AA6E4}">
-                  <adec:decorative xmlns:adec="http://schemas.microsoft.com/office/drawing/2017/decorative" val="1"/>
-                </a:ext>
-              </a:extLst>
-            </p:cNvPr>
-            <p:cNvSpPr/>
-            <p:nvPr>
-              <p:extLst>
-                <p:ext uri="{386F3935-93C4-4BCD-93E2-E3B085C9AB24}">
-                  <p16:designElem xmlns:p16="http://schemas.microsoft.com/office/powerpoint/2015/main" val="1"/>
-                </p:ext>
-              </p:extLst>
-            </p:nvPr>
-          </p:nvSpPr>
-          <p:spPr>
-            <a:xfrm>
-              <a:off x="10290315" y="0"/>
-              <a:ext cx="1130724" cy="565573"/>
-            </a:xfrm>
-            <a:custGeom>
-              <a:avLst/>
-              <a:gdLst>
-                <a:gd name="connsiteX0" fmla="*/ 21 w 1130724"/>
-                <a:gd name="connsiteY0" fmla="*/ 0 h 565573"/>
-                <a:gd name="connsiteX1" fmla="*/ 1130703 w 1130724"/>
-                <a:gd name="connsiteY1" fmla="*/ 0 h 565573"/>
-                <a:gd name="connsiteX2" fmla="*/ 1130724 w 1130724"/>
-                <a:gd name="connsiteY2" fmla="*/ 211 h 565573"/>
-                <a:gd name="connsiteX3" fmla="*/ 565362 w 1130724"/>
-                <a:gd name="connsiteY3" fmla="*/ 565573 h 565573"/>
-                <a:gd name="connsiteX4" fmla="*/ 0 w 1130724"/>
-                <a:gd name="connsiteY4" fmla="*/ 211 h 565573"/>
-              </a:gdLst>
-              <a:ahLst/>
-              <a:cxnLst>
-                <a:cxn ang="0">
-                  <a:pos x="connsiteX0" y="connsiteY0"/>
-                </a:cxn>
-                <a:cxn ang="0">
-                  <a:pos x="connsiteX1" y="connsiteY1"/>
-                </a:cxn>
-                <a:cxn ang="0">
-                  <a:pos x="connsiteX2" y="connsiteY2"/>
-                </a:cxn>
-                <a:cxn ang="0">
-                  <a:pos x="connsiteX3" y="connsiteY3"/>
-                </a:cxn>
-                <a:cxn ang="0">
-                  <a:pos x="connsiteX4" y="connsiteY4"/>
-                </a:cxn>
-              </a:cxnLst>
-              <a:rect l="l" t="t" r="r" b="b"/>
-              <a:pathLst>
-                <a:path w="1130724" h="565573">
-                  <a:moveTo>
-                    <a:pt x="21" y="0"/>
-                  </a:moveTo>
-                  <a:lnTo>
-                    <a:pt x="1130703" y="0"/>
-                  </a:lnTo>
-                  <a:lnTo>
-                    <a:pt x="1130724" y="211"/>
-                  </a:lnTo>
-                  <a:cubicBezTo>
-                    <a:pt x="1130724" y="312452"/>
-                    <a:pt x="877603" y="565573"/>
-                    <a:pt x="565362" y="565573"/>
-                  </a:cubicBezTo>
-                  <a:cubicBezTo>
-                    <a:pt x="253121" y="565573"/>
-                    <a:pt x="0" y="312452"/>
-                    <a:pt x="0" y="211"/>
-                  </a:cubicBezTo>
-                  <a:close/>
-                </a:path>
-              </a:pathLst>
-            </a:custGeom>
-            <a:solidFill>
-              <a:schemeClr val="bg2"/>
-            </a:solidFill>
-            <a:ln>
-              <a:noFill/>
-            </a:ln>
-          </p:spPr>
-          <p:style>
-            <a:lnRef idx="2">
-              <a:schemeClr val="accent1">
-                <a:shade val="50000"/>
-              </a:schemeClr>
-            </a:lnRef>
-            <a:fillRef idx="1">
-              <a:schemeClr val="accent1"/>
-            </a:fillRef>
-            <a:effectRef idx="0">
-              <a:schemeClr val="accent1"/>
-            </a:effectRef>
-            <a:fontRef idx="minor">
-              <a:schemeClr val="lt1"/>
-            </a:fontRef>
-          </p:style>
-          <p:txBody>
-            <a:bodyPr wrap="square" rtlCol="0" anchor="ctr">
-              <a:noAutofit/>
-            </a:bodyPr>
-            <a:lstStyle/>
-            <a:p>
-              <a:pPr algn="ctr"/>
-              <a:endParaRPr lang="en-US"/>
-            </a:p>
-          </p:txBody>
-        </p:sp>
-        <p:sp>
-          <p:nvSpPr>
-            <p:cNvPr id="42" name="Freeform 86">
-              <a:extLst>
-                <a:ext uri="{FF2B5EF4-FFF2-40B4-BE49-F238E27FC236}">
-                  <a16:creationId xmlns:a16="http://schemas.microsoft.com/office/drawing/2014/main" id="{D574DB0D-896A-D649-89B1-33753E1D46E7}"/>
-                </a:ext>
-                <a:ext uri="{C183D7F6-B498-43B3-948B-1728B52AA6E4}">
-                  <adec:decorative xmlns:adec="http://schemas.microsoft.com/office/drawing/2017/decorative" val="1"/>
-                </a:ext>
-              </a:extLst>
-            </p:cNvPr>
-            <p:cNvSpPr/>
-            <p:nvPr>
-              <p:extLst>
-                <p:ext uri="{386F3935-93C4-4BCD-93E2-E3B085C9AB24}">
-                  <p16:designElem xmlns:p16="http://schemas.microsoft.com/office/powerpoint/2015/main" val="1"/>
-                </p:ext>
-              </p:extLst>
-            </p:nvPr>
-          </p:nvSpPr>
-          <p:spPr>
-            <a:xfrm>
-              <a:off x="11653180" y="6295093"/>
-              <a:ext cx="538821" cy="562907"/>
-            </a:xfrm>
-            <a:custGeom>
-              <a:avLst/>
-              <a:gdLst>
-                <a:gd name="connsiteX0" fmla="*/ 538821 w 538821"/>
-                <a:gd name="connsiteY0" fmla="*/ 0 h 562907"/>
-                <a:gd name="connsiteX1" fmla="*/ 538821 w 538821"/>
-                <a:gd name="connsiteY1" fmla="*/ 562907 h 562907"/>
-                <a:gd name="connsiteX2" fmla="*/ 22 w 538821"/>
-                <a:gd name="connsiteY2" fmla="*/ 562907 h 562907"/>
-                <a:gd name="connsiteX3" fmla="*/ 0 w 538821"/>
-                <a:gd name="connsiteY3" fmla="*/ 562686 h 562907"/>
-                <a:gd name="connsiteX4" fmla="*/ 451422 w 538821"/>
-                <a:gd name="connsiteY4" fmla="*/ 8810 h 562907"/>
-              </a:gdLst>
-              <a:ahLst/>
-              <a:cxnLst>
-                <a:cxn ang="0">
-                  <a:pos x="connsiteX0" y="connsiteY0"/>
-                </a:cxn>
-                <a:cxn ang="0">
-                  <a:pos x="connsiteX1" y="connsiteY1"/>
-                </a:cxn>
-                <a:cxn ang="0">
-                  <a:pos x="connsiteX2" y="connsiteY2"/>
-                </a:cxn>
-                <a:cxn ang="0">
-                  <a:pos x="connsiteX3" y="connsiteY3"/>
-                </a:cxn>
-                <a:cxn ang="0">
-                  <a:pos x="connsiteX4" y="connsiteY4"/>
-                </a:cxn>
-              </a:cxnLst>
-              <a:rect l="l" t="t" r="r" b="b"/>
-              <a:pathLst>
-                <a:path w="538821" h="562907">
-                  <a:moveTo>
-                    <a:pt x="538821" y="0"/>
-                  </a:moveTo>
-                  <a:lnTo>
-                    <a:pt x="538821" y="562907"/>
-                  </a:lnTo>
-                  <a:lnTo>
-                    <a:pt x="22" y="562907"/>
-                  </a:lnTo>
-                  <a:lnTo>
-                    <a:pt x="0" y="562686"/>
-                  </a:lnTo>
-                  <a:cubicBezTo>
-                    <a:pt x="0" y="289475"/>
-                    <a:pt x="193796" y="61528"/>
-                    <a:pt x="451422" y="8810"/>
-                  </a:cubicBezTo>
-                  <a:close/>
-                </a:path>
-              </a:pathLst>
-            </a:custGeom>
-            <a:solidFill>
-              <a:schemeClr val="bg2"/>
-            </a:solidFill>
-            <a:ln>
-              <a:noFill/>
-            </a:ln>
-          </p:spPr>
-          <p:style>
-            <a:lnRef idx="2">
-              <a:schemeClr val="accent1">
-                <a:shade val="50000"/>
-              </a:schemeClr>
-            </a:lnRef>
-            <a:fillRef idx="1">
-              <a:schemeClr val="accent1"/>
-            </a:fillRef>
-            <a:effectRef idx="0">
-              <a:schemeClr val="accent1"/>
-            </a:effectRef>
-            <a:fontRef idx="minor">
-              <a:schemeClr val="lt1"/>
-            </a:fontRef>
-          </p:style>
-          <p:txBody>
-            <a:bodyPr wrap="square" rtlCol="0" anchor="ctr">
-              <a:noAutofit/>
-            </a:bodyPr>
-            <a:lstStyle/>
-            <a:p>
-              <a:pPr algn="ctr"/>
-              <a:endParaRPr lang="en-US"/>
-            </a:p>
-          </p:txBody>
-        </p:sp>
-        <p:sp>
-          <p:nvSpPr>
-            <p:cNvPr id="43" name="Freeform 87">
-              <a:extLst>
-                <a:ext uri="{FF2B5EF4-FFF2-40B4-BE49-F238E27FC236}">
-                  <a16:creationId xmlns:a16="http://schemas.microsoft.com/office/drawing/2014/main" id="{62256DD9-FEA3-4A40-80D1-B33F0FF1583E}"/>
-                </a:ext>
-                <a:ext uri="{C183D7F6-B498-43B3-948B-1728B52AA6E4}">
-                  <adec:decorative xmlns:adec="http://schemas.microsoft.com/office/drawing/2017/decorative" val="1"/>
-                </a:ext>
-              </a:extLst>
-            </p:cNvPr>
-            <p:cNvSpPr/>
-            <p:nvPr>
-              <p:extLst>
-                <p:ext uri="{386F3935-93C4-4BCD-93E2-E3B085C9AB24}">
-                  <p16:designElem xmlns:p16="http://schemas.microsoft.com/office/powerpoint/2015/main" val="1"/>
-                </p:ext>
-              </p:extLst>
-            </p:nvPr>
-          </p:nvSpPr>
-          <p:spPr>
-            <a:xfrm>
-              <a:off x="11653180" y="3552066"/>
-              <a:ext cx="538821" cy="1125373"/>
-            </a:xfrm>
-            <a:custGeom>
-              <a:avLst/>
-              <a:gdLst>
-                <a:gd name="connsiteX0" fmla="*/ 538821 w 538821"/>
-                <a:gd name="connsiteY0" fmla="*/ 0 h 1125373"/>
-                <a:gd name="connsiteX1" fmla="*/ 538821 w 538821"/>
-                <a:gd name="connsiteY1" fmla="*/ 1125373 h 1125373"/>
-                <a:gd name="connsiteX2" fmla="*/ 451422 w 538821"/>
-                <a:gd name="connsiteY2" fmla="*/ 1116562 h 1125373"/>
-                <a:gd name="connsiteX3" fmla="*/ 0 w 538821"/>
-                <a:gd name="connsiteY3" fmla="*/ 562686 h 1125373"/>
-                <a:gd name="connsiteX4" fmla="*/ 451422 w 538821"/>
-                <a:gd name="connsiteY4" fmla="*/ 8810 h 1125373"/>
-              </a:gdLst>
-              <a:ahLst/>
-              <a:cxnLst>
-                <a:cxn ang="0">
-                  <a:pos x="connsiteX0" y="connsiteY0"/>
-                </a:cxn>
-                <a:cxn ang="0">
-                  <a:pos x="connsiteX1" y="connsiteY1"/>
-                </a:cxn>
-                <a:cxn ang="0">
-                  <a:pos x="connsiteX2" y="connsiteY2"/>
-                </a:cxn>
-                <a:cxn ang="0">
-                  <a:pos x="connsiteX3" y="connsiteY3"/>
-                </a:cxn>
-                <a:cxn ang="0">
-                  <a:pos x="connsiteX4" y="connsiteY4"/>
-                </a:cxn>
-              </a:cxnLst>
-              <a:rect l="l" t="t" r="r" b="b"/>
-              <a:pathLst>
-                <a:path w="538821" h="1125373">
-                  <a:moveTo>
-                    <a:pt x="538821" y="0"/>
-                  </a:moveTo>
-                  <a:lnTo>
-                    <a:pt x="538821" y="1125373"/>
-                  </a:lnTo>
-                  <a:lnTo>
-                    <a:pt x="451422" y="1116562"/>
-                  </a:lnTo>
-                  <a:cubicBezTo>
-                    <a:pt x="193796" y="1063844"/>
-                    <a:pt x="0" y="835897"/>
-                    <a:pt x="0" y="562686"/>
-                  </a:cubicBezTo>
-                  <a:cubicBezTo>
-                    <a:pt x="0" y="289475"/>
-                    <a:pt x="193796" y="61528"/>
-                    <a:pt x="451422" y="8810"/>
-                  </a:cubicBezTo>
-                  <a:close/>
-                </a:path>
-              </a:pathLst>
-            </a:custGeom>
-            <a:solidFill>
-              <a:schemeClr val="bg2"/>
-            </a:solidFill>
-            <a:ln>
-              <a:noFill/>
-            </a:ln>
-          </p:spPr>
-          <p:style>
-            <a:lnRef idx="2">
-              <a:schemeClr val="accent1">
-                <a:shade val="50000"/>
-              </a:schemeClr>
-            </a:lnRef>
-            <a:fillRef idx="1">
-              <a:schemeClr val="accent1"/>
-            </a:fillRef>
-            <a:effectRef idx="0">
-              <a:schemeClr val="accent1"/>
-            </a:effectRef>
-            <a:fontRef idx="minor">
-              <a:schemeClr val="lt1"/>
-            </a:fontRef>
-          </p:style>
-          <p:txBody>
-            <a:bodyPr wrap="square" rtlCol="0" anchor="ctr">
-              <a:noAutofit/>
-            </a:bodyPr>
-            <a:lstStyle/>
-            <a:p>
-              <a:pPr algn="ctr"/>
-              <a:endParaRPr lang="en-US"/>
-            </a:p>
-          </p:txBody>
-        </p:sp>
-        <p:sp>
-          <p:nvSpPr>
-            <p:cNvPr id="44" name="Freeform 88">
-              <a:extLst>
-                <a:ext uri="{FF2B5EF4-FFF2-40B4-BE49-F238E27FC236}">
-                  <a16:creationId xmlns:a16="http://schemas.microsoft.com/office/drawing/2014/main" id="{534E9839-EAD7-3C49-8D10-E4BFE0820820}"/>
-                </a:ext>
-                <a:ext uri="{C183D7F6-B498-43B3-948B-1728B52AA6E4}">
-                  <adec:decorative xmlns:adec="http://schemas.microsoft.com/office/drawing/2017/decorative" val="1"/>
-                </a:ext>
-              </a:extLst>
-            </p:cNvPr>
-            <p:cNvSpPr/>
-            <p:nvPr>
-              <p:extLst>
-                <p:ext uri="{386F3935-93C4-4BCD-93E2-E3B085C9AB24}">
-                  <p16:designElem xmlns:p16="http://schemas.microsoft.com/office/powerpoint/2015/main" val="1"/>
-                </p:ext>
-              </p:extLst>
-            </p:nvPr>
-          </p:nvSpPr>
-          <p:spPr>
-            <a:xfrm>
-              <a:off x="11653180" y="2180552"/>
-              <a:ext cx="538821" cy="1125373"/>
-            </a:xfrm>
-            <a:custGeom>
-              <a:avLst/>
-              <a:gdLst>
-                <a:gd name="connsiteX0" fmla="*/ 538821 w 538821"/>
-                <a:gd name="connsiteY0" fmla="*/ 0 h 1125373"/>
-                <a:gd name="connsiteX1" fmla="*/ 538821 w 538821"/>
-                <a:gd name="connsiteY1" fmla="*/ 1125373 h 1125373"/>
-                <a:gd name="connsiteX2" fmla="*/ 451422 w 538821"/>
-                <a:gd name="connsiteY2" fmla="*/ 1116562 h 1125373"/>
-                <a:gd name="connsiteX3" fmla="*/ 0 w 538821"/>
-                <a:gd name="connsiteY3" fmla="*/ 562686 h 1125373"/>
-                <a:gd name="connsiteX4" fmla="*/ 451422 w 538821"/>
-                <a:gd name="connsiteY4" fmla="*/ 8810 h 1125373"/>
-              </a:gdLst>
-              <a:ahLst/>
-              <a:cxnLst>
-                <a:cxn ang="0">
-                  <a:pos x="connsiteX0" y="connsiteY0"/>
-                </a:cxn>
-                <a:cxn ang="0">
-                  <a:pos x="connsiteX1" y="connsiteY1"/>
-                </a:cxn>
-                <a:cxn ang="0">
-                  <a:pos x="connsiteX2" y="connsiteY2"/>
-                </a:cxn>
-                <a:cxn ang="0">
-                  <a:pos x="connsiteX3" y="connsiteY3"/>
-                </a:cxn>
-                <a:cxn ang="0">
-                  <a:pos x="connsiteX4" y="connsiteY4"/>
-                </a:cxn>
-              </a:cxnLst>
-              <a:rect l="l" t="t" r="r" b="b"/>
-              <a:pathLst>
-                <a:path w="538821" h="1125373">
-                  <a:moveTo>
-                    <a:pt x="538821" y="0"/>
-                  </a:moveTo>
-                  <a:lnTo>
-                    <a:pt x="538821" y="1125373"/>
-                  </a:lnTo>
-                  <a:lnTo>
-                    <a:pt x="451422" y="1116562"/>
-                  </a:lnTo>
-                  <a:cubicBezTo>
-                    <a:pt x="193796" y="1063844"/>
-                    <a:pt x="0" y="835897"/>
-                    <a:pt x="0" y="562686"/>
-                  </a:cubicBezTo>
-                  <a:cubicBezTo>
-                    <a:pt x="0" y="289475"/>
-                    <a:pt x="193796" y="61528"/>
-                    <a:pt x="451422" y="8810"/>
-                  </a:cubicBezTo>
-                  <a:close/>
-                </a:path>
-              </a:pathLst>
-            </a:custGeom>
-            <a:solidFill>
-              <a:schemeClr val="bg2"/>
-            </a:solidFill>
-            <a:ln>
-              <a:noFill/>
-            </a:ln>
-          </p:spPr>
-          <p:style>
-            <a:lnRef idx="2">
-              <a:schemeClr val="accent1">
-                <a:shade val="50000"/>
-              </a:schemeClr>
-            </a:lnRef>
-            <a:fillRef idx="1">
-              <a:schemeClr val="accent1"/>
-            </a:fillRef>
-            <a:effectRef idx="0">
-              <a:schemeClr val="accent1"/>
-            </a:effectRef>
-            <a:fontRef idx="minor">
-              <a:schemeClr val="lt1"/>
-            </a:fontRef>
-          </p:style>
-          <p:txBody>
-            <a:bodyPr wrap="square" rtlCol="0" anchor="ctr">
-              <a:noAutofit/>
-            </a:bodyPr>
-            <a:lstStyle/>
-            <a:p>
-              <a:pPr algn="ctr"/>
-              <a:endParaRPr lang="en-US"/>
-            </a:p>
-          </p:txBody>
-        </p:sp>
-        <p:sp>
-          <p:nvSpPr>
-            <p:cNvPr id="45" name="Freeform 89">
-              <a:extLst>
-                <a:ext uri="{FF2B5EF4-FFF2-40B4-BE49-F238E27FC236}">
-                  <a16:creationId xmlns:a16="http://schemas.microsoft.com/office/drawing/2014/main" id="{DDFC3FA6-9BB5-A34E-9337-A2E9A1EED931}"/>
-                </a:ext>
-                <a:ext uri="{C183D7F6-B498-43B3-948B-1728B52AA6E4}">
-                  <adec:decorative xmlns:adec="http://schemas.microsoft.com/office/drawing/2017/decorative" val="1"/>
-                </a:ext>
-              </a:extLst>
-            </p:cNvPr>
-            <p:cNvSpPr/>
-            <p:nvPr>
-              <p:extLst>
-                <p:ext uri="{386F3935-93C4-4BCD-93E2-E3B085C9AB24}">
-                  <p16:designElem xmlns:p16="http://schemas.microsoft.com/office/powerpoint/2015/main" val="1"/>
-                </p:ext>
-              </p:extLst>
-            </p:nvPr>
-          </p:nvSpPr>
-          <p:spPr>
-            <a:xfrm>
-              <a:off x="11653180" y="809039"/>
-              <a:ext cx="538821" cy="1125373"/>
-            </a:xfrm>
-            <a:custGeom>
-              <a:avLst/>
-              <a:gdLst>
-                <a:gd name="connsiteX0" fmla="*/ 538821 w 538821"/>
-                <a:gd name="connsiteY0" fmla="*/ 0 h 1125373"/>
-                <a:gd name="connsiteX1" fmla="*/ 538821 w 538821"/>
-                <a:gd name="connsiteY1" fmla="*/ 1125373 h 1125373"/>
-                <a:gd name="connsiteX2" fmla="*/ 451422 w 538821"/>
-                <a:gd name="connsiteY2" fmla="*/ 1116562 h 1125373"/>
-                <a:gd name="connsiteX3" fmla="*/ 0 w 538821"/>
-                <a:gd name="connsiteY3" fmla="*/ 562686 h 1125373"/>
-                <a:gd name="connsiteX4" fmla="*/ 451422 w 538821"/>
-                <a:gd name="connsiteY4" fmla="*/ 8810 h 1125373"/>
-              </a:gdLst>
-              <a:ahLst/>
-              <a:cxnLst>
-                <a:cxn ang="0">
-                  <a:pos x="connsiteX0" y="connsiteY0"/>
-                </a:cxn>
-                <a:cxn ang="0">
-                  <a:pos x="connsiteX1" y="connsiteY1"/>
-                </a:cxn>
-                <a:cxn ang="0">
-                  <a:pos x="connsiteX2" y="connsiteY2"/>
-                </a:cxn>
-                <a:cxn ang="0">
-                  <a:pos x="connsiteX3" y="connsiteY3"/>
-                </a:cxn>
-                <a:cxn ang="0">
-                  <a:pos x="connsiteX4" y="connsiteY4"/>
-                </a:cxn>
-              </a:cxnLst>
-              <a:rect l="l" t="t" r="r" b="b"/>
-              <a:pathLst>
-                <a:path w="538821" h="1125373">
-                  <a:moveTo>
-                    <a:pt x="538821" y="0"/>
-                  </a:moveTo>
-                  <a:lnTo>
-                    <a:pt x="538821" y="1125373"/>
-                  </a:lnTo>
-                  <a:lnTo>
-                    <a:pt x="451422" y="1116562"/>
-                  </a:lnTo>
-                  <a:cubicBezTo>
-                    <a:pt x="193796" y="1063844"/>
-                    <a:pt x="0" y="835897"/>
-                    <a:pt x="0" y="562686"/>
-                  </a:cubicBezTo>
-                  <a:cubicBezTo>
-                    <a:pt x="0" y="289475"/>
-                    <a:pt x="193796" y="61528"/>
-                    <a:pt x="451422" y="8810"/>
-                  </a:cubicBezTo>
-                  <a:close/>
-                </a:path>
-              </a:pathLst>
-            </a:custGeom>
-            <a:solidFill>
-              <a:schemeClr val="accent1"/>
-            </a:solidFill>
-            <a:ln>
-              <a:noFill/>
-            </a:ln>
-          </p:spPr>
-          <p:style>
-            <a:lnRef idx="2">
-              <a:schemeClr val="accent1">
-                <a:shade val="50000"/>
-              </a:schemeClr>
-            </a:lnRef>
-            <a:fillRef idx="1">
-              <a:schemeClr val="accent1"/>
-            </a:fillRef>
-            <a:effectRef idx="0">
-              <a:schemeClr val="accent1"/>
-            </a:effectRef>
-            <a:fontRef idx="minor">
-              <a:schemeClr val="lt1"/>
-            </a:fontRef>
-          </p:style>
-          <p:txBody>
-            <a:bodyPr wrap="square" rtlCol="0" anchor="ctr">
-              <a:noAutofit/>
-            </a:bodyPr>
-            <a:lstStyle/>
-            <a:p>
-              <a:pPr algn="ctr"/>
-              <a:endParaRPr lang="en-US"/>
-            </a:p>
-          </p:txBody>
-        </p:sp>
-        <p:sp>
-          <p:nvSpPr>
-            <p:cNvPr id="46" name="Freeform 97">
-              <a:extLst>
-                <a:ext uri="{FF2B5EF4-FFF2-40B4-BE49-F238E27FC236}">
-                  <a16:creationId xmlns:a16="http://schemas.microsoft.com/office/drawing/2014/main" id="{45000D9E-4AD7-5A4F-8E99-302F388C833B}"/>
-                </a:ext>
-                <a:ext uri="{C183D7F6-B498-43B3-948B-1728B52AA6E4}">
-                  <adec:decorative xmlns:adec="http://schemas.microsoft.com/office/drawing/2017/decorative" val="1"/>
-                </a:ext>
-              </a:extLst>
-            </p:cNvPr>
-            <p:cNvSpPr/>
-            <p:nvPr>
-              <p:extLst>
-                <p:ext uri="{386F3935-93C4-4BCD-93E2-E3B085C9AB24}">
-                  <p16:designElem xmlns:p16="http://schemas.microsoft.com/office/powerpoint/2015/main" val="1"/>
-                </p:ext>
-              </p:extLst>
-            </p:nvPr>
-          </p:nvSpPr>
-          <p:spPr>
-            <a:xfrm>
-              <a:off x="11653180" y="0"/>
-              <a:ext cx="538821" cy="562898"/>
-            </a:xfrm>
-            <a:custGeom>
-              <a:avLst/>
-              <a:gdLst>
-                <a:gd name="connsiteX0" fmla="*/ 21 w 538821"/>
-                <a:gd name="connsiteY0" fmla="*/ 0 h 562898"/>
-                <a:gd name="connsiteX1" fmla="*/ 538821 w 538821"/>
-                <a:gd name="connsiteY1" fmla="*/ 0 h 562898"/>
-                <a:gd name="connsiteX2" fmla="*/ 538821 w 538821"/>
-                <a:gd name="connsiteY2" fmla="*/ 562898 h 562898"/>
-                <a:gd name="connsiteX3" fmla="*/ 451422 w 538821"/>
-                <a:gd name="connsiteY3" fmla="*/ 554087 h 562898"/>
-                <a:gd name="connsiteX4" fmla="*/ 0 w 538821"/>
-                <a:gd name="connsiteY4" fmla="*/ 211 h 562898"/>
-              </a:gdLst>
-              <a:ahLst/>
-              <a:cxnLst>
-                <a:cxn ang="0">
-                  <a:pos x="connsiteX0" y="connsiteY0"/>
-                </a:cxn>
-                <a:cxn ang="0">
-                  <a:pos x="connsiteX1" y="connsiteY1"/>
-                </a:cxn>
-                <a:cxn ang="0">
-                  <a:pos x="connsiteX2" y="connsiteY2"/>
-                </a:cxn>
-                <a:cxn ang="0">
-                  <a:pos x="connsiteX3" y="connsiteY3"/>
-                </a:cxn>
-                <a:cxn ang="0">
-                  <a:pos x="connsiteX4" y="connsiteY4"/>
-                </a:cxn>
-              </a:cxnLst>
-              <a:rect l="l" t="t" r="r" b="b"/>
-              <a:pathLst>
-                <a:path w="538821" h="562898">
-                  <a:moveTo>
-                    <a:pt x="21" y="0"/>
-                  </a:moveTo>
-                  <a:lnTo>
-                    <a:pt x="538821" y="0"/>
-                  </a:lnTo>
-                  <a:lnTo>
-                    <a:pt x="538821" y="562898"/>
-                  </a:lnTo>
-                  <a:lnTo>
-                    <a:pt x="451422" y="554087"/>
-                  </a:lnTo>
-                  <a:cubicBezTo>
-                    <a:pt x="193796" y="501369"/>
-                    <a:pt x="0" y="273422"/>
-                    <a:pt x="0" y="211"/>
-                  </a:cubicBezTo>
-                  <a:close/>
-                </a:path>
-              </a:pathLst>
-            </a:custGeom>
-            <a:solidFill>
-              <a:schemeClr val="bg2"/>
-            </a:solidFill>
-            <a:ln>
-              <a:noFill/>
-            </a:ln>
-          </p:spPr>
-          <p:style>
-            <a:lnRef idx="2">
-              <a:schemeClr val="accent1">
-                <a:shade val="50000"/>
-              </a:schemeClr>
-            </a:lnRef>
-            <a:fillRef idx="1">
-              <a:schemeClr val="accent1"/>
-            </a:fillRef>
-            <a:effectRef idx="0">
-              <a:schemeClr val="accent1"/>
-            </a:effectRef>
-            <a:fontRef idx="minor">
-              <a:schemeClr val="lt1"/>
-            </a:fontRef>
-          </p:style>
-          <p:txBody>
-            <a:bodyPr wrap="square" rtlCol="0" anchor="ctr">
-              <a:noAutofit/>
-            </a:bodyPr>
-            <a:lstStyle/>
-            <a:p>
-              <a:pPr algn="ctr"/>
-              <a:endParaRPr lang="en-US"/>
-            </a:p>
-          </p:txBody>
-        </p:sp>
-      </p:grpSp>
       <p:sp>
         <p:nvSpPr>
           <p:cNvPr id="2" name="Title 1">
             <a:extLst>
               <a:ext uri="{FF2B5EF4-FFF2-40B4-BE49-F238E27FC236}">
-                <a16:creationId xmlns:a16="http://schemas.microsoft.com/office/drawing/2014/main" id="{76F76C1C-66A3-9F0C-6690-E4621C7689F2}"/>
+                <a16:creationId xmlns:a16="http://schemas.microsoft.com/office/drawing/2014/main" id="{E2B17FE9-7B0B-5E52-BA3F-3D572329871E}"/>
               </a:ext>
             </a:extLst>
           </p:cNvPr>
@@ -44148,21 +41312,16 @@
             <p:ph type="title"/>
           </p:nvPr>
         </p:nvSpPr>
-        <p:spPr>
-          <a:xfrm>
-            <a:off x="4739751" y="768334"/>
-            <a:ext cx="6479629" cy="2866405"/>
-          </a:xfrm>
-        </p:spPr>
+        <p:spPr/>
         <p:txBody>
-          <a:bodyPr vert="horz" lIns="91440" tIns="45720" rIns="91440" bIns="45720" rtlCol="0" anchor="t">
-            <a:normAutofit/>
+          <a:bodyPr>
+            <a:normAutofit fontScale="90000"/>
           </a:bodyPr>
           <a:lstStyle/>
           <a:p>
             <a:r>
-              <a:rPr lang="en-US" sz="6000"/>
-              <a:t>Questions?</a:t>
+              <a:rPr lang="en-US" dirty="0"/>
+              <a:t>Alternative is to use docker-compose</a:t>
             </a:r>
           </a:p>
         </p:txBody>
@@ -44172,7 +41331,7 @@
           <p:cNvPr id="3" name="Content Placeholder 2">
             <a:extLst>
               <a:ext uri="{FF2B5EF4-FFF2-40B4-BE49-F238E27FC236}">
-                <a16:creationId xmlns:a16="http://schemas.microsoft.com/office/drawing/2014/main" id="{71EC0DCD-75C8-902B-70A0-A783F2E2A440}"/>
+                <a16:creationId xmlns:a16="http://schemas.microsoft.com/office/drawing/2014/main" id="{F90CC09A-ECC9-FDE4-CB6E-2ABBBD4562C7}"/>
               </a:ext>
             </a:extLst>
           </p:cNvPr>
@@ -44185,113 +41344,57 @@
         </p:nvSpPr>
         <p:spPr>
           <a:xfrm>
-            <a:off x="4739751" y="4283239"/>
-            <a:ext cx="6479629" cy="1475177"/>
+            <a:off x="565150" y="2160016"/>
+            <a:ext cx="9203883" cy="3601212"/>
           </a:xfrm>
         </p:spPr>
         <p:txBody>
-          <a:bodyPr vert="horz" lIns="91440" tIns="45720" rIns="91440" bIns="45720" rtlCol="0" anchor="b">
+          <a:bodyPr>
             <a:normAutofit/>
           </a:bodyPr>
           <a:lstStyle/>
           <a:p>
-            <a:pPr marL="0" indent="0">
-              <a:buNone/>
-            </a:pPr>
             <a:r>
-              <a:rPr lang="en-US" sz="2000"/>
-              <a:t>Thank you.</a:t>
+              <a:rPr lang="en-US" dirty="0"/>
+              <a:t>It’s meant for multi-container deployments, but we can learn the basics for launching one container</a:t>
+            </a:r>
+          </a:p>
+          <a:p>
+            <a:r>
+              <a:rPr lang="en-US" dirty="0"/>
+              <a:t>Production, staging, development, and testing workflows</a:t>
+            </a:r>
+          </a:p>
+          <a:p>
+            <a:r>
+              <a:rPr lang="en-US" dirty="0"/>
+              <a:t>Works w/ all stages of CI</a:t>
+            </a:r>
+          </a:p>
+          <a:p>
+            <a:r>
+              <a:rPr lang="en-US" dirty="0"/>
+              <a:t>Start/stop/Rebuild services</a:t>
+            </a:r>
+          </a:p>
+          <a:p>
+            <a:r>
+              <a:rPr lang="en-US" dirty="0"/>
+              <a:t>View status, stream output logs, run one-off commands</a:t>
+            </a:r>
+          </a:p>
+          <a:p>
+            <a:r>
+              <a:rPr lang="en-US" dirty="0"/>
+              <a:t>Use YAML configuration files</a:t>
             </a:r>
           </a:p>
         </p:txBody>
       </p:sp>
-      <p:pic>
-        <p:nvPicPr>
-          <p:cNvPr id="5" name="Picture 4" descr="Wood human figure">
-            <a:extLst>
-              <a:ext uri="{FF2B5EF4-FFF2-40B4-BE49-F238E27FC236}">
-                <a16:creationId xmlns:a16="http://schemas.microsoft.com/office/drawing/2014/main" id="{FC8EE5C6-F3FA-824E-FD1C-BF057D49E1B7}"/>
-              </a:ext>
-            </a:extLst>
-          </p:cNvPr>
-          <p:cNvPicPr>
-            <a:picLocks noChangeAspect="1"/>
-          </p:cNvPicPr>
-          <p:nvPr/>
-        </p:nvPicPr>
-        <p:blipFill>
-          <a:blip r:embed="rId2"/>
-          <a:srcRect l="4403" r="54976" b="-2"/>
-          <a:stretch/>
-        </p:blipFill>
-        <p:spPr>
-          <a:xfrm>
-            <a:off x="20" y="1"/>
-            <a:ext cx="4173349" cy="6857999"/>
-          </a:xfrm>
-          <a:prstGeom prst="rect">
-            <a:avLst/>
-          </a:prstGeom>
-        </p:spPr>
-      </p:pic>
-      <p:cxnSp>
-        <p:nvCxnSpPr>
-          <p:cNvPr id="48" name="Straight Connector 47">
-            <a:extLst>
-              <a:ext uri="{FF2B5EF4-FFF2-40B4-BE49-F238E27FC236}">
-                <a16:creationId xmlns:a16="http://schemas.microsoft.com/office/drawing/2014/main" id="{EEA70831-9A8D-3B4D-8EA5-EE32F93E94E9}"/>
-              </a:ext>
-              <a:ext uri="{C183D7F6-B498-43B3-948B-1728B52AA6E4}">
-                <adec:decorative xmlns:adec="http://schemas.microsoft.com/office/drawing/2017/decorative" val="1"/>
-              </a:ext>
-            </a:extLst>
-          </p:cNvPr>
-          <p:cNvCxnSpPr>
-            <a:cxnSpLocks noGrp="1" noRot="1" noChangeAspect="1" noMove="1" noResize="1" noEditPoints="1" noAdjustHandles="1" noChangeArrowheads="1" noChangeShapeType="1"/>
-          </p:cNvCxnSpPr>
-          <p:nvPr>
-            <p:extLst>
-              <p:ext uri="{386F3935-93C4-4BCD-93E2-E3B085C9AB24}">
-                <p16:designElem xmlns:p16="http://schemas.microsoft.com/office/powerpoint/2015/main" val="1"/>
-              </p:ext>
-            </p:extLst>
-          </p:nvPr>
-        </p:nvCxnSpPr>
-        <p:spPr>
-          <a:xfrm>
-            <a:off x="4739752" y="6087110"/>
-            <a:ext cx="6883742" cy="0"/>
-          </a:xfrm>
-          <a:prstGeom prst="line">
-            <a:avLst/>
-          </a:prstGeom>
-          <a:ln w="12700">
-            <a:solidFill>
-              <a:schemeClr val="bg1">
-                <a:lumMod val="65000"/>
-              </a:schemeClr>
-            </a:solidFill>
-          </a:ln>
-        </p:spPr>
-        <p:style>
-          <a:lnRef idx="1">
-            <a:schemeClr val="accent1"/>
-          </a:lnRef>
-          <a:fillRef idx="0">
-            <a:schemeClr val="accent1"/>
-          </a:fillRef>
-          <a:effectRef idx="0">
-            <a:schemeClr val="accent1"/>
-          </a:effectRef>
-          <a:fontRef idx="minor">
-            <a:schemeClr val="tx1"/>
-          </a:fontRef>
-        </p:style>
-      </p:cxnSp>
     </p:spTree>
     <p:extLst>
       <p:ext uri="{BB962C8B-B14F-4D97-AF65-F5344CB8AC3E}">
-        <p14:creationId xmlns:p14="http://schemas.microsoft.com/office/powerpoint/2010/main" val="1726465980"/>
+        <p14:creationId xmlns:p14="http://schemas.microsoft.com/office/powerpoint/2010/main" val="1418670607"/>
       </p:ext>
     </p:extLst>
   </p:cSld>
@@ -44323,7 +41426,7 @@
           <p:cNvPr id="2" name="Title 1">
             <a:extLst>
               <a:ext uri="{FF2B5EF4-FFF2-40B4-BE49-F238E27FC236}">
-                <a16:creationId xmlns:a16="http://schemas.microsoft.com/office/drawing/2014/main" id="{2D9C0D61-4701-2020-C0DB-89978566AD8E}"/>
+                <a16:creationId xmlns:a16="http://schemas.microsoft.com/office/drawing/2014/main" id="{63482F44-F85D-8799-62C1-ABBBE1CEB7AF}"/>
               </a:ext>
             </a:extLst>
           </p:cNvPr>
@@ -44341,40 +41444,123 @@
           <a:p>
             <a:r>
               <a:rPr lang="en-US" dirty="0"/>
-              <a:t>Backup/Extra Slides</a:t>
+              <a:t>Docker Compose Code</a:t>
             </a:r>
           </a:p>
         </p:txBody>
       </p:sp>
-      <p:sp>
-        <p:nvSpPr>
-          <p:cNvPr id="3" name="Content Placeholder 2">
+      <p:pic>
+        <p:nvPicPr>
+          <p:cNvPr id="5" name="Picture 4">
             <a:extLst>
               <a:ext uri="{FF2B5EF4-FFF2-40B4-BE49-F238E27FC236}">
-                <a16:creationId xmlns:a16="http://schemas.microsoft.com/office/drawing/2014/main" id="{A7073655-5221-7B60-006E-10A059B4EAF1}"/>
+                <a16:creationId xmlns:a16="http://schemas.microsoft.com/office/drawing/2014/main" id="{5473478E-3397-7087-B654-92F45CE088E7}"/>
               </a:ext>
             </a:extLst>
           </p:cNvPr>
-          <p:cNvSpPr>
-            <a:spLocks noGrp="1"/>
-          </p:cNvSpPr>
-          <p:nvPr>
-            <p:ph idx="1"/>
-          </p:nvPr>
+          <p:cNvPicPr>
+            <a:picLocks noChangeAspect="1"/>
+          </p:cNvPicPr>
+          <p:nvPr/>
+        </p:nvPicPr>
+        <p:blipFill>
+          <a:blip r:embed="rId3"/>
+          <a:stretch>
+            <a:fillRect/>
+          </a:stretch>
+        </p:blipFill>
+        <p:spPr>
+          <a:xfrm>
+            <a:off x="674335" y="1302539"/>
+            <a:ext cx="9685859" cy="5555461"/>
+          </a:xfrm>
+          <a:prstGeom prst="rect">
+            <a:avLst/>
+          </a:prstGeom>
+        </p:spPr>
+      </p:pic>
+      <p:sp>
+        <p:nvSpPr>
+          <p:cNvPr id="7" name="TextBox 6">
+            <a:extLst>
+              <a:ext uri="{FF2B5EF4-FFF2-40B4-BE49-F238E27FC236}">
+                <a16:creationId xmlns:a16="http://schemas.microsoft.com/office/drawing/2014/main" id="{AC03EF31-16EC-3569-6919-3BC405264790}"/>
+              </a:ext>
+            </a:extLst>
+          </p:cNvPr>
+          <p:cNvSpPr txBox="1"/>
+          <p:nvPr/>
         </p:nvSpPr>
-        <p:spPr/>
+        <p:spPr>
+          <a:xfrm>
+            <a:off x="4540170" y="4436015"/>
+            <a:ext cx="5726574" cy="1815882"/>
+          </a:xfrm>
+          <a:prstGeom prst="rect">
+            <a:avLst/>
+          </a:prstGeom>
+          <a:noFill/>
+        </p:spPr>
         <p:txBody>
-          <a:bodyPr/>
+          <a:bodyPr wrap="square">
+            <a:spAutoFit/>
+          </a:bodyPr>
           <a:lstStyle/>
           <a:p>
-            <a:endParaRPr lang="en-US"/>
+            <a:r>
+              <a:rPr lang="en-US" sz="1600" b="0" dirty="0" err="1">
+                <a:solidFill>
+                  <a:srgbClr val="8B0000"/>
+                </a:solidFill>
+                <a:effectLst/>
+                <a:latin typeface="CaskaydiaCove NF" panose="020B0509020204030204" pitchFamily="49" charset="0"/>
+              </a:rPr>
+              <a:t>wget</a:t>
+            </a:r>
+            <a:r>
+              <a:rPr lang="en-US" sz="1600" b="0" dirty="0">
+                <a:solidFill>
+                  <a:srgbClr val="8B0000"/>
+                </a:solidFill>
+                <a:effectLst/>
+                <a:latin typeface="CaskaydiaCove NF" panose="020B0509020204030204" pitchFamily="49" charset="0"/>
+              </a:rPr>
+              <a:t> --report-speed=bits -U \"Mozilla/5.0 (Windows NT 10.0; Win64; x64) </a:t>
+            </a:r>
+            <a:r>
+              <a:rPr lang="en-US" sz="1600" b="0" dirty="0" err="1">
+                <a:solidFill>
+                  <a:srgbClr val="8B0000"/>
+                </a:solidFill>
+                <a:effectLst/>
+                <a:latin typeface="CaskaydiaCove NF" panose="020B0509020204030204" pitchFamily="49" charset="0"/>
+              </a:rPr>
+              <a:t>AppleWebKit</a:t>
+            </a:r>
+            <a:r>
+              <a:rPr lang="en-US" sz="1600" b="0" dirty="0">
+                <a:solidFill>
+                  <a:srgbClr val="8B0000"/>
+                </a:solidFill>
+                <a:effectLst/>
+                <a:latin typeface="CaskaydiaCove NF" panose="020B0509020204030204" pitchFamily="49" charset="0"/>
+              </a:rPr>
+              <a:t>/537.36 (KHTML, like Gecko) Chrome/129.0.0.0 Safari/537.36\" \"https://www.minecraft.net/bedrockdedicatedserver/bin-linux/bedrock-server-1.21.31.04.zip\" &amp;&amp;</a:t>
+            </a:r>
+            <a:endParaRPr lang="en-US" sz="1600" b="0" dirty="0">
+              <a:solidFill>
+                <a:srgbClr val="333333"/>
+              </a:solidFill>
+              <a:effectLst/>
+              <a:latin typeface="CaskaydiaCove NF" panose="020B0509020204030204" pitchFamily="49" charset="0"/>
+            </a:endParaRPr>
           </a:p>
         </p:txBody>
       </p:sp>
     </p:spTree>
     <p:extLst>
       <p:ext uri="{BB962C8B-B14F-4D97-AF65-F5344CB8AC3E}">
-        <p14:creationId xmlns:p14="http://schemas.microsoft.com/office/powerpoint/2010/main" val="321451641"/>
+        <p14:creationId xmlns:p14="http://schemas.microsoft.com/office/powerpoint/2010/main" val="3773357757"/>
       </p:ext>
     </p:extLst>
   </p:cSld>
@@ -44406,7 +41592,7 @@
           <p:cNvPr id="2" name="Title 1">
             <a:extLst>
               <a:ext uri="{FF2B5EF4-FFF2-40B4-BE49-F238E27FC236}">
-                <a16:creationId xmlns:a16="http://schemas.microsoft.com/office/drawing/2014/main" id="{B96C16AD-54B2-19FB-A4CF-1636BBC69694}"/>
+                <a16:creationId xmlns:a16="http://schemas.microsoft.com/office/drawing/2014/main" id="{28556024-3536-D6F6-95C7-F02E5F10CA08}"/>
               </a:ext>
             </a:extLst>
           </p:cNvPr>
@@ -44424,13 +41610,8 @@
           <a:p>
             <a:r>
               <a:rPr lang="en-US" dirty="0"/>
-              <a:t>Alternatives to </a:t>
+              <a:t>Commands</a:t>
             </a:r>
-            <a:r>
-              <a:rPr lang="en-US" dirty="0" err="1"/>
-              <a:t>Dockerfile</a:t>
-            </a:r>
-            <a:endParaRPr lang="en-US" dirty="0"/>
           </a:p>
         </p:txBody>
       </p:sp>
@@ -44439,7 +41620,7 @@
           <p:cNvPr id="3" name="Content Placeholder 2">
             <a:extLst>
               <a:ext uri="{FF2B5EF4-FFF2-40B4-BE49-F238E27FC236}">
-                <a16:creationId xmlns:a16="http://schemas.microsoft.com/office/drawing/2014/main" id="{9D2DBBB8-BFC9-3BD9-3C37-58C517B0A63E}"/>
+                <a16:creationId xmlns:a16="http://schemas.microsoft.com/office/drawing/2014/main" id="{C524C820-C87E-5D93-E917-58ABE907C7F3}"/>
               </a:ext>
             </a:extLst>
           </p:cNvPr>
@@ -44457,21 +41638,77 @@
           <a:p>
             <a:r>
               <a:rPr lang="en-US" dirty="0"/>
-              <a:t>Docker Compose and generate YAML files</a:t>
+              <a:t>Start: docker compose up -d</a:t>
             </a:r>
           </a:p>
           <a:p>
             <a:r>
               <a:rPr lang="en-US" dirty="0"/>
-              <a:t>Could write LXC/LXD/Incus contain (API, use C/Python) or write BASH scripts and utilize CLI commands</a:t>
+              <a:t>Stop: docker compose down</a:t>
             </a:r>
+          </a:p>
+          <a:p>
+            <a:r>
+              <a:rPr lang="en-US" dirty="0"/>
+              <a:t>Or docker compose down bedrock</a:t>
+            </a:r>
+          </a:p>
+          <a:p>
+            <a:r>
+              <a:rPr lang="en-US" dirty="0"/>
+              <a:t>Logs: docker compose logs</a:t>
+            </a:r>
+          </a:p>
+          <a:p>
+            <a:r>
+              <a:rPr lang="en-US" dirty="0"/>
+              <a:t>Services: docker compose </a:t>
+            </a:r>
+            <a:r>
+              <a:rPr lang="en-US" dirty="0" err="1"/>
+              <a:t>ps</a:t>
+            </a:r>
+            <a:endParaRPr lang="en-US" dirty="0"/>
+          </a:p>
+          <a:p>
+            <a:endParaRPr lang="en-US" dirty="0"/>
           </a:p>
         </p:txBody>
       </p:sp>
+      <p:pic>
+        <p:nvPicPr>
+          <p:cNvPr id="5" name="Picture 4">
+            <a:extLst>
+              <a:ext uri="{FF2B5EF4-FFF2-40B4-BE49-F238E27FC236}">
+                <a16:creationId xmlns:a16="http://schemas.microsoft.com/office/drawing/2014/main" id="{701B743E-9DC1-3D7D-AAC9-C9DF5203C584}"/>
+              </a:ext>
+            </a:extLst>
+          </p:cNvPr>
+          <p:cNvPicPr>
+            <a:picLocks noChangeAspect="1"/>
+          </p:cNvPicPr>
+          <p:nvPr/>
+        </p:nvPicPr>
+        <p:blipFill>
+          <a:blip r:embed="rId3"/>
+          <a:stretch>
+            <a:fillRect/>
+          </a:stretch>
+        </p:blipFill>
+        <p:spPr>
+          <a:xfrm>
+            <a:off x="565150" y="4583732"/>
+            <a:ext cx="11052976" cy="891093"/>
+          </a:xfrm>
+          <a:prstGeom prst="rect">
+            <a:avLst/>
+          </a:prstGeom>
+        </p:spPr>
+      </p:pic>
     </p:spTree>
     <p:extLst>
       <p:ext uri="{BB962C8B-B14F-4D97-AF65-F5344CB8AC3E}">
-        <p14:creationId xmlns:p14="http://schemas.microsoft.com/office/powerpoint/2010/main" val="2440342407"/>
+        <p14:creationId xmlns:p14="http://schemas.microsoft.com/office/powerpoint/2010/main" val="2913010205"/>
       </p:ext>
     </p:extLst>
   </p:cSld>
@@ -45068,6 +42305,3658 @@
       <p:bldP spid="3" grpId="0" build="p"/>
     </p:bldLst>
   </p:timing>
+</p:sld>
+</file>
+
+<file path=ppt/slides/slide50.xml><?xml version="1.0" encoding="utf-8"?>
+<p:sld xmlns:a="http://schemas.openxmlformats.org/drawingml/2006/main" xmlns:r="http://schemas.openxmlformats.org/officeDocument/2006/relationships" xmlns:p="http://schemas.openxmlformats.org/presentationml/2006/main">
+  <p:cSld>
+    <p:spTree>
+      <p:nvGrpSpPr>
+        <p:cNvPr id="1" name=""/>
+        <p:cNvGrpSpPr/>
+        <p:nvPr/>
+      </p:nvGrpSpPr>
+      <p:grpSpPr>
+        <a:xfrm>
+          <a:off x="0" y="0"/>
+          <a:ext cx="0" cy="0"/>
+          <a:chOff x="0" y="0"/>
+          <a:chExt cx="0" cy="0"/>
+        </a:xfrm>
+      </p:grpSpPr>
+      <p:sp>
+        <p:nvSpPr>
+          <p:cNvPr id="2" name="Title 1">
+            <a:extLst>
+              <a:ext uri="{FF2B5EF4-FFF2-40B4-BE49-F238E27FC236}">
+                <a16:creationId xmlns:a16="http://schemas.microsoft.com/office/drawing/2014/main" id="{BCD0D207-2483-2F5E-B983-1FBFC814ADA4}"/>
+              </a:ext>
+            </a:extLst>
+          </p:cNvPr>
+          <p:cNvSpPr>
+            <a:spLocks noGrp="1"/>
+          </p:cNvSpPr>
+          <p:nvPr>
+            <p:ph type="title"/>
+          </p:nvPr>
+        </p:nvSpPr>
+        <p:spPr>
+          <a:xfrm>
+            <a:off x="560629" y="248015"/>
+            <a:ext cx="7335835" cy="1268984"/>
+          </a:xfrm>
+        </p:spPr>
+        <p:txBody>
+          <a:bodyPr>
+            <a:normAutofit fontScale="90000"/>
+          </a:bodyPr>
+          <a:lstStyle/>
+          <a:p>
+            <a:r>
+              <a:rPr lang="en-US" dirty="0"/>
+              <a:t>What about no ping data on Bedrock Server entry?</a:t>
+            </a:r>
+          </a:p>
+        </p:txBody>
+      </p:sp>
+      <p:pic>
+        <p:nvPicPr>
+          <p:cNvPr id="5" name="Content Placeholder 4" descr="A screenshot of a computer&#10;&#10;Description automatically generated">
+            <a:extLst>
+              <a:ext uri="{FF2B5EF4-FFF2-40B4-BE49-F238E27FC236}">
+                <a16:creationId xmlns:a16="http://schemas.microsoft.com/office/drawing/2014/main" id="{18A94251-B33E-3642-F3BD-2F9BFCA477EF}"/>
+              </a:ext>
+            </a:extLst>
+          </p:cNvPr>
+          <p:cNvPicPr>
+            <a:picLocks noGrp="1" noChangeAspect="1"/>
+          </p:cNvPicPr>
+          <p:nvPr>
+            <p:ph idx="1"/>
+          </p:nvPr>
+        </p:nvPicPr>
+        <p:blipFill>
+          <a:blip r:embed="rId2">
+            <a:extLst>
+              <a:ext uri="{28A0092B-C50C-407E-A947-70E740481C1C}">
+                <a14:useLocalDpi xmlns:a14="http://schemas.microsoft.com/office/drawing/2010/main" val="0"/>
+              </a:ext>
+            </a:extLst>
+          </a:blip>
+          <a:stretch>
+            <a:fillRect/>
+          </a:stretch>
+        </p:blipFill>
+        <p:spPr>
+          <a:xfrm>
+            <a:off x="560629" y="1517000"/>
+            <a:ext cx="6777720" cy="3049974"/>
+          </a:xfrm>
+        </p:spPr>
+      </p:pic>
+      <p:sp>
+        <p:nvSpPr>
+          <p:cNvPr id="6" name="TextBox 5">
+            <a:extLst>
+              <a:ext uri="{FF2B5EF4-FFF2-40B4-BE49-F238E27FC236}">
+                <a16:creationId xmlns:a16="http://schemas.microsoft.com/office/drawing/2014/main" id="{8025F02A-1A26-50B9-7D8D-9232A16DF50C}"/>
+              </a:ext>
+            </a:extLst>
+          </p:cNvPr>
+          <p:cNvSpPr txBox="1"/>
+          <p:nvPr/>
+        </p:nvSpPr>
+        <p:spPr>
+          <a:xfrm>
+            <a:off x="717630" y="4602336"/>
+            <a:ext cx="7511970" cy="1477328"/>
+          </a:xfrm>
+          <a:prstGeom prst="rect">
+            <a:avLst/>
+          </a:prstGeom>
+          <a:noFill/>
+        </p:spPr>
+        <p:txBody>
+          <a:bodyPr wrap="square" rtlCol="0">
+            <a:spAutoFit/>
+          </a:bodyPr>
+          <a:lstStyle/>
+          <a:p>
+            <a:r>
+              <a:rPr lang="en-US" dirty="0" err="1"/>
+              <a:t>ip</a:t>
+            </a:r>
+            <a:r>
+              <a:rPr lang="en-US" dirty="0"/>
+              <a:t> route add &lt;docker container&gt; via &lt;docker gateway&gt;</a:t>
+            </a:r>
+          </a:p>
+          <a:p>
+            <a:r>
+              <a:rPr lang="en-US" dirty="0" err="1"/>
+              <a:t>ip</a:t>
+            </a:r>
+            <a:r>
+              <a:rPr lang="en-US" dirty="0"/>
+              <a:t> route add &lt;docker gateway&gt; via &lt;</a:t>
+            </a:r>
+            <a:r>
+              <a:rPr lang="en-US" dirty="0" err="1"/>
+              <a:t>vm</a:t>
+            </a:r>
+            <a:r>
+              <a:rPr lang="en-US" dirty="0"/>
+              <a:t> ethernet/</a:t>
+            </a:r>
+            <a:r>
+              <a:rPr lang="en-US" dirty="0" err="1"/>
+              <a:t>wifi</a:t>
+            </a:r>
+            <a:r>
+              <a:rPr lang="en-US" dirty="0"/>
+              <a:t> host&gt;</a:t>
+            </a:r>
+          </a:p>
+          <a:p>
+            <a:r>
+              <a:rPr lang="en-US" dirty="0" err="1"/>
+              <a:t>ip</a:t>
+            </a:r>
+            <a:r>
+              <a:rPr lang="en-US" dirty="0"/>
+              <a:t> route add 172.0.0.2 via 172.0.0.1</a:t>
+            </a:r>
+          </a:p>
+          <a:p>
+            <a:r>
+              <a:rPr lang="en-US" dirty="0" err="1"/>
+              <a:t>ip</a:t>
+            </a:r>
+            <a:r>
+              <a:rPr lang="en-US" dirty="0"/>
+              <a:t> route add 172.0.0.1 via 192.168.1.81</a:t>
+            </a:r>
+          </a:p>
+          <a:p>
+            <a:r>
+              <a:rPr lang="en-US" dirty="0"/>
+              <a:t>May also need </a:t>
+            </a:r>
+            <a:r>
+              <a:rPr lang="en-US" dirty="0" err="1"/>
+              <a:t>sudo</a:t>
+            </a:r>
+            <a:r>
+              <a:rPr lang="en-US" dirty="0"/>
+              <a:t> </a:t>
+            </a:r>
+            <a:r>
+              <a:rPr lang="en-US" dirty="0" err="1"/>
+              <a:t>sysctl</a:t>
+            </a:r>
+            <a:r>
+              <a:rPr lang="en-US" dirty="0"/>
+              <a:t> –w net.ipv4.ip_forward=1</a:t>
+            </a:r>
+          </a:p>
+        </p:txBody>
+      </p:sp>
+    </p:spTree>
+    <p:extLst>
+      <p:ext uri="{BB962C8B-B14F-4D97-AF65-F5344CB8AC3E}">
+        <p14:creationId xmlns:p14="http://schemas.microsoft.com/office/powerpoint/2010/main" val="1319573248"/>
+      </p:ext>
+    </p:extLst>
+  </p:cSld>
+  <p:clrMapOvr>
+    <a:masterClrMapping/>
+  </p:clrMapOvr>
+</p:sld>
+</file>
+
+<file path=ppt/slides/slide51.xml><?xml version="1.0" encoding="utf-8"?>
+<p:sld xmlns:a="http://schemas.openxmlformats.org/drawingml/2006/main" xmlns:r="http://schemas.openxmlformats.org/officeDocument/2006/relationships" xmlns:p="http://schemas.openxmlformats.org/presentationml/2006/main">
+  <p:cSld>
+    <p:bg>
+      <p:bgPr>
+        <a:solidFill>
+          <a:schemeClr val="bg1"/>
+        </a:solidFill>
+        <a:effectLst/>
+      </p:bgPr>
+    </p:bg>
+    <p:spTree>
+      <p:nvGrpSpPr>
+        <p:cNvPr id="1" name=""/>
+        <p:cNvGrpSpPr/>
+        <p:nvPr/>
+      </p:nvGrpSpPr>
+      <p:grpSpPr>
+        <a:xfrm>
+          <a:off x="0" y="0"/>
+          <a:ext cx="0" cy="0"/>
+          <a:chOff x="0" y="0"/>
+          <a:chExt cx="0" cy="0"/>
+        </a:xfrm>
+      </p:grpSpPr>
+      <p:grpSp>
+        <p:nvGrpSpPr>
+          <p:cNvPr id="9" name="Group 8">
+            <a:extLst>
+              <a:ext uri="{FF2B5EF4-FFF2-40B4-BE49-F238E27FC236}">
+                <a16:creationId xmlns:a16="http://schemas.microsoft.com/office/drawing/2014/main" id="{EB46B8FB-F6A2-5F47-A6CD-A7E17E69270F}"/>
+              </a:ext>
+              <a:ext uri="{C183D7F6-B498-43B3-948B-1728B52AA6E4}">
+                <adec:decorative xmlns:adec="http://schemas.microsoft.com/office/drawing/2017/decorative" val="1"/>
+              </a:ext>
+            </a:extLst>
+          </p:cNvPr>
+          <p:cNvGrpSpPr>
+            <a:grpSpLocks noGrp="1" noUngrp="1" noRot="1" noChangeAspect="1" noMove="1" noResize="1"/>
+          </p:cNvGrpSpPr>
+          <p:nvPr>
+            <p:extLst>
+              <p:ext uri="{386F3935-93C4-4BCD-93E2-E3B085C9AB24}">
+                <p16:designElem xmlns:p16="http://schemas.microsoft.com/office/powerpoint/2015/main" val="1"/>
+              </p:ext>
+            </p:extLst>
+          </p:nvPr>
+        </p:nvGrpSpPr>
+        <p:grpSpPr>
+          <a:xfrm>
+            <a:off x="6201388" y="0"/>
+            <a:ext cx="5990612" cy="6858001"/>
+            <a:chOff x="6201388" y="0"/>
+            <a:chExt cx="5990612" cy="6858001"/>
+          </a:xfrm>
+        </p:grpSpPr>
+        <p:sp>
+          <p:nvSpPr>
+            <p:cNvPr id="10" name="Oval 9">
+              <a:extLst>
+                <a:ext uri="{FF2B5EF4-FFF2-40B4-BE49-F238E27FC236}">
+                  <a16:creationId xmlns:a16="http://schemas.microsoft.com/office/drawing/2014/main" id="{419BDE93-3EC2-4E4D-BC0B-417378F49EDA}"/>
+                </a:ext>
+                <a:ext uri="{C183D7F6-B498-43B3-948B-1728B52AA6E4}">
+                  <adec:decorative xmlns:adec="http://schemas.microsoft.com/office/drawing/2017/decorative" val="1"/>
+                </a:ext>
+              </a:extLst>
+            </p:cNvPr>
+            <p:cNvSpPr/>
+            <p:nvPr>
+              <p:extLst>
+                <p:ext uri="{386F3935-93C4-4BCD-93E2-E3B085C9AB24}">
+                  <p16:designElem xmlns:p16="http://schemas.microsoft.com/office/powerpoint/2015/main" val="1"/>
+                </p:ext>
+              </p:extLst>
+            </p:nvPr>
+          </p:nvSpPr>
+          <p:spPr>
+            <a:xfrm>
+              <a:off x="6201388" y="3549396"/>
+              <a:ext cx="1130725" cy="1130724"/>
+            </a:xfrm>
+            <a:prstGeom prst="ellipse">
+              <a:avLst/>
+            </a:prstGeom>
+            <a:solidFill>
+              <a:schemeClr val="bg2"/>
+            </a:solidFill>
+            <a:ln>
+              <a:noFill/>
+            </a:ln>
+          </p:spPr>
+          <p:style>
+            <a:lnRef idx="2">
+              <a:schemeClr val="accent1">
+                <a:shade val="50000"/>
+              </a:schemeClr>
+            </a:lnRef>
+            <a:fillRef idx="1">
+              <a:schemeClr val="accent1"/>
+            </a:fillRef>
+            <a:effectRef idx="0">
+              <a:schemeClr val="accent1"/>
+            </a:effectRef>
+            <a:fontRef idx="minor">
+              <a:schemeClr val="lt1"/>
+            </a:fontRef>
+          </p:style>
+          <p:txBody>
+            <a:bodyPr rtlCol="0" anchor="ctr"/>
+            <a:lstStyle/>
+            <a:p>
+              <a:pPr algn="ctr"/>
+              <a:endParaRPr lang="en-US"/>
+            </a:p>
+          </p:txBody>
+        </p:sp>
+        <p:sp>
+          <p:nvSpPr>
+            <p:cNvPr id="11" name="Freeform 46">
+              <a:extLst>
+                <a:ext uri="{FF2B5EF4-FFF2-40B4-BE49-F238E27FC236}">
+                  <a16:creationId xmlns:a16="http://schemas.microsoft.com/office/drawing/2014/main" id="{FE21F82F-1EE5-8240-97F8-387DF0253FCE}"/>
+                </a:ext>
+                <a:ext uri="{C183D7F6-B498-43B3-948B-1728B52AA6E4}">
+                  <adec:decorative xmlns:adec="http://schemas.microsoft.com/office/drawing/2017/decorative" val="1"/>
+                </a:ext>
+              </a:extLst>
+            </p:cNvPr>
+            <p:cNvSpPr/>
+            <p:nvPr>
+              <p:extLst>
+                <p:ext uri="{386F3935-93C4-4BCD-93E2-E3B085C9AB24}">
+                  <p16:designElem xmlns:p16="http://schemas.microsoft.com/office/powerpoint/2015/main" val="1"/>
+                </p:ext>
+              </p:extLst>
+            </p:nvPr>
+          </p:nvSpPr>
+          <p:spPr>
+            <a:xfrm>
+              <a:off x="6201389" y="1"/>
+              <a:ext cx="1130725" cy="565575"/>
+            </a:xfrm>
+            <a:custGeom>
+              <a:avLst/>
+              <a:gdLst>
+                <a:gd name="connsiteX0" fmla="*/ 21 w 1130725"/>
+                <a:gd name="connsiteY0" fmla="*/ 0 h 565575"/>
+                <a:gd name="connsiteX1" fmla="*/ 1130704 w 1130725"/>
+                <a:gd name="connsiteY1" fmla="*/ 0 h 565575"/>
+                <a:gd name="connsiteX2" fmla="*/ 1130725 w 1130725"/>
+                <a:gd name="connsiteY2" fmla="*/ 213 h 565575"/>
+                <a:gd name="connsiteX3" fmla="*/ 565362 w 1130725"/>
+                <a:gd name="connsiteY3" fmla="*/ 565575 h 565575"/>
+                <a:gd name="connsiteX4" fmla="*/ 0 w 1130725"/>
+                <a:gd name="connsiteY4" fmla="*/ 213 h 565575"/>
+              </a:gdLst>
+              <a:ahLst/>
+              <a:cxnLst>
+                <a:cxn ang="0">
+                  <a:pos x="connsiteX0" y="connsiteY0"/>
+                </a:cxn>
+                <a:cxn ang="0">
+                  <a:pos x="connsiteX1" y="connsiteY1"/>
+                </a:cxn>
+                <a:cxn ang="0">
+                  <a:pos x="connsiteX2" y="connsiteY2"/>
+                </a:cxn>
+                <a:cxn ang="0">
+                  <a:pos x="connsiteX3" y="connsiteY3"/>
+                </a:cxn>
+                <a:cxn ang="0">
+                  <a:pos x="connsiteX4" y="connsiteY4"/>
+                </a:cxn>
+              </a:cxnLst>
+              <a:rect l="l" t="t" r="r" b="b"/>
+              <a:pathLst>
+                <a:path w="1130725" h="565575">
+                  <a:moveTo>
+                    <a:pt x="21" y="0"/>
+                  </a:moveTo>
+                  <a:lnTo>
+                    <a:pt x="1130704" y="0"/>
+                  </a:lnTo>
+                  <a:lnTo>
+                    <a:pt x="1130725" y="213"/>
+                  </a:lnTo>
+                  <a:cubicBezTo>
+                    <a:pt x="1130725" y="312454"/>
+                    <a:pt x="877604" y="565575"/>
+                    <a:pt x="565362" y="565575"/>
+                  </a:cubicBezTo>
+                  <a:cubicBezTo>
+                    <a:pt x="253121" y="565575"/>
+                    <a:pt x="0" y="312454"/>
+                    <a:pt x="0" y="213"/>
+                  </a:cubicBezTo>
+                  <a:close/>
+                </a:path>
+              </a:pathLst>
+            </a:custGeom>
+            <a:solidFill>
+              <a:schemeClr val="bg2"/>
+            </a:solidFill>
+            <a:ln>
+              <a:noFill/>
+            </a:ln>
+          </p:spPr>
+          <p:style>
+            <a:lnRef idx="2">
+              <a:schemeClr val="accent1">
+                <a:shade val="50000"/>
+              </a:schemeClr>
+            </a:lnRef>
+            <a:fillRef idx="1">
+              <a:schemeClr val="accent1"/>
+            </a:fillRef>
+            <a:effectRef idx="0">
+              <a:schemeClr val="accent1"/>
+            </a:effectRef>
+            <a:fontRef idx="minor">
+              <a:schemeClr val="lt1"/>
+            </a:fontRef>
+          </p:style>
+          <p:txBody>
+            <a:bodyPr wrap="square" rtlCol="0" anchor="ctr">
+              <a:noAutofit/>
+            </a:bodyPr>
+            <a:lstStyle/>
+            <a:p>
+              <a:pPr algn="ctr"/>
+              <a:endParaRPr lang="en-US"/>
+            </a:p>
+          </p:txBody>
+        </p:sp>
+        <p:sp>
+          <p:nvSpPr>
+            <p:cNvPr id="12" name="Freeform 48">
+              <a:extLst>
+                <a:ext uri="{FF2B5EF4-FFF2-40B4-BE49-F238E27FC236}">
+                  <a16:creationId xmlns:a16="http://schemas.microsoft.com/office/drawing/2014/main" id="{AE1903E3-6B5F-6B4C-9A1F-62628A050AEB}"/>
+                </a:ext>
+                <a:ext uri="{C183D7F6-B498-43B3-948B-1728B52AA6E4}">
+                  <adec:decorative xmlns:adec="http://schemas.microsoft.com/office/drawing/2017/decorative" val="1"/>
+                </a:ext>
+              </a:extLst>
+            </p:cNvPr>
+            <p:cNvSpPr/>
+            <p:nvPr>
+              <p:extLst>
+                <p:ext uri="{386F3935-93C4-4BCD-93E2-E3B085C9AB24}">
+                  <p16:designElem xmlns:p16="http://schemas.microsoft.com/office/powerpoint/2015/main" val="1"/>
+                </p:ext>
+              </p:extLst>
+            </p:nvPr>
+          </p:nvSpPr>
+          <p:spPr>
+            <a:xfrm>
+              <a:off x="7564255" y="6292426"/>
+              <a:ext cx="1130723" cy="565575"/>
+            </a:xfrm>
+            <a:custGeom>
+              <a:avLst/>
+              <a:gdLst>
+                <a:gd name="connsiteX0" fmla="*/ 565362 w 1130723"/>
+                <a:gd name="connsiteY0" fmla="*/ 0 h 565575"/>
+                <a:gd name="connsiteX1" fmla="*/ 1130723 w 1130723"/>
+                <a:gd name="connsiteY1" fmla="*/ 565362 h 565575"/>
+                <a:gd name="connsiteX2" fmla="*/ 1130702 w 1130723"/>
+                <a:gd name="connsiteY2" fmla="*/ 565575 h 565575"/>
+                <a:gd name="connsiteX3" fmla="*/ 21 w 1130723"/>
+                <a:gd name="connsiteY3" fmla="*/ 565575 h 565575"/>
+                <a:gd name="connsiteX4" fmla="*/ 0 w 1130723"/>
+                <a:gd name="connsiteY4" fmla="*/ 565362 h 565575"/>
+                <a:gd name="connsiteX5" fmla="*/ 565362 w 1130723"/>
+                <a:gd name="connsiteY5" fmla="*/ 0 h 565575"/>
+              </a:gdLst>
+              <a:ahLst/>
+              <a:cxnLst>
+                <a:cxn ang="0">
+                  <a:pos x="connsiteX0" y="connsiteY0"/>
+                </a:cxn>
+                <a:cxn ang="0">
+                  <a:pos x="connsiteX1" y="connsiteY1"/>
+                </a:cxn>
+                <a:cxn ang="0">
+                  <a:pos x="connsiteX2" y="connsiteY2"/>
+                </a:cxn>
+                <a:cxn ang="0">
+                  <a:pos x="connsiteX3" y="connsiteY3"/>
+                </a:cxn>
+                <a:cxn ang="0">
+                  <a:pos x="connsiteX4" y="connsiteY4"/>
+                </a:cxn>
+                <a:cxn ang="0">
+                  <a:pos x="connsiteX5" y="connsiteY5"/>
+                </a:cxn>
+              </a:cxnLst>
+              <a:rect l="l" t="t" r="r" b="b"/>
+              <a:pathLst>
+                <a:path w="1130723" h="565575">
+                  <a:moveTo>
+                    <a:pt x="565362" y="0"/>
+                  </a:moveTo>
+                  <a:cubicBezTo>
+                    <a:pt x="877602" y="0"/>
+                    <a:pt x="1130723" y="253121"/>
+                    <a:pt x="1130723" y="565362"/>
+                  </a:cubicBezTo>
+                  <a:lnTo>
+                    <a:pt x="1130702" y="565575"/>
+                  </a:lnTo>
+                  <a:lnTo>
+                    <a:pt x="21" y="565575"/>
+                  </a:lnTo>
+                  <a:lnTo>
+                    <a:pt x="0" y="565362"/>
+                  </a:lnTo>
+                  <a:cubicBezTo>
+                    <a:pt x="0" y="253121"/>
+                    <a:pt x="253120" y="0"/>
+                    <a:pt x="565362" y="0"/>
+                  </a:cubicBezTo>
+                  <a:close/>
+                </a:path>
+              </a:pathLst>
+            </a:custGeom>
+            <a:solidFill>
+              <a:schemeClr val="bg2"/>
+            </a:solidFill>
+            <a:ln>
+              <a:noFill/>
+            </a:ln>
+          </p:spPr>
+          <p:style>
+            <a:lnRef idx="2">
+              <a:schemeClr val="accent1">
+                <a:shade val="50000"/>
+              </a:schemeClr>
+            </a:lnRef>
+            <a:fillRef idx="1">
+              <a:schemeClr val="accent1"/>
+            </a:fillRef>
+            <a:effectRef idx="0">
+              <a:schemeClr val="accent1"/>
+            </a:effectRef>
+            <a:fontRef idx="minor">
+              <a:schemeClr val="lt1"/>
+            </a:fontRef>
+          </p:style>
+          <p:txBody>
+            <a:bodyPr wrap="square" rtlCol="0" anchor="ctr">
+              <a:noAutofit/>
+            </a:bodyPr>
+            <a:lstStyle/>
+            <a:p>
+              <a:pPr algn="ctr"/>
+              <a:endParaRPr lang="en-US"/>
+            </a:p>
+          </p:txBody>
+        </p:sp>
+        <p:sp>
+          <p:nvSpPr>
+            <p:cNvPr id="13" name="Oval 12">
+              <a:extLst>
+                <a:ext uri="{FF2B5EF4-FFF2-40B4-BE49-F238E27FC236}">
+                  <a16:creationId xmlns:a16="http://schemas.microsoft.com/office/drawing/2014/main" id="{F7C55863-3B37-0743-B001-1A970033FBA8}"/>
+                </a:ext>
+                <a:ext uri="{C183D7F6-B498-43B3-948B-1728B52AA6E4}">
+                  <adec:decorative xmlns:adec="http://schemas.microsoft.com/office/drawing/2017/decorative" val="1"/>
+                </a:ext>
+              </a:extLst>
+            </p:cNvPr>
+            <p:cNvSpPr/>
+            <p:nvPr>
+              <p:extLst>
+                <p:ext uri="{386F3935-93C4-4BCD-93E2-E3B085C9AB24}">
+                  <p16:designElem xmlns:p16="http://schemas.microsoft.com/office/powerpoint/2015/main" val="1"/>
+                </p:ext>
+              </p:extLst>
+            </p:nvPr>
+          </p:nvSpPr>
+          <p:spPr>
+            <a:xfrm>
+              <a:off x="7564253" y="3549396"/>
+              <a:ext cx="1130725" cy="1130724"/>
+            </a:xfrm>
+            <a:prstGeom prst="ellipse">
+              <a:avLst/>
+            </a:prstGeom>
+            <a:solidFill>
+              <a:schemeClr val="bg2"/>
+            </a:solidFill>
+            <a:ln>
+              <a:noFill/>
+            </a:ln>
+          </p:spPr>
+          <p:style>
+            <a:lnRef idx="2">
+              <a:schemeClr val="accent1">
+                <a:shade val="50000"/>
+              </a:schemeClr>
+            </a:lnRef>
+            <a:fillRef idx="1">
+              <a:schemeClr val="accent1"/>
+            </a:fillRef>
+            <a:effectRef idx="0">
+              <a:schemeClr val="accent1"/>
+            </a:effectRef>
+            <a:fontRef idx="minor">
+              <a:schemeClr val="lt1"/>
+            </a:fontRef>
+          </p:style>
+          <p:txBody>
+            <a:bodyPr rtlCol="0" anchor="ctr"/>
+            <a:lstStyle/>
+            <a:p>
+              <a:pPr algn="ctr"/>
+              <a:endParaRPr lang="en-US"/>
+            </a:p>
+          </p:txBody>
+        </p:sp>
+        <p:sp>
+          <p:nvSpPr>
+            <p:cNvPr id="14" name="Oval 13">
+              <a:extLst>
+                <a:ext uri="{FF2B5EF4-FFF2-40B4-BE49-F238E27FC236}">
+                  <a16:creationId xmlns:a16="http://schemas.microsoft.com/office/drawing/2014/main" id="{932B4C24-3A58-924C-B79A-D961EF7C2C48}"/>
+                </a:ext>
+                <a:ext uri="{C183D7F6-B498-43B3-948B-1728B52AA6E4}">
+                  <adec:decorative xmlns:adec="http://schemas.microsoft.com/office/drawing/2017/decorative" val="1"/>
+                </a:ext>
+              </a:extLst>
+            </p:cNvPr>
+            <p:cNvSpPr/>
+            <p:nvPr>
+              <p:extLst>
+                <p:ext uri="{386F3935-93C4-4BCD-93E2-E3B085C9AB24}">
+                  <p16:designElem xmlns:p16="http://schemas.microsoft.com/office/powerpoint/2015/main" val="1"/>
+                </p:ext>
+              </p:extLst>
+            </p:nvPr>
+          </p:nvSpPr>
+          <p:spPr>
+            <a:xfrm>
+              <a:off x="7564253" y="2177881"/>
+              <a:ext cx="1130725" cy="1130724"/>
+            </a:xfrm>
+            <a:prstGeom prst="ellipse">
+              <a:avLst/>
+            </a:prstGeom>
+            <a:solidFill>
+              <a:schemeClr val="bg2"/>
+            </a:solidFill>
+            <a:ln>
+              <a:noFill/>
+            </a:ln>
+          </p:spPr>
+          <p:style>
+            <a:lnRef idx="2">
+              <a:schemeClr val="accent1">
+                <a:shade val="50000"/>
+              </a:schemeClr>
+            </a:lnRef>
+            <a:fillRef idx="1">
+              <a:schemeClr val="accent1"/>
+            </a:fillRef>
+            <a:effectRef idx="0">
+              <a:schemeClr val="accent1"/>
+            </a:effectRef>
+            <a:fontRef idx="minor">
+              <a:schemeClr val="lt1"/>
+            </a:fontRef>
+          </p:style>
+          <p:txBody>
+            <a:bodyPr rtlCol="0" anchor="ctr"/>
+            <a:lstStyle/>
+            <a:p>
+              <a:pPr algn="ctr"/>
+              <a:endParaRPr lang="en-US"/>
+            </a:p>
+          </p:txBody>
+        </p:sp>
+        <p:sp>
+          <p:nvSpPr>
+            <p:cNvPr id="15" name="Oval 14">
+              <a:extLst>
+                <a:ext uri="{FF2B5EF4-FFF2-40B4-BE49-F238E27FC236}">
+                  <a16:creationId xmlns:a16="http://schemas.microsoft.com/office/drawing/2014/main" id="{21EF52E0-D2CF-544F-93A6-4D7B45A0483A}"/>
+                </a:ext>
+                <a:ext uri="{C183D7F6-B498-43B3-948B-1728B52AA6E4}">
+                  <adec:decorative xmlns:adec="http://schemas.microsoft.com/office/drawing/2017/decorative" val="1"/>
+                </a:ext>
+              </a:extLst>
+            </p:cNvPr>
+            <p:cNvSpPr/>
+            <p:nvPr>
+              <p:extLst>
+                <p:ext uri="{386F3935-93C4-4BCD-93E2-E3B085C9AB24}">
+                  <p16:designElem xmlns:p16="http://schemas.microsoft.com/office/powerpoint/2015/main" val="1"/>
+                </p:ext>
+              </p:extLst>
+            </p:nvPr>
+          </p:nvSpPr>
+          <p:spPr>
+            <a:xfrm>
+              <a:off x="7564253" y="806366"/>
+              <a:ext cx="1130725" cy="1130724"/>
+            </a:xfrm>
+            <a:prstGeom prst="ellipse">
+              <a:avLst/>
+            </a:prstGeom>
+            <a:solidFill>
+              <a:schemeClr val="accent1"/>
+            </a:solidFill>
+            <a:ln>
+              <a:noFill/>
+            </a:ln>
+          </p:spPr>
+          <p:style>
+            <a:lnRef idx="2">
+              <a:schemeClr val="accent1">
+                <a:shade val="50000"/>
+              </a:schemeClr>
+            </a:lnRef>
+            <a:fillRef idx="1">
+              <a:schemeClr val="accent1"/>
+            </a:fillRef>
+            <a:effectRef idx="0">
+              <a:schemeClr val="accent1"/>
+            </a:effectRef>
+            <a:fontRef idx="minor">
+              <a:schemeClr val="lt1"/>
+            </a:fontRef>
+          </p:style>
+          <p:txBody>
+            <a:bodyPr rtlCol="0" anchor="ctr"/>
+            <a:lstStyle/>
+            <a:p>
+              <a:pPr algn="ctr"/>
+              <a:endParaRPr lang="en-US"/>
+            </a:p>
+          </p:txBody>
+        </p:sp>
+        <p:sp>
+          <p:nvSpPr>
+            <p:cNvPr id="16" name="Freeform 63">
+              <a:extLst>
+                <a:ext uri="{FF2B5EF4-FFF2-40B4-BE49-F238E27FC236}">
+                  <a16:creationId xmlns:a16="http://schemas.microsoft.com/office/drawing/2014/main" id="{6966CFE5-1C8C-2E4F-9B2D-A8438F5A5322}"/>
+                </a:ext>
+                <a:ext uri="{C183D7F6-B498-43B3-948B-1728B52AA6E4}">
+                  <adec:decorative xmlns:adec="http://schemas.microsoft.com/office/drawing/2017/decorative" val="1"/>
+                </a:ext>
+              </a:extLst>
+            </p:cNvPr>
+            <p:cNvSpPr/>
+            <p:nvPr>
+              <p:extLst>
+                <p:ext uri="{386F3935-93C4-4BCD-93E2-E3B085C9AB24}">
+                  <p16:designElem xmlns:p16="http://schemas.microsoft.com/office/powerpoint/2015/main" val="1"/>
+                </p:ext>
+              </p:extLst>
+            </p:nvPr>
+          </p:nvSpPr>
+          <p:spPr>
+            <a:xfrm>
+              <a:off x="7564254" y="1"/>
+              <a:ext cx="1130725" cy="565575"/>
+            </a:xfrm>
+            <a:custGeom>
+              <a:avLst/>
+              <a:gdLst>
+                <a:gd name="connsiteX0" fmla="*/ 21 w 1130725"/>
+                <a:gd name="connsiteY0" fmla="*/ 0 h 565575"/>
+                <a:gd name="connsiteX1" fmla="*/ 1130704 w 1130725"/>
+                <a:gd name="connsiteY1" fmla="*/ 0 h 565575"/>
+                <a:gd name="connsiteX2" fmla="*/ 1130725 w 1130725"/>
+                <a:gd name="connsiteY2" fmla="*/ 213 h 565575"/>
+                <a:gd name="connsiteX3" fmla="*/ 565363 w 1130725"/>
+                <a:gd name="connsiteY3" fmla="*/ 565575 h 565575"/>
+                <a:gd name="connsiteX4" fmla="*/ 0 w 1130725"/>
+                <a:gd name="connsiteY4" fmla="*/ 213 h 565575"/>
+              </a:gdLst>
+              <a:ahLst/>
+              <a:cxnLst>
+                <a:cxn ang="0">
+                  <a:pos x="connsiteX0" y="connsiteY0"/>
+                </a:cxn>
+                <a:cxn ang="0">
+                  <a:pos x="connsiteX1" y="connsiteY1"/>
+                </a:cxn>
+                <a:cxn ang="0">
+                  <a:pos x="connsiteX2" y="connsiteY2"/>
+                </a:cxn>
+                <a:cxn ang="0">
+                  <a:pos x="connsiteX3" y="connsiteY3"/>
+                </a:cxn>
+                <a:cxn ang="0">
+                  <a:pos x="connsiteX4" y="connsiteY4"/>
+                </a:cxn>
+              </a:cxnLst>
+              <a:rect l="l" t="t" r="r" b="b"/>
+              <a:pathLst>
+                <a:path w="1130725" h="565575">
+                  <a:moveTo>
+                    <a:pt x="21" y="0"/>
+                  </a:moveTo>
+                  <a:lnTo>
+                    <a:pt x="1130704" y="0"/>
+                  </a:lnTo>
+                  <a:lnTo>
+                    <a:pt x="1130725" y="213"/>
+                  </a:lnTo>
+                  <a:cubicBezTo>
+                    <a:pt x="1130725" y="312454"/>
+                    <a:pt x="877603" y="565575"/>
+                    <a:pt x="565363" y="565575"/>
+                  </a:cubicBezTo>
+                  <a:cubicBezTo>
+                    <a:pt x="253121" y="565575"/>
+                    <a:pt x="0" y="312454"/>
+                    <a:pt x="0" y="213"/>
+                  </a:cubicBezTo>
+                  <a:close/>
+                </a:path>
+              </a:pathLst>
+            </a:custGeom>
+            <a:solidFill>
+              <a:schemeClr val="bg2"/>
+            </a:solidFill>
+            <a:ln>
+              <a:noFill/>
+            </a:ln>
+          </p:spPr>
+          <p:style>
+            <a:lnRef idx="2">
+              <a:schemeClr val="accent1">
+                <a:shade val="50000"/>
+              </a:schemeClr>
+            </a:lnRef>
+            <a:fillRef idx="1">
+              <a:schemeClr val="accent1"/>
+            </a:fillRef>
+            <a:effectRef idx="0">
+              <a:schemeClr val="accent1"/>
+            </a:effectRef>
+            <a:fontRef idx="minor">
+              <a:schemeClr val="lt1"/>
+            </a:fontRef>
+          </p:style>
+          <p:txBody>
+            <a:bodyPr wrap="square" rtlCol="0" anchor="ctr">
+              <a:noAutofit/>
+            </a:bodyPr>
+            <a:lstStyle/>
+            <a:p>
+              <a:pPr algn="ctr"/>
+              <a:endParaRPr lang="en-US"/>
+            </a:p>
+          </p:txBody>
+        </p:sp>
+        <p:sp>
+          <p:nvSpPr>
+            <p:cNvPr id="17" name="Freeform 64">
+              <a:extLst>
+                <a:ext uri="{FF2B5EF4-FFF2-40B4-BE49-F238E27FC236}">
+                  <a16:creationId xmlns:a16="http://schemas.microsoft.com/office/drawing/2014/main" id="{9FD29EF3-A5B2-554A-A307-6BE1BCE8AF03}"/>
+                </a:ext>
+                <a:ext uri="{C183D7F6-B498-43B3-948B-1728B52AA6E4}">
+                  <adec:decorative xmlns:adec="http://schemas.microsoft.com/office/drawing/2017/decorative" val="1"/>
+                </a:ext>
+              </a:extLst>
+            </p:cNvPr>
+            <p:cNvSpPr/>
+            <p:nvPr>
+              <p:extLst>
+                <p:ext uri="{386F3935-93C4-4BCD-93E2-E3B085C9AB24}">
+                  <p16:designElem xmlns:p16="http://schemas.microsoft.com/office/powerpoint/2015/main" val="1"/>
+                </p:ext>
+              </p:extLst>
+            </p:nvPr>
+          </p:nvSpPr>
+          <p:spPr>
+            <a:xfrm>
+              <a:off x="8927118" y="6292426"/>
+              <a:ext cx="1130724" cy="565575"/>
+            </a:xfrm>
+            <a:custGeom>
+              <a:avLst/>
+              <a:gdLst>
+                <a:gd name="connsiteX0" fmla="*/ 565362 w 1130724"/>
+                <a:gd name="connsiteY0" fmla="*/ 0 h 565575"/>
+                <a:gd name="connsiteX1" fmla="*/ 1130724 w 1130724"/>
+                <a:gd name="connsiteY1" fmla="*/ 565362 h 565575"/>
+                <a:gd name="connsiteX2" fmla="*/ 1130703 w 1130724"/>
+                <a:gd name="connsiteY2" fmla="*/ 565575 h 565575"/>
+                <a:gd name="connsiteX3" fmla="*/ 22 w 1130724"/>
+                <a:gd name="connsiteY3" fmla="*/ 565575 h 565575"/>
+                <a:gd name="connsiteX4" fmla="*/ 0 w 1130724"/>
+                <a:gd name="connsiteY4" fmla="*/ 565362 h 565575"/>
+                <a:gd name="connsiteX5" fmla="*/ 565362 w 1130724"/>
+                <a:gd name="connsiteY5" fmla="*/ 0 h 565575"/>
+              </a:gdLst>
+              <a:ahLst/>
+              <a:cxnLst>
+                <a:cxn ang="0">
+                  <a:pos x="connsiteX0" y="connsiteY0"/>
+                </a:cxn>
+                <a:cxn ang="0">
+                  <a:pos x="connsiteX1" y="connsiteY1"/>
+                </a:cxn>
+                <a:cxn ang="0">
+                  <a:pos x="connsiteX2" y="connsiteY2"/>
+                </a:cxn>
+                <a:cxn ang="0">
+                  <a:pos x="connsiteX3" y="connsiteY3"/>
+                </a:cxn>
+                <a:cxn ang="0">
+                  <a:pos x="connsiteX4" y="connsiteY4"/>
+                </a:cxn>
+                <a:cxn ang="0">
+                  <a:pos x="connsiteX5" y="connsiteY5"/>
+                </a:cxn>
+              </a:cxnLst>
+              <a:rect l="l" t="t" r="r" b="b"/>
+              <a:pathLst>
+                <a:path w="1130724" h="565575">
+                  <a:moveTo>
+                    <a:pt x="565362" y="0"/>
+                  </a:moveTo>
+                  <a:cubicBezTo>
+                    <a:pt x="877603" y="0"/>
+                    <a:pt x="1130724" y="253121"/>
+                    <a:pt x="1130724" y="565362"/>
+                  </a:cubicBezTo>
+                  <a:lnTo>
+                    <a:pt x="1130703" y="565575"/>
+                  </a:lnTo>
+                  <a:lnTo>
+                    <a:pt x="22" y="565575"/>
+                  </a:lnTo>
+                  <a:lnTo>
+                    <a:pt x="0" y="565362"/>
+                  </a:lnTo>
+                  <a:cubicBezTo>
+                    <a:pt x="0" y="253121"/>
+                    <a:pt x="253121" y="0"/>
+                    <a:pt x="565362" y="0"/>
+                  </a:cubicBezTo>
+                  <a:close/>
+                </a:path>
+              </a:pathLst>
+            </a:custGeom>
+            <a:solidFill>
+              <a:schemeClr val="accent1"/>
+            </a:solidFill>
+            <a:ln>
+              <a:noFill/>
+            </a:ln>
+          </p:spPr>
+          <p:style>
+            <a:lnRef idx="2">
+              <a:schemeClr val="accent1">
+                <a:shade val="50000"/>
+              </a:schemeClr>
+            </a:lnRef>
+            <a:fillRef idx="1">
+              <a:schemeClr val="accent1"/>
+            </a:fillRef>
+            <a:effectRef idx="0">
+              <a:schemeClr val="accent1"/>
+            </a:effectRef>
+            <a:fontRef idx="minor">
+              <a:schemeClr val="lt1"/>
+            </a:fontRef>
+          </p:style>
+          <p:txBody>
+            <a:bodyPr wrap="square" rtlCol="0" anchor="ctr">
+              <a:noAutofit/>
+            </a:bodyPr>
+            <a:lstStyle/>
+            <a:p>
+              <a:pPr algn="ctr"/>
+              <a:endParaRPr lang="en-US"/>
+            </a:p>
+          </p:txBody>
+        </p:sp>
+        <p:sp>
+          <p:nvSpPr>
+            <p:cNvPr id="18" name="Oval 17">
+              <a:extLst>
+                <a:ext uri="{FF2B5EF4-FFF2-40B4-BE49-F238E27FC236}">
+                  <a16:creationId xmlns:a16="http://schemas.microsoft.com/office/drawing/2014/main" id="{AC1ECAD8-0CF2-934D-AA1E-C108208CDE6F}"/>
+                </a:ext>
+                <a:ext uri="{C183D7F6-B498-43B3-948B-1728B52AA6E4}">
+                  <adec:decorative xmlns:adec="http://schemas.microsoft.com/office/drawing/2017/decorative" val="1"/>
+                </a:ext>
+              </a:extLst>
+            </p:cNvPr>
+            <p:cNvSpPr/>
+            <p:nvPr>
+              <p:extLst>
+                <p:ext uri="{386F3935-93C4-4BCD-93E2-E3B085C9AB24}">
+                  <p16:designElem xmlns:p16="http://schemas.microsoft.com/office/powerpoint/2015/main" val="1"/>
+                </p:ext>
+              </p:extLst>
+            </p:nvPr>
+          </p:nvSpPr>
+          <p:spPr>
+            <a:xfrm>
+              <a:off x="8927118" y="4920911"/>
+              <a:ext cx="1130725" cy="1130724"/>
+            </a:xfrm>
+            <a:prstGeom prst="ellipse">
+              <a:avLst/>
+            </a:prstGeom>
+            <a:solidFill>
+              <a:schemeClr val="bg2"/>
+            </a:solidFill>
+            <a:ln>
+              <a:noFill/>
+            </a:ln>
+          </p:spPr>
+          <p:style>
+            <a:lnRef idx="2">
+              <a:schemeClr val="accent1">
+                <a:shade val="50000"/>
+              </a:schemeClr>
+            </a:lnRef>
+            <a:fillRef idx="1">
+              <a:schemeClr val="accent1"/>
+            </a:fillRef>
+            <a:effectRef idx="0">
+              <a:schemeClr val="accent1"/>
+            </a:effectRef>
+            <a:fontRef idx="minor">
+              <a:schemeClr val="lt1"/>
+            </a:fontRef>
+          </p:style>
+          <p:txBody>
+            <a:bodyPr rtlCol="0" anchor="ctr"/>
+            <a:lstStyle/>
+            <a:p>
+              <a:pPr algn="ctr"/>
+              <a:endParaRPr lang="en-US"/>
+            </a:p>
+          </p:txBody>
+        </p:sp>
+        <p:sp>
+          <p:nvSpPr>
+            <p:cNvPr id="19" name="Oval 18">
+              <a:extLst>
+                <a:ext uri="{FF2B5EF4-FFF2-40B4-BE49-F238E27FC236}">
+                  <a16:creationId xmlns:a16="http://schemas.microsoft.com/office/drawing/2014/main" id="{DB14DED1-3A58-8C4D-902E-2A9F34043F61}"/>
+                </a:ext>
+                <a:ext uri="{C183D7F6-B498-43B3-948B-1728B52AA6E4}">
+                  <adec:decorative xmlns:adec="http://schemas.microsoft.com/office/drawing/2017/decorative" val="1"/>
+                </a:ext>
+              </a:extLst>
+            </p:cNvPr>
+            <p:cNvSpPr/>
+            <p:nvPr>
+              <p:extLst>
+                <p:ext uri="{386F3935-93C4-4BCD-93E2-E3B085C9AB24}">
+                  <p16:designElem xmlns:p16="http://schemas.microsoft.com/office/powerpoint/2015/main" val="1"/>
+                </p:ext>
+              </p:extLst>
+            </p:nvPr>
+          </p:nvSpPr>
+          <p:spPr>
+            <a:xfrm>
+              <a:off x="8927118" y="3549396"/>
+              <a:ext cx="1130725" cy="1130724"/>
+            </a:xfrm>
+            <a:prstGeom prst="ellipse">
+              <a:avLst/>
+            </a:prstGeom>
+            <a:solidFill>
+              <a:schemeClr val="accent1"/>
+            </a:solidFill>
+            <a:ln>
+              <a:noFill/>
+            </a:ln>
+          </p:spPr>
+          <p:style>
+            <a:lnRef idx="2">
+              <a:schemeClr val="accent1">
+                <a:shade val="50000"/>
+              </a:schemeClr>
+            </a:lnRef>
+            <a:fillRef idx="1">
+              <a:schemeClr val="accent1"/>
+            </a:fillRef>
+            <a:effectRef idx="0">
+              <a:schemeClr val="accent1"/>
+            </a:effectRef>
+            <a:fontRef idx="minor">
+              <a:schemeClr val="lt1"/>
+            </a:fontRef>
+          </p:style>
+          <p:txBody>
+            <a:bodyPr rtlCol="0" anchor="ctr"/>
+            <a:lstStyle/>
+            <a:p>
+              <a:pPr algn="ctr"/>
+              <a:endParaRPr lang="en-US"/>
+            </a:p>
+          </p:txBody>
+        </p:sp>
+        <p:sp>
+          <p:nvSpPr>
+            <p:cNvPr id="20" name="Oval 19">
+              <a:extLst>
+                <a:ext uri="{FF2B5EF4-FFF2-40B4-BE49-F238E27FC236}">
+                  <a16:creationId xmlns:a16="http://schemas.microsoft.com/office/drawing/2014/main" id="{65D65157-5719-0341-A807-A8956595FB4C}"/>
+                </a:ext>
+                <a:ext uri="{C183D7F6-B498-43B3-948B-1728B52AA6E4}">
+                  <adec:decorative xmlns:adec="http://schemas.microsoft.com/office/drawing/2017/decorative" val="1"/>
+                </a:ext>
+              </a:extLst>
+            </p:cNvPr>
+            <p:cNvSpPr/>
+            <p:nvPr>
+              <p:extLst>
+                <p:ext uri="{386F3935-93C4-4BCD-93E2-E3B085C9AB24}">
+                  <p16:designElem xmlns:p16="http://schemas.microsoft.com/office/powerpoint/2015/main" val="1"/>
+                </p:ext>
+              </p:extLst>
+            </p:nvPr>
+          </p:nvSpPr>
+          <p:spPr>
+            <a:xfrm>
+              <a:off x="8927118" y="2177881"/>
+              <a:ext cx="1130725" cy="1130724"/>
+            </a:xfrm>
+            <a:prstGeom prst="ellipse">
+              <a:avLst/>
+            </a:prstGeom>
+            <a:solidFill>
+              <a:schemeClr val="accent1"/>
+            </a:solidFill>
+            <a:ln>
+              <a:noFill/>
+            </a:ln>
+          </p:spPr>
+          <p:style>
+            <a:lnRef idx="2">
+              <a:schemeClr val="accent1">
+                <a:shade val="50000"/>
+              </a:schemeClr>
+            </a:lnRef>
+            <a:fillRef idx="1">
+              <a:schemeClr val="accent1"/>
+            </a:fillRef>
+            <a:effectRef idx="0">
+              <a:schemeClr val="accent1"/>
+            </a:effectRef>
+            <a:fontRef idx="minor">
+              <a:schemeClr val="lt1"/>
+            </a:fontRef>
+          </p:style>
+          <p:txBody>
+            <a:bodyPr rtlCol="0" anchor="ctr"/>
+            <a:lstStyle/>
+            <a:p>
+              <a:pPr algn="ctr"/>
+              <a:endParaRPr lang="en-US"/>
+            </a:p>
+          </p:txBody>
+        </p:sp>
+        <p:sp>
+          <p:nvSpPr>
+            <p:cNvPr id="21" name="Oval 20">
+              <a:extLst>
+                <a:ext uri="{FF2B5EF4-FFF2-40B4-BE49-F238E27FC236}">
+                  <a16:creationId xmlns:a16="http://schemas.microsoft.com/office/drawing/2014/main" id="{A7F23F74-B777-2A4C-8EF9-E798880D5942}"/>
+                </a:ext>
+                <a:ext uri="{C183D7F6-B498-43B3-948B-1728B52AA6E4}">
+                  <adec:decorative xmlns:adec="http://schemas.microsoft.com/office/drawing/2017/decorative" val="1"/>
+                </a:ext>
+              </a:extLst>
+            </p:cNvPr>
+            <p:cNvSpPr/>
+            <p:nvPr>
+              <p:extLst>
+                <p:ext uri="{386F3935-93C4-4BCD-93E2-E3B085C9AB24}">
+                  <p16:designElem xmlns:p16="http://schemas.microsoft.com/office/powerpoint/2015/main" val="1"/>
+                </p:ext>
+              </p:extLst>
+            </p:nvPr>
+          </p:nvSpPr>
+          <p:spPr>
+            <a:xfrm>
+              <a:off x="8927118" y="806366"/>
+              <a:ext cx="1130725" cy="1130724"/>
+            </a:xfrm>
+            <a:prstGeom prst="ellipse">
+              <a:avLst/>
+            </a:prstGeom>
+            <a:solidFill>
+              <a:schemeClr val="bg2"/>
+            </a:solidFill>
+            <a:ln>
+              <a:noFill/>
+            </a:ln>
+          </p:spPr>
+          <p:style>
+            <a:lnRef idx="2">
+              <a:schemeClr val="accent1">
+                <a:shade val="50000"/>
+              </a:schemeClr>
+            </a:lnRef>
+            <a:fillRef idx="1">
+              <a:schemeClr val="accent1"/>
+            </a:fillRef>
+            <a:effectRef idx="0">
+              <a:schemeClr val="accent1"/>
+            </a:effectRef>
+            <a:fontRef idx="minor">
+              <a:schemeClr val="lt1"/>
+            </a:fontRef>
+          </p:style>
+          <p:txBody>
+            <a:bodyPr rtlCol="0" anchor="ctr"/>
+            <a:lstStyle/>
+            <a:p>
+              <a:pPr algn="ctr"/>
+              <a:endParaRPr lang="en-US"/>
+            </a:p>
+          </p:txBody>
+        </p:sp>
+        <p:sp>
+          <p:nvSpPr>
+            <p:cNvPr id="22" name="Freeform 70">
+              <a:extLst>
+                <a:ext uri="{FF2B5EF4-FFF2-40B4-BE49-F238E27FC236}">
+                  <a16:creationId xmlns:a16="http://schemas.microsoft.com/office/drawing/2014/main" id="{E3B9A050-0AE1-1D4B-A2AC-6EEF64B106D9}"/>
+                </a:ext>
+                <a:ext uri="{C183D7F6-B498-43B3-948B-1728B52AA6E4}">
+                  <adec:decorative xmlns:adec="http://schemas.microsoft.com/office/drawing/2017/decorative" val="1"/>
+                </a:ext>
+              </a:extLst>
+            </p:cNvPr>
+            <p:cNvSpPr/>
+            <p:nvPr>
+              <p:extLst>
+                <p:ext uri="{386F3935-93C4-4BCD-93E2-E3B085C9AB24}">
+                  <p16:designElem xmlns:p16="http://schemas.microsoft.com/office/powerpoint/2015/main" val="1"/>
+                </p:ext>
+              </p:extLst>
+            </p:nvPr>
+          </p:nvSpPr>
+          <p:spPr>
+            <a:xfrm>
+              <a:off x="8927117" y="0"/>
+              <a:ext cx="1130726" cy="565576"/>
+            </a:xfrm>
+            <a:custGeom>
+              <a:avLst/>
+              <a:gdLst>
+                <a:gd name="connsiteX0" fmla="*/ 22 w 1130726"/>
+                <a:gd name="connsiteY0" fmla="*/ 0 h 565576"/>
+                <a:gd name="connsiteX1" fmla="*/ 1130704 w 1130726"/>
+                <a:gd name="connsiteY1" fmla="*/ 0 h 565576"/>
+                <a:gd name="connsiteX2" fmla="*/ 1130726 w 1130726"/>
+                <a:gd name="connsiteY2" fmla="*/ 214 h 565576"/>
+                <a:gd name="connsiteX3" fmla="*/ 565363 w 1130726"/>
+                <a:gd name="connsiteY3" fmla="*/ 565576 h 565576"/>
+                <a:gd name="connsiteX4" fmla="*/ 0 w 1130726"/>
+                <a:gd name="connsiteY4" fmla="*/ 214 h 565576"/>
+              </a:gdLst>
+              <a:ahLst/>
+              <a:cxnLst>
+                <a:cxn ang="0">
+                  <a:pos x="connsiteX0" y="connsiteY0"/>
+                </a:cxn>
+                <a:cxn ang="0">
+                  <a:pos x="connsiteX1" y="connsiteY1"/>
+                </a:cxn>
+                <a:cxn ang="0">
+                  <a:pos x="connsiteX2" y="connsiteY2"/>
+                </a:cxn>
+                <a:cxn ang="0">
+                  <a:pos x="connsiteX3" y="connsiteY3"/>
+                </a:cxn>
+                <a:cxn ang="0">
+                  <a:pos x="connsiteX4" y="connsiteY4"/>
+                </a:cxn>
+              </a:cxnLst>
+              <a:rect l="l" t="t" r="r" b="b"/>
+              <a:pathLst>
+                <a:path w="1130726" h="565576">
+                  <a:moveTo>
+                    <a:pt x="22" y="0"/>
+                  </a:moveTo>
+                  <a:lnTo>
+                    <a:pt x="1130704" y="0"/>
+                  </a:lnTo>
+                  <a:lnTo>
+                    <a:pt x="1130726" y="214"/>
+                  </a:lnTo>
+                  <a:cubicBezTo>
+                    <a:pt x="1130726" y="312455"/>
+                    <a:pt x="877604" y="565576"/>
+                    <a:pt x="565363" y="565576"/>
+                  </a:cubicBezTo>
+                  <a:cubicBezTo>
+                    <a:pt x="253122" y="565576"/>
+                    <a:pt x="0" y="312455"/>
+                    <a:pt x="0" y="214"/>
+                  </a:cubicBezTo>
+                  <a:close/>
+                </a:path>
+              </a:pathLst>
+            </a:custGeom>
+            <a:solidFill>
+              <a:schemeClr val="accent1"/>
+            </a:solidFill>
+            <a:ln>
+              <a:noFill/>
+            </a:ln>
+          </p:spPr>
+          <p:style>
+            <a:lnRef idx="2">
+              <a:schemeClr val="accent1">
+                <a:shade val="50000"/>
+              </a:schemeClr>
+            </a:lnRef>
+            <a:fillRef idx="1">
+              <a:schemeClr val="accent1"/>
+            </a:fillRef>
+            <a:effectRef idx="0">
+              <a:schemeClr val="accent1"/>
+            </a:effectRef>
+            <a:fontRef idx="minor">
+              <a:schemeClr val="lt1"/>
+            </a:fontRef>
+          </p:style>
+          <p:txBody>
+            <a:bodyPr wrap="square" rtlCol="0" anchor="ctr">
+              <a:noAutofit/>
+            </a:bodyPr>
+            <a:lstStyle/>
+            <a:p>
+              <a:pPr algn="ctr"/>
+              <a:endParaRPr lang="en-US"/>
+            </a:p>
+          </p:txBody>
+        </p:sp>
+        <p:sp>
+          <p:nvSpPr>
+            <p:cNvPr id="23" name="Freeform 71">
+              <a:extLst>
+                <a:ext uri="{FF2B5EF4-FFF2-40B4-BE49-F238E27FC236}">
+                  <a16:creationId xmlns:a16="http://schemas.microsoft.com/office/drawing/2014/main" id="{C424FE38-F803-8D47-BF56-1B18EC2B1F03}"/>
+                </a:ext>
+                <a:ext uri="{C183D7F6-B498-43B3-948B-1728B52AA6E4}">
+                  <adec:decorative xmlns:adec="http://schemas.microsoft.com/office/drawing/2017/decorative" val="1"/>
+                </a:ext>
+              </a:extLst>
+            </p:cNvPr>
+            <p:cNvSpPr/>
+            <p:nvPr>
+              <p:extLst>
+                <p:ext uri="{386F3935-93C4-4BCD-93E2-E3B085C9AB24}">
+                  <p16:designElem xmlns:p16="http://schemas.microsoft.com/office/powerpoint/2015/main" val="1"/>
+                </p:ext>
+              </p:extLst>
+            </p:nvPr>
+          </p:nvSpPr>
+          <p:spPr>
+            <a:xfrm>
+              <a:off x="10289984" y="6292426"/>
+              <a:ext cx="1130724" cy="565575"/>
+            </a:xfrm>
+            <a:custGeom>
+              <a:avLst/>
+              <a:gdLst>
+                <a:gd name="connsiteX0" fmla="*/ 565362 w 1130724"/>
+                <a:gd name="connsiteY0" fmla="*/ 0 h 565575"/>
+                <a:gd name="connsiteX1" fmla="*/ 1130724 w 1130724"/>
+                <a:gd name="connsiteY1" fmla="*/ 565362 h 565575"/>
+                <a:gd name="connsiteX2" fmla="*/ 1130703 w 1130724"/>
+                <a:gd name="connsiteY2" fmla="*/ 565575 h 565575"/>
+                <a:gd name="connsiteX3" fmla="*/ 21 w 1130724"/>
+                <a:gd name="connsiteY3" fmla="*/ 565575 h 565575"/>
+                <a:gd name="connsiteX4" fmla="*/ 0 w 1130724"/>
+                <a:gd name="connsiteY4" fmla="*/ 565362 h 565575"/>
+                <a:gd name="connsiteX5" fmla="*/ 565362 w 1130724"/>
+                <a:gd name="connsiteY5" fmla="*/ 0 h 565575"/>
+              </a:gdLst>
+              <a:ahLst/>
+              <a:cxnLst>
+                <a:cxn ang="0">
+                  <a:pos x="connsiteX0" y="connsiteY0"/>
+                </a:cxn>
+                <a:cxn ang="0">
+                  <a:pos x="connsiteX1" y="connsiteY1"/>
+                </a:cxn>
+                <a:cxn ang="0">
+                  <a:pos x="connsiteX2" y="connsiteY2"/>
+                </a:cxn>
+                <a:cxn ang="0">
+                  <a:pos x="connsiteX3" y="connsiteY3"/>
+                </a:cxn>
+                <a:cxn ang="0">
+                  <a:pos x="connsiteX4" y="connsiteY4"/>
+                </a:cxn>
+                <a:cxn ang="0">
+                  <a:pos x="connsiteX5" y="connsiteY5"/>
+                </a:cxn>
+              </a:cxnLst>
+              <a:rect l="l" t="t" r="r" b="b"/>
+              <a:pathLst>
+                <a:path w="1130724" h="565575">
+                  <a:moveTo>
+                    <a:pt x="565362" y="0"/>
+                  </a:moveTo>
+                  <a:cubicBezTo>
+                    <a:pt x="877603" y="0"/>
+                    <a:pt x="1130724" y="253121"/>
+                    <a:pt x="1130724" y="565362"/>
+                  </a:cubicBezTo>
+                  <a:lnTo>
+                    <a:pt x="1130703" y="565575"/>
+                  </a:lnTo>
+                  <a:lnTo>
+                    <a:pt x="21" y="565575"/>
+                  </a:lnTo>
+                  <a:lnTo>
+                    <a:pt x="0" y="565362"/>
+                  </a:lnTo>
+                  <a:cubicBezTo>
+                    <a:pt x="0" y="253121"/>
+                    <a:pt x="253121" y="0"/>
+                    <a:pt x="565362" y="0"/>
+                  </a:cubicBezTo>
+                  <a:close/>
+                </a:path>
+              </a:pathLst>
+            </a:custGeom>
+            <a:solidFill>
+              <a:schemeClr val="bg2"/>
+            </a:solidFill>
+            <a:ln>
+              <a:noFill/>
+            </a:ln>
+          </p:spPr>
+          <p:style>
+            <a:lnRef idx="2">
+              <a:schemeClr val="accent1">
+                <a:shade val="50000"/>
+              </a:schemeClr>
+            </a:lnRef>
+            <a:fillRef idx="1">
+              <a:schemeClr val="accent1"/>
+            </a:fillRef>
+            <a:effectRef idx="0">
+              <a:schemeClr val="accent1"/>
+            </a:effectRef>
+            <a:fontRef idx="minor">
+              <a:schemeClr val="lt1"/>
+            </a:fontRef>
+          </p:style>
+          <p:txBody>
+            <a:bodyPr wrap="square" rtlCol="0" anchor="ctr">
+              <a:noAutofit/>
+            </a:bodyPr>
+            <a:lstStyle/>
+            <a:p>
+              <a:pPr algn="ctr"/>
+              <a:endParaRPr lang="en-US"/>
+            </a:p>
+          </p:txBody>
+        </p:sp>
+        <p:sp>
+          <p:nvSpPr>
+            <p:cNvPr id="24" name="Oval 23">
+              <a:extLst>
+                <a:ext uri="{FF2B5EF4-FFF2-40B4-BE49-F238E27FC236}">
+                  <a16:creationId xmlns:a16="http://schemas.microsoft.com/office/drawing/2014/main" id="{E37187F2-9212-0641-97D0-1ACD50B748A8}"/>
+                </a:ext>
+                <a:ext uri="{C183D7F6-B498-43B3-948B-1728B52AA6E4}">
+                  <adec:decorative xmlns:adec="http://schemas.microsoft.com/office/drawing/2017/decorative" val="1"/>
+                </a:ext>
+              </a:extLst>
+            </p:cNvPr>
+            <p:cNvSpPr/>
+            <p:nvPr>
+              <p:extLst>
+                <p:ext uri="{386F3935-93C4-4BCD-93E2-E3B085C9AB24}">
+                  <p16:designElem xmlns:p16="http://schemas.microsoft.com/office/powerpoint/2015/main" val="1"/>
+                </p:ext>
+              </p:extLst>
+            </p:nvPr>
+          </p:nvSpPr>
+          <p:spPr>
+            <a:xfrm>
+              <a:off x="10289984" y="4920911"/>
+              <a:ext cx="1130725" cy="1130724"/>
+            </a:xfrm>
+            <a:prstGeom prst="ellipse">
+              <a:avLst/>
+            </a:prstGeom>
+            <a:solidFill>
+              <a:schemeClr val="accent1"/>
+            </a:solidFill>
+            <a:ln>
+              <a:noFill/>
+            </a:ln>
+          </p:spPr>
+          <p:style>
+            <a:lnRef idx="2">
+              <a:schemeClr val="accent1">
+                <a:shade val="50000"/>
+              </a:schemeClr>
+            </a:lnRef>
+            <a:fillRef idx="1">
+              <a:schemeClr val="accent1"/>
+            </a:fillRef>
+            <a:effectRef idx="0">
+              <a:schemeClr val="accent1"/>
+            </a:effectRef>
+            <a:fontRef idx="minor">
+              <a:schemeClr val="lt1"/>
+            </a:fontRef>
+          </p:style>
+          <p:txBody>
+            <a:bodyPr rtlCol="0" anchor="ctr"/>
+            <a:lstStyle/>
+            <a:p>
+              <a:pPr algn="ctr"/>
+              <a:endParaRPr lang="en-US"/>
+            </a:p>
+          </p:txBody>
+        </p:sp>
+        <p:sp>
+          <p:nvSpPr>
+            <p:cNvPr id="25" name="Oval 24">
+              <a:extLst>
+                <a:ext uri="{FF2B5EF4-FFF2-40B4-BE49-F238E27FC236}">
+                  <a16:creationId xmlns:a16="http://schemas.microsoft.com/office/drawing/2014/main" id="{C760C651-2AC4-564E-BEAA-AB7FAFE7F79F}"/>
+                </a:ext>
+                <a:ext uri="{C183D7F6-B498-43B3-948B-1728B52AA6E4}">
+                  <adec:decorative xmlns:adec="http://schemas.microsoft.com/office/drawing/2017/decorative" val="1"/>
+                </a:ext>
+              </a:extLst>
+            </p:cNvPr>
+            <p:cNvSpPr/>
+            <p:nvPr>
+              <p:extLst>
+                <p:ext uri="{386F3935-93C4-4BCD-93E2-E3B085C9AB24}">
+                  <p16:designElem xmlns:p16="http://schemas.microsoft.com/office/powerpoint/2015/main" val="1"/>
+                </p:ext>
+              </p:extLst>
+            </p:nvPr>
+          </p:nvSpPr>
+          <p:spPr>
+            <a:xfrm>
+              <a:off x="10289984" y="3549396"/>
+              <a:ext cx="1130725" cy="1130724"/>
+            </a:xfrm>
+            <a:prstGeom prst="ellipse">
+              <a:avLst/>
+            </a:prstGeom>
+            <a:solidFill>
+              <a:schemeClr val="bg2"/>
+            </a:solidFill>
+            <a:ln>
+              <a:noFill/>
+            </a:ln>
+          </p:spPr>
+          <p:style>
+            <a:lnRef idx="2">
+              <a:schemeClr val="accent1">
+                <a:shade val="50000"/>
+              </a:schemeClr>
+            </a:lnRef>
+            <a:fillRef idx="1">
+              <a:schemeClr val="accent1"/>
+            </a:fillRef>
+            <a:effectRef idx="0">
+              <a:schemeClr val="accent1"/>
+            </a:effectRef>
+            <a:fontRef idx="minor">
+              <a:schemeClr val="lt1"/>
+            </a:fontRef>
+          </p:style>
+          <p:txBody>
+            <a:bodyPr rtlCol="0" anchor="ctr"/>
+            <a:lstStyle/>
+            <a:p>
+              <a:pPr algn="ctr"/>
+              <a:endParaRPr lang="en-US"/>
+            </a:p>
+          </p:txBody>
+        </p:sp>
+        <p:sp>
+          <p:nvSpPr>
+            <p:cNvPr id="26" name="Oval 25">
+              <a:extLst>
+                <a:ext uri="{FF2B5EF4-FFF2-40B4-BE49-F238E27FC236}">
+                  <a16:creationId xmlns:a16="http://schemas.microsoft.com/office/drawing/2014/main" id="{58B0A1B8-5BA3-3548-9511-B4904D05264B}"/>
+                </a:ext>
+                <a:ext uri="{C183D7F6-B498-43B3-948B-1728B52AA6E4}">
+                  <adec:decorative xmlns:adec="http://schemas.microsoft.com/office/drawing/2017/decorative" val="1"/>
+                </a:ext>
+              </a:extLst>
+            </p:cNvPr>
+            <p:cNvSpPr/>
+            <p:nvPr>
+              <p:extLst>
+                <p:ext uri="{386F3935-93C4-4BCD-93E2-E3B085C9AB24}">
+                  <p16:designElem xmlns:p16="http://schemas.microsoft.com/office/powerpoint/2015/main" val="1"/>
+                </p:ext>
+              </p:extLst>
+            </p:nvPr>
+          </p:nvSpPr>
+          <p:spPr>
+            <a:xfrm>
+              <a:off x="10289984" y="806366"/>
+              <a:ext cx="1130725" cy="1130724"/>
+            </a:xfrm>
+            <a:prstGeom prst="ellipse">
+              <a:avLst/>
+            </a:prstGeom>
+            <a:solidFill>
+              <a:schemeClr val="bg2"/>
+            </a:solidFill>
+            <a:ln>
+              <a:noFill/>
+            </a:ln>
+          </p:spPr>
+          <p:style>
+            <a:lnRef idx="2">
+              <a:schemeClr val="accent1">
+                <a:shade val="50000"/>
+              </a:schemeClr>
+            </a:lnRef>
+            <a:fillRef idx="1">
+              <a:schemeClr val="accent1"/>
+            </a:fillRef>
+            <a:effectRef idx="0">
+              <a:schemeClr val="accent1"/>
+            </a:effectRef>
+            <a:fontRef idx="minor">
+              <a:schemeClr val="lt1"/>
+            </a:fontRef>
+          </p:style>
+          <p:txBody>
+            <a:bodyPr rtlCol="0" anchor="ctr"/>
+            <a:lstStyle/>
+            <a:p>
+              <a:pPr algn="ctr"/>
+              <a:endParaRPr lang="en-US"/>
+            </a:p>
+          </p:txBody>
+        </p:sp>
+        <p:sp>
+          <p:nvSpPr>
+            <p:cNvPr id="27" name="Freeform 75">
+              <a:extLst>
+                <a:ext uri="{FF2B5EF4-FFF2-40B4-BE49-F238E27FC236}">
+                  <a16:creationId xmlns:a16="http://schemas.microsoft.com/office/drawing/2014/main" id="{424CD779-EE9A-214D-9488-767327E373AA}"/>
+                </a:ext>
+                <a:ext uri="{C183D7F6-B498-43B3-948B-1728B52AA6E4}">
+                  <adec:decorative xmlns:adec="http://schemas.microsoft.com/office/drawing/2017/decorative" val="1"/>
+                </a:ext>
+              </a:extLst>
+            </p:cNvPr>
+            <p:cNvSpPr/>
+            <p:nvPr>
+              <p:extLst>
+                <p:ext uri="{386F3935-93C4-4BCD-93E2-E3B085C9AB24}">
+                  <p16:designElem xmlns:p16="http://schemas.microsoft.com/office/powerpoint/2015/main" val="1"/>
+                </p:ext>
+              </p:extLst>
+            </p:nvPr>
+          </p:nvSpPr>
+          <p:spPr>
+            <a:xfrm>
+              <a:off x="10289983" y="0"/>
+              <a:ext cx="1130726" cy="565576"/>
+            </a:xfrm>
+            <a:custGeom>
+              <a:avLst/>
+              <a:gdLst>
+                <a:gd name="connsiteX0" fmla="*/ 21 w 1130726"/>
+                <a:gd name="connsiteY0" fmla="*/ 0 h 565576"/>
+                <a:gd name="connsiteX1" fmla="*/ 1130704 w 1130726"/>
+                <a:gd name="connsiteY1" fmla="*/ 0 h 565576"/>
+                <a:gd name="connsiteX2" fmla="*/ 1130726 w 1130726"/>
+                <a:gd name="connsiteY2" fmla="*/ 214 h 565576"/>
+                <a:gd name="connsiteX3" fmla="*/ 565363 w 1130726"/>
+                <a:gd name="connsiteY3" fmla="*/ 565576 h 565576"/>
+                <a:gd name="connsiteX4" fmla="*/ 0 w 1130726"/>
+                <a:gd name="connsiteY4" fmla="*/ 214 h 565576"/>
+              </a:gdLst>
+              <a:ahLst/>
+              <a:cxnLst>
+                <a:cxn ang="0">
+                  <a:pos x="connsiteX0" y="connsiteY0"/>
+                </a:cxn>
+                <a:cxn ang="0">
+                  <a:pos x="connsiteX1" y="connsiteY1"/>
+                </a:cxn>
+                <a:cxn ang="0">
+                  <a:pos x="connsiteX2" y="connsiteY2"/>
+                </a:cxn>
+                <a:cxn ang="0">
+                  <a:pos x="connsiteX3" y="connsiteY3"/>
+                </a:cxn>
+                <a:cxn ang="0">
+                  <a:pos x="connsiteX4" y="connsiteY4"/>
+                </a:cxn>
+              </a:cxnLst>
+              <a:rect l="l" t="t" r="r" b="b"/>
+              <a:pathLst>
+                <a:path w="1130726" h="565576">
+                  <a:moveTo>
+                    <a:pt x="21" y="0"/>
+                  </a:moveTo>
+                  <a:lnTo>
+                    <a:pt x="1130704" y="0"/>
+                  </a:lnTo>
+                  <a:lnTo>
+                    <a:pt x="1130726" y="214"/>
+                  </a:lnTo>
+                  <a:cubicBezTo>
+                    <a:pt x="1130726" y="312455"/>
+                    <a:pt x="877604" y="565576"/>
+                    <a:pt x="565363" y="565576"/>
+                  </a:cubicBezTo>
+                  <a:cubicBezTo>
+                    <a:pt x="253122" y="565576"/>
+                    <a:pt x="0" y="312455"/>
+                    <a:pt x="0" y="214"/>
+                  </a:cubicBezTo>
+                  <a:close/>
+                </a:path>
+              </a:pathLst>
+            </a:custGeom>
+            <a:solidFill>
+              <a:schemeClr val="bg2"/>
+            </a:solidFill>
+            <a:ln>
+              <a:noFill/>
+            </a:ln>
+          </p:spPr>
+          <p:style>
+            <a:lnRef idx="2">
+              <a:schemeClr val="accent1">
+                <a:shade val="50000"/>
+              </a:schemeClr>
+            </a:lnRef>
+            <a:fillRef idx="1">
+              <a:schemeClr val="accent1"/>
+            </a:fillRef>
+            <a:effectRef idx="0">
+              <a:schemeClr val="accent1"/>
+            </a:effectRef>
+            <a:fontRef idx="minor">
+              <a:schemeClr val="lt1"/>
+            </a:fontRef>
+          </p:style>
+          <p:txBody>
+            <a:bodyPr wrap="square" rtlCol="0" anchor="ctr">
+              <a:noAutofit/>
+            </a:bodyPr>
+            <a:lstStyle/>
+            <a:p>
+              <a:pPr algn="ctr"/>
+              <a:endParaRPr lang="en-US"/>
+            </a:p>
+          </p:txBody>
+        </p:sp>
+        <p:sp>
+          <p:nvSpPr>
+            <p:cNvPr id="28" name="Freeform 76">
+              <a:extLst>
+                <a:ext uri="{FF2B5EF4-FFF2-40B4-BE49-F238E27FC236}">
+                  <a16:creationId xmlns:a16="http://schemas.microsoft.com/office/drawing/2014/main" id="{630D08C6-9EFB-8540-875F-2A55DED2AAE3}"/>
+                </a:ext>
+                <a:ext uri="{C183D7F6-B498-43B3-948B-1728B52AA6E4}">
+                  <adec:decorative xmlns:adec="http://schemas.microsoft.com/office/drawing/2017/decorative" val="1"/>
+                </a:ext>
+              </a:extLst>
+            </p:cNvPr>
+            <p:cNvSpPr/>
+            <p:nvPr>
+              <p:extLst>
+                <p:ext uri="{386F3935-93C4-4BCD-93E2-E3B085C9AB24}">
+                  <p16:designElem xmlns:p16="http://schemas.microsoft.com/office/powerpoint/2015/main" val="1"/>
+                </p:ext>
+              </p:extLst>
+            </p:nvPr>
+          </p:nvSpPr>
+          <p:spPr>
+            <a:xfrm>
+              <a:off x="11652854" y="6295069"/>
+              <a:ext cx="539146" cy="562931"/>
+            </a:xfrm>
+            <a:custGeom>
+              <a:avLst/>
+              <a:gdLst>
+                <a:gd name="connsiteX0" fmla="*/ 539146 w 539146"/>
+                <a:gd name="connsiteY0" fmla="*/ 0 h 562931"/>
+                <a:gd name="connsiteX1" fmla="*/ 539146 w 539146"/>
+                <a:gd name="connsiteY1" fmla="*/ 562931 h 562931"/>
+                <a:gd name="connsiteX2" fmla="*/ 21 w 539146"/>
+                <a:gd name="connsiteY2" fmla="*/ 562931 h 562931"/>
+                <a:gd name="connsiteX3" fmla="*/ 0 w 539146"/>
+                <a:gd name="connsiteY3" fmla="*/ 562719 h 562931"/>
+                <a:gd name="connsiteX4" fmla="*/ 451422 w 539146"/>
+                <a:gd name="connsiteY4" fmla="*/ 8843 h 562931"/>
+              </a:gdLst>
+              <a:ahLst/>
+              <a:cxnLst>
+                <a:cxn ang="0">
+                  <a:pos x="connsiteX0" y="connsiteY0"/>
+                </a:cxn>
+                <a:cxn ang="0">
+                  <a:pos x="connsiteX1" y="connsiteY1"/>
+                </a:cxn>
+                <a:cxn ang="0">
+                  <a:pos x="connsiteX2" y="connsiteY2"/>
+                </a:cxn>
+                <a:cxn ang="0">
+                  <a:pos x="connsiteX3" y="connsiteY3"/>
+                </a:cxn>
+                <a:cxn ang="0">
+                  <a:pos x="connsiteX4" y="connsiteY4"/>
+                </a:cxn>
+              </a:cxnLst>
+              <a:rect l="l" t="t" r="r" b="b"/>
+              <a:pathLst>
+                <a:path w="539146" h="562931">
+                  <a:moveTo>
+                    <a:pt x="539146" y="0"/>
+                  </a:moveTo>
+                  <a:lnTo>
+                    <a:pt x="539146" y="562931"/>
+                  </a:lnTo>
+                  <a:lnTo>
+                    <a:pt x="21" y="562931"/>
+                  </a:lnTo>
+                  <a:lnTo>
+                    <a:pt x="0" y="562719"/>
+                  </a:lnTo>
+                  <a:cubicBezTo>
+                    <a:pt x="0" y="289508"/>
+                    <a:pt x="193796" y="61561"/>
+                    <a:pt x="451422" y="8843"/>
+                  </a:cubicBezTo>
+                  <a:close/>
+                </a:path>
+              </a:pathLst>
+            </a:custGeom>
+            <a:solidFill>
+              <a:schemeClr val="bg2"/>
+            </a:solidFill>
+            <a:ln>
+              <a:noFill/>
+            </a:ln>
+          </p:spPr>
+          <p:style>
+            <a:lnRef idx="2">
+              <a:schemeClr val="accent1">
+                <a:shade val="50000"/>
+              </a:schemeClr>
+            </a:lnRef>
+            <a:fillRef idx="1">
+              <a:schemeClr val="accent1"/>
+            </a:fillRef>
+            <a:effectRef idx="0">
+              <a:schemeClr val="accent1"/>
+            </a:effectRef>
+            <a:fontRef idx="minor">
+              <a:schemeClr val="lt1"/>
+            </a:fontRef>
+          </p:style>
+          <p:txBody>
+            <a:bodyPr wrap="square" rtlCol="0" anchor="ctr">
+              <a:noAutofit/>
+            </a:bodyPr>
+            <a:lstStyle/>
+            <a:p>
+              <a:pPr algn="ctr"/>
+              <a:endParaRPr lang="en-US"/>
+            </a:p>
+          </p:txBody>
+        </p:sp>
+        <p:sp>
+          <p:nvSpPr>
+            <p:cNvPr id="29" name="Freeform 77">
+              <a:extLst>
+                <a:ext uri="{FF2B5EF4-FFF2-40B4-BE49-F238E27FC236}">
+                  <a16:creationId xmlns:a16="http://schemas.microsoft.com/office/drawing/2014/main" id="{D7E8DA86-1294-4641-9C52-6E153150641C}"/>
+                </a:ext>
+                <a:ext uri="{C183D7F6-B498-43B3-948B-1728B52AA6E4}">
+                  <adec:decorative xmlns:adec="http://schemas.microsoft.com/office/drawing/2017/decorative" val="1"/>
+                </a:ext>
+              </a:extLst>
+            </p:cNvPr>
+            <p:cNvSpPr/>
+            <p:nvPr>
+              <p:extLst>
+                <p:ext uri="{386F3935-93C4-4BCD-93E2-E3B085C9AB24}">
+                  <p16:designElem xmlns:p16="http://schemas.microsoft.com/office/powerpoint/2015/main" val="1"/>
+                </p:ext>
+              </p:extLst>
+            </p:nvPr>
+          </p:nvSpPr>
+          <p:spPr>
+            <a:xfrm>
+              <a:off x="11652853" y="4923555"/>
+              <a:ext cx="539147" cy="1125439"/>
+            </a:xfrm>
+            <a:custGeom>
+              <a:avLst/>
+              <a:gdLst>
+                <a:gd name="connsiteX0" fmla="*/ 539147 w 539147"/>
+                <a:gd name="connsiteY0" fmla="*/ 0 h 1125439"/>
+                <a:gd name="connsiteX1" fmla="*/ 539147 w 539147"/>
+                <a:gd name="connsiteY1" fmla="*/ 1125439 h 1125439"/>
+                <a:gd name="connsiteX2" fmla="*/ 451423 w 539147"/>
+                <a:gd name="connsiteY2" fmla="*/ 1116595 h 1125439"/>
+                <a:gd name="connsiteX3" fmla="*/ 0 w 539147"/>
+                <a:gd name="connsiteY3" fmla="*/ 562719 h 1125439"/>
+                <a:gd name="connsiteX4" fmla="*/ 451423 w 539147"/>
+                <a:gd name="connsiteY4" fmla="*/ 8843 h 1125439"/>
+              </a:gdLst>
+              <a:ahLst/>
+              <a:cxnLst>
+                <a:cxn ang="0">
+                  <a:pos x="connsiteX0" y="connsiteY0"/>
+                </a:cxn>
+                <a:cxn ang="0">
+                  <a:pos x="connsiteX1" y="connsiteY1"/>
+                </a:cxn>
+                <a:cxn ang="0">
+                  <a:pos x="connsiteX2" y="connsiteY2"/>
+                </a:cxn>
+                <a:cxn ang="0">
+                  <a:pos x="connsiteX3" y="connsiteY3"/>
+                </a:cxn>
+                <a:cxn ang="0">
+                  <a:pos x="connsiteX4" y="connsiteY4"/>
+                </a:cxn>
+              </a:cxnLst>
+              <a:rect l="l" t="t" r="r" b="b"/>
+              <a:pathLst>
+                <a:path w="539147" h="1125439">
+                  <a:moveTo>
+                    <a:pt x="539147" y="0"/>
+                  </a:moveTo>
+                  <a:lnTo>
+                    <a:pt x="539147" y="1125439"/>
+                  </a:lnTo>
+                  <a:lnTo>
+                    <a:pt x="451423" y="1116595"/>
+                  </a:lnTo>
+                  <a:cubicBezTo>
+                    <a:pt x="193797" y="1063877"/>
+                    <a:pt x="0" y="835930"/>
+                    <a:pt x="0" y="562719"/>
+                  </a:cubicBezTo>
+                  <a:cubicBezTo>
+                    <a:pt x="0" y="289508"/>
+                    <a:pt x="193797" y="61561"/>
+                    <a:pt x="451423" y="8843"/>
+                  </a:cubicBezTo>
+                  <a:close/>
+                </a:path>
+              </a:pathLst>
+            </a:custGeom>
+            <a:solidFill>
+              <a:schemeClr val="accent1"/>
+            </a:solidFill>
+            <a:ln>
+              <a:noFill/>
+            </a:ln>
+          </p:spPr>
+          <p:style>
+            <a:lnRef idx="2">
+              <a:schemeClr val="accent1">
+                <a:shade val="50000"/>
+              </a:schemeClr>
+            </a:lnRef>
+            <a:fillRef idx="1">
+              <a:schemeClr val="accent1"/>
+            </a:fillRef>
+            <a:effectRef idx="0">
+              <a:schemeClr val="accent1"/>
+            </a:effectRef>
+            <a:fontRef idx="minor">
+              <a:schemeClr val="lt1"/>
+            </a:fontRef>
+          </p:style>
+          <p:txBody>
+            <a:bodyPr wrap="square" rtlCol="0" anchor="ctr">
+              <a:noAutofit/>
+            </a:bodyPr>
+            <a:lstStyle/>
+            <a:p>
+              <a:pPr algn="ctr"/>
+              <a:endParaRPr lang="en-US"/>
+            </a:p>
+          </p:txBody>
+        </p:sp>
+        <p:sp>
+          <p:nvSpPr>
+            <p:cNvPr id="30" name="Freeform 78">
+              <a:extLst>
+                <a:ext uri="{FF2B5EF4-FFF2-40B4-BE49-F238E27FC236}">
+                  <a16:creationId xmlns:a16="http://schemas.microsoft.com/office/drawing/2014/main" id="{011063C9-2A43-3348-A018-F27FACAA778D}"/>
+                </a:ext>
+                <a:ext uri="{C183D7F6-B498-43B3-948B-1728B52AA6E4}">
+                  <adec:decorative xmlns:adec="http://schemas.microsoft.com/office/drawing/2017/decorative" val="1"/>
+                </a:ext>
+              </a:extLst>
+            </p:cNvPr>
+            <p:cNvSpPr/>
+            <p:nvPr>
+              <p:extLst>
+                <p:ext uri="{386F3935-93C4-4BCD-93E2-E3B085C9AB24}">
+                  <p16:designElem xmlns:p16="http://schemas.microsoft.com/office/powerpoint/2015/main" val="1"/>
+                </p:ext>
+              </p:extLst>
+            </p:nvPr>
+          </p:nvSpPr>
+          <p:spPr>
+            <a:xfrm>
+              <a:off x="11652853" y="3552039"/>
+              <a:ext cx="539147" cy="1125438"/>
+            </a:xfrm>
+            <a:custGeom>
+              <a:avLst/>
+              <a:gdLst>
+                <a:gd name="connsiteX0" fmla="*/ 539147 w 539147"/>
+                <a:gd name="connsiteY0" fmla="*/ 0 h 1125438"/>
+                <a:gd name="connsiteX1" fmla="*/ 539147 w 539147"/>
+                <a:gd name="connsiteY1" fmla="*/ 1125438 h 1125438"/>
+                <a:gd name="connsiteX2" fmla="*/ 451423 w 539147"/>
+                <a:gd name="connsiteY2" fmla="*/ 1116595 h 1125438"/>
+                <a:gd name="connsiteX3" fmla="*/ 0 w 539147"/>
+                <a:gd name="connsiteY3" fmla="*/ 562719 h 1125438"/>
+                <a:gd name="connsiteX4" fmla="*/ 451423 w 539147"/>
+                <a:gd name="connsiteY4" fmla="*/ 8843 h 1125438"/>
+              </a:gdLst>
+              <a:ahLst/>
+              <a:cxnLst>
+                <a:cxn ang="0">
+                  <a:pos x="connsiteX0" y="connsiteY0"/>
+                </a:cxn>
+                <a:cxn ang="0">
+                  <a:pos x="connsiteX1" y="connsiteY1"/>
+                </a:cxn>
+                <a:cxn ang="0">
+                  <a:pos x="connsiteX2" y="connsiteY2"/>
+                </a:cxn>
+                <a:cxn ang="0">
+                  <a:pos x="connsiteX3" y="connsiteY3"/>
+                </a:cxn>
+                <a:cxn ang="0">
+                  <a:pos x="connsiteX4" y="connsiteY4"/>
+                </a:cxn>
+              </a:cxnLst>
+              <a:rect l="l" t="t" r="r" b="b"/>
+              <a:pathLst>
+                <a:path w="539147" h="1125438">
+                  <a:moveTo>
+                    <a:pt x="539147" y="0"/>
+                  </a:moveTo>
+                  <a:lnTo>
+                    <a:pt x="539147" y="1125438"/>
+                  </a:lnTo>
+                  <a:lnTo>
+                    <a:pt x="451423" y="1116595"/>
+                  </a:lnTo>
+                  <a:cubicBezTo>
+                    <a:pt x="193797" y="1063877"/>
+                    <a:pt x="0" y="835930"/>
+                    <a:pt x="0" y="562719"/>
+                  </a:cubicBezTo>
+                  <a:cubicBezTo>
+                    <a:pt x="0" y="289508"/>
+                    <a:pt x="193797" y="61561"/>
+                    <a:pt x="451423" y="8843"/>
+                  </a:cubicBezTo>
+                  <a:close/>
+                </a:path>
+              </a:pathLst>
+            </a:custGeom>
+            <a:solidFill>
+              <a:schemeClr val="bg2"/>
+            </a:solidFill>
+            <a:ln>
+              <a:noFill/>
+            </a:ln>
+          </p:spPr>
+          <p:style>
+            <a:lnRef idx="2">
+              <a:schemeClr val="accent1">
+                <a:shade val="50000"/>
+              </a:schemeClr>
+            </a:lnRef>
+            <a:fillRef idx="1">
+              <a:schemeClr val="accent1"/>
+            </a:fillRef>
+            <a:effectRef idx="0">
+              <a:schemeClr val="accent1"/>
+            </a:effectRef>
+            <a:fontRef idx="minor">
+              <a:schemeClr val="lt1"/>
+            </a:fontRef>
+          </p:style>
+          <p:txBody>
+            <a:bodyPr wrap="square" rtlCol="0" anchor="ctr">
+              <a:noAutofit/>
+            </a:bodyPr>
+            <a:lstStyle/>
+            <a:p>
+              <a:pPr algn="ctr"/>
+              <a:endParaRPr lang="en-US"/>
+            </a:p>
+          </p:txBody>
+        </p:sp>
+        <p:sp>
+          <p:nvSpPr>
+            <p:cNvPr id="31" name="Freeform 79">
+              <a:extLst>
+                <a:ext uri="{FF2B5EF4-FFF2-40B4-BE49-F238E27FC236}">
+                  <a16:creationId xmlns:a16="http://schemas.microsoft.com/office/drawing/2014/main" id="{EE85C7DE-D965-244F-BD95-3A05FF4AAC61}"/>
+                </a:ext>
+                <a:ext uri="{C183D7F6-B498-43B3-948B-1728B52AA6E4}">
+                  <adec:decorative xmlns:adec="http://schemas.microsoft.com/office/drawing/2017/decorative" val="1"/>
+                </a:ext>
+              </a:extLst>
+            </p:cNvPr>
+            <p:cNvSpPr/>
+            <p:nvPr>
+              <p:extLst>
+                <p:ext uri="{386F3935-93C4-4BCD-93E2-E3B085C9AB24}">
+                  <p16:designElem xmlns:p16="http://schemas.microsoft.com/office/powerpoint/2015/main" val="1"/>
+                </p:ext>
+              </p:extLst>
+            </p:nvPr>
+          </p:nvSpPr>
+          <p:spPr>
+            <a:xfrm>
+              <a:off x="11652853" y="2180524"/>
+              <a:ext cx="539147" cy="1125438"/>
+            </a:xfrm>
+            <a:custGeom>
+              <a:avLst/>
+              <a:gdLst>
+                <a:gd name="connsiteX0" fmla="*/ 539147 w 539147"/>
+                <a:gd name="connsiteY0" fmla="*/ 0 h 1125438"/>
+                <a:gd name="connsiteX1" fmla="*/ 539147 w 539147"/>
+                <a:gd name="connsiteY1" fmla="*/ 1125438 h 1125438"/>
+                <a:gd name="connsiteX2" fmla="*/ 451423 w 539147"/>
+                <a:gd name="connsiteY2" fmla="*/ 1116595 h 1125438"/>
+                <a:gd name="connsiteX3" fmla="*/ 0 w 539147"/>
+                <a:gd name="connsiteY3" fmla="*/ 562719 h 1125438"/>
+                <a:gd name="connsiteX4" fmla="*/ 451423 w 539147"/>
+                <a:gd name="connsiteY4" fmla="*/ 8843 h 1125438"/>
+              </a:gdLst>
+              <a:ahLst/>
+              <a:cxnLst>
+                <a:cxn ang="0">
+                  <a:pos x="connsiteX0" y="connsiteY0"/>
+                </a:cxn>
+                <a:cxn ang="0">
+                  <a:pos x="connsiteX1" y="connsiteY1"/>
+                </a:cxn>
+                <a:cxn ang="0">
+                  <a:pos x="connsiteX2" y="connsiteY2"/>
+                </a:cxn>
+                <a:cxn ang="0">
+                  <a:pos x="connsiteX3" y="connsiteY3"/>
+                </a:cxn>
+                <a:cxn ang="0">
+                  <a:pos x="connsiteX4" y="connsiteY4"/>
+                </a:cxn>
+              </a:cxnLst>
+              <a:rect l="l" t="t" r="r" b="b"/>
+              <a:pathLst>
+                <a:path w="539147" h="1125438">
+                  <a:moveTo>
+                    <a:pt x="539147" y="0"/>
+                  </a:moveTo>
+                  <a:lnTo>
+                    <a:pt x="539147" y="1125438"/>
+                  </a:lnTo>
+                  <a:lnTo>
+                    <a:pt x="451423" y="1116595"/>
+                  </a:lnTo>
+                  <a:cubicBezTo>
+                    <a:pt x="193797" y="1063877"/>
+                    <a:pt x="0" y="835930"/>
+                    <a:pt x="0" y="562719"/>
+                  </a:cubicBezTo>
+                  <a:cubicBezTo>
+                    <a:pt x="0" y="289509"/>
+                    <a:pt x="193797" y="61561"/>
+                    <a:pt x="451423" y="8843"/>
+                  </a:cubicBezTo>
+                  <a:close/>
+                </a:path>
+              </a:pathLst>
+            </a:custGeom>
+            <a:solidFill>
+              <a:schemeClr val="bg2"/>
+            </a:solidFill>
+            <a:ln>
+              <a:noFill/>
+            </a:ln>
+          </p:spPr>
+          <p:style>
+            <a:lnRef idx="2">
+              <a:schemeClr val="accent1">
+                <a:shade val="50000"/>
+              </a:schemeClr>
+            </a:lnRef>
+            <a:fillRef idx="1">
+              <a:schemeClr val="accent1"/>
+            </a:fillRef>
+            <a:effectRef idx="0">
+              <a:schemeClr val="accent1"/>
+            </a:effectRef>
+            <a:fontRef idx="minor">
+              <a:schemeClr val="lt1"/>
+            </a:fontRef>
+          </p:style>
+          <p:txBody>
+            <a:bodyPr wrap="square" rtlCol="0" anchor="ctr">
+              <a:noAutofit/>
+            </a:bodyPr>
+            <a:lstStyle/>
+            <a:p>
+              <a:pPr algn="ctr"/>
+              <a:endParaRPr lang="en-US"/>
+            </a:p>
+          </p:txBody>
+        </p:sp>
+        <p:sp>
+          <p:nvSpPr>
+            <p:cNvPr id="32" name="Freeform 80">
+              <a:extLst>
+                <a:ext uri="{FF2B5EF4-FFF2-40B4-BE49-F238E27FC236}">
+                  <a16:creationId xmlns:a16="http://schemas.microsoft.com/office/drawing/2014/main" id="{315A1389-149A-3342-A863-637D42FDB28D}"/>
+                </a:ext>
+                <a:ext uri="{C183D7F6-B498-43B3-948B-1728B52AA6E4}">
+                  <adec:decorative xmlns:adec="http://schemas.microsoft.com/office/drawing/2017/decorative" val="1"/>
+                </a:ext>
+              </a:extLst>
+            </p:cNvPr>
+            <p:cNvSpPr/>
+            <p:nvPr>
+              <p:extLst>
+                <p:ext uri="{386F3935-93C4-4BCD-93E2-E3B085C9AB24}">
+                  <p16:designElem xmlns:p16="http://schemas.microsoft.com/office/powerpoint/2015/main" val="1"/>
+                </p:ext>
+              </p:extLst>
+            </p:nvPr>
+          </p:nvSpPr>
+          <p:spPr>
+            <a:xfrm>
+              <a:off x="11652853" y="809010"/>
+              <a:ext cx="539147" cy="1125439"/>
+            </a:xfrm>
+            <a:custGeom>
+              <a:avLst/>
+              <a:gdLst>
+                <a:gd name="connsiteX0" fmla="*/ 539147 w 539147"/>
+                <a:gd name="connsiteY0" fmla="*/ 0 h 1125439"/>
+                <a:gd name="connsiteX1" fmla="*/ 539147 w 539147"/>
+                <a:gd name="connsiteY1" fmla="*/ 1125439 h 1125439"/>
+                <a:gd name="connsiteX2" fmla="*/ 451423 w 539147"/>
+                <a:gd name="connsiteY2" fmla="*/ 1116595 h 1125439"/>
+                <a:gd name="connsiteX3" fmla="*/ 0 w 539147"/>
+                <a:gd name="connsiteY3" fmla="*/ 562719 h 1125439"/>
+                <a:gd name="connsiteX4" fmla="*/ 451423 w 539147"/>
+                <a:gd name="connsiteY4" fmla="*/ 8843 h 1125439"/>
+              </a:gdLst>
+              <a:ahLst/>
+              <a:cxnLst>
+                <a:cxn ang="0">
+                  <a:pos x="connsiteX0" y="connsiteY0"/>
+                </a:cxn>
+                <a:cxn ang="0">
+                  <a:pos x="connsiteX1" y="connsiteY1"/>
+                </a:cxn>
+                <a:cxn ang="0">
+                  <a:pos x="connsiteX2" y="connsiteY2"/>
+                </a:cxn>
+                <a:cxn ang="0">
+                  <a:pos x="connsiteX3" y="connsiteY3"/>
+                </a:cxn>
+                <a:cxn ang="0">
+                  <a:pos x="connsiteX4" y="connsiteY4"/>
+                </a:cxn>
+              </a:cxnLst>
+              <a:rect l="l" t="t" r="r" b="b"/>
+              <a:pathLst>
+                <a:path w="539147" h="1125439">
+                  <a:moveTo>
+                    <a:pt x="539147" y="0"/>
+                  </a:moveTo>
+                  <a:lnTo>
+                    <a:pt x="539147" y="1125439"/>
+                  </a:lnTo>
+                  <a:lnTo>
+                    <a:pt x="451423" y="1116595"/>
+                  </a:lnTo>
+                  <a:cubicBezTo>
+                    <a:pt x="193797" y="1063877"/>
+                    <a:pt x="0" y="835930"/>
+                    <a:pt x="0" y="562719"/>
+                  </a:cubicBezTo>
+                  <a:cubicBezTo>
+                    <a:pt x="0" y="289508"/>
+                    <a:pt x="193797" y="61561"/>
+                    <a:pt x="451423" y="8843"/>
+                  </a:cubicBezTo>
+                  <a:close/>
+                </a:path>
+              </a:pathLst>
+            </a:custGeom>
+            <a:solidFill>
+              <a:schemeClr val="bg2"/>
+            </a:solidFill>
+            <a:ln>
+              <a:noFill/>
+            </a:ln>
+          </p:spPr>
+          <p:style>
+            <a:lnRef idx="2">
+              <a:schemeClr val="accent1">
+                <a:shade val="50000"/>
+              </a:schemeClr>
+            </a:lnRef>
+            <a:fillRef idx="1">
+              <a:schemeClr val="accent1"/>
+            </a:fillRef>
+            <a:effectRef idx="0">
+              <a:schemeClr val="accent1"/>
+            </a:effectRef>
+            <a:fontRef idx="minor">
+              <a:schemeClr val="lt1"/>
+            </a:fontRef>
+          </p:style>
+          <p:txBody>
+            <a:bodyPr wrap="square" rtlCol="0" anchor="ctr">
+              <a:noAutofit/>
+            </a:bodyPr>
+            <a:lstStyle/>
+            <a:p>
+              <a:pPr algn="ctr"/>
+              <a:endParaRPr lang="en-US"/>
+            </a:p>
+          </p:txBody>
+        </p:sp>
+        <p:sp>
+          <p:nvSpPr>
+            <p:cNvPr id="33" name="Freeform 81">
+              <a:extLst>
+                <a:ext uri="{FF2B5EF4-FFF2-40B4-BE49-F238E27FC236}">
+                  <a16:creationId xmlns:a16="http://schemas.microsoft.com/office/drawing/2014/main" id="{B149CC6F-B6C6-BE46-B451-1BF7D47A8936}"/>
+                </a:ext>
+                <a:ext uri="{C183D7F6-B498-43B3-948B-1728B52AA6E4}">
+                  <adec:decorative xmlns:adec="http://schemas.microsoft.com/office/drawing/2017/decorative" val="1"/>
+                </a:ext>
+              </a:extLst>
+            </p:cNvPr>
+            <p:cNvSpPr/>
+            <p:nvPr>
+              <p:extLst>
+                <p:ext uri="{386F3935-93C4-4BCD-93E2-E3B085C9AB24}">
+                  <p16:designElem xmlns:p16="http://schemas.microsoft.com/office/powerpoint/2015/main" val="1"/>
+                </p:ext>
+              </p:extLst>
+            </p:nvPr>
+          </p:nvSpPr>
+          <p:spPr>
+            <a:xfrm>
+              <a:off x="11652853" y="1"/>
+              <a:ext cx="539147" cy="562933"/>
+            </a:xfrm>
+            <a:custGeom>
+              <a:avLst/>
+              <a:gdLst>
+                <a:gd name="connsiteX0" fmla="*/ 22 w 539147"/>
+                <a:gd name="connsiteY0" fmla="*/ 0 h 562933"/>
+                <a:gd name="connsiteX1" fmla="*/ 539147 w 539147"/>
+                <a:gd name="connsiteY1" fmla="*/ 0 h 562933"/>
+                <a:gd name="connsiteX2" fmla="*/ 539147 w 539147"/>
+                <a:gd name="connsiteY2" fmla="*/ 562933 h 562933"/>
+                <a:gd name="connsiteX3" fmla="*/ 451423 w 539147"/>
+                <a:gd name="connsiteY3" fmla="*/ 554090 h 562933"/>
+                <a:gd name="connsiteX4" fmla="*/ 0 w 539147"/>
+                <a:gd name="connsiteY4" fmla="*/ 214 h 562933"/>
+              </a:gdLst>
+              <a:ahLst/>
+              <a:cxnLst>
+                <a:cxn ang="0">
+                  <a:pos x="connsiteX0" y="connsiteY0"/>
+                </a:cxn>
+                <a:cxn ang="0">
+                  <a:pos x="connsiteX1" y="connsiteY1"/>
+                </a:cxn>
+                <a:cxn ang="0">
+                  <a:pos x="connsiteX2" y="connsiteY2"/>
+                </a:cxn>
+                <a:cxn ang="0">
+                  <a:pos x="connsiteX3" y="connsiteY3"/>
+                </a:cxn>
+                <a:cxn ang="0">
+                  <a:pos x="connsiteX4" y="connsiteY4"/>
+                </a:cxn>
+              </a:cxnLst>
+              <a:rect l="l" t="t" r="r" b="b"/>
+              <a:pathLst>
+                <a:path w="539147" h="562933">
+                  <a:moveTo>
+                    <a:pt x="22" y="0"/>
+                  </a:moveTo>
+                  <a:lnTo>
+                    <a:pt x="539147" y="0"/>
+                  </a:lnTo>
+                  <a:lnTo>
+                    <a:pt x="539147" y="562933"/>
+                  </a:lnTo>
+                  <a:lnTo>
+                    <a:pt x="451423" y="554090"/>
+                  </a:lnTo>
+                  <a:cubicBezTo>
+                    <a:pt x="193797" y="501372"/>
+                    <a:pt x="0" y="273425"/>
+                    <a:pt x="0" y="214"/>
+                  </a:cubicBezTo>
+                  <a:close/>
+                </a:path>
+              </a:pathLst>
+            </a:custGeom>
+            <a:solidFill>
+              <a:schemeClr val="bg2"/>
+            </a:solidFill>
+            <a:ln>
+              <a:noFill/>
+            </a:ln>
+          </p:spPr>
+          <p:style>
+            <a:lnRef idx="2">
+              <a:schemeClr val="accent1">
+                <a:shade val="50000"/>
+              </a:schemeClr>
+            </a:lnRef>
+            <a:fillRef idx="1">
+              <a:schemeClr val="accent1"/>
+            </a:fillRef>
+            <a:effectRef idx="0">
+              <a:schemeClr val="accent1"/>
+            </a:effectRef>
+            <a:fontRef idx="minor">
+              <a:schemeClr val="lt1"/>
+            </a:fontRef>
+          </p:style>
+          <p:txBody>
+            <a:bodyPr wrap="square" rtlCol="0" anchor="ctr">
+              <a:noAutofit/>
+            </a:bodyPr>
+            <a:lstStyle/>
+            <a:p>
+              <a:pPr algn="ctr"/>
+              <a:endParaRPr lang="en-US"/>
+            </a:p>
+          </p:txBody>
+        </p:sp>
+      </p:grpSp>
+      <p:cxnSp>
+        <p:nvCxnSpPr>
+          <p:cNvPr id="35" name="Straight Connector 34">
+            <a:extLst>
+              <a:ext uri="{FF2B5EF4-FFF2-40B4-BE49-F238E27FC236}">
+                <a16:creationId xmlns:a16="http://schemas.microsoft.com/office/drawing/2014/main" id="{D33A3282-0389-C547-8CA6-7F3E7F27B34D}"/>
+              </a:ext>
+              <a:ext uri="{C183D7F6-B498-43B3-948B-1728B52AA6E4}">
+                <adec:decorative xmlns:adec="http://schemas.microsoft.com/office/drawing/2017/decorative" val="1"/>
+              </a:ext>
+            </a:extLst>
+          </p:cNvPr>
+          <p:cNvCxnSpPr>
+            <a:cxnSpLocks noGrp="1" noRot="1" noChangeAspect="1" noMove="1" noResize="1" noEditPoints="1" noAdjustHandles="1" noChangeArrowheads="1" noChangeShapeType="1"/>
+          </p:cNvCxnSpPr>
+          <p:nvPr>
+            <p:extLst>
+              <p:ext uri="{386F3935-93C4-4BCD-93E2-E3B085C9AB24}">
+                <p16:designElem xmlns:p16="http://schemas.microsoft.com/office/powerpoint/2015/main" val="1"/>
+              </p:ext>
+            </p:extLst>
+          </p:nvPr>
+        </p:nvCxnSpPr>
+        <p:spPr>
+          <a:xfrm>
+            <a:off x="565150" y="6087110"/>
+            <a:ext cx="5066001" cy="0"/>
+          </a:xfrm>
+          <a:prstGeom prst="line">
+            <a:avLst/>
+          </a:prstGeom>
+          <a:ln w="12700">
+            <a:solidFill>
+              <a:schemeClr val="bg1">
+                <a:lumMod val="65000"/>
+              </a:schemeClr>
+            </a:solidFill>
+          </a:ln>
+        </p:spPr>
+        <p:style>
+          <a:lnRef idx="1">
+            <a:schemeClr val="accent1"/>
+          </a:lnRef>
+          <a:fillRef idx="0">
+            <a:schemeClr val="accent1"/>
+          </a:fillRef>
+          <a:effectRef idx="0">
+            <a:schemeClr val="accent1"/>
+          </a:effectRef>
+          <a:fontRef idx="minor">
+            <a:schemeClr val="tx1"/>
+          </a:fontRef>
+        </p:style>
+      </p:cxnSp>
+      <p:sp useBgFill="1">
+        <p:nvSpPr>
+          <p:cNvPr id="37" name="Rectangle 36">
+            <a:extLst>
+              <a:ext uri="{FF2B5EF4-FFF2-40B4-BE49-F238E27FC236}">
+                <a16:creationId xmlns:a16="http://schemas.microsoft.com/office/drawing/2014/main" id="{4EFE82FE-7465-AE46-88DF-34D347E83B84}"/>
+              </a:ext>
+              <a:ext uri="{C183D7F6-B498-43B3-948B-1728B52AA6E4}">
+                <adec:decorative xmlns:adec="http://schemas.microsoft.com/office/drawing/2017/decorative" val="1"/>
+              </a:ext>
+            </a:extLst>
+          </p:cNvPr>
+          <p:cNvSpPr>
+            <a:spLocks noGrp="1" noRot="1" noChangeAspect="1" noMove="1" noResize="1" noEditPoints="1" noAdjustHandles="1" noChangeArrowheads="1" noChangeShapeType="1" noTextEdit="1"/>
+          </p:cNvSpPr>
+          <p:nvPr>
+            <p:extLst>
+              <p:ext uri="{386F3935-93C4-4BCD-93E2-E3B085C9AB24}">
+                <p16:designElem xmlns:p16="http://schemas.microsoft.com/office/powerpoint/2015/main" val="1"/>
+              </p:ext>
+            </p:extLst>
+          </p:nvPr>
+        </p:nvSpPr>
+        <p:spPr>
+          <a:xfrm>
+            <a:off x="0" y="0"/>
+            <a:ext cx="12192000" cy="6858000"/>
+          </a:xfrm>
+          <a:prstGeom prst="rect">
+            <a:avLst/>
+          </a:prstGeom>
+          <a:ln>
+            <a:noFill/>
+          </a:ln>
+        </p:spPr>
+        <p:style>
+          <a:lnRef idx="2">
+            <a:schemeClr val="accent1">
+              <a:shade val="50000"/>
+            </a:schemeClr>
+          </a:lnRef>
+          <a:fillRef idx="1">
+            <a:schemeClr val="accent1"/>
+          </a:fillRef>
+          <a:effectRef idx="0">
+            <a:schemeClr val="accent1"/>
+          </a:effectRef>
+          <a:fontRef idx="minor">
+            <a:schemeClr val="lt1"/>
+          </a:fontRef>
+        </p:style>
+        <p:txBody>
+          <a:bodyPr rtlCol="0" anchor="ctr"/>
+          <a:lstStyle/>
+          <a:p>
+            <a:pPr algn="ctr"/>
+            <a:endParaRPr lang="en-US"/>
+          </a:p>
+        </p:txBody>
+      </p:sp>
+      <p:grpSp>
+        <p:nvGrpSpPr>
+          <p:cNvPr id="39" name="Group 38">
+            <a:extLst>
+              <a:ext uri="{FF2B5EF4-FFF2-40B4-BE49-F238E27FC236}">
+                <a16:creationId xmlns:a16="http://schemas.microsoft.com/office/drawing/2014/main" id="{66F2B51C-9578-EB41-A17E-FFF9D491ADA0}"/>
+              </a:ext>
+              <a:ext uri="{C183D7F6-B498-43B3-948B-1728B52AA6E4}">
+                <adec:decorative xmlns:adec="http://schemas.microsoft.com/office/drawing/2017/decorative" val="1"/>
+              </a:ext>
+            </a:extLst>
+          </p:cNvPr>
+          <p:cNvGrpSpPr>
+            <a:grpSpLocks noGrp="1" noUngrp="1" noRot="1" noChangeAspect="1" noMove="1" noResize="1"/>
+          </p:cNvGrpSpPr>
+          <p:nvPr>
+            <p:extLst>
+              <p:ext uri="{386F3935-93C4-4BCD-93E2-E3B085C9AB24}">
+                <p16:designElem xmlns:p16="http://schemas.microsoft.com/office/powerpoint/2015/main" val="1"/>
+              </p:ext>
+            </p:extLst>
+          </p:nvPr>
+        </p:nvGrpSpPr>
+        <p:grpSpPr>
+          <a:xfrm>
+            <a:off x="10290315" y="0"/>
+            <a:ext cx="1901686" cy="6858000"/>
+            <a:chOff x="10290315" y="0"/>
+            <a:chExt cx="1901686" cy="6858000"/>
+          </a:xfrm>
+        </p:grpSpPr>
+        <p:sp>
+          <p:nvSpPr>
+            <p:cNvPr id="40" name="Oval 39">
+              <a:extLst>
+                <a:ext uri="{FF2B5EF4-FFF2-40B4-BE49-F238E27FC236}">
+                  <a16:creationId xmlns:a16="http://schemas.microsoft.com/office/drawing/2014/main" id="{14E9CAEA-4CF4-D249-8127-CD2FA20187E6}"/>
+                </a:ext>
+                <a:ext uri="{C183D7F6-B498-43B3-948B-1728B52AA6E4}">
+                  <adec:decorative xmlns:adec="http://schemas.microsoft.com/office/drawing/2017/decorative" val="1"/>
+                </a:ext>
+              </a:extLst>
+            </p:cNvPr>
+            <p:cNvSpPr/>
+            <p:nvPr>
+              <p:extLst>
+                <p:ext uri="{386F3935-93C4-4BCD-93E2-E3B085C9AB24}">
+                  <p16:designElem xmlns:p16="http://schemas.microsoft.com/office/powerpoint/2015/main" val="1"/>
+                </p:ext>
+              </p:extLst>
+            </p:nvPr>
+          </p:nvSpPr>
+          <p:spPr>
+            <a:xfrm>
+              <a:off x="10290315" y="3549390"/>
+              <a:ext cx="1130724" cy="1130723"/>
+            </a:xfrm>
+            <a:prstGeom prst="ellipse">
+              <a:avLst/>
+            </a:prstGeom>
+            <a:solidFill>
+              <a:schemeClr val="bg2"/>
+            </a:solidFill>
+            <a:ln>
+              <a:noFill/>
+            </a:ln>
+          </p:spPr>
+          <p:style>
+            <a:lnRef idx="2">
+              <a:schemeClr val="accent1">
+                <a:shade val="50000"/>
+              </a:schemeClr>
+            </a:lnRef>
+            <a:fillRef idx="1">
+              <a:schemeClr val="accent1"/>
+            </a:fillRef>
+            <a:effectRef idx="0">
+              <a:schemeClr val="accent1"/>
+            </a:effectRef>
+            <a:fontRef idx="minor">
+              <a:schemeClr val="lt1"/>
+            </a:fontRef>
+          </p:style>
+          <p:txBody>
+            <a:bodyPr rtlCol="0" anchor="ctr"/>
+            <a:lstStyle/>
+            <a:p>
+              <a:pPr algn="ctr"/>
+              <a:endParaRPr lang="en-US"/>
+            </a:p>
+          </p:txBody>
+        </p:sp>
+        <p:sp>
+          <p:nvSpPr>
+            <p:cNvPr id="41" name="Freeform 85">
+              <a:extLst>
+                <a:ext uri="{FF2B5EF4-FFF2-40B4-BE49-F238E27FC236}">
+                  <a16:creationId xmlns:a16="http://schemas.microsoft.com/office/drawing/2014/main" id="{E51EDD93-C3A3-DF47-BCFC-43B049E34EC6}"/>
+                </a:ext>
+                <a:ext uri="{C183D7F6-B498-43B3-948B-1728B52AA6E4}">
+                  <adec:decorative xmlns:adec="http://schemas.microsoft.com/office/drawing/2017/decorative" val="1"/>
+                </a:ext>
+              </a:extLst>
+            </p:cNvPr>
+            <p:cNvSpPr/>
+            <p:nvPr>
+              <p:extLst>
+                <p:ext uri="{386F3935-93C4-4BCD-93E2-E3B085C9AB24}">
+                  <p16:designElem xmlns:p16="http://schemas.microsoft.com/office/powerpoint/2015/main" val="1"/>
+                </p:ext>
+              </p:extLst>
+            </p:nvPr>
+          </p:nvSpPr>
+          <p:spPr>
+            <a:xfrm>
+              <a:off x="10290315" y="0"/>
+              <a:ext cx="1130724" cy="565573"/>
+            </a:xfrm>
+            <a:custGeom>
+              <a:avLst/>
+              <a:gdLst>
+                <a:gd name="connsiteX0" fmla="*/ 21 w 1130724"/>
+                <a:gd name="connsiteY0" fmla="*/ 0 h 565573"/>
+                <a:gd name="connsiteX1" fmla="*/ 1130703 w 1130724"/>
+                <a:gd name="connsiteY1" fmla="*/ 0 h 565573"/>
+                <a:gd name="connsiteX2" fmla="*/ 1130724 w 1130724"/>
+                <a:gd name="connsiteY2" fmla="*/ 211 h 565573"/>
+                <a:gd name="connsiteX3" fmla="*/ 565362 w 1130724"/>
+                <a:gd name="connsiteY3" fmla="*/ 565573 h 565573"/>
+                <a:gd name="connsiteX4" fmla="*/ 0 w 1130724"/>
+                <a:gd name="connsiteY4" fmla="*/ 211 h 565573"/>
+              </a:gdLst>
+              <a:ahLst/>
+              <a:cxnLst>
+                <a:cxn ang="0">
+                  <a:pos x="connsiteX0" y="connsiteY0"/>
+                </a:cxn>
+                <a:cxn ang="0">
+                  <a:pos x="connsiteX1" y="connsiteY1"/>
+                </a:cxn>
+                <a:cxn ang="0">
+                  <a:pos x="connsiteX2" y="connsiteY2"/>
+                </a:cxn>
+                <a:cxn ang="0">
+                  <a:pos x="connsiteX3" y="connsiteY3"/>
+                </a:cxn>
+                <a:cxn ang="0">
+                  <a:pos x="connsiteX4" y="connsiteY4"/>
+                </a:cxn>
+              </a:cxnLst>
+              <a:rect l="l" t="t" r="r" b="b"/>
+              <a:pathLst>
+                <a:path w="1130724" h="565573">
+                  <a:moveTo>
+                    <a:pt x="21" y="0"/>
+                  </a:moveTo>
+                  <a:lnTo>
+                    <a:pt x="1130703" y="0"/>
+                  </a:lnTo>
+                  <a:lnTo>
+                    <a:pt x="1130724" y="211"/>
+                  </a:lnTo>
+                  <a:cubicBezTo>
+                    <a:pt x="1130724" y="312452"/>
+                    <a:pt x="877603" y="565573"/>
+                    <a:pt x="565362" y="565573"/>
+                  </a:cubicBezTo>
+                  <a:cubicBezTo>
+                    <a:pt x="253121" y="565573"/>
+                    <a:pt x="0" y="312452"/>
+                    <a:pt x="0" y="211"/>
+                  </a:cubicBezTo>
+                  <a:close/>
+                </a:path>
+              </a:pathLst>
+            </a:custGeom>
+            <a:solidFill>
+              <a:schemeClr val="bg2"/>
+            </a:solidFill>
+            <a:ln>
+              <a:noFill/>
+            </a:ln>
+          </p:spPr>
+          <p:style>
+            <a:lnRef idx="2">
+              <a:schemeClr val="accent1">
+                <a:shade val="50000"/>
+              </a:schemeClr>
+            </a:lnRef>
+            <a:fillRef idx="1">
+              <a:schemeClr val="accent1"/>
+            </a:fillRef>
+            <a:effectRef idx="0">
+              <a:schemeClr val="accent1"/>
+            </a:effectRef>
+            <a:fontRef idx="minor">
+              <a:schemeClr val="lt1"/>
+            </a:fontRef>
+          </p:style>
+          <p:txBody>
+            <a:bodyPr wrap="square" rtlCol="0" anchor="ctr">
+              <a:noAutofit/>
+            </a:bodyPr>
+            <a:lstStyle/>
+            <a:p>
+              <a:pPr algn="ctr"/>
+              <a:endParaRPr lang="en-US"/>
+            </a:p>
+          </p:txBody>
+        </p:sp>
+        <p:sp>
+          <p:nvSpPr>
+            <p:cNvPr id="42" name="Freeform 86">
+              <a:extLst>
+                <a:ext uri="{FF2B5EF4-FFF2-40B4-BE49-F238E27FC236}">
+                  <a16:creationId xmlns:a16="http://schemas.microsoft.com/office/drawing/2014/main" id="{D574DB0D-896A-D649-89B1-33753E1D46E7}"/>
+                </a:ext>
+                <a:ext uri="{C183D7F6-B498-43B3-948B-1728B52AA6E4}">
+                  <adec:decorative xmlns:adec="http://schemas.microsoft.com/office/drawing/2017/decorative" val="1"/>
+                </a:ext>
+              </a:extLst>
+            </p:cNvPr>
+            <p:cNvSpPr/>
+            <p:nvPr>
+              <p:extLst>
+                <p:ext uri="{386F3935-93C4-4BCD-93E2-E3B085C9AB24}">
+                  <p16:designElem xmlns:p16="http://schemas.microsoft.com/office/powerpoint/2015/main" val="1"/>
+                </p:ext>
+              </p:extLst>
+            </p:nvPr>
+          </p:nvSpPr>
+          <p:spPr>
+            <a:xfrm>
+              <a:off x="11653180" y="6295093"/>
+              <a:ext cx="538821" cy="562907"/>
+            </a:xfrm>
+            <a:custGeom>
+              <a:avLst/>
+              <a:gdLst>
+                <a:gd name="connsiteX0" fmla="*/ 538821 w 538821"/>
+                <a:gd name="connsiteY0" fmla="*/ 0 h 562907"/>
+                <a:gd name="connsiteX1" fmla="*/ 538821 w 538821"/>
+                <a:gd name="connsiteY1" fmla="*/ 562907 h 562907"/>
+                <a:gd name="connsiteX2" fmla="*/ 22 w 538821"/>
+                <a:gd name="connsiteY2" fmla="*/ 562907 h 562907"/>
+                <a:gd name="connsiteX3" fmla="*/ 0 w 538821"/>
+                <a:gd name="connsiteY3" fmla="*/ 562686 h 562907"/>
+                <a:gd name="connsiteX4" fmla="*/ 451422 w 538821"/>
+                <a:gd name="connsiteY4" fmla="*/ 8810 h 562907"/>
+              </a:gdLst>
+              <a:ahLst/>
+              <a:cxnLst>
+                <a:cxn ang="0">
+                  <a:pos x="connsiteX0" y="connsiteY0"/>
+                </a:cxn>
+                <a:cxn ang="0">
+                  <a:pos x="connsiteX1" y="connsiteY1"/>
+                </a:cxn>
+                <a:cxn ang="0">
+                  <a:pos x="connsiteX2" y="connsiteY2"/>
+                </a:cxn>
+                <a:cxn ang="0">
+                  <a:pos x="connsiteX3" y="connsiteY3"/>
+                </a:cxn>
+                <a:cxn ang="0">
+                  <a:pos x="connsiteX4" y="connsiteY4"/>
+                </a:cxn>
+              </a:cxnLst>
+              <a:rect l="l" t="t" r="r" b="b"/>
+              <a:pathLst>
+                <a:path w="538821" h="562907">
+                  <a:moveTo>
+                    <a:pt x="538821" y="0"/>
+                  </a:moveTo>
+                  <a:lnTo>
+                    <a:pt x="538821" y="562907"/>
+                  </a:lnTo>
+                  <a:lnTo>
+                    <a:pt x="22" y="562907"/>
+                  </a:lnTo>
+                  <a:lnTo>
+                    <a:pt x="0" y="562686"/>
+                  </a:lnTo>
+                  <a:cubicBezTo>
+                    <a:pt x="0" y="289475"/>
+                    <a:pt x="193796" y="61528"/>
+                    <a:pt x="451422" y="8810"/>
+                  </a:cubicBezTo>
+                  <a:close/>
+                </a:path>
+              </a:pathLst>
+            </a:custGeom>
+            <a:solidFill>
+              <a:schemeClr val="bg2"/>
+            </a:solidFill>
+            <a:ln>
+              <a:noFill/>
+            </a:ln>
+          </p:spPr>
+          <p:style>
+            <a:lnRef idx="2">
+              <a:schemeClr val="accent1">
+                <a:shade val="50000"/>
+              </a:schemeClr>
+            </a:lnRef>
+            <a:fillRef idx="1">
+              <a:schemeClr val="accent1"/>
+            </a:fillRef>
+            <a:effectRef idx="0">
+              <a:schemeClr val="accent1"/>
+            </a:effectRef>
+            <a:fontRef idx="minor">
+              <a:schemeClr val="lt1"/>
+            </a:fontRef>
+          </p:style>
+          <p:txBody>
+            <a:bodyPr wrap="square" rtlCol="0" anchor="ctr">
+              <a:noAutofit/>
+            </a:bodyPr>
+            <a:lstStyle/>
+            <a:p>
+              <a:pPr algn="ctr"/>
+              <a:endParaRPr lang="en-US"/>
+            </a:p>
+          </p:txBody>
+        </p:sp>
+        <p:sp>
+          <p:nvSpPr>
+            <p:cNvPr id="43" name="Freeform 87">
+              <a:extLst>
+                <a:ext uri="{FF2B5EF4-FFF2-40B4-BE49-F238E27FC236}">
+                  <a16:creationId xmlns:a16="http://schemas.microsoft.com/office/drawing/2014/main" id="{62256DD9-FEA3-4A40-80D1-B33F0FF1583E}"/>
+                </a:ext>
+                <a:ext uri="{C183D7F6-B498-43B3-948B-1728B52AA6E4}">
+                  <adec:decorative xmlns:adec="http://schemas.microsoft.com/office/drawing/2017/decorative" val="1"/>
+                </a:ext>
+              </a:extLst>
+            </p:cNvPr>
+            <p:cNvSpPr/>
+            <p:nvPr>
+              <p:extLst>
+                <p:ext uri="{386F3935-93C4-4BCD-93E2-E3B085C9AB24}">
+                  <p16:designElem xmlns:p16="http://schemas.microsoft.com/office/powerpoint/2015/main" val="1"/>
+                </p:ext>
+              </p:extLst>
+            </p:nvPr>
+          </p:nvSpPr>
+          <p:spPr>
+            <a:xfrm>
+              <a:off x="11653180" y="3552066"/>
+              <a:ext cx="538821" cy="1125373"/>
+            </a:xfrm>
+            <a:custGeom>
+              <a:avLst/>
+              <a:gdLst>
+                <a:gd name="connsiteX0" fmla="*/ 538821 w 538821"/>
+                <a:gd name="connsiteY0" fmla="*/ 0 h 1125373"/>
+                <a:gd name="connsiteX1" fmla="*/ 538821 w 538821"/>
+                <a:gd name="connsiteY1" fmla="*/ 1125373 h 1125373"/>
+                <a:gd name="connsiteX2" fmla="*/ 451422 w 538821"/>
+                <a:gd name="connsiteY2" fmla="*/ 1116562 h 1125373"/>
+                <a:gd name="connsiteX3" fmla="*/ 0 w 538821"/>
+                <a:gd name="connsiteY3" fmla="*/ 562686 h 1125373"/>
+                <a:gd name="connsiteX4" fmla="*/ 451422 w 538821"/>
+                <a:gd name="connsiteY4" fmla="*/ 8810 h 1125373"/>
+              </a:gdLst>
+              <a:ahLst/>
+              <a:cxnLst>
+                <a:cxn ang="0">
+                  <a:pos x="connsiteX0" y="connsiteY0"/>
+                </a:cxn>
+                <a:cxn ang="0">
+                  <a:pos x="connsiteX1" y="connsiteY1"/>
+                </a:cxn>
+                <a:cxn ang="0">
+                  <a:pos x="connsiteX2" y="connsiteY2"/>
+                </a:cxn>
+                <a:cxn ang="0">
+                  <a:pos x="connsiteX3" y="connsiteY3"/>
+                </a:cxn>
+                <a:cxn ang="0">
+                  <a:pos x="connsiteX4" y="connsiteY4"/>
+                </a:cxn>
+              </a:cxnLst>
+              <a:rect l="l" t="t" r="r" b="b"/>
+              <a:pathLst>
+                <a:path w="538821" h="1125373">
+                  <a:moveTo>
+                    <a:pt x="538821" y="0"/>
+                  </a:moveTo>
+                  <a:lnTo>
+                    <a:pt x="538821" y="1125373"/>
+                  </a:lnTo>
+                  <a:lnTo>
+                    <a:pt x="451422" y="1116562"/>
+                  </a:lnTo>
+                  <a:cubicBezTo>
+                    <a:pt x="193796" y="1063844"/>
+                    <a:pt x="0" y="835897"/>
+                    <a:pt x="0" y="562686"/>
+                  </a:cubicBezTo>
+                  <a:cubicBezTo>
+                    <a:pt x="0" y="289475"/>
+                    <a:pt x="193796" y="61528"/>
+                    <a:pt x="451422" y="8810"/>
+                  </a:cubicBezTo>
+                  <a:close/>
+                </a:path>
+              </a:pathLst>
+            </a:custGeom>
+            <a:solidFill>
+              <a:schemeClr val="bg2"/>
+            </a:solidFill>
+            <a:ln>
+              <a:noFill/>
+            </a:ln>
+          </p:spPr>
+          <p:style>
+            <a:lnRef idx="2">
+              <a:schemeClr val="accent1">
+                <a:shade val="50000"/>
+              </a:schemeClr>
+            </a:lnRef>
+            <a:fillRef idx="1">
+              <a:schemeClr val="accent1"/>
+            </a:fillRef>
+            <a:effectRef idx="0">
+              <a:schemeClr val="accent1"/>
+            </a:effectRef>
+            <a:fontRef idx="minor">
+              <a:schemeClr val="lt1"/>
+            </a:fontRef>
+          </p:style>
+          <p:txBody>
+            <a:bodyPr wrap="square" rtlCol="0" anchor="ctr">
+              <a:noAutofit/>
+            </a:bodyPr>
+            <a:lstStyle/>
+            <a:p>
+              <a:pPr algn="ctr"/>
+              <a:endParaRPr lang="en-US"/>
+            </a:p>
+          </p:txBody>
+        </p:sp>
+        <p:sp>
+          <p:nvSpPr>
+            <p:cNvPr id="44" name="Freeform 88">
+              <a:extLst>
+                <a:ext uri="{FF2B5EF4-FFF2-40B4-BE49-F238E27FC236}">
+                  <a16:creationId xmlns:a16="http://schemas.microsoft.com/office/drawing/2014/main" id="{534E9839-EAD7-3C49-8D10-E4BFE0820820}"/>
+                </a:ext>
+                <a:ext uri="{C183D7F6-B498-43B3-948B-1728B52AA6E4}">
+                  <adec:decorative xmlns:adec="http://schemas.microsoft.com/office/drawing/2017/decorative" val="1"/>
+                </a:ext>
+              </a:extLst>
+            </p:cNvPr>
+            <p:cNvSpPr/>
+            <p:nvPr>
+              <p:extLst>
+                <p:ext uri="{386F3935-93C4-4BCD-93E2-E3B085C9AB24}">
+                  <p16:designElem xmlns:p16="http://schemas.microsoft.com/office/powerpoint/2015/main" val="1"/>
+                </p:ext>
+              </p:extLst>
+            </p:nvPr>
+          </p:nvSpPr>
+          <p:spPr>
+            <a:xfrm>
+              <a:off x="11653180" y="2180552"/>
+              <a:ext cx="538821" cy="1125373"/>
+            </a:xfrm>
+            <a:custGeom>
+              <a:avLst/>
+              <a:gdLst>
+                <a:gd name="connsiteX0" fmla="*/ 538821 w 538821"/>
+                <a:gd name="connsiteY0" fmla="*/ 0 h 1125373"/>
+                <a:gd name="connsiteX1" fmla="*/ 538821 w 538821"/>
+                <a:gd name="connsiteY1" fmla="*/ 1125373 h 1125373"/>
+                <a:gd name="connsiteX2" fmla="*/ 451422 w 538821"/>
+                <a:gd name="connsiteY2" fmla="*/ 1116562 h 1125373"/>
+                <a:gd name="connsiteX3" fmla="*/ 0 w 538821"/>
+                <a:gd name="connsiteY3" fmla="*/ 562686 h 1125373"/>
+                <a:gd name="connsiteX4" fmla="*/ 451422 w 538821"/>
+                <a:gd name="connsiteY4" fmla="*/ 8810 h 1125373"/>
+              </a:gdLst>
+              <a:ahLst/>
+              <a:cxnLst>
+                <a:cxn ang="0">
+                  <a:pos x="connsiteX0" y="connsiteY0"/>
+                </a:cxn>
+                <a:cxn ang="0">
+                  <a:pos x="connsiteX1" y="connsiteY1"/>
+                </a:cxn>
+                <a:cxn ang="0">
+                  <a:pos x="connsiteX2" y="connsiteY2"/>
+                </a:cxn>
+                <a:cxn ang="0">
+                  <a:pos x="connsiteX3" y="connsiteY3"/>
+                </a:cxn>
+                <a:cxn ang="0">
+                  <a:pos x="connsiteX4" y="connsiteY4"/>
+                </a:cxn>
+              </a:cxnLst>
+              <a:rect l="l" t="t" r="r" b="b"/>
+              <a:pathLst>
+                <a:path w="538821" h="1125373">
+                  <a:moveTo>
+                    <a:pt x="538821" y="0"/>
+                  </a:moveTo>
+                  <a:lnTo>
+                    <a:pt x="538821" y="1125373"/>
+                  </a:lnTo>
+                  <a:lnTo>
+                    <a:pt x="451422" y="1116562"/>
+                  </a:lnTo>
+                  <a:cubicBezTo>
+                    <a:pt x="193796" y="1063844"/>
+                    <a:pt x="0" y="835897"/>
+                    <a:pt x="0" y="562686"/>
+                  </a:cubicBezTo>
+                  <a:cubicBezTo>
+                    <a:pt x="0" y="289475"/>
+                    <a:pt x="193796" y="61528"/>
+                    <a:pt x="451422" y="8810"/>
+                  </a:cubicBezTo>
+                  <a:close/>
+                </a:path>
+              </a:pathLst>
+            </a:custGeom>
+            <a:solidFill>
+              <a:schemeClr val="bg2"/>
+            </a:solidFill>
+            <a:ln>
+              <a:noFill/>
+            </a:ln>
+          </p:spPr>
+          <p:style>
+            <a:lnRef idx="2">
+              <a:schemeClr val="accent1">
+                <a:shade val="50000"/>
+              </a:schemeClr>
+            </a:lnRef>
+            <a:fillRef idx="1">
+              <a:schemeClr val="accent1"/>
+            </a:fillRef>
+            <a:effectRef idx="0">
+              <a:schemeClr val="accent1"/>
+            </a:effectRef>
+            <a:fontRef idx="minor">
+              <a:schemeClr val="lt1"/>
+            </a:fontRef>
+          </p:style>
+          <p:txBody>
+            <a:bodyPr wrap="square" rtlCol="0" anchor="ctr">
+              <a:noAutofit/>
+            </a:bodyPr>
+            <a:lstStyle/>
+            <a:p>
+              <a:pPr algn="ctr"/>
+              <a:endParaRPr lang="en-US"/>
+            </a:p>
+          </p:txBody>
+        </p:sp>
+        <p:sp>
+          <p:nvSpPr>
+            <p:cNvPr id="45" name="Freeform 89">
+              <a:extLst>
+                <a:ext uri="{FF2B5EF4-FFF2-40B4-BE49-F238E27FC236}">
+                  <a16:creationId xmlns:a16="http://schemas.microsoft.com/office/drawing/2014/main" id="{DDFC3FA6-9BB5-A34E-9337-A2E9A1EED931}"/>
+                </a:ext>
+                <a:ext uri="{C183D7F6-B498-43B3-948B-1728B52AA6E4}">
+                  <adec:decorative xmlns:adec="http://schemas.microsoft.com/office/drawing/2017/decorative" val="1"/>
+                </a:ext>
+              </a:extLst>
+            </p:cNvPr>
+            <p:cNvSpPr/>
+            <p:nvPr>
+              <p:extLst>
+                <p:ext uri="{386F3935-93C4-4BCD-93E2-E3B085C9AB24}">
+                  <p16:designElem xmlns:p16="http://schemas.microsoft.com/office/powerpoint/2015/main" val="1"/>
+                </p:ext>
+              </p:extLst>
+            </p:nvPr>
+          </p:nvSpPr>
+          <p:spPr>
+            <a:xfrm>
+              <a:off x="11653180" y="809039"/>
+              <a:ext cx="538821" cy="1125373"/>
+            </a:xfrm>
+            <a:custGeom>
+              <a:avLst/>
+              <a:gdLst>
+                <a:gd name="connsiteX0" fmla="*/ 538821 w 538821"/>
+                <a:gd name="connsiteY0" fmla="*/ 0 h 1125373"/>
+                <a:gd name="connsiteX1" fmla="*/ 538821 w 538821"/>
+                <a:gd name="connsiteY1" fmla="*/ 1125373 h 1125373"/>
+                <a:gd name="connsiteX2" fmla="*/ 451422 w 538821"/>
+                <a:gd name="connsiteY2" fmla="*/ 1116562 h 1125373"/>
+                <a:gd name="connsiteX3" fmla="*/ 0 w 538821"/>
+                <a:gd name="connsiteY3" fmla="*/ 562686 h 1125373"/>
+                <a:gd name="connsiteX4" fmla="*/ 451422 w 538821"/>
+                <a:gd name="connsiteY4" fmla="*/ 8810 h 1125373"/>
+              </a:gdLst>
+              <a:ahLst/>
+              <a:cxnLst>
+                <a:cxn ang="0">
+                  <a:pos x="connsiteX0" y="connsiteY0"/>
+                </a:cxn>
+                <a:cxn ang="0">
+                  <a:pos x="connsiteX1" y="connsiteY1"/>
+                </a:cxn>
+                <a:cxn ang="0">
+                  <a:pos x="connsiteX2" y="connsiteY2"/>
+                </a:cxn>
+                <a:cxn ang="0">
+                  <a:pos x="connsiteX3" y="connsiteY3"/>
+                </a:cxn>
+                <a:cxn ang="0">
+                  <a:pos x="connsiteX4" y="connsiteY4"/>
+                </a:cxn>
+              </a:cxnLst>
+              <a:rect l="l" t="t" r="r" b="b"/>
+              <a:pathLst>
+                <a:path w="538821" h="1125373">
+                  <a:moveTo>
+                    <a:pt x="538821" y="0"/>
+                  </a:moveTo>
+                  <a:lnTo>
+                    <a:pt x="538821" y="1125373"/>
+                  </a:lnTo>
+                  <a:lnTo>
+                    <a:pt x="451422" y="1116562"/>
+                  </a:lnTo>
+                  <a:cubicBezTo>
+                    <a:pt x="193796" y="1063844"/>
+                    <a:pt x="0" y="835897"/>
+                    <a:pt x="0" y="562686"/>
+                  </a:cubicBezTo>
+                  <a:cubicBezTo>
+                    <a:pt x="0" y="289475"/>
+                    <a:pt x="193796" y="61528"/>
+                    <a:pt x="451422" y="8810"/>
+                  </a:cubicBezTo>
+                  <a:close/>
+                </a:path>
+              </a:pathLst>
+            </a:custGeom>
+            <a:solidFill>
+              <a:schemeClr val="accent1"/>
+            </a:solidFill>
+            <a:ln>
+              <a:noFill/>
+            </a:ln>
+          </p:spPr>
+          <p:style>
+            <a:lnRef idx="2">
+              <a:schemeClr val="accent1">
+                <a:shade val="50000"/>
+              </a:schemeClr>
+            </a:lnRef>
+            <a:fillRef idx="1">
+              <a:schemeClr val="accent1"/>
+            </a:fillRef>
+            <a:effectRef idx="0">
+              <a:schemeClr val="accent1"/>
+            </a:effectRef>
+            <a:fontRef idx="minor">
+              <a:schemeClr val="lt1"/>
+            </a:fontRef>
+          </p:style>
+          <p:txBody>
+            <a:bodyPr wrap="square" rtlCol="0" anchor="ctr">
+              <a:noAutofit/>
+            </a:bodyPr>
+            <a:lstStyle/>
+            <a:p>
+              <a:pPr algn="ctr"/>
+              <a:endParaRPr lang="en-US"/>
+            </a:p>
+          </p:txBody>
+        </p:sp>
+        <p:sp>
+          <p:nvSpPr>
+            <p:cNvPr id="46" name="Freeform 97">
+              <a:extLst>
+                <a:ext uri="{FF2B5EF4-FFF2-40B4-BE49-F238E27FC236}">
+                  <a16:creationId xmlns:a16="http://schemas.microsoft.com/office/drawing/2014/main" id="{45000D9E-4AD7-5A4F-8E99-302F388C833B}"/>
+                </a:ext>
+                <a:ext uri="{C183D7F6-B498-43B3-948B-1728B52AA6E4}">
+                  <adec:decorative xmlns:adec="http://schemas.microsoft.com/office/drawing/2017/decorative" val="1"/>
+                </a:ext>
+              </a:extLst>
+            </p:cNvPr>
+            <p:cNvSpPr/>
+            <p:nvPr>
+              <p:extLst>
+                <p:ext uri="{386F3935-93C4-4BCD-93E2-E3B085C9AB24}">
+                  <p16:designElem xmlns:p16="http://schemas.microsoft.com/office/powerpoint/2015/main" val="1"/>
+                </p:ext>
+              </p:extLst>
+            </p:nvPr>
+          </p:nvSpPr>
+          <p:spPr>
+            <a:xfrm>
+              <a:off x="11653180" y="0"/>
+              <a:ext cx="538821" cy="562898"/>
+            </a:xfrm>
+            <a:custGeom>
+              <a:avLst/>
+              <a:gdLst>
+                <a:gd name="connsiteX0" fmla="*/ 21 w 538821"/>
+                <a:gd name="connsiteY0" fmla="*/ 0 h 562898"/>
+                <a:gd name="connsiteX1" fmla="*/ 538821 w 538821"/>
+                <a:gd name="connsiteY1" fmla="*/ 0 h 562898"/>
+                <a:gd name="connsiteX2" fmla="*/ 538821 w 538821"/>
+                <a:gd name="connsiteY2" fmla="*/ 562898 h 562898"/>
+                <a:gd name="connsiteX3" fmla="*/ 451422 w 538821"/>
+                <a:gd name="connsiteY3" fmla="*/ 554087 h 562898"/>
+                <a:gd name="connsiteX4" fmla="*/ 0 w 538821"/>
+                <a:gd name="connsiteY4" fmla="*/ 211 h 562898"/>
+              </a:gdLst>
+              <a:ahLst/>
+              <a:cxnLst>
+                <a:cxn ang="0">
+                  <a:pos x="connsiteX0" y="connsiteY0"/>
+                </a:cxn>
+                <a:cxn ang="0">
+                  <a:pos x="connsiteX1" y="connsiteY1"/>
+                </a:cxn>
+                <a:cxn ang="0">
+                  <a:pos x="connsiteX2" y="connsiteY2"/>
+                </a:cxn>
+                <a:cxn ang="0">
+                  <a:pos x="connsiteX3" y="connsiteY3"/>
+                </a:cxn>
+                <a:cxn ang="0">
+                  <a:pos x="connsiteX4" y="connsiteY4"/>
+                </a:cxn>
+              </a:cxnLst>
+              <a:rect l="l" t="t" r="r" b="b"/>
+              <a:pathLst>
+                <a:path w="538821" h="562898">
+                  <a:moveTo>
+                    <a:pt x="21" y="0"/>
+                  </a:moveTo>
+                  <a:lnTo>
+                    <a:pt x="538821" y="0"/>
+                  </a:lnTo>
+                  <a:lnTo>
+                    <a:pt x="538821" y="562898"/>
+                  </a:lnTo>
+                  <a:lnTo>
+                    <a:pt x="451422" y="554087"/>
+                  </a:lnTo>
+                  <a:cubicBezTo>
+                    <a:pt x="193796" y="501369"/>
+                    <a:pt x="0" y="273422"/>
+                    <a:pt x="0" y="211"/>
+                  </a:cubicBezTo>
+                  <a:close/>
+                </a:path>
+              </a:pathLst>
+            </a:custGeom>
+            <a:solidFill>
+              <a:schemeClr val="bg2"/>
+            </a:solidFill>
+            <a:ln>
+              <a:noFill/>
+            </a:ln>
+          </p:spPr>
+          <p:style>
+            <a:lnRef idx="2">
+              <a:schemeClr val="accent1">
+                <a:shade val="50000"/>
+              </a:schemeClr>
+            </a:lnRef>
+            <a:fillRef idx="1">
+              <a:schemeClr val="accent1"/>
+            </a:fillRef>
+            <a:effectRef idx="0">
+              <a:schemeClr val="accent1"/>
+            </a:effectRef>
+            <a:fontRef idx="minor">
+              <a:schemeClr val="lt1"/>
+            </a:fontRef>
+          </p:style>
+          <p:txBody>
+            <a:bodyPr wrap="square" rtlCol="0" anchor="ctr">
+              <a:noAutofit/>
+            </a:bodyPr>
+            <a:lstStyle/>
+            <a:p>
+              <a:pPr algn="ctr"/>
+              <a:endParaRPr lang="en-US"/>
+            </a:p>
+          </p:txBody>
+        </p:sp>
+      </p:grpSp>
+      <p:sp>
+        <p:nvSpPr>
+          <p:cNvPr id="2" name="Title 1">
+            <a:extLst>
+              <a:ext uri="{FF2B5EF4-FFF2-40B4-BE49-F238E27FC236}">
+                <a16:creationId xmlns:a16="http://schemas.microsoft.com/office/drawing/2014/main" id="{76F76C1C-66A3-9F0C-6690-E4621C7689F2}"/>
+              </a:ext>
+            </a:extLst>
+          </p:cNvPr>
+          <p:cNvSpPr>
+            <a:spLocks noGrp="1"/>
+          </p:cNvSpPr>
+          <p:nvPr>
+            <p:ph type="title"/>
+          </p:nvPr>
+        </p:nvSpPr>
+        <p:spPr>
+          <a:xfrm>
+            <a:off x="4739751" y="768334"/>
+            <a:ext cx="6479629" cy="2866405"/>
+          </a:xfrm>
+        </p:spPr>
+        <p:txBody>
+          <a:bodyPr vert="horz" lIns="91440" tIns="45720" rIns="91440" bIns="45720" rtlCol="0" anchor="t">
+            <a:normAutofit/>
+          </a:bodyPr>
+          <a:lstStyle/>
+          <a:p>
+            <a:r>
+              <a:rPr lang="en-US" sz="6000"/>
+              <a:t>Questions?</a:t>
+            </a:r>
+          </a:p>
+        </p:txBody>
+      </p:sp>
+      <p:sp>
+        <p:nvSpPr>
+          <p:cNvPr id="3" name="Content Placeholder 2">
+            <a:extLst>
+              <a:ext uri="{FF2B5EF4-FFF2-40B4-BE49-F238E27FC236}">
+                <a16:creationId xmlns:a16="http://schemas.microsoft.com/office/drawing/2014/main" id="{71EC0DCD-75C8-902B-70A0-A783F2E2A440}"/>
+              </a:ext>
+            </a:extLst>
+          </p:cNvPr>
+          <p:cNvSpPr>
+            <a:spLocks noGrp="1"/>
+          </p:cNvSpPr>
+          <p:nvPr>
+            <p:ph idx="1"/>
+          </p:nvPr>
+        </p:nvSpPr>
+        <p:spPr>
+          <a:xfrm>
+            <a:off x="4739751" y="4283239"/>
+            <a:ext cx="6479629" cy="1475177"/>
+          </a:xfrm>
+        </p:spPr>
+        <p:txBody>
+          <a:bodyPr vert="horz" lIns="91440" tIns="45720" rIns="91440" bIns="45720" rtlCol="0" anchor="b">
+            <a:normAutofit/>
+          </a:bodyPr>
+          <a:lstStyle/>
+          <a:p>
+            <a:pPr marL="0" indent="0">
+              <a:buNone/>
+            </a:pPr>
+            <a:r>
+              <a:rPr lang="en-US" sz="2000"/>
+              <a:t>Thank you.</a:t>
+            </a:r>
+          </a:p>
+        </p:txBody>
+      </p:sp>
+      <p:pic>
+        <p:nvPicPr>
+          <p:cNvPr id="5" name="Picture 4" descr="Wood human figure">
+            <a:extLst>
+              <a:ext uri="{FF2B5EF4-FFF2-40B4-BE49-F238E27FC236}">
+                <a16:creationId xmlns:a16="http://schemas.microsoft.com/office/drawing/2014/main" id="{FC8EE5C6-F3FA-824E-FD1C-BF057D49E1B7}"/>
+              </a:ext>
+            </a:extLst>
+          </p:cNvPr>
+          <p:cNvPicPr>
+            <a:picLocks noChangeAspect="1"/>
+          </p:cNvPicPr>
+          <p:nvPr/>
+        </p:nvPicPr>
+        <p:blipFill>
+          <a:blip r:embed="rId2"/>
+          <a:srcRect l="4403" r="54976" b="-2"/>
+          <a:stretch/>
+        </p:blipFill>
+        <p:spPr>
+          <a:xfrm>
+            <a:off x="20" y="1"/>
+            <a:ext cx="4173349" cy="6857999"/>
+          </a:xfrm>
+          <a:prstGeom prst="rect">
+            <a:avLst/>
+          </a:prstGeom>
+        </p:spPr>
+      </p:pic>
+      <p:cxnSp>
+        <p:nvCxnSpPr>
+          <p:cNvPr id="48" name="Straight Connector 47">
+            <a:extLst>
+              <a:ext uri="{FF2B5EF4-FFF2-40B4-BE49-F238E27FC236}">
+                <a16:creationId xmlns:a16="http://schemas.microsoft.com/office/drawing/2014/main" id="{EEA70831-9A8D-3B4D-8EA5-EE32F93E94E9}"/>
+              </a:ext>
+              <a:ext uri="{C183D7F6-B498-43B3-948B-1728B52AA6E4}">
+                <adec:decorative xmlns:adec="http://schemas.microsoft.com/office/drawing/2017/decorative" val="1"/>
+              </a:ext>
+            </a:extLst>
+          </p:cNvPr>
+          <p:cNvCxnSpPr>
+            <a:cxnSpLocks noGrp="1" noRot="1" noChangeAspect="1" noMove="1" noResize="1" noEditPoints="1" noAdjustHandles="1" noChangeArrowheads="1" noChangeShapeType="1"/>
+          </p:cNvCxnSpPr>
+          <p:nvPr>
+            <p:extLst>
+              <p:ext uri="{386F3935-93C4-4BCD-93E2-E3B085C9AB24}">
+                <p16:designElem xmlns:p16="http://schemas.microsoft.com/office/powerpoint/2015/main" val="1"/>
+              </p:ext>
+            </p:extLst>
+          </p:nvPr>
+        </p:nvCxnSpPr>
+        <p:spPr>
+          <a:xfrm>
+            <a:off x="4739752" y="6087110"/>
+            <a:ext cx="6883742" cy="0"/>
+          </a:xfrm>
+          <a:prstGeom prst="line">
+            <a:avLst/>
+          </a:prstGeom>
+          <a:ln w="12700">
+            <a:solidFill>
+              <a:schemeClr val="bg1">
+                <a:lumMod val="65000"/>
+              </a:schemeClr>
+            </a:solidFill>
+          </a:ln>
+        </p:spPr>
+        <p:style>
+          <a:lnRef idx="1">
+            <a:schemeClr val="accent1"/>
+          </a:lnRef>
+          <a:fillRef idx="0">
+            <a:schemeClr val="accent1"/>
+          </a:fillRef>
+          <a:effectRef idx="0">
+            <a:schemeClr val="accent1"/>
+          </a:effectRef>
+          <a:fontRef idx="minor">
+            <a:schemeClr val="tx1"/>
+          </a:fontRef>
+        </p:style>
+      </p:cxnSp>
+    </p:spTree>
+    <p:extLst>
+      <p:ext uri="{BB962C8B-B14F-4D97-AF65-F5344CB8AC3E}">
+        <p14:creationId xmlns:p14="http://schemas.microsoft.com/office/powerpoint/2010/main" val="1726465980"/>
+      </p:ext>
+    </p:extLst>
+  </p:cSld>
+  <p:clrMapOvr>
+    <a:masterClrMapping/>
+  </p:clrMapOvr>
+</p:sld>
+</file>
+
+<file path=ppt/slides/slide52.xml><?xml version="1.0" encoding="utf-8"?>
+<p:sld xmlns:a="http://schemas.openxmlformats.org/drawingml/2006/main" xmlns:r="http://schemas.openxmlformats.org/officeDocument/2006/relationships" xmlns:p="http://schemas.openxmlformats.org/presentationml/2006/main">
+  <p:cSld>
+    <p:spTree>
+      <p:nvGrpSpPr>
+        <p:cNvPr id="1" name=""/>
+        <p:cNvGrpSpPr/>
+        <p:nvPr/>
+      </p:nvGrpSpPr>
+      <p:grpSpPr>
+        <a:xfrm>
+          <a:off x="0" y="0"/>
+          <a:ext cx="0" cy="0"/>
+          <a:chOff x="0" y="0"/>
+          <a:chExt cx="0" cy="0"/>
+        </a:xfrm>
+      </p:grpSpPr>
+      <p:sp>
+        <p:nvSpPr>
+          <p:cNvPr id="2" name="Title 1">
+            <a:extLst>
+              <a:ext uri="{FF2B5EF4-FFF2-40B4-BE49-F238E27FC236}">
+                <a16:creationId xmlns:a16="http://schemas.microsoft.com/office/drawing/2014/main" id="{2D9C0D61-4701-2020-C0DB-89978566AD8E}"/>
+              </a:ext>
+            </a:extLst>
+          </p:cNvPr>
+          <p:cNvSpPr>
+            <a:spLocks noGrp="1"/>
+          </p:cNvSpPr>
+          <p:nvPr>
+            <p:ph type="title"/>
+          </p:nvPr>
+        </p:nvSpPr>
+        <p:spPr/>
+        <p:txBody>
+          <a:bodyPr/>
+          <a:lstStyle/>
+          <a:p>
+            <a:r>
+              <a:rPr lang="en-US" dirty="0"/>
+              <a:t>Backup/Extra Slides</a:t>
+            </a:r>
+          </a:p>
+        </p:txBody>
+      </p:sp>
+      <p:sp>
+        <p:nvSpPr>
+          <p:cNvPr id="3" name="Content Placeholder 2">
+            <a:extLst>
+              <a:ext uri="{FF2B5EF4-FFF2-40B4-BE49-F238E27FC236}">
+                <a16:creationId xmlns:a16="http://schemas.microsoft.com/office/drawing/2014/main" id="{A7073655-5221-7B60-006E-10A059B4EAF1}"/>
+              </a:ext>
+            </a:extLst>
+          </p:cNvPr>
+          <p:cNvSpPr>
+            <a:spLocks noGrp="1"/>
+          </p:cNvSpPr>
+          <p:nvPr>
+            <p:ph idx="1"/>
+          </p:nvPr>
+        </p:nvSpPr>
+        <p:spPr/>
+        <p:txBody>
+          <a:bodyPr/>
+          <a:lstStyle/>
+          <a:p>
+            <a:endParaRPr lang="en-US"/>
+          </a:p>
+        </p:txBody>
+      </p:sp>
+    </p:spTree>
+    <p:extLst>
+      <p:ext uri="{BB962C8B-B14F-4D97-AF65-F5344CB8AC3E}">
+        <p14:creationId xmlns:p14="http://schemas.microsoft.com/office/powerpoint/2010/main" val="321451641"/>
+      </p:ext>
+    </p:extLst>
+  </p:cSld>
+  <p:clrMapOvr>
+    <a:masterClrMapping/>
+  </p:clrMapOvr>
 </p:sld>
 </file>
 

--- a/Minecraft/Learning DevOps Through Minecraft.pptx
+++ b/Minecraft/Learning DevOps Through Minecraft.pptx
@@ -5,7 +5,7 @@
     <p:sldMasterId id="2147483712" r:id="rId1"/>
   </p:sldMasterIdLst>
   <p:notesMasterIdLst>
-    <p:notesMasterId r:id="rId54"/>
+    <p:notesMasterId r:id="rId55"/>
   </p:notesMasterIdLst>
   <p:sldIdLst>
     <p:sldId id="256" r:id="rId2"/>
@@ -35,31 +35,32 @@
     <p:sldId id="279" r:id="rId26"/>
     <p:sldId id="280" r:id="rId27"/>
     <p:sldId id="283" r:id="rId28"/>
-    <p:sldId id="298" r:id="rId29"/>
-    <p:sldId id="297" r:id="rId30"/>
-    <p:sldId id="284" r:id="rId31"/>
-    <p:sldId id="287" r:id="rId32"/>
-    <p:sldId id="285" r:id="rId33"/>
-    <p:sldId id="286" r:id="rId34"/>
-    <p:sldId id="288" r:id="rId35"/>
-    <p:sldId id="296" r:id="rId36"/>
-    <p:sldId id="290" r:id="rId37"/>
-    <p:sldId id="292" r:id="rId38"/>
-    <p:sldId id="291" r:id="rId39"/>
-    <p:sldId id="289" r:id="rId40"/>
-    <p:sldId id="293" r:id="rId41"/>
-    <p:sldId id="294" r:id="rId42"/>
-    <p:sldId id="261" r:id="rId43"/>
-    <p:sldId id="281" r:id="rId44"/>
-    <p:sldId id="282" r:id="rId45"/>
-    <p:sldId id="302" r:id="rId46"/>
-    <p:sldId id="295" r:id="rId47"/>
-    <p:sldId id="305" r:id="rId48"/>
-    <p:sldId id="306" r:id="rId49"/>
-    <p:sldId id="307" r:id="rId50"/>
-    <p:sldId id="308" r:id="rId51"/>
-    <p:sldId id="299" r:id="rId52"/>
-    <p:sldId id="301" r:id="rId53"/>
+    <p:sldId id="309" r:id="rId29"/>
+    <p:sldId id="298" r:id="rId30"/>
+    <p:sldId id="297" r:id="rId31"/>
+    <p:sldId id="284" r:id="rId32"/>
+    <p:sldId id="287" r:id="rId33"/>
+    <p:sldId id="285" r:id="rId34"/>
+    <p:sldId id="286" r:id="rId35"/>
+    <p:sldId id="288" r:id="rId36"/>
+    <p:sldId id="296" r:id="rId37"/>
+    <p:sldId id="290" r:id="rId38"/>
+    <p:sldId id="292" r:id="rId39"/>
+    <p:sldId id="291" r:id="rId40"/>
+    <p:sldId id="289" r:id="rId41"/>
+    <p:sldId id="293" r:id="rId42"/>
+    <p:sldId id="294" r:id="rId43"/>
+    <p:sldId id="261" r:id="rId44"/>
+    <p:sldId id="281" r:id="rId45"/>
+    <p:sldId id="282" r:id="rId46"/>
+    <p:sldId id="302" r:id="rId47"/>
+    <p:sldId id="295" r:id="rId48"/>
+    <p:sldId id="305" r:id="rId49"/>
+    <p:sldId id="306" r:id="rId50"/>
+    <p:sldId id="307" r:id="rId51"/>
+    <p:sldId id="308" r:id="rId52"/>
+    <p:sldId id="299" r:id="rId53"/>
+    <p:sldId id="301" r:id="rId54"/>
   </p:sldIdLst>
   <p:sldSz cx="12192000" cy="6858000"/>
   <p:notesSz cx="6858000" cy="9144000"/>
@@ -3533,6 +3534,34 @@
 </dgm:styleDef>
 </file>
 
+<file path=ppt/ink/ink1.xml><?xml version="1.0" encoding="utf-8"?>
+<inkml:ink xmlns:inkml="http://www.w3.org/2003/InkML">
+  <inkml:definitions>
+    <inkml:context xml:id="ctx0">
+      <inkml:inkSource xml:id="inkSrc0">
+        <inkml:traceFormat>
+          <inkml:channel name="X" type="integer" min="-2.14748E9" max="2.14748E9" units="cm"/>
+          <inkml:channel name="Y" type="integer" min="-2.14748E9" max="2.14748E9" units="cm"/>
+          <inkml:channel name="F" type="integer" max="32767" units="dev"/>
+        </inkml:traceFormat>
+        <inkml:channelProperties>
+          <inkml:channelProperty channel="X" name="resolution" value="1000" units="1/cm"/>
+          <inkml:channelProperty channel="Y" name="resolution" value="1000" units="1/cm"/>
+          <inkml:channelProperty channel="F" name="resolution" value="0" units="1/dev"/>
+        </inkml:channelProperties>
+      </inkml:inkSource>
+      <inkml:timestamp xml:id="ts0" timeString="2024-11-06T19:35:40.804"/>
+    </inkml:context>
+    <inkml:brush xml:id="br0">
+      <inkml:brushProperty name="width" value="0.05" units="cm"/>
+      <inkml:brushProperty name="height" value="0.05" units="cm"/>
+      <inkml:brushProperty name="color" value="#E71224"/>
+    </inkml:brush>
+  </inkml:definitions>
+  <inkml:trace contextRef="#ctx0" brushRef="#br0">0 1 24575,'0'0'-8191</inkml:trace>
+</inkml:ink>
+</file>
+
 <file path=ppt/notesMasters/notesMaster1.xml><?xml version="1.0" encoding="utf-8"?>
 <p:notesMaster xmlns:a="http://schemas.openxmlformats.org/drawingml/2006/main" xmlns:r="http://schemas.openxmlformats.org/officeDocument/2006/relationships" xmlns:p="http://schemas.openxmlformats.org/presentationml/2006/main">
   <p:cSld>
@@ -3615,7 +3644,7 @@
           <a:p>
             <a:fld id="{0A0A5512-2D8B-4830-BC21-39D17EC77EDC}" type="datetimeFigureOut">
               <a:rPr lang="en-US" smtClean="0"/>
-              <a:t>10/20/2024</a:t>
+              <a:t>11/6/2024</a:t>
             </a:fld>
             <a:endParaRPr lang="en-US"/>
           </a:p>
@@ -4273,7 +4302,7 @@
           <a:p>
             <a:r>
               <a:rPr lang="en-US" dirty="0"/>
-              <a:t>Just pick docker for now</a:t>
+              <a:t>Actually, don’t do this anymore. We need to follow the official Docker guide. </a:t>
             </a:r>
           </a:p>
         </p:txBody>
@@ -4560,7 +4589,7 @@
           <a:p>
             <a:fld id="{6843FF4B-3F5C-48A3-8BB1-124264C9C8AE}" type="slidenum">
               <a:rPr lang="en-US" smtClean="0"/>
-              <a:t>28</a:t>
+              <a:t>29</a:t>
             </a:fld>
             <a:endParaRPr lang="en-US"/>
           </a:p>
@@ -4699,7 +4728,7 @@
           <a:p>
             <a:fld id="{6843FF4B-3F5C-48A3-8BB1-124264C9C8AE}" type="slidenum">
               <a:rPr lang="en-US" smtClean="0"/>
-              <a:t>29</a:t>
+              <a:t>30</a:t>
             </a:fld>
             <a:endParaRPr lang="en-US"/>
           </a:p>
@@ -4895,7 +4924,7 @@
           <a:p>
             <a:fld id="{6843FF4B-3F5C-48A3-8BB1-124264C9C8AE}" type="slidenum">
               <a:rPr lang="en-US" smtClean="0"/>
-              <a:t>32</a:t>
+              <a:t>33</a:t>
             </a:fld>
             <a:endParaRPr lang="en-US"/>
           </a:p>
@@ -4988,7 +5017,7 @@
           <a:p>
             <a:fld id="{6843FF4B-3F5C-48A3-8BB1-124264C9C8AE}" type="slidenum">
               <a:rPr lang="en-US" smtClean="0"/>
-              <a:t>33</a:t>
+              <a:t>34</a:t>
             </a:fld>
             <a:endParaRPr lang="en-US"/>
           </a:p>
@@ -5244,7 +5273,7 @@
           <a:p>
             <a:fld id="{6843FF4B-3F5C-48A3-8BB1-124264C9C8AE}" type="slidenum">
               <a:rPr lang="en-US" smtClean="0"/>
-              <a:t>34</a:t>
+              <a:t>35</a:t>
             </a:fld>
             <a:endParaRPr lang="en-US"/>
           </a:p>
@@ -5337,7 +5366,7 @@
           <a:p>
             <a:fld id="{6843FF4B-3F5C-48A3-8BB1-124264C9C8AE}" type="slidenum">
               <a:rPr lang="en-US" smtClean="0"/>
-              <a:t>37</a:t>
+              <a:t>38</a:t>
             </a:fld>
             <a:endParaRPr lang="en-US"/>
           </a:p>
@@ -5450,7 +5479,7 @@
           <a:p>
             <a:fld id="{6843FF4B-3F5C-48A3-8BB1-124264C9C8AE}" type="slidenum">
               <a:rPr lang="en-US" smtClean="0"/>
-              <a:t>39</a:t>
+              <a:t>40</a:t>
             </a:fld>
             <a:endParaRPr lang="en-US"/>
           </a:p>
@@ -5551,7 +5580,7 @@
           <a:p>
             <a:fld id="{6843FF4B-3F5C-48A3-8BB1-124264C9C8AE}" type="slidenum">
               <a:rPr lang="en-US" smtClean="0"/>
-              <a:t>40</a:t>
+              <a:t>41</a:t>
             </a:fld>
             <a:endParaRPr lang="en-US"/>
           </a:p>
@@ -5656,7 +5685,7 @@
           <a:p>
             <a:fld id="{6843FF4B-3F5C-48A3-8BB1-124264C9C8AE}" type="slidenum">
               <a:rPr lang="en-US" smtClean="0"/>
-              <a:t>42</a:t>
+              <a:t>43</a:t>
             </a:fld>
             <a:endParaRPr lang="en-US"/>
           </a:p>
@@ -5721,6 +5750,17 @@
           <a:p>
             <a:r>
               <a:rPr lang="en-US" dirty="0"/>
+              <a:t>Trying to reach api.minecraftservices.com by itself results in blocked not from your network, but from destination, check w/ </a:t>
+            </a:r>
+            <a:r>
+              <a:rPr lang="en-US" dirty="0" err="1"/>
+              <a:t>wireshark</a:t>
+            </a:r>
+            <a:endParaRPr lang="en-US" dirty="0"/>
+          </a:p>
+          <a:p>
+            <a:r>
+              <a:rPr lang="en-US" dirty="0"/>
               <a:t>Hence, curl on the api.minecraftservices.com/</a:t>
             </a:r>
             <a:r>
@@ -5754,7 +5794,7 @@
           <a:p>
             <a:fld id="{6843FF4B-3F5C-48A3-8BB1-124264C9C8AE}" type="slidenum">
               <a:rPr lang="en-US" smtClean="0"/>
-              <a:t>45</a:t>
+              <a:t>46</a:t>
             </a:fld>
             <a:endParaRPr lang="en-US"/>
           </a:p>
@@ -5849,7 +5889,7 @@
           <a:p>
             <a:fld id="{6843FF4B-3F5C-48A3-8BB1-124264C9C8AE}" type="slidenum">
               <a:rPr lang="en-US" smtClean="0"/>
-              <a:t>47</a:t>
+              <a:t>48</a:t>
             </a:fld>
             <a:endParaRPr lang="en-US"/>
           </a:p>
@@ -5954,7 +5994,7 @@
           <a:p>
             <a:fld id="{6843FF4B-3F5C-48A3-8BB1-124264C9C8AE}" type="slidenum">
               <a:rPr lang="en-US" smtClean="0"/>
-              <a:t>48</a:t>
+              <a:t>49</a:t>
             </a:fld>
             <a:endParaRPr lang="en-US"/>
           </a:p>
@@ -6041,7 +6081,7 @@
           <a:p>
             <a:fld id="{6843FF4B-3F5C-48A3-8BB1-124264C9C8AE}" type="slidenum">
               <a:rPr lang="en-US" smtClean="0"/>
-              <a:t>49</a:t>
+              <a:t>50</a:t>
             </a:fld>
             <a:endParaRPr lang="en-US"/>
           </a:p>
@@ -8870,7 +8910,7 @@
             <a:fld id="{A5B0A250-5CC0-1746-B209-08E8B0DAE6AF}" type="datetimeFigureOut">
               <a:rPr lang="en-US" smtClean="0"/>
               <a:pPr algn="l"/>
-              <a:t>10/20/2024</a:t>
+              <a:t>11/6/2024</a:t>
             </a:fld>
             <a:endParaRPr lang="en-US" dirty="0"/>
           </a:p>
@@ -10332,7 +10372,7 @@
           <a:p>
             <a:fld id="{A5B0A250-5CC0-1746-B209-08E8B0DAE6AF}" type="datetimeFigureOut">
               <a:rPr lang="en-US" smtClean="0"/>
-              <a:t>10/20/2024</a:t>
+              <a:t>11/6/2024</a:t>
             </a:fld>
             <a:endParaRPr lang="en-US" dirty="0"/>
           </a:p>
@@ -11262,7 +11302,7 @@
           <a:p>
             <a:fld id="{A5B0A250-5CC0-1746-B209-08E8B0DAE6AF}" type="datetimeFigureOut">
               <a:rPr lang="en-US" smtClean="0"/>
-              <a:t>10/20/2024</a:t>
+              <a:t>11/6/2024</a:t>
             </a:fld>
             <a:endParaRPr lang="en-US"/>
           </a:p>
@@ -12719,7 +12759,7 @@
           <a:p>
             <a:fld id="{A5B0A250-5CC0-1746-B209-08E8B0DAE6AF}" type="datetimeFigureOut">
               <a:rPr lang="en-US" smtClean="0"/>
-              <a:t>10/20/2024</a:t>
+              <a:t>11/6/2024</a:t>
             </a:fld>
             <a:endParaRPr lang="en-US" dirty="0"/>
           </a:p>
@@ -15075,7 +15115,7 @@
           <a:p>
             <a:fld id="{A5B0A250-5CC0-1746-B209-08E8B0DAE6AF}" type="datetimeFigureOut">
               <a:rPr lang="en-US" smtClean="0"/>
-              <a:t>10/20/2024</a:t>
+              <a:t>11/6/2024</a:t>
             </a:fld>
             <a:endParaRPr lang="en-US" dirty="0"/>
           </a:p>
@@ -16116,7 +16156,7 @@
           <a:p>
             <a:fld id="{A5B0A250-5CC0-1746-B209-08E8B0DAE6AF}" type="datetimeFigureOut">
               <a:rPr lang="en-US" smtClean="0"/>
-              <a:t>10/20/2024</a:t>
+              <a:t>11/6/2024</a:t>
             </a:fld>
             <a:endParaRPr lang="en-US" dirty="0"/>
           </a:p>
@@ -17329,7 +17369,7 @@
           <a:p>
             <a:fld id="{A5B0A250-5CC0-1746-B209-08E8B0DAE6AF}" type="datetimeFigureOut">
               <a:rPr lang="en-US" smtClean="0"/>
-              <a:t>10/20/2024</a:t>
+              <a:t>11/6/2024</a:t>
             </a:fld>
             <a:endParaRPr lang="en-US" dirty="0"/>
           </a:p>
@@ -18238,7 +18278,7 @@
           <a:p>
             <a:fld id="{A5B0A250-5CC0-1746-B209-08E8B0DAE6AF}" type="datetimeFigureOut">
               <a:rPr lang="en-US" smtClean="0"/>
-              <a:t>10/20/2024</a:t>
+              <a:t>11/6/2024</a:t>
             </a:fld>
             <a:endParaRPr lang="en-US" dirty="0"/>
           </a:p>
@@ -18397,7 +18437,7 @@
             <a:fld id="{A5B0A250-5CC0-1746-B209-08E8B0DAE6AF}" type="datetimeFigureOut">
               <a:rPr lang="en-US" smtClean="0"/>
               <a:pPr/>
-              <a:t>10/20/2024</a:t>
+              <a:t>11/6/2024</a:t>
             </a:fld>
             <a:endParaRPr lang="en-US" dirty="0"/>
           </a:p>
@@ -19380,7 +19420,7 @@
           <a:p>
             <a:fld id="{A5B0A250-5CC0-1746-B209-08E8B0DAE6AF}" type="datetimeFigureOut">
               <a:rPr lang="en-US" smtClean="0"/>
-              <a:t>10/20/2024</a:t>
+              <a:t>11/6/2024</a:t>
             </a:fld>
             <a:endParaRPr lang="en-US" dirty="0"/>
           </a:p>
@@ -20442,7 +20482,7 @@
           <a:p>
             <a:fld id="{A5B0A250-5CC0-1746-B209-08E8B0DAE6AF}" type="datetimeFigureOut">
               <a:rPr lang="en-US" smtClean="0"/>
-              <a:t>10/20/2024</a:t>
+              <a:t>11/6/2024</a:t>
             </a:fld>
             <a:endParaRPr lang="en-US" dirty="0"/>
           </a:p>
@@ -20730,7 +20770,7 @@
             <a:fld id="{A5B0A250-5CC0-1746-B209-08E8B0DAE6AF}" type="datetimeFigureOut">
               <a:rPr lang="en-US" smtClean="0"/>
               <a:pPr/>
-              <a:t>10/20/2024</a:t>
+              <a:t>11/6/2024</a:t>
             </a:fld>
             <a:endParaRPr lang="en-US" dirty="0"/>
           </a:p>
@@ -22069,7 +22109,7 @@
         <p:spPr>
           <a:xfrm>
             <a:off x="4739752" y="4283239"/>
-            <a:ext cx="3278882" cy="1475177"/>
+            <a:ext cx="7452228" cy="1475177"/>
           </a:xfrm>
         </p:spPr>
         <p:txBody>
@@ -22086,7 +22126,19 @@
           <a:p>
             <a:r>
               <a:rPr lang="en-US" dirty="0"/>
-              <a:t>10/22/2024</a:t>
+              <a:t>11/7/2024</a:t>
+            </a:r>
+          </a:p>
+          <a:p>
+            <a:r>
+              <a:rPr lang="en-US" dirty="0">
+                <a:hlinkClick r:id="rId2"/>
+              </a:rPr>
+              <a:t>https://github.com/mrobbeloth/Lectures</a:t>
+            </a:r>
+            <a:r>
+              <a:rPr lang="en-US" dirty="0"/>
+              <a:t> </a:t>
             </a:r>
           </a:p>
         </p:txBody>
@@ -22106,7 +22158,7 @@
           <p:nvPr/>
         </p:nvPicPr>
         <p:blipFill>
-          <a:blip r:embed="rId2"/>
+          <a:blip r:embed="rId3"/>
           <a:srcRect l="31911" r="25340" b="1"/>
           <a:stretch/>
         </p:blipFill>
@@ -22176,10 +22228,10 @@
       </p:cxnSp>
       <p:pic>
         <p:nvPicPr>
-          <p:cNvPr id="7" name="Picture 6" descr="A qr code with a few black squares&#10;&#10;Description automatically generated">
+          <p:cNvPr id="8" name="Picture 7" descr="A qr code with a few black squares&#10;&#10;Description automatically generated">
             <a:extLst>
               <a:ext uri="{FF2B5EF4-FFF2-40B4-BE49-F238E27FC236}">
-                <a16:creationId xmlns:a16="http://schemas.microsoft.com/office/drawing/2014/main" id="{5D18D39C-EB45-38DE-5EBC-3117BA42CD54}"/>
+                <a16:creationId xmlns:a16="http://schemas.microsoft.com/office/drawing/2014/main" id="{409A466F-02C2-3B7D-8B4F-D3BB7204F0EE}"/>
               </a:ext>
             </a:extLst>
           </p:cNvPr>
@@ -22189,7 +22241,7 @@
           <p:nvPr/>
         </p:nvPicPr>
         <p:blipFill>
-          <a:blip r:embed="rId3">
+          <a:blip r:embed="rId4">
             <a:extLst>
               <a:ext uri="{28A0092B-C50C-407E-A947-70E740481C1C}">
                 <a14:useLocalDpi xmlns:a14="http://schemas.microsoft.com/office/drawing/2010/main" val="0"/>
@@ -22202,8 +22254,8 @@
         </p:blipFill>
         <p:spPr>
           <a:xfrm>
-            <a:off x="8567054" y="2656918"/>
-            <a:ext cx="3056440" cy="3056440"/>
+            <a:off x="9365273" y="2617910"/>
+            <a:ext cx="2826727" cy="2826727"/>
           </a:xfrm>
           <a:prstGeom prst="rect">
             <a:avLst/>
@@ -23678,6 +23730,265 @@
           </a:prstGeom>
         </p:spPr>
       </p:pic>
+      <p:sp>
+        <p:nvSpPr>
+          <p:cNvPr id="11" name="Rectangle 1">
+            <a:extLst>
+              <a:ext uri="{FF2B5EF4-FFF2-40B4-BE49-F238E27FC236}">
+                <a16:creationId xmlns:a16="http://schemas.microsoft.com/office/drawing/2014/main" id="{8D7690C2-A591-19ED-1EB8-55BDC6A7BD9C}"/>
+              </a:ext>
+            </a:extLst>
+          </p:cNvPr>
+          <p:cNvSpPr>
+            <a:spLocks noChangeArrowheads="1"/>
+          </p:cNvSpPr>
+          <p:nvPr/>
+        </p:nvSpPr>
+        <p:spPr bwMode="auto">
+          <a:xfrm>
+            <a:off x="0" y="0"/>
+            <a:ext cx="9989466" cy="923330"/>
+          </a:xfrm>
+          <a:prstGeom prst="rect">
+            <a:avLst/>
+          </a:prstGeom>
+          <a:noFill/>
+          <a:ln>
+            <a:noFill/>
+          </a:ln>
+          <a:effectLst/>
+          <a:extLst>
+            <a:ext uri="{909E8E84-426E-40DD-AFC4-6F175D3DCCD1}">
+              <a14:hiddenFill xmlns:a14="http://schemas.microsoft.com/office/drawing/2010/main">
+                <a:solidFill>
+                  <a:schemeClr val="accent1"/>
+                </a:solidFill>
+              </a14:hiddenFill>
+            </a:ext>
+            <a:ext uri="{91240B29-F687-4F45-9708-019B960494DF}">
+              <a14:hiddenLine xmlns:a14="http://schemas.microsoft.com/office/drawing/2010/main" w="9525">
+                <a:solidFill>
+                  <a:schemeClr val="tx1"/>
+                </a:solidFill>
+                <a:miter lim="800000"/>
+                <a:headEnd/>
+                <a:tailEnd/>
+              </a14:hiddenLine>
+            </a:ext>
+            <a:ext uri="{AF507438-7753-43E0-B8FC-AC1667EBCBE1}">
+              <a14:hiddenEffects xmlns:a14="http://schemas.microsoft.com/office/drawing/2010/main">
+                <a:effectLst>
+                  <a:outerShdw dist="35921" dir="2700000" algn="ctr" rotWithShape="0">
+                    <a:schemeClr val="bg2"/>
+                  </a:outerShdw>
+                </a:effectLst>
+              </a14:hiddenEffects>
+            </a:ext>
+          </a:extLst>
+        </p:spPr>
+        <p:txBody>
+          <a:bodyPr vert="horz" wrap="none" lIns="0" tIns="0" rIns="0" bIns="0" numCol="1" anchor="ctr" anchorCtr="0" compatLnSpc="1">
+            <a:prstTxWarp prst="textNoShape">
+              <a:avLst/>
+            </a:prstTxWarp>
+            <a:spAutoFit/>
+          </a:bodyPr>
+          <a:lstStyle/>
+          <a:p>
+            <a:pPr marL="0" marR="0" lvl="0" indent="0" algn="l" defTabSz="914400" rtl="0" eaLnBrk="0" fontAlgn="base" latinLnBrk="0" hangingPunct="0">
+              <a:lnSpc>
+                <a:spcPct val="100000"/>
+              </a:lnSpc>
+              <a:spcBef>
+                <a:spcPct val="0"/>
+              </a:spcBef>
+              <a:spcAft>
+                <a:spcPct val="0"/>
+              </a:spcAft>
+              <a:buClrTx/>
+              <a:buSzTx/>
+              <a:buFontTx/>
+              <a:buNone/>
+              <a:tabLst/>
+            </a:pPr>
+            <a:r>
+              <a:rPr kumimoji="0" lang="en-US" altLang="en-US" sz="2000" b="1" i="0" u="none" strike="noStrike" cap="none" normalizeH="0" baseline="0" dirty="0">
+                <a:ln>
+                  <a:noFill/>
+                </a:ln>
+                <a:solidFill>
+                  <a:srgbClr val="0C0D0E"/>
+                </a:solidFill>
+                <a:effectLst/>
+                <a:latin typeface="var(--ff-mono)"/>
+              </a:rPr>
+              <a:t>ERROR: failed to solve: failed to read </a:t>
+            </a:r>
+            <a:r>
+              <a:rPr kumimoji="0" lang="en-US" altLang="en-US" sz="2000" b="1" i="0" u="none" strike="noStrike" cap="none" normalizeH="0" baseline="0" dirty="0" err="1">
+                <a:ln>
+                  <a:noFill/>
+                </a:ln>
+                <a:solidFill>
+                  <a:srgbClr val="0C0D0E"/>
+                </a:solidFill>
+                <a:effectLst/>
+                <a:latin typeface="var(--ff-mono)"/>
+              </a:rPr>
+              <a:t>dockerfile</a:t>
+            </a:r>
+            <a:r>
+              <a:rPr kumimoji="0" lang="en-US" altLang="en-US" sz="2000" b="1" i="0" u="none" strike="noStrike" cap="none" normalizeH="0" baseline="0" dirty="0">
+                <a:ln>
+                  <a:noFill/>
+                </a:ln>
+                <a:solidFill>
+                  <a:srgbClr val="0C0D0E"/>
+                </a:solidFill>
+                <a:effectLst/>
+                <a:latin typeface="var(--ff-mono)"/>
+              </a:rPr>
+              <a:t>: </a:t>
+            </a:r>
+          </a:p>
+          <a:p>
+            <a:pPr marL="0" marR="0" lvl="0" indent="0" algn="l" defTabSz="914400" rtl="0" eaLnBrk="0" fontAlgn="base" latinLnBrk="0" hangingPunct="0">
+              <a:lnSpc>
+                <a:spcPct val="100000"/>
+              </a:lnSpc>
+              <a:spcBef>
+                <a:spcPct val="0"/>
+              </a:spcBef>
+              <a:spcAft>
+                <a:spcPct val="0"/>
+              </a:spcAft>
+              <a:buClrTx/>
+              <a:buSzTx/>
+              <a:buFontTx/>
+              <a:buNone/>
+              <a:tabLst/>
+            </a:pPr>
+            <a:r>
+              <a:rPr kumimoji="0" lang="en-US" altLang="en-US" sz="2000" b="1" i="0" u="none" strike="noStrike" cap="none" normalizeH="0" baseline="0" dirty="0">
+                <a:ln>
+                  <a:noFill/>
+                </a:ln>
+                <a:solidFill>
+                  <a:srgbClr val="0C0D0E"/>
+                </a:solidFill>
+                <a:effectLst/>
+                <a:latin typeface="var(--ff-mono)"/>
+              </a:rPr>
+              <a:t>open /var/snap/docker/common/var-lib-docker/</a:t>
+            </a:r>
+            <a:r>
+              <a:rPr kumimoji="0" lang="en-US" altLang="en-US" sz="2000" b="1" i="0" u="none" strike="noStrike" cap="none" normalizeH="0" baseline="0" dirty="0" err="1">
+                <a:ln>
+                  <a:noFill/>
+                </a:ln>
+                <a:solidFill>
+                  <a:srgbClr val="0C0D0E"/>
+                </a:solidFill>
+                <a:effectLst/>
+                <a:latin typeface="var(--ff-mono)"/>
+              </a:rPr>
+              <a:t>tmp</a:t>
+            </a:r>
+            <a:r>
+              <a:rPr kumimoji="0" lang="en-US" altLang="en-US" sz="2000" b="1" i="0" u="none" strike="noStrike" cap="none" normalizeH="0" baseline="0" dirty="0">
+                <a:ln>
+                  <a:noFill/>
+                </a:ln>
+                <a:solidFill>
+                  <a:srgbClr val="0C0D0E"/>
+                </a:solidFill>
+                <a:effectLst/>
+                <a:latin typeface="var(--ff-mono)"/>
+              </a:rPr>
+              <a:t>/buildkit-mount3184267428/</a:t>
+            </a:r>
+            <a:r>
+              <a:rPr kumimoji="0" lang="en-US" altLang="en-US" sz="2000" b="1" i="0" u="none" strike="noStrike" cap="none" normalizeH="0" baseline="0" dirty="0" err="1">
+                <a:ln>
+                  <a:noFill/>
+                </a:ln>
+                <a:solidFill>
+                  <a:srgbClr val="0C0D0E"/>
+                </a:solidFill>
+                <a:effectLst/>
+                <a:latin typeface="var(--ff-mono)"/>
+              </a:rPr>
+              <a:t>Dockerfile</a:t>
+            </a:r>
+            <a:r>
+              <a:rPr kumimoji="0" lang="en-US" altLang="en-US" sz="2000" b="1" i="0" u="none" strike="noStrike" cap="none" normalizeH="0" baseline="0" dirty="0">
+                <a:ln>
+                  <a:noFill/>
+                </a:ln>
+                <a:solidFill>
+                  <a:srgbClr val="0C0D0E"/>
+                </a:solidFill>
+                <a:effectLst/>
+                <a:latin typeface="var(--ff-mono)"/>
+              </a:rPr>
+              <a:t>: </a:t>
+            </a:r>
+          </a:p>
+          <a:p>
+            <a:pPr marL="0" marR="0" lvl="0" indent="0" algn="l" defTabSz="914400" rtl="0" eaLnBrk="0" fontAlgn="base" latinLnBrk="0" hangingPunct="0">
+              <a:lnSpc>
+                <a:spcPct val="100000"/>
+              </a:lnSpc>
+              <a:spcBef>
+                <a:spcPct val="0"/>
+              </a:spcBef>
+              <a:spcAft>
+                <a:spcPct val="0"/>
+              </a:spcAft>
+              <a:buClrTx/>
+              <a:buSzTx/>
+              <a:buFontTx/>
+              <a:buNone/>
+              <a:tabLst/>
+            </a:pPr>
+            <a:r>
+              <a:rPr kumimoji="0" lang="en-US" altLang="en-US" sz="2000" b="1" i="0" u="none" strike="noStrike" cap="none" normalizeH="0" baseline="0" dirty="0">
+                <a:ln>
+                  <a:noFill/>
+                </a:ln>
+                <a:solidFill>
+                  <a:srgbClr val="0C0D0E"/>
+                </a:solidFill>
+                <a:effectLst/>
+                <a:latin typeface="var(--ff-mono)"/>
+              </a:rPr>
+              <a:t>no such file or directory</a:t>
+            </a:r>
+            <a:r>
+              <a:rPr kumimoji="0" lang="en-US" altLang="en-US" sz="1600" b="1" i="0" u="none" strike="noStrike" cap="none" normalizeH="0" baseline="0" dirty="0">
+                <a:ln>
+                  <a:noFill/>
+                </a:ln>
+                <a:solidFill>
+                  <a:schemeClr val="tx1"/>
+                </a:solidFill>
+                <a:effectLst/>
+              </a:rPr>
+              <a:t> </a:t>
+            </a:r>
+            <a:endParaRPr kumimoji="0" lang="en-US" altLang="en-US" sz="4400" b="1" i="0" u="none" strike="noStrike" cap="none" normalizeH="0" baseline="0" dirty="0">
+              <a:ln>
+                <a:noFill/>
+              </a:ln>
+              <a:solidFill>
+                <a:schemeClr val="tx1"/>
+              </a:solidFill>
+              <a:effectLst/>
+              <a:latin typeface="Arial" panose="020B0604020202020204" pitchFamily="34" charset="0"/>
+            </a:endParaRPr>
+          </a:p>
+        </p:txBody>
+      </p:sp>
     </p:spTree>
     <p:extLst>
       <p:ext uri="{BB962C8B-B14F-4D97-AF65-F5344CB8AC3E}">
@@ -23842,6 +24153,164 @@
 </file>
 
 <file path=ppt/slides/slide28.xml><?xml version="1.0" encoding="utf-8"?>
+<p:sld xmlns:a="http://schemas.openxmlformats.org/drawingml/2006/main" xmlns:r="http://schemas.openxmlformats.org/officeDocument/2006/relationships" xmlns:p="http://schemas.openxmlformats.org/presentationml/2006/main">
+  <p:cSld>
+    <p:spTree>
+      <p:nvGrpSpPr>
+        <p:cNvPr id="1" name=""/>
+        <p:cNvGrpSpPr/>
+        <p:nvPr/>
+      </p:nvGrpSpPr>
+      <p:grpSpPr>
+        <a:xfrm>
+          <a:off x="0" y="0"/>
+          <a:ext cx="0" cy="0"/>
+          <a:chOff x="0" y="0"/>
+          <a:chExt cx="0" cy="0"/>
+        </a:xfrm>
+      </p:grpSpPr>
+      <p:sp>
+        <p:nvSpPr>
+          <p:cNvPr id="2" name="Title 1">
+            <a:extLst>
+              <a:ext uri="{FF2B5EF4-FFF2-40B4-BE49-F238E27FC236}">
+                <a16:creationId xmlns:a16="http://schemas.microsoft.com/office/drawing/2014/main" id="{FE9B2DD7-618F-8CDF-1D55-E2654375D59D}"/>
+              </a:ext>
+            </a:extLst>
+          </p:cNvPr>
+          <p:cNvSpPr>
+            <a:spLocks noGrp="1"/>
+          </p:cNvSpPr>
+          <p:nvPr>
+            <p:ph type="title"/>
+          </p:nvPr>
+        </p:nvSpPr>
+        <p:spPr/>
+        <p:txBody>
+          <a:bodyPr>
+            <a:normAutofit fontScale="90000"/>
+          </a:bodyPr>
+          <a:lstStyle/>
+          <a:p>
+            <a:r>
+              <a:rPr lang="en-US" dirty="0"/>
+              <a:t>Official guide to install Docker</a:t>
+            </a:r>
+          </a:p>
+        </p:txBody>
+      </p:sp>
+      <p:sp>
+        <p:nvSpPr>
+          <p:cNvPr id="3" name="Content Placeholder 2">
+            <a:extLst>
+              <a:ext uri="{FF2B5EF4-FFF2-40B4-BE49-F238E27FC236}">
+                <a16:creationId xmlns:a16="http://schemas.microsoft.com/office/drawing/2014/main" id="{A1B76713-729D-1317-D7B4-5BF9D8749242}"/>
+              </a:ext>
+            </a:extLst>
+          </p:cNvPr>
+          <p:cNvSpPr>
+            <a:spLocks noGrp="1"/>
+          </p:cNvSpPr>
+          <p:nvPr>
+            <p:ph idx="1"/>
+          </p:nvPr>
+        </p:nvSpPr>
+        <p:spPr/>
+        <p:txBody>
+          <a:bodyPr/>
+          <a:lstStyle/>
+          <a:p>
+            <a:r>
+              <a:rPr lang="en-US" dirty="0"/>
+              <a:t>Go to </a:t>
+            </a:r>
+            <a:r>
+              <a:rPr lang="en-US" dirty="0">
+                <a:hlinkClick r:id="rId2"/>
+              </a:rPr>
+              <a:t>https://docs.docker.com/engine/install/ubuntu/</a:t>
+            </a:r>
+            <a:endParaRPr lang="en-US" dirty="0"/>
+          </a:p>
+          <a:p>
+            <a:r>
+              <a:rPr lang="en-US" dirty="0"/>
+              <a:t>Use the apt method after removing any docker snap packages</a:t>
+            </a:r>
+          </a:p>
+          <a:p>
+            <a:r>
+              <a:rPr lang="en-US" dirty="0"/>
+              <a:t>Docker community says to follow their guide, don’t follow the Ubuntu recommendation</a:t>
+            </a:r>
+          </a:p>
+        </p:txBody>
+      </p:sp>
+      <mc:AlternateContent xmlns:mc="http://schemas.openxmlformats.org/markup-compatibility/2006">
+        <mc:Choice xmlns:p14="http://schemas.microsoft.com/office/powerpoint/2010/main" Requires="p14">
+          <p:contentPart p14:bwMode="auto" r:id="rId3">
+            <p14:nvContentPartPr>
+              <p14:cNvPr id="5" name="Ink 4">
+                <a:extLst>
+                  <a:ext uri="{FF2B5EF4-FFF2-40B4-BE49-F238E27FC236}">
+                    <a16:creationId xmlns:a16="http://schemas.microsoft.com/office/drawing/2014/main" id="{06590FAD-3945-7C9F-B9B3-E524A0E629C4}"/>
+                  </a:ext>
+                </a:extLst>
+              </p14:cNvPr>
+              <p14:cNvContentPartPr/>
+              <p14:nvPr/>
+            </p14:nvContentPartPr>
+            <p14:xfrm>
+              <a:off x="2324537" y="594421"/>
+              <a:ext cx="360" cy="360"/>
+            </p14:xfrm>
+          </p:contentPart>
+        </mc:Choice>
+        <mc:Fallback>
+          <p:pic>
+            <p:nvPicPr>
+              <p:cNvPr id="5" name="Ink 4">
+                <a:extLst>
+                  <a:ext uri="{FF2B5EF4-FFF2-40B4-BE49-F238E27FC236}">
+                    <a16:creationId xmlns:a16="http://schemas.microsoft.com/office/drawing/2014/main" id="{06590FAD-3945-7C9F-B9B3-E524A0E629C4}"/>
+                  </a:ext>
+                </a:extLst>
+              </p:cNvPr>
+              <p:cNvPicPr/>
+              <p:nvPr/>
+            </p:nvPicPr>
+            <p:blipFill>
+              <a:blip r:embed="rId4"/>
+              <a:stretch>
+                <a:fillRect/>
+              </a:stretch>
+            </p:blipFill>
+            <p:spPr>
+              <a:xfrm>
+                <a:off x="2315537" y="585781"/>
+                <a:ext cx="18000" cy="18000"/>
+              </a:xfrm>
+              <a:prstGeom prst="rect">
+                <a:avLst/>
+              </a:prstGeom>
+            </p:spPr>
+          </p:pic>
+        </mc:Fallback>
+      </mc:AlternateContent>
+    </p:spTree>
+    <p:extLst>
+      <p:ext uri="{BB962C8B-B14F-4D97-AF65-F5344CB8AC3E}">
+        <p14:creationId xmlns:p14="http://schemas.microsoft.com/office/powerpoint/2010/main" val="2000330634"/>
+      </p:ext>
+    </p:extLst>
+  </p:cSld>
+  <p:clrMapOvr>
+    <a:masterClrMapping/>
+  </p:clrMapOvr>
+</p:sld>
+</file>
+
+<file path=ppt/slides/slide29.xml><?xml version="1.0" encoding="utf-8"?>
 <p:sld xmlns:a="http://schemas.openxmlformats.org/drawingml/2006/main" xmlns:r="http://schemas.openxmlformats.org/officeDocument/2006/relationships" xmlns:p="http://schemas.openxmlformats.org/presentationml/2006/main">
   <p:cSld>
     <p:spTree>
@@ -24071,214 +24540,6 @@
     <p:extLst>
       <p:ext uri="{BB962C8B-B14F-4D97-AF65-F5344CB8AC3E}">
         <p14:creationId xmlns:p14="http://schemas.microsoft.com/office/powerpoint/2010/main" val="2010499222"/>
-      </p:ext>
-    </p:extLst>
-  </p:cSld>
-  <p:clrMapOvr>
-    <a:masterClrMapping/>
-  </p:clrMapOvr>
-</p:sld>
-</file>
-
-<file path=ppt/slides/slide29.xml><?xml version="1.0" encoding="utf-8"?>
-<p:sld xmlns:a="http://schemas.openxmlformats.org/drawingml/2006/main" xmlns:r="http://schemas.openxmlformats.org/officeDocument/2006/relationships" xmlns:p="http://schemas.openxmlformats.org/presentationml/2006/main">
-  <p:cSld>
-    <p:spTree>
-      <p:nvGrpSpPr>
-        <p:cNvPr id="1" name=""/>
-        <p:cNvGrpSpPr/>
-        <p:nvPr/>
-      </p:nvGrpSpPr>
-      <p:grpSpPr>
-        <a:xfrm>
-          <a:off x="0" y="0"/>
-          <a:ext cx="0" cy="0"/>
-          <a:chOff x="0" y="0"/>
-          <a:chExt cx="0" cy="0"/>
-        </a:xfrm>
-      </p:grpSpPr>
-      <p:sp>
-        <p:nvSpPr>
-          <p:cNvPr id="2" name="Title 1">
-            <a:extLst>
-              <a:ext uri="{FF2B5EF4-FFF2-40B4-BE49-F238E27FC236}">
-                <a16:creationId xmlns:a16="http://schemas.microsoft.com/office/drawing/2014/main" id="{6AFC59F4-5DAC-830D-6E54-FFF6D4D1B59A}"/>
-              </a:ext>
-            </a:extLst>
-          </p:cNvPr>
-          <p:cNvSpPr>
-            <a:spLocks noGrp="1"/>
-          </p:cNvSpPr>
-          <p:nvPr>
-            <p:ph type="title"/>
-          </p:nvPr>
-        </p:nvSpPr>
-        <p:spPr/>
-        <p:txBody>
-          <a:bodyPr/>
-          <a:lstStyle/>
-          <a:p>
-            <a:r>
-              <a:rPr lang="en-US" dirty="0"/>
-              <a:t>So, what are containers? 2/2</a:t>
-            </a:r>
-          </a:p>
-        </p:txBody>
-      </p:sp>
-      <p:sp>
-        <p:nvSpPr>
-          <p:cNvPr id="3" name="Content Placeholder 2">
-            <a:extLst>
-              <a:ext uri="{FF2B5EF4-FFF2-40B4-BE49-F238E27FC236}">
-                <a16:creationId xmlns:a16="http://schemas.microsoft.com/office/drawing/2014/main" id="{63B44477-FB84-2AE8-6E10-5366E1CDEEFA}"/>
-              </a:ext>
-            </a:extLst>
-          </p:cNvPr>
-          <p:cNvSpPr>
-            <a:spLocks noGrp="1"/>
-          </p:cNvSpPr>
-          <p:nvPr>
-            <p:ph idx="1"/>
-          </p:nvPr>
-        </p:nvSpPr>
-        <p:spPr>
-          <a:xfrm>
-            <a:off x="565150" y="2160016"/>
-            <a:ext cx="9749728" cy="3927094"/>
-          </a:xfrm>
-        </p:spPr>
-        <p:txBody>
-          <a:bodyPr>
-            <a:normAutofit lnSpcReduction="10000"/>
-          </a:bodyPr>
-          <a:lstStyle/>
-          <a:p>
-            <a:r>
-              <a:rPr lang="en-US" dirty="0"/>
-              <a:t>Docker is a type of containerization technology (also a company)</a:t>
-            </a:r>
-            <a:endParaRPr lang="en-US" dirty="0">
-              <a:solidFill>
-                <a:srgbClr val="4D5156"/>
-              </a:solidFill>
-              <a:latin typeface="Roboto" panose="02000000000000000000" pitchFamily="2" charset="0"/>
-            </a:endParaRPr>
-          </a:p>
-          <a:p>
-            <a:r>
-              <a:rPr lang="en-US" dirty="0">
-                <a:solidFill>
-                  <a:srgbClr val="4D5156"/>
-                </a:solidFill>
-                <a:latin typeface="Roboto" panose="02000000000000000000" pitchFamily="2" charset="0"/>
-              </a:rPr>
-              <a:t>Runs on Linux, Windows, or Mac</a:t>
-            </a:r>
-          </a:p>
-          <a:p>
-            <a:r>
-              <a:rPr lang="en-US" dirty="0">
-                <a:solidFill>
-                  <a:srgbClr val="4D5156"/>
-                </a:solidFill>
-                <a:latin typeface="Roboto" panose="02000000000000000000" pitchFamily="2" charset="0"/>
-              </a:rPr>
-              <a:t>Deploy on-premise w/ dedicated hardware, onto public cloud VMs (AWS/Azure) or in a private cloud (cloud infrastructure for a single company), etc.</a:t>
-            </a:r>
-          </a:p>
-          <a:p>
-            <a:r>
-              <a:rPr lang="en-US" dirty="0">
-                <a:solidFill>
-                  <a:srgbClr val="4D5156"/>
-                </a:solidFill>
-                <a:latin typeface="Roboto" panose="02000000000000000000" pitchFamily="2" charset="0"/>
-              </a:rPr>
-              <a:t>On Linux, it utilizes its namespace, </a:t>
-            </a:r>
-            <a:r>
-              <a:rPr lang="en-US" dirty="0" err="1">
-                <a:solidFill>
-                  <a:srgbClr val="4D5156"/>
-                </a:solidFill>
-                <a:latin typeface="Roboto" panose="02000000000000000000" pitchFamily="2" charset="0"/>
-              </a:rPr>
-              <a:t>cgroup</a:t>
-            </a:r>
-            <a:r>
-              <a:rPr lang="en-US" dirty="0">
-                <a:solidFill>
-                  <a:srgbClr val="4D5156"/>
-                </a:solidFill>
-                <a:latin typeface="Roboto" panose="02000000000000000000" pitchFamily="2" charset="0"/>
-              </a:rPr>
-              <a:t>, and virtualization tech (e.g., LXC, </a:t>
-            </a:r>
-            <a:r>
-              <a:rPr lang="en-US" dirty="0" err="1">
-                <a:solidFill>
-                  <a:srgbClr val="4D5156"/>
-                </a:solidFill>
-                <a:latin typeface="Roboto" panose="02000000000000000000" pitchFamily="2" charset="0"/>
-              </a:rPr>
-              <a:t>libvirt</a:t>
-            </a:r>
-            <a:r>
-              <a:rPr lang="en-US" dirty="0">
-                <a:solidFill>
-                  <a:srgbClr val="4D5156"/>
-                </a:solidFill>
-                <a:latin typeface="Roboto" panose="02000000000000000000" pitchFamily="2" charset="0"/>
-              </a:rPr>
-              <a:t>, </a:t>
-            </a:r>
-            <a:r>
-              <a:rPr lang="en-US" dirty="0" err="1">
-                <a:solidFill>
-                  <a:srgbClr val="4D5156"/>
-                </a:solidFill>
-                <a:latin typeface="Roboto" panose="02000000000000000000" pitchFamily="2" charset="0"/>
-              </a:rPr>
-              <a:t>systemd-nspawn</a:t>
-            </a:r>
-            <a:r>
-              <a:rPr lang="en-US" dirty="0">
-                <a:solidFill>
-                  <a:srgbClr val="4D5156"/>
-                </a:solidFill>
-                <a:latin typeface="Roboto" panose="02000000000000000000" pitchFamily="2" charset="0"/>
-              </a:rPr>
-              <a:t>)</a:t>
-            </a:r>
-          </a:p>
-          <a:p>
-            <a:r>
-              <a:rPr lang="en-US" dirty="0">
-                <a:solidFill>
-                  <a:srgbClr val="4D5156"/>
-                </a:solidFill>
-                <a:latin typeface="Roboto" panose="02000000000000000000" pitchFamily="2" charset="0"/>
-              </a:rPr>
-              <a:t>Docker CLI and Engine is free. Docker Desktop is a dev focused tool that costs enterprises money to make it easier to develop/test containers</a:t>
-            </a:r>
-          </a:p>
-          <a:p>
-            <a:endParaRPr lang="en-US" dirty="0">
-              <a:solidFill>
-                <a:srgbClr val="4D5156"/>
-              </a:solidFill>
-              <a:latin typeface="Roboto" panose="02000000000000000000" pitchFamily="2" charset="0"/>
-            </a:endParaRPr>
-          </a:p>
-          <a:p>
-            <a:endParaRPr lang="en-US" dirty="0"/>
-          </a:p>
-        </p:txBody>
-      </p:sp>
-    </p:spTree>
-    <p:extLst>
-      <p:ext uri="{BB962C8B-B14F-4D97-AF65-F5344CB8AC3E}">
-        <p14:creationId xmlns:p14="http://schemas.microsoft.com/office/powerpoint/2010/main" val="562973591"/>
       </p:ext>
     </p:extLst>
   </p:cSld>
@@ -24705,6 +24966,214 @@
           <p:cNvPr id="2" name="Title 1">
             <a:extLst>
               <a:ext uri="{FF2B5EF4-FFF2-40B4-BE49-F238E27FC236}">
+                <a16:creationId xmlns:a16="http://schemas.microsoft.com/office/drawing/2014/main" id="{6AFC59F4-5DAC-830D-6E54-FFF6D4D1B59A}"/>
+              </a:ext>
+            </a:extLst>
+          </p:cNvPr>
+          <p:cNvSpPr>
+            <a:spLocks noGrp="1"/>
+          </p:cNvSpPr>
+          <p:nvPr>
+            <p:ph type="title"/>
+          </p:nvPr>
+        </p:nvSpPr>
+        <p:spPr/>
+        <p:txBody>
+          <a:bodyPr/>
+          <a:lstStyle/>
+          <a:p>
+            <a:r>
+              <a:rPr lang="en-US" dirty="0"/>
+              <a:t>So, what are containers? 2/2</a:t>
+            </a:r>
+          </a:p>
+        </p:txBody>
+      </p:sp>
+      <p:sp>
+        <p:nvSpPr>
+          <p:cNvPr id="3" name="Content Placeholder 2">
+            <a:extLst>
+              <a:ext uri="{FF2B5EF4-FFF2-40B4-BE49-F238E27FC236}">
+                <a16:creationId xmlns:a16="http://schemas.microsoft.com/office/drawing/2014/main" id="{63B44477-FB84-2AE8-6E10-5366E1CDEEFA}"/>
+              </a:ext>
+            </a:extLst>
+          </p:cNvPr>
+          <p:cNvSpPr>
+            <a:spLocks noGrp="1"/>
+          </p:cNvSpPr>
+          <p:nvPr>
+            <p:ph idx="1"/>
+          </p:nvPr>
+        </p:nvSpPr>
+        <p:spPr>
+          <a:xfrm>
+            <a:off x="565150" y="2160016"/>
+            <a:ext cx="9749728" cy="3927094"/>
+          </a:xfrm>
+        </p:spPr>
+        <p:txBody>
+          <a:bodyPr>
+            <a:normAutofit lnSpcReduction="10000"/>
+          </a:bodyPr>
+          <a:lstStyle/>
+          <a:p>
+            <a:r>
+              <a:rPr lang="en-US" dirty="0"/>
+              <a:t>Docker is a type of containerization technology (also a company)</a:t>
+            </a:r>
+            <a:endParaRPr lang="en-US" dirty="0">
+              <a:solidFill>
+                <a:srgbClr val="4D5156"/>
+              </a:solidFill>
+              <a:latin typeface="Roboto" panose="02000000000000000000" pitchFamily="2" charset="0"/>
+            </a:endParaRPr>
+          </a:p>
+          <a:p>
+            <a:r>
+              <a:rPr lang="en-US" dirty="0">
+                <a:solidFill>
+                  <a:srgbClr val="4D5156"/>
+                </a:solidFill>
+                <a:latin typeface="Roboto" panose="02000000000000000000" pitchFamily="2" charset="0"/>
+              </a:rPr>
+              <a:t>Runs on Linux, Windows, or Mac</a:t>
+            </a:r>
+          </a:p>
+          <a:p>
+            <a:r>
+              <a:rPr lang="en-US" dirty="0">
+                <a:solidFill>
+                  <a:srgbClr val="4D5156"/>
+                </a:solidFill>
+                <a:latin typeface="Roboto" panose="02000000000000000000" pitchFamily="2" charset="0"/>
+              </a:rPr>
+              <a:t>Deploy on-premise w/ dedicated hardware, onto public cloud VMs (AWS/Azure) or in a private cloud (cloud infrastructure for a single company), etc.</a:t>
+            </a:r>
+          </a:p>
+          <a:p>
+            <a:r>
+              <a:rPr lang="en-US" dirty="0">
+                <a:solidFill>
+                  <a:srgbClr val="4D5156"/>
+                </a:solidFill>
+                <a:latin typeface="Roboto" panose="02000000000000000000" pitchFamily="2" charset="0"/>
+              </a:rPr>
+              <a:t>On Linux, it utilizes its namespace, </a:t>
+            </a:r>
+            <a:r>
+              <a:rPr lang="en-US" dirty="0" err="1">
+                <a:solidFill>
+                  <a:srgbClr val="4D5156"/>
+                </a:solidFill>
+                <a:latin typeface="Roboto" panose="02000000000000000000" pitchFamily="2" charset="0"/>
+              </a:rPr>
+              <a:t>cgroup</a:t>
+            </a:r>
+            <a:r>
+              <a:rPr lang="en-US" dirty="0">
+                <a:solidFill>
+                  <a:srgbClr val="4D5156"/>
+                </a:solidFill>
+                <a:latin typeface="Roboto" panose="02000000000000000000" pitchFamily="2" charset="0"/>
+              </a:rPr>
+              <a:t>, and virtualization tech (e.g., LXC, </a:t>
+            </a:r>
+            <a:r>
+              <a:rPr lang="en-US" dirty="0" err="1">
+                <a:solidFill>
+                  <a:srgbClr val="4D5156"/>
+                </a:solidFill>
+                <a:latin typeface="Roboto" panose="02000000000000000000" pitchFamily="2" charset="0"/>
+              </a:rPr>
+              <a:t>libvirt</a:t>
+            </a:r>
+            <a:r>
+              <a:rPr lang="en-US" dirty="0">
+                <a:solidFill>
+                  <a:srgbClr val="4D5156"/>
+                </a:solidFill>
+                <a:latin typeface="Roboto" panose="02000000000000000000" pitchFamily="2" charset="0"/>
+              </a:rPr>
+              <a:t>, </a:t>
+            </a:r>
+            <a:r>
+              <a:rPr lang="en-US" dirty="0" err="1">
+                <a:solidFill>
+                  <a:srgbClr val="4D5156"/>
+                </a:solidFill>
+                <a:latin typeface="Roboto" panose="02000000000000000000" pitchFamily="2" charset="0"/>
+              </a:rPr>
+              <a:t>systemd-nspawn</a:t>
+            </a:r>
+            <a:r>
+              <a:rPr lang="en-US" dirty="0">
+                <a:solidFill>
+                  <a:srgbClr val="4D5156"/>
+                </a:solidFill>
+                <a:latin typeface="Roboto" panose="02000000000000000000" pitchFamily="2" charset="0"/>
+              </a:rPr>
+              <a:t>)</a:t>
+            </a:r>
+          </a:p>
+          <a:p>
+            <a:r>
+              <a:rPr lang="en-US" dirty="0">
+                <a:solidFill>
+                  <a:srgbClr val="4D5156"/>
+                </a:solidFill>
+                <a:latin typeface="Roboto" panose="02000000000000000000" pitchFamily="2" charset="0"/>
+              </a:rPr>
+              <a:t>Docker CLI and Engine is free. Docker Desktop is a dev focused tool that costs enterprises money to make it easier to develop/test containers</a:t>
+            </a:r>
+          </a:p>
+          <a:p>
+            <a:endParaRPr lang="en-US" dirty="0">
+              <a:solidFill>
+                <a:srgbClr val="4D5156"/>
+              </a:solidFill>
+              <a:latin typeface="Roboto" panose="02000000000000000000" pitchFamily="2" charset="0"/>
+            </a:endParaRPr>
+          </a:p>
+          <a:p>
+            <a:endParaRPr lang="en-US" dirty="0"/>
+          </a:p>
+        </p:txBody>
+      </p:sp>
+    </p:spTree>
+    <p:extLst>
+      <p:ext uri="{BB962C8B-B14F-4D97-AF65-F5344CB8AC3E}">
+        <p14:creationId xmlns:p14="http://schemas.microsoft.com/office/powerpoint/2010/main" val="562973591"/>
+      </p:ext>
+    </p:extLst>
+  </p:cSld>
+  <p:clrMapOvr>
+    <a:masterClrMapping/>
+  </p:clrMapOvr>
+</p:sld>
+</file>
+
+<file path=ppt/slides/slide31.xml><?xml version="1.0" encoding="utf-8"?>
+<p:sld xmlns:a="http://schemas.openxmlformats.org/drawingml/2006/main" xmlns:r="http://schemas.openxmlformats.org/officeDocument/2006/relationships" xmlns:p="http://schemas.openxmlformats.org/presentationml/2006/main">
+  <p:cSld>
+    <p:spTree>
+      <p:nvGrpSpPr>
+        <p:cNvPr id="1" name=""/>
+        <p:cNvGrpSpPr/>
+        <p:nvPr/>
+      </p:nvGrpSpPr>
+      <p:grpSpPr>
+        <a:xfrm>
+          <a:off x="0" y="0"/>
+          <a:ext cx="0" cy="0"/>
+          <a:chOff x="0" y="0"/>
+          <a:chExt cx="0" cy="0"/>
+        </a:xfrm>
+      </p:grpSpPr>
+      <p:sp>
+        <p:nvSpPr>
+          <p:cNvPr id="2" name="Title 1">
+            <a:extLst>
+              <a:ext uri="{FF2B5EF4-FFF2-40B4-BE49-F238E27FC236}">
                 <a16:creationId xmlns:a16="http://schemas.microsoft.com/office/drawing/2014/main" id="{ED1C56FE-9D5C-3B0F-465F-01DE1F026DD0}"/>
               </a:ext>
             </a:extLst>
@@ -25083,7 +25552,7 @@
 </p:sld>
 </file>
 
-<file path=ppt/slides/slide31.xml><?xml version="1.0" encoding="utf-8"?>
+<file path=ppt/slides/slide32.xml><?xml version="1.0" encoding="utf-8"?>
 <p:sld xmlns:a="http://schemas.openxmlformats.org/drawingml/2006/main" xmlns:r="http://schemas.openxmlformats.org/officeDocument/2006/relationships" xmlns:p="http://schemas.openxmlformats.org/presentationml/2006/main">
   <p:cSld>
     <p:spTree>
@@ -25169,7 +25638,7 @@
 </p:sld>
 </file>
 
-<file path=ppt/slides/slide32.xml><?xml version="1.0" encoding="utf-8"?>
+<file path=ppt/slides/slide33.xml><?xml version="1.0" encoding="utf-8"?>
 <p:sld xmlns:a="http://schemas.openxmlformats.org/drawingml/2006/main" xmlns:r="http://schemas.openxmlformats.org/officeDocument/2006/relationships" xmlns:p="http://schemas.openxmlformats.org/presentationml/2006/main">
   <p:cSld>
     <p:spTree>
@@ -25256,7 +25725,7 @@
             </a:r>
             <a:r>
               <a:rPr lang="en-US" dirty="0" err="1"/>
-              <a:t>MinecraftServer</a:t>
+              <a:t>minecraftserver</a:t>
             </a:r>
             <a:endParaRPr lang="en-US" dirty="0"/>
           </a:p>
@@ -25317,15 +25786,7 @@
             </a:r>
             <a:r>
               <a:rPr lang="en-US" dirty="0"/>
-              <a:t>, sed, </a:t>
-            </a:r>
-            <a:r>
-              <a:rPr lang="en-US" dirty="0" err="1"/>
-              <a:t>udev</a:t>
-            </a:r>
-            <a:r>
-              <a:rPr lang="en-US" dirty="0"/>
-              <a:t>-dev</a:t>
+              <a:t>, sed</a:t>
             </a:r>
           </a:p>
           <a:p>
@@ -25453,7 +25914,7 @@
 </p:sld>
 </file>
 
-<file path=ppt/slides/slide33.xml><?xml version="1.0" encoding="utf-8"?>
+<file path=ppt/slides/slide34.xml><?xml version="1.0" encoding="utf-8"?>
 <p:sld xmlns:a="http://schemas.openxmlformats.org/drawingml/2006/main" xmlns:r="http://schemas.openxmlformats.org/officeDocument/2006/relationships" xmlns:p="http://schemas.openxmlformats.org/presentationml/2006/main">
   <p:cSld>
     <p:spTree>
@@ -25844,23 +26305,10 @@
                 <a:effectLst/>
                 <a:latin typeface="ui-monospace"/>
               </a:rPr>
-              <a:t>ENTRYPOINT</a:t>
-            </a:r>
-            <a:r>
-              <a:rPr lang="en-US" b="0" i="0" dirty="0">
-                <a:solidFill>
-                  <a:srgbClr val="1F2328"/>
-                </a:solidFill>
-                <a:effectLst/>
-                <a:latin typeface="ui-monospace"/>
-              </a:rPr>
-              <a:t> java -Xmx6G -Xms6G -</a:t>
+              <a:t>ENTRYPOINT ["java", "-Xmx6G", "-Xms6G", "-</a:t>
             </a:r>
             <a:r>
               <a:rPr lang="en-US" b="0" i="0" dirty="0" err="1">
-                <a:solidFill>
-                  <a:srgbClr val="1F2328"/>
-                </a:solidFill>
                 <a:effectLst/>
                 <a:latin typeface="ui-monospace"/>
               </a:rPr>
@@ -25868,19 +26316,13 @@
             </a:r>
             <a:r>
               <a:rPr lang="en-US" b="0" i="0" dirty="0">
-                <a:solidFill>
-                  <a:srgbClr val="1F2328"/>
-                </a:solidFill>
                 <a:effectLst/>
                 <a:latin typeface="ui-monospace"/>
               </a:rPr>
-              <a:t>=1G -jar minecraft_server.jar --</a:t>
+              <a:t>=1G", "-jar", "minecraft_server.jar", "--</a:t>
             </a:r>
             <a:r>
               <a:rPr lang="en-US" b="0" i="0" dirty="0" err="1">
-                <a:solidFill>
-                  <a:srgbClr val="1F2328"/>
-                </a:solidFill>
                 <a:effectLst/>
                 <a:latin typeface="ui-monospace"/>
               </a:rPr>
@@ -25888,23 +26330,24 @@
             </a:r>
             <a:r>
               <a:rPr lang="en-US" b="0" i="0" dirty="0">
-                <a:solidFill>
-                  <a:srgbClr val="1F2328"/>
-                </a:solidFill>
                 <a:effectLst/>
                 <a:latin typeface="ui-monospace"/>
               </a:rPr>
-              <a:t> --</a:t>
+              <a:t>", "--</a:t>
             </a:r>
             <a:r>
               <a:rPr lang="en-US" b="0" i="0" dirty="0" err="1">
-                <a:solidFill>
-                  <a:srgbClr val="1F2328"/>
-                </a:solidFill>
                 <a:effectLst/>
                 <a:latin typeface="ui-monospace"/>
               </a:rPr>
               <a:t>bonusChest</a:t>
+            </a:r>
+            <a:r>
+              <a:rPr lang="en-US" b="0" i="0" dirty="0">
+                <a:effectLst/>
+                <a:latin typeface="ui-monospace"/>
+              </a:rPr>
+              <a:t>"]</a:t>
             </a:r>
             <a:endParaRPr lang="en-US" dirty="0"/>
           </a:p>
@@ -25923,7 +26366,7 @@
 </p:sld>
 </file>
 
-<file path=ppt/slides/slide34.xml><?xml version="1.0" encoding="utf-8"?>
+<file path=ppt/slides/slide35.xml><?xml version="1.0" encoding="utf-8"?>
 <p:sld xmlns:a="http://schemas.openxmlformats.org/drawingml/2006/main" xmlns:r="http://schemas.openxmlformats.org/officeDocument/2006/relationships" xmlns:p="http://schemas.openxmlformats.org/presentationml/2006/main">
   <p:cSld>
     <p:spTree>
@@ -26052,9 +26495,12 @@
               <a:rPr lang="en-US" dirty="0">
                 <a:hlinkClick r:id="rId3"/>
               </a:rPr>
-              <a:t>https://raw.githubusercontent.com/mrobbeloth/Lectures/refs/heads/main/Minecraft/DockerFile</a:t>
+              <a:t>https://raw.githubusercontent.com/mrobbeloth/Lectures/refs/heads/main/Minecraft/Dockerfile</a:t>
             </a:r>
-            <a:endParaRPr lang="en-US" dirty="0"/>
+            <a:r>
+              <a:rPr lang="en-US" dirty="0"/>
+              <a:t> </a:t>
+            </a:r>
           </a:p>
           <a:p>
             <a:r>
@@ -26154,7 +26600,7 @@
 </p:sld>
 </file>
 
-<file path=ppt/slides/slide35.xml><?xml version="1.0" encoding="utf-8"?>
+<file path=ppt/slides/slide36.xml><?xml version="1.0" encoding="utf-8"?>
 <p:sld xmlns:a="http://schemas.openxmlformats.org/drawingml/2006/main" xmlns:r="http://schemas.openxmlformats.org/officeDocument/2006/relationships" xmlns:p="http://schemas.openxmlformats.org/presentationml/2006/main">
   <p:cSld>
     <p:spTree>
@@ -26214,7 +26660,7 @@
 </p:sld>
 </file>
 
-<file path=ppt/slides/slide36.xml><?xml version="1.0" encoding="utf-8"?>
+<file path=ppt/slides/slide37.xml><?xml version="1.0" encoding="utf-8"?>
 <p:sld xmlns:a="http://schemas.openxmlformats.org/drawingml/2006/main" xmlns:r="http://schemas.openxmlformats.org/officeDocument/2006/relationships" xmlns:p="http://schemas.openxmlformats.org/presentationml/2006/main">
   <p:cSld>
     <p:spTree>
@@ -26398,7 +26844,7 @@
 </p:sld>
 </file>
 
-<file path=ppt/slides/slide37.xml><?xml version="1.0" encoding="utf-8"?>
+<file path=ppt/slides/slide38.xml><?xml version="1.0" encoding="utf-8"?>
 <p:sld xmlns:a="http://schemas.openxmlformats.org/drawingml/2006/main" xmlns:r="http://schemas.openxmlformats.org/officeDocument/2006/relationships" xmlns:p="http://schemas.openxmlformats.org/presentationml/2006/main">
   <p:cSld>
     <p:bg>
@@ -30214,7 +30660,7 @@
 </p:sld>
 </file>
 
-<file path=ppt/slides/slide38.xml><?xml version="1.0" encoding="utf-8"?>
+<file path=ppt/slides/slide39.xml><?xml version="1.0" encoding="utf-8"?>
 <p:sld xmlns:a="http://schemas.openxmlformats.org/drawingml/2006/main" xmlns:r="http://schemas.openxmlformats.org/officeDocument/2006/relationships" xmlns:p="http://schemas.openxmlformats.org/presentationml/2006/main">
   <p:cSld>
     <p:spTree>
@@ -30271,3827 +30717,6 @@
   <p:clrMapOvr>
     <a:masterClrMapping/>
   </p:clrMapOvr>
-</p:sld>
-</file>
-
-<file path=ppt/slides/slide39.xml><?xml version="1.0" encoding="utf-8"?>
-<p:sld xmlns:a="http://schemas.openxmlformats.org/drawingml/2006/main" xmlns:r="http://schemas.openxmlformats.org/officeDocument/2006/relationships" xmlns:p="http://schemas.openxmlformats.org/presentationml/2006/main">
-  <p:cSld>
-    <p:bg>
-      <p:bgPr>
-        <a:solidFill>
-          <a:schemeClr val="bg2"/>
-        </a:solidFill>
-        <a:effectLst/>
-      </p:bgPr>
-    </p:bg>
-    <p:spTree>
-      <p:nvGrpSpPr>
-        <p:cNvPr id="1" name=""/>
-        <p:cNvGrpSpPr/>
-        <p:nvPr/>
-      </p:nvGrpSpPr>
-      <p:grpSpPr>
-        <a:xfrm>
-          <a:off x="0" y="0"/>
-          <a:ext cx="0" cy="0"/>
-          <a:chOff x="0" y="0"/>
-          <a:chExt cx="0" cy="0"/>
-        </a:xfrm>
-      </p:grpSpPr>
-      <p:grpSp>
-        <p:nvGrpSpPr>
-          <p:cNvPr id="9" name="Group 8">
-            <a:extLst>
-              <a:ext uri="{FF2B5EF4-FFF2-40B4-BE49-F238E27FC236}">
-                <a16:creationId xmlns:a16="http://schemas.microsoft.com/office/drawing/2014/main" id="{EB46B8FB-F6A2-5F47-A6CD-A7E17E69270F}"/>
-              </a:ext>
-              <a:ext uri="{C183D7F6-B498-43B3-948B-1728B52AA6E4}">
-                <adec:decorative xmlns:adec="http://schemas.microsoft.com/office/drawing/2017/decorative" val="1"/>
-              </a:ext>
-            </a:extLst>
-          </p:cNvPr>
-          <p:cNvGrpSpPr>
-            <a:grpSpLocks noGrp="1" noUngrp="1" noRot="1" noChangeAspect="1" noMove="1" noResize="1"/>
-          </p:cNvGrpSpPr>
-          <p:nvPr>
-            <p:extLst>
-              <p:ext uri="{386F3935-93C4-4BCD-93E2-E3B085C9AB24}">
-                <p16:designElem xmlns:p16="http://schemas.microsoft.com/office/powerpoint/2015/main" val="1"/>
-              </p:ext>
-            </p:extLst>
-          </p:nvPr>
-        </p:nvGrpSpPr>
-        <p:grpSpPr>
-          <a:xfrm>
-            <a:off x="6201388" y="0"/>
-            <a:ext cx="5990612" cy="6858001"/>
-            <a:chOff x="6201388" y="0"/>
-            <a:chExt cx="5990612" cy="6858001"/>
-          </a:xfrm>
-        </p:grpSpPr>
-        <p:sp>
-          <p:nvSpPr>
-            <p:cNvPr id="10" name="Oval 9">
-              <a:extLst>
-                <a:ext uri="{FF2B5EF4-FFF2-40B4-BE49-F238E27FC236}">
-                  <a16:creationId xmlns:a16="http://schemas.microsoft.com/office/drawing/2014/main" id="{419BDE93-3EC2-4E4D-BC0B-417378F49EDA}"/>
-                </a:ext>
-                <a:ext uri="{C183D7F6-B498-43B3-948B-1728B52AA6E4}">
-                  <adec:decorative xmlns:adec="http://schemas.microsoft.com/office/drawing/2017/decorative" val="1"/>
-                </a:ext>
-              </a:extLst>
-            </p:cNvPr>
-            <p:cNvSpPr/>
-            <p:nvPr>
-              <p:extLst>
-                <p:ext uri="{386F3935-93C4-4BCD-93E2-E3B085C9AB24}">
-                  <p16:designElem xmlns:p16="http://schemas.microsoft.com/office/powerpoint/2015/main" val="1"/>
-                </p:ext>
-              </p:extLst>
-            </p:nvPr>
-          </p:nvSpPr>
-          <p:spPr>
-            <a:xfrm>
-              <a:off x="6201388" y="3549396"/>
-              <a:ext cx="1130725" cy="1130724"/>
-            </a:xfrm>
-            <a:prstGeom prst="ellipse">
-              <a:avLst/>
-            </a:prstGeom>
-            <a:solidFill>
-              <a:schemeClr val="bg2"/>
-            </a:solidFill>
-            <a:ln>
-              <a:noFill/>
-            </a:ln>
-          </p:spPr>
-          <p:style>
-            <a:lnRef idx="2">
-              <a:schemeClr val="accent1">
-                <a:shade val="50000"/>
-              </a:schemeClr>
-            </a:lnRef>
-            <a:fillRef idx="1">
-              <a:schemeClr val="accent1"/>
-            </a:fillRef>
-            <a:effectRef idx="0">
-              <a:schemeClr val="accent1"/>
-            </a:effectRef>
-            <a:fontRef idx="minor">
-              <a:schemeClr val="lt1"/>
-            </a:fontRef>
-          </p:style>
-          <p:txBody>
-            <a:bodyPr rtlCol="0" anchor="ctr"/>
-            <a:lstStyle/>
-            <a:p>
-              <a:pPr algn="ctr"/>
-              <a:endParaRPr lang="en-US"/>
-            </a:p>
-          </p:txBody>
-        </p:sp>
-        <p:sp>
-          <p:nvSpPr>
-            <p:cNvPr id="11" name="Freeform 46">
-              <a:extLst>
-                <a:ext uri="{FF2B5EF4-FFF2-40B4-BE49-F238E27FC236}">
-                  <a16:creationId xmlns:a16="http://schemas.microsoft.com/office/drawing/2014/main" id="{FE21F82F-1EE5-8240-97F8-387DF0253FCE}"/>
-                </a:ext>
-                <a:ext uri="{C183D7F6-B498-43B3-948B-1728B52AA6E4}">
-                  <adec:decorative xmlns:adec="http://schemas.microsoft.com/office/drawing/2017/decorative" val="1"/>
-                </a:ext>
-              </a:extLst>
-            </p:cNvPr>
-            <p:cNvSpPr/>
-            <p:nvPr>
-              <p:extLst>
-                <p:ext uri="{386F3935-93C4-4BCD-93E2-E3B085C9AB24}">
-                  <p16:designElem xmlns:p16="http://schemas.microsoft.com/office/powerpoint/2015/main" val="1"/>
-                </p:ext>
-              </p:extLst>
-            </p:nvPr>
-          </p:nvSpPr>
-          <p:spPr>
-            <a:xfrm>
-              <a:off x="6201389" y="1"/>
-              <a:ext cx="1130725" cy="565575"/>
-            </a:xfrm>
-            <a:custGeom>
-              <a:avLst/>
-              <a:gdLst>
-                <a:gd name="connsiteX0" fmla="*/ 21 w 1130725"/>
-                <a:gd name="connsiteY0" fmla="*/ 0 h 565575"/>
-                <a:gd name="connsiteX1" fmla="*/ 1130704 w 1130725"/>
-                <a:gd name="connsiteY1" fmla="*/ 0 h 565575"/>
-                <a:gd name="connsiteX2" fmla="*/ 1130725 w 1130725"/>
-                <a:gd name="connsiteY2" fmla="*/ 213 h 565575"/>
-                <a:gd name="connsiteX3" fmla="*/ 565362 w 1130725"/>
-                <a:gd name="connsiteY3" fmla="*/ 565575 h 565575"/>
-                <a:gd name="connsiteX4" fmla="*/ 0 w 1130725"/>
-                <a:gd name="connsiteY4" fmla="*/ 213 h 565575"/>
-              </a:gdLst>
-              <a:ahLst/>
-              <a:cxnLst>
-                <a:cxn ang="0">
-                  <a:pos x="connsiteX0" y="connsiteY0"/>
-                </a:cxn>
-                <a:cxn ang="0">
-                  <a:pos x="connsiteX1" y="connsiteY1"/>
-                </a:cxn>
-                <a:cxn ang="0">
-                  <a:pos x="connsiteX2" y="connsiteY2"/>
-                </a:cxn>
-                <a:cxn ang="0">
-                  <a:pos x="connsiteX3" y="connsiteY3"/>
-                </a:cxn>
-                <a:cxn ang="0">
-                  <a:pos x="connsiteX4" y="connsiteY4"/>
-                </a:cxn>
-              </a:cxnLst>
-              <a:rect l="l" t="t" r="r" b="b"/>
-              <a:pathLst>
-                <a:path w="1130725" h="565575">
-                  <a:moveTo>
-                    <a:pt x="21" y="0"/>
-                  </a:moveTo>
-                  <a:lnTo>
-                    <a:pt x="1130704" y="0"/>
-                  </a:lnTo>
-                  <a:lnTo>
-                    <a:pt x="1130725" y="213"/>
-                  </a:lnTo>
-                  <a:cubicBezTo>
-                    <a:pt x="1130725" y="312454"/>
-                    <a:pt x="877604" y="565575"/>
-                    <a:pt x="565362" y="565575"/>
-                  </a:cubicBezTo>
-                  <a:cubicBezTo>
-                    <a:pt x="253121" y="565575"/>
-                    <a:pt x="0" y="312454"/>
-                    <a:pt x="0" y="213"/>
-                  </a:cubicBezTo>
-                  <a:close/>
-                </a:path>
-              </a:pathLst>
-            </a:custGeom>
-            <a:solidFill>
-              <a:schemeClr val="bg2"/>
-            </a:solidFill>
-            <a:ln>
-              <a:noFill/>
-            </a:ln>
-          </p:spPr>
-          <p:style>
-            <a:lnRef idx="2">
-              <a:schemeClr val="accent1">
-                <a:shade val="50000"/>
-              </a:schemeClr>
-            </a:lnRef>
-            <a:fillRef idx="1">
-              <a:schemeClr val="accent1"/>
-            </a:fillRef>
-            <a:effectRef idx="0">
-              <a:schemeClr val="accent1"/>
-            </a:effectRef>
-            <a:fontRef idx="minor">
-              <a:schemeClr val="lt1"/>
-            </a:fontRef>
-          </p:style>
-          <p:txBody>
-            <a:bodyPr wrap="square" rtlCol="0" anchor="ctr">
-              <a:noAutofit/>
-            </a:bodyPr>
-            <a:lstStyle/>
-            <a:p>
-              <a:pPr algn="ctr"/>
-              <a:endParaRPr lang="en-US"/>
-            </a:p>
-          </p:txBody>
-        </p:sp>
-        <p:sp>
-          <p:nvSpPr>
-            <p:cNvPr id="12" name="Freeform 48">
-              <a:extLst>
-                <a:ext uri="{FF2B5EF4-FFF2-40B4-BE49-F238E27FC236}">
-                  <a16:creationId xmlns:a16="http://schemas.microsoft.com/office/drawing/2014/main" id="{AE1903E3-6B5F-6B4C-9A1F-62628A050AEB}"/>
-                </a:ext>
-                <a:ext uri="{C183D7F6-B498-43B3-948B-1728B52AA6E4}">
-                  <adec:decorative xmlns:adec="http://schemas.microsoft.com/office/drawing/2017/decorative" val="1"/>
-                </a:ext>
-              </a:extLst>
-            </p:cNvPr>
-            <p:cNvSpPr/>
-            <p:nvPr>
-              <p:extLst>
-                <p:ext uri="{386F3935-93C4-4BCD-93E2-E3B085C9AB24}">
-                  <p16:designElem xmlns:p16="http://schemas.microsoft.com/office/powerpoint/2015/main" val="1"/>
-                </p:ext>
-              </p:extLst>
-            </p:nvPr>
-          </p:nvSpPr>
-          <p:spPr>
-            <a:xfrm>
-              <a:off x="7564255" y="6292426"/>
-              <a:ext cx="1130723" cy="565575"/>
-            </a:xfrm>
-            <a:custGeom>
-              <a:avLst/>
-              <a:gdLst>
-                <a:gd name="connsiteX0" fmla="*/ 565362 w 1130723"/>
-                <a:gd name="connsiteY0" fmla="*/ 0 h 565575"/>
-                <a:gd name="connsiteX1" fmla="*/ 1130723 w 1130723"/>
-                <a:gd name="connsiteY1" fmla="*/ 565362 h 565575"/>
-                <a:gd name="connsiteX2" fmla="*/ 1130702 w 1130723"/>
-                <a:gd name="connsiteY2" fmla="*/ 565575 h 565575"/>
-                <a:gd name="connsiteX3" fmla="*/ 21 w 1130723"/>
-                <a:gd name="connsiteY3" fmla="*/ 565575 h 565575"/>
-                <a:gd name="connsiteX4" fmla="*/ 0 w 1130723"/>
-                <a:gd name="connsiteY4" fmla="*/ 565362 h 565575"/>
-                <a:gd name="connsiteX5" fmla="*/ 565362 w 1130723"/>
-                <a:gd name="connsiteY5" fmla="*/ 0 h 565575"/>
-              </a:gdLst>
-              <a:ahLst/>
-              <a:cxnLst>
-                <a:cxn ang="0">
-                  <a:pos x="connsiteX0" y="connsiteY0"/>
-                </a:cxn>
-                <a:cxn ang="0">
-                  <a:pos x="connsiteX1" y="connsiteY1"/>
-                </a:cxn>
-                <a:cxn ang="0">
-                  <a:pos x="connsiteX2" y="connsiteY2"/>
-                </a:cxn>
-                <a:cxn ang="0">
-                  <a:pos x="connsiteX3" y="connsiteY3"/>
-                </a:cxn>
-                <a:cxn ang="0">
-                  <a:pos x="connsiteX4" y="connsiteY4"/>
-                </a:cxn>
-                <a:cxn ang="0">
-                  <a:pos x="connsiteX5" y="connsiteY5"/>
-                </a:cxn>
-              </a:cxnLst>
-              <a:rect l="l" t="t" r="r" b="b"/>
-              <a:pathLst>
-                <a:path w="1130723" h="565575">
-                  <a:moveTo>
-                    <a:pt x="565362" y="0"/>
-                  </a:moveTo>
-                  <a:cubicBezTo>
-                    <a:pt x="877602" y="0"/>
-                    <a:pt x="1130723" y="253121"/>
-                    <a:pt x="1130723" y="565362"/>
-                  </a:cubicBezTo>
-                  <a:lnTo>
-                    <a:pt x="1130702" y="565575"/>
-                  </a:lnTo>
-                  <a:lnTo>
-                    <a:pt x="21" y="565575"/>
-                  </a:lnTo>
-                  <a:lnTo>
-                    <a:pt x="0" y="565362"/>
-                  </a:lnTo>
-                  <a:cubicBezTo>
-                    <a:pt x="0" y="253121"/>
-                    <a:pt x="253120" y="0"/>
-                    <a:pt x="565362" y="0"/>
-                  </a:cubicBezTo>
-                  <a:close/>
-                </a:path>
-              </a:pathLst>
-            </a:custGeom>
-            <a:solidFill>
-              <a:schemeClr val="bg2"/>
-            </a:solidFill>
-            <a:ln>
-              <a:noFill/>
-            </a:ln>
-          </p:spPr>
-          <p:style>
-            <a:lnRef idx="2">
-              <a:schemeClr val="accent1">
-                <a:shade val="50000"/>
-              </a:schemeClr>
-            </a:lnRef>
-            <a:fillRef idx="1">
-              <a:schemeClr val="accent1"/>
-            </a:fillRef>
-            <a:effectRef idx="0">
-              <a:schemeClr val="accent1"/>
-            </a:effectRef>
-            <a:fontRef idx="minor">
-              <a:schemeClr val="lt1"/>
-            </a:fontRef>
-          </p:style>
-          <p:txBody>
-            <a:bodyPr wrap="square" rtlCol="0" anchor="ctr">
-              <a:noAutofit/>
-            </a:bodyPr>
-            <a:lstStyle/>
-            <a:p>
-              <a:pPr algn="ctr"/>
-              <a:endParaRPr lang="en-US"/>
-            </a:p>
-          </p:txBody>
-        </p:sp>
-        <p:sp>
-          <p:nvSpPr>
-            <p:cNvPr id="13" name="Oval 12">
-              <a:extLst>
-                <a:ext uri="{FF2B5EF4-FFF2-40B4-BE49-F238E27FC236}">
-                  <a16:creationId xmlns:a16="http://schemas.microsoft.com/office/drawing/2014/main" id="{F7C55863-3B37-0743-B001-1A970033FBA8}"/>
-                </a:ext>
-                <a:ext uri="{C183D7F6-B498-43B3-948B-1728B52AA6E4}">
-                  <adec:decorative xmlns:adec="http://schemas.microsoft.com/office/drawing/2017/decorative" val="1"/>
-                </a:ext>
-              </a:extLst>
-            </p:cNvPr>
-            <p:cNvSpPr/>
-            <p:nvPr>
-              <p:extLst>
-                <p:ext uri="{386F3935-93C4-4BCD-93E2-E3B085C9AB24}">
-                  <p16:designElem xmlns:p16="http://schemas.microsoft.com/office/powerpoint/2015/main" val="1"/>
-                </p:ext>
-              </p:extLst>
-            </p:nvPr>
-          </p:nvSpPr>
-          <p:spPr>
-            <a:xfrm>
-              <a:off x="7564253" y="3549396"/>
-              <a:ext cx="1130725" cy="1130724"/>
-            </a:xfrm>
-            <a:prstGeom prst="ellipse">
-              <a:avLst/>
-            </a:prstGeom>
-            <a:solidFill>
-              <a:schemeClr val="bg2"/>
-            </a:solidFill>
-            <a:ln>
-              <a:noFill/>
-            </a:ln>
-          </p:spPr>
-          <p:style>
-            <a:lnRef idx="2">
-              <a:schemeClr val="accent1">
-                <a:shade val="50000"/>
-              </a:schemeClr>
-            </a:lnRef>
-            <a:fillRef idx="1">
-              <a:schemeClr val="accent1"/>
-            </a:fillRef>
-            <a:effectRef idx="0">
-              <a:schemeClr val="accent1"/>
-            </a:effectRef>
-            <a:fontRef idx="minor">
-              <a:schemeClr val="lt1"/>
-            </a:fontRef>
-          </p:style>
-          <p:txBody>
-            <a:bodyPr rtlCol="0" anchor="ctr"/>
-            <a:lstStyle/>
-            <a:p>
-              <a:pPr algn="ctr"/>
-              <a:endParaRPr lang="en-US"/>
-            </a:p>
-          </p:txBody>
-        </p:sp>
-        <p:sp>
-          <p:nvSpPr>
-            <p:cNvPr id="14" name="Oval 13">
-              <a:extLst>
-                <a:ext uri="{FF2B5EF4-FFF2-40B4-BE49-F238E27FC236}">
-                  <a16:creationId xmlns:a16="http://schemas.microsoft.com/office/drawing/2014/main" id="{932B4C24-3A58-924C-B79A-D961EF7C2C48}"/>
-                </a:ext>
-                <a:ext uri="{C183D7F6-B498-43B3-948B-1728B52AA6E4}">
-                  <adec:decorative xmlns:adec="http://schemas.microsoft.com/office/drawing/2017/decorative" val="1"/>
-                </a:ext>
-              </a:extLst>
-            </p:cNvPr>
-            <p:cNvSpPr/>
-            <p:nvPr>
-              <p:extLst>
-                <p:ext uri="{386F3935-93C4-4BCD-93E2-E3B085C9AB24}">
-                  <p16:designElem xmlns:p16="http://schemas.microsoft.com/office/powerpoint/2015/main" val="1"/>
-                </p:ext>
-              </p:extLst>
-            </p:nvPr>
-          </p:nvSpPr>
-          <p:spPr>
-            <a:xfrm>
-              <a:off x="7564253" y="2177881"/>
-              <a:ext cx="1130725" cy="1130724"/>
-            </a:xfrm>
-            <a:prstGeom prst="ellipse">
-              <a:avLst/>
-            </a:prstGeom>
-            <a:solidFill>
-              <a:schemeClr val="bg2"/>
-            </a:solidFill>
-            <a:ln>
-              <a:noFill/>
-            </a:ln>
-          </p:spPr>
-          <p:style>
-            <a:lnRef idx="2">
-              <a:schemeClr val="accent1">
-                <a:shade val="50000"/>
-              </a:schemeClr>
-            </a:lnRef>
-            <a:fillRef idx="1">
-              <a:schemeClr val="accent1"/>
-            </a:fillRef>
-            <a:effectRef idx="0">
-              <a:schemeClr val="accent1"/>
-            </a:effectRef>
-            <a:fontRef idx="minor">
-              <a:schemeClr val="lt1"/>
-            </a:fontRef>
-          </p:style>
-          <p:txBody>
-            <a:bodyPr rtlCol="0" anchor="ctr"/>
-            <a:lstStyle/>
-            <a:p>
-              <a:pPr algn="ctr"/>
-              <a:endParaRPr lang="en-US"/>
-            </a:p>
-          </p:txBody>
-        </p:sp>
-        <p:sp>
-          <p:nvSpPr>
-            <p:cNvPr id="15" name="Oval 14">
-              <a:extLst>
-                <a:ext uri="{FF2B5EF4-FFF2-40B4-BE49-F238E27FC236}">
-                  <a16:creationId xmlns:a16="http://schemas.microsoft.com/office/drawing/2014/main" id="{21EF52E0-D2CF-544F-93A6-4D7B45A0483A}"/>
-                </a:ext>
-                <a:ext uri="{C183D7F6-B498-43B3-948B-1728B52AA6E4}">
-                  <adec:decorative xmlns:adec="http://schemas.microsoft.com/office/drawing/2017/decorative" val="1"/>
-                </a:ext>
-              </a:extLst>
-            </p:cNvPr>
-            <p:cNvSpPr/>
-            <p:nvPr>
-              <p:extLst>
-                <p:ext uri="{386F3935-93C4-4BCD-93E2-E3B085C9AB24}">
-                  <p16:designElem xmlns:p16="http://schemas.microsoft.com/office/powerpoint/2015/main" val="1"/>
-                </p:ext>
-              </p:extLst>
-            </p:nvPr>
-          </p:nvSpPr>
-          <p:spPr>
-            <a:xfrm>
-              <a:off x="7564253" y="806366"/>
-              <a:ext cx="1130725" cy="1130724"/>
-            </a:xfrm>
-            <a:prstGeom prst="ellipse">
-              <a:avLst/>
-            </a:prstGeom>
-            <a:solidFill>
-              <a:schemeClr val="accent1"/>
-            </a:solidFill>
-            <a:ln>
-              <a:noFill/>
-            </a:ln>
-          </p:spPr>
-          <p:style>
-            <a:lnRef idx="2">
-              <a:schemeClr val="accent1">
-                <a:shade val="50000"/>
-              </a:schemeClr>
-            </a:lnRef>
-            <a:fillRef idx="1">
-              <a:schemeClr val="accent1"/>
-            </a:fillRef>
-            <a:effectRef idx="0">
-              <a:schemeClr val="accent1"/>
-            </a:effectRef>
-            <a:fontRef idx="minor">
-              <a:schemeClr val="lt1"/>
-            </a:fontRef>
-          </p:style>
-          <p:txBody>
-            <a:bodyPr rtlCol="0" anchor="ctr"/>
-            <a:lstStyle/>
-            <a:p>
-              <a:pPr algn="ctr"/>
-              <a:endParaRPr lang="en-US"/>
-            </a:p>
-          </p:txBody>
-        </p:sp>
-        <p:sp>
-          <p:nvSpPr>
-            <p:cNvPr id="16" name="Freeform 63">
-              <a:extLst>
-                <a:ext uri="{FF2B5EF4-FFF2-40B4-BE49-F238E27FC236}">
-                  <a16:creationId xmlns:a16="http://schemas.microsoft.com/office/drawing/2014/main" id="{6966CFE5-1C8C-2E4F-9B2D-A8438F5A5322}"/>
-                </a:ext>
-                <a:ext uri="{C183D7F6-B498-43B3-948B-1728B52AA6E4}">
-                  <adec:decorative xmlns:adec="http://schemas.microsoft.com/office/drawing/2017/decorative" val="1"/>
-                </a:ext>
-              </a:extLst>
-            </p:cNvPr>
-            <p:cNvSpPr/>
-            <p:nvPr>
-              <p:extLst>
-                <p:ext uri="{386F3935-93C4-4BCD-93E2-E3B085C9AB24}">
-                  <p16:designElem xmlns:p16="http://schemas.microsoft.com/office/powerpoint/2015/main" val="1"/>
-                </p:ext>
-              </p:extLst>
-            </p:nvPr>
-          </p:nvSpPr>
-          <p:spPr>
-            <a:xfrm>
-              <a:off x="7564254" y="1"/>
-              <a:ext cx="1130725" cy="565575"/>
-            </a:xfrm>
-            <a:custGeom>
-              <a:avLst/>
-              <a:gdLst>
-                <a:gd name="connsiteX0" fmla="*/ 21 w 1130725"/>
-                <a:gd name="connsiteY0" fmla="*/ 0 h 565575"/>
-                <a:gd name="connsiteX1" fmla="*/ 1130704 w 1130725"/>
-                <a:gd name="connsiteY1" fmla="*/ 0 h 565575"/>
-                <a:gd name="connsiteX2" fmla="*/ 1130725 w 1130725"/>
-                <a:gd name="connsiteY2" fmla="*/ 213 h 565575"/>
-                <a:gd name="connsiteX3" fmla="*/ 565363 w 1130725"/>
-                <a:gd name="connsiteY3" fmla="*/ 565575 h 565575"/>
-                <a:gd name="connsiteX4" fmla="*/ 0 w 1130725"/>
-                <a:gd name="connsiteY4" fmla="*/ 213 h 565575"/>
-              </a:gdLst>
-              <a:ahLst/>
-              <a:cxnLst>
-                <a:cxn ang="0">
-                  <a:pos x="connsiteX0" y="connsiteY0"/>
-                </a:cxn>
-                <a:cxn ang="0">
-                  <a:pos x="connsiteX1" y="connsiteY1"/>
-                </a:cxn>
-                <a:cxn ang="0">
-                  <a:pos x="connsiteX2" y="connsiteY2"/>
-                </a:cxn>
-                <a:cxn ang="0">
-                  <a:pos x="connsiteX3" y="connsiteY3"/>
-                </a:cxn>
-                <a:cxn ang="0">
-                  <a:pos x="connsiteX4" y="connsiteY4"/>
-                </a:cxn>
-              </a:cxnLst>
-              <a:rect l="l" t="t" r="r" b="b"/>
-              <a:pathLst>
-                <a:path w="1130725" h="565575">
-                  <a:moveTo>
-                    <a:pt x="21" y="0"/>
-                  </a:moveTo>
-                  <a:lnTo>
-                    <a:pt x="1130704" y="0"/>
-                  </a:lnTo>
-                  <a:lnTo>
-                    <a:pt x="1130725" y="213"/>
-                  </a:lnTo>
-                  <a:cubicBezTo>
-                    <a:pt x="1130725" y="312454"/>
-                    <a:pt x="877603" y="565575"/>
-                    <a:pt x="565363" y="565575"/>
-                  </a:cubicBezTo>
-                  <a:cubicBezTo>
-                    <a:pt x="253121" y="565575"/>
-                    <a:pt x="0" y="312454"/>
-                    <a:pt x="0" y="213"/>
-                  </a:cubicBezTo>
-                  <a:close/>
-                </a:path>
-              </a:pathLst>
-            </a:custGeom>
-            <a:solidFill>
-              <a:schemeClr val="bg2"/>
-            </a:solidFill>
-            <a:ln>
-              <a:noFill/>
-            </a:ln>
-          </p:spPr>
-          <p:style>
-            <a:lnRef idx="2">
-              <a:schemeClr val="accent1">
-                <a:shade val="50000"/>
-              </a:schemeClr>
-            </a:lnRef>
-            <a:fillRef idx="1">
-              <a:schemeClr val="accent1"/>
-            </a:fillRef>
-            <a:effectRef idx="0">
-              <a:schemeClr val="accent1"/>
-            </a:effectRef>
-            <a:fontRef idx="minor">
-              <a:schemeClr val="lt1"/>
-            </a:fontRef>
-          </p:style>
-          <p:txBody>
-            <a:bodyPr wrap="square" rtlCol="0" anchor="ctr">
-              <a:noAutofit/>
-            </a:bodyPr>
-            <a:lstStyle/>
-            <a:p>
-              <a:pPr algn="ctr"/>
-              <a:endParaRPr lang="en-US"/>
-            </a:p>
-          </p:txBody>
-        </p:sp>
-        <p:sp>
-          <p:nvSpPr>
-            <p:cNvPr id="17" name="Freeform 64">
-              <a:extLst>
-                <a:ext uri="{FF2B5EF4-FFF2-40B4-BE49-F238E27FC236}">
-                  <a16:creationId xmlns:a16="http://schemas.microsoft.com/office/drawing/2014/main" id="{9FD29EF3-A5B2-554A-A307-6BE1BCE8AF03}"/>
-                </a:ext>
-                <a:ext uri="{C183D7F6-B498-43B3-948B-1728B52AA6E4}">
-                  <adec:decorative xmlns:adec="http://schemas.microsoft.com/office/drawing/2017/decorative" val="1"/>
-                </a:ext>
-              </a:extLst>
-            </p:cNvPr>
-            <p:cNvSpPr/>
-            <p:nvPr>
-              <p:extLst>
-                <p:ext uri="{386F3935-93C4-4BCD-93E2-E3B085C9AB24}">
-                  <p16:designElem xmlns:p16="http://schemas.microsoft.com/office/powerpoint/2015/main" val="1"/>
-                </p:ext>
-              </p:extLst>
-            </p:nvPr>
-          </p:nvSpPr>
-          <p:spPr>
-            <a:xfrm>
-              <a:off x="8927118" y="6292426"/>
-              <a:ext cx="1130724" cy="565575"/>
-            </a:xfrm>
-            <a:custGeom>
-              <a:avLst/>
-              <a:gdLst>
-                <a:gd name="connsiteX0" fmla="*/ 565362 w 1130724"/>
-                <a:gd name="connsiteY0" fmla="*/ 0 h 565575"/>
-                <a:gd name="connsiteX1" fmla="*/ 1130724 w 1130724"/>
-                <a:gd name="connsiteY1" fmla="*/ 565362 h 565575"/>
-                <a:gd name="connsiteX2" fmla="*/ 1130703 w 1130724"/>
-                <a:gd name="connsiteY2" fmla="*/ 565575 h 565575"/>
-                <a:gd name="connsiteX3" fmla="*/ 22 w 1130724"/>
-                <a:gd name="connsiteY3" fmla="*/ 565575 h 565575"/>
-                <a:gd name="connsiteX4" fmla="*/ 0 w 1130724"/>
-                <a:gd name="connsiteY4" fmla="*/ 565362 h 565575"/>
-                <a:gd name="connsiteX5" fmla="*/ 565362 w 1130724"/>
-                <a:gd name="connsiteY5" fmla="*/ 0 h 565575"/>
-              </a:gdLst>
-              <a:ahLst/>
-              <a:cxnLst>
-                <a:cxn ang="0">
-                  <a:pos x="connsiteX0" y="connsiteY0"/>
-                </a:cxn>
-                <a:cxn ang="0">
-                  <a:pos x="connsiteX1" y="connsiteY1"/>
-                </a:cxn>
-                <a:cxn ang="0">
-                  <a:pos x="connsiteX2" y="connsiteY2"/>
-                </a:cxn>
-                <a:cxn ang="0">
-                  <a:pos x="connsiteX3" y="connsiteY3"/>
-                </a:cxn>
-                <a:cxn ang="0">
-                  <a:pos x="connsiteX4" y="connsiteY4"/>
-                </a:cxn>
-                <a:cxn ang="0">
-                  <a:pos x="connsiteX5" y="connsiteY5"/>
-                </a:cxn>
-              </a:cxnLst>
-              <a:rect l="l" t="t" r="r" b="b"/>
-              <a:pathLst>
-                <a:path w="1130724" h="565575">
-                  <a:moveTo>
-                    <a:pt x="565362" y="0"/>
-                  </a:moveTo>
-                  <a:cubicBezTo>
-                    <a:pt x="877603" y="0"/>
-                    <a:pt x="1130724" y="253121"/>
-                    <a:pt x="1130724" y="565362"/>
-                  </a:cubicBezTo>
-                  <a:lnTo>
-                    <a:pt x="1130703" y="565575"/>
-                  </a:lnTo>
-                  <a:lnTo>
-                    <a:pt x="22" y="565575"/>
-                  </a:lnTo>
-                  <a:lnTo>
-                    <a:pt x="0" y="565362"/>
-                  </a:lnTo>
-                  <a:cubicBezTo>
-                    <a:pt x="0" y="253121"/>
-                    <a:pt x="253121" y="0"/>
-                    <a:pt x="565362" y="0"/>
-                  </a:cubicBezTo>
-                  <a:close/>
-                </a:path>
-              </a:pathLst>
-            </a:custGeom>
-            <a:solidFill>
-              <a:schemeClr val="accent1"/>
-            </a:solidFill>
-            <a:ln>
-              <a:noFill/>
-            </a:ln>
-          </p:spPr>
-          <p:style>
-            <a:lnRef idx="2">
-              <a:schemeClr val="accent1">
-                <a:shade val="50000"/>
-              </a:schemeClr>
-            </a:lnRef>
-            <a:fillRef idx="1">
-              <a:schemeClr val="accent1"/>
-            </a:fillRef>
-            <a:effectRef idx="0">
-              <a:schemeClr val="accent1"/>
-            </a:effectRef>
-            <a:fontRef idx="minor">
-              <a:schemeClr val="lt1"/>
-            </a:fontRef>
-          </p:style>
-          <p:txBody>
-            <a:bodyPr wrap="square" rtlCol="0" anchor="ctr">
-              <a:noAutofit/>
-            </a:bodyPr>
-            <a:lstStyle/>
-            <a:p>
-              <a:pPr algn="ctr"/>
-              <a:endParaRPr lang="en-US"/>
-            </a:p>
-          </p:txBody>
-        </p:sp>
-        <p:sp>
-          <p:nvSpPr>
-            <p:cNvPr id="18" name="Oval 17">
-              <a:extLst>
-                <a:ext uri="{FF2B5EF4-FFF2-40B4-BE49-F238E27FC236}">
-                  <a16:creationId xmlns:a16="http://schemas.microsoft.com/office/drawing/2014/main" id="{AC1ECAD8-0CF2-934D-AA1E-C108208CDE6F}"/>
-                </a:ext>
-                <a:ext uri="{C183D7F6-B498-43B3-948B-1728B52AA6E4}">
-                  <adec:decorative xmlns:adec="http://schemas.microsoft.com/office/drawing/2017/decorative" val="1"/>
-                </a:ext>
-              </a:extLst>
-            </p:cNvPr>
-            <p:cNvSpPr/>
-            <p:nvPr>
-              <p:extLst>
-                <p:ext uri="{386F3935-93C4-4BCD-93E2-E3B085C9AB24}">
-                  <p16:designElem xmlns:p16="http://schemas.microsoft.com/office/powerpoint/2015/main" val="1"/>
-                </p:ext>
-              </p:extLst>
-            </p:nvPr>
-          </p:nvSpPr>
-          <p:spPr>
-            <a:xfrm>
-              <a:off x="8927118" y="4920911"/>
-              <a:ext cx="1130725" cy="1130724"/>
-            </a:xfrm>
-            <a:prstGeom prst="ellipse">
-              <a:avLst/>
-            </a:prstGeom>
-            <a:solidFill>
-              <a:schemeClr val="bg2"/>
-            </a:solidFill>
-            <a:ln>
-              <a:noFill/>
-            </a:ln>
-          </p:spPr>
-          <p:style>
-            <a:lnRef idx="2">
-              <a:schemeClr val="accent1">
-                <a:shade val="50000"/>
-              </a:schemeClr>
-            </a:lnRef>
-            <a:fillRef idx="1">
-              <a:schemeClr val="accent1"/>
-            </a:fillRef>
-            <a:effectRef idx="0">
-              <a:schemeClr val="accent1"/>
-            </a:effectRef>
-            <a:fontRef idx="minor">
-              <a:schemeClr val="lt1"/>
-            </a:fontRef>
-          </p:style>
-          <p:txBody>
-            <a:bodyPr rtlCol="0" anchor="ctr"/>
-            <a:lstStyle/>
-            <a:p>
-              <a:pPr algn="ctr"/>
-              <a:endParaRPr lang="en-US"/>
-            </a:p>
-          </p:txBody>
-        </p:sp>
-        <p:sp>
-          <p:nvSpPr>
-            <p:cNvPr id="19" name="Oval 18">
-              <a:extLst>
-                <a:ext uri="{FF2B5EF4-FFF2-40B4-BE49-F238E27FC236}">
-                  <a16:creationId xmlns:a16="http://schemas.microsoft.com/office/drawing/2014/main" id="{DB14DED1-3A58-8C4D-902E-2A9F34043F61}"/>
-                </a:ext>
-                <a:ext uri="{C183D7F6-B498-43B3-948B-1728B52AA6E4}">
-                  <adec:decorative xmlns:adec="http://schemas.microsoft.com/office/drawing/2017/decorative" val="1"/>
-                </a:ext>
-              </a:extLst>
-            </p:cNvPr>
-            <p:cNvSpPr/>
-            <p:nvPr>
-              <p:extLst>
-                <p:ext uri="{386F3935-93C4-4BCD-93E2-E3B085C9AB24}">
-                  <p16:designElem xmlns:p16="http://schemas.microsoft.com/office/powerpoint/2015/main" val="1"/>
-                </p:ext>
-              </p:extLst>
-            </p:nvPr>
-          </p:nvSpPr>
-          <p:spPr>
-            <a:xfrm>
-              <a:off x="8927118" y="3549396"/>
-              <a:ext cx="1130725" cy="1130724"/>
-            </a:xfrm>
-            <a:prstGeom prst="ellipse">
-              <a:avLst/>
-            </a:prstGeom>
-            <a:solidFill>
-              <a:schemeClr val="accent1"/>
-            </a:solidFill>
-            <a:ln>
-              <a:noFill/>
-            </a:ln>
-          </p:spPr>
-          <p:style>
-            <a:lnRef idx="2">
-              <a:schemeClr val="accent1">
-                <a:shade val="50000"/>
-              </a:schemeClr>
-            </a:lnRef>
-            <a:fillRef idx="1">
-              <a:schemeClr val="accent1"/>
-            </a:fillRef>
-            <a:effectRef idx="0">
-              <a:schemeClr val="accent1"/>
-            </a:effectRef>
-            <a:fontRef idx="minor">
-              <a:schemeClr val="lt1"/>
-            </a:fontRef>
-          </p:style>
-          <p:txBody>
-            <a:bodyPr rtlCol="0" anchor="ctr"/>
-            <a:lstStyle/>
-            <a:p>
-              <a:pPr algn="ctr"/>
-              <a:endParaRPr lang="en-US"/>
-            </a:p>
-          </p:txBody>
-        </p:sp>
-        <p:sp>
-          <p:nvSpPr>
-            <p:cNvPr id="20" name="Oval 19">
-              <a:extLst>
-                <a:ext uri="{FF2B5EF4-FFF2-40B4-BE49-F238E27FC236}">
-                  <a16:creationId xmlns:a16="http://schemas.microsoft.com/office/drawing/2014/main" id="{65D65157-5719-0341-A807-A8956595FB4C}"/>
-                </a:ext>
-                <a:ext uri="{C183D7F6-B498-43B3-948B-1728B52AA6E4}">
-                  <adec:decorative xmlns:adec="http://schemas.microsoft.com/office/drawing/2017/decorative" val="1"/>
-                </a:ext>
-              </a:extLst>
-            </p:cNvPr>
-            <p:cNvSpPr/>
-            <p:nvPr>
-              <p:extLst>
-                <p:ext uri="{386F3935-93C4-4BCD-93E2-E3B085C9AB24}">
-                  <p16:designElem xmlns:p16="http://schemas.microsoft.com/office/powerpoint/2015/main" val="1"/>
-                </p:ext>
-              </p:extLst>
-            </p:nvPr>
-          </p:nvSpPr>
-          <p:spPr>
-            <a:xfrm>
-              <a:off x="8927118" y="2177881"/>
-              <a:ext cx="1130725" cy="1130724"/>
-            </a:xfrm>
-            <a:prstGeom prst="ellipse">
-              <a:avLst/>
-            </a:prstGeom>
-            <a:solidFill>
-              <a:schemeClr val="accent1"/>
-            </a:solidFill>
-            <a:ln>
-              <a:noFill/>
-            </a:ln>
-          </p:spPr>
-          <p:style>
-            <a:lnRef idx="2">
-              <a:schemeClr val="accent1">
-                <a:shade val="50000"/>
-              </a:schemeClr>
-            </a:lnRef>
-            <a:fillRef idx="1">
-              <a:schemeClr val="accent1"/>
-            </a:fillRef>
-            <a:effectRef idx="0">
-              <a:schemeClr val="accent1"/>
-            </a:effectRef>
-            <a:fontRef idx="minor">
-              <a:schemeClr val="lt1"/>
-            </a:fontRef>
-          </p:style>
-          <p:txBody>
-            <a:bodyPr rtlCol="0" anchor="ctr"/>
-            <a:lstStyle/>
-            <a:p>
-              <a:pPr algn="ctr"/>
-              <a:endParaRPr lang="en-US"/>
-            </a:p>
-          </p:txBody>
-        </p:sp>
-        <p:sp>
-          <p:nvSpPr>
-            <p:cNvPr id="21" name="Oval 20">
-              <a:extLst>
-                <a:ext uri="{FF2B5EF4-FFF2-40B4-BE49-F238E27FC236}">
-                  <a16:creationId xmlns:a16="http://schemas.microsoft.com/office/drawing/2014/main" id="{A7F23F74-B777-2A4C-8EF9-E798880D5942}"/>
-                </a:ext>
-                <a:ext uri="{C183D7F6-B498-43B3-948B-1728B52AA6E4}">
-                  <adec:decorative xmlns:adec="http://schemas.microsoft.com/office/drawing/2017/decorative" val="1"/>
-                </a:ext>
-              </a:extLst>
-            </p:cNvPr>
-            <p:cNvSpPr/>
-            <p:nvPr>
-              <p:extLst>
-                <p:ext uri="{386F3935-93C4-4BCD-93E2-E3B085C9AB24}">
-                  <p16:designElem xmlns:p16="http://schemas.microsoft.com/office/powerpoint/2015/main" val="1"/>
-                </p:ext>
-              </p:extLst>
-            </p:nvPr>
-          </p:nvSpPr>
-          <p:spPr>
-            <a:xfrm>
-              <a:off x="8927118" y="806366"/>
-              <a:ext cx="1130725" cy="1130724"/>
-            </a:xfrm>
-            <a:prstGeom prst="ellipse">
-              <a:avLst/>
-            </a:prstGeom>
-            <a:solidFill>
-              <a:schemeClr val="bg2"/>
-            </a:solidFill>
-            <a:ln>
-              <a:noFill/>
-            </a:ln>
-          </p:spPr>
-          <p:style>
-            <a:lnRef idx="2">
-              <a:schemeClr val="accent1">
-                <a:shade val="50000"/>
-              </a:schemeClr>
-            </a:lnRef>
-            <a:fillRef idx="1">
-              <a:schemeClr val="accent1"/>
-            </a:fillRef>
-            <a:effectRef idx="0">
-              <a:schemeClr val="accent1"/>
-            </a:effectRef>
-            <a:fontRef idx="minor">
-              <a:schemeClr val="lt1"/>
-            </a:fontRef>
-          </p:style>
-          <p:txBody>
-            <a:bodyPr rtlCol="0" anchor="ctr"/>
-            <a:lstStyle/>
-            <a:p>
-              <a:pPr algn="ctr"/>
-              <a:endParaRPr lang="en-US"/>
-            </a:p>
-          </p:txBody>
-        </p:sp>
-        <p:sp>
-          <p:nvSpPr>
-            <p:cNvPr id="22" name="Freeform 70">
-              <a:extLst>
-                <a:ext uri="{FF2B5EF4-FFF2-40B4-BE49-F238E27FC236}">
-                  <a16:creationId xmlns:a16="http://schemas.microsoft.com/office/drawing/2014/main" id="{E3B9A050-0AE1-1D4B-A2AC-6EEF64B106D9}"/>
-                </a:ext>
-                <a:ext uri="{C183D7F6-B498-43B3-948B-1728B52AA6E4}">
-                  <adec:decorative xmlns:adec="http://schemas.microsoft.com/office/drawing/2017/decorative" val="1"/>
-                </a:ext>
-              </a:extLst>
-            </p:cNvPr>
-            <p:cNvSpPr/>
-            <p:nvPr>
-              <p:extLst>
-                <p:ext uri="{386F3935-93C4-4BCD-93E2-E3B085C9AB24}">
-                  <p16:designElem xmlns:p16="http://schemas.microsoft.com/office/powerpoint/2015/main" val="1"/>
-                </p:ext>
-              </p:extLst>
-            </p:nvPr>
-          </p:nvSpPr>
-          <p:spPr>
-            <a:xfrm>
-              <a:off x="8927117" y="0"/>
-              <a:ext cx="1130726" cy="565576"/>
-            </a:xfrm>
-            <a:custGeom>
-              <a:avLst/>
-              <a:gdLst>
-                <a:gd name="connsiteX0" fmla="*/ 22 w 1130726"/>
-                <a:gd name="connsiteY0" fmla="*/ 0 h 565576"/>
-                <a:gd name="connsiteX1" fmla="*/ 1130704 w 1130726"/>
-                <a:gd name="connsiteY1" fmla="*/ 0 h 565576"/>
-                <a:gd name="connsiteX2" fmla="*/ 1130726 w 1130726"/>
-                <a:gd name="connsiteY2" fmla="*/ 214 h 565576"/>
-                <a:gd name="connsiteX3" fmla="*/ 565363 w 1130726"/>
-                <a:gd name="connsiteY3" fmla="*/ 565576 h 565576"/>
-                <a:gd name="connsiteX4" fmla="*/ 0 w 1130726"/>
-                <a:gd name="connsiteY4" fmla="*/ 214 h 565576"/>
-              </a:gdLst>
-              <a:ahLst/>
-              <a:cxnLst>
-                <a:cxn ang="0">
-                  <a:pos x="connsiteX0" y="connsiteY0"/>
-                </a:cxn>
-                <a:cxn ang="0">
-                  <a:pos x="connsiteX1" y="connsiteY1"/>
-                </a:cxn>
-                <a:cxn ang="0">
-                  <a:pos x="connsiteX2" y="connsiteY2"/>
-                </a:cxn>
-                <a:cxn ang="0">
-                  <a:pos x="connsiteX3" y="connsiteY3"/>
-                </a:cxn>
-                <a:cxn ang="0">
-                  <a:pos x="connsiteX4" y="connsiteY4"/>
-                </a:cxn>
-              </a:cxnLst>
-              <a:rect l="l" t="t" r="r" b="b"/>
-              <a:pathLst>
-                <a:path w="1130726" h="565576">
-                  <a:moveTo>
-                    <a:pt x="22" y="0"/>
-                  </a:moveTo>
-                  <a:lnTo>
-                    <a:pt x="1130704" y="0"/>
-                  </a:lnTo>
-                  <a:lnTo>
-                    <a:pt x="1130726" y="214"/>
-                  </a:lnTo>
-                  <a:cubicBezTo>
-                    <a:pt x="1130726" y="312455"/>
-                    <a:pt x="877604" y="565576"/>
-                    <a:pt x="565363" y="565576"/>
-                  </a:cubicBezTo>
-                  <a:cubicBezTo>
-                    <a:pt x="253122" y="565576"/>
-                    <a:pt x="0" y="312455"/>
-                    <a:pt x="0" y="214"/>
-                  </a:cubicBezTo>
-                  <a:close/>
-                </a:path>
-              </a:pathLst>
-            </a:custGeom>
-            <a:solidFill>
-              <a:schemeClr val="accent1"/>
-            </a:solidFill>
-            <a:ln>
-              <a:noFill/>
-            </a:ln>
-          </p:spPr>
-          <p:style>
-            <a:lnRef idx="2">
-              <a:schemeClr val="accent1">
-                <a:shade val="50000"/>
-              </a:schemeClr>
-            </a:lnRef>
-            <a:fillRef idx="1">
-              <a:schemeClr val="accent1"/>
-            </a:fillRef>
-            <a:effectRef idx="0">
-              <a:schemeClr val="accent1"/>
-            </a:effectRef>
-            <a:fontRef idx="minor">
-              <a:schemeClr val="lt1"/>
-            </a:fontRef>
-          </p:style>
-          <p:txBody>
-            <a:bodyPr wrap="square" rtlCol="0" anchor="ctr">
-              <a:noAutofit/>
-            </a:bodyPr>
-            <a:lstStyle/>
-            <a:p>
-              <a:pPr algn="ctr"/>
-              <a:endParaRPr lang="en-US"/>
-            </a:p>
-          </p:txBody>
-        </p:sp>
-        <p:sp>
-          <p:nvSpPr>
-            <p:cNvPr id="23" name="Freeform 71">
-              <a:extLst>
-                <a:ext uri="{FF2B5EF4-FFF2-40B4-BE49-F238E27FC236}">
-                  <a16:creationId xmlns:a16="http://schemas.microsoft.com/office/drawing/2014/main" id="{C424FE38-F803-8D47-BF56-1B18EC2B1F03}"/>
-                </a:ext>
-                <a:ext uri="{C183D7F6-B498-43B3-948B-1728B52AA6E4}">
-                  <adec:decorative xmlns:adec="http://schemas.microsoft.com/office/drawing/2017/decorative" val="1"/>
-                </a:ext>
-              </a:extLst>
-            </p:cNvPr>
-            <p:cNvSpPr/>
-            <p:nvPr>
-              <p:extLst>
-                <p:ext uri="{386F3935-93C4-4BCD-93E2-E3B085C9AB24}">
-                  <p16:designElem xmlns:p16="http://schemas.microsoft.com/office/powerpoint/2015/main" val="1"/>
-                </p:ext>
-              </p:extLst>
-            </p:nvPr>
-          </p:nvSpPr>
-          <p:spPr>
-            <a:xfrm>
-              <a:off x="10289984" y="6292426"/>
-              <a:ext cx="1130724" cy="565575"/>
-            </a:xfrm>
-            <a:custGeom>
-              <a:avLst/>
-              <a:gdLst>
-                <a:gd name="connsiteX0" fmla="*/ 565362 w 1130724"/>
-                <a:gd name="connsiteY0" fmla="*/ 0 h 565575"/>
-                <a:gd name="connsiteX1" fmla="*/ 1130724 w 1130724"/>
-                <a:gd name="connsiteY1" fmla="*/ 565362 h 565575"/>
-                <a:gd name="connsiteX2" fmla="*/ 1130703 w 1130724"/>
-                <a:gd name="connsiteY2" fmla="*/ 565575 h 565575"/>
-                <a:gd name="connsiteX3" fmla="*/ 21 w 1130724"/>
-                <a:gd name="connsiteY3" fmla="*/ 565575 h 565575"/>
-                <a:gd name="connsiteX4" fmla="*/ 0 w 1130724"/>
-                <a:gd name="connsiteY4" fmla="*/ 565362 h 565575"/>
-                <a:gd name="connsiteX5" fmla="*/ 565362 w 1130724"/>
-                <a:gd name="connsiteY5" fmla="*/ 0 h 565575"/>
-              </a:gdLst>
-              <a:ahLst/>
-              <a:cxnLst>
-                <a:cxn ang="0">
-                  <a:pos x="connsiteX0" y="connsiteY0"/>
-                </a:cxn>
-                <a:cxn ang="0">
-                  <a:pos x="connsiteX1" y="connsiteY1"/>
-                </a:cxn>
-                <a:cxn ang="0">
-                  <a:pos x="connsiteX2" y="connsiteY2"/>
-                </a:cxn>
-                <a:cxn ang="0">
-                  <a:pos x="connsiteX3" y="connsiteY3"/>
-                </a:cxn>
-                <a:cxn ang="0">
-                  <a:pos x="connsiteX4" y="connsiteY4"/>
-                </a:cxn>
-                <a:cxn ang="0">
-                  <a:pos x="connsiteX5" y="connsiteY5"/>
-                </a:cxn>
-              </a:cxnLst>
-              <a:rect l="l" t="t" r="r" b="b"/>
-              <a:pathLst>
-                <a:path w="1130724" h="565575">
-                  <a:moveTo>
-                    <a:pt x="565362" y="0"/>
-                  </a:moveTo>
-                  <a:cubicBezTo>
-                    <a:pt x="877603" y="0"/>
-                    <a:pt x="1130724" y="253121"/>
-                    <a:pt x="1130724" y="565362"/>
-                  </a:cubicBezTo>
-                  <a:lnTo>
-                    <a:pt x="1130703" y="565575"/>
-                  </a:lnTo>
-                  <a:lnTo>
-                    <a:pt x="21" y="565575"/>
-                  </a:lnTo>
-                  <a:lnTo>
-                    <a:pt x="0" y="565362"/>
-                  </a:lnTo>
-                  <a:cubicBezTo>
-                    <a:pt x="0" y="253121"/>
-                    <a:pt x="253121" y="0"/>
-                    <a:pt x="565362" y="0"/>
-                  </a:cubicBezTo>
-                  <a:close/>
-                </a:path>
-              </a:pathLst>
-            </a:custGeom>
-            <a:solidFill>
-              <a:schemeClr val="bg2"/>
-            </a:solidFill>
-            <a:ln>
-              <a:noFill/>
-            </a:ln>
-          </p:spPr>
-          <p:style>
-            <a:lnRef idx="2">
-              <a:schemeClr val="accent1">
-                <a:shade val="50000"/>
-              </a:schemeClr>
-            </a:lnRef>
-            <a:fillRef idx="1">
-              <a:schemeClr val="accent1"/>
-            </a:fillRef>
-            <a:effectRef idx="0">
-              <a:schemeClr val="accent1"/>
-            </a:effectRef>
-            <a:fontRef idx="minor">
-              <a:schemeClr val="lt1"/>
-            </a:fontRef>
-          </p:style>
-          <p:txBody>
-            <a:bodyPr wrap="square" rtlCol="0" anchor="ctr">
-              <a:noAutofit/>
-            </a:bodyPr>
-            <a:lstStyle/>
-            <a:p>
-              <a:pPr algn="ctr"/>
-              <a:endParaRPr lang="en-US"/>
-            </a:p>
-          </p:txBody>
-        </p:sp>
-        <p:sp>
-          <p:nvSpPr>
-            <p:cNvPr id="24" name="Oval 23">
-              <a:extLst>
-                <a:ext uri="{FF2B5EF4-FFF2-40B4-BE49-F238E27FC236}">
-                  <a16:creationId xmlns:a16="http://schemas.microsoft.com/office/drawing/2014/main" id="{E37187F2-9212-0641-97D0-1ACD50B748A8}"/>
-                </a:ext>
-                <a:ext uri="{C183D7F6-B498-43B3-948B-1728B52AA6E4}">
-                  <adec:decorative xmlns:adec="http://schemas.microsoft.com/office/drawing/2017/decorative" val="1"/>
-                </a:ext>
-              </a:extLst>
-            </p:cNvPr>
-            <p:cNvSpPr/>
-            <p:nvPr>
-              <p:extLst>
-                <p:ext uri="{386F3935-93C4-4BCD-93E2-E3B085C9AB24}">
-                  <p16:designElem xmlns:p16="http://schemas.microsoft.com/office/powerpoint/2015/main" val="1"/>
-                </p:ext>
-              </p:extLst>
-            </p:nvPr>
-          </p:nvSpPr>
-          <p:spPr>
-            <a:xfrm>
-              <a:off x="10289984" y="4920911"/>
-              <a:ext cx="1130725" cy="1130724"/>
-            </a:xfrm>
-            <a:prstGeom prst="ellipse">
-              <a:avLst/>
-            </a:prstGeom>
-            <a:solidFill>
-              <a:schemeClr val="accent1"/>
-            </a:solidFill>
-            <a:ln>
-              <a:noFill/>
-            </a:ln>
-          </p:spPr>
-          <p:style>
-            <a:lnRef idx="2">
-              <a:schemeClr val="accent1">
-                <a:shade val="50000"/>
-              </a:schemeClr>
-            </a:lnRef>
-            <a:fillRef idx="1">
-              <a:schemeClr val="accent1"/>
-            </a:fillRef>
-            <a:effectRef idx="0">
-              <a:schemeClr val="accent1"/>
-            </a:effectRef>
-            <a:fontRef idx="minor">
-              <a:schemeClr val="lt1"/>
-            </a:fontRef>
-          </p:style>
-          <p:txBody>
-            <a:bodyPr rtlCol="0" anchor="ctr"/>
-            <a:lstStyle/>
-            <a:p>
-              <a:pPr algn="ctr"/>
-              <a:endParaRPr lang="en-US"/>
-            </a:p>
-          </p:txBody>
-        </p:sp>
-        <p:sp>
-          <p:nvSpPr>
-            <p:cNvPr id="25" name="Oval 24">
-              <a:extLst>
-                <a:ext uri="{FF2B5EF4-FFF2-40B4-BE49-F238E27FC236}">
-                  <a16:creationId xmlns:a16="http://schemas.microsoft.com/office/drawing/2014/main" id="{C760C651-2AC4-564E-BEAA-AB7FAFE7F79F}"/>
-                </a:ext>
-                <a:ext uri="{C183D7F6-B498-43B3-948B-1728B52AA6E4}">
-                  <adec:decorative xmlns:adec="http://schemas.microsoft.com/office/drawing/2017/decorative" val="1"/>
-                </a:ext>
-              </a:extLst>
-            </p:cNvPr>
-            <p:cNvSpPr/>
-            <p:nvPr>
-              <p:extLst>
-                <p:ext uri="{386F3935-93C4-4BCD-93E2-E3B085C9AB24}">
-                  <p16:designElem xmlns:p16="http://schemas.microsoft.com/office/powerpoint/2015/main" val="1"/>
-                </p:ext>
-              </p:extLst>
-            </p:nvPr>
-          </p:nvSpPr>
-          <p:spPr>
-            <a:xfrm>
-              <a:off x="10289984" y="3549396"/>
-              <a:ext cx="1130725" cy="1130724"/>
-            </a:xfrm>
-            <a:prstGeom prst="ellipse">
-              <a:avLst/>
-            </a:prstGeom>
-            <a:solidFill>
-              <a:schemeClr val="bg2"/>
-            </a:solidFill>
-            <a:ln>
-              <a:noFill/>
-            </a:ln>
-          </p:spPr>
-          <p:style>
-            <a:lnRef idx="2">
-              <a:schemeClr val="accent1">
-                <a:shade val="50000"/>
-              </a:schemeClr>
-            </a:lnRef>
-            <a:fillRef idx="1">
-              <a:schemeClr val="accent1"/>
-            </a:fillRef>
-            <a:effectRef idx="0">
-              <a:schemeClr val="accent1"/>
-            </a:effectRef>
-            <a:fontRef idx="minor">
-              <a:schemeClr val="lt1"/>
-            </a:fontRef>
-          </p:style>
-          <p:txBody>
-            <a:bodyPr rtlCol="0" anchor="ctr"/>
-            <a:lstStyle/>
-            <a:p>
-              <a:pPr algn="ctr"/>
-              <a:endParaRPr lang="en-US"/>
-            </a:p>
-          </p:txBody>
-        </p:sp>
-        <p:sp>
-          <p:nvSpPr>
-            <p:cNvPr id="26" name="Oval 25">
-              <a:extLst>
-                <a:ext uri="{FF2B5EF4-FFF2-40B4-BE49-F238E27FC236}">
-                  <a16:creationId xmlns:a16="http://schemas.microsoft.com/office/drawing/2014/main" id="{58B0A1B8-5BA3-3548-9511-B4904D05264B}"/>
-                </a:ext>
-                <a:ext uri="{C183D7F6-B498-43B3-948B-1728B52AA6E4}">
-                  <adec:decorative xmlns:adec="http://schemas.microsoft.com/office/drawing/2017/decorative" val="1"/>
-                </a:ext>
-              </a:extLst>
-            </p:cNvPr>
-            <p:cNvSpPr/>
-            <p:nvPr>
-              <p:extLst>
-                <p:ext uri="{386F3935-93C4-4BCD-93E2-E3B085C9AB24}">
-                  <p16:designElem xmlns:p16="http://schemas.microsoft.com/office/powerpoint/2015/main" val="1"/>
-                </p:ext>
-              </p:extLst>
-            </p:nvPr>
-          </p:nvSpPr>
-          <p:spPr>
-            <a:xfrm>
-              <a:off x="10289984" y="806366"/>
-              <a:ext cx="1130725" cy="1130724"/>
-            </a:xfrm>
-            <a:prstGeom prst="ellipse">
-              <a:avLst/>
-            </a:prstGeom>
-            <a:solidFill>
-              <a:schemeClr val="bg2"/>
-            </a:solidFill>
-            <a:ln>
-              <a:noFill/>
-            </a:ln>
-          </p:spPr>
-          <p:style>
-            <a:lnRef idx="2">
-              <a:schemeClr val="accent1">
-                <a:shade val="50000"/>
-              </a:schemeClr>
-            </a:lnRef>
-            <a:fillRef idx="1">
-              <a:schemeClr val="accent1"/>
-            </a:fillRef>
-            <a:effectRef idx="0">
-              <a:schemeClr val="accent1"/>
-            </a:effectRef>
-            <a:fontRef idx="minor">
-              <a:schemeClr val="lt1"/>
-            </a:fontRef>
-          </p:style>
-          <p:txBody>
-            <a:bodyPr rtlCol="0" anchor="ctr"/>
-            <a:lstStyle/>
-            <a:p>
-              <a:pPr algn="ctr"/>
-              <a:endParaRPr lang="en-US"/>
-            </a:p>
-          </p:txBody>
-        </p:sp>
-        <p:sp>
-          <p:nvSpPr>
-            <p:cNvPr id="27" name="Freeform 75">
-              <a:extLst>
-                <a:ext uri="{FF2B5EF4-FFF2-40B4-BE49-F238E27FC236}">
-                  <a16:creationId xmlns:a16="http://schemas.microsoft.com/office/drawing/2014/main" id="{424CD779-EE9A-214D-9488-767327E373AA}"/>
-                </a:ext>
-                <a:ext uri="{C183D7F6-B498-43B3-948B-1728B52AA6E4}">
-                  <adec:decorative xmlns:adec="http://schemas.microsoft.com/office/drawing/2017/decorative" val="1"/>
-                </a:ext>
-              </a:extLst>
-            </p:cNvPr>
-            <p:cNvSpPr/>
-            <p:nvPr>
-              <p:extLst>
-                <p:ext uri="{386F3935-93C4-4BCD-93E2-E3B085C9AB24}">
-                  <p16:designElem xmlns:p16="http://schemas.microsoft.com/office/powerpoint/2015/main" val="1"/>
-                </p:ext>
-              </p:extLst>
-            </p:nvPr>
-          </p:nvSpPr>
-          <p:spPr>
-            <a:xfrm>
-              <a:off x="10289983" y="0"/>
-              <a:ext cx="1130726" cy="565576"/>
-            </a:xfrm>
-            <a:custGeom>
-              <a:avLst/>
-              <a:gdLst>
-                <a:gd name="connsiteX0" fmla="*/ 21 w 1130726"/>
-                <a:gd name="connsiteY0" fmla="*/ 0 h 565576"/>
-                <a:gd name="connsiteX1" fmla="*/ 1130704 w 1130726"/>
-                <a:gd name="connsiteY1" fmla="*/ 0 h 565576"/>
-                <a:gd name="connsiteX2" fmla="*/ 1130726 w 1130726"/>
-                <a:gd name="connsiteY2" fmla="*/ 214 h 565576"/>
-                <a:gd name="connsiteX3" fmla="*/ 565363 w 1130726"/>
-                <a:gd name="connsiteY3" fmla="*/ 565576 h 565576"/>
-                <a:gd name="connsiteX4" fmla="*/ 0 w 1130726"/>
-                <a:gd name="connsiteY4" fmla="*/ 214 h 565576"/>
-              </a:gdLst>
-              <a:ahLst/>
-              <a:cxnLst>
-                <a:cxn ang="0">
-                  <a:pos x="connsiteX0" y="connsiteY0"/>
-                </a:cxn>
-                <a:cxn ang="0">
-                  <a:pos x="connsiteX1" y="connsiteY1"/>
-                </a:cxn>
-                <a:cxn ang="0">
-                  <a:pos x="connsiteX2" y="connsiteY2"/>
-                </a:cxn>
-                <a:cxn ang="0">
-                  <a:pos x="connsiteX3" y="connsiteY3"/>
-                </a:cxn>
-                <a:cxn ang="0">
-                  <a:pos x="connsiteX4" y="connsiteY4"/>
-                </a:cxn>
-              </a:cxnLst>
-              <a:rect l="l" t="t" r="r" b="b"/>
-              <a:pathLst>
-                <a:path w="1130726" h="565576">
-                  <a:moveTo>
-                    <a:pt x="21" y="0"/>
-                  </a:moveTo>
-                  <a:lnTo>
-                    <a:pt x="1130704" y="0"/>
-                  </a:lnTo>
-                  <a:lnTo>
-                    <a:pt x="1130726" y="214"/>
-                  </a:lnTo>
-                  <a:cubicBezTo>
-                    <a:pt x="1130726" y="312455"/>
-                    <a:pt x="877604" y="565576"/>
-                    <a:pt x="565363" y="565576"/>
-                  </a:cubicBezTo>
-                  <a:cubicBezTo>
-                    <a:pt x="253122" y="565576"/>
-                    <a:pt x="0" y="312455"/>
-                    <a:pt x="0" y="214"/>
-                  </a:cubicBezTo>
-                  <a:close/>
-                </a:path>
-              </a:pathLst>
-            </a:custGeom>
-            <a:solidFill>
-              <a:schemeClr val="bg2"/>
-            </a:solidFill>
-            <a:ln>
-              <a:noFill/>
-            </a:ln>
-          </p:spPr>
-          <p:style>
-            <a:lnRef idx="2">
-              <a:schemeClr val="accent1">
-                <a:shade val="50000"/>
-              </a:schemeClr>
-            </a:lnRef>
-            <a:fillRef idx="1">
-              <a:schemeClr val="accent1"/>
-            </a:fillRef>
-            <a:effectRef idx="0">
-              <a:schemeClr val="accent1"/>
-            </a:effectRef>
-            <a:fontRef idx="minor">
-              <a:schemeClr val="lt1"/>
-            </a:fontRef>
-          </p:style>
-          <p:txBody>
-            <a:bodyPr wrap="square" rtlCol="0" anchor="ctr">
-              <a:noAutofit/>
-            </a:bodyPr>
-            <a:lstStyle/>
-            <a:p>
-              <a:pPr algn="ctr"/>
-              <a:endParaRPr lang="en-US"/>
-            </a:p>
-          </p:txBody>
-        </p:sp>
-        <p:sp>
-          <p:nvSpPr>
-            <p:cNvPr id="28" name="Freeform 76">
-              <a:extLst>
-                <a:ext uri="{FF2B5EF4-FFF2-40B4-BE49-F238E27FC236}">
-                  <a16:creationId xmlns:a16="http://schemas.microsoft.com/office/drawing/2014/main" id="{630D08C6-9EFB-8540-875F-2A55DED2AAE3}"/>
-                </a:ext>
-                <a:ext uri="{C183D7F6-B498-43B3-948B-1728B52AA6E4}">
-                  <adec:decorative xmlns:adec="http://schemas.microsoft.com/office/drawing/2017/decorative" val="1"/>
-                </a:ext>
-              </a:extLst>
-            </p:cNvPr>
-            <p:cNvSpPr/>
-            <p:nvPr>
-              <p:extLst>
-                <p:ext uri="{386F3935-93C4-4BCD-93E2-E3B085C9AB24}">
-                  <p16:designElem xmlns:p16="http://schemas.microsoft.com/office/powerpoint/2015/main" val="1"/>
-                </p:ext>
-              </p:extLst>
-            </p:nvPr>
-          </p:nvSpPr>
-          <p:spPr>
-            <a:xfrm>
-              <a:off x="11652854" y="6295069"/>
-              <a:ext cx="539146" cy="562931"/>
-            </a:xfrm>
-            <a:custGeom>
-              <a:avLst/>
-              <a:gdLst>
-                <a:gd name="connsiteX0" fmla="*/ 539146 w 539146"/>
-                <a:gd name="connsiteY0" fmla="*/ 0 h 562931"/>
-                <a:gd name="connsiteX1" fmla="*/ 539146 w 539146"/>
-                <a:gd name="connsiteY1" fmla="*/ 562931 h 562931"/>
-                <a:gd name="connsiteX2" fmla="*/ 21 w 539146"/>
-                <a:gd name="connsiteY2" fmla="*/ 562931 h 562931"/>
-                <a:gd name="connsiteX3" fmla="*/ 0 w 539146"/>
-                <a:gd name="connsiteY3" fmla="*/ 562719 h 562931"/>
-                <a:gd name="connsiteX4" fmla="*/ 451422 w 539146"/>
-                <a:gd name="connsiteY4" fmla="*/ 8843 h 562931"/>
-              </a:gdLst>
-              <a:ahLst/>
-              <a:cxnLst>
-                <a:cxn ang="0">
-                  <a:pos x="connsiteX0" y="connsiteY0"/>
-                </a:cxn>
-                <a:cxn ang="0">
-                  <a:pos x="connsiteX1" y="connsiteY1"/>
-                </a:cxn>
-                <a:cxn ang="0">
-                  <a:pos x="connsiteX2" y="connsiteY2"/>
-                </a:cxn>
-                <a:cxn ang="0">
-                  <a:pos x="connsiteX3" y="connsiteY3"/>
-                </a:cxn>
-                <a:cxn ang="0">
-                  <a:pos x="connsiteX4" y="connsiteY4"/>
-                </a:cxn>
-              </a:cxnLst>
-              <a:rect l="l" t="t" r="r" b="b"/>
-              <a:pathLst>
-                <a:path w="539146" h="562931">
-                  <a:moveTo>
-                    <a:pt x="539146" y="0"/>
-                  </a:moveTo>
-                  <a:lnTo>
-                    <a:pt x="539146" y="562931"/>
-                  </a:lnTo>
-                  <a:lnTo>
-                    <a:pt x="21" y="562931"/>
-                  </a:lnTo>
-                  <a:lnTo>
-                    <a:pt x="0" y="562719"/>
-                  </a:lnTo>
-                  <a:cubicBezTo>
-                    <a:pt x="0" y="289508"/>
-                    <a:pt x="193796" y="61561"/>
-                    <a:pt x="451422" y="8843"/>
-                  </a:cubicBezTo>
-                  <a:close/>
-                </a:path>
-              </a:pathLst>
-            </a:custGeom>
-            <a:solidFill>
-              <a:schemeClr val="bg2"/>
-            </a:solidFill>
-            <a:ln>
-              <a:noFill/>
-            </a:ln>
-          </p:spPr>
-          <p:style>
-            <a:lnRef idx="2">
-              <a:schemeClr val="accent1">
-                <a:shade val="50000"/>
-              </a:schemeClr>
-            </a:lnRef>
-            <a:fillRef idx="1">
-              <a:schemeClr val="accent1"/>
-            </a:fillRef>
-            <a:effectRef idx="0">
-              <a:schemeClr val="accent1"/>
-            </a:effectRef>
-            <a:fontRef idx="minor">
-              <a:schemeClr val="lt1"/>
-            </a:fontRef>
-          </p:style>
-          <p:txBody>
-            <a:bodyPr wrap="square" rtlCol="0" anchor="ctr">
-              <a:noAutofit/>
-            </a:bodyPr>
-            <a:lstStyle/>
-            <a:p>
-              <a:pPr algn="ctr"/>
-              <a:endParaRPr lang="en-US"/>
-            </a:p>
-          </p:txBody>
-        </p:sp>
-        <p:sp>
-          <p:nvSpPr>
-            <p:cNvPr id="29" name="Freeform 77">
-              <a:extLst>
-                <a:ext uri="{FF2B5EF4-FFF2-40B4-BE49-F238E27FC236}">
-                  <a16:creationId xmlns:a16="http://schemas.microsoft.com/office/drawing/2014/main" id="{D7E8DA86-1294-4641-9C52-6E153150641C}"/>
-                </a:ext>
-                <a:ext uri="{C183D7F6-B498-43B3-948B-1728B52AA6E4}">
-                  <adec:decorative xmlns:adec="http://schemas.microsoft.com/office/drawing/2017/decorative" val="1"/>
-                </a:ext>
-              </a:extLst>
-            </p:cNvPr>
-            <p:cNvSpPr/>
-            <p:nvPr>
-              <p:extLst>
-                <p:ext uri="{386F3935-93C4-4BCD-93E2-E3B085C9AB24}">
-                  <p16:designElem xmlns:p16="http://schemas.microsoft.com/office/powerpoint/2015/main" val="1"/>
-                </p:ext>
-              </p:extLst>
-            </p:nvPr>
-          </p:nvSpPr>
-          <p:spPr>
-            <a:xfrm>
-              <a:off x="11652853" y="4923555"/>
-              <a:ext cx="539147" cy="1125439"/>
-            </a:xfrm>
-            <a:custGeom>
-              <a:avLst/>
-              <a:gdLst>
-                <a:gd name="connsiteX0" fmla="*/ 539147 w 539147"/>
-                <a:gd name="connsiteY0" fmla="*/ 0 h 1125439"/>
-                <a:gd name="connsiteX1" fmla="*/ 539147 w 539147"/>
-                <a:gd name="connsiteY1" fmla="*/ 1125439 h 1125439"/>
-                <a:gd name="connsiteX2" fmla="*/ 451423 w 539147"/>
-                <a:gd name="connsiteY2" fmla="*/ 1116595 h 1125439"/>
-                <a:gd name="connsiteX3" fmla="*/ 0 w 539147"/>
-                <a:gd name="connsiteY3" fmla="*/ 562719 h 1125439"/>
-                <a:gd name="connsiteX4" fmla="*/ 451423 w 539147"/>
-                <a:gd name="connsiteY4" fmla="*/ 8843 h 1125439"/>
-              </a:gdLst>
-              <a:ahLst/>
-              <a:cxnLst>
-                <a:cxn ang="0">
-                  <a:pos x="connsiteX0" y="connsiteY0"/>
-                </a:cxn>
-                <a:cxn ang="0">
-                  <a:pos x="connsiteX1" y="connsiteY1"/>
-                </a:cxn>
-                <a:cxn ang="0">
-                  <a:pos x="connsiteX2" y="connsiteY2"/>
-                </a:cxn>
-                <a:cxn ang="0">
-                  <a:pos x="connsiteX3" y="connsiteY3"/>
-                </a:cxn>
-                <a:cxn ang="0">
-                  <a:pos x="connsiteX4" y="connsiteY4"/>
-                </a:cxn>
-              </a:cxnLst>
-              <a:rect l="l" t="t" r="r" b="b"/>
-              <a:pathLst>
-                <a:path w="539147" h="1125439">
-                  <a:moveTo>
-                    <a:pt x="539147" y="0"/>
-                  </a:moveTo>
-                  <a:lnTo>
-                    <a:pt x="539147" y="1125439"/>
-                  </a:lnTo>
-                  <a:lnTo>
-                    <a:pt x="451423" y="1116595"/>
-                  </a:lnTo>
-                  <a:cubicBezTo>
-                    <a:pt x="193797" y="1063877"/>
-                    <a:pt x="0" y="835930"/>
-                    <a:pt x="0" y="562719"/>
-                  </a:cubicBezTo>
-                  <a:cubicBezTo>
-                    <a:pt x="0" y="289508"/>
-                    <a:pt x="193797" y="61561"/>
-                    <a:pt x="451423" y="8843"/>
-                  </a:cubicBezTo>
-                  <a:close/>
-                </a:path>
-              </a:pathLst>
-            </a:custGeom>
-            <a:solidFill>
-              <a:schemeClr val="accent1"/>
-            </a:solidFill>
-            <a:ln>
-              <a:noFill/>
-            </a:ln>
-          </p:spPr>
-          <p:style>
-            <a:lnRef idx="2">
-              <a:schemeClr val="accent1">
-                <a:shade val="50000"/>
-              </a:schemeClr>
-            </a:lnRef>
-            <a:fillRef idx="1">
-              <a:schemeClr val="accent1"/>
-            </a:fillRef>
-            <a:effectRef idx="0">
-              <a:schemeClr val="accent1"/>
-            </a:effectRef>
-            <a:fontRef idx="minor">
-              <a:schemeClr val="lt1"/>
-            </a:fontRef>
-          </p:style>
-          <p:txBody>
-            <a:bodyPr wrap="square" rtlCol="0" anchor="ctr">
-              <a:noAutofit/>
-            </a:bodyPr>
-            <a:lstStyle/>
-            <a:p>
-              <a:pPr algn="ctr"/>
-              <a:endParaRPr lang="en-US"/>
-            </a:p>
-          </p:txBody>
-        </p:sp>
-        <p:sp>
-          <p:nvSpPr>
-            <p:cNvPr id="30" name="Freeform 78">
-              <a:extLst>
-                <a:ext uri="{FF2B5EF4-FFF2-40B4-BE49-F238E27FC236}">
-                  <a16:creationId xmlns:a16="http://schemas.microsoft.com/office/drawing/2014/main" id="{011063C9-2A43-3348-A018-F27FACAA778D}"/>
-                </a:ext>
-                <a:ext uri="{C183D7F6-B498-43B3-948B-1728B52AA6E4}">
-                  <adec:decorative xmlns:adec="http://schemas.microsoft.com/office/drawing/2017/decorative" val="1"/>
-                </a:ext>
-              </a:extLst>
-            </p:cNvPr>
-            <p:cNvSpPr/>
-            <p:nvPr>
-              <p:extLst>
-                <p:ext uri="{386F3935-93C4-4BCD-93E2-E3B085C9AB24}">
-                  <p16:designElem xmlns:p16="http://schemas.microsoft.com/office/powerpoint/2015/main" val="1"/>
-                </p:ext>
-              </p:extLst>
-            </p:nvPr>
-          </p:nvSpPr>
-          <p:spPr>
-            <a:xfrm>
-              <a:off x="11652853" y="3552039"/>
-              <a:ext cx="539147" cy="1125438"/>
-            </a:xfrm>
-            <a:custGeom>
-              <a:avLst/>
-              <a:gdLst>
-                <a:gd name="connsiteX0" fmla="*/ 539147 w 539147"/>
-                <a:gd name="connsiteY0" fmla="*/ 0 h 1125438"/>
-                <a:gd name="connsiteX1" fmla="*/ 539147 w 539147"/>
-                <a:gd name="connsiteY1" fmla="*/ 1125438 h 1125438"/>
-                <a:gd name="connsiteX2" fmla="*/ 451423 w 539147"/>
-                <a:gd name="connsiteY2" fmla="*/ 1116595 h 1125438"/>
-                <a:gd name="connsiteX3" fmla="*/ 0 w 539147"/>
-                <a:gd name="connsiteY3" fmla="*/ 562719 h 1125438"/>
-                <a:gd name="connsiteX4" fmla="*/ 451423 w 539147"/>
-                <a:gd name="connsiteY4" fmla="*/ 8843 h 1125438"/>
-              </a:gdLst>
-              <a:ahLst/>
-              <a:cxnLst>
-                <a:cxn ang="0">
-                  <a:pos x="connsiteX0" y="connsiteY0"/>
-                </a:cxn>
-                <a:cxn ang="0">
-                  <a:pos x="connsiteX1" y="connsiteY1"/>
-                </a:cxn>
-                <a:cxn ang="0">
-                  <a:pos x="connsiteX2" y="connsiteY2"/>
-                </a:cxn>
-                <a:cxn ang="0">
-                  <a:pos x="connsiteX3" y="connsiteY3"/>
-                </a:cxn>
-                <a:cxn ang="0">
-                  <a:pos x="connsiteX4" y="connsiteY4"/>
-                </a:cxn>
-              </a:cxnLst>
-              <a:rect l="l" t="t" r="r" b="b"/>
-              <a:pathLst>
-                <a:path w="539147" h="1125438">
-                  <a:moveTo>
-                    <a:pt x="539147" y="0"/>
-                  </a:moveTo>
-                  <a:lnTo>
-                    <a:pt x="539147" y="1125438"/>
-                  </a:lnTo>
-                  <a:lnTo>
-                    <a:pt x="451423" y="1116595"/>
-                  </a:lnTo>
-                  <a:cubicBezTo>
-                    <a:pt x="193797" y="1063877"/>
-                    <a:pt x="0" y="835930"/>
-                    <a:pt x="0" y="562719"/>
-                  </a:cubicBezTo>
-                  <a:cubicBezTo>
-                    <a:pt x="0" y="289508"/>
-                    <a:pt x="193797" y="61561"/>
-                    <a:pt x="451423" y="8843"/>
-                  </a:cubicBezTo>
-                  <a:close/>
-                </a:path>
-              </a:pathLst>
-            </a:custGeom>
-            <a:solidFill>
-              <a:schemeClr val="bg2"/>
-            </a:solidFill>
-            <a:ln>
-              <a:noFill/>
-            </a:ln>
-          </p:spPr>
-          <p:style>
-            <a:lnRef idx="2">
-              <a:schemeClr val="accent1">
-                <a:shade val="50000"/>
-              </a:schemeClr>
-            </a:lnRef>
-            <a:fillRef idx="1">
-              <a:schemeClr val="accent1"/>
-            </a:fillRef>
-            <a:effectRef idx="0">
-              <a:schemeClr val="accent1"/>
-            </a:effectRef>
-            <a:fontRef idx="minor">
-              <a:schemeClr val="lt1"/>
-            </a:fontRef>
-          </p:style>
-          <p:txBody>
-            <a:bodyPr wrap="square" rtlCol="0" anchor="ctr">
-              <a:noAutofit/>
-            </a:bodyPr>
-            <a:lstStyle/>
-            <a:p>
-              <a:pPr algn="ctr"/>
-              <a:endParaRPr lang="en-US"/>
-            </a:p>
-          </p:txBody>
-        </p:sp>
-        <p:sp>
-          <p:nvSpPr>
-            <p:cNvPr id="31" name="Freeform 79">
-              <a:extLst>
-                <a:ext uri="{FF2B5EF4-FFF2-40B4-BE49-F238E27FC236}">
-                  <a16:creationId xmlns:a16="http://schemas.microsoft.com/office/drawing/2014/main" id="{EE85C7DE-D965-244F-BD95-3A05FF4AAC61}"/>
-                </a:ext>
-                <a:ext uri="{C183D7F6-B498-43B3-948B-1728B52AA6E4}">
-                  <adec:decorative xmlns:adec="http://schemas.microsoft.com/office/drawing/2017/decorative" val="1"/>
-                </a:ext>
-              </a:extLst>
-            </p:cNvPr>
-            <p:cNvSpPr/>
-            <p:nvPr>
-              <p:extLst>
-                <p:ext uri="{386F3935-93C4-4BCD-93E2-E3B085C9AB24}">
-                  <p16:designElem xmlns:p16="http://schemas.microsoft.com/office/powerpoint/2015/main" val="1"/>
-                </p:ext>
-              </p:extLst>
-            </p:nvPr>
-          </p:nvSpPr>
-          <p:spPr>
-            <a:xfrm>
-              <a:off x="11652853" y="2180524"/>
-              <a:ext cx="539147" cy="1125438"/>
-            </a:xfrm>
-            <a:custGeom>
-              <a:avLst/>
-              <a:gdLst>
-                <a:gd name="connsiteX0" fmla="*/ 539147 w 539147"/>
-                <a:gd name="connsiteY0" fmla="*/ 0 h 1125438"/>
-                <a:gd name="connsiteX1" fmla="*/ 539147 w 539147"/>
-                <a:gd name="connsiteY1" fmla="*/ 1125438 h 1125438"/>
-                <a:gd name="connsiteX2" fmla="*/ 451423 w 539147"/>
-                <a:gd name="connsiteY2" fmla="*/ 1116595 h 1125438"/>
-                <a:gd name="connsiteX3" fmla="*/ 0 w 539147"/>
-                <a:gd name="connsiteY3" fmla="*/ 562719 h 1125438"/>
-                <a:gd name="connsiteX4" fmla="*/ 451423 w 539147"/>
-                <a:gd name="connsiteY4" fmla="*/ 8843 h 1125438"/>
-              </a:gdLst>
-              <a:ahLst/>
-              <a:cxnLst>
-                <a:cxn ang="0">
-                  <a:pos x="connsiteX0" y="connsiteY0"/>
-                </a:cxn>
-                <a:cxn ang="0">
-                  <a:pos x="connsiteX1" y="connsiteY1"/>
-                </a:cxn>
-                <a:cxn ang="0">
-                  <a:pos x="connsiteX2" y="connsiteY2"/>
-                </a:cxn>
-                <a:cxn ang="0">
-                  <a:pos x="connsiteX3" y="connsiteY3"/>
-                </a:cxn>
-                <a:cxn ang="0">
-                  <a:pos x="connsiteX4" y="connsiteY4"/>
-                </a:cxn>
-              </a:cxnLst>
-              <a:rect l="l" t="t" r="r" b="b"/>
-              <a:pathLst>
-                <a:path w="539147" h="1125438">
-                  <a:moveTo>
-                    <a:pt x="539147" y="0"/>
-                  </a:moveTo>
-                  <a:lnTo>
-                    <a:pt x="539147" y="1125438"/>
-                  </a:lnTo>
-                  <a:lnTo>
-                    <a:pt x="451423" y="1116595"/>
-                  </a:lnTo>
-                  <a:cubicBezTo>
-                    <a:pt x="193797" y="1063877"/>
-                    <a:pt x="0" y="835930"/>
-                    <a:pt x="0" y="562719"/>
-                  </a:cubicBezTo>
-                  <a:cubicBezTo>
-                    <a:pt x="0" y="289509"/>
-                    <a:pt x="193797" y="61561"/>
-                    <a:pt x="451423" y="8843"/>
-                  </a:cubicBezTo>
-                  <a:close/>
-                </a:path>
-              </a:pathLst>
-            </a:custGeom>
-            <a:solidFill>
-              <a:schemeClr val="bg2"/>
-            </a:solidFill>
-            <a:ln>
-              <a:noFill/>
-            </a:ln>
-          </p:spPr>
-          <p:style>
-            <a:lnRef idx="2">
-              <a:schemeClr val="accent1">
-                <a:shade val="50000"/>
-              </a:schemeClr>
-            </a:lnRef>
-            <a:fillRef idx="1">
-              <a:schemeClr val="accent1"/>
-            </a:fillRef>
-            <a:effectRef idx="0">
-              <a:schemeClr val="accent1"/>
-            </a:effectRef>
-            <a:fontRef idx="minor">
-              <a:schemeClr val="lt1"/>
-            </a:fontRef>
-          </p:style>
-          <p:txBody>
-            <a:bodyPr wrap="square" rtlCol="0" anchor="ctr">
-              <a:noAutofit/>
-            </a:bodyPr>
-            <a:lstStyle/>
-            <a:p>
-              <a:pPr algn="ctr"/>
-              <a:endParaRPr lang="en-US"/>
-            </a:p>
-          </p:txBody>
-        </p:sp>
-        <p:sp>
-          <p:nvSpPr>
-            <p:cNvPr id="32" name="Freeform 80">
-              <a:extLst>
-                <a:ext uri="{FF2B5EF4-FFF2-40B4-BE49-F238E27FC236}">
-                  <a16:creationId xmlns:a16="http://schemas.microsoft.com/office/drawing/2014/main" id="{315A1389-149A-3342-A863-637D42FDB28D}"/>
-                </a:ext>
-                <a:ext uri="{C183D7F6-B498-43B3-948B-1728B52AA6E4}">
-                  <adec:decorative xmlns:adec="http://schemas.microsoft.com/office/drawing/2017/decorative" val="1"/>
-                </a:ext>
-              </a:extLst>
-            </p:cNvPr>
-            <p:cNvSpPr/>
-            <p:nvPr>
-              <p:extLst>
-                <p:ext uri="{386F3935-93C4-4BCD-93E2-E3B085C9AB24}">
-                  <p16:designElem xmlns:p16="http://schemas.microsoft.com/office/powerpoint/2015/main" val="1"/>
-                </p:ext>
-              </p:extLst>
-            </p:nvPr>
-          </p:nvSpPr>
-          <p:spPr>
-            <a:xfrm>
-              <a:off x="11652853" y="809010"/>
-              <a:ext cx="539147" cy="1125439"/>
-            </a:xfrm>
-            <a:custGeom>
-              <a:avLst/>
-              <a:gdLst>
-                <a:gd name="connsiteX0" fmla="*/ 539147 w 539147"/>
-                <a:gd name="connsiteY0" fmla="*/ 0 h 1125439"/>
-                <a:gd name="connsiteX1" fmla="*/ 539147 w 539147"/>
-                <a:gd name="connsiteY1" fmla="*/ 1125439 h 1125439"/>
-                <a:gd name="connsiteX2" fmla="*/ 451423 w 539147"/>
-                <a:gd name="connsiteY2" fmla="*/ 1116595 h 1125439"/>
-                <a:gd name="connsiteX3" fmla="*/ 0 w 539147"/>
-                <a:gd name="connsiteY3" fmla="*/ 562719 h 1125439"/>
-                <a:gd name="connsiteX4" fmla="*/ 451423 w 539147"/>
-                <a:gd name="connsiteY4" fmla="*/ 8843 h 1125439"/>
-              </a:gdLst>
-              <a:ahLst/>
-              <a:cxnLst>
-                <a:cxn ang="0">
-                  <a:pos x="connsiteX0" y="connsiteY0"/>
-                </a:cxn>
-                <a:cxn ang="0">
-                  <a:pos x="connsiteX1" y="connsiteY1"/>
-                </a:cxn>
-                <a:cxn ang="0">
-                  <a:pos x="connsiteX2" y="connsiteY2"/>
-                </a:cxn>
-                <a:cxn ang="0">
-                  <a:pos x="connsiteX3" y="connsiteY3"/>
-                </a:cxn>
-                <a:cxn ang="0">
-                  <a:pos x="connsiteX4" y="connsiteY4"/>
-                </a:cxn>
-              </a:cxnLst>
-              <a:rect l="l" t="t" r="r" b="b"/>
-              <a:pathLst>
-                <a:path w="539147" h="1125439">
-                  <a:moveTo>
-                    <a:pt x="539147" y="0"/>
-                  </a:moveTo>
-                  <a:lnTo>
-                    <a:pt x="539147" y="1125439"/>
-                  </a:lnTo>
-                  <a:lnTo>
-                    <a:pt x="451423" y="1116595"/>
-                  </a:lnTo>
-                  <a:cubicBezTo>
-                    <a:pt x="193797" y="1063877"/>
-                    <a:pt x="0" y="835930"/>
-                    <a:pt x="0" y="562719"/>
-                  </a:cubicBezTo>
-                  <a:cubicBezTo>
-                    <a:pt x="0" y="289508"/>
-                    <a:pt x="193797" y="61561"/>
-                    <a:pt x="451423" y="8843"/>
-                  </a:cubicBezTo>
-                  <a:close/>
-                </a:path>
-              </a:pathLst>
-            </a:custGeom>
-            <a:solidFill>
-              <a:schemeClr val="bg2"/>
-            </a:solidFill>
-            <a:ln>
-              <a:noFill/>
-            </a:ln>
-          </p:spPr>
-          <p:style>
-            <a:lnRef idx="2">
-              <a:schemeClr val="accent1">
-                <a:shade val="50000"/>
-              </a:schemeClr>
-            </a:lnRef>
-            <a:fillRef idx="1">
-              <a:schemeClr val="accent1"/>
-            </a:fillRef>
-            <a:effectRef idx="0">
-              <a:schemeClr val="accent1"/>
-            </a:effectRef>
-            <a:fontRef idx="minor">
-              <a:schemeClr val="lt1"/>
-            </a:fontRef>
-          </p:style>
-          <p:txBody>
-            <a:bodyPr wrap="square" rtlCol="0" anchor="ctr">
-              <a:noAutofit/>
-            </a:bodyPr>
-            <a:lstStyle/>
-            <a:p>
-              <a:pPr algn="ctr"/>
-              <a:endParaRPr lang="en-US"/>
-            </a:p>
-          </p:txBody>
-        </p:sp>
-        <p:sp>
-          <p:nvSpPr>
-            <p:cNvPr id="33" name="Freeform 81">
-              <a:extLst>
-                <a:ext uri="{FF2B5EF4-FFF2-40B4-BE49-F238E27FC236}">
-                  <a16:creationId xmlns:a16="http://schemas.microsoft.com/office/drawing/2014/main" id="{B149CC6F-B6C6-BE46-B451-1BF7D47A8936}"/>
-                </a:ext>
-                <a:ext uri="{C183D7F6-B498-43B3-948B-1728B52AA6E4}">
-                  <adec:decorative xmlns:adec="http://schemas.microsoft.com/office/drawing/2017/decorative" val="1"/>
-                </a:ext>
-              </a:extLst>
-            </p:cNvPr>
-            <p:cNvSpPr/>
-            <p:nvPr>
-              <p:extLst>
-                <p:ext uri="{386F3935-93C4-4BCD-93E2-E3B085C9AB24}">
-                  <p16:designElem xmlns:p16="http://schemas.microsoft.com/office/powerpoint/2015/main" val="1"/>
-                </p:ext>
-              </p:extLst>
-            </p:nvPr>
-          </p:nvSpPr>
-          <p:spPr>
-            <a:xfrm>
-              <a:off x="11652853" y="1"/>
-              <a:ext cx="539147" cy="562933"/>
-            </a:xfrm>
-            <a:custGeom>
-              <a:avLst/>
-              <a:gdLst>
-                <a:gd name="connsiteX0" fmla="*/ 22 w 539147"/>
-                <a:gd name="connsiteY0" fmla="*/ 0 h 562933"/>
-                <a:gd name="connsiteX1" fmla="*/ 539147 w 539147"/>
-                <a:gd name="connsiteY1" fmla="*/ 0 h 562933"/>
-                <a:gd name="connsiteX2" fmla="*/ 539147 w 539147"/>
-                <a:gd name="connsiteY2" fmla="*/ 562933 h 562933"/>
-                <a:gd name="connsiteX3" fmla="*/ 451423 w 539147"/>
-                <a:gd name="connsiteY3" fmla="*/ 554090 h 562933"/>
-                <a:gd name="connsiteX4" fmla="*/ 0 w 539147"/>
-                <a:gd name="connsiteY4" fmla="*/ 214 h 562933"/>
-              </a:gdLst>
-              <a:ahLst/>
-              <a:cxnLst>
-                <a:cxn ang="0">
-                  <a:pos x="connsiteX0" y="connsiteY0"/>
-                </a:cxn>
-                <a:cxn ang="0">
-                  <a:pos x="connsiteX1" y="connsiteY1"/>
-                </a:cxn>
-                <a:cxn ang="0">
-                  <a:pos x="connsiteX2" y="connsiteY2"/>
-                </a:cxn>
-                <a:cxn ang="0">
-                  <a:pos x="connsiteX3" y="connsiteY3"/>
-                </a:cxn>
-                <a:cxn ang="0">
-                  <a:pos x="connsiteX4" y="connsiteY4"/>
-                </a:cxn>
-              </a:cxnLst>
-              <a:rect l="l" t="t" r="r" b="b"/>
-              <a:pathLst>
-                <a:path w="539147" h="562933">
-                  <a:moveTo>
-                    <a:pt x="22" y="0"/>
-                  </a:moveTo>
-                  <a:lnTo>
-                    <a:pt x="539147" y="0"/>
-                  </a:lnTo>
-                  <a:lnTo>
-                    <a:pt x="539147" y="562933"/>
-                  </a:lnTo>
-                  <a:lnTo>
-                    <a:pt x="451423" y="554090"/>
-                  </a:lnTo>
-                  <a:cubicBezTo>
-                    <a:pt x="193797" y="501372"/>
-                    <a:pt x="0" y="273425"/>
-                    <a:pt x="0" y="214"/>
-                  </a:cubicBezTo>
-                  <a:close/>
-                </a:path>
-              </a:pathLst>
-            </a:custGeom>
-            <a:solidFill>
-              <a:schemeClr val="bg2"/>
-            </a:solidFill>
-            <a:ln>
-              <a:noFill/>
-            </a:ln>
-          </p:spPr>
-          <p:style>
-            <a:lnRef idx="2">
-              <a:schemeClr val="accent1">
-                <a:shade val="50000"/>
-              </a:schemeClr>
-            </a:lnRef>
-            <a:fillRef idx="1">
-              <a:schemeClr val="accent1"/>
-            </a:fillRef>
-            <a:effectRef idx="0">
-              <a:schemeClr val="accent1"/>
-            </a:effectRef>
-            <a:fontRef idx="minor">
-              <a:schemeClr val="lt1"/>
-            </a:fontRef>
-          </p:style>
-          <p:txBody>
-            <a:bodyPr wrap="square" rtlCol="0" anchor="ctr">
-              <a:noAutofit/>
-            </a:bodyPr>
-            <a:lstStyle/>
-            <a:p>
-              <a:pPr algn="ctr"/>
-              <a:endParaRPr lang="en-US"/>
-            </a:p>
-          </p:txBody>
-        </p:sp>
-      </p:grpSp>
-      <p:cxnSp>
-        <p:nvCxnSpPr>
-          <p:cNvPr id="35" name="Straight Connector 34">
-            <a:extLst>
-              <a:ext uri="{FF2B5EF4-FFF2-40B4-BE49-F238E27FC236}">
-                <a16:creationId xmlns:a16="http://schemas.microsoft.com/office/drawing/2014/main" id="{D33A3282-0389-C547-8CA6-7F3E7F27B34D}"/>
-              </a:ext>
-              <a:ext uri="{C183D7F6-B498-43B3-948B-1728B52AA6E4}">
-                <adec:decorative xmlns:adec="http://schemas.microsoft.com/office/drawing/2017/decorative" val="1"/>
-              </a:ext>
-            </a:extLst>
-          </p:cNvPr>
-          <p:cNvCxnSpPr>
-            <a:cxnSpLocks noGrp="1" noRot="1" noChangeAspect="1" noMove="1" noResize="1" noEditPoints="1" noAdjustHandles="1" noChangeArrowheads="1" noChangeShapeType="1"/>
-          </p:cNvCxnSpPr>
-          <p:nvPr>
-            <p:extLst>
-              <p:ext uri="{386F3935-93C4-4BCD-93E2-E3B085C9AB24}">
-                <p16:designElem xmlns:p16="http://schemas.microsoft.com/office/powerpoint/2015/main" val="1"/>
-              </p:ext>
-            </p:extLst>
-          </p:nvPr>
-        </p:nvCxnSpPr>
-        <p:spPr>
-          <a:xfrm>
-            <a:off x="565150" y="6087110"/>
-            <a:ext cx="5066001" cy="0"/>
-          </a:xfrm>
-          <a:prstGeom prst="line">
-            <a:avLst/>
-          </a:prstGeom>
-          <a:ln w="12700">
-            <a:solidFill>
-              <a:schemeClr val="bg1">
-                <a:lumMod val="65000"/>
-              </a:schemeClr>
-            </a:solidFill>
-          </a:ln>
-        </p:spPr>
-        <p:style>
-          <a:lnRef idx="1">
-            <a:schemeClr val="accent1"/>
-          </a:lnRef>
-          <a:fillRef idx="0">
-            <a:schemeClr val="accent1"/>
-          </a:fillRef>
-          <a:effectRef idx="0">
-            <a:schemeClr val="accent1"/>
-          </a:effectRef>
-          <a:fontRef idx="minor">
-            <a:schemeClr val="tx1"/>
-          </a:fontRef>
-        </p:style>
-      </p:cxnSp>
-      <p:sp useBgFill="1">
-        <p:nvSpPr>
-          <p:cNvPr id="37" name="Rectangle 36">
-            <a:extLst>
-              <a:ext uri="{FF2B5EF4-FFF2-40B4-BE49-F238E27FC236}">
-                <a16:creationId xmlns:a16="http://schemas.microsoft.com/office/drawing/2014/main" id="{4EFE82FE-7465-AE46-88DF-34D347E83B84}"/>
-              </a:ext>
-              <a:ext uri="{C183D7F6-B498-43B3-948B-1728B52AA6E4}">
-                <adec:decorative xmlns:adec="http://schemas.microsoft.com/office/drawing/2017/decorative" val="1"/>
-              </a:ext>
-            </a:extLst>
-          </p:cNvPr>
-          <p:cNvSpPr>
-            <a:spLocks noGrp="1" noRot="1" noChangeAspect="1" noMove="1" noResize="1" noEditPoints="1" noAdjustHandles="1" noChangeArrowheads="1" noChangeShapeType="1" noTextEdit="1"/>
-          </p:cNvSpPr>
-          <p:nvPr>
-            <p:extLst>
-              <p:ext uri="{386F3935-93C4-4BCD-93E2-E3B085C9AB24}">
-                <p16:designElem xmlns:p16="http://schemas.microsoft.com/office/powerpoint/2015/main" val="1"/>
-              </p:ext>
-            </p:extLst>
-          </p:nvPr>
-        </p:nvSpPr>
-        <p:spPr>
-          <a:xfrm>
-            <a:off x="0" y="0"/>
-            <a:ext cx="12192000" cy="6858000"/>
-          </a:xfrm>
-          <a:prstGeom prst="rect">
-            <a:avLst/>
-          </a:prstGeom>
-          <a:ln>
-            <a:noFill/>
-          </a:ln>
-        </p:spPr>
-        <p:style>
-          <a:lnRef idx="2">
-            <a:schemeClr val="accent1">
-              <a:shade val="50000"/>
-            </a:schemeClr>
-          </a:lnRef>
-          <a:fillRef idx="1">
-            <a:schemeClr val="accent1"/>
-          </a:fillRef>
-          <a:effectRef idx="0">
-            <a:schemeClr val="accent1"/>
-          </a:effectRef>
-          <a:fontRef idx="minor">
-            <a:schemeClr val="lt1"/>
-          </a:fontRef>
-        </p:style>
-        <p:txBody>
-          <a:bodyPr rtlCol="0" anchor="ctr"/>
-          <a:lstStyle/>
-          <a:p>
-            <a:pPr algn="ctr"/>
-            <a:endParaRPr lang="en-US"/>
-          </a:p>
-        </p:txBody>
-      </p:sp>
-      <p:pic>
-        <p:nvPicPr>
-          <p:cNvPr id="5" name="Picture 4" descr="Three mini houses made of legos">
-            <a:extLst>
-              <a:ext uri="{FF2B5EF4-FFF2-40B4-BE49-F238E27FC236}">
-                <a16:creationId xmlns:a16="http://schemas.microsoft.com/office/drawing/2014/main" id="{204EA65F-A29F-E154-CA17-0B2AF4FCF923}"/>
-              </a:ext>
-            </a:extLst>
-          </p:cNvPr>
-          <p:cNvPicPr>
-            <a:picLocks noChangeAspect="1"/>
-          </p:cNvPicPr>
-          <p:nvPr/>
-        </p:nvPicPr>
-        <p:blipFill>
-          <a:blip r:embed="rId3"/>
-          <a:srcRect t="15413"/>
-          <a:stretch/>
-        </p:blipFill>
-        <p:spPr>
-          <a:xfrm>
-            <a:off x="20" y="120396"/>
-            <a:ext cx="12191980" cy="6857999"/>
-          </a:xfrm>
-          <a:prstGeom prst="rect">
-            <a:avLst/>
-          </a:prstGeom>
-        </p:spPr>
-      </p:pic>
-      <p:sp>
-        <p:nvSpPr>
-          <p:cNvPr id="39" name="Rectangle">
-            <a:extLst>
-              <a:ext uri="{FF2B5EF4-FFF2-40B4-BE49-F238E27FC236}">
-                <a16:creationId xmlns:a16="http://schemas.microsoft.com/office/drawing/2014/main" id="{B4F75AE3-A3AC-DE4C-98FE-EC9DC3BF8DA5}"/>
-              </a:ext>
-              <a:ext uri="{C183D7F6-B498-43B3-948B-1728B52AA6E4}">
-                <adec:decorative xmlns:adec="http://schemas.microsoft.com/office/drawing/2017/decorative" val="1"/>
-              </a:ext>
-            </a:extLst>
-          </p:cNvPr>
-          <p:cNvSpPr>
-            <a:spLocks noGrp="1" noRot="1" noChangeAspect="1" noMove="1" noResize="1" noEditPoints="1" noAdjustHandles="1" noChangeArrowheads="1" noChangeShapeType="1" noTextEdit="1"/>
-          </p:cNvSpPr>
-          <p:nvPr>
-            <p:extLst>
-              <p:ext uri="{386F3935-93C4-4BCD-93E2-E3B085C9AB24}">
-                <p16:designElem xmlns:p16="http://schemas.microsoft.com/office/powerpoint/2015/main" val="1"/>
-              </p:ext>
-            </p:extLst>
-          </p:nvPr>
-        </p:nvSpPr>
-        <p:spPr>
-          <a:xfrm>
-            <a:off x="6924783" y="-1"/>
-            <a:ext cx="5267217" cy="6858000"/>
-          </a:xfrm>
-          <a:prstGeom prst="rect">
-            <a:avLst/>
-          </a:prstGeom>
-          <a:gradFill flip="none" rotWithShape="1">
-            <a:gsLst>
-              <a:gs pos="31000">
-                <a:schemeClr val="bg1">
-                  <a:alpha val="80000"/>
-                </a:schemeClr>
-              </a:gs>
-              <a:gs pos="0">
-                <a:schemeClr val="bg1"/>
-              </a:gs>
-              <a:gs pos="100000">
-                <a:schemeClr val="bg1">
-                  <a:alpha val="34000"/>
-                </a:schemeClr>
-              </a:gs>
-            </a:gsLst>
-            <a:path path="circle">
-              <a:fillToRect r="100000" b="100000"/>
-            </a:path>
-            <a:tileRect l="-100000" t="-100000"/>
-          </a:gradFill>
-          <a:ln w="12700">
-            <a:miter lim="400000"/>
-          </a:ln>
-        </p:spPr>
-        <p:txBody>
-          <a:bodyPr lIns="50800" tIns="50800" rIns="50800" bIns="50800" anchor="ctr"/>
-          <a:lstStyle/>
-          <a:p>
-            <a:pPr algn="ctr"/>
-            <a:endParaRPr sz="2600" cap="all" dirty="0">
-              <a:solidFill>
-                <a:srgbClr val="FFFFFF"/>
-              </a:solidFill>
-              <a:sym typeface="Avenir Next"/>
-            </a:endParaRPr>
-          </a:p>
-        </p:txBody>
-      </p:sp>
-      <p:grpSp>
-        <p:nvGrpSpPr>
-          <p:cNvPr id="41" name="Group 40">
-            <a:extLst>
-              <a:ext uri="{FF2B5EF4-FFF2-40B4-BE49-F238E27FC236}">
-                <a16:creationId xmlns:a16="http://schemas.microsoft.com/office/drawing/2014/main" id="{44406D7A-DB1A-D940-8AD1-93FAF9DD7199}"/>
-              </a:ext>
-              <a:ext uri="{C183D7F6-B498-43B3-948B-1728B52AA6E4}">
-                <adec:decorative xmlns:adec="http://schemas.microsoft.com/office/drawing/2017/decorative" val="1"/>
-              </a:ext>
-            </a:extLst>
-          </p:cNvPr>
-          <p:cNvGrpSpPr>
-            <a:grpSpLocks noGrp="1" noUngrp="1" noRot="1" noChangeAspect="1" noMove="1" noResize="1"/>
-          </p:cNvGrpSpPr>
-          <p:nvPr>
-            <p:extLst>
-              <p:ext uri="{386F3935-93C4-4BCD-93E2-E3B085C9AB24}">
-                <p16:designElem xmlns:p16="http://schemas.microsoft.com/office/powerpoint/2015/main" val="1"/>
-              </p:ext>
-            </p:extLst>
-          </p:nvPr>
-        </p:nvGrpSpPr>
-        <p:grpSpPr>
-          <a:xfrm>
-            <a:off x="10291746" y="0"/>
-            <a:ext cx="1900254" cy="6858000"/>
-            <a:chOff x="10291746" y="0"/>
-            <a:chExt cx="1900254" cy="6858000"/>
-          </a:xfrm>
-        </p:grpSpPr>
-        <p:sp>
-          <p:nvSpPr>
-            <p:cNvPr id="42" name="Freeform 40">
-              <a:extLst>
-                <a:ext uri="{FF2B5EF4-FFF2-40B4-BE49-F238E27FC236}">
-                  <a16:creationId xmlns:a16="http://schemas.microsoft.com/office/drawing/2014/main" id="{D0F85DF7-431B-BE45-B932-0E22FC3F84A5}"/>
-                </a:ext>
-                <a:ext uri="{C183D7F6-B498-43B3-948B-1728B52AA6E4}">
-                  <adec:decorative xmlns:adec="http://schemas.microsoft.com/office/drawing/2017/decorative" val="1"/>
-                </a:ext>
-              </a:extLst>
-            </p:cNvPr>
-            <p:cNvSpPr/>
-            <p:nvPr>
-              <p:extLst>
-                <p:ext uri="{386F3935-93C4-4BCD-93E2-E3B085C9AB24}">
-                  <p16:designElem xmlns:p16="http://schemas.microsoft.com/office/powerpoint/2015/main" val="1"/>
-                </p:ext>
-              </p:extLst>
-            </p:nvPr>
-          </p:nvSpPr>
-          <p:spPr>
-            <a:xfrm>
-              <a:off x="11655829" y="809310"/>
-              <a:ext cx="536171" cy="1124839"/>
-            </a:xfrm>
-            <a:custGeom>
-              <a:avLst/>
-              <a:gdLst>
-                <a:gd name="connsiteX0" fmla="*/ 536171 w 536171"/>
-                <a:gd name="connsiteY0" fmla="*/ 0 h 1124839"/>
-                <a:gd name="connsiteX1" fmla="*/ 536171 w 536171"/>
-                <a:gd name="connsiteY1" fmla="*/ 1124839 h 1124839"/>
-                <a:gd name="connsiteX2" fmla="*/ 451423 w 536171"/>
-                <a:gd name="connsiteY2" fmla="*/ 1116295 h 1124839"/>
-                <a:gd name="connsiteX3" fmla="*/ 0 w 536171"/>
-                <a:gd name="connsiteY3" fmla="*/ 562419 h 1124839"/>
-                <a:gd name="connsiteX4" fmla="*/ 451423 w 536171"/>
-                <a:gd name="connsiteY4" fmla="*/ 8543 h 1124839"/>
-              </a:gdLst>
-              <a:ahLst/>
-              <a:cxnLst>
-                <a:cxn ang="0">
-                  <a:pos x="connsiteX0" y="connsiteY0"/>
-                </a:cxn>
-                <a:cxn ang="0">
-                  <a:pos x="connsiteX1" y="connsiteY1"/>
-                </a:cxn>
-                <a:cxn ang="0">
-                  <a:pos x="connsiteX2" y="connsiteY2"/>
-                </a:cxn>
-                <a:cxn ang="0">
-                  <a:pos x="connsiteX3" y="connsiteY3"/>
-                </a:cxn>
-                <a:cxn ang="0">
-                  <a:pos x="connsiteX4" y="connsiteY4"/>
-                </a:cxn>
-              </a:cxnLst>
-              <a:rect l="l" t="t" r="r" b="b"/>
-              <a:pathLst>
-                <a:path w="536171" h="1124839">
-                  <a:moveTo>
-                    <a:pt x="536171" y="0"/>
-                  </a:moveTo>
-                  <a:lnTo>
-                    <a:pt x="536171" y="1124839"/>
-                  </a:lnTo>
-                  <a:lnTo>
-                    <a:pt x="451423" y="1116295"/>
-                  </a:lnTo>
-                  <a:cubicBezTo>
-                    <a:pt x="193797" y="1063577"/>
-                    <a:pt x="0" y="835630"/>
-                    <a:pt x="0" y="562419"/>
-                  </a:cubicBezTo>
-                  <a:cubicBezTo>
-                    <a:pt x="0" y="289208"/>
-                    <a:pt x="193797" y="61261"/>
-                    <a:pt x="451423" y="8543"/>
-                  </a:cubicBezTo>
-                  <a:close/>
-                </a:path>
-              </a:pathLst>
-            </a:custGeom>
-            <a:solidFill>
-              <a:schemeClr val="accent1"/>
-            </a:solidFill>
-            <a:ln>
-              <a:noFill/>
-            </a:ln>
-          </p:spPr>
-          <p:style>
-            <a:lnRef idx="2">
-              <a:schemeClr val="accent1">
-                <a:shade val="50000"/>
-              </a:schemeClr>
-            </a:lnRef>
-            <a:fillRef idx="1">
-              <a:schemeClr val="accent1"/>
-            </a:fillRef>
-            <a:effectRef idx="0">
-              <a:schemeClr val="accent1"/>
-            </a:effectRef>
-            <a:fontRef idx="minor">
-              <a:schemeClr val="lt1"/>
-            </a:fontRef>
-          </p:style>
-          <p:txBody>
-            <a:bodyPr wrap="square" rtlCol="0" anchor="ctr">
-              <a:noAutofit/>
-            </a:bodyPr>
-            <a:lstStyle/>
-            <a:p>
-              <a:pPr algn="ctr"/>
-              <a:endParaRPr lang="en-US"/>
-            </a:p>
-          </p:txBody>
-        </p:sp>
-        <p:sp>
-          <p:nvSpPr>
-            <p:cNvPr id="43" name="Freeform 41">
-              <a:extLst>
-                <a:ext uri="{FF2B5EF4-FFF2-40B4-BE49-F238E27FC236}">
-                  <a16:creationId xmlns:a16="http://schemas.microsoft.com/office/drawing/2014/main" id="{BEA0AA89-2965-2A44-B84E-51C748B2D21E}"/>
-                </a:ext>
-                <a:ext uri="{C183D7F6-B498-43B3-948B-1728B52AA6E4}">
-                  <adec:decorative xmlns:adec="http://schemas.microsoft.com/office/drawing/2017/decorative" val="1"/>
-                </a:ext>
-              </a:extLst>
-            </p:cNvPr>
-            <p:cNvSpPr/>
-            <p:nvPr>
-              <p:extLst>
-                <p:ext uri="{386F3935-93C4-4BCD-93E2-E3B085C9AB24}">
-                  <p16:designElem xmlns:p16="http://schemas.microsoft.com/office/powerpoint/2015/main" val="1"/>
-                </p:ext>
-              </p:extLst>
-            </p:nvPr>
-          </p:nvSpPr>
-          <p:spPr>
-            <a:xfrm>
-              <a:off x="10291748" y="0"/>
-              <a:ext cx="1130725" cy="565362"/>
-            </a:xfrm>
-            <a:custGeom>
-              <a:avLst/>
-              <a:gdLst>
-                <a:gd name="connsiteX0" fmla="*/ 0 w 1130725"/>
-                <a:gd name="connsiteY0" fmla="*/ 0 h 565362"/>
-                <a:gd name="connsiteX1" fmla="*/ 25420 w 1130725"/>
-                <a:gd name="connsiteY1" fmla="*/ 0 h 565362"/>
-                <a:gd name="connsiteX2" fmla="*/ 36369 w 1130725"/>
-                <a:gd name="connsiteY2" fmla="*/ 108609 h 565362"/>
-                <a:gd name="connsiteX3" fmla="*/ 565363 w 1130725"/>
-                <a:gd name="connsiteY3" fmla="*/ 539750 h 565362"/>
-                <a:gd name="connsiteX4" fmla="*/ 1094356 w 1130725"/>
-                <a:gd name="connsiteY4" fmla="*/ 108609 h 565362"/>
-                <a:gd name="connsiteX5" fmla="*/ 1105305 w 1130725"/>
-                <a:gd name="connsiteY5" fmla="*/ 0 h 565362"/>
-                <a:gd name="connsiteX6" fmla="*/ 1130725 w 1130725"/>
-                <a:gd name="connsiteY6" fmla="*/ 0 h 565362"/>
-                <a:gd name="connsiteX7" fmla="*/ 565363 w 1130725"/>
-                <a:gd name="connsiteY7" fmla="*/ 565362 h 565362"/>
-                <a:gd name="connsiteX8" fmla="*/ 0 w 1130725"/>
-                <a:gd name="connsiteY8" fmla="*/ 0 h 565362"/>
-              </a:gdLst>
-              <a:ahLst/>
-              <a:cxnLst>
-                <a:cxn ang="0">
-                  <a:pos x="connsiteX0" y="connsiteY0"/>
-                </a:cxn>
-                <a:cxn ang="0">
-                  <a:pos x="connsiteX1" y="connsiteY1"/>
-                </a:cxn>
-                <a:cxn ang="0">
-                  <a:pos x="connsiteX2" y="connsiteY2"/>
-                </a:cxn>
-                <a:cxn ang="0">
-                  <a:pos x="connsiteX3" y="connsiteY3"/>
-                </a:cxn>
-                <a:cxn ang="0">
-                  <a:pos x="connsiteX4" y="connsiteY4"/>
-                </a:cxn>
-                <a:cxn ang="0">
-                  <a:pos x="connsiteX5" y="connsiteY5"/>
-                </a:cxn>
-                <a:cxn ang="0">
-                  <a:pos x="connsiteX6" y="connsiteY6"/>
-                </a:cxn>
-                <a:cxn ang="0">
-                  <a:pos x="connsiteX7" y="connsiteY7"/>
-                </a:cxn>
-                <a:cxn ang="0">
-                  <a:pos x="connsiteX8" y="connsiteY8"/>
-                </a:cxn>
-              </a:cxnLst>
-              <a:rect l="l" t="t" r="r" b="b"/>
-              <a:pathLst>
-                <a:path w="1130725" h="565362">
-                  <a:moveTo>
-                    <a:pt x="0" y="0"/>
-                  </a:moveTo>
-                  <a:lnTo>
-                    <a:pt x="25420" y="0"/>
-                  </a:lnTo>
-                  <a:lnTo>
-                    <a:pt x="36369" y="108609"/>
-                  </a:lnTo>
-                  <a:cubicBezTo>
-                    <a:pt x="86718" y="354660"/>
-                    <a:pt x="304425" y="539750"/>
-                    <a:pt x="565363" y="539750"/>
-                  </a:cubicBezTo>
-                  <a:cubicBezTo>
-                    <a:pt x="826300" y="539750"/>
-                    <a:pt x="1044007" y="354660"/>
-                    <a:pt x="1094356" y="108609"/>
-                  </a:cubicBezTo>
-                  <a:lnTo>
-                    <a:pt x="1105305" y="0"/>
-                  </a:lnTo>
-                  <a:lnTo>
-                    <a:pt x="1130725" y="0"/>
-                  </a:lnTo>
-                  <a:cubicBezTo>
-                    <a:pt x="1130725" y="312241"/>
-                    <a:pt x="877604" y="565362"/>
-                    <a:pt x="565363" y="565362"/>
-                  </a:cubicBezTo>
-                  <a:cubicBezTo>
-                    <a:pt x="253121" y="565362"/>
-                    <a:pt x="0" y="312241"/>
-                    <a:pt x="0" y="0"/>
-                  </a:cubicBezTo>
-                  <a:close/>
-                </a:path>
-              </a:pathLst>
-            </a:custGeom>
-            <a:solidFill>
-              <a:schemeClr val="tx1"/>
-            </a:solidFill>
-            <a:ln>
-              <a:noFill/>
-            </a:ln>
-          </p:spPr>
-          <p:style>
-            <a:lnRef idx="2">
-              <a:schemeClr val="accent1">
-                <a:shade val="50000"/>
-              </a:schemeClr>
-            </a:lnRef>
-            <a:fillRef idx="1">
-              <a:schemeClr val="accent1"/>
-            </a:fillRef>
-            <a:effectRef idx="0">
-              <a:schemeClr val="accent1"/>
-            </a:effectRef>
-            <a:fontRef idx="minor">
-              <a:schemeClr val="lt1"/>
-            </a:fontRef>
-          </p:style>
-          <p:txBody>
-            <a:bodyPr wrap="square" rtlCol="0" anchor="ctr">
-              <a:noAutofit/>
-            </a:bodyPr>
-            <a:lstStyle/>
-            <a:p>
-              <a:pPr algn="ctr"/>
-              <a:endParaRPr lang="en-US"/>
-            </a:p>
-          </p:txBody>
-        </p:sp>
-        <p:sp>
-          <p:nvSpPr>
-            <p:cNvPr id="44" name="Freeform 42">
-              <a:extLst>
-                <a:ext uri="{FF2B5EF4-FFF2-40B4-BE49-F238E27FC236}">
-                  <a16:creationId xmlns:a16="http://schemas.microsoft.com/office/drawing/2014/main" id="{7EC47259-887A-FD48-989C-42BC5A3C9838}"/>
-                </a:ext>
-                <a:ext uri="{C183D7F6-B498-43B3-948B-1728B52AA6E4}">
-                  <adec:decorative xmlns:adec="http://schemas.microsoft.com/office/drawing/2017/decorative" val="1"/>
-                </a:ext>
-              </a:extLst>
-            </p:cNvPr>
-            <p:cNvSpPr/>
-            <p:nvPr>
-              <p:extLst>
-                <p:ext uri="{386F3935-93C4-4BCD-93E2-E3B085C9AB24}">
-                  <p16:designElem xmlns:p16="http://schemas.microsoft.com/office/powerpoint/2015/main" val="1"/>
-                </p:ext>
-              </p:extLst>
-            </p:nvPr>
-          </p:nvSpPr>
-          <p:spPr>
-            <a:xfrm>
-              <a:off x="11656578" y="0"/>
-              <a:ext cx="535422" cy="562344"/>
-            </a:xfrm>
-            <a:custGeom>
-              <a:avLst/>
-              <a:gdLst>
-                <a:gd name="connsiteX0" fmla="*/ 0 w 535422"/>
-                <a:gd name="connsiteY0" fmla="*/ 0 h 562344"/>
-                <a:gd name="connsiteX1" fmla="*/ 25421 w 535422"/>
-                <a:gd name="connsiteY1" fmla="*/ 0 h 562344"/>
-                <a:gd name="connsiteX2" fmla="*/ 36370 w 535422"/>
-                <a:gd name="connsiteY2" fmla="*/ 108609 h 562344"/>
-                <a:gd name="connsiteX3" fmla="*/ 469781 w 535422"/>
-                <a:gd name="connsiteY3" fmla="*/ 531316 h 562344"/>
-                <a:gd name="connsiteX4" fmla="*/ 535422 w 535422"/>
-                <a:gd name="connsiteY4" fmla="*/ 537108 h 562344"/>
-                <a:gd name="connsiteX5" fmla="*/ 535422 w 535422"/>
-                <a:gd name="connsiteY5" fmla="*/ 562344 h 562344"/>
-                <a:gd name="connsiteX6" fmla="*/ 451424 w 535422"/>
-                <a:gd name="connsiteY6" fmla="*/ 553876 h 562344"/>
-                <a:gd name="connsiteX7" fmla="*/ 0 w 535422"/>
-                <a:gd name="connsiteY7" fmla="*/ 0 h 562344"/>
-              </a:gdLst>
-              <a:ahLst/>
-              <a:cxnLst>
-                <a:cxn ang="0">
-                  <a:pos x="connsiteX0" y="connsiteY0"/>
-                </a:cxn>
-                <a:cxn ang="0">
-                  <a:pos x="connsiteX1" y="connsiteY1"/>
-                </a:cxn>
-                <a:cxn ang="0">
-                  <a:pos x="connsiteX2" y="connsiteY2"/>
-                </a:cxn>
-                <a:cxn ang="0">
-                  <a:pos x="connsiteX3" y="connsiteY3"/>
-                </a:cxn>
-                <a:cxn ang="0">
-                  <a:pos x="connsiteX4" y="connsiteY4"/>
-                </a:cxn>
-                <a:cxn ang="0">
-                  <a:pos x="connsiteX5" y="connsiteY5"/>
-                </a:cxn>
-                <a:cxn ang="0">
-                  <a:pos x="connsiteX6" y="connsiteY6"/>
-                </a:cxn>
-                <a:cxn ang="0">
-                  <a:pos x="connsiteX7" y="connsiteY7"/>
-                </a:cxn>
-              </a:cxnLst>
-              <a:rect l="l" t="t" r="r" b="b"/>
-              <a:pathLst>
-                <a:path w="535422" h="562344">
-                  <a:moveTo>
-                    <a:pt x="0" y="0"/>
-                  </a:moveTo>
-                  <a:lnTo>
-                    <a:pt x="25421" y="0"/>
-                  </a:lnTo>
-                  <a:lnTo>
-                    <a:pt x="36370" y="108609"/>
-                  </a:lnTo>
-                  <a:cubicBezTo>
-                    <a:pt x="80425" y="323904"/>
-                    <a:pt x="252614" y="492525"/>
-                    <a:pt x="469781" y="531316"/>
-                  </a:cubicBezTo>
-                  <a:lnTo>
-                    <a:pt x="535422" y="537108"/>
-                  </a:lnTo>
-                  <a:lnTo>
-                    <a:pt x="535422" y="562344"/>
-                  </a:lnTo>
-                  <a:lnTo>
-                    <a:pt x="451424" y="553876"/>
-                  </a:lnTo>
-                  <a:cubicBezTo>
-                    <a:pt x="193797" y="501158"/>
-                    <a:pt x="0" y="273211"/>
-                    <a:pt x="0" y="0"/>
-                  </a:cubicBezTo>
-                  <a:close/>
-                </a:path>
-              </a:pathLst>
-            </a:custGeom>
-            <a:solidFill>
-              <a:schemeClr val="tx1"/>
-            </a:solidFill>
-            <a:ln>
-              <a:noFill/>
-            </a:ln>
-          </p:spPr>
-          <p:style>
-            <a:lnRef idx="2">
-              <a:schemeClr val="accent1">
-                <a:shade val="50000"/>
-              </a:schemeClr>
-            </a:lnRef>
-            <a:fillRef idx="1">
-              <a:schemeClr val="accent1"/>
-            </a:fillRef>
-            <a:effectRef idx="0">
-              <a:schemeClr val="accent1"/>
-            </a:effectRef>
-            <a:fontRef idx="minor">
-              <a:schemeClr val="lt1"/>
-            </a:fontRef>
-          </p:style>
-          <p:txBody>
-            <a:bodyPr wrap="square" rtlCol="0" anchor="ctr">
-              <a:noAutofit/>
-            </a:bodyPr>
-            <a:lstStyle/>
-            <a:p>
-              <a:pPr algn="ctr"/>
-              <a:endParaRPr lang="en-US"/>
-            </a:p>
-          </p:txBody>
-        </p:sp>
-        <p:sp>
-          <p:nvSpPr>
-            <p:cNvPr id="45" name="Freeform 43">
-              <a:extLst>
-                <a:ext uri="{FF2B5EF4-FFF2-40B4-BE49-F238E27FC236}">
-                  <a16:creationId xmlns:a16="http://schemas.microsoft.com/office/drawing/2014/main" id="{16E261C3-18BE-934F-8A2B-59BE70AE2F4A}"/>
-                </a:ext>
-                <a:ext uri="{C183D7F6-B498-43B3-948B-1728B52AA6E4}">
-                  <adec:decorative xmlns:adec="http://schemas.microsoft.com/office/drawing/2017/decorative" val="1"/>
-                </a:ext>
-              </a:extLst>
-            </p:cNvPr>
-            <p:cNvSpPr/>
-            <p:nvPr>
-              <p:extLst>
-                <p:ext uri="{386F3935-93C4-4BCD-93E2-E3B085C9AB24}">
-                  <p16:designElem xmlns:p16="http://schemas.microsoft.com/office/powerpoint/2015/main" val="1"/>
-                </p:ext>
-              </p:extLst>
-            </p:nvPr>
-          </p:nvSpPr>
-          <p:spPr>
-            <a:xfrm>
-              <a:off x="11656578" y="2181112"/>
-              <a:ext cx="535422" cy="1124687"/>
-            </a:xfrm>
-            <a:custGeom>
-              <a:avLst/>
-              <a:gdLst>
-                <a:gd name="connsiteX0" fmla="*/ 535422 w 535422"/>
-                <a:gd name="connsiteY0" fmla="*/ 0 h 1124687"/>
-                <a:gd name="connsiteX1" fmla="*/ 535422 w 535422"/>
-                <a:gd name="connsiteY1" fmla="*/ 25186 h 1124687"/>
-                <a:gd name="connsiteX2" fmla="*/ 456541 w 535422"/>
-                <a:gd name="connsiteY2" fmla="*/ 33138 h 1124687"/>
-                <a:gd name="connsiteX3" fmla="*/ 25399 w 535422"/>
-                <a:gd name="connsiteY3" fmla="*/ 562130 h 1124687"/>
-                <a:gd name="connsiteX4" fmla="*/ 456541 w 535422"/>
-                <a:gd name="connsiteY4" fmla="*/ 1091123 h 1124687"/>
-                <a:gd name="connsiteX5" fmla="*/ 535422 w 535422"/>
-                <a:gd name="connsiteY5" fmla="*/ 1099075 h 1124687"/>
-                <a:gd name="connsiteX6" fmla="*/ 535422 w 535422"/>
-                <a:gd name="connsiteY6" fmla="*/ 1124687 h 1124687"/>
-                <a:gd name="connsiteX7" fmla="*/ 451423 w 535422"/>
-                <a:gd name="connsiteY7" fmla="*/ 1116219 h 1124687"/>
-                <a:gd name="connsiteX8" fmla="*/ 0 w 535422"/>
-                <a:gd name="connsiteY8" fmla="*/ 562343 h 1124687"/>
-                <a:gd name="connsiteX9" fmla="*/ 451423 w 535422"/>
-                <a:gd name="connsiteY9" fmla="*/ 8468 h 1124687"/>
-              </a:gdLst>
-              <a:ahLst/>
-              <a:cxnLst>
-                <a:cxn ang="0">
-                  <a:pos x="connsiteX0" y="connsiteY0"/>
-                </a:cxn>
-                <a:cxn ang="0">
-                  <a:pos x="connsiteX1" y="connsiteY1"/>
-                </a:cxn>
-                <a:cxn ang="0">
-                  <a:pos x="connsiteX2" y="connsiteY2"/>
-                </a:cxn>
-                <a:cxn ang="0">
-                  <a:pos x="connsiteX3" y="connsiteY3"/>
-                </a:cxn>
-                <a:cxn ang="0">
-                  <a:pos x="connsiteX4" y="connsiteY4"/>
-                </a:cxn>
-                <a:cxn ang="0">
-                  <a:pos x="connsiteX5" y="connsiteY5"/>
-                </a:cxn>
-                <a:cxn ang="0">
-                  <a:pos x="connsiteX6" y="connsiteY6"/>
-                </a:cxn>
-                <a:cxn ang="0">
-                  <a:pos x="connsiteX7" y="connsiteY7"/>
-                </a:cxn>
-                <a:cxn ang="0">
-                  <a:pos x="connsiteX8" y="connsiteY8"/>
-                </a:cxn>
-                <a:cxn ang="0">
-                  <a:pos x="connsiteX9" y="connsiteY9"/>
-                </a:cxn>
-              </a:cxnLst>
-              <a:rect l="l" t="t" r="r" b="b"/>
-              <a:pathLst>
-                <a:path w="535422" h="1124687">
-                  <a:moveTo>
-                    <a:pt x="535422" y="0"/>
-                  </a:moveTo>
-                  <a:lnTo>
-                    <a:pt x="535422" y="25186"/>
-                  </a:lnTo>
-                  <a:lnTo>
-                    <a:pt x="456541" y="33138"/>
-                  </a:lnTo>
-                  <a:cubicBezTo>
-                    <a:pt x="210489" y="83487"/>
-                    <a:pt x="25399" y="301194"/>
-                    <a:pt x="25399" y="562130"/>
-                  </a:cubicBezTo>
-                  <a:cubicBezTo>
-                    <a:pt x="25399" y="823067"/>
-                    <a:pt x="210489" y="1040774"/>
-                    <a:pt x="456541" y="1091123"/>
-                  </a:cubicBezTo>
-                  <a:lnTo>
-                    <a:pt x="535422" y="1099075"/>
-                  </a:lnTo>
-                  <a:lnTo>
-                    <a:pt x="535422" y="1124687"/>
-                  </a:lnTo>
-                  <a:lnTo>
-                    <a:pt x="451423" y="1116219"/>
-                  </a:lnTo>
-                  <a:cubicBezTo>
-                    <a:pt x="193797" y="1063501"/>
-                    <a:pt x="0" y="835554"/>
-                    <a:pt x="0" y="562343"/>
-                  </a:cubicBezTo>
-                  <a:cubicBezTo>
-                    <a:pt x="0" y="289132"/>
-                    <a:pt x="193797" y="61185"/>
-                    <a:pt x="451423" y="8468"/>
-                  </a:cubicBezTo>
-                  <a:close/>
-                </a:path>
-              </a:pathLst>
-            </a:custGeom>
-            <a:solidFill>
-              <a:schemeClr val="tx1"/>
-            </a:solidFill>
-            <a:ln>
-              <a:noFill/>
-            </a:ln>
-          </p:spPr>
-          <p:style>
-            <a:lnRef idx="2">
-              <a:schemeClr val="accent1">
-                <a:shade val="50000"/>
-              </a:schemeClr>
-            </a:lnRef>
-            <a:fillRef idx="1">
-              <a:schemeClr val="accent1"/>
-            </a:fillRef>
-            <a:effectRef idx="0">
-              <a:schemeClr val="accent1"/>
-            </a:effectRef>
-            <a:fontRef idx="minor">
-              <a:schemeClr val="lt1"/>
-            </a:fontRef>
-          </p:style>
-          <p:txBody>
-            <a:bodyPr wrap="square" rtlCol="0" anchor="ctr">
-              <a:noAutofit/>
-            </a:bodyPr>
-            <a:lstStyle/>
-            <a:p>
-              <a:pPr algn="ctr"/>
-              <a:endParaRPr lang="en-US"/>
-            </a:p>
-          </p:txBody>
-        </p:sp>
-        <p:sp>
-          <p:nvSpPr>
-            <p:cNvPr id="46" name="Freeform 44">
-              <a:extLst>
-                <a:ext uri="{FF2B5EF4-FFF2-40B4-BE49-F238E27FC236}">
-                  <a16:creationId xmlns:a16="http://schemas.microsoft.com/office/drawing/2014/main" id="{35A2267B-0862-A24E-87D2-6CE5187CF95E}"/>
-                </a:ext>
-                <a:ext uri="{C183D7F6-B498-43B3-948B-1728B52AA6E4}">
-                  <adec:decorative xmlns:adec="http://schemas.microsoft.com/office/drawing/2017/decorative" val="1"/>
-                </a:ext>
-              </a:extLst>
-            </p:cNvPr>
-            <p:cNvSpPr/>
-            <p:nvPr>
-              <p:extLst>
-                <p:ext uri="{386F3935-93C4-4BCD-93E2-E3B085C9AB24}">
-                  <p16:designElem xmlns:p16="http://schemas.microsoft.com/office/powerpoint/2015/main" val="1"/>
-                </p:ext>
-              </p:extLst>
-            </p:nvPr>
-          </p:nvSpPr>
-          <p:spPr>
-            <a:xfrm>
-              <a:off x="10291746" y="3549819"/>
-              <a:ext cx="1130726" cy="1130724"/>
-            </a:xfrm>
-            <a:custGeom>
-              <a:avLst/>
-              <a:gdLst>
-                <a:gd name="connsiteX0" fmla="*/ 565363 w 1130726"/>
-                <a:gd name="connsiteY0" fmla="*/ 25186 h 1130724"/>
-                <a:gd name="connsiteX1" fmla="*/ 25399 w 1130726"/>
-                <a:gd name="connsiteY1" fmla="*/ 565149 h 1130724"/>
-                <a:gd name="connsiteX2" fmla="*/ 565363 w 1130726"/>
-                <a:gd name="connsiteY2" fmla="*/ 1105112 h 1130724"/>
-                <a:gd name="connsiteX3" fmla="*/ 1105327 w 1130726"/>
-                <a:gd name="connsiteY3" fmla="*/ 565149 h 1130724"/>
-                <a:gd name="connsiteX4" fmla="*/ 565363 w 1130726"/>
-                <a:gd name="connsiteY4" fmla="*/ 25186 h 1130724"/>
-                <a:gd name="connsiteX5" fmla="*/ 565363 w 1130726"/>
-                <a:gd name="connsiteY5" fmla="*/ 0 h 1130724"/>
-                <a:gd name="connsiteX6" fmla="*/ 1130726 w 1130726"/>
-                <a:gd name="connsiteY6" fmla="*/ 565362 h 1130724"/>
-                <a:gd name="connsiteX7" fmla="*/ 565363 w 1130726"/>
-                <a:gd name="connsiteY7" fmla="*/ 1130724 h 1130724"/>
-                <a:gd name="connsiteX8" fmla="*/ 0 w 1130726"/>
-                <a:gd name="connsiteY8" fmla="*/ 565362 h 1130724"/>
-                <a:gd name="connsiteX9" fmla="*/ 565363 w 1130726"/>
-                <a:gd name="connsiteY9" fmla="*/ 0 h 1130724"/>
-              </a:gdLst>
-              <a:ahLst/>
-              <a:cxnLst>
-                <a:cxn ang="0">
-                  <a:pos x="connsiteX0" y="connsiteY0"/>
-                </a:cxn>
-                <a:cxn ang="0">
-                  <a:pos x="connsiteX1" y="connsiteY1"/>
-                </a:cxn>
-                <a:cxn ang="0">
-                  <a:pos x="connsiteX2" y="connsiteY2"/>
-                </a:cxn>
-                <a:cxn ang="0">
-                  <a:pos x="connsiteX3" y="connsiteY3"/>
-                </a:cxn>
-                <a:cxn ang="0">
-                  <a:pos x="connsiteX4" y="connsiteY4"/>
-                </a:cxn>
-                <a:cxn ang="0">
-                  <a:pos x="connsiteX5" y="connsiteY5"/>
-                </a:cxn>
-                <a:cxn ang="0">
-                  <a:pos x="connsiteX6" y="connsiteY6"/>
-                </a:cxn>
-                <a:cxn ang="0">
-                  <a:pos x="connsiteX7" y="connsiteY7"/>
-                </a:cxn>
-                <a:cxn ang="0">
-                  <a:pos x="connsiteX8" y="connsiteY8"/>
-                </a:cxn>
-                <a:cxn ang="0">
-                  <a:pos x="connsiteX9" y="connsiteY9"/>
-                </a:cxn>
-              </a:cxnLst>
-              <a:rect l="l" t="t" r="r" b="b"/>
-              <a:pathLst>
-                <a:path w="1130726" h="1130724">
-                  <a:moveTo>
-                    <a:pt x="565363" y="25186"/>
-                  </a:moveTo>
-                  <a:cubicBezTo>
-                    <a:pt x="267149" y="25186"/>
-                    <a:pt x="25399" y="266936"/>
-                    <a:pt x="25399" y="565149"/>
-                  </a:cubicBezTo>
-                  <a:cubicBezTo>
-                    <a:pt x="25399" y="863362"/>
-                    <a:pt x="267149" y="1105112"/>
-                    <a:pt x="565363" y="1105112"/>
-                  </a:cubicBezTo>
-                  <a:cubicBezTo>
-                    <a:pt x="863577" y="1105112"/>
-                    <a:pt x="1105327" y="863362"/>
-                    <a:pt x="1105327" y="565149"/>
-                  </a:cubicBezTo>
-                  <a:cubicBezTo>
-                    <a:pt x="1105327" y="266936"/>
-                    <a:pt x="863577" y="25186"/>
-                    <a:pt x="565363" y="25186"/>
-                  </a:cubicBezTo>
-                  <a:close/>
-                  <a:moveTo>
-                    <a:pt x="565363" y="0"/>
-                  </a:moveTo>
-                  <a:cubicBezTo>
-                    <a:pt x="877604" y="0"/>
-                    <a:pt x="1130726" y="253121"/>
-                    <a:pt x="1130726" y="565362"/>
-                  </a:cubicBezTo>
-                  <a:cubicBezTo>
-                    <a:pt x="1130726" y="877603"/>
-                    <a:pt x="877604" y="1130724"/>
-                    <a:pt x="565363" y="1130724"/>
-                  </a:cubicBezTo>
-                  <a:cubicBezTo>
-                    <a:pt x="253122" y="1130724"/>
-                    <a:pt x="0" y="877603"/>
-                    <a:pt x="0" y="565362"/>
-                  </a:cubicBezTo>
-                  <a:cubicBezTo>
-                    <a:pt x="0" y="253121"/>
-                    <a:pt x="253122" y="0"/>
-                    <a:pt x="565363" y="0"/>
-                  </a:cubicBezTo>
-                  <a:close/>
-                </a:path>
-              </a:pathLst>
-            </a:custGeom>
-            <a:solidFill>
-              <a:schemeClr val="tx1"/>
-            </a:solidFill>
-            <a:ln>
-              <a:noFill/>
-            </a:ln>
-          </p:spPr>
-          <p:style>
-            <a:lnRef idx="2">
-              <a:schemeClr val="accent1">
-                <a:shade val="50000"/>
-              </a:schemeClr>
-            </a:lnRef>
-            <a:fillRef idx="1">
-              <a:schemeClr val="accent1"/>
-            </a:fillRef>
-            <a:effectRef idx="0">
-              <a:schemeClr val="accent1"/>
-            </a:effectRef>
-            <a:fontRef idx="minor">
-              <a:schemeClr val="lt1"/>
-            </a:fontRef>
-          </p:style>
-          <p:txBody>
-            <a:bodyPr wrap="square" rtlCol="0" anchor="ctr">
-              <a:noAutofit/>
-            </a:bodyPr>
-            <a:lstStyle/>
-            <a:p>
-              <a:pPr algn="ctr"/>
-              <a:endParaRPr lang="en-US"/>
-            </a:p>
-          </p:txBody>
-        </p:sp>
-        <p:sp>
-          <p:nvSpPr>
-            <p:cNvPr id="47" name="Freeform 45">
-              <a:extLst>
-                <a:ext uri="{FF2B5EF4-FFF2-40B4-BE49-F238E27FC236}">
-                  <a16:creationId xmlns:a16="http://schemas.microsoft.com/office/drawing/2014/main" id="{A404A0DE-A076-8C4E-B8D4-EBC9453377C3}"/>
-                </a:ext>
-                <a:ext uri="{C183D7F6-B498-43B3-948B-1728B52AA6E4}">
-                  <adec:decorative xmlns:adec="http://schemas.microsoft.com/office/drawing/2017/decorative" val="1"/>
-                </a:ext>
-              </a:extLst>
-            </p:cNvPr>
-            <p:cNvSpPr/>
-            <p:nvPr>
-              <p:extLst>
-                <p:ext uri="{386F3935-93C4-4BCD-93E2-E3B085C9AB24}">
-                  <p16:designElem xmlns:p16="http://schemas.microsoft.com/office/powerpoint/2015/main" val="1"/>
-                </p:ext>
-              </p:extLst>
-            </p:nvPr>
-          </p:nvSpPr>
-          <p:spPr>
-            <a:xfrm>
-              <a:off x="11656578" y="3552837"/>
-              <a:ext cx="535422" cy="1124688"/>
-            </a:xfrm>
-            <a:custGeom>
-              <a:avLst/>
-              <a:gdLst>
-                <a:gd name="connsiteX0" fmla="*/ 535422 w 535422"/>
-                <a:gd name="connsiteY0" fmla="*/ 0 h 1124688"/>
-                <a:gd name="connsiteX1" fmla="*/ 535422 w 535422"/>
-                <a:gd name="connsiteY1" fmla="*/ 25186 h 1124688"/>
-                <a:gd name="connsiteX2" fmla="*/ 456541 w 535422"/>
-                <a:gd name="connsiteY2" fmla="*/ 33138 h 1124688"/>
-                <a:gd name="connsiteX3" fmla="*/ 25399 w 535422"/>
-                <a:gd name="connsiteY3" fmla="*/ 562131 h 1124688"/>
-                <a:gd name="connsiteX4" fmla="*/ 456541 w 535422"/>
-                <a:gd name="connsiteY4" fmla="*/ 1091124 h 1124688"/>
-                <a:gd name="connsiteX5" fmla="*/ 535422 w 535422"/>
-                <a:gd name="connsiteY5" fmla="*/ 1099076 h 1124688"/>
-                <a:gd name="connsiteX6" fmla="*/ 535422 w 535422"/>
-                <a:gd name="connsiteY6" fmla="*/ 1124688 h 1124688"/>
-                <a:gd name="connsiteX7" fmla="*/ 451423 w 535422"/>
-                <a:gd name="connsiteY7" fmla="*/ 1116220 h 1124688"/>
-                <a:gd name="connsiteX8" fmla="*/ 0 w 535422"/>
-                <a:gd name="connsiteY8" fmla="*/ 562344 h 1124688"/>
-                <a:gd name="connsiteX9" fmla="*/ 451423 w 535422"/>
-                <a:gd name="connsiteY9" fmla="*/ 8468 h 1124688"/>
-              </a:gdLst>
-              <a:ahLst/>
-              <a:cxnLst>
-                <a:cxn ang="0">
-                  <a:pos x="connsiteX0" y="connsiteY0"/>
-                </a:cxn>
-                <a:cxn ang="0">
-                  <a:pos x="connsiteX1" y="connsiteY1"/>
-                </a:cxn>
-                <a:cxn ang="0">
-                  <a:pos x="connsiteX2" y="connsiteY2"/>
-                </a:cxn>
-                <a:cxn ang="0">
-                  <a:pos x="connsiteX3" y="connsiteY3"/>
-                </a:cxn>
-                <a:cxn ang="0">
-                  <a:pos x="connsiteX4" y="connsiteY4"/>
-                </a:cxn>
-                <a:cxn ang="0">
-                  <a:pos x="connsiteX5" y="connsiteY5"/>
-                </a:cxn>
-                <a:cxn ang="0">
-                  <a:pos x="connsiteX6" y="connsiteY6"/>
-                </a:cxn>
-                <a:cxn ang="0">
-                  <a:pos x="connsiteX7" y="connsiteY7"/>
-                </a:cxn>
-                <a:cxn ang="0">
-                  <a:pos x="connsiteX8" y="connsiteY8"/>
-                </a:cxn>
-                <a:cxn ang="0">
-                  <a:pos x="connsiteX9" y="connsiteY9"/>
-                </a:cxn>
-              </a:cxnLst>
-              <a:rect l="l" t="t" r="r" b="b"/>
-              <a:pathLst>
-                <a:path w="535422" h="1124688">
-                  <a:moveTo>
-                    <a:pt x="535422" y="0"/>
-                  </a:moveTo>
-                  <a:lnTo>
-                    <a:pt x="535422" y="25186"/>
-                  </a:lnTo>
-                  <a:lnTo>
-                    <a:pt x="456541" y="33138"/>
-                  </a:lnTo>
-                  <a:cubicBezTo>
-                    <a:pt x="210489" y="83488"/>
-                    <a:pt x="25399" y="301195"/>
-                    <a:pt x="25399" y="562131"/>
-                  </a:cubicBezTo>
-                  <a:cubicBezTo>
-                    <a:pt x="25399" y="823068"/>
-                    <a:pt x="210489" y="1040775"/>
-                    <a:pt x="456541" y="1091124"/>
-                  </a:cubicBezTo>
-                  <a:lnTo>
-                    <a:pt x="535422" y="1099076"/>
-                  </a:lnTo>
-                  <a:lnTo>
-                    <a:pt x="535422" y="1124688"/>
-                  </a:lnTo>
-                  <a:lnTo>
-                    <a:pt x="451423" y="1116220"/>
-                  </a:lnTo>
-                  <a:cubicBezTo>
-                    <a:pt x="193797" y="1063502"/>
-                    <a:pt x="0" y="835555"/>
-                    <a:pt x="0" y="562344"/>
-                  </a:cubicBezTo>
-                  <a:cubicBezTo>
-                    <a:pt x="0" y="289133"/>
-                    <a:pt x="193797" y="61186"/>
-                    <a:pt x="451423" y="8468"/>
-                  </a:cubicBezTo>
-                  <a:close/>
-                </a:path>
-              </a:pathLst>
-            </a:custGeom>
-            <a:solidFill>
-              <a:schemeClr val="tx1"/>
-            </a:solidFill>
-            <a:ln>
-              <a:noFill/>
-            </a:ln>
-          </p:spPr>
-          <p:style>
-            <a:lnRef idx="2">
-              <a:schemeClr val="accent1">
-                <a:shade val="50000"/>
-              </a:schemeClr>
-            </a:lnRef>
-            <a:fillRef idx="1">
-              <a:schemeClr val="accent1"/>
-            </a:fillRef>
-            <a:effectRef idx="0">
-              <a:schemeClr val="accent1"/>
-            </a:effectRef>
-            <a:fontRef idx="minor">
-              <a:schemeClr val="lt1"/>
-            </a:fontRef>
-          </p:style>
-          <p:txBody>
-            <a:bodyPr wrap="square" rtlCol="0" anchor="ctr">
-              <a:noAutofit/>
-            </a:bodyPr>
-            <a:lstStyle/>
-            <a:p>
-              <a:pPr algn="ctr"/>
-              <a:endParaRPr lang="en-US"/>
-            </a:p>
-          </p:txBody>
-        </p:sp>
-        <p:sp>
-          <p:nvSpPr>
-            <p:cNvPr id="48" name="Freeform 53">
-              <a:extLst>
-                <a:ext uri="{FF2B5EF4-FFF2-40B4-BE49-F238E27FC236}">
-                  <a16:creationId xmlns:a16="http://schemas.microsoft.com/office/drawing/2014/main" id="{9EED6D73-C275-3347-BB66-C83964257218}"/>
-                </a:ext>
-                <a:ext uri="{C183D7F6-B498-43B3-948B-1728B52AA6E4}">
-                  <adec:decorative xmlns:adec="http://schemas.microsoft.com/office/drawing/2017/decorative" val="1"/>
-                </a:ext>
-              </a:extLst>
-            </p:cNvPr>
-            <p:cNvSpPr/>
-            <p:nvPr>
-              <p:extLst>
-                <p:ext uri="{386F3935-93C4-4BCD-93E2-E3B085C9AB24}">
-                  <p16:designElem xmlns:p16="http://schemas.microsoft.com/office/powerpoint/2015/main" val="1"/>
-                </p:ext>
-              </p:extLst>
-            </p:nvPr>
-          </p:nvSpPr>
-          <p:spPr>
-            <a:xfrm>
-              <a:off x="11656642" y="6295916"/>
-              <a:ext cx="535358" cy="562084"/>
-            </a:xfrm>
-            <a:custGeom>
-              <a:avLst/>
-              <a:gdLst>
-                <a:gd name="connsiteX0" fmla="*/ 535358 w 535358"/>
-                <a:gd name="connsiteY0" fmla="*/ 0 h 562084"/>
-                <a:gd name="connsiteX1" fmla="*/ 535358 w 535358"/>
-                <a:gd name="connsiteY1" fmla="*/ 25186 h 562084"/>
-                <a:gd name="connsiteX2" fmla="*/ 469717 w 535358"/>
-                <a:gd name="connsiteY2" fmla="*/ 30978 h 562084"/>
-                <a:gd name="connsiteX3" fmla="*/ 36306 w 535358"/>
-                <a:gd name="connsiteY3" fmla="*/ 453686 h 562084"/>
-                <a:gd name="connsiteX4" fmla="*/ 25378 w 535358"/>
-                <a:gd name="connsiteY4" fmla="*/ 562084 h 562084"/>
-                <a:gd name="connsiteX5" fmla="*/ 0 w 535358"/>
-                <a:gd name="connsiteY5" fmla="*/ 562084 h 562084"/>
-                <a:gd name="connsiteX6" fmla="*/ 11423 w 535358"/>
-                <a:gd name="connsiteY6" fmla="*/ 448780 h 562084"/>
-                <a:gd name="connsiteX7" fmla="*/ 465221 w 535358"/>
-                <a:gd name="connsiteY7" fmla="*/ 6189 h 562084"/>
-              </a:gdLst>
-              <a:ahLst/>
-              <a:cxnLst>
-                <a:cxn ang="0">
-                  <a:pos x="connsiteX0" y="connsiteY0"/>
-                </a:cxn>
-                <a:cxn ang="0">
-                  <a:pos x="connsiteX1" y="connsiteY1"/>
-                </a:cxn>
-                <a:cxn ang="0">
-                  <a:pos x="connsiteX2" y="connsiteY2"/>
-                </a:cxn>
-                <a:cxn ang="0">
-                  <a:pos x="connsiteX3" y="connsiteY3"/>
-                </a:cxn>
-                <a:cxn ang="0">
-                  <a:pos x="connsiteX4" y="connsiteY4"/>
-                </a:cxn>
-                <a:cxn ang="0">
-                  <a:pos x="connsiteX5" y="connsiteY5"/>
-                </a:cxn>
-                <a:cxn ang="0">
-                  <a:pos x="connsiteX6" y="connsiteY6"/>
-                </a:cxn>
-                <a:cxn ang="0">
-                  <a:pos x="connsiteX7" y="connsiteY7"/>
-                </a:cxn>
-              </a:cxnLst>
-              <a:rect l="l" t="t" r="r" b="b"/>
-              <a:pathLst>
-                <a:path w="535358" h="562084">
-                  <a:moveTo>
-                    <a:pt x="535358" y="0"/>
-                  </a:moveTo>
-                  <a:lnTo>
-                    <a:pt x="535358" y="25186"/>
-                  </a:lnTo>
-                  <a:lnTo>
-                    <a:pt x="469717" y="30978"/>
-                  </a:lnTo>
-                  <a:cubicBezTo>
-                    <a:pt x="252550" y="69769"/>
-                    <a:pt x="80361" y="238391"/>
-                    <a:pt x="36306" y="453686"/>
-                  </a:cubicBezTo>
-                  <a:lnTo>
-                    <a:pt x="25378" y="562084"/>
-                  </a:lnTo>
-                  <a:lnTo>
-                    <a:pt x="0" y="562084"/>
-                  </a:lnTo>
-                  <a:lnTo>
-                    <a:pt x="11423" y="448780"/>
-                  </a:lnTo>
-                  <a:cubicBezTo>
-                    <a:pt x="57551" y="223357"/>
-                    <a:pt x="237840" y="46805"/>
-                    <a:pt x="465221" y="6189"/>
-                  </a:cubicBezTo>
-                  <a:close/>
-                </a:path>
-              </a:pathLst>
-            </a:custGeom>
-            <a:solidFill>
-              <a:schemeClr val="tx1"/>
-            </a:solidFill>
-            <a:ln>
-              <a:noFill/>
-            </a:ln>
-          </p:spPr>
-          <p:style>
-            <a:lnRef idx="2">
-              <a:schemeClr val="accent1">
-                <a:shade val="50000"/>
-              </a:schemeClr>
-            </a:lnRef>
-            <a:fillRef idx="1">
-              <a:schemeClr val="accent1"/>
-            </a:fillRef>
-            <a:effectRef idx="0">
-              <a:schemeClr val="accent1"/>
-            </a:effectRef>
-            <a:fontRef idx="minor">
-              <a:schemeClr val="lt1"/>
-            </a:fontRef>
-          </p:style>
-          <p:txBody>
-            <a:bodyPr wrap="square" rtlCol="0" anchor="ctr">
-              <a:noAutofit/>
-            </a:bodyPr>
-            <a:lstStyle/>
-            <a:p>
-              <a:pPr algn="ctr"/>
-              <a:endParaRPr lang="en-US"/>
-            </a:p>
-          </p:txBody>
-        </p:sp>
-      </p:grpSp>
-      <p:sp>
-        <p:nvSpPr>
-          <p:cNvPr id="2" name="Title 1">
-            <a:extLst>
-              <a:ext uri="{FF2B5EF4-FFF2-40B4-BE49-F238E27FC236}">
-                <a16:creationId xmlns:a16="http://schemas.microsoft.com/office/drawing/2014/main" id="{FFACBABF-CB53-92B2-67D9-C1C83D134B6D}"/>
-              </a:ext>
-            </a:extLst>
-          </p:cNvPr>
-          <p:cNvSpPr>
-            <a:spLocks noGrp="1"/>
-          </p:cNvSpPr>
-          <p:nvPr>
-            <p:ph type="title"/>
-          </p:nvPr>
-        </p:nvSpPr>
-        <p:spPr>
-          <a:xfrm>
-            <a:off x="7489935" y="768334"/>
-            <a:ext cx="3932537" cy="2866405"/>
-          </a:xfrm>
-        </p:spPr>
-        <p:txBody>
-          <a:bodyPr vert="horz" lIns="91440" tIns="45720" rIns="91440" bIns="45720" rtlCol="0" anchor="t">
-            <a:normAutofit/>
-          </a:bodyPr>
-          <a:lstStyle/>
-          <a:p>
-            <a:r>
-              <a:rPr lang="en-US" sz="4800" dirty="0"/>
-              <a:t>Back to the VM 3/3</a:t>
-            </a:r>
-          </a:p>
-        </p:txBody>
-      </p:sp>
-      <p:sp>
-        <p:nvSpPr>
-          <p:cNvPr id="3" name="Content Placeholder 2">
-            <a:extLst>
-              <a:ext uri="{FF2B5EF4-FFF2-40B4-BE49-F238E27FC236}">
-                <a16:creationId xmlns:a16="http://schemas.microsoft.com/office/drawing/2014/main" id="{D04E7FAA-A5A6-7BF0-C2FC-777A79813ED5}"/>
-              </a:ext>
-            </a:extLst>
-          </p:cNvPr>
-          <p:cNvSpPr>
-            <a:spLocks noGrp="1"/>
-          </p:cNvSpPr>
-          <p:nvPr>
-            <p:ph idx="1"/>
-          </p:nvPr>
-        </p:nvSpPr>
-        <p:spPr>
-          <a:xfrm>
-            <a:off x="7489935" y="4283239"/>
-            <a:ext cx="3932537" cy="1475177"/>
-          </a:xfrm>
-        </p:spPr>
-        <p:txBody>
-          <a:bodyPr vert="horz" lIns="91440" tIns="45720" rIns="91440" bIns="45720" rtlCol="0" anchor="b">
-            <a:normAutofit/>
-          </a:bodyPr>
-          <a:lstStyle/>
-          <a:p>
-            <a:pPr marL="0" indent="0">
-              <a:buNone/>
-            </a:pPr>
-            <a:r>
-              <a:rPr lang="en-US" sz="2000" dirty="0"/>
-              <a:t>docker run --name </a:t>
-            </a:r>
-            <a:r>
-              <a:rPr lang="en-US" sz="2000" dirty="0" err="1"/>
-              <a:t>minecraft</a:t>
-            </a:r>
-            <a:r>
-              <a:rPr lang="en-US" sz="2000" dirty="0"/>
-              <a:t> -p 25565:25565 -p 25575:25575 -d </a:t>
-            </a:r>
-            <a:r>
-              <a:rPr lang="en-US" sz="2000" dirty="0" err="1"/>
-              <a:t>minecraft:latest</a:t>
-            </a:r>
-            <a:endParaRPr lang="en-US" sz="2000" dirty="0"/>
-          </a:p>
-        </p:txBody>
-      </p:sp>
-      <p:cxnSp>
-        <p:nvCxnSpPr>
-          <p:cNvPr id="50" name="Straight Connector 49">
-            <a:extLst>
-              <a:ext uri="{FF2B5EF4-FFF2-40B4-BE49-F238E27FC236}">
-                <a16:creationId xmlns:a16="http://schemas.microsoft.com/office/drawing/2014/main" id="{41C79BB7-CCAB-2243-9830-5569626C4D01}"/>
-              </a:ext>
-              <a:ext uri="{C183D7F6-B498-43B3-948B-1728B52AA6E4}">
-                <adec:decorative xmlns:adec="http://schemas.microsoft.com/office/drawing/2017/decorative" val="1"/>
-              </a:ext>
-            </a:extLst>
-          </p:cNvPr>
-          <p:cNvCxnSpPr>
-            <a:cxnSpLocks noGrp="1" noRot="1" noChangeAspect="1" noMove="1" noResize="1" noEditPoints="1" noAdjustHandles="1" noChangeArrowheads="1" noChangeShapeType="1"/>
-          </p:cNvCxnSpPr>
-          <p:nvPr>
-            <p:extLst>
-              <p:ext uri="{386F3935-93C4-4BCD-93E2-E3B085C9AB24}">
-                <p16:designElem xmlns:p16="http://schemas.microsoft.com/office/powerpoint/2015/main" val="1"/>
-              </p:ext>
-            </p:extLst>
-          </p:nvPr>
-        </p:nvCxnSpPr>
-        <p:spPr>
-          <a:xfrm>
-            <a:off x="7489934" y="6087110"/>
-            <a:ext cx="4134538" cy="0"/>
-          </a:xfrm>
-          <a:prstGeom prst="line">
-            <a:avLst/>
-          </a:prstGeom>
-          <a:ln w="12700">
-            <a:solidFill>
-              <a:schemeClr val="tx2"/>
-            </a:solidFill>
-          </a:ln>
-        </p:spPr>
-        <p:style>
-          <a:lnRef idx="1">
-            <a:schemeClr val="accent1"/>
-          </a:lnRef>
-          <a:fillRef idx="0">
-            <a:schemeClr val="accent1"/>
-          </a:fillRef>
-          <a:effectRef idx="0">
-            <a:schemeClr val="accent1"/>
-          </a:effectRef>
-          <a:fontRef idx="minor">
-            <a:schemeClr val="tx1"/>
-          </a:fontRef>
-        </p:style>
-      </p:cxnSp>
-    </p:spTree>
-    <p:extLst>
-      <p:ext uri="{BB962C8B-B14F-4D97-AF65-F5344CB8AC3E}">
-        <p14:creationId xmlns:p14="http://schemas.microsoft.com/office/powerpoint/2010/main" val="2148626859"/>
-      </p:ext>
-    </p:extLst>
-  </p:cSld>
-  <p:clrMapOvr>
-    <a:overrideClrMapping bg1="dk1" tx1="lt1" bg2="dk2" tx2="lt2" accent1="accent1" accent2="accent2" accent3="accent3" accent4="accent4" accent5="accent5" accent6="accent6" hlink="hlink" folHlink="folHlink"/>
-  </p:clrMapOvr>
-  <p:timing>
-    <p:tnLst>
-      <p:par>
-        <p:cTn id="1" dur="indefinite" restart="never" nodeType="tmRoot">
-          <p:childTnLst>
-            <p:seq concurrent="1" nextAc="seek">
-              <p:cTn id="2" dur="indefinite" nodeType="mainSeq">
-                <p:childTnLst>
-                  <p:par>
-                    <p:cTn id="3" fill="hold">
-                      <p:stCondLst>
-                        <p:cond delay="indefinite"/>
-                        <p:cond evt="onBegin" delay="0">
-                          <p:tn val="2"/>
-                        </p:cond>
-                      </p:stCondLst>
-                      <p:childTnLst>
-                        <p:par>
-                          <p:cTn id="4" fill="hold">
-                            <p:stCondLst>
-                              <p:cond delay="0"/>
-                            </p:stCondLst>
-                            <p:childTnLst>
-                              <p:par>
-                                <p:cTn id="5" presetID="10" presetClass="entr" presetSubtype="0" fill="hold" grpId="0" nodeType="withEffect">
-                                  <p:stCondLst>
-                                    <p:cond delay="1000"/>
-                                  </p:stCondLst>
-                                  <p:iterate type="lt">
-                                    <p:tmPct val="10000"/>
-                                  </p:iterate>
-                                  <p:childTnLst>
-                                    <p:set>
-                                      <p:cBhvr>
-                                        <p:cTn id="6" dur="1" fill="hold">
-                                          <p:stCondLst>
-                                            <p:cond delay="0"/>
-                                          </p:stCondLst>
-                                        </p:cTn>
-                                        <p:tgtEl>
-                                          <p:spTgt spid="2"/>
-                                        </p:tgtEl>
-                                        <p:attrNameLst>
-                                          <p:attrName>style.visibility</p:attrName>
-                                        </p:attrNameLst>
-                                      </p:cBhvr>
-                                      <p:to>
-                                        <p:strVal val="visible"/>
-                                      </p:to>
-                                    </p:set>
-                                    <p:animEffect transition="in" filter="fade">
-                                      <p:cBhvr>
-                                        <p:cTn id="7" dur="400"/>
-                                        <p:tgtEl>
-                                          <p:spTgt spid="2"/>
-                                        </p:tgtEl>
-                                      </p:cBhvr>
-                                    </p:animEffect>
-                                  </p:childTnLst>
-                                </p:cTn>
-                              </p:par>
-                            </p:childTnLst>
-                          </p:cTn>
-                        </p:par>
-                      </p:childTnLst>
-                    </p:cTn>
-                  </p:par>
-                </p:childTnLst>
-              </p:cTn>
-              <p:prevCondLst>
-                <p:cond evt="onPrev" delay="0">
-                  <p:tgtEl>
-                    <p:sldTgt/>
-                  </p:tgtEl>
-                </p:cond>
-              </p:prevCondLst>
-              <p:nextCondLst>
-                <p:cond evt="onNext" delay="0">
-                  <p:tgtEl>
-                    <p:sldTgt/>
-                  </p:tgtEl>
-                </p:cond>
-              </p:nextCondLst>
-            </p:seq>
-          </p:childTnLst>
-        </p:cTn>
-      </p:par>
-    </p:tnLst>
-    <p:bldLst>
-      <p:bldP spid="2" grpId="0"/>
-    </p:bldLst>
-  </p:timing>
 </p:sld>
 </file>
 
@@ -34668,6 +31293,3827 @@
 <file path=ppt/slides/slide40.xml><?xml version="1.0" encoding="utf-8"?>
 <p:sld xmlns:a="http://schemas.openxmlformats.org/drawingml/2006/main" xmlns:r="http://schemas.openxmlformats.org/officeDocument/2006/relationships" xmlns:p="http://schemas.openxmlformats.org/presentationml/2006/main">
   <p:cSld>
+    <p:bg>
+      <p:bgPr>
+        <a:solidFill>
+          <a:schemeClr val="bg2"/>
+        </a:solidFill>
+        <a:effectLst/>
+      </p:bgPr>
+    </p:bg>
+    <p:spTree>
+      <p:nvGrpSpPr>
+        <p:cNvPr id="1" name=""/>
+        <p:cNvGrpSpPr/>
+        <p:nvPr/>
+      </p:nvGrpSpPr>
+      <p:grpSpPr>
+        <a:xfrm>
+          <a:off x="0" y="0"/>
+          <a:ext cx="0" cy="0"/>
+          <a:chOff x="0" y="0"/>
+          <a:chExt cx="0" cy="0"/>
+        </a:xfrm>
+      </p:grpSpPr>
+      <p:grpSp>
+        <p:nvGrpSpPr>
+          <p:cNvPr id="9" name="Group 8">
+            <a:extLst>
+              <a:ext uri="{FF2B5EF4-FFF2-40B4-BE49-F238E27FC236}">
+                <a16:creationId xmlns:a16="http://schemas.microsoft.com/office/drawing/2014/main" id="{EB46B8FB-F6A2-5F47-A6CD-A7E17E69270F}"/>
+              </a:ext>
+              <a:ext uri="{C183D7F6-B498-43B3-948B-1728B52AA6E4}">
+                <adec:decorative xmlns:adec="http://schemas.microsoft.com/office/drawing/2017/decorative" val="1"/>
+              </a:ext>
+            </a:extLst>
+          </p:cNvPr>
+          <p:cNvGrpSpPr>
+            <a:grpSpLocks noGrp="1" noUngrp="1" noRot="1" noChangeAspect="1" noMove="1" noResize="1"/>
+          </p:cNvGrpSpPr>
+          <p:nvPr>
+            <p:extLst>
+              <p:ext uri="{386F3935-93C4-4BCD-93E2-E3B085C9AB24}">
+                <p16:designElem xmlns:p16="http://schemas.microsoft.com/office/powerpoint/2015/main" val="1"/>
+              </p:ext>
+            </p:extLst>
+          </p:nvPr>
+        </p:nvGrpSpPr>
+        <p:grpSpPr>
+          <a:xfrm>
+            <a:off x="6201388" y="0"/>
+            <a:ext cx="5990612" cy="6858001"/>
+            <a:chOff x="6201388" y="0"/>
+            <a:chExt cx="5990612" cy="6858001"/>
+          </a:xfrm>
+        </p:grpSpPr>
+        <p:sp>
+          <p:nvSpPr>
+            <p:cNvPr id="10" name="Oval 9">
+              <a:extLst>
+                <a:ext uri="{FF2B5EF4-FFF2-40B4-BE49-F238E27FC236}">
+                  <a16:creationId xmlns:a16="http://schemas.microsoft.com/office/drawing/2014/main" id="{419BDE93-3EC2-4E4D-BC0B-417378F49EDA}"/>
+                </a:ext>
+                <a:ext uri="{C183D7F6-B498-43B3-948B-1728B52AA6E4}">
+                  <adec:decorative xmlns:adec="http://schemas.microsoft.com/office/drawing/2017/decorative" val="1"/>
+                </a:ext>
+              </a:extLst>
+            </p:cNvPr>
+            <p:cNvSpPr/>
+            <p:nvPr>
+              <p:extLst>
+                <p:ext uri="{386F3935-93C4-4BCD-93E2-E3B085C9AB24}">
+                  <p16:designElem xmlns:p16="http://schemas.microsoft.com/office/powerpoint/2015/main" val="1"/>
+                </p:ext>
+              </p:extLst>
+            </p:nvPr>
+          </p:nvSpPr>
+          <p:spPr>
+            <a:xfrm>
+              <a:off x="6201388" y="3549396"/>
+              <a:ext cx="1130725" cy="1130724"/>
+            </a:xfrm>
+            <a:prstGeom prst="ellipse">
+              <a:avLst/>
+            </a:prstGeom>
+            <a:solidFill>
+              <a:schemeClr val="bg2"/>
+            </a:solidFill>
+            <a:ln>
+              <a:noFill/>
+            </a:ln>
+          </p:spPr>
+          <p:style>
+            <a:lnRef idx="2">
+              <a:schemeClr val="accent1">
+                <a:shade val="50000"/>
+              </a:schemeClr>
+            </a:lnRef>
+            <a:fillRef idx="1">
+              <a:schemeClr val="accent1"/>
+            </a:fillRef>
+            <a:effectRef idx="0">
+              <a:schemeClr val="accent1"/>
+            </a:effectRef>
+            <a:fontRef idx="minor">
+              <a:schemeClr val="lt1"/>
+            </a:fontRef>
+          </p:style>
+          <p:txBody>
+            <a:bodyPr rtlCol="0" anchor="ctr"/>
+            <a:lstStyle/>
+            <a:p>
+              <a:pPr algn="ctr"/>
+              <a:endParaRPr lang="en-US"/>
+            </a:p>
+          </p:txBody>
+        </p:sp>
+        <p:sp>
+          <p:nvSpPr>
+            <p:cNvPr id="11" name="Freeform 46">
+              <a:extLst>
+                <a:ext uri="{FF2B5EF4-FFF2-40B4-BE49-F238E27FC236}">
+                  <a16:creationId xmlns:a16="http://schemas.microsoft.com/office/drawing/2014/main" id="{FE21F82F-1EE5-8240-97F8-387DF0253FCE}"/>
+                </a:ext>
+                <a:ext uri="{C183D7F6-B498-43B3-948B-1728B52AA6E4}">
+                  <adec:decorative xmlns:adec="http://schemas.microsoft.com/office/drawing/2017/decorative" val="1"/>
+                </a:ext>
+              </a:extLst>
+            </p:cNvPr>
+            <p:cNvSpPr/>
+            <p:nvPr>
+              <p:extLst>
+                <p:ext uri="{386F3935-93C4-4BCD-93E2-E3B085C9AB24}">
+                  <p16:designElem xmlns:p16="http://schemas.microsoft.com/office/powerpoint/2015/main" val="1"/>
+                </p:ext>
+              </p:extLst>
+            </p:nvPr>
+          </p:nvSpPr>
+          <p:spPr>
+            <a:xfrm>
+              <a:off x="6201389" y="1"/>
+              <a:ext cx="1130725" cy="565575"/>
+            </a:xfrm>
+            <a:custGeom>
+              <a:avLst/>
+              <a:gdLst>
+                <a:gd name="connsiteX0" fmla="*/ 21 w 1130725"/>
+                <a:gd name="connsiteY0" fmla="*/ 0 h 565575"/>
+                <a:gd name="connsiteX1" fmla="*/ 1130704 w 1130725"/>
+                <a:gd name="connsiteY1" fmla="*/ 0 h 565575"/>
+                <a:gd name="connsiteX2" fmla="*/ 1130725 w 1130725"/>
+                <a:gd name="connsiteY2" fmla="*/ 213 h 565575"/>
+                <a:gd name="connsiteX3" fmla="*/ 565362 w 1130725"/>
+                <a:gd name="connsiteY3" fmla="*/ 565575 h 565575"/>
+                <a:gd name="connsiteX4" fmla="*/ 0 w 1130725"/>
+                <a:gd name="connsiteY4" fmla="*/ 213 h 565575"/>
+              </a:gdLst>
+              <a:ahLst/>
+              <a:cxnLst>
+                <a:cxn ang="0">
+                  <a:pos x="connsiteX0" y="connsiteY0"/>
+                </a:cxn>
+                <a:cxn ang="0">
+                  <a:pos x="connsiteX1" y="connsiteY1"/>
+                </a:cxn>
+                <a:cxn ang="0">
+                  <a:pos x="connsiteX2" y="connsiteY2"/>
+                </a:cxn>
+                <a:cxn ang="0">
+                  <a:pos x="connsiteX3" y="connsiteY3"/>
+                </a:cxn>
+                <a:cxn ang="0">
+                  <a:pos x="connsiteX4" y="connsiteY4"/>
+                </a:cxn>
+              </a:cxnLst>
+              <a:rect l="l" t="t" r="r" b="b"/>
+              <a:pathLst>
+                <a:path w="1130725" h="565575">
+                  <a:moveTo>
+                    <a:pt x="21" y="0"/>
+                  </a:moveTo>
+                  <a:lnTo>
+                    <a:pt x="1130704" y="0"/>
+                  </a:lnTo>
+                  <a:lnTo>
+                    <a:pt x="1130725" y="213"/>
+                  </a:lnTo>
+                  <a:cubicBezTo>
+                    <a:pt x="1130725" y="312454"/>
+                    <a:pt x="877604" y="565575"/>
+                    <a:pt x="565362" y="565575"/>
+                  </a:cubicBezTo>
+                  <a:cubicBezTo>
+                    <a:pt x="253121" y="565575"/>
+                    <a:pt x="0" y="312454"/>
+                    <a:pt x="0" y="213"/>
+                  </a:cubicBezTo>
+                  <a:close/>
+                </a:path>
+              </a:pathLst>
+            </a:custGeom>
+            <a:solidFill>
+              <a:schemeClr val="bg2"/>
+            </a:solidFill>
+            <a:ln>
+              <a:noFill/>
+            </a:ln>
+          </p:spPr>
+          <p:style>
+            <a:lnRef idx="2">
+              <a:schemeClr val="accent1">
+                <a:shade val="50000"/>
+              </a:schemeClr>
+            </a:lnRef>
+            <a:fillRef idx="1">
+              <a:schemeClr val="accent1"/>
+            </a:fillRef>
+            <a:effectRef idx="0">
+              <a:schemeClr val="accent1"/>
+            </a:effectRef>
+            <a:fontRef idx="minor">
+              <a:schemeClr val="lt1"/>
+            </a:fontRef>
+          </p:style>
+          <p:txBody>
+            <a:bodyPr wrap="square" rtlCol="0" anchor="ctr">
+              <a:noAutofit/>
+            </a:bodyPr>
+            <a:lstStyle/>
+            <a:p>
+              <a:pPr algn="ctr"/>
+              <a:endParaRPr lang="en-US"/>
+            </a:p>
+          </p:txBody>
+        </p:sp>
+        <p:sp>
+          <p:nvSpPr>
+            <p:cNvPr id="12" name="Freeform 48">
+              <a:extLst>
+                <a:ext uri="{FF2B5EF4-FFF2-40B4-BE49-F238E27FC236}">
+                  <a16:creationId xmlns:a16="http://schemas.microsoft.com/office/drawing/2014/main" id="{AE1903E3-6B5F-6B4C-9A1F-62628A050AEB}"/>
+                </a:ext>
+                <a:ext uri="{C183D7F6-B498-43B3-948B-1728B52AA6E4}">
+                  <adec:decorative xmlns:adec="http://schemas.microsoft.com/office/drawing/2017/decorative" val="1"/>
+                </a:ext>
+              </a:extLst>
+            </p:cNvPr>
+            <p:cNvSpPr/>
+            <p:nvPr>
+              <p:extLst>
+                <p:ext uri="{386F3935-93C4-4BCD-93E2-E3B085C9AB24}">
+                  <p16:designElem xmlns:p16="http://schemas.microsoft.com/office/powerpoint/2015/main" val="1"/>
+                </p:ext>
+              </p:extLst>
+            </p:nvPr>
+          </p:nvSpPr>
+          <p:spPr>
+            <a:xfrm>
+              <a:off x="7564255" y="6292426"/>
+              <a:ext cx="1130723" cy="565575"/>
+            </a:xfrm>
+            <a:custGeom>
+              <a:avLst/>
+              <a:gdLst>
+                <a:gd name="connsiteX0" fmla="*/ 565362 w 1130723"/>
+                <a:gd name="connsiteY0" fmla="*/ 0 h 565575"/>
+                <a:gd name="connsiteX1" fmla="*/ 1130723 w 1130723"/>
+                <a:gd name="connsiteY1" fmla="*/ 565362 h 565575"/>
+                <a:gd name="connsiteX2" fmla="*/ 1130702 w 1130723"/>
+                <a:gd name="connsiteY2" fmla="*/ 565575 h 565575"/>
+                <a:gd name="connsiteX3" fmla="*/ 21 w 1130723"/>
+                <a:gd name="connsiteY3" fmla="*/ 565575 h 565575"/>
+                <a:gd name="connsiteX4" fmla="*/ 0 w 1130723"/>
+                <a:gd name="connsiteY4" fmla="*/ 565362 h 565575"/>
+                <a:gd name="connsiteX5" fmla="*/ 565362 w 1130723"/>
+                <a:gd name="connsiteY5" fmla="*/ 0 h 565575"/>
+              </a:gdLst>
+              <a:ahLst/>
+              <a:cxnLst>
+                <a:cxn ang="0">
+                  <a:pos x="connsiteX0" y="connsiteY0"/>
+                </a:cxn>
+                <a:cxn ang="0">
+                  <a:pos x="connsiteX1" y="connsiteY1"/>
+                </a:cxn>
+                <a:cxn ang="0">
+                  <a:pos x="connsiteX2" y="connsiteY2"/>
+                </a:cxn>
+                <a:cxn ang="0">
+                  <a:pos x="connsiteX3" y="connsiteY3"/>
+                </a:cxn>
+                <a:cxn ang="0">
+                  <a:pos x="connsiteX4" y="connsiteY4"/>
+                </a:cxn>
+                <a:cxn ang="0">
+                  <a:pos x="connsiteX5" y="connsiteY5"/>
+                </a:cxn>
+              </a:cxnLst>
+              <a:rect l="l" t="t" r="r" b="b"/>
+              <a:pathLst>
+                <a:path w="1130723" h="565575">
+                  <a:moveTo>
+                    <a:pt x="565362" y="0"/>
+                  </a:moveTo>
+                  <a:cubicBezTo>
+                    <a:pt x="877602" y="0"/>
+                    <a:pt x="1130723" y="253121"/>
+                    <a:pt x="1130723" y="565362"/>
+                  </a:cubicBezTo>
+                  <a:lnTo>
+                    <a:pt x="1130702" y="565575"/>
+                  </a:lnTo>
+                  <a:lnTo>
+                    <a:pt x="21" y="565575"/>
+                  </a:lnTo>
+                  <a:lnTo>
+                    <a:pt x="0" y="565362"/>
+                  </a:lnTo>
+                  <a:cubicBezTo>
+                    <a:pt x="0" y="253121"/>
+                    <a:pt x="253120" y="0"/>
+                    <a:pt x="565362" y="0"/>
+                  </a:cubicBezTo>
+                  <a:close/>
+                </a:path>
+              </a:pathLst>
+            </a:custGeom>
+            <a:solidFill>
+              <a:schemeClr val="bg2"/>
+            </a:solidFill>
+            <a:ln>
+              <a:noFill/>
+            </a:ln>
+          </p:spPr>
+          <p:style>
+            <a:lnRef idx="2">
+              <a:schemeClr val="accent1">
+                <a:shade val="50000"/>
+              </a:schemeClr>
+            </a:lnRef>
+            <a:fillRef idx="1">
+              <a:schemeClr val="accent1"/>
+            </a:fillRef>
+            <a:effectRef idx="0">
+              <a:schemeClr val="accent1"/>
+            </a:effectRef>
+            <a:fontRef idx="minor">
+              <a:schemeClr val="lt1"/>
+            </a:fontRef>
+          </p:style>
+          <p:txBody>
+            <a:bodyPr wrap="square" rtlCol="0" anchor="ctr">
+              <a:noAutofit/>
+            </a:bodyPr>
+            <a:lstStyle/>
+            <a:p>
+              <a:pPr algn="ctr"/>
+              <a:endParaRPr lang="en-US"/>
+            </a:p>
+          </p:txBody>
+        </p:sp>
+        <p:sp>
+          <p:nvSpPr>
+            <p:cNvPr id="13" name="Oval 12">
+              <a:extLst>
+                <a:ext uri="{FF2B5EF4-FFF2-40B4-BE49-F238E27FC236}">
+                  <a16:creationId xmlns:a16="http://schemas.microsoft.com/office/drawing/2014/main" id="{F7C55863-3B37-0743-B001-1A970033FBA8}"/>
+                </a:ext>
+                <a:ext uri="{C183D7F6-B498-43B3-948B-1728B52AA6E4}">
+                  <adec:decorative xmlns:adec="http://schemas.microsoft.com/office/drawing/2017/decorative" val="1"/>
+                </a:ext>
+              </a:extLst>
+            </p:cNvPr>
+            <p:cNvSpPr/>
+            <p:nvPr>
+              <p:extLst>
+                <p:ext uri="{386F3935-93C4-4BCD-93E2-E3B085C9AB24}">
+                  <p16:designElem xmlns:p16="http://schemas.microsoft.com/office/powerpoint/2015/main" val="1"/>
+                </p:ext>
+              </p:extLst>
+            </p:nvPr>
+          </p:nvSpPr>
+          <p:spPr>
+            <a:xfrm>
+              <a:off x="7564253" y="3549396"/>
+              <a:ext cx="1130725" cy="1130724"/>
+            </a:xfrm>
+            <a:prstGeom prst="ellipse">
+              <a:avLst/>
+            </a:prstGeom>
+            <a:solidFill>
+              <a:schemeClr val="bg2"/>
+            </a:solidFill>
+            <a:ln>
+              <a:noFill/>
+            </a:ln>
+          </p:spPr>
+          <p:style>
+            <a:lnRef idx="2">
+              <a:schemeClr val="accent1">
+                <a:shade val="50000"/>
+              </a:schemeClr>
+            </a:lnRef>
+            <a:fillRef idx="1">
+              <a:schemeClr val="accent1"/>
+            </a:fillRef>
+            <a:effectRef idx="0">
+              <a:schemeClr val="accent1"/>
+            </a:effectRef>
+            <a:fontRef idx="minor">
+              <a:schemeClr val="lt1"/>
+            </a:fontRef>
+          </p:style>
+          <p:txBody>
+            <a:bodyPr rtlCol="0" anchor="ctr"/>
+            <a:lstStyle/>
+            <a:p>
+              <a:pPr algn="ctr"/>
+              <a:endParaRPr lang="en-US"/>
+            </a:p>
+          </p:txBody>
+        </p:sp>
+        <p:sp>
+          <p:nvSpPr>
+            <p:cNvPr id="14" name="Oval 13">
+              <a:extLst>
+                <a:ext uri="{FF2B5EF4-FFF2-40B4-BE49-F238E27FC236}">
+                  <a16:creationId xmlns:a16="http://schemas.microsoft.com/office/drawing/2014/main" id="{932B4C24-3A58-924C-B79A-D961EF7C2C48}"/>
+                </a:ext>
+                <a:ext uri="{C183D7F6-B498-43B3-948B-1728B52AA6E4}">
+                  <adec:decorative xmlns:adec="http://schemas.microsoft.com/office/drawing/2017/decorative" val="1"/>
+                </a:ext>
+              </a:extLst>
+            </p:cNvPr>
+            <p:cNvSpPr/>
+            <p:nvPr>
+              <p:extLst>
+                <p:ext uri="{386F3935-93C4-4BCD-93E2-E3B085C9AB24}">
+                  <p16:designElem xmlns:p16="http://schemas.microsoft.com/office/powerpoint/2015/main" val="1"/>
+                </p:ext>
+              </p:extLst>
+            </p:nvPr>
+          </p:nvSpPr>
+          <p:spPr>
+            <a:xfrm>
+              <a:off x="7564253" y="2177881"/>
+              <a:ext cx="1130725" cy="1130724"/>
+            </a:xfrm>
+            <a:prstGeom prst="ellipse">
+              <a:avLst/>
+            </a:prstGeom>
+            <a:solidFill>
+              <a:schemeClr val="bg2"/>
+            </a:solidFill>
+            <a:ln>
+              <a:noFill/>
+            </a:ln>
+          </p:spPr>
+          <p:style>
+            <a:lnRef idx="2">
+              <a:schemeClr val="accent1">
+                <a:shade val="50000"/>
+              </a:schemeClr>
+            </a:lnRef>
+            <a:fillRef idx="1">
+              <a:schemeClr val="accent1"/>
+            </a:fillRef>
+            <a:effectRef idx="0">
+              <a:schemeClr val="accent1"/>
+            </a:effectRef>
+            <a:fontRef idx="minor">
+              <a:schemeClr val="lt1"/>
+            </a:fontRef>
+          </p:style>
+          <p:txBody>
+            <a:bodyPr rtlCol="0" anchor="ctr"/>
+            <a:lstStyle/>
+            <a:p>
+              <a:pPr algn="ctr"/>
+              <a:endParaRPr lang="en-US"/>
+            </a:p>
+          </p:txBody>
+        </p:sp>
+        <p:sp>
+          <p:nvSpPr>
+            <p:cNvPr id="15" name="Oval 14">
+              <a:extLst>
+                <a:ext uri="{FF2B5EF4-FFF2-40B4-BE49-F238E27FC236}">
+                  <a16:creationId xmlns:a16="http://schemas.microsoft.com/office/drawing/2014/main" id="{21EF52E0-D2CF-544F-93A6-4D7B45A0483A}"/>
+                </a:ext>
+                <a:ext uri="{C183D7F6-B498-43B3-948B-1728B52AA6E4}">
+                  <adec:decorative xmlns:adec="http://schemas.microsoft.com/office/drawing/2017/decorative" val="1"/>
+                </a:ext>
+              </a:extLst>
+            </p:cNvPr>
+            <p:cNvSpPr/>
+            <p:nvPr>
+              <p:extLst>
+                <p:ext uri="{386F3935-93C4-4BCD-93E2-E3B085C9AB24}">
+                  <p16:designElem xmlns:p16="http://schemas.microsoft.com/office/powerpoint/2015/main" val="1"/>
+                </p:ext>
+              </p:extLst>
+            </p:nvPr>
+          </p:nvSpPr>
+          <p:spPr>
+            <a:xfrm>
+              <a:off x="7564253" y="806366"/>
+              <a:ext cx="1130725" cy="1130724"/>
+            </a:xfrm>
+            <a:prstGeom prst="ellipse">
+              <a:avLst/>
+            </a:prstGeom>
+            <a:solidFill>
+              <a:schemeClr val="accent1"/>
+            </a:solidFill>
+            <a:ln>
+              <a:noFill/>
+            </a:ln>
+          </p:spPr>
+          <p:style>
+            <a:lnRef idx="2">
+              <a:schemeClr val="accent1">
+                <a:shade val="50000"/>
+              </a:schemeClr>
+            </a:lnRef>
+            <a:fillRef idx="1">
+              <a:schemeClr val="accent1"/>
+            </a:fillRef>
+            <a:effectRef idx="0">
+              <a:schemeClr val="accent1"/>
+            </a:effectRef>
+            <a:fontRef idx="minor">
+              <a:schemeClr val="lt1"/>
+            </a:fontRef>
+          </p:style>
+          <p:txBody>
+            <a:bodyPr rtlCol="0" anchor="ctr"/>
+            <a:lstStyle/>
+            <a:p>
+              <a:pPr algn="ctr"/>
+              <a:endParaRPr lang="en-US"/>
+            </a:p>
+          </p:txBody>
+        </p:sp>
+        <p:sp>
+          <p:nvSpPr>
+            <p:cNvPr id="16" name="Freeform 63">
+              <a:extLst>
+                <a:ext uri="{FF2B5EF4-FFF2-40B4-BE49-F238E27FC236}">
+                  <a16:creationId xmlns:a16="http://schemas.microsoft.com/office/drawing/2014/main" id="{6966CFE5-1C8C-2E4F-9B2D-A8438F5A5322}"/>
+                </a:ext>
+                <a:ext uri="{C183D7F6-B498-43B3-948B-1728B52AA6E4}">
+                  <adec:decorative xmlns:adec="http://schemas.microsoft.com/office/drawing/2017/decorative" val="1"/>
+                </a:ext>
+              </a:extLst>
+            </p:cNvPr>
+            <p:cNvSpPr/>
+            <p:nvPr>
+              <p:extLst>
+                <p:ext uri="{386F3935-93C4-4BCD-93E2-E3B085C9AB24}">
+                  <p16:designElem xmlns:p16="http://schemas.microsoft.com/office/powerpoint/2015/main" val="1"/>
+                </p:ext>
+              </p:extLst>
+            </p:nvPr>
+          </p:nvSpPr>
+          <p:spPr>
+            <a:xfrm>
+              <a:off x="7564254" y="1"/>
+              <a:ext cx="1130725" cy="565575"/>
+            </a:xfrm>
+            <a:custGeom>
+              <a:avLst/>
+              <a:gdLst>
+                <a:gd name="connsiteX0" fmla="*/ 21 w 1130725"/>
+                <a:gd name="connsiteY0" fmla="*/ 0 h 565575"/>
+                <a:gd name="connsiteX1" fmla="*/ 1130704 w 1130725"/>
+                <a:gd name="connsiteY1" fmla="*/ 0 h 565575"/>
+                <a:gd name="connsiteX2" fmla="*/ 1130725 w 1130725"/>
+                <a:gd name="connsiteY2" fmla="*/ 213 h 565575"/>
+                <a:gd name="connsiteX3" fmla="*/ 565363 w 1130725"/>
+                <a:gd name="connsiteY3" fmla="*/ 565575 h 565575"/>
+                <a:gd name="connsiteX4" fmla="*/ 0 w 1130725"/>
+                <a:gd name="connsiteY4" fmla="*/ 213 h 565575"/>
+              </a:gdLst>
+              <a:ahLst/>
+              <a:cxnLst>
+                <a:cxn ang="0">
+                  <a:pos x="connsiteX0" y="connsiteY0"/>
+                </a:cxn>
+                <a:cxn ang="0">
+                  <a:pos x="connsiteX1" y="connsiteY1"/>
+                </a:cxn>
+                <a:cxn ang="0">
+                  <a:pos x="connsiteX2" y="connsiteY2"/>
+                </a:cxn>
+                <a:cxn ang="0">
+                  <a:pos x="connsiteX3" y="connsiteY3"/>
+                </a:cxn>
+                <a:cxn ang="0">
+                  <a:pos x="connsiteX4" y="connsiteY4"/>
+                </a:cxn>
+              </a:cxnLst>
+              <a:rect l="l" t="t" r="r" b="b"/>
+              <a:pathLst>
+                <a:path w="1130725" h="565575">
+                  <a:moveTo>
+                    <a:pt x="21" y="0"/>
+                  </a:moveTo>
+                  <a:lnTo>
+                    <a:pt x="1130704" y="0"/>
+                  </a:lnTo>
+                  <a:lnTo>
+                    <a:pt x="1130725" y="213"/>
+                  </a:lnTo>
+                  <a:cubicBezTo>
+                    <a:pt x="1130725" y="312454"/>
+                    <a:pt x="877603" y="565575"/>
+                    <a:pt x="565363" y="565575"/>
+                  </a:cubicBezTo>
+                  <a:cubicBezTo>
+                    <a:pt x="253121" y="565575"/>
+                    <a:pt x="0" y="312454"/>
+                    <a:pt x="0" y="213"/>
+                  </a:cubicBezTo>
+                  <a:close/>
+                </a:path>
+              </a:pathLst>
+            </a:custGeom>
+            <a:solidFill>
+              <a:schemeClr val="bg2"/>
+            </a:solidFill>
+            <a:ln>
+              <a:noFill/>
+            </a:ln>
+          </p:spPr>
+          <p:style>
+            <a:lnRef idx="2">
+              <a:schemeClr val="accent1">
+                <a:shade val="50000"/>
+              </a:schemeClr>
+            </a:lnRef>
+            <a:fillRef idx="1">
+              <a:schemeClr val="accent1"/>
+            </a:fillRef>
+            <a:effectRef idx="0">
+              <a:schemeClr val="accent1"/>
+            </a:effectRef>
+            <a:fontRef idx="minor">
+              <a:schemeClr val="lt1"/>
+            </a:fontRef>
+          </p:style>
+          <p:txBody>
+            <a:bodyPr wrap="square" rtlCol="0" anchor="ctr">
+              <a:noAutofit/>
+            </a:bodyPr>
+            <a:lstStyle/>
+            <a:p>
+              <a:pPr algn="ctr"/>
+              <a:endParaRPr lang="en-US"/>
+            </a:p>
+          </p:txBody>
+        </p:sp>
+        <p:sp>
+          <p:nvSpPr>
+            <p:cNvPr id="17" name="Freeform 64">
+              <a:extLst>
+                <a:ext uri="{FF2B5EF4-FFF2-40B4-BE49-F238E27FC236}">
+                  <a16:creationId xmlns:a16="http://schemas.microsoft.com/office/drawing/2014/main" id="{9FD29EF3-A5B2-554A-A307-6BE1BCE8AF03}"/>
+                </a:ext>
+                <a:ext uri="{C183D7F6-B498-43B3-948B-1728B52AA6E4}">
+                  <adec:decorative xmlns:adec="http://schemas.microsoft.com/office/drawing/2017/decorative" val="1"/>
+                </a:ext>
+              </a:extLst>
+            </p:cNvPr>
+            <p:cNvSpPr/>
+            <p:nvPr>
+              <p:extLst>
+                <p:ext uri="{386F3935-93C4-4BCD-93E2-E3B085C9AB24}">
+                  <p16:designElem xmlns:p16="http://schemas.microsoft.com/office/powerpoint/2015/main" val="1"/>
+                </p:ext>
+              </p:extLst>
+            </p:nvPr>
+          </p:nvSpPr>
+          <p:spPr>
+            <a:xfrm>
+              <a:off x="8927118" y="6292426"/>
+              <a:ext cx="1130724" cy="565575"/>
+            </a:xfrm>
+            <a:custGeom>
+              <a:avLst/>
+              <a:gdLst>
+                <a:gd name="connsiteX0" fmla="*/ 565362 w 1130724"/>
+                <a:gd name="connsiteY0" fmla="*/ 0 h 565575"/>
+                <a:gd name="connsiteX1" fmla="*/ 1130724 w 1130724"/>
+                <a:gd name="connsiteY1" fmla="*/ 565362 h 565575"/>
+                <a:gd name="connsiteX2" fmla="*/ 1130703 w 1130724"/>
+                <a:gd name="connsiteY2" fmla="*/ 565575 h 565575"/>
+                <a:gd name="connsiteX3" fmla="*/ 22 w 1130724"/>
+                <a:gd name="connsiteY3" fmla="*/ 565575 h 565575"/>
+                <a:gd name="connsiteX4" fmla="*/ 0 w 1130724"/>
+                <a:gd name="connsiteY4" fmla="*/ 565362 h 565575"/>
+                <a:gd name="connsiteX5" fmla="*/ 565362 w 1130724"/>
+                <a:gd name="connsiteY5" fmla="*/ 0 h 565575"/>
+              </a:gdLst>
+              <a:ahLst/>
+              <a:cxnLst>
+                <a:cxn ang="0">
+                  <a:pos x="connsiteX0" y="connsiteY0"/>
+                </a:cxn>
+                <a:cxn ang="0">
+                  <a:pos x="connsiteX1" y="connsiteY1"/>
+                </a:cxn>
+                <a:cxn ang="0">
+                  <a:pos x="connsiteX2" y="connsiteY2"/>
+                </a:cxn>
+                <a:cxn ang="0">
+                  <a:pos x="connsiteX3" y="connsiteY3"/>
+                </a:cxn>
+                <a:cxn ang="0">
+                  <a:pos x="connsiteX4" y="connsiteY4"/>
+                </a:cxn>
+                <a:cxn ang="0">
+                  <a:pos x="connsiteX5" y="connsiteY5"/>
+                </a:cxn>
+              </a:cxnLst>
+              <a:rect l="l" t="t" r="r" b="b"/>
+              <a:pathLst>
+                <a:path w="1130724" h="565575">
+                  <a:moveTo>
+                    <a:pt x="565362" y="0"/>
+                  </a:moveTo>
+                  <a:cubicBezTo>
+                    <a:pt x="877603" y="0"/>
+                    <a:pt x="1130724" y="253121"/>
+                    <a:pt x="1130724" y="565362"/>
+                  </a:cubicBezTo>
+                  <a:lnTo>
+                    <a:pt x="1130703" y="565575"/>
+                  </a:lnTo>
+                  <a:lnTo>
+                    <a:pt x="22" y="565575"/>
+                  </a:lnTo>
+                  <a:lnTo>
+                    <a:pt x="0" y="565362"/>
+                  </a:lnTo>
+                  <a:cubicBezTo>
+                    <a:pt x="0" y="253121"/>
+                    <a:pt x="253121" y="0"/>
+                    <a:pt x="565362" y="0"/>
+                  </a:cubicBezTo>
+                  <a:close/>
+                </a:path>
+              </a:pathLst>
+            </a:custGeom>
+            <a:solidFill>
+              <a:schemeClr val="accent1"/>
+            </a:solidFill>
+            <a:ln>
+              <a:noFill/>
+            </a:ln>
+          </p:spPr>
+          <p:style>
+            <a:lnRef idx="2">
+              <a:schemeClr val="accent1">
+                <a:shade val="50000"/>
+              </a:schemeClr>
+            </a:lnRef>
+            <a:fillRef idx="1">
+              <a:schemeClr val="accent1"/>
+            </a:fillRef>
+            <a:effectRef idx="0">
+              <a:schemeClr val="accent1"/>
+            </a:effectRef>
+            <a:fontRef idx="minor">
+              <a:schemeClr val="lt1"/>
+            </a:fontRef>
+          </p:style>
+          <p:txBody>
+            <a:bodyPr wrap="square" rtlCol="0" anchor="ctr">
+              <a:noAutofit/>
+            </a:bodyPr>
+            <a:lstStyle/>
+            <a:p>
+              <a:pPr algn="ctr"/>
+              <a:endParaRPr lang="en-US"/>
+            </a:p>
+          </p:txBody>
+        </p:sp>
+        <p:sp>
+          <p:nvSpPr>
+            <p:cNvPr id="18" name="Oval 17">
+              <a:extLst>
+                <a:ext uri="{FF2B5EF4-FFF2-40B4-BE49-F238E27FC236}">
+                  <a16:creationId xmlns:a16="http://schemas.microsoft.com/office/drawing/2014/main" id="{AC1ECAD8-0CF2-934D-AA1E-C108208CDE6F}"/>
+                </a:ext>
+                <a:ext uri="{C183D7F6-B498-43B3-948B-1728B52AA6E4}">
+                  <adec:decorative xmlns:adec="http://schemas.microsoft.com/office/drawing/2017/decorative" val="1"/>
+                </a:ext>
+              </a:extLst>
+            </p:cNvPr>
+            <p:cNvSpPr/>
+            <p:nvPr>
+              <p:extLst>
+                <p:ext uri="{386F3935-93C4-4BCD-93E2-E3B085C9AB24}">
+                  <p16:designElem xmlns:p16="http://schemas.microsoft.com/office/powerpoint/2015/main" val="1"/>
+                </p:ext>
+              </p:extLst>
+            </p:nvPr>
+          </p:nvSpPr>
+          <p:spPr>
+            <a:xfrm>
+              <a:off x="8927118" y="4920911"/>
+              <a:ext cx="1130725" cy="1130724"/>
+            </a:xfrm>
+            <a:prstGeom prst="ellipse">
+              <a:avLst/>
+            </a:prstGeom>
+            <a:solidFill>
+              <a:schemeClr val="bg2"/>
+            </a:solidFill>
+            <a:ln>
+              <a:noFill/>
+            </a:ln>
+          </p:spPr>
+          <p:style>
+            <a:lnRef idx="2">
+              <a:schemeClr val="accent1">
+                <a:shade val="50000"/>
+              </a:schemeClr>
+            </a:lnRef>
+            <a:fillRef idx="1">
+              <a:schemeClr val="accent1"/>
+            </a:fillRef>
+            <a:effectRef idx="0">
+              <a:schemeClr val="accent1"/>
+            </a:effectRef>
+            <a:fontRef idx="minor">
+              <a:schemeClr val="lt1"/>
+            </a:fontRef>
+          </p:style>
+          <p:txBody>
+            <a:bodyPr rtlCol="0" anchor="ctr"/>
+            <a:lstStyle/>
+            <a:p>
+              <a:pPr algn="ctr"/>
+              <a:endParaRPr lang="en-US"/>
+            </a:p>
+          </p:txBody>
+        </p:sp>
+        <p:sp>
+          <p:nvSpPr>
+            <p:cNvPr id="19" name="Oval 18">
+              <a:extLst>
+                <a:ext uri="{FF2B5EF4-FFF2-40B4-BE49-F238E27FC236}">
+                  <a16:creationId xmlns:a16="http://schemas.microsoft.com/office/drawing/2014/main" id="{DB14DED1-3A58-8C4D-902E-2A9F34043F61}"/>
+                </a:ext>
+                <a:ext uri="{C183D7F6-B498-43B3-948B-1728B52AA6E4}">
+                  <adec:decorative xmlns:adec="http://schemas.microsoft.com/office/drawing/2017/decorative" val="1"/>
+                </a:ext>
+              </a:extLst>
+            </p:cNvPr>
+            <p:cNvSpPr/>
+            <p:nvPr>
+              <p:extLst>
+                <p:ext uri="{386F3935-93C4-4BCD-93E2-E3B085C9AB24}">
+                  <p16:designElem xmlns:p16="http://schemas.microsoft.com/office/powerpoint/2015/main" val="1"/>
+                </p:ext>
+              </p:extLst>
+            </p:nvPr>
+          </p:nvSpPr>
+          <p:spPr>
+            <a:xfrm>
+              <a:off x="8927118" y="3549396"/>
+              <a:ext cx="1130725" cy="1130724"/>
+            </a:xfrm>
+            <a:prstGeom prst="ellipse">
+              <a:avLst/>
+            </a:prstGeom>
+            <a:solidFill>
+              <a:schemeClr val="accent1"/>
+            </a:solidFill>
+            <a:ln>
+              <a:noFill/>
+            </a:ln>
+          </p:spPr>
+          <p:style>
+            <a:lnRef idx="2">
+              <a:schemeClr val="accent1">
+                <a:shade val="50000"/>
+              </a:schemeClr>
+            </a:lnRef>
+            <a:fillRef idx="1">
+              <a:schemeClr val="accent1"/>
+            </a:fillRef>
+            <a:effectRef idx="0">
+              <a:schemeClr val="accent1"/>
+            </a:effectRef>
+            <a:fontRef idx="minor">
+              <a:schemeClr val="lt1"/>
+            </a:fontRef>
+          </p:style>
+          <p:txBody>
+            <a:bodyPr rtlCol="0" anchor="ctr"/>
+            <a:lstStyle/>
+            <a:p>
+              <a:pPr algn="ctr"/>
+              <a:endParaRPr lang="en-US"/>
+            </a:p>
+          </p:txBody>
+        </p:sp>
+        <p:sp>
+          <p:nvSpPr>
+            <p:cNvPr id="20" name="Oval 19">
+              <a:extLst>
+                <a:ext uri="{FF2B5EF4-FFF2-40B4-BE49-F238E27FC236}">
+                  <a16:creationId xmlns:a16="http://schemas.microsoft.com/office/drawing/2014/main" id="{65D65157-5719-0341-A807-A8956595FB4C}"/>
+                </a:ext>
+                <a:ext uri="{C183D7F6-B498-43B3-948B-1728B52AA6E4}">
+                  <adec:decorative xmlns:adec="http://schemas.microsoft.com/office/drawing/2017/decorative" val="1"/>
+                </a:ext>
+              </a:extLst>
+            </p:cNvPr>
+            <p:cNvSpPr/>
+            <p:nvPr>
+              <p:extLst>
+                <p:ext uri="{386F3935-93C4-4BCD-93E2-E3B085C9AB24}">
+                  <p16:designElem xmlns:p16="http://schemas.microsoft.com/office/powerpoint/2015/main" val="1"/>
+                </p:ext>
+              </p:extLst>
+            </p:nvPr>
+          </p:nvSpPr>
+          <p:spPr>
+            <a:xfrm>
+              <a:off x="8927118" y="2177881"/>
+              <a:ext cx="1130725" cy="1130724"/>
+            </a:xfrm>
+            <a:prstGeom prst="ellipse">
+              <a:avLst/>
+            </a:prstGeom>
+            <a:solidFill>
+              <a:schemeClr val="accent1"/>
+            </a:solidFill>
+            <a:ln>
+              <a:noFill/>
+            </a:ln>
+          </p:spPr>
+          <p:style>
+            <a:lnRef idx="2">
+              <a:schemeClr val="accent1">
+                <a:shade val="50000"/>
+              </a:schemeClr>
+            </a:lnRef>
+            <a:fillRef idx="1">
+              <a:schemeClr val="accent1"/>
+            </a:fillRef>
+            <a:effectRef idx="0">
+              <a:schemeClr val="accent1"/>
+            </a:effectRef>
+            <a:fontRef idx="minor">
+              <a:schemeClr val="lt1"/>
+            </a:fontRef>
+          </p:style>
+          <p:txBody>
+            <a:bodyPr rtlCol="0" anchor="ctr"/>
+            <a:lstStyle/>
+            <a:p>
+              <a:pPr algn="ctr"/>
+              <a:endParaRPr lang="en-US"/>
+            </a:p>
+          </p:txBody>
+        </p:sp>
+        <p:sp>
+          <p:nvSpPr>
+            <p:cNvPr id="21" name="Oval 20">
+              <a:extLst>
+                <a:ext uri="{FF2B5EF4-FFF2-40B4-BE49-F238E27FC236}">
+                  <a16:creationId xmlns:a16="http://schemas.microsoft.com/office/drawing/2014/main" id="{A7F23F74-B777-2A4C-8EF9-E798880D5942}"/>
+                </a:ext>
+                <a:ext uri="{C183D7F6-B498-43B3-948B-1728B52AA6E4}">
+                  <adec:decorative xmlns:adec="http://schemas.microsoft.com/office/drawing/2017/decorative" val="1"/>
+                </a:ext>
+              </a:extLst>
+            </p:cNvPr>
+            <p:cNvSpPr/>
+            <p:nvPr>
+              <p:extLst>
+                <p:ext uri="{386F3935-93C4-4BCD-93E2-E3B085C9AB24}">
+                  <p16:designElem xmlns:p16="http://schemas.microsoft.com/office/powerpoint/2015/main" val="1"/>
+                </p:ext>
+              </p:extLst>
+            </p:nvPr>
+          </p:nvSpPr>
+          <p:spPr>
+            <a:xfrm>
+              <a:off x="8927118" y="806366"/>
+              <a:ext cx="1130725" cy="1130724"/>
+            </a:xfrm>
+            <a:prstGeom prst="ellipse">
+              <a:avLst/>
+            </a:prstGeom>
+            <a:solidFill>
+              <a:schemeClr val="bg2"/>
+            </a:solidFill>
+            <a:ln>
+              <a:noFill/>
+            </a:ln>
+          </p:spPr>
+          <p:style>
+            <a:lnRef idx="2">
+              <a:schemeClr val="accent1">
+                <a:shade val="50000"/>
+              </a:schemeClr>
+            </a:lnRef>
+            <a:fillRef idx="1">
+              <a:schemeClr val="accent1"/>
+            </a:fillRef>
+            <a:effectRef idx="0">
+              <a:schemeClr val="accent1"/>
+            </a:effectRef>
+            <a:fontRef idx="minor">
+              <a:schemeClr val="lt1"/>
+            </a:fontRef>
+          </p:style>
+          <p:txBody>
+            <a:bodyPr rtlCol="0" anchor="ctr"/>
+            <a:lstStyle/>
+            <a:p>
+              <a:pPr algn="ctr"/>
+              <a:endParaRPr lang="en-US"/>
+            </a:p>
+          </p:txBody>
+        </p:sp>
+        <p:sp>
+          <p:nvSpPr>
+            <p:cNvPr id="22" name="Freeform 70">
+              <a:extLst>
+                <a:ext uri="{FF2B5EF4-FFF2-40B4-BE49-F238E27FC236}">
+                  <a16:creationId xmlns:a16="http://schemas.microsoft.com/office/drawing/2014/main" id="{E3B9A050-0AE1-1D4B-A2AC-6EEF64B106D9}"/>
+                </a:ext>
+                <a:ext uri="{C183D7F6-B498-43B3-948B-1728B52AA6E4}">
+                  <adec:decorative xmlns:adec="http://schemas.microsoft.com/office/drawing/2017/decorative" val="1"/>
+                </a:ext>
+              </a:extLst>
+            </p:cNvPr>
+            <p:cNvSpPr/>
+            <p:nvPr>
+              <p:extLst>
+                <p:ext uri="{386F3935-93C4-4BCD-93E2-E3B085C9AB24}">
+                  <p16:designElem xmlns:p16="http://schemas.microsoft.com/office/powerpoint/2015/main" val="1"/>
+                </p:ext>
+              </p:extLst>
+            </p:nvPr>
+          </p:nvSpPr>
+          <p:spPr>
+            <a:xfrm>
+              <a:off x="8927117" y="0"/>
+              <a:ext cx="1130726" cy="565576"/>
+            </a:xfrm>
+            <a:custGeom>
+              <a:avLst/>
+              <a:gdLst>
+                <a:gd name="connsiteX0" fmla="*/ 22 w 1130726"/>
+                <a:gd name="connsiteY0" fmla="*/ 0 h 565576"/>
+                <a:gd name="connsiteX1" fmla="*/ 1130704 w 1130726"/>
+                <a:gd name="connsiteY1" fmla="*/ 0 h 565576"/>
+                <a:gd name="connsiteX2" fmla="*/ 1130726 w 1130726"/>
+                <a:gd name="connsiteY2" fmla="*/ 214 h 565576"/>
+                <a:gd name="connsiteX3" fmla="*/ 565363 w 1130726"/>
+                <a:gd name="connsiteY3" fmla="*/ 565576 h 565576"/>
+                <a:gd name="connsiteX4" fmla="*/ 0 w 1130726"/>
+                <a:gd name="connsiteY4" fmla="*/ 214 h 565576"/>
+              </a:gdLst>
+              <a:ahLst/>
+              <a:cxnLst>
+                <a:cxn ang="0">
+                  <a:pos x="connsiteX0" y="connsiteY0"/>
+                </a:cxn>
+                <a:cxn ang="0">
+                  <a:pos x="connsiteX1" y="connsiteY1"/>
+                </a:cxn>
+                <a:cxn ang="0">
+                  <a:pos x="connsiteX2" y="connsiteY2"/>
+                </a:cxn>
+                <a:cxn ang="0">
+                  <a:pos x="connsiteX3" y="connsiteY3"/>
+                </a:cxn>
+                <a:cxn ang="0">
+                  <a:pos x="connsiteX4" y="connsiteY4"/>
+                </a:cxn>
+              </a:cxnLst>
+              <a:rect l="l" t="t" r="r" b="b"/>
+              <a:pathLst>
+                <a:path w="1130726" h="565576">
+                  <a:moveTo>
+                    <a:pt x="22" y="0"/>
+                  </a:moveTo>
+                  <a:lnTo>
+                    <a:pt x="1130704" y="0"/>
+                  </a:lnTo>
+                  <a:lnTo>
+                    <a:pt x="1130726" y="214"/>
+                  </a:lnTo>
+                  <a:cubicBezTo>
+                    <a:pt x="1130726" y="312455"/>
+                    <a:pt x="877604" y="565576"/>
+                    <a:pt x="565363" y="565576"/>
+                  </a:cubicBezTo>
+                  <a:cubicBezTo>
+                    <a:pt x="253122" y="565576"/>
+                    <a:pt x="0" y="312455"/>
+                    <a:pt x="0" y="214"/>
+                  </a:cubicBezTo>
+                  <a:close/>
+                </a:path>
+              </a:pathLst>
+            </a:custGeom>
+            <a:solidFill>
+              <a:schemeClr val="accent1"/>
+            </a:solidFill>
+            <a:ln>
+              <a:noFill/>
+            </a:ln>
+          </p:spPr>
+          <p:style>
+            <a:lnRef idx="2">
+              <a:schemeClr val="accent1">
+                <a:shade val="50000"/>
+              </a:schemeClr>
+            </a:lnRef>
+            <a:fillRef idx="1">
+              <a:schemeClr val="accent1"/>
+            </a:fillRef>
+            <a:effectRef idx="0">
+              <a:schemeClr val="accent1"/>
+            </a:effectRef>
+            <a:fontRef idx="minor">
+              <a:schemeClr val="lt1"/>
+            </a:fontRef>
+          </p:style>
+          <p:txBody>
+            <a:bodyPr wrap="square" rtlCol="0" anchor="ctr">
+              <a:noAutofit/>
+            </a:bodyPr>
+            <a:lstStyle/>
+            <a:p>
+              <a:pPr algn="ctr"/>
+              <a:endParaRPr lang="en-US"/>
+            </a:p>
+          </p:txBody>
+        </p:sp>
+        <p:sp>
+          <p:nvSpPr>
+            <p:cNvPr id="23" name="Freeform 71">
+              <a:extLst>
+                <a:ext uri="{FF2B5EF4-FFF2-40B4-BE49-F238E27FC236}">
+                  <a16:creationId xmlns:a16="http://schemas.microsoft.com/office/drawing/2014/main" id="{C424FE38-F803-8D47-BF56-1B18EC2B1F03}"/>
+                </a:ext>
+                <a:ext uri="{C183D7F6-B498-43B3-948B-1728B52AA6E4}">
+                  <adec:decorative xmlns:adec="http://schemas.microsoft.com/office/drawing/2017/decorative" val="1"/>
+                </a:ext>
+              </a:extLst>
+            </p:cNvPr>
+            <p:cNvSpPr/>
+            <p:nvPr>
+              <p:extLst>
+                <p:ext uri="{386F3935-93C4-4BCD-93E2-E3B085C9AB24}">
+                  <p16:designElem xmlns:p16="http://schemas.microsoft.com/office/powerpoint/2015/main" val="1"/>
+                </p:ext>
+              </p:extLst>
+            </p:nvPr>
+          </p:nvSpPr>
+          <p:spPr>
+            <a:xfrm>
+              <a:off x="10289984" y="6292426"/>
+              <a:ext cx="1130724" cy="565575"/>
+            </a:xfrm>
+            <a:custGeom>
+              <a:avLst/>
+              <a:gdLst>
+                <a:gd name="connsiteX0" fmla="*/ 565362 w 1130724"/>
+                <a:gd name="connsiteY0" fmla="*/ 0 h 565575"/>
+                <a:gd name="connsiteX1" fmla="*/ 1130724 w 1130724"/>
+                <a:gd name="connsiteY1" fmla="*/ 565362 h 565575"/>
+                <a:gd name="connsiteX2" fmla="*/ 1130703 w 1130724"/>
+                <a:gd name="connsiteY2" fmla="*/ 565575 h 565575"/>
+                <a:gd name="connsiteX3" fmla="*/ 21 w 1130724"/>
+                <a:gd name="connsiteY3" fmla="*/ 565575 h 565575"/>
+                <a:gd name="connsiteX4" fmla="*/ 0 w 1130724"/>
+                <a:gd name="connsiteY4" fmla="*/ 565362 h 565575"/>
+                <a:gd name="connsiteX5" fmla="*/ 565362 w 1130724"/>
+                <a:gd name="connsiteY5" fmla="*/ 0 h 565575"/>
+              </a:gdLst>
+              <a:ahLst/>
+              <a:cxnLst>
+                <a:cxn ang="0">
+                  <a:pos x="connsiteX0" y="connsiteY0"/>
+                </a:cxn>
+                <a:cxn ang="0">
+                  <a:pos x="connsiteX1" y="connsiteY1"/>
+                </a:cxn>
+                <a:cxn ang="0">
+                  <a:pos x="connsiteX2" y="connsiteY2"/>
+                </a:cxn>
+                <a:cxn ang="0">
+                  <a:pos x="connsiteX3" y="connsiteY3"/>
+                </a:cxn>
+                <a:cxn ang="0">
+                  <a:pos x="connsiteX4" y="connsiteY4"/>
+                </a:cxn>
+                <a:cxn ang="0">
+                  <a:pos x="connsiteX5" y="connsiteY5"/>
+                </a:cxn>
+              </a:cxnLst>
+              <a:rect l="l" t="t" r="r" b="b"/>
+              <a:pathLst>
+                <a:path w="1130724" h="565575">
+                  <a:moveTo>
+                    <a:pt x="565362" y="0"/>
+                  </a:moveTo>
+                  <a:cubicBezTo>
+                    <a:pt x="877603" y="0"/>
+                    <a:pt x="1130724" y="253121"/>
+                    <a:pt x="1130724" y="565362"/>
+                  </a:cubicBezTo>
+                  <a:lnTo>
+                    <a:pt x="1130703" y="565575"/>
+                  </a:lnTo>
+                  <a:lnTo>
+                    <a:pt x="21" y="565575"/>
+                  </a:lnTo>
+                  <a:lnTo>
+                    <a:pt x="0" y="565362"/>
+                  </a:lnTo>
+                  <a:cubicBezTo>
+                    <a:pt x="0" y="253121"/>
+                    <a:pt x="253121" y="0"/>
+                    <a:pt x="565362" y="0"/>
+                  </a:cubicBezTo>
+                  <a:close/>
+                </a:path>
+              </a:pathLst>
+            </a:custGeom>
+            <a:solidFill>
+              <a:schemeClr val="bg2"/>
+            </a:solidFill>
+            <a:ln>
+              <a:noFill/>
+            </a:ln>
+          </p:spPr>
+          <p:style>
+            <a:lnRef idx="2">
+              <a:schemeClr val="accent1">
+                <a:shade val="50000"/>
+              </a:schemeClr>
+            </a:lnRef>
+            <a:fillRef idx="1">
+              <a:schemeClr val="accent1"/>
+            </a:fillRef>
+            <a:effectRef idx="0">
+              <a:schemeClr val="accent1"/>
+            </a:effectRef>
+            <a:fontRef idx="minor">
+              <a:schemeClr val="lt1"/>
+            </a:fontRef>
+          </p:style>
+          <p:txBody>
+            <a:bodyPr wrap="square" rtlCol="0" anchor="ctr">
+              <a:noAutofit/>
+            </a:bodyPr>
+            <a:lstStyle/>
+            <a:p>
+              <a:pPr algn="ctr"/>
+              <a:endParaRPr lang="en-US"/>
+            </a:p>
+          </p:txBody>
+        </p:sp>
+        <p:sp>
+          <p:nvSpPr>
+            <p:cNvPr id="24" name="Oval 23">
+              <a:extLst>
+                <a:ext uri="{FF2B5EF4-FFF2-40B4-BE49-F238E27FC236}">
+                  <a16:creationId xmlns:a16="http://schemas.microsoft.com/office/drawing/2014/main" id="{E37187F2-9212-0641-97D0-1ACD50B748A8}"/>
+                </a:ext>
+                <a:ext uri="{C183D7F6-B498-43B3-948B-1728B52AA6E4}">
+                  <adec:decorative xmlns:adec="http://schemas.microsoft.com/office/drawing/2017/decorative" val="1"/>
+                </a:ext>
+              </a:extLst>
+            </p:cNvPr>
+            <p:cNvSpPr/>
+            <p:nvPr>
+              <p:extLst>
+                <p:ext uri="{386F3935-93C4-4BCD-93E2-E3B085C9AB24}">
+                  <p16:designElem xmlns:p16="http://schemas.microsoft.com/office/powerpoint/2015/main" val="1"/>
+                </p:ext>
+              </p:extLst>
+            </p:nvPr>
+          </p:nvSpPr>
+          <p:spPr>
+            <a:xfrm>
+              <a:off x="10289984" y="4920911"/>
+              <a:ext cx="1130725" cy="1130724"/>
+            </a:xfrm>
+            <a:prstGeom prst="ellipse">
+              <a:avLst/>
+            </a:prstGeom>
+            <a:solidFill>
+              <a:schemeClr val="accent1"/>
+            </a:solidFill>
+            <a:ln>
+              <a:noFill/>
+            </a:ln>
+          </p:spPr>
+          <p:style>
+            <a:lnRef idx="2">
+              <a:schemeClr val="accent1">
+                <a:shade val="50000"/>
+              </a:schemeClr>
+            </a:lnRef>
+            <a:fillRef idx="1">
+              <a:schemeClr val="accent1"/>
+            </a:fillRef>
+            <a:effectRef idx="0">
+              <a:schemeClr val="accent1"/>
+            </a:effectRef>
+            <a:fontRef idx="minor">
+              <a:schemeClr val="lt1"/>
+            </a:fontRef>
+          </p:style>
+          <p:txBody>
+            <a:bodyPr rtlCol="0" anchor="ctr"/>
+            <a:lstStyle/>
+            <a:p>
+              <a:pPr algn="ctr"/>
+              <a:endParaRPr lang="en-US"/>
+            </a:p>
+          </p:txBody>
+        </p:sp>
+        <p:sp>
+          <p:nvSpPr>
+            <p:cNvPr id="25" name="Oval 24">
+              <a:extLst>
+                <a:ext uri="{FF2B5EF4-FFF2-40B4-BE49-F238E27FC236}">
+                  <a16:creationId xmlns:a16="http://schemas.microsoft.com/office/drawing/2014/main" id="{C760C651-2AC4-564E-BEAA-AB7FAFE7F79F}"/>
+                </a:ext>
+                <a:ext uri="{C183D7F6-B498-43B3-948B-1728B52AA6E4}">
+                  <adec:decorative xmlns:adec="http://schemas.microsoft.com/office/drawing/2017/decorative" val="1"/>
+                </a:ext>
+              </a:extLst>
+            </p:cNvPr>
+            <p:cNvSpPr/>
+            <p:nvPr>
+              <p:extLst>
+                <p:ext uri="{386F3935-93C4-4BCD-93E2-E3B085C9AB24}">
+                  <p16:designElem xmlns:p16="http://schemas.microsoft.com/office/powerpoint/2015/main" val="1"/>
+                </p:ext>
+              </p:extLst>
+            </p:nvPr>
+          </p:nvSpPr>
+          <p:spPr>
+            <a:xfrm>
+              <a:off x="10289984" y="3549396"/>
+              <a:ext cx="1130725" cy="1130724"/>
+            </a:xfrm>
+            <a:prstGeom prst="ellipse">
+              <a:avLst/>
+            </a:prstGeom>
+            <a:solidFill>
+              <a:schemeClr val="bg2"/>
+            </a:solidFill>
+            <a:ln>
+              <a:noFill/>
+            </a:ln>
+          </p:spPr>
+          <p:style>
+            <a:lnRef idx="2">
+              <a:schemeClr val="accent1">
+                <a:shade val="50000"/>
+              </a:schemeClr>
+            </a:lnRef>
+            <a:fillRef idx="1">
+              <a:schemeClr val="accent1"/>
+            </a:fillRef>
+            <a:effectRef idx="0">
+              <a:schemeClr val="accent1"/>
+            </a:effectRef>
+            <a:fontRef idx="minor">
+              <a:schemeClr val="lt1"/>
+            </a:fontRef>
+          </p:style>
+          <p:txBody>
+            <a:bodyPr rtlCol="0" anchor="ctr"/>
+            <a:lstStyle/>
+            <a:p>
+              <a:pPr algn="ctr"/>
+              <a:endParaRPr lang="en-US"/>
+            </a:p>
+          </p:txBody>
+        </p:sp>
+        <p:sp>
+          <p:nvSpPr>
+            <p:cNvPr id="26" name="Oval 25">
+              <a:extLst>
+                <a:ext uri="{FF2B5EF4-FFF2-40B4-BE49-F238E27FC236}">
+                  <a16:creationId xmlns:a16="http://schemas.microsoft.com/office/drawing/2014/main" id="{58B0A1B8-5BA3-3548-9511-B4904D05264B}"/>
+                </a:ext>
+                <a:ext uri="{C183D7F6-B498-43B3-948B-1728B52AA6E4}">
+                  <adec:decorative xmlns:adec="http://schemas.microsoft.com/office/drawing/2017/decorative" val="1"/>
+                </a:ext>
+              </a:extLst>
+            </p:cNvPr>
+            <p:cNvSpPr/>
+            <p:nvPr>
+              <p:extLst>
+                <p:ext uri="{386F3935-93C4-4BCD-93E2-E3B085C9AB24}">
+                  <p16:designElem xmlns:p16="http://schemas.microsoft.com/office/powerpoint/2015/main" val="1"/>
+                </p:ext>
+              </p:extLst>
+            </p:nvPr>
+          </p:nvSpPr>
+          <p:spPr>
+            <a:xfrm>
+              <a:off x="10289984" y="806366"/>
+              <a:ext cx="1130725" cy="1130724"/>
+            </a:xfrm>
+            <a:prstGeom prst="ellipse">
+              <a:avLst/>
+            </a:prstGeom>
+            <a:solidFill>
+              <a:schemeClr val="bg2"/>
+            </a:solidFill>
+            <a:ln>
+              <a:noFill/>
+            </a:ln>
+          </p:spPr>
+          <p:style>
+            <a:lnRef idx="2">
+              <a:schemeClr val="accent1">
+                <a:shade val="50000"/>
+              </a:schemeClr>
+            </a:lnRef>
+            <a:fillRef idx="1">
+              <a:schemeClr val="accent1"/>
+            </a:fillRef>
+            <a:effectRef idx="0">
+              <a:schemeClr val="accent1"/>
+            </a:effectRef>
+            <a:fontRef idx="minor">
+              <a:schemeClr val="lt1"/>
+            </a:fontRef>
+          </p:style>
+          <p:txBody>
+            <a:bodyPr rtlCol="0" anchor="ctr"/>
+            <a:lstStyle/>
+            <a:p>
+              <a:pPr algn="ctr"/>
+              <a:endParaRPr lang="en-US"/>
+            </a:p>
+          </p:txBody>
+        </p:sp>
+        <p:sp>
+          <p:nvSpPr>
+            <p:cNvPr id="27" name="Freeform 75">
+              <a:extLst>
+                <a:ext uri="{FF2B5EF4-FFF2-40B4-BE49-F238E27FC236}">
+                  <a16:creationId xmlns:a16="http://schemas.microsoft.com/office/drawing/2014/main" id="{424CD779-EE9A-214D-9488-767327E373AA}"/>
+                </a:ext>
+                <a:ext uri="{C183D7F6-B498-43B3-948B-1728B52AA6E4}">
+                  <adec:decorative xmlns:adec="http://schemas.microsoft.com/office/drawing/2017/decorative" val="1"/>
+                </a:ext>
+              </a:extLst>
+            </p:cNvPr>
+            <p:cNvSpPr/>
+            <p:nvPr>
+              <p:extLst>
+                <p:ext uri="{386F3935-93C4-4BCD-93E2-E3B085C9AB24}">
+                  <p16:designElem xmlns:p16="http://schemas.microsoft.com/office/powerpoint/2015/main" val="1"/>
+                </p:ext>
+              </p:extLst>
+            </p:nvPr>
+          </p:nvSpPr>
+          <p:spPr>
+            <a:xfrm>
+              <a:off x="10289983" y="0"/>
+              <a:ext cx="1130726" cy="565576"/>
+            </a:xfrm>
+            <a:custGeom>
+              <a:avLst/>
+              <a:gdLst>
+                <a:gd name="connsiteX0" fmla="*/ 21 w 1130726"/>
+                <a:gd name="connsiteY0" fmla="*/ 0 h 565576"/>
+                <a:gd name="connsiteX1" fmla="*/ 1130704 w 1130726"/>
+                <a:gd name="connsiteY1" fmla="*/ 0 h 565576"/>
+                <a:gd name="connsiteX2" fmla="*/ 1130726 w 1130726"/>
+                <a:gd name="connsiteY2" fmla="*/ 214 h 565576"/>
+                <a:gd name="connsiteX3" fmla="*/ 565363 w 1130726"/>
+                <a:gd name="connsiteY3" fmla="*/ 565576 h 565576"/>
+                <a:gd name="connsiteX4" fmla="*/ 0 w 1130726"/>
+                <a:gd name="connsiteY4" fmla="*/ 214 h 565576"/>
+              </a:gdLst>
+              <a:ahLst/>
+              <a:cxnLst>
+                <a:cxn ang="0">
+                  <a:pos x="connsiteX0" y="connsiteY0"/>
+                </a:cxn>
+                <a:cxn ang="0">
+                  <a:pos x="connsiteX1" y="connsiteY1"/>
+                </a:cxn>
+                <a:cxn ang="0">
+                  <a:pos x="connsiteX2" y="connsiteY2"/>
+                </a:cxn>
+                <a:cxn ang="0">
+                  <a:pos x="connsiteX3" y="connsiteY3"/>
+                </a:cxn>
+                <a:cxn ang="0">
+                  <a:pos x="connsiteX4" y="connsiteY4"/>
+                </a:cxn>
+              </a:cxnLst>
+              <a:rect l="l" t="t" r="r" b="b"/>
+              <a:pathLst>
+                <a:path w="1130726" h="565576">
+                  <a:moveTo>
+                    <a:pt x="21" y="0"/>
+                  </a:moveTo>
+                  <a:lnTo>
+                    <a:pt x="1130704" y="0"/>
+                  </a:lnTo>
+                  <a:lnTo>
+                    <a:pt x="1130726" y="214"/>
+                  </a:lnTo>
+                  <a:cubicBezTo>
+                    <a:pt x="1130726" y="312455"/>
+                    <a:pt x="877604" y="565576"/>
+                    <a:pt x="565363" y="565576"/>
+                  </a:cubicBezTo>
+                  <a:cubicBezTo>
+                    <a:pt x="253122" y="565576"/>
+                    <a:pt x="0" y="312455"/>
+                    <a:pt x="0" y="214"/>
+                  </a:cubicBezTo>
+                  <a:close/>
+                </a:path>
+              </a:pathLst>
+            </a:custGeom>
+            <a:solidFill>
+              <a:schemeClr val="bg2"/>
+            </a:solidFill>
+            <a:ln>
+              <a:noFill/>
+            </a:ln>
+          </p:spPr>
+          <p:style>
+            <a:lnRef idx="2">
+              <a:schemeClr val="accent1">
+                <a:shade val="50000"/>
+              </a:schemeClr>
+            </a:lnRef>
+            <a:fillRef idx="1">
+              <a:schemeClr val="accent1"/>
+            </a:fillRef>
+            <a:effectRef idx="0">
+              <a:schemeClr val="accent1"/>
+            </a:effectRef>
+            <a:fontRef idx="minor">
+              <a:schemeClr val="lt1"/>
+            </a:fontRef>
+          </p:style>
+          <p:txBody>
+            <a:bodyPr wrap="square" rtlCol="0" anchor="ctr">
+              <a:noAutofit/>
+            </a:bodyPr>
+            <a:lstStyle/>
+            <a:p>
+              <a:pPr algn="ctr"/>
+              <a:endParaRPr lang="en-US"/>
+            </a:p>
+          </p:txBody>
+        </p:sp>
+        <p:sp>
+          <p:nvSpPr>
+            <p:cNvPr id="28" name="Freeform 76">
+              <a:extLst>
+                <a:ext uri="{FF2B5EF4-FFF2-40B4-BE49-F238E27FC236}">
+                  <a16:creationId xmlns:a16="http://schemas.microsoft.com/office/drawing/2014/main" id="{630D08C6-9EFB-8540-875F-2A55DED2AAE3}"/>
+                </a:ext>
+                <a:ext uri="{C183D7F6-B498-43B3-948B-1728B52AA6E4}">
+                  <adec:decorative xmlns:adec="http://schemas.microsoft.com/office/drawing/2017/decorative" val="1"/>
+                </a:ext>
+              </a:extLst>
+            </p:cNvPr>
+            <p:cNvSpPr/>
+            <p:nvPr>
+              <p:extLst>
+                <p:ext uri="{386F3935-93C4-4BCD-93E2-E3B085C9AB24}">
+                  <p16:designElem xmlns:p16="http://schemas.microsoft.com/office/powerpoint/2015/main" val="1"/>
+                </p:ext>
+              </p:extLst>
+            </p:nvPr>
+          </p:nvSpPr>
+          <p:spPr>
+            <a:xfrm>
+              <a:off x="11652854" y="6295069"/>
+              <a:ext cx="539146" cy="562931"/>
+            </a:xfrm>
+            <a:custGeom>
+              <a:avLst/>
+              <a:gdLst>
+                <a:gd name="connsiteX0" fmla="*/ 539146 w 539146"/>
+                <a:gd name="connsiteY0" fmla="*/ 0 h 562931"/>
+                <a:gd name="connsiteX1" fmla="*/ 539146 w 539146"/>
+                <a:gd name="connsiteY1" fmla="*/ 562931 h 562931"/>
+                <a:gd name="connsiteX2" fmla="*/ 21 w 539146"/>
+                <a:gd name="connsiteY2" fmla="*/ 562931 h 562931"/>
+                <a:gd name="connsiteX3" fmla="*/ 0 w 539146"/>
+                <a:gd name="connsiteY3" fmla="*/ 562719 h 562931"/>
+                <a:gd name="connsiteX4" fmla="*/ 451422 w 539146"/>
+                <a:gd name="connsiteY4" fmla="*/ 8843 h 562931"/>
+              </a:gdLst>
+              <a:ahLst/>
+              <a:cxnLst>
+                <a:cxn ang="0">
+                  <a:pos x="connsiteX0" y="connsiteY0"/>
+                </a:cxn>
+                <a:cxn ang="0">
+                  <a:pos x="connsiteX1" y="connsiteY1"/>
+                </a:cxn>
+                <a:cxn ang="0">
+                  <a:pos x="connsiteX2" y="connsiteY2"/>
+                </a:cxn>
+                <a:cxn ang="0">
+                  <a:pos x="connsiteX3" y="connsiteY3"/>
+                </a:cxn>
+                <a:cxn ang="0">
+                  <a:pos x="connsiteX4" y="connsiteY4"/>
+                </a:cxn>
+              </a:cxnLst>
+              <a:rect l="l" t="t" r="r" b="b"/>
+              <a:pathLst>
+                <a:path w="539146" h="562931">
+                  <a:moveTo>
+                    <a:pt x="539146" y="0"/>
+                  </a:moveTo>
+                  <a:lnTo>
+                    <a:pt x="539146" y="562931"/>
+                  </a:lnTo>
+                  <a:lnTo>
+                    <a:pt x="21" y="562931"/>
+                  </a:lnTo>
+                  <a:lnTo>
+                    <a:pt x="0" y="562719"/>
+                  </a:lnTo>
+                  <a:cubicBezTo>
+                    <a:pt x="0" y="289508"/>
+                    <a:pt x="193796" y="61561"/>
+                    <a:pt x="451422" y="8843"/>
+                  </a:cubicBezTo>
+                  <a:close/>
+                </a:path>
+              </a:pathLst>
+            </a:custGeom>
+            <a:solidFill>
+              <a:schemeClr val="bg2"/>
+            </a:solidFill>
+            <a:ln>
+              <a:noFill/>
+            </a:ln>
+          </p:spPr>
+          <p:style>
+            <a:lnRef idx="2">
+              <a:schemeClr val="accent1">
+                <a:shade val="50000"/>
+              </a:schemeClr>
+            </a:lnRef>
+            <a:fillRef idx="1">
+              <a:schemeClr val="accent1"/>
+            </a:fillRef>
+            <a:effectRef idx="0">
+              <a:schemeClr val="accent1"/>
+            </a:effectRef>
+            <a:fontRef idx="minor">
+              <a:schemeClr val="lt1"/>
+            </a:fontRef>
+          </p:style>
+          <p:txBody>
+            <a:bodyPr wrap="square" rtlCol="0" anchor="ctr">
+              <a:noAutofit/>
+            </a:bodyPr>
+            <a:lstStyle/>
+            <a:p>
+              <a:pPr algn="ctr"/>
+              <a:endParaRPr lang="en-US"/>
+            </a:p>
+          </p:txBody>
+        </p:sp>
+        <p:sp>
+          <p:nvSpPr>
+            <p:cNvPr id="29" name="Freeform 77">
+              <a:extLst>
+                <a:ext uri="{FF2B5EF4-FFF2-40B4-BE49-F238E27FC236}">
+                  <a16:creationId xmlns:a16="http://schemas.microsoft.com/office/drawing/2014/main" id="{D7E8DA86-1294-4641-9C52-6E153150641C}"/>
+                </a:ext>
+                <a:ext uri="{C183D7F6-B498-43B3-948B-1728B52AA6E4}">
+                  <adec:decorative xmlns:adec="http://schemas.microsoft.com/office/drawing/2017/decorative" val="1"/>
+                </a:ext>
+              </a:extLst>
+            </p:cNvPr>
+            <p:cNvSpPr/>
+            <p:nvPr>
+              <p:extLst>
+                <p:ext uri="{386F3935-93C4-4BCD-93E2-E3B085C9AB24}">
+                  <p16:designElem xmlns:p16="http://schemas.microsoft.com/office/powerpoint/2015/main" val="1"/>
+                </p:ext>
+              </p:extLst>
+            </p:nvPr>
+          </p:nvSpPr>
+          <p:spPr>
+            <a:xfrm>
+              <a:off x="11652853" y="4923555"/>
+              <a:ext cx="539147" cy="1125439"/>
+            </a:xfrm>
+            <a:custGeom>
+              <a:avLst/>
+              <a:gdLst>
+                <a:gd name="connsiteX0" fmla="*/ 539147 w 539147"/>
+                <a:gd name="connsiteY0" fmla="*/ 0 h 1125439"/>
+                <a:gd name="connsiteX1" fmla="*/ 539147 w 539147"/>
+                <a:gd name="connsiteY1" fmla="*/ 1125439 h 1125439"/>
+                <a:gd name="connsiteX2" fmla="*/ 451423 w 539147"/>
+                <a:gd name="connsiteY2" fmla="*/ 1116595 h 1125439"/>
+                <a:gd name="connsiteX3" fmla="*/ 0 w 539147"/>
+                <a:gd name="connsiteY3" fmla="*/ 562719 h 1125439"/>
+                <a:gd name="connsiteX4" fmla="*/ 451423 w 539147"/>
+                <a:gd name="connsiteY4" fmla="*/ 8843 h 1125439"/>
+              </a:gdLst>
+              <a:ahLst/>
+              <a:cxnLst>
+                <a:cxn ang="0">
+                  <a:pos x="connsiteX0" y="connsiteY0"/>
+                </a:cxn>
+                <a:cxn ang="0">
+                  <a:pos x="connsiteX1" y="connsiteY1"/>
+                </a:cxn>
+                <a:cxn ang="0">
+                  <a:pos x="connsiteX2" y="connsiteY2"/>
+                </a:cxn>
+                <a:cxn ang="0">
+                  <a:pos x="connsiteX3" y="connsiteY3"/>
+                </a:cxn>
+                <a:cxn ang="0">
+                  <a:pos x="connsiteX4" y="connsiteY4"/>
+                </a:cxn>
+              </a:cxnLst>
+              <a:rect l="l" t="t" r="r" b="b"/>
+              <a:pathLst>
+                <a:path w="539147" h="1125439">
+                  <a:moveTo>
+                    <a:pt x="539147" y="0"/>
+                  </a:moveTo>
+                  <a:lnTo>
+                    <a:pt x="539147" y="1125439"/>
+                  </a:lnTo>
+                  <a:lnTo>
+                    <a:pt x="451423" y="1116595"/>
+                  </a:lnTo>
+                  <a:cubicBezTo>
+                    <a:pt x="193797" y="1063877"/>
+                    <a:pt x="0" y="835930"/>
+                    <a:pt x="0" y="562719"/>
+                  </a:cubicBezTo>
+                  <a:cubicBezTo>
+                    <a:pt x="0" y="289508"/>
+                    <a:pt x="193797" y="61561"/>
+                    <a:pt x="451423" y="8843"/>
+                  </a:cubicBezTo>
+                  <a:close/>
+                </a:path>
+              </a:pathLst>
+            </a:custGeom>
+            <a:solidFill>
+              <a:schemeClr val="accent1"/>
+            </a:solidFill>
+            <a:ln>
+              <a:noFill/>
+            </a:ln>
+          </p:spPr>
+          <p:style>
+            <a:lnRef idx="2">
+              <a:schemeClr val="accent1">
+                <a:shade val="50000"/>
+              </a:schemeClr>
+            </a:lnRef>
+            <a:fillRef idx="1">
+              <a:schemeClr val="accent1"/>
+            </a:fillRef>
+            <a:effectRef idx="0">
+              <a:schemeClr val="accent1"/>
+            </a:effectRef>
+            <a:fontRef idx="minor">
+              <a:schemeClr val="lt1"/>
+            </a:fontRef>
+          </p:style>
+          <p:txBody>
+            <a:bodyPr wrap="square" rtlCol="0" anchor="ctr">
+              <a:noAutofit/>
+            </a:bodyPr>
+            <a:lstStyle/>
+            <a:p>
+              <a:pPr algn="ctr"/>
+              <a:endParaRPr lang="en-US"/>
+            </a:p>
+          </p:txBody>
+        </p:sp>
+        <p:sp>
+          <p:nvSpPr>
+            <p:cNvPr id="30" name="Freeform 78">
+              <a:extLst>
+                <a:ext uri="{FF2B5EF4-FFF2-40B4-BE49-F238E27FC236}">
+                  <a16:creationId xmlns:a16="http://schemas.microsoft.com/office/drawing/2014/main" id="{011063C9-2A43-3348-A018-F27FACAA778D}"/>
+                </a:ext>
+                <a:ext uri="{C183D7F6-B498-43B3-948B-1728B52AA6E4}">
+                  <adec:decorative xmlns:adec="http://schemas.microsoft.com/office/drawing/2017/decorative" val="1"/>
+                </a:ext>
+              </a:extLst>
+            </p:cNvPr>
+            <p:cNvSpPr/>
+            <p:nvPr>
+              <p:extLst>
+                <p:ext uri="{386F3935-93C4-4BCD-93E2-E3B085C9AB24}">
+                  <p16:designElem xmlns:p16="http://schemas.microsoft.com/office/powerpoint/2015/main" val="1"/>
+                </p:ext>
+              </p:extLst>
+            </p:nvPr>
+          </p:nvSpPr>
+          <p:spPr>
+            <a:xfrm>
+              <a:off x="11652853" y="3552039"/>
+              <a:ext cx="539147" cy="1125438"/>
+            </a:xfrm>
+            <a:custGeom>
+              <a:avLst/>
+              <a:gdLst>
+                <a:gd name="connsiteX0" fmla="*/ 539147 w 539147"/>
+                <a:gd name="connsiteY0" fmla="*/ 0 h 1125438"/>
+                <a:gd name="connsiteX1" fmla="*/ 539147 w 539147"/>
+                <a:gd name="connsiteY1" fmla="*/ 1125438 h 1125438"/>
+                <a:gd name="connsiteX2" fmla="*/ 451423 w 539147"/>
+                <a:gd name="connsiteY2" fmla="*/ 1116595 h 1125438"/>
+                <a:gd name="connsiteX3" fmla="*/ 0 w 539147"/>
+                <a:gd name="connsiteY3" fmla="*/ 562719 h 1125438"/>
+                <a:gd name="connsiteX4" fmla="*/ 451423 w 539147"/>
+                <a:gd name="connsiteY4" fmla="*/ 8843 h 1125438"/>
+              </a:gdLst>
+              <a:ahLst/>
+              <a:cxnLst>
+                <a:cxn ang="0">
+                  <a:pos x="connsiteX0" y="connsiteY0"/>
+                </a:cxn>
+                <a:cxn ang="0">
+                  <a:pos x="connsiteX1" y="connsiteY1"/>
+                </a:cxn>
+                <a:cxn ang="0">
+                  <a:pos x="connsiteX2" y="connsiteY2"/>
+                </a:cxn>
+                <a:cxn ang="0">
+                  <a:pos x="connsiteX3" y="connsiteY3"/>
+                </a:cxn>
+                <a:cxn ang="0">
+                  <a:pos x="connsiteX4" y="connsiteY4"/>
+                </a:cxn>
+              </a:cxnLst>
+              <a:rect l="l" t="t" r="r" b="b"/>
+              <a:pathLst>
+                <a:path w="539147" h="1125438">
+                  <a:moveTo>
+                    <a:pt x="539147" y="0"/>
+                  </a:moveTo>
+                  <a:lnTo>
+                    <a:pt x="539147" y="1125438"/>
+                  </a:lnTo>
+                  <a:lnTo>
+                    <a:pt x="451423" y="1116595"/>
+                  </a:lnTo>
+                  <a:cubicBezTo>
+                    <a:pt x="193797" y="1063877"/>
+                    <a:pt x="0" y="835930"/>
+                    <a:pt x="0" y="562719"/>
+                  </a:cubicBezTo>
+                  <a:cubicBezTo>
+                    <a:pt x="0" y="289508"/>
+                    <a:pt x="193797" y="61561"/>
+                    <a:pt x="451423" y="8843"/>
+                  </a:cubicBezTo>
+                  <a:close/>
+                </a:path>
+              </a:pathLst>
+            </a:custGeom>
+            <a:solidFill>
+              <a:schemeClr val="bg2"/>
+            </a:solidFill>
+            <a:ln>
+              <a:noFill/>
+            </a:ln>
+          </p:spPr>
+          <p:style>
+            <a:lnRef idx="2">
+              <a:schemeClr val="accent1">
+                <a:shade val="50000"/>
+              </a:schemeClr>
+            </a:lnRef>
+            <a:fillRef idx="1">
+              <a:schemeClr val="accent1"/>
+            </a:fillRef>
+            <a:effectRef idx="0">
+              <a:schemeClr val="accent1"/>
+            </a:effectRef>
+            <a:fontRef idx="minor">
+              <a:schemeClr val="lt1"/>
+            </a:fontRef>
+          </p:style>
+          <p:txBody>
+            <a:bodyPr wrap="square" rtlCol="0" anchor="ctr">
+              <a:noAutofit/>
+            </a:bodyPr>
+            <a:lstStyle/>
+            <a:p>
+              <a:pPr algn="ctr"/>
+              <a:endParaRPr lang="en-US"/>
+            </a:p>
+          </p:txBody>
+        </p:sp>
+        <p:sp>
+          <p:nvSpPr>
+            <p:cNvPr id="31" name="Freeform 79">
+              <a:extLst>
+                <a:ext uri="{FF2B5EF4-FFF2-40B4-BE49-F238E27FC236}">
+                  <a16:creationId xmlns:a16="http://schemas.microsoft.com/office/drawing/2014/main" id="{EE85C7DE-D965-244F-BD95-3A05FF4AAC61}"/>
+                </a:ext>
+                <a:ext uri="{C183D7F6-B498-43B3-948B-1728B52AA6E4}">
+                  <adec:decorative xmlns:adec="http://schemas.microsoft.com/office/drawing/2017/decorative" val="1"/>
+                </a:ext>
+              </a:extLst>
+            </p:cNvPr>
+            <p:cNvSpPr/>
+            <p:nvPr>
+              <p:extLst>
+                <p:ext uri="{386F3935-93C4-4BCD-93E2-E3B085C9AB24}">
+                  <p16:designElem xmlns:p16="http://schemas.microsoft.com/office/powerpoint/2015/main" val="1"/>
+                </p:ext>
+              </p:extLst>
+            </p:nvPr>
+          </p:nvSpPr>
+          <p:spPr>
+            <a:xfrm>
+              <a:off x="11652853" y="2180524"/>
+              <a:ext cx="539147" cy="1125438"/>
+            </a:xfrm>
+            <a:custGeom>
+              <a:avLst/>
+              <a:gdLst>
+                <a:gd name="connsiteX0" fmla="*/ 539147 w 539147"/>
+                <a:gd name="connsiteY0" fmla="*/ 0 h 1125438"/>
+                <a:gd name="connsiteX1" fmla="*/ 539147 w 539147"/>
+                <a:gd name="connsiteY1" fmla="*/ 1125438 h 1125438"/>
+                <a:gd name="connsiteX2" fmla="*/ 451423 w 539147"/>
+                <a:gd name="connsiteY2" fmla="*/ 1116595 h 1125438"/>
+                <a:gd name="connsiteX3" fmla="*/ 0 w 539147"/>
+                <a:gd name="connsiteY3" fmla="*/ 562719 h 1125438"/>
+                <a:gd name="connsiteX4" fmla="*/ 451423 w 539147"/>
+                <a:gd name="connsiteY4" fmla="*/ 8843 h 1125438"/>
+              </a:gdLst>
+              <a:ahLst/>
+              <a:cxnLst>
+                <a:cxn ang="0">
+                  <a:pos x="connsiteX0" y="connsiteY0"/>
+                </a:cxn>
+                <a:cxn ang="0">
+                  <a:pos x="connsiteX1" y="connsiteY1"/>
+                </a:cxn>
+                <a:cxn ang="0">
+                  <a:pos x="connsiteX2" y="connsiteY2"/>
+                </a:cxn>
+                <a:cxn ang="0">
+                  <a:pos x="connsiteX3" y="connsiteY3"/>
+                </a:cxn>
+                <a:cxn ang="0">
+                  <a:pos x="connsiteX4" y="connsiteY4"/>
+                </a:cxn>
+              </a:cxnLst>
+              <a:rect l="l" t="t" r="r" b="b"/>
+              <a:pathLst>
+                <a:path w="539147" h="1125438">
+                  <a:moveTo>
+                    <a:pt x="539147" y="0"/>
+                  </a:moveTo>
+                  <a:lnTo>
+                    <a:pt x="539147" y="1125438"/>
+                  </a:lnTo>
+                  <a:lnTo>
+                    <a:pt x="451423" y="1116595"/>
+                  </a:lnTo>
+                  <a:cubicBezTo>
+                    <a:pt x="193797" y="1063877"/>
+                    <a:pt x="0" y="835930"/>
+                    <a:pt x="0" y="562719"/>
+                  </a:cubicBezTo>
+                  <a:cubicBezTo>
+                    <a:pt x="0" y="289509"/>
+                    <a:pt x="193797" y="61561"/>
+                    <a:pt x="451423" y="8843"/>
+                  </a:cubicBezTo>
+                  <a:close/>
+                </a:path>
+              </a:pathLst>
+            </a:custGeom>
+            <a:solidFill>
+              <a:schemeClr val="bg2"/>
+            </a:solidFill>
+            <a:ln>
+              <a:noFill/>
+            </a:ln>
+          </p:spPr>
+          <p:style>
+            <a:lnRef idx="2">
+              <a:schemeClr val="accent1">
+                <a:shade val="50000"/>
+              </a:schemeClr>
+            </a:lnRef>
+            <a:fillRef idx="1">
+              <a:schemeClr val="accent1"/>
+            </a:fillRef>
+            <a:effectRef idx="0">
+              <a:schemeClr val="accent1"/>
+            </a:effectRef>
+            <a:fontRef idx="minor">
+              <a:schemeClr val="lt1"/>
+            </a:fontRef>
+          </p:style>
+          <p:txBody>
+            <a:bodyPr wrap="square" rtlCol="0" anchor="ctr">
+              <a:noAutofit/>
+            </a:bodyPr>
+            <a:lstStyle/>
+            <a:p>
+              <a:pPr algn="ctr"/>
+              <a:endParaRPr lang="en-US"/>
+            </a:p>
+          </p:txBody>
+        </p:sp>
+        <p:sp>
+          <p:nvSpPr>
+            <p:cNvPr id="32" name="Freeform 80">
+              <a:extLst>
+                <a:ext uri="{FF2B5EF4-FFF2-40B4-BE49-F238E27FC236}">
+                  <a16:creationId xmlns:a16="http://schemas.microsoft.com/office/drawing/2014/main" id="{315A1389-149A-3342-A863-637D42FDB28D}"/>
+                </a:ext>
+                <a:ext uri="{C183D7F6-B498-43B3-948B-1728B52AA6E4}">
+                  <adec:decorative xmlns:adec="http://schemas.microsoft.com/office/drawing/2017/decorative" val="1"/>
+                </a:ext>
+              </a:extLst>
+            </p:cNvPr>
+            <p:cNvSpPr/>
+            <p:nvPr>
+              <p:extLst>
+                <p:ext uri="{386F3935-93C4-4BCD-93E2-E3B085C9AB24}">
+                  <p16:designElem xmlns:p16="http://schemas.microsoft.com/office/powerpoint/2015/main" val="1"/>
+                </p:ext>
+              </p:extLst>
+            </p:nvPr>
+          </p:nvSpPr>
+          <p:spPr>
+            <a:xfrm>
+              <a:off x="11652853" y="809010"/>
+              <a:ext cx="539147" cy="1125439"/>
+            </a:xfrm>
+            <a:custGeom>
+              <a:avLst/>
+              <a:gdLst>
+                <a:gd name="connsiteX0" fmla="*/ 539147 w 539147"/>
+                <a:gd name="connsiteY0" fmla="*/ 0 h 1125439"/>
+                <a:gd name="connsiteX1" fmla="*/ 539147 w 539147"/>
+                <a:gd name="connsiteY1" fmla="*/ 1125439 h 1125439"/>
+                <a:gd name="connsiteX2" fmla="*/ 451423 w 539147"/>
+                <a:gd name="connsiteY2" fmla="*/ 1116595 h 1125439"/>
+                <a:gd name="connsiteX3" fmla="*/ 0 w 539147"/>
+                <a:gd name="connsiteY3" fmla="*/ 562719 h 1125439"/>
+                <a:gd name="connsiteX4" fmla="*/ 451423 w 539147"/>
+                <a:gd name="connsiteY4" fmla="*/ 8843 h 1125439"/>
+              </a:gdLst>
+              <a:ahLst/>
+              <a:cxnLst>
+                <a:cxn ang="0">
+                  <a:pos x="connsiteX0" y="connsiteY0"/>
+                </a:cxn>
+                <a:cxn ang="0">
+                  <a:pos x="connsiteX1" y="connsiteY1"/>
+                </a:cxn>
+                <a:cxn ang="0">
+                  <a:pos x="connsiteX2" y="connsiteY2"/>
+                </a:cxn>
+                <a:cxn ang="0">
+                  <a:pos x="connsiteX3" y="connsiteY3"/>
+                </a:cxn>
+                <a:cxn ang="0">
+                  <a:pos x="connsiteX4" y="connsiteY4"/>
+                </a:cxn>
+              </a:cxnLst>
+              <a:rect l="l" t="t" r="r" b="b"/>
+              <a:pathLst>
+                <a:path w="539147" h="1125439">
+                  <a:moveTo>
+                    <a:pt x="539147" y="0"/>
+                  </a:moveTo>
+                  <a:lnTo>
+                    <a:pt x="539147" y="1125439"/>
+                  </a:lnTo>
+                  <a:lnTo>
+                    <a:pt x="451423" y="1116595"/>
+                  </a:lnTo>
+                  <a:cubicBezTo>
+                    <a:pt x="193797" y="1063877"/>
+                    <a:pt x="0" y="835930"/>
+                    <a:pt x="0" y="562719"/>
+                  </a:cubicBezTo>
+                  <a:cubicBezTo>
+                    <a:pt x="0" y="289508"/>
+                    <a:pt x="193797" y="61561"/>
+                    <a:pt x="451423" y="8843"/>
+                  </a:cubicBezTo>
+                  <a:close/>
+                </a:path>
+              </a:pathLst>
+            </a:custGeom>
+            <a:solidFill>
+              <a:schemeClr val="bg2"/>
+            </a:solidFill>
+            <a:ln>
+              <a:noFill/>
+            </a:ln>
+          </p:spPr>
+          <p:style>
+            <a:lnRef idx="2">
+              <a:schemeClr val="accent1">
+                <a:shade val="50000"/>
+              </a:schemeClr>
+            </a:lnRef>
+            <a:fillRef idx="1">
+              <a:schemeClr val="accent1"/>
+            </a:fillRef>
+            <a:effectRef idx="0">
+              <a:schemeClr val="accent1"/>
+            </a:effectRef>
+            <a:fontRef idx="minor">
+              <a:schemeClr val="lt1"/>
+            </a:fontRef>
+          </p:style>
+          <p:txBody>
+            <a:bodyPr wrap="square" rtlCol="0" anchor="ctr">
+              <a:noAutofit/>
+            </a:bodyPr>
+            <a:lstStyle/>
+            <a:p>
+              <a:pPr algn="ctr"/>
+              <a:endParaRPr lang="en-US"/>
+            </a:p>
+          </p:txBody>
+        </p:sp>
+        <p:sp>
+          <p:nvSpPr>
+            <p:cNvPr id="33" name="Freeform 81">
+              <a:extLst>
+                <a:ext uri="{FF2B5EF4-FFF2-40B4-BE49-F238E27FC236}">
+                  <a16:creationId xmlns:a16="http://schemas.microsoft.com/office/drawing/2014/main" id="{B149CC6F-B6C6-BE46-B451-1BF7D47A8936}"/>
+                </a:ext>
+                <a:ext uri="{C183D7F6-B498-43B3-948B-1728B52AA6E4}">
+                  <adec:decorative xmlns:adec="http://schemas.microsoft.com/office/drawing/2017/decorative" val="1"/>
+                </a:ext>
+              </a:extLst>
+            </p:cNvPr>
+            <p:cNvSpPr/>
+            <p:nvPr>
+              <p:extLst>
+                <p:ext uri="{386F3935-93C4-4BCD-93E2-E3B085C9AB24}">
+                  <p16:designElem xmlns:p16="http://schemas.microsoft.com/office/powerpoint/2015/main" val="1"/>
+                </p:ext>
+              </p:extLst>
+            </p:nvPr>
+          </p:nvSpPr>
+          <p:spPr>
+            <a:xfrm>
+              <a:off x="11652853" y="1"/>
+              <a:ext cx="539147" cy="562933"/>
+            </a:xfrm>
+            <a:custGeom>
+              <a:avLst/>
+              <a:gdLst>
+                <a:gd name="connsiteX0" fmla="*/ 22 w 539147"/>
+                <a:gd name="connsiteY0" fmla="*/ 0 h 562933"/>
+                <a:gd name="connsiteX1" fmla="*/ 539147 w 539147"/>
+                <a:gd name="connsiteY1" fmla="*/ 0 h 562933"/>
+                <a:gd name="connsiteX2" fmla="*/ 539147 w 539147"/>
+                <a:gd name="connsiteY2" fmla="*/ 562933 h 562933"/>
+                <a:gd name="connsiteX3" fmla="*/ 451423 w 539147"/>
+                <a:gd name="connsiteY3" fmla="*/ 554090 h 562933"/>
+                <a:gd name="connsiteX4" fmla="*/ 0 w 539147"/>
+                <a:gd name="connsiteY4" fmla="*/ 214 h 562933"/>
+              </a:gdLst>
+              <a:ahLst/>
+              <a:cxnLst>
+                <a:cxn ang="0">
+                  <a:pos x="connsiteX0" y="connsiteY0"/>
+                </a:cxn>
+                <a:cxn ang="0">
+                  <a:pos x="connsiteX1" y="connsiteY1"/>
+                </a:cxn>
+                <a:cxn ang="0">
+                  <a:pos x="connsiteX2" y="connsiteY2"/>
+                </a:cxn>
+                <a:cxn ang="0">
+                  <a:pos x="connsiteX3" y="connsiteY3"/>
+                </a:cxn>
+                <a:cxn ang="0">
+                  <a:pos x="connsiteX4" y="connsiteY4"/>
+                </a:cxn>
+              </a:cxnLst>
+              <a:rect l="l" t="t" r="r" b="b"/>
+              <a:pathLst>
+                <a:path w="539147" h="562933">
+                  <a:moveTo>
+                    <a:pt x="22" y="0"/>
+                  </a:moveTo>
+                  <a:lnTo>
+                    <a:pt x="539147" y="0"/>
+                  </a:lnTo>
+                  <a:lnTo>
+                    <a:pt x="539147" y="562933"/>
+                  </a:lnTo>
+                  <a:lnTo>
+                    <a:pt x="451423" y="554090"/>
+                  </a:lnTo>
+                  <a:cubicBezTo>
+                    <a:pt x="193797" y="501372"/>
+                    <a:pt x="0" y="273425"/>
+                    <a:pt x="0" y="214"/>
+                  </a:cubicBezTo>
+                  <a:close/>
+                </a:path>
+              </a:pathLst>
+            </a:custGeom>
+            <a:solidFill>
+              <a:schemeClr val="bg2"/>
+            </a:solidFill>
+            <a:ln>
+              <a:noFill/>
+            </a:ln>
+          </p:spPr>
+          <p:style>
+            <a:lnRef idx="2">
+              <a:schemeClr val="accent1">
+                <a:shade val="50000"/>
+              </a:schemeClr>
+            </a:lnRef>
+            <a:fillRef idx="1">
+              <a:schemeClr val="accent1"/>
+            </a:fillRef>
+            <a:effectRef idx="0">
+              <a:schemeClr val="accent1"/>
+            </a:effectRef>
+            <a:fontRef idx="minor">
+              <a:schemeClr val="lt1"/>
+            </a:fontRef>
+          </p:style>
+          <p:txBody>
+            <a:bodyPr wrap="square" rtlCol="0" anchor="ctr">
+              <a:noAutofit/>
+            </a:bodyPr>
+            <a:lstStyle/>
+            <a:p>
+              <a:pPr algn="ctr"/>
+              <a:endParaRPr lang="en-US"/>
+            </a:p>
+          </p:txBody>
+        </p:sp>
+      </p:grpSp>
+      <p:cxnSp>
+        <p:nvCxnSpPr>
+          <p:cNvPr id="35" name="Straight Connector 34">
+            <a:extLst>
+              <a:ext uri="{FF2B5EF4-FFF2-40B4-BE49-F238E27FC236}">
+                <a16:creationId xmlns:a16="http://schemas.microsoft.com/office/drawing/2014/main" id="{D33A3282-0389-C547-8CA6-7F3E7F27B34D}"/>
+              </a:ext>
+              <a:ext uri="{C183D7F6-B498-43B3-948B-1728B52AA6E4}">
+                <adec:decorative xmlns:adec="http://schemas.microsoft.com/office/drawing/2017/decorative" val="1"/>
+              </a:ext>
+            </a:extLst>
+          </p:cNvPr>
+          <p:cNvCxnSpPr>
+            <a:cxnSpLocks noGrp="1" noRot="1" noChangeAspect="1" noMove="1" noResize="1" noEditPoints="1" noAdjustHandles="1" noChangeArrowheads="1" noChangeShapeType="1"/>
+          </p:cNvCxnSpPr>
+          <p:nvPr>
+            <p:extLst>
+              <p:ext uri="{386F3935-93C4-4BCD-93E2-E3B085C9AB24}">
+                <p16:designElem xmlns:p16="http://schemas.microsoft.com/office/powerpoint/2015/main" val="1"/>
+              </p:ext>
+            </p:extLst>
+          </p:nvPr>
+        </p:nvCxnSpPr>
+        <p:spPr>
+          <a:xfrm>
+            <a:off x="565150" y="6087110"/>
+            <a:ext cx="5066001" cy="0"/>
+          </a:xfrm>
+          <a:prstGeom prst="line">
+            <a:avLst/>
+          </a:prstGeom>
+          <a:ln w="12700">
+            <a:solidFill>
+              <a:schemeClr val="bg1">
+                <a:lumMod val="65000"/>
+              </a:schemeClr>
+            </a:solidFill>
+          </a:ln>
+        </p:spPr>
+        <p:style>
+          <a:lnRef idx="1">
+            <a:schemeClr val="accent1"/>
+          </a:lnRef>
+          <a:fillRef idx="0">
+            <a:schemeClr val="accent1"/>
+          </a:fillRef>
+          <a:effectRef idx="0">
+            <a:schemeClr val="accent1"/>
+          </a:effectRef>
+          <a:fontRef idx="minor">
+            <a:schemeClr val="tx1"/>
+          </a:fontRef>
+        </p:style>
+      </p:cxnSp>
+      <p:sp useBgFill="1">
+        <p:nvSpPr>
+          <p:cNvPr id="37" name="Rectangle 36">
+            <a:extLst>
+              <a:ext uri="{FF2B5EF4-FFF2-40B4-BE49-F238E27FC236}">
+                <a16:creationId xmlns:a16="http://schemas.microsoft.com/office/drawing/2014/main" id="{4EFE82FE-7465-AE46-88DF-34D347E83B84}"/>
+              </a:ext>
+              <a:ext uri="{C183D7F6-B498-43B3-948B-1728B52AA6E4}">
+                <adec:decorative xmlns:adec="http://schemas.microsoft.com/office/drawing/2017/decorative" val="1"/>
+              </a:ext>
+            </a:extLst>
+          </p:cNvPr>
+          <p:cNvSpPr>
+            <a:spLocks noGrp="1" noRot="1" noChangeAspect="1" noMove="1" noResize="1" noEditPoints="1" noAdjustHandles="1" noChangeArrowheads="1" noChangeShapeType="1" noTextEdit="1"/>
+          </p:cNvSpPr>
+          <p:nvPr>
+            <p:extLst>
+              <p:ext uri="{386F3935-93C4-4BCD-93E2-E3B085C9AB24}">
+                <p16:designElem xmlns:p16="http://schemas.microsoft.com/office/powerpoint/2015/main" val="1"/>
+              </p:ext>
+            </p:extLst>
+          </p:nvPr>
+        </p:nvSpPr>
+        <p:spPr>
+          <a:xfrm>
+            <a:off x="0" y="0"/>
+            <a:ext cx="12192000" cy="6858000"/>
+          </a:xfrm>
+          <a:prstGeom prst="rect">
+            <a:avLst/>
+          </a:prstGeom>
+          <a:ln>
+            <a:noFill/>
+          </a:ln>
+        </p:spPr>
+        <p:style>
+          <a:lnRef idx="2">
+            <a:schemeClr val="accent1">
+              <a:shade val="50000"/>
+            </a:schemeClr>
+          </a:lnRef>
+          <a:fillRef idx="1">
+            <a:schemeClr val="accent1"/>
+          </a:fillRef>
+          <a:effectRef idx="0">
+            <a:schemeClr val="accent1"/>
+          </a:effectRef>
+          <a:fontRef idx="minor">
+            <a:schemeClr val="lt1"/>
+          </a:fontRef>
+        </p:style>
+        <p:txBody>
+          <a:bodyPr rtlCol="0" anchor="ctr"/>
+          <a:lstStyle/>
+          <a:p>
+            <a:pPr algn="ctr"/>
+            <a:endParaRPr lang="en-US"/>
+          </a:p>
+        </p:txBody>
+      </p:sp>
+      <p:pic>
+        <p:nvPicPr>
+          <p:cNvPr id="5" name="Picture 4" descr="Three mini houses made of legos">
+            <a:extLst>
+              <a:ext uri="{FF2B5EF4-FFF2-40B4-BE49-F238E27FC236}">
+                <a16:creationId xmlns:a16="http://schemas.microsoft.com/office/drawing/2014/main" id="{204EA65F-A29F-E154-CA17-0B2AF4FCF923}"/>
+              </a:ext>
+            </a:extLst>
+          </p:cNvPr>
+          <p:cNvPicPr>
+            <a:picLocks noChangeAspect="1"/>
+          </p:cNvPicPr>
+          <p:nvPr/>
+        </p:nvPicPr>
+        <p:blipFill>
+          <a:blip r:embed="rId3"/>
+          <a:srcRect t="15413"/>
+          <a:stretch/>
+        </p:blipFill>
+        <p:spPr>
+          <a:xfrm>
+            <a:off x="20" y="120396"/>
+            <a:ext cx="12191980" cy="6857999"/>
+          </a:xfrm>
+          <a:prstGeom prst="rect">
+            <a:avLst/>
+          </a:prstGeom>
+        </p:spPr>
+      </p:pic>
+      <p:sp>
+        <p:nvSpPr>
+          <p:cNvPr id="39" name="Rectangle">
+            <a:extLst>
+              <a:ext uri="{FF2B5EF4-FFF2-40B4-BE49-F238E27FC236}">
+                <a16:creationId xmlns:a16="http://schemas.microsoft.com/office/drawing/2014/main" id="{B4F75AE3-A3AC-DE4C-98FE-EC9DC3BF8DA5}"/>
+              </a:ext>
+              <a:ext uri="{C183D7F6-B498-43B3-948B-1728B52AA6E4}">
+                <adec:decorative xmlns:adec="http://schemas.microsoft.com/office/drawing/2017/decorative" val="1"/>
+              </a:ext>
+            </a:extLst>
+          </p:cNvPr>
+          <p:cNvSpPr>
+            <a:spLocks noGrp="1" noRot="1" noChangeAspect="1" noMove="1" noResize="1" noEditPoints="1" noAdjustHandles="1" noChangeArrowheads="1" noChangeShapeType="1" noTextEdit="1"/>
+          </p:cNvSpPr>
+          <p:nvPr>
+            <p:extLst>
+              <p:ext uri="{386F3935-93C4-4BCD-93E2-E3B085C9AB24}">
+                <p16:designElem xmlns:p16="http://schemas.microsoft.com/office/powerpoint/2015/main" val="1"/>
+              </p:ext>
+            </p:extLst>
+          </p:nvPr>
+        </p:nvSpPr>
+        <p:spPr>
+          <a:xfrm>
+            <a:off x="6924783" y="-1"/>
+            <a:ext cx="5267217" cy="6858000"/>
+          </a:xfrm>
+          <a:prstGeom prst="rect">
+            <a:avLst/>
+          </a:prstGeom>
+          <a:gradFill flip="none" rotWithShape="1">
+            <a:gsLst>
+              <a:gs pos="31000">
+                <a:schemeClr val="bg1">
+                  <a:alpha val="80000"/>
+                </a:schemeClr>
+              </a:gs>
+              <a:gs pos="0">
+                <a:schemeClr val="bg1"/>
+              </a:gs>
+              <a:gs pos="100000">
+                <a:schemeClr val="bg1">
+                  <a:alpha val="34000"/>
+                </a:schemeClr>
+              </a:gs>
+            </a:gsLst>
+            <a:path path="circle">
+              <a:fillToRect r="100000" b="100000"/>
+            </a:path>
+            <a:tileRect l="-100000" t="-100000"/>
+          </a:gradFill>
+          <a:ln w="12700">
+            <a:miter lim="400000"/>
+          </a:ln>
+        </p:spPr>
+        <p:txBody>
+          <a:bodyPr lIns="50800" tIns="50800" rIns="50800" bIns="50800" anchor="ctr"/>
+          <a:lstStyle/>
+          <a:p>
+            <a:pPr algn="ctr"/>
+            <a:endParaRPr sz="2600" cap="all" dirty="0">
+              <a:solidFill>
+                <a:srgbClr val="FFFFFF"/>
+              </a:solidFill>
+              <a:sym typeface="Avenir Next"/>
+            </a:endParaRPr>
+          </a:p>
+        </p:txBody>
+      </p:sp>
+      <p:grpSp>
+        <p:nvGrpSpPr>
+          <p:cNvPr id="41" name="Group 40">
+            <a:extLst>
+              <a:ext uri="{FF2B5EF4-FFF2-40B4-BE49-F238E27FC236}">
+                <a16:creationId xmlns:a16="http://schemas.microsoft.com/office/drawing/2014/main" id="{44406D7A-DB1A-D940-8AD1-93FAF9DD7199}"/>
+              </a:ext>
+              <a:ext uri="{C183D7F6-B498-43B3-948B-1728B52AA6E4}">
+                <adec:decorative xmlns:adec="http://schemas.microsoft.com/office/drawing/2017/decorative" val="1"/>
+              </a:ext>
+            </a:extLst>
+          </p:cNvPr>
+          <p:cNvGrpSpPr>
+            <a:grpSpLocks noGrp="1" noUngrp="1" noRot="1" noChangeAspect="1" noMove="1" noResize="1"/>
+          </p:cNvGrpSpPr>
+          <p:nvPr>
+            <p:extLst>
+              <p:ext uri="{386F3935-93C4-4BCD-93E2-E3B085C9AB24}">
+                <p16:designElem xmlns:p16="http://schemas.microsoft.com/office/powerpoint/2015/main" val="1"/>
+              </p:ext>
+            </p:extLst>
+          </p:nvPr>
+        </p:nvGrpSpPr>
+        <p:grpSpPr>
+          <a:xfrm>
+            <a:off x="10291746" y="0"/>
+            <a:ext cx="1900254" cy="6858000"/>
+            <a:chOff x="10291746" y="0"/>
+            <a:chExt cx="1900254" cy="6858000"/>
+          </a:xfrm>
+        </p:grpSpPr>
+        <p:sp>
+          <p:nvSpPr>
+            <p:cNvPr id="42" name="Freeform 40">
+              <a:extLst>
+                <a:ext uri="{FF2B5EF4-FFF2-40B4-BE49-F238E27FC236}">
+                  <a16:creationId xmlns:a16="http://schemas.microsoft.com/office/drawing/2014/main" id="{D0F85DF7-431B-BE45-B932-0E22FC3F84A5}"/>
+                </a:ext>
+                <a:ext uri="{C183D7F6-B498-43B3-948B-1728B52AA6E4}">
+                  <adec:decorative xmlns:adec="http://schemas.microsoft.com/office/drawing/2017/decorative" val="1"/>
+                </a:ext>
+              </a:extLst>
+            </p:cNvPr>
+            <p:cNvSpPr/>
+            <p:nvPr>
+              <p:extLst>
+                <p:ext uri="{386F3935-93C4-4BCD-93E2-E3B085C9AB24}">
+                  <p16:designElem xmlns:p16="http://schemas.microsoft.com/office/powerpoint/2015/main" val="1"/>
+                </p:ext>
+              </p:extLst>
+            </p:nvPr>
+          </p:nvSpPr>
+          <p:spPr>
+            <a:xfrm>
+              <a:off x="11655829" y="809310"/>
+              <a:ext cx="536171" cy="1124839"/>
+            </a:xfrm>
+            <a:custGeom>
+              <a:avLst/>
+              <a:gdLst>
+                <a:gd name="connsiteX0" fmla="*/ 536171 w 536171"/>
+                <a:gd name="connsiteY0" fmla="*/ 0 h 1124839"/>
+                <a:gd name="connsiteX1" fmla="*/ 536171 w 536171"/>
+                <a:gd name="connsiteY1" fmla="*/ 1124839 h 1124839"/>
+                <a:gd name="connsiteX2" fmla="*/ 451423 w 536171"/>
+                <a:gd name="connsiteY2" fmla="*/ 1116295 h 1124839"/>
+                <a:gd name="connsiteX3" fmla="*/ 0 w 536171"/>
+                <a:gd name="connsiteY3" fmla="*/ 562419 h 1124839"/>
+                <a:gd name="connsiteX4" fmla="*/ 451423 w 536171"/>
+                <a:gd name="connsiteY4" fmla="*/ 8543 h 1124839"/>
+              </a:gdLst>
+              <a:ahLst/>
+              <a:cxnLst>
+                <a:cxn ang="0">
+                  <a:pos x="connsiteX0" y="connsiteY0"/>
+                </a:cxn>
+                <a:cxn ang="0">
+                  <a:pos x="connsiteX1" y="connsiteY1"/>
+                </a:cxn>
+                <a:cxn ang="0">
+                  <a:pos x="connsiteX2" y="connsiteY2"/>
+                </a:cxn>
+                <a:cxn ang="0">
+                  <a:pos x="connsiteX3" y="connsiteY3"/>
+                </a:cxn>
+                <a:cxn ang="0">
+                  <a:pos x="connsiteX4" y="connsiteY4"/>
+                </a:cxn>
+              </a:cxnLst>
+              <a:rect l="l" t="t" r="r" b="b"/>
+              <a:pathLst>
+                <a:path w="536171" h="1124839">
+                  <a:moveTo>
+                    <a:pt x="536171" y="0"/>
+                  </a:moveTo>
+                  <a:lnTo>
+                    <a:pt x="536171" y="1124839"/>
+                  </a:lnTo>
+                  <a:lnTo>
+                    <a:pt x="451423" y="1116295"/>
+                  </a:lnTo>
+                  <a:cubicBezTo>
+                    <a:pt x="193797" y="1063577"/>
+                    <a:pt x="0" y="835630"/>
+                    <a:pt x="0" y="562419"/>
+                  </a:cubicBezTo>
+                  <a:cubicBezTo>
+                    <a:pt x="0" y="289208"/>
+                    <a:pt x="193797" y="61261"/>
+                    <a:pt x="451423" y="8543"/>
+                  </a:cubicBezTo>
+                  <a:close/>
+                </a:path>
+              </a:pathLst>
+            </a:custGeom>
+            <a:solidFill>
+              <a:schemeClr val="accent1"/>
+            </a:solidFill>
+            <a:ln>
+              <a:noFill/>
+            </a:ln>
+          </p:spPr>
+          <p:style>
+            <a:lnRef idx="2">
+              <a:schemeClr val="accent1">
+                <a:shade val="50000"/>
+              </a:schemeClr>
+            </a:lnRef>
+            <a:fillRef idx="1">
+              <a:schemeClr val="accent1"/>
+            </a:fillRef>
+            <a:effectRef idx="0">
+              <a:schemeClr val="accent1"/>
+            </a:effectRef>
+            <a:fontRef idx="minor">
+              <a:schemeClr val="lt1"/>
+            </a:fontRef>
+          </p:style>
+          <p:txBody>
+            <a:bodyPr wrap="square" rtlCol="0" anchor="ctr">
+              <a:noAutofit/>
+            </a:bodyPr>
+            <a:lstStyle/>
+            <a:p>
+              <a:pPr algn="ctr"/>
+              <a:endParaRPr lang="en-US"/>
+            </a:p>
+          </p:txBody>
+        </p:sp>
+        <p:sp>
+          <p:nvSpPr>
+            <p:cNvPr id="43" name="Freeform 41">
+              <a:extLst>
+                <a:ext uri="{FF2B5EF4-FFF2-40B4-BE49-F238E27FC236}">
+                  <a16:creationId xmlns:a16="http://schemas.microsoft.com/office/drawing/2014/main" id="{BEA0AA89-2965-2A44-B84E-51C748B2D21E}"/>
+                </a:ext>
+                <a:ext uri="{C183D7F6-B498-43B3-948B-1728B52AA6E4}">
+                  <adec:decorative xmlns:adec="http://schemas.microsoft.com/office/drawing/2017/decorative" val="1"/>
+                </a:ext>
+              </a:extLst>
+            </p:cNvPr>
+            <p:cNvSpPr/>
+            <p:nvPr>
+              <p:extLst>
+                <p:ext uri="{386F3935-93C4-4BCD-93E2-E3B085C9AB24}">
+                  <p16:designElem xmlns:p16="http://schemas.microsoft.com/office/powerpoint/2015/main" val="1"/>
+                </p:ext>
+              </p:extLst>
+            </p:nvPr>
+          </p:nvSpPr>
+          <p:spPr>
+            <a:xfrm>
+              <a:off x="10291748" y="0"/>
+              <a:ext cx="1130725" cy="565362"/>
+            </a:xfrm>
+            <a:custGeom>
+              <a:avLst/>
+              <a:gdLst>
+                <a:gd name="connsiteX0" fmla="*/ 0 w 1130725"/>
+                <a:gd name="connsiteY0" fmla="*/ 0 h 565362"/>
+                <a:gd name="connsiteX1" fmla="*/ 25420 w 1130725"/>
+                <a:gd name="connsiteY1" fmla="*/ 0 h 565362"/>
+                <a:gd name="connsiteX2" fmla="*/ 36369 w 1130725"/>
+                <a:gd name="connsiteY2" fmla="*/ 108609 h 565362"/>
+                <a:gd name="connsiteX3" fmla="*/ 565363 w 1130725"/>
+                <a:gd name="connsiteY3" fmla="*/ 539750 h 565362"/>
+                <a:gd name="connsiteX4" fmla="*/ 1094356 w 1130725"/>
+                <a:gd name="connsiteY4" fmla="*/ 108609 h 565362"/>
+                <a:gd name="connsiteX5" fmla="*/ 1105305 w 1130725"/>
+                <a:gd name="connsiteY5" fmla="*/ 0 h 565362"/>
+                <a:gd name="connsiteX6" fmla="*/ 1130725 w 1130725"/>
+                <a:gd name="connsiteY6" fmla="*/ 0 h 565362"/>
+                <a:gd name="connsiteX7" fmla="*/ 565363 w 1130725"/>
+                <a:gd name="connsiteY7" fmla="*/ 565362 h 565362"/>
+                <a:gd name="connsiteX8" fmla="*/ 0 w 1130725"/>
+                <a:gd name="connsiteY8" fmla="*/ 0 h 565362"/>
+              </a:gdLst>
+              <a:ahLst/>
+              <a:cxnLst>
+                <a:cxn ang="0">
+                  <a:pos x="connsiteX0" y="connsiteY0"/>
+                </a:cxn>
+                <a:cxn ang="0">
+                  <a:pos x="connsiteX1" y="connsiteY1"/>
+                </a:cxn>
+                <a:cxn ang="0">
+                  <a:pos x="connsiteX2" y="connsiteY2"/>
+                </a:cxn>
+                <a:cxn ang="0">
+                  <a:pos x="connsiteX3" y="connsiteY3"/>
+                </a:cxn>
+                <a:cxn ang="0">
+                  <a:pos x="connsiteX4" y="connsiteY4"/>
+                </a:cxn>
+                <a:cxn ang="0">
+                  <a:pos x="connsiteX5" y="connsiteY5"/>
+                </a:cxn>
+                <a:cxn ang="0">
+                  <a:pos x="connsiteX6" y="connsiteY6"/>
+                </a:cxn>
+                <a:cxn ang="0">
+                  <a:pos x="connsiteX7" y="connsiteY7"/>
+                </a:cxn>
+                <a:cxn ang="0">
+                  <a:pos x="connsiteX8" y="connsiteY8"/>
+                </a:cxn>
+              </a:cxnLst>
+              <a:rect l="l" t="t" r="r" b="b"/>
+              <a:pathLst>
+                <a:path w="1130725" h="565362">
+                  <a:moveTo>
+                    <a:pt x="0" y="0"/>
+                  </a:moveTo>
+                  <a:lnTo>
+                    <a:pt x="25420" y="0"/>
+                  </a:lnTo>
+                  <a:lnTo>
+                    <a:pt x="36369" y="108609"/>
+                  </a:lnTo>
+                  <a:cubicBezTo>
+                    <a:pt x="86718" y="354660"/>
+                    <a:pt x="304425" y="539750"/>
+                    <a:pt x="565363" y="539750"/>
+                  </a:cubicBezTo>
+                  <a:cubicBezTo>
+                    <a:pt x="826300" y="539750"/>
+                    <a:pt x="1044007" y="354660"/>
+                    <a:pt x="1094356" y="108609"/>
+                  </a:cubicBezTo>
+                  <a:lnTo>
+                    <a:pt x="1105305" y="0"/>
+                  </a:lnTo>
+                  <a:lnTo>
+                    <a:pt x="1130725" y="0"/>
+                  </a:lnTo>
+                  <a:cubicBezTo>
+                    <a:pt x="1130725" y="312241"/>
+                    <a:pt x="877604" y="565362"/>
+                    <a:pt x="565363" y="565362"/>
+                  </a:cubicBezTo>
+                  <a:cubicBezTo>
+                    <a:pt x="253121" y="565362"/>
+                    <a:pt x="0" y="312241"/>
+                    <a:pt x="0" y="0"/>
+                  </a:cubicBezTo>
+                  <a:close/>
+                </a:path>
+              </a:pathLst>
+            </a:custGeom>
+            <a:solidFill>
+              <a:schemeClr val="tx1"/>
+            </a:solidFill>
+            <a:ln>
+              <a:noFill/>
+            </a:ln>
+          </p:spPr>
+          <p:style>
+            <a:lnRef idx="2">
+              <a:schemeClr val="accent1">
+                <a:shade val="50000"/>
+              </a:schemeClr>
+            </a:lnRef>
+            <a:fillRef idx="1">
+              <a:schemeClr val="accent1"/>
+            </a:fillRef>
+            <a:effectRef idx="0">
+              <a:schemeClr val="accent1"/>
+            </a:effectRef>
+            <a:fontRef idx="minor">
+              <a:schemeClr val="lt1"/>
+            </a:fontRef>
+          </p:style>
+          <p:txBody>
+            <a:bodyPr wrap="square" rtlCol="0" anchor="ctr">
+              <a:noAutofit/>
+            </a:bodyPr>
+            <a:lstStyle/>
+            <a:p>
+              <a:pPr algn="ctr"/>
+              <a:endParaRPr lang="en-US"/>
+            </a:p>
+          </p:txBody>
+        </p:sp>
+        <p:sp>
+          <p:nvSpPr>
+            <p:cNvPr id="44" name="Freeform 42">
+              <a:extLst>
+                <a:ext uri="{FF2B5EF4-FFF2-40B4-BE49-F238E27FC236}">
+                  <a16:creationId xmlns:a16="http://schemas.microsoft.com/office/drawing/2014/main" id="{7EC47259-887A-FD48-989C-42BC5A3C9838}"/>
+                </a:ext>
+                <a:ext uri="{C183D7F6-B498-43B3-948B-1728B52AA6E4}">
+                  <adec:decorative xmlns:adec="http://schemas.microsoft.com/office/drawing/2017/decorative" val="1"/>
+                </a:ext>
+              </a:extLst>
+            </p:cNvPr>
+            <p:cNvSpPr/>
+            <p:nvPr>
+              <p:extLst>
+                <p:ext uri="{386F3935-93C4-4BCD-93E2-E3B085C9AB24}">
+                  <p16:designElem xmlns:p16="http://schemas.microsoft.com/office/powerpoint/2015/main" val="1"/>
+                </p:ext>
+              </p:extLst>
+            </p:nvPr>
+          </p:nvSpPr>
+          <p:spPr>
+            <a:xfrm>
+              <a:off x="11656578" y="0"/>
+              <a:ext cx="535422" cy="562344"/>
+            </a:xfrm>
+            <a:custGeom>
+              <a:avLst/>
+              <a:gdLst>
+                <a:gd name="connsiteX0" fmla="*/ 0 w 535422"/>
+                <a:gd name="connsiteY0" fmla="*/ 0 h 562344"/>
+                <a:gd name="connsiteX1" fmla="*/ 25421 w 535422"/>
+                <a:gd name="connsiteY1" fmla="*/ 0 h 562344"/>
+                <a:gd name="connsiteX2" fmla="*/ 36370 w 535422"/>
+                <a:gd name="connsiteY2" fmla="*/ 108609 h 562344"/>
+                <a:gd name="connsiteX3" fmla="*/ 469781 w 535422"/>
+                <a:gd name="connsiteY3" fmla="*/ 531316 h 562344"/>
+                <a:gd name="connsiteX4" fmla="*/ 535422 w 535422"/>
+                <a:gd name="connsiteY4" fmla="*/ 537108 h 562344"/>
+                <a:gd name="connsiteX5" fmla="*/ 535422 w 535422"/>
+                <a:gd name="connsiteY5" fmla="*/ 562344 h 562344"/>
+                <a:gd name="connsiteX6" fmla="*/ 451424 w 535422"/>
+                <a:gd name="connsiteY6" fmla="*/ 553876 h 562344"/>
+                <a:gd name="connsiteX7" fmla="*/ 0 w 535422"/>
+                <a:gd name="connsiteY7" fmla="*/ 0 h 562344"/>
+              </a:gdLst>
+              <a:ahLst/>
+              <a:cxnLst>
+                <a:cxn ang="0">
+                  <a:pos x="connsiteX0" y="connsiteY0"/>
+                </a:cxn>
+                <a:cxn ang="0">
+                  <a:pos x="connsiteX1" y="connsiteY1"/>
+                </a:cxn>
+                <a:cxn ang="0">
+                  <a:pos x="connsiteX2" y="connsiteY2"/>
+                </a:cxn>
+                <a:cxn ang="0">
+                  <a:pos x="connsiteX3" y="connsiteY3"/>
+                </a:cxn>
+                <a:cxn ang="0">
+                  <a:pos x="connsiteX4" y="connsiteY4"/>
+                </a:cxn>
+                <a:cxn ang="0">
+                  <a:pos x="connsiteX5" y="connsiteY5"/>
+                </a:cxn>
+                <a:cxn ang="0">
+                  <a:pos x="connsiteX6" y="connsiteY6"/>
+                </a:cxn>
+                <a:cxn ang="0">
+                  <a:pos x="connsiteX7" y="connsiteY7"/>
+                </a:cxn>
+              </a:cxnLst>
+              <a:rect l="l" t="t" r="r" b="b"/>
+              <a:pathLst>
+                <a:path w="535422" h="562344">
+                  <a:moveTo>
+                    <a:pt x="0" y="0"/>
+                  </a:moveTo>
+                  <a:lnTo>
+                    <a:pt x="25421" y="0"/>
+                  </a:lnTo>
+                  <a:lnTo>
+                    <a:pt x="36370" y="108609"/>
+                  </a:lnTo>
+                  <a:cubicBezTo>
+                    <a:pt x="80425" y="323904"/>
+                    <a:pt x="252614" y="492525"/>
+                    <a:pt x="469781" y="531316"/>
+                  </a:cubicBezTo>
+                  <a:lnTo>
+                    <a:pt x="535422" y="537108"/>
+                  </a:lnTo>
+                  <a:lnTo>
+                    <a:pt x="535422" y="562344"/>
+                  </a:lnTo>
+                  <a:lnTo>
+                    <a:pt x="451424" y="553876"/>
+                  </a:lnTo>
+                  <a:cubicBezTo>
+                    <a:pt x="193797" y="501158"/>
+                    <a:pt x="0" y="273211"/>
+                    <a:pt x="0" y="0"/>
+                  </a:cubicBezTo>
+                  <a:close/>
+                </a:path>
+              </a:pathLst>
+            </a:custGeom>
+            <a:solidFill>
+              <a:schemeClr val="tx1"/>
+            </a:solidFill>
+            <a:ln>
+              <a:noFill/>
+            </a:ln>
+          </p:spPr>
+          <p:style>
+            <a:lnRef idx="2">
+              <a:schemeClr val="accent1">
+                <a:shade val="50000"/>
+              </a:schemeClr>
+            </a:lnRef>
+            <a:fillRef idx="1">
+              <a:schemeClr val="accent1"/>
+            </a:fillRef>
+            <a:effectRef idx="0">
+              <a:schemeClr val="accent1"/>
+            </a:effectRef>
+            <a:fontRef idx="minor">
+              <a:schemeClr val="lt1"/>
+            </a:fontRef>
+          </p:style>
+          <p:txBody>
+            <a:bodyPr wrap="square" rtlCol="0" anchor="ctr">
+              <a:noAutofit/>
+            </a:bodyPr>
+            <a:lstStyle/>
+            <a:p>
+              <a:pPr algn="ctr"/>
+              <a:endParaRPr lang="en-US"/>
+            </a:p>
+          </p:txBody>
+        </p:sp>
+        <p:sp>
+          <p:nvSpPr>
+            <p:cNvPr id="45" name="Freeform 43">
+              <a:extLst>
+                <a:ext uri="{FF2B5EF4-FFF2-40B4-BE49-F238E27FC236}">
+                  <a16:creationId xmlns:a16="http://schemas.microsoft.com/office/drawing/2014/main" id="{16E261C3-18BE-934F-8A2B-59BE70AE2F4A}"/>
+                </a:ext>
+                <a:ext uri="{C183D7F6-B498-43B3-948B-1728B52AA6E4}">
+                  <adec:decorative xmlns:adec="http://schemas.microsoft.com/office/drawing/2017/decorative" val="1"/>
+                </a:ext>
+              </a:extLst>
+            </p:cNvPr>
+            <p:cNvSpPr/>
+            <p:nvPr>
+              <p:extLst>
+                <p:ext uri="{386F3935-93C4-4BCD-93E2-E3B085C9AB24}">
+                  <p16:designElem xmlns:p16="http://schemas.microsoft.com/office/powerpoint/2015/main" val="1"/>
+                </p:ext>
+              </p:extLst>
+            </p:nvPr>
+          </p:nvSpPr>
+          <p:spPr>
+            <a:xfrm>
+              <a:off x="11656578" y="2181112"/>
+              <a:ext cx="535422" cy="1124687"/>
+            </a:xfrm>
+            <a:custGeom>
+              <a:avLst/>
+              <a:gdLst>
+                <a:gd name="connsiteX0" fmla="*/ 535422 w 535422"/>
+                <a:gd name="connsiteY0" fmla="*/ 0 h 1124687"/>
+                <a:gd name="connsiteX1" fmla="*/ 535422 w 535422"/>
+                <a:gd name="connsiteY1" fmla="*/ 25186 h 1124687"/>
+                <a:gd name="connsiteX2" fmla="*/ 456541 w 535422"/>
+                <a:gd name="connsiteY2" fmla="*/ 33138 h 1124687"/>
+                <a:gd name="connsiteX3" fmla="*/ 25399 w 535422"/>
+                <a:gd name="connsiteY3" fmla="*/ 562130 h 1124687"/>
+                <a:gd name="connsiteX4" fmla="*/ 456541 w 535422"/>
+                <a:gd name="connsiteY4" fmla="*/ 1091123 h 1124687"/>
+                <a:gd name="connsiteX5" fmla="*/ 535422 w 535422"/>
+                <a:gd name="connsiteY5" fmla="*/ 1099075 h 1124687"/>
+                <a:gd name="connsiteX6" fmla="*/ 535422 w 535422"/>
+                <a:gd name="connsiteY6" fmla="*/ 1124687 h 1124687"/>
+                <a:gd name="connsiteX7" fmla="*/ 451423 w 535422"/>
+                <a:gd name="connsiteY7" fmla="*/ 1116219 h 1124687"/>
+                <a:gd name="connsiteX8" fmla="*/ 0 w 535422"/>
+                <a:gd name="connsiteY8" fmla="*/ 562343 h 1124687"/>
+                <a:gd name="connsiteX9" fmla="*/ 451423 w 535422"/>
+                <a:gd name="connsiteY9" fmla="*/ 8468 h 1124687"/>
+              </a:gdLst>
+              <a:ahLst/>
+              <a:cxnLst>
+                <a:cxn ang="0">
+                  <a:pos x="connsiteX0" y="connsiteY0"/>
+                </a:cxn>
+                <a:cxn ang="0">
+                  <a:pos x="connsiteX1" y="connsiteY1"/>
+                </a:cxn>
+                <a:cxn ang="0">
+                  <a:pos x="connsiteX2" y="connsiteY2"/>
+                </a:cxn>
+                <a:cxn ang="0">
+                  <a:pos x="connsiteX3" y="connsiteY3"/>
+                </a:cxn>
+                <a:cxn ang="0">
+                  <a:pos x="connsiteX4" y="connsiteY4"/>
+                </a:cxn>
+                <a:cxn ang="0">
+                  <a:pos x="connsiteX5" y="connsiteY5"/>
+                </a:cxn>
+                <a:cxn ang="0">
+                  <a:pos x="connsiteX6" y="connsiteY6"/>
+                </a:cxn>
+                <a:cxn ang="0">
+                  <a:pos x="connsiteX7" y="connsiteY7"/>
+                </a:cxn>
+                <a:cxn ang="0">
+                  <a:pos x="connsiteX8" y="connsiteY8"/>
+                </a:cxn>
+                <a:cxn ang="0">
+                  <a:pos x="connsiteX9" y="connsiteY9"/>
+                </a:cxn>
+              </a:cxnLst>
+              <a:rect l="l" t="t" r="r" b="b"/>
+              <a:pathLst>
+                <a:path w="535422" h="1124687">
+                  <a:moveTo>
+                    <a:pt x="535422" y="0"/>
+                  </a:moveTo>
+                  <a:lnTo>
+                    <a:pt x="535422" y="25186"/>
+                  </a:lnTo>
+                  <a:lnTo>
+                    <a:pt x="456541" y="33138"/>
+                  </a:lnTo>
+                  <a:cubicBezTo>
+                    <a:pt x="210489" y="83487"/>
+                    <a:pt x="25399" y="301194"/>
+                    <a:pt x="25399" y="562130"/>
+                  </a:cubicBezTo>
+                  <a:cubicBezTo>
+                    <a:pt x="25399" y="823067"/>
+                    <a:pt x="210489" y="1040774"/>
+                    <a:pt x="456541" y="1091123"/>
+                  </a:cubicBezTo>
+                  <a:lnTo>
+                    <a:pt x="535422" y="1099075"/>
+                  </a:lnTo>
+                  <a:lnTo>
+                    <a:pt x="535422" y="1124687"/>
+                  </a:lnTo>
+                  <a:lnTo>
+                    <a:pt x="451423" y="1116219"/>
+                  </a:lnTo>
+                  <a:cubicBezTo>
+                    <a:pt x="193797" y="1063501"/>
+                    <a:pt x="0" y="835554"/>
+                    <a:pt x="0" y="562343"/>
+                  </a:cubicBezTo>
+                  <a:cubicBezTo>
+                    <a:pt x="0" y="289132"/>
+                    <a:pt x="193797" y="61185"/>
+                    <a:pt x="451423" y="8468"/>
+                  </a:cubicBezTo>
+                  <a:close/>
+                </a:path>
+              </a:pathLst>
+            </a:custGeom>
+            <a:solidFill>
+              <a:schemeClr val="tx1"/>
+            </a:solidFill>
+            <a:ln>
+              <a:noFill/>
+            </a:ln>
+          </p:spPr>
+          <p:style>
+            <a:lnRef idx="2">
+              <a:schemeClr val="accent1">
+                <a:shade val="50000"/>
+              </a:schemeClr>
+            </a:lnRef>
+            <a:fillRef idx="1">
+              <a:schemeClr val="accent1"/>
+            </a:fillRef>
+            <a:effectRef idx="0">
+              <a:schemeClr val="accent1"/>
+            </a:effectRef>
+            <a:fontRef idx="minor">
+              <a:schemeClr val="lt1"/>
+            </a:fontRef>
+          </p:style>
+          <p:txBody>
+            <a:bodyPr wrap="square" rtlCol="0" anchor="ctr">
+              <a:noAutofit/>
+            </a:bodyPr>
+            <a:lstStyle/>
+            <a:p>
+              <a:pPr algn="ctr"/>
+              <a:endParaRPr lang="en-US"/>
+            </a:p>
+          </p:txBody>
+        </p:sp>
+        <p:sp>
+          <p:nvSpPr>
+            <p:cNvPr id="46" name="Freeform 44">
+              <a:extLst>
+                <a:ext uri="{FF2B5EF4-FFF2-40B4-BE49-F238E27FC236}">
+                  <a16:creationId xmlns:a16="http://schemas.microsoft.com/office/drawing/2014/main" id="{35A2267B-0862-A24E-87D2-6CE5187CF95E}"/>
+                </a:ext>
+                <a:ext uri="{C183D7F6-B498-43B3-948B-1728B52AA6E4}">
+                  <adec:decorative xmlns:adec="http://schemas.microsoft.com/office/drawing/2017/decorative" val="1"/>
+                </a:ext>
+              </a:extLst>
+            </p:cNvPr>
+            <p:cNvSpPr/>
+            <p:nvPr>
+              <p:extLst>
+                <p:ext uri="{386F3935-93C4-4BCD-93E2-E3B085C9AB24}">
+                  <p16:designElem xmlns:p16="http://schemas.microsoft.com/office/powerpoint/2015/main" val="1"/>
+                </p:ext>
+              </p:extLst>
+            </p:nvPr>
+          </p:nvSpPr>
+          <p:spPr>
+            <a:xfrm>
+              <a:off x="10291746" y="3549819"/>
+              <a:ext cx="1130726" cy="1130724"/>
+            </a:xfrm>
+            <a:custGeom>
+              <a:avLst/>
+              <a:gdLst>
+                <a:gd name="connsiteX0" fmla="*/ 565363 w 1130726"/>
+                <a:gd name="connsiteY0" fmla="*/ 25186 h 1130724"/>
+                <a:gd name="connsiteX1" fmla="*/ 25399 w 1130726"/>
+                <a:gd name="connsiteY1" fmla="*/ 565149 h 1130724"/>
+                <a:gd name="connsiteX2" fmla="*/ 565363 w 1130726"/>
+                <a:gd name="connsiteY2" fmla="*/ 1105112 h 1130724"/>
+                <a:gd name="connsiteX3" fmla="*/ 1105327 w 1130726"/>
+                <a:gd name="connsiteY3" fmla="*/ 565149 h 1130724"/>
+                <a:gd name="connsiteX4" fmla="*/ 565363 w 1130726"/>
+                <a:gd name="connsiteY4" fmla="*/ 25186 h 1130724"/>
+                <a:gd name="connsiteX5" fmla="*/ 565363 w 1130726"/>
+                <a:gd name="connsiteY5" fmla="*/ 0 h 1130724"/>
+                <a:gd name="connsiteX6" fmla="*/ 1130726 w 1130726"/>
+                <a:gd name="connsiteY6" fmla="*/ 565362 h 1130724"/>
+                <a:gd name="connsiteX7" fmla="*/ 565363 w 1130726"/>
+                <a:gd name="connsiteY7" fmla="*/ 1130724 h 1130724"/>
+                <a:gd name="connsiteX8" fmla="*/ 0 w 1130726"/>
+                <a:gd name="connsiteY8" fmla="*/ 565362 h 1130724"/>
+                <a:gd name="connsiteX9" fmla="*/ 565363 w 1130726"/>
+                <a:gd name="connsiteY9" fmla="*/ 0 h 1130724"/>
+              </a:gdLst>
+              <a:ahLst/>
+              <a:cxnLst>
+                <a:cxn ang="0">
+                  <a:pos x="connsiteX0" y="connsiteY0"/>
+                </a:cxn>
+                <a:cxn ang="0">
+                  <a:pos x="connsiteX1" y="connsiteY1"/>
+                </a:cxn>
+                <a:cxn ang="0">
+                  <a:pos x="connsiteX2" y="connsiteY2"/>
+                </a:cxn>
+                <a:cxn ang="0">
+                  <a:pos x="connsiteX3" y="connsiteY3"/>
+                </a:cxn>
+                <a:cxn ang="0">
+                  <a:pos x="connsiteX4" y="connsiteY4"/>
+                </a:cxn>
+                <a:cxn ang="0">
+                  <a:pos x="connsiteX5" y="connsiteY5"/>
+                </a:cxn>
+                <a:cxn ang="0">
+                  <a:pos x="connsiteX6" y="connsiteY6"/>
+                </a:cxn>
+                <a:cxn ang="0">
+                  <a:pos x="connsiteX7" y="connsiteY7"/>
+                </a:cxn>
+                <a:cxn ang="0">
+                  <a:pos x="connsiteX8" y="connsiteY8"/>
+                </a:cxn>
+                <a:cxn ang="0">
+                  <a:pos x="connsiteX9" y="connsiteY9"/>
+                </a:cxn>
+              </a:cxnLst>
+              <a:rect l="l" t="t" r="r" b="b"/>
+              <a:pathLst>
+                <a:path w="1130726" h="1130724">
+                  <a:moveTo>
+                    <a:pt x="565363" y="25186"/>
+                  </a:moveTo>
+                  <a:cubicBezTo>
+                    <a:pt x="267149" y="25186"/>
+                    <a:pt x="25399" y="266936"/>
+                    <a:pt x="25399" y="565149"/>
+                  </a:cubicBezTo>
+                  <a:cubicBezTo>
+                    <a:pt x="25399" y="863362"/>
+                    <a:pt x="267149" y="1105112"/>
+                    <a:pt x="565363" y="1105112"/>
+                  </a:cubicBezTo>
+                  <a:cubicBezTo>
+                    <a:pt x="863577" y="1105112"/>
+                    <a:pt x="1105327" y="863362"/>
+                    <a:pt x="1105327" y="565149"/>
+                  </a:cubicBezTo>
+                  <a:cubicBezTo>
+                    <a:pt x="1105327" y="266936"/>
+                    <a:pt x="863577" y="25186"/>
+                    <a:pt x="565363" y="25186"/>
+                  </a:cubicBezTo>
+                  <a:close/>
+                  <a:moveTo>
+                    <a:pt x="565363" y="0"/>
+                  </a:moveTo>
+                  <a:cubicBezTo>
+                    <a:pt x="877604" y="0"/>
+                    <a:pt x="1130726" y="253121"/>
+                    <a:pt x="1130726" y="565362"/>
+                  </a:cubicBezTo>
+                  <a:cubicBezTo>
+                    <a:pt x="1130726" y="877603"/>
+                    <a:pt x="877604" y="1130724"/>
+                    <a:pt x="565363" y="1130724"/>
+                  </a:cubicBezTo>
+                  <a:cubicBezTo>
+                    <a:pt x="253122" y="1130724"/>
+                    <a:pt x="0" y="877603"/>
+                    <a:pt x="0" y="565362"/>
+                  </a:cubicBezTo>
+                  <a:cubicBezTo>
+                    <a:pt x="0" y="253121"/>
+                    <a:pt x="253122" y="0"/>
+                    <a:pt x="565363" y="0"/>
+                  </a:cubicBezTo>
+                  <a:close/>
+                </a:path>
+              </a:pathLst>
+            </a:custGeom>
+            <a:solidFill>
+              <a:schemeClr val="tx1"/>
+            </a:solidFill>
+            <a:ln>
+              <a:noFill/>
+            </a:ln>
+          </p:spPr>
+          <p:style>
+            <a:lnRef idx="2">
+              <a:schemeClr val="accent1">
+                <a:shade val="50000"/>
+              </a:schemeClr>
+            </a:lnRef>
+            <a:fillRef idx="1">
+              <a:schemeClr val="accent1"/>
+            </a:fillRef>
+            <a:effectRef idx="0">
+              <a:schemeClr val="accent1"/>
+            </a:effectRef>
+            <a:fontRef idx="minor">
+              <a:schemeClr val="lt1"/>
+            </a:fontRef>
+          </p:style>
+          <p:txBody>
+            <a:bodyPr wrap="square" rtlCol="0" anchor="ctr">
+              <a:noAutofit/>
+            </a:bodyPr>
+            <a:lstStyle/>
+            <a:p>
+              <a:pPr algn="ctr"/>
+              <a:endParaRPr lang="en-US"/>
+            </a:p>
+          </p:txBody>
+        </p:sp>
+        <p:sp>
+          <p:nvSpPr>
+            <p:cNvPr id="47" name="Freeform 45">
+              <a:extLst>
+                <a:ext uri="{FF2B5EF4-FFF2-40B4-BE49-F238E27FC236}">
+                  <a16:creationId xmlns:a16="http://schemas.microsoft.com/office/drawing/2014/main" id="{A404A0DE-A076-8C4E-B8D4-EBC9453377C3}"/>
+                </a:ext>
+                <a:ext uri="{C183D7F6-B498-43B3-948B-1728B52AA6E4}">
+                  <adec:decorative xmlns:adec="http://schemas.microsoft.com/office/drawing/2017/decorative" val="1"/>
+                </a:ext>
+              </a:extLst>
+            </p:cNvPr>
+            <p:cNvSpPr/>
+            <p:nvPr>
+              <p:extLst>
+                <p:ext uri="{386F3935-93C4-4BCD-93E2-E3B085C9AB24}">
+                  <p16:designElem xmlns:p16="http://schemas.microsoft.com/office/powerpoint/2015/main" val="1"/>
+                </p:ext>
+              </p:extLst>
+            </p:nvPr>
+          </p:nvSpPr>
+          <p:spPr>
+            <a:xfrm>
+              <a:off x="11656578" y="3552837"/>
+              <a:ext cx="535422" cy="1124688"/>
+            </a:xfrm>
+            <a:custGeom>
+              <a:avLst/>
+              <a:gdLst>
+                <a:gd name="connsiteX0" fmla="*/ 535422 w 535422"/>
+                <a:gd name="connsiteY0" fmla="*/ 0 h 1124688"/>
+                <a:gd name="connsiteX1" fmla="*/ 535422 w 535422"/>
+                <a:gd name="connsiteY1" fmla="*/ 25186 h 1124688"/>
+                <a:gd name="connsiteX2" fmla="*/ 456541 w 535422"/>
+                <a:gd name="connsiteY2" fmla="*/ 33138 h 1124688"/>
+                <a:gd name="connsiteX3" fmla="*/ 25399 w 535422"/>
+                <a:gd name="connsiteY3" fmla="*/ 562131 h 1124688"/>
+                <a:gd name="connsiteX4" fmla="*/ 456541 w 535422"/>
+                <a:gd name="connsiteY4" fmla="*/ 1091124 h 1124688"/>
+                <a:gd name="connsiteX5" fmla="*/ 535422 w 535422"/>
+                <a:gd name="connsiteY5" fmla="*/ 1099076 h 1124688"/>
+                <a:gd name="connsiteX6" fmla="*/ 535422 w 535422"/>
+                <a:gd name="connsiteY6" fmla="*/ 1124688 h 1124688"/>
+                <a:gd name="connsiteX7" fmla="*/ 451423 w 535422"/>
+                <a:gd name="connsiteY7" fmla="*/ 1116220 h 1124688"/>
+                <a:gd name="connsiteX8" fmla="*/ 0 w 535422"/>
+                <a:gd name="connsiteY8" fmla="*/ 562344 h 1124688"/>
+                <a:gd name="connsiteX9" fmla="*/ 451423 w 535422"/>
+                <a:gd name="connsiteY9" fmla="*/ 8468 h 1124688"/>
+              </a:gdLst>
+              <a:ahLst/>
+              <a:cxnLst>
+                <a:cxn ang="0">
+                  <a:pos x="connsiteX0" y="connsiteY0"/>
+                </a:cxn>
+                <a:cxn ang="0">
+                  <a:pos x="connsiteX1" y="connsiteY1"/>
+                </a:cxn>
+                <a:cxn ang="0">
+                  <a:pos x="connsiteX2" y="connsiteY2"/>
+                </a:cxn>
+                <a:cxn ang="0">
+                  <a:pos x="connsiteX3" y="connsiteY3"/>
+                </a:cxn>
+                <a:cxn ang="0">
+                  <a:pos x="connsiteX4" y="connsiteY4"/>
+                </a:cxn>
+                <a:cxn ang="0">
+                  <a:pos x="connsiteX5" y="connsiteY5"/>
+                </a:cxn>
+                <a:cxn ang="0">
+                  <a:pos x="connsiteX6" y="connsiteY6"/>
+                </a:cxn>
+                <a:cxn ang="0">
+                  <a:pos x="connsiteX7" y="connsiteY7"/>
+                </a:cxn>
+                <a:cxn ang="0">
+                  <a:pos x="connsiteX8" y="connsiteY8"/>
+                </a:cxn>
+                <a:cxn ang="0">
+                  <a:pos x="connsiteX9" y="connsiteY9"/>
+                </a:cxn>
+              </a:cxnLst>
+              <a:rect l="l" t="t" r="r" b="b"/>
+              <a:pathLst>
+                <a:path w="535422" h="1124688">
+                  <a:moveTo>
+                    <a:pt x="535422" y="0"/>
+                  </a:moveTo>
+                  <a:lnTo>
+                    <a:pt x="535422" y="25186"/>
+                  </a:lnTo>
+                  <a:lnTo>
+                    <a:pt x="456541" y="33138"/>
+                  </a:lnTo>
+                  <a:cubicBezTo>
+                    <a:pt x="210489" y="83488"/>
+                    <a:pt x="25399" y="301195"/>
+                    <a:pt x="25399" y="562131"/>
+                  </a:cubicBezTo>
+                  <a:cubicBezTo>
+                    <a:pt x="25399" y="823068"/>
+                    <a:pt x="210489" y="1040775"/>
+                    <a:pt x="456541" y="1091124"/>
+                  </a:cubicBezTo>
+                  <a:lnTo>
+                    <a:pt x="535422" y="1099076"/>
+                  </a:lnTo>
+                  <a:lnTo>
+                    <a:pt x="535422" y="1124688"/>
+                  </a:lnTo>
+                  <a:lnTo>
+                    <a:pt x="451423" y="1116220"/>
+                  </a:lnTo>
+                  <a:cubicBezTo>
+                    <a:pt x="193797" y="1063502"/>
+                    <a:pt x="0" y="835555"/>
+                    <a:pt x="0" y="562344"/>
+                  </a:cubicBezTo>
+                  <a:cubicBezTo>
+                    <a:pt x="0" y="289133"/>
+                    <a:pt x="193797" y="61186"/>
+                    <a:pt x="451423" y="8468"/>
+                  </a:cubicBezTo>
+                  <a:close/>
+                </a:path>
+              </a:pathLst>
+            </a:custGeom>
+            <a:solidFill>
+              <a:schemeClr val="tx1"/>
+            </a:solidFill>
+            <a:ln>
+              <a:noFill/>
+            </a:ln>
+          </p:spPr>
+          <p:style>
+            <a:lnRef idx="2">
+              <a:schemeClr val="accent1">
+                <a:shade val="50000"/>
+              </a:schemeClr>
+            </a:lnRef>
+            <a:fillRef idx="1">
+              <a:schemeClr val="accent1"/>
+            </a:fillRef>
+            <a:effectRef idx="0">
+              <a:schemeClr val="accent1"/>
+            </a:effectRef>
+            <a:fontRef idx="minor">
+              <a:schemeClr val="lt1"/>
+            </a:fontRef>
+          </p:style>
+          <p:txBody>
+            <a:bodyPr wrap="square" rtlCol="0" anchor="ctr">
+              <a:noAutofit/>
+            </a:bodyPr>
+            <a:lstStyle/>
+            <a:p>
+              <a:pPr algn="ctr"/>
+              <a:endParaRPr lang="en-US"/>
+            </a:p>
+          </p:txBody>
+        </p:sp>
+        <p:sp>
+          <p:nvSpPr>
+            <p:cNvPr id="48" name="Freeform 53">
+              <a:extLst>
+                <a:ext uri="{FF2B5EF4-FFF2-40B4-BE49-F238E27FC236}">
+                  <a16:creationId xmlns:a16="http://schemas.microsoft.com/office/drawing/2014/main" id="{9EED6D73-C275-3347-BB66-C83964257218}"/>
+                </a:ext>
+                <a:ext uri="{C183D7F6-B498-43B3-948B-1728B52AA6E4}">
+                  <adec:decorative xmlns:adec="http://schemas.microsoft.com/office/drawing/2017/decorative" val="1"/>
+                </a:ext>
+              </a:extLst>
+            </p:cNvPr>
+            <p:cNvSpPr/>
+            <p:nvPr>
+              <p:extLst>
+                <p:ext uri="{386F3935-93C4-4BCD-93E2-E3B085C9AB24}">
+                  <p16:designElem xmlns:p16="http://schemas.microsoft.com/office/powerpoint/2015/main" val="1"/>
+                </p:ext>
+              </p:extLst>
+            </p:nvPr>
+          </p:nvSpPr>
+          <p:spPr>
+            <a:xfrm>
+              <a:off x="11656642" y="6295916"/>
+              <a:ext cx="535358" cy="562084"/>
+            </a:xfrm>
+            <a:custGeom>
+              <a:avLst/>
+              <a:gdLst>
+                <a:gd name="connsiteX0" fmla="*/ 535358 w 535358"/>
+                <a:gd name="connsiteY0" fmla="*/ 0 h 562084"/>
+                <a:gd name="connsiteX1" fmla="*/ 535358 w 535358"/>
+                <a:gd name="connsiteY1" fmla="*/ 25186 h 562084"/>
+                <a:gd name="connsiteX2" fmla="*/ 469717 w 535358"/>
+                <a:gd name="connsiteY2" fmla="*/ 30978 h 562084"/>
+                <a:gd name="connsiteX3" fmla="*/ 36306 w 535358"/>
+                <a:gd name="connsiteY3" fmla="*/ 453686 h 562084"/>
+                <a:gd name="connsiteX4" fmla="*/ 25378 w 535358"/>
+                <a:gd name="connsiteY4" fmla="*/ 562084 h 562084"/>
+                <a:gd name="connsiteX5" fmla="*/ 0 w 535358"/>
+                <a:gd name="connsiteY5" fmla="*/ 562084 h 562084"/>
+                <a:gd name="connsiteX6" fmla="*/ 11423 w 535358"/>
+                <a:gd name="connsiteY6" fmla="*/ 448780 h 562084"/>
+                <a:gd name="connsiteX7" fmla="*/ 465221 w 535358"/>
+                <a:gd name="connsiteY7" fmla="*/ 6189 h 562084"/>
+              </a:gdLst>
+              <a:ahLst/>
+              <a:cxnLst>
+                <a:cxn ang="0">
+                  <a:pos x="connsiteX0" y="connsiteY0"/>
+                </a:cxn>
+                <a:cxn ang="0">
+                  <a:pos x="connsiteX1" y="connsiteY1"/>
+                </a:cxn>
+                <a:cxn ang="0">
+                  <a:pos x="connsiteX2" y="connsiteY2"/>
+                </a:cxn>
+                <a:cxn ang="0">
+                  <a:pos x="connsiteX3" y="connsiteY3"/>
+                </a:cxn>
+                <a:cxn ang="0">
+                  <a:pos x="connsiteX4" y="connsiteY4"/>
+                </a:cxn>
+                <a:cxn ang="0">
+                  <a:pos x="connsiteX5" y="connsiteY5"/>
+                </a:cxn>
+                <a:cxn ang="0">
+                  <a:pos x="connsiteX6" y="connsiteY6"/>
+                </a:cxn>
+                <a:cxn ang="0">
+                  <a:pos x="connsiteX7" y="connsiteY7"/>
+                </a:cxn>
+              </a:cxnLst>
+              <a:rect l="l" t="t" r="r" b="b"/>
+              <a:pathLst>
+                <a:path w="535358" h="562084">
+                  <a:moveTo>
+                    <a:pt x="535358" y="0"/>
+                  </a:moveTo>
+                  <a:lnTo>
+                    <a:pt x="535358" y="25186"/>
+                  </a:lnTo>
+                  <a:lnTo>
+                    <a:pt x="469717" y="30978"/>
+                  </a:lnTo>
+                  <a:cubicBezTo>
+                    <a:pt x="252550" y="69769"/>
+                    <a:pt x="80361" y="238391"/>
+                    <a:pt x="36306" y="453686"/>
+                  </a:cubicBezTo>
+                  <a:lnTo>
+                    <a:pt x="25378" y="562084"/>
+                  </a:lnTo>
+                  <a:lnTo>
+                    <a:pt x="0" y="562084"/>
+                  </a:lnTo>
+                  <a:lnTo>
+                    <a:pt x="11423" y="448780"/>
+                  </a:lnTo>
+                  <a:cubicBezTo>
+                    <a:pt x="57551" y="223357"/>
+                    <a:pt x="237840" y="46805"/>
+                    <a:pt x="465221" y="6189"/>
+                  </a:cubicBezTo>
+                  <a:close/>
+                </a:path>
+              </a:pathLst>
+            </a:custGeom>
+            <a:solidFill>
+              <a:schemeClr val="tx1"/>
+            </a:solidFill>
+            <a:ln>
+              <a:noFill/>
+            </a:ln>
+          </p:spPr>
+          <p:style>
+            <a:lnRef idx="2">
+              <a:schemeClr val="accent1">
+                <a:shade val="50000"/>
+              </a:schemeClr>
+            </a:lnRef>
+            <a:fillRef idx="1">
+              <a:schemeClr val="accent1"/>
+            </a:fillRef>
+            <a:effectRef idx="0">
+              <a:schemeClr val="accent1"/>
+            </a:effectRef>
+            <a:fontRef idx="minor">
+              <a:schemeClr val="lt1"/>
+            </a:fontRef>
+          </p:style>
+          <p:txBody>
+            <a:bodyPr wrap="square" rtlCol="0" anchor="ctr">
+              <a:noAutofit/>
+            </a:bodyPr>
+            <a:lstStyle/>
+            <a:p>
+              <a:pPr algn="ctr"/>
+              <a:endParaRPr lang="en-US"/>
+            </a:p>
+          </p:txBody>
+        </p:sp>
+      </p:grpSp>
+      <p:sp>
+        <p:nvSpPr>
+          <p:cNvPr id="2" name="Title 1">
+            <a:extLst>
+              <a:ext uri="{FF2B5EF4-FFF2-40B4-BE49-F238E27FC236}">
+                <a16:creationId xmlns:a16="http://schemas.microsoft.com/office/drawing/2014/main" id="{FFACBABF-CB53-92B2-67D9-C1C83D134B6D}"/>
+              </a:ext>
+            </a:extLst>
+          </p:cNvPr>
+          <p:cNvSpPr>
+            <a:spLocks noGrp="1"/>
+          </p:cNvSpPr>
+          <p:nvPr>
+            <p:ph type="title"/>
+          </p:nvPr>
+        </p:nvSpPr>
+        <p:spPr>
+          <a:xfrm>
+            <a:off x="7489935" y="768334"/>
+            <a:ext cx="3932537" cy="2866405"/>
+          </a:xfrm>
+        </p:spPr>
+        <p:txBody>
+          <a:bodyPr vert="horz" lIns="91440" tIns="45720" rIns="91440" bIns="45720" rtlCol="0" anchor="t">
+            <a:normAutofit/>
+          </a:bodyPr>
+          <a:lstStyle/>
+          <a:p>
+            <a:r>
+              <a:rPr lang="en-US" sz="4800" dirty="0"/>
+              <a:t>Back to the VM 3/3</a:t>
+            </a:r>
+          </a:p>
+        </p:txBody>
+      </p:sp>
+      <p:sp>
+        <p:nvSpPr>
+          <p:cNvPr id="3" name="Content Placeholder 2">
+            <a:extLst>
+              <a:ext uri="{FF2B5EF4-FFF2-40B4-BE49-F238E27FC236}">
+                <a16:creationId xmlns:a16="http://schemas.microsoft.com/office/drawing/2014/main" id="{D04E7FAA-A5A6-7BF0-C2FC-777A79813ED5}"/>
+              </a:ext>
+            </a:extLst>
+          </p:cNvPr>
+          <p:cNvSpPr>
+            <a:spLocks noGrp="1"/>
+          </p:cNvSpPr>
+          <p:nvPr>
+            <p:ph idx="1"/>
+          </p:nvPr>
+        </p:nvSpPr>
+        <p:spPr>
+          <a:xfrm>
+            <a:off x="7489935" y="4283239"/>
+            <a:ext cx="3932537" cy="1475177"/>
+          </a:xfrm>
+        </p:spPr>
+        <p:txBody>
+          <a:bodyPr vert="horz" lIns="91440" tIns="45720" rIns="91440" bIns="45720" rtlCol="0" anchor="b">
+            <a:normAutofit/>
+          </a:bodyPr>
+          <a:lstStyle/>
+          <a:p>
+            <a:pPr marL="0" indent="0">
+              <a:buNone/>
+            </a:pPr>
+            <a:r>
+              <a:rPr lang="en-US" sz="2000" dirty="0"/>
+              <a:t>docker run --name </a:t>
+            </a:r>
+            <a:r>
+              <a:rPr lang="en-US" sz="2000" dirty="0" err="1"/>
+              <a:t>minecraft</a:t>
+            </a:r>
+            <a:r>
+              <a:rPr lang="en-US" sz="2000" dirty="0"/>
+              <a:t> -p 25565:25565 -p 25575:25575 -d </a:t>
+            </a:r>
+            <a:r>
+              <a:rPr lang="en-US" sz="2000" dirty="0" err="1"/>
+              <a:t>minecraft:latest</a:t>
+            </a:r>
+            <a:endParaRPr lang="en-US" sz="2000" dirty="0"/>
+          </a:p>
+        </p:txBody>
+      </p:sp>
+      <p:cxnSp>
+        <p:nvCxnSpPr>
+          <p:cNvPr id="50" name="Straight Connector 49">
+            <a:extLst>
+              <a:ext uri="{FF2B5EF4-FFF2-40B4-BE49-F238E27FC236}">
+                <a16:creationId xmlns:a16="http://schemas.microsoft.com/office/drawing/2014/main" id="{41C79BB7-CCAB-2243-9830-5569626C4D01}"/>
+              </a:ext>
+              <a:ext uri="{C183D7F6-B498-43B3-948B-1728B52AA6E4}">
+                <adec:decorative xmlns:adec="http://schemas.microsoft.com/office/drawing/2017/decorative" val="1"/>
+              </a:ext>
+            </a:extLst>
+          </p:cNvPr>
+          <p:cNvCxnSpPr>
+            <a:cxnSpLocks noGrp="1" noRot="1" noChangeAspect="1" noMove="1" noResize="1" noEditPoints="1" noAdjustHandles="1" noChangeArrowheads="1" noChangeShapeType="1"/>
+          </p:cNvCxnSpPr>
+          <p:nvPr>
+            <p:extLst>
+              <p:ext uri="{386F3935-93C4-4BCD-93E2-E3B085C9AB24}">
+                <p16:designElem xmlns:p16="http://schemas.microsoft.com/office/powerpoint/2015/main" val="1"/>
+              </p:ext>
+            </p:extLst>
+          </p:nvPr>
+        </p:nvCxnSpPr>
+        <p:spPr>
+          <a:xfrm>
+            <a:off x="7489934" y="6087110"/>
+            <a:ext cx="4134538" cy="0"/>
+          </a:xfrm>
+          <a:prstGeom prst="line">
+            <a:avLst/>
+          </a:prstGeom>
+          <a:ln w="12700">
+            <a:solidFill>
+              <a:schemeClr val="tx2"/>
+            </a:solidFill>
+          </a:ln>
+        </p:spPr>
+        <p:style>
+          <a:lnRef idx="1">
+            <a:schemeClr val="accent1"/>
+          </a:lnRef>
+          <a:fillRef idx="0">
+            <a:schemeClr val="accent1"/>
+          </a:fillRef>
+          <a:effectRef idx="0">
+            <a:schemeClr val="accent1"/>
+          </a:effectRef>
+          <a:fontRef idx="minor">
+            <a:schemeClr val="tx1"/>
+          </a:fontRef>
+        </p:style>
+      </p:cxnSp>
+    </p:spTree>
+    <p:extLst>
+      <p:ext uri="{BB962C8B-B14F-4D97-AF65-F5344CB8AC3E}">
+        <p14:creationId xmlns:p14="http://schemas.microsoft.com/office/powerpoint/2010/main" val="2148626859"/>
+      </p:ext>
+    </p:extLst>
+  </p:cSld>
+  <p:clrMapOvr>
+    <a:overrideClrMapping bg1="dk1" tx1="lt1" bg2="dk2" tx2="lt2" accent1="accent1" accent2="accent2" accent3="accent3" accent4="accent4" accent5="accent5" accent6="accent6" hlink="hlink" folHlink="folHlink"/>
+  </p:clrMapOvr>
+  <p:timing>
+    <p:tnLst>
+      <p:par>
+        <p:cTn id="1" dur="indefinite" restart="never" nodeType="tmRoot">
+          <p:childTnLst>
+            <p:seq concurrent="1" nextAc="seek">
+              <p:cTn id="2" dur="indefinite" nodeType="mainSeq">
+                <p:childTnLst>
+                  <p:par>
+                    <p:cTn id="3" fill="hold">
+                      <p:stCondLst>
+                        <p:cond delay="indefinite"/>
+                        <p:cond evt="onBegin" delay="0">
+                          <p:tn val="2"/>
+                        </p:cond>
+                      </p:stCondLst>
+                      <p:childTnLst>
+                        <p:par>
+                          <p:cTn id="4" fill="hold">
+                            <p:stCondLst>
+                              <p:cond delay="0"/>
+                            </p:stCondLst>
+                            <p:childTnLst>
+                              <p:par>
+                                <p:cTn id="5" presetID="10" presetClass="entr" presetSubtype="0" fill="hold" grpId="0" nodeType="withEffect">
+                                  <p:stCondLst>
+                                    <p:cond delay="1000"/>
+                                  </p:stCondLst>
+                                  <p:iterate type="lt">
+                                    <p:tmPct val="10000"/>
+                                  </p:iterate>
+                                  <p:childTnLst>
+                                    <p:set>
+                                      <p:cBhvr>
+                                        <p:cTn id="6" dur="1" fill="hold">
+                                          <p:stCondLst>
+                                            <p:cond delay="0"/>
+                                          </p:stCondLst>
+                                        </p:cTn>
+                                        <p:tgtEl>
+                                          <p:spTgt spid="2"/>
+                                        </p:tgtEl>
+                                        <p:attrNameLst>
+                                          <p:attrName>style.visibility</p:attrName>
+                                        </p:attrNameLst>
+                                      </p:cBhvr>
+                                      <p:to>
+                                        <p:strVal val="visible"/>
+                                      </p:to>
+                                    </p:set>
+                                    <p:animEffect transition="in" filter="fade">
+                                      <p:cBhvr>
+                                        <p:cTn id="7" dur="400"/>
+                                        <p:tgtEl>
+                                          <p:spTgt spid="2"/>
+                                        </p:tgtEl>
+                                      </p:cBhvr>
+                                    </p:animEffect>
+                                  </p:childTnLst>
+                                </p:cTn>
+                              </p:par>
+                            </p:childTnLst>
+                          </p:cTn>
+                        </p:par>
+                      </p:childTnLst>
+                    </p:cTn>
+                  </p:par>
+                </p:childTnLst>
+              </p:cTn>
+              <p:prevCondLst>
+                <p:cond evt="onPrev" delay="0">
+                  <p:tgtEl>
+                    <p:sldTgt/>
+                  </p:tgtEl>
+                </p:cond>
+              </p:prevCondLst>
+              <p:nextCondLst>
+                <p:cond evt="onNext" delay="0">
+                  <p:tgtEl>
+                    <p:sldTgt/>
+                  </p:tgtEl>
+                </p:cond>
+              </p:nextCondLst>
+            </p:seq>
+          </p:childTnLst>
+        </p:cTn>
+      </p:par>
+    </p:tnLst>
+    <p:bldLst>
+      <p:bldP spid="2" grpId="0"/>
+    </p:bldLst>
+  </p:timing>
+</p:sld>
+</file>
+
+<file path=ppt/slides/slide41.xml><?xml version="1.0" encoding="utf-8"?>
+<p:sld xmlns:a="http://schemas.openxmlformats.org/drawingml/2006/main" xmlns:r="http://schemas.openxmlformats.org/officeDocument/2006/relationships" xmlns:p="http://schemas.openxmlformats.org/presentationml/2006/main">
+  <p:cSld>
     <p:spTree>
       <p:nvGrpSpPr>
         <p:cNvPr id="1" name=""/>
@@ -34875,7 +35321,7 @@
 </p:sld>
 </file>
 
-<file path=ppt/slides/slide41.xml><?xml version="1.0" encoding="utf-8"?>
+<file path=ppt/slides/slide42.xml><?xml version="1.0" encoding="utf-8"?>
 <p:sld xmlns:a="http://schemas.openxmlformats.org/drawingml/2006/main" xmlns:r="http://schemas.openxmlformats.org/officeDocument/2006/relationships" xmlns:p="http://schemas.openxmlformats.org/presentationml/2006/main">
   <p:cSld>
     <p:spTree>
@@ -34935,7 +35381,7 @@
 </p:sld>
 </file>
 
-<file path=ppt/slides/slide42.xml><?xml version="1.0" encoding="utf-8"?>
+<file path=ppt/slides/slide43.xml><?xml version="1.0" encoding="utf-8"?>
 <p:sld xmlns:a="http://schemas.openxmlformats.org/drawingml/2006/main" xmlns:r="http://schemas.openxmlformats.org/officeDocument/2006/relationships" xmlns:p="http://schemas.openxmlformats.org/presentationml/2006/main">
   <p:cSld>
     <p:spTree>
@@ -34995,7 +35441,7 @@
 </p:sld>
 </file>
 
-<file path=ppt/slides/slide43.xml><?xml version="1.0" encoding="utf-8"?>
+<file path=ppt/slides/slide44.xml><?xml version="1.0" encoding="utf-8"?>
 <p:sld xmlns:a="http://schemas.openxmlformats.org/drawingml/2006/main" xmlns:r="http://schemas.openxmlformats.org/officeDocument/2006/relationships" xmlns:p="http://schemas.openxmlformats.org/presentationml/2006/main">
   <p:cSld>
     <p:spTree>
@@ -35113,7 +35559,7 @@
 </p:sld>
 </file>
 
-<file path=ppt/slides/slide44.xml><?xml version="1.0" encoding="utf-8"?>
+<file path=ppt/slides/slide45.xml><?xml version="1.0" encoding="utf-8"?>
 <p:sld xmlns:a="http://schemas.openxmlformats.org/drawingml/2006/main" xmlns:r="http://schemas.openxmlformats.org/officeDocument/2006/relationships" xmlns:p="http://schemas.openxmlformats.org/presentationml/2006/main">
   <p:cSld>
     <p:spTree>
@@ -35201,7 +35647,7 @@
 </p:sld>
 </file>
 
-<file path=ppt/slides/slide45.xml><?xml version="1.0" encoding="utf-8"?>
+<file path=ppt/slides/slide46.xml><?xml version="1.0" encoding="utf-8"?>
 <p:sld xmlns:a="http://schemas.openxmlformats.org/drawingml/2006/main" xmlns:r="http://schemas.openxmlformats.org/officeDocument/2006/relationships" xmlns:p="http://schemas.openxmlformats.org/presentationml/2006/main">
   <p:cSld>
     <p:spTree>
@@ -35326,7 +35772,7 @@
 </p:sld>
 </file>
 
-<file path=ppt/slides/slide46.xml><?xml version="1.0" encoding="utf-8"?>
+<file path=ppt/slides/slide47.xml><?xml version="1.0" encoding="utf-8"?>
 <p:sld xmlns:a="http://schemas.openxmlformats.org/drawingml/2006/main" xmlns:r="http://schemas.openxmlformats.org/officeDocument/2006/relationships" xmlns:p="http://schemas.openxmlformats.org/presentationml/2006/main">
   <p:cSld>
     <p:bg>
@@ -41279,7 +41725,7 @@
 </p:sld>
 </file>
 
-<file path=ppt/slides/slide47.xml><?xml version="1.0" encoding="utf-8"?>
+<file path=ppt/slides/slide48.xml><?xml version="1.0" encoding="utf-8"?>
 <p:sld xmlns:a="http://schemas.openxmlformats.org/drawingml/2006/main" xmlns:r="http://schemas.openxmlformats.org/officeDocument/2006/relationships" xmlns:p="http://schemas.openxmlformats.org/presentationml/2006/main">
   <p:cSld>
     <p:spTree>
@@ -41404,7 +41850,7 @@
 </p:sld>
 </file>
 
-<file path=ppt/slides/slide48.xml><?xml version="1.0" encoding="utf-8"?>
+<file path=ppt/slides/slide49.xml><?xml version="1.0" encoding="utf-8"?>
 <p:sld xmlns:a="http://schemas.openxmlformats.org/drawingml/2006/main" xmlns:r="http://schemas.openxmlformats.org/officeDocument/2006/relationships" xmlns:p="http://schemas.openxmlformats.org/presentationml/2006/main">
   <p:cSld>
     <p:spTree>
@@ -41561,154 +42007,6 @@
     <p:extLst>
       <p:ext uri="{BB962C8B-B14F-4D97-AF65-F5344CB8AC3E}">
         <p14:creationId xmlns:p14="http://schemas.microsoft.com/office/powerpoint/2010/main" val="3773357757"/>
-      </p:ext>
-    </p:extLst>
-  </p:cSld>
-  <p:clrMapOvr>
-    <a:masterClrMapping/>
-  </p:clrMapOvr>
-</p:sld>
-</file>
-
-<file path=ppt/slides/slide49.xml><?xml version="1.0" encoding="utf-8"?>
-<p:sld xmlns:a="http://schemas.openxmlformats.org/drawingml/2006/main" xmlns:r="http://schemas.openxmlformats.org/officeDocument/2006/relationships" xmlns:p="http://schemas.openxmlformats.org/presentationml/2006/main">
-  <p:cSld>
-    <p:spTree>
-      <p:nvGrpSpPr>
-        <p:cNvPr id="1" name=""/>
-        <p:cNvGrpSpPr/>
-        <p:nvPr/>
-      </p:nvGrpSpPr>
-      <p:grpSpPr>
-        <a:xfrm>
-          <a:off x="0" y="0"/>
-          <a:ext cx="0" cy="0"/>
-          <a:chOff x="0" y="0"/>
-          <a:chExt cx="0" cy="0"/>
-        </a:xfrm>
-      </p:grpSpPr>
-      <p:sp>
-        <p:nvSpPr>
-          <p:cNvPr id="2" name="Title 1">
-            <a:extLst>
-              <a:ext uri="{FF2B5EF4-FFF2-40B4-BE49-F238E27FC236}">
-                <a16:creationId xmlns:a16="http://schemas.microsoft.com/office/drawing/2014/main" id="{28556024-3536-D6F6-95C7-F02E5F10CA08}"/>
-              </a:ext>
-            </a:extLst>
-          </p:cNvPr>
-          <p:cNvSpPr>
-            <a:spLocks noGrp="1"/>
-          </p:cNvSpPr>
-          <p:nvPr>
-            <p:ph type="title"/>
-          </p:nvPr>
-        </p:nvSpPr>
-        <p:spPr/>
-        <p:txBody>
-          <a:bodyPr/>
-          <a:lstStyle/>
-          <a:p>
-            <a:r>
-              <a:rPr lang="en-US" dirty="0"/>
-              <a:t>Commands</a:t>
-            </a:r>
-          </a:p>
-        </p:txBody>
-      </p:sp>
-      <p:sp>
-        <p:nvSpPr>
-          <p:cNvPr id="3" name="Content Placeholder 2">
-            <a:extLst>
-              <a:ext uri="{FF2B5EF4-FFF2-40B4-BE49-F238E27FC236}">
-                <a16:creationId xmlns:a16="http://schemas.microsoft.com/office/drawing/2014/main" id="{C524C820-C87E-5D93-E917-58ABE907C7F3}"/>
-              </a:ext>
-            </a:extLst>
-          </p:cNvPr>
-          <p:cNvSpPr>
-            <a:spLocks noGrp="1"/>
-          </p:cNvSpPr>
-          <p:nvPr>
-            <p:ph idx="1"/>
-          </p:nvPr>
-        </p:nvSpPr>
-        <p:spPr/>
-        <p:txBody>
-          <a:bodyPr/>
-          <a:lstStyle/>
-          <a:p>
-            <a:r>
-              <a:rPr lang="en-US" dirty="0"/>
-              <a:t>Start: docker compose up -d</a:t>
-            </a:r>
-          </a:p>
-          <a:p>
-            <a:r>
-              <a:rPr lang="en-US" dirty="0"/>
-              <a:t>Stop: docker compose down</a:t>
-            </a:r>
-          </a:p>
-          <a:p>
-            <a:r>
-              <a:rPr lang="en-US" dirty="0"/>
-              <a:t>Or docker compose down bedrock</a:t>
-            </a:r>
-          </a:p>
-          <a:p>
-            <a:r>
-              <a:rPr lang="en-US" dirty="0"/>
-              <a:t>Logs: docker compose logs</a:t>
-            </a:r>
-          </a:p>
-          <a:p>
-            <a:r>
-              <a:rPr lang="en-US" dirty="0"/>
-              <a:t>Services: docker compose </a:t>
-            </a:r>
-            <a:r>
-              <a:rPr lang="en-US" dirty="0" err="1"/>
-              <a:t>ps</a:t>
-            </a:r>
-            <a:endParaRPr lang="en-US" dirty="0"/>
-          </a:p>
-          <a:p>
-            <a:endParaRPr lang="en-US" dirty="0"/>
-          </a:p>
-        </p:txBody>
-      </p:sp>
-      <p:pic>
-        <p:nvPicPr>
-          <p:cNvPr id="5" name="Picture 4">
-            <a:extLst>
-              <a:ext uri="{FF2B5EF4-FFF2-40B4-BE49-F238E27FC236}">
-                <a16:creationId xmlns:a16="http://schemas.microsoft.com/office/drawing/2014/main" id="{701B743E-9DC1-3D7D-AAC9-C9DF5203C584}"/>
-              </a:ext>
-            </a:extLst>
-          </p:cNvPr>
-          <p:cNvPicPr>
-            <a:picLocks noChangeAspect="1"/>
-          </p:cNvPicPr>
-          <p:nvPr/>
-        </p:nvPicPr>
-        <p:blipFill>
-          <a:blip r:embed="rId3"/>
-          <a:stretch>
-            <a:fillRect/>
-          </a:stretch>
-        </p:blipFill>
-        <p:spPr>
-          <a:xfrm>
-            <a:off x="565150" y="4583732"/>
-            <a:ext cx="11052976" cy="891093"/>
-          </a:xfrm>
-          <a:prstGeom prst="rect">
-            <a:avLst/>
-          </a:prstGeom>
-        </p:spPr>
-      </p:pic>
-    </p:spTree>
-    <p:extLst>
-      <p:ext uri="{BB962C8B-B14F-4D97-AF65-F5344CB8AC3E}">
-        <p14:creationId xmlns:p14="http://schemas.microsoft.com/office/powerpoint/2010/main" val="2913010205"/>
       </p:ext>
     </p:extLst>
   </p:cSld>
@@ -42330,6 +42628,154 @@
           <p:cNvPr id="2" name="Title 1">
             <a:extLst>
               <a:ext uri="{FF2B5EF4-FFF2-40B4-BE49-F238E27FC236}">
+                <a16:creationId xmlns:a16="http://schemas.microsoft.com/office/drawing/2014/main" id="{28556024-3536-D6F6-95C7-F02E5F10CA08}"/>
+              </a:ext>
+            </a:extLst>
+          </p:cNvPr>
+          <p:cNvSpPr>
+            <a:spLocks noGrp="1"/>
+          </p:cNvSpPr>
+          <p:nvPr>
+            <p:ph type="title"/>
+          </p:nvPr>
+        </p:nvSpPr>
+        <p:spPr/>
+        <p:txBody>
+          <a:bodyPr/>
+          <a:lstStyle/>
+          <a:p>
+            <a:r>
+              <a:rPr lang="en-US" dirty="0"/>
+              <a:t>Commands</a:t>
+            </a:r>
+          </a:p>
+        </p:txBody>
+      </p:sp>
+      <p:sp>
+        <p:nvSpPr>
+          <p:cNvPr id="3" name="Content Placeholder 2">
+            <a:extLst>
+              <a:ext uri="{FF2B5EF4-FFF2-40B4-BE49-F238E27FC236}">
+                <a16:creationId xmlns:a16="http://schemas.microsoft.com/office/drawing/2014/main" id="{C524C820-C87E-5D93-E917-58ABE907C7F3}"/>
+              </a:ext>
+            </a:extLst>
+          </p:cNvPr>
+          <p:cNvSpPr>
+            <a:spLocks noGrp="1"/>
+          </p:cNvSpPr>
+          <p:nvPr>
+            <p:ph idx="1"/>
+          </p:nvPr>
+        </p:nvSpPr>
+        <p:spPr/>
+        <p:txBody>
+          <a:bodyPr/>
+          <a:lstStyle/>
+          <a:p>
+            <a:r>
+              <a:rPr lang="en-US" dirty="0"/>
+              <a:t>Start: docker compose up -d</a:t>
+            </a:r>
+          </a:p>
+          <a:p>
+            <a:r>
+              <a:rPr lang="en-US" dirty="0"/>
+              <a:t>Stop: docker compose down</a:t>
+            </a:r>
+          </a:p>
+          <a:p>
+            <a:r>
+              <a:rPr lang="en-US" dirty="0"/>
+              <a:t>Or docker compose down bedrock</a:t>
+            </a:r>
+          </a:p>
+          <a:p>
+            <a:r>
+              <a:rPr lang="en-US" dirty="0"/>
+              <a:t>Logs: docker compose logs</a:t>
+            </a:r>
+          </a:p>
+          <a:p>
+            <a:r>
+              <a:rPr lang="en-US" dirty="0"/>
+              <a:t>Services: docker compose </a:t>
+            </a:r>
+            <a:r>
+              <a:rPr lang="en-US" dirty="0" err="1"/>
+              <a:t>ps</a:t>
+            </a:r>
+            <a:endParaRPr lang="en-US" dirty="0"/>
+          </a:p>
+          <a:p>
+            <a:endParaRPr lang="en-US" dirty="0"/>
+          </a:p>
+        </p:txBody>
+      </p:sp>
+      <p:pic>
+        <p:nvPicPr>
+          <p:cNvPr id="5" name="Picture 4">
+            <a:extLst>
+              <a:ext uri="{FF2B5EF4-FFF2-40B4-BE49-F238E27FC236}">
+                <a16:creationId xmlns:a16="http://schemas.microsoft.com/office/drawing/2014/main" id="{701B743E-9DC1-3D7D-AAC9-C9DF5203C584}"/>
+              </a:ext>
+            </a:extLst>
+          </p:cNvPr>
+          <p:cNvPicPr>
+            <a:picLocks noChangeAspect="1"/>
+          </p:cNvPicPr>
+          <p:nvPr/>
+        </p:nvPicPr>
+        <p:blipFill>
+          <a:blip r:embed="rId3"/>
+          <a:stretch>
+            <a:fillRect/>
+          </a:stretch>
+        </p:blipFill>
+        <p:spPr>
+          <a:xfrm>
+            <a:off x="565150" y="4583732"/>
+            <a:ext cx="11052976" cy="891093"/>
+          </a:xfrm>
+          <a:prstGeom prst="rect">
+            <a:avLst/>
+          </a:prstGeom>
+        </p:spPr>
+      </p:pic>
+    </p:spTree>
+    <p:extLst>
+      <p:ext uri="{BB962C8B-B14F-4D97-AF65-F5344CB8AC3E}">
+        <p14:creationId xmlns:p14="http://schemas.microsoft.com/office/powerpoint/2010/main" val="2913010205"/>
+      </p:ext>
+    </p:extLst>
+  </p:cSld>
+  <p:clrMapOvr>
+    <a:masterClrMapping/>
+  </p:clrMapOvr>
+</p:sld>
+</file>
+
+<file path=ppt/slides/slide51.xml><?xml version="1.0" encoding="utf-8"?>
+<p:sld xmlns:a="http://schemas.openxmlformats.org/drawingml/2006/main" xmlns:r="http://schemas.openxmlformats.org/officeDocument/2006/relationships" xmlns:p="http://schemas.openxmlformats.org/presentationml/2006/main">
+  <p:cSld>
+    <p:spTree>
+      <p:nvGrpSpPr>
+        <p:cNvPr id="1" name=""/>
+        <p:cNvGrpSpPr/>
+        <p:nvPr/>
+      </p:nvGrpSpPr>
+      <p:grpSpPr>
+        <a:xfrm>
+          <a:off x="0" y="0"/>
+          <a:ext cx="0" cy="0"/>
+          <a:chOff x="0" y="0"/>
+          <a:chExt cx="0" cy="0"/>
+        </a:xfrm>
+      </p:grpSpPr>
+      <p:sp>
+        <p:nvSpPr>
+          <p:cNvPr id="2" name="Title 1">
+            <a:extLst>
+              <a:ext uri="{FF2B5EF4-FFF2-40B4-BE49-F238E27FC236}">
                 <a16:creationId xmlns:a16="http://schemas.microsoft.com/office/drawing/2014/main" id="{BCD0D207-2483-2F5E-B983-1FBFC814ADA4}"/>
               </a:ext>
             </a:extLst>
@@ -42465,7 +42911,7 @@
             </a:r>
             <a:r>
               <a:rPr lang="en-US" dirty="0"/>
-              <a:t> route add 172.0.0.2 via 172.0.0.1</a:t>
+              <a:t> route add 172.17.0.2 via 172.17.0.1</a:t>
             </a:r>
           </a:p>
           <a:p>
@@ -42475,7 +42921,7 @@
             </a:r>
             <a:r>
               <a:rPr lang="en-US" dirty="0"/>
-              <a:t> route add 172.0.0.1 via 192.168.1.81</a:t>
+              <a:t> route add 172.17.0.1 via 192.168.1.81</a:t>
             </a:r>
           </a:p>
           <a:p>
@@ -42515,7 +42961,7 @@
 </p:sld>
 </file>
 
-<file path=ppt/slides/slide51.xml><?xml version="1.0" encoding="utf-8"?>
+<file path=ppt/slides/slide52.xml><?xml version="1.0" encoding="utf-8"?>
 <p:sld xmlns:a="http://schemas.openxmlformats.org/drawingml/2006/main" xmlns:r="http://schemas.openxmlformats.org/officeDocument/2006/relationships" xmlns:p="http://schemas.openxmlformats.org/presentationml/2006/main">
   <p:cSld>
     <p:bg>
@@ -45877,7 +46323,7 @@
 </p:sld>
 </file>
 
-<file path=ppt/slides/slide52.xml><?xml version="1.0" encoding="utf-8"?>
+<file path=ppt/slides/slide53.xml><?xml version="1.0" encoding="utf-8"?>
 <p:sld xmlns:a="http://schemas.openxmlformats.org/drawingml/2006/main" xmlns:r="http://schemas.openxmlformats.org/officeDocument/2006/relationships" xmlns:p="http://schemas.openxmlformats.org/presentationml/2006/main">
   <p:cSld>
     <p:spTree>

--- a/Minecraft/Learning DevOps Through Minecraft.pptx
+++ b/Minecraft/Learning DevOps Through Minecraft.pptx
@@ -5,7 +5,7 @@
     <p:sldMasterId id="2147483712" r:id="rId1"/>
   </p:sldMasterIdLst>
   <p:notesMasterIdLst>
-    <p:notesMasterId r:id="rId55"/>
+    <p:notesMasterId r:id="rId56"/>
   </p:notesMasterIdLst>
   <p:sldIdLst>
     <p:sldId id="256" r:id="rId2"/>
@@ -36,31 +36,32 @@
     <p:sldId id="280" r:id="rId27"/>
     <p:sldId id="283" r:id="rId28"/>
     <p:sldId id="309" r:id="rId29"/>
-    <p:sldId id="298" r:id="rId30"/>
-    <p:sldId id="297" r:id="rId31"/>
-    <p:sldId id="284" r:id="rId32"/>
-    <p:sldId id="287" r:id="rId33"/>
-    <p:sldId id="285" r:id="rId34"/>
-    <p:sldId id="286" r:id="rId35"/>
-    <p:sldId id="288" r:id="rId36"/>
-    <p:sldId id="296" r:id="rId37"/>
-    <p:sldId id="290" r:id="rId38"/>
-    <p:sldId id="292" r:id="rId39"/>
-    <p:sldId id="291" r:id="rId40"/>
-    <p:sldId id="289" r:id="rId41"/>
-    <p:sldId id="293" r:id="rId42"/>
-    <p:sldId id="294" r:id="rId43"/>
-    <p:sldId id="261" r:id="rId44"/>
-    <p:sldId id="281" r:id="rId45"/>
-    <p:sldId id="282" r:id="rId46"/>
-    <p:sldId id="302" r:id="rId47"/>
-    <p:sldId id="295" r:id="rId48"/>
-    <p:sldId id="305" r:id="rId49"/>
-    <p:sldId id="306" r:id="rId50"/>
-    <p:sldId id="307" r:id="rId51"/>
-    <p:sldId id="308" r:id="rId52"/>
-    <p:sldId id="299" r:id="rId53"/>
-    <p:sldId id="301" r:id="rId54"/>
+    <p:sldId id="310" r:id="rId30"/>
+    <p:sldId id="298" r:id="rId31"/>
+    <p:sldId id="297" r:id="rId32"/>
+    <p:sldId id="284" r:id="rId33"/>
+    <p:sldId id="287" r:id="rId34"/>
+    <p:sldId id="285" r:id="rId35"/>
+    <p:sldId id="286" r:id="rId36"/>
+    <p:sldId id="288" r:id="rId37"/>
+    <p:sldId id="296" r:id="rId38"/>
+    <p:sldId id="290" r:id="rId39"/>
+    <p:sldId id="292" r:id="rId40"/>
+    <p:sldId id="291" r:id="rId41"/>
+    <p:sldId id="289" r:id="rId42"/>
+    <p:sldId id="293" r:id="rId43"/>
+    <p:sldId id="294" r:id="rId44"/>
+    <p:sldId id="261" r:id="rId45"/>
+    <p:sldId id="281" r:id="rId46"/>
+    <p:sldId id="282" r:id="rId47"/>
+    <p:sldId id="302" r:id="rId48"/>
+    <p:sldId id="295" r:id="rId49"/>
+    <p:sldId id="305" r:id="rId50"/>
+    <p:sldId id="306" r:id="rId51"/>
+    <p:sldId id="307" r:id="rId52"/>
+    <p:sldId id="308" r:id="rId53"/>
+    <p:sldId id="299" r:id="rId54"/>
+    <p:sldId id="301" r:id="rId55"/>
   </p:sldIdLst>
   <p:sldSz cx="12192000" cy="6858000"/>
   <p:notesSz cx="6858000" cy="9144000"/>
@@ -4565,6 +4566,90 @@
           <a:bodyPr/>
           <a:lstStyle/>
           <a:p>
+            <a:endParaRPr lang="en-US" dirty="0"/>
+          </a:p>
+        </p:txBody>
+      </p:sp>
+      <p:sp>
+        <p:nvSpPr>
+          <p:cNvPr id="4" name="Slide Number Placeholder 3"/>
+          <p:cNvSpPr>
+            <a:spLocks noGrp="1"/>
+          </p:cNvSpPr>
+          <p:nvPr>
+            <p:ph type="sldNum" sz="quarter" idx="5"/>
+          </p:nvPr>
+        </p:nvSpPr>
+        <p:spPr/>
+        <p:txBody>
+          <a:bodyPr/>
+          <a:lstStyle/>
+          <a:p>
+            <a:fld id="{6843FF4B-3F5C-48A3-8BB1-124264C9C8AE}" type="slidenum">
+              <a:rPr lang="en-US" smtClean="0"/>
+              <a:t>28</a:t>
+            </a:fld>
+            <a:endParaRPr lang="en-US"/>
+          </a:p>
+        </p:txBody>
+      </p:sp>
+    </p:spTree>
+    <p:extLst>
+      <p:ext uri="{BB962C8B-B14F-4D97-AF65-F5344CB8AC3E}">
+        <p14:creationId xmlns:p14="http://schemas.microsoft.com/office/powerpoint/2010/main" val="2520114416"/>
+      </p:ext>
+    </p:extLst>
+  </p:cSld>
+  <p:clrMapOvr>
+    <a:masterClrMapping/>
+  </p:clrMapOvr>
+</p:notes>
+</file>
+
+<file path=ppt/notesSlides/notesSlide17.xml><?xml version="1.0" encoding="utf-8"?>
+<p:notes xmlns:a="http://schemas.openxmlformats.org/drawingml/2006/main" xmlns:r="http://schemas.openxmlformats.org/officeDocument/2006/relationships" xmlns:p="http://schemas.openxmlformats.org/presentationml/2006/main">
+  <p:cSld>
+    <p:spTree>
+      <p:nvGrpSpPr>
+        <p:cNvPr id="1" name=""/>
+        <p:cNvGrpSpPr/>
+        <p:nvPr/>
+      </p:nvGrpSpPr>
+      <p:grpSpPr>
+        <a:xfrm>
+          <a:off x="0" y="0"/>
+          <a:ext cx="0" cy="0"/>
+          <a:chOff x="0" y="0"/>
+          <a:chExt cx="0" cy="0"/>
+        </a:xfrm>
+      </p:grpSpPr>
+      <p:sp>
+        <p:nvSpPr>
+          <p:cNvPr id="2" name="Slide Image Placeholder 1"/>
+          <p:cNvSpPr>
+            <a:spLocks noGrp="1" noRot="1" noChangeAspect="1"/>
+          </p:cNvSpPr>
+          <p:nvPr>
+            <p:ph type="sldImg"/>
+          </p:nvPr>
+        </p:nvSpPr>
+        <p:spPr/>
+      </p:sp>
+      <p:sp>
+        <p:nvSpPr>
+          <p:cNvPr id="3" name="Notes Placeholder 2"/>
+          <p:cNvSpPr>
+            <a:spLocks noGrp="1"/>
+          </p:cNvSpPr>
+          <p:nvPr>
+            <p:ph type="body" idx="1"/>
+          </p:nvPr>
+        </p:nvSpPr>
+        <p:spPr/>
+        <p:txBody>
+          <a:bodyPr/>
+          <a:lstStyle/>
+          <a:p>
             <a:r>
               <a:rPr lang="en-US" dirty="0"/>
               <a:t>This will allow us to deploy are customized Minecraft server environment on whatever hardware we have access in an easier manner than trying to build on dedicated hardware or by moving a virtual machine around and around to different hypervisors. </a:t>
@@ -4589,7 +4674,7 @@
           <a:p>
             <a:fld id="{6843FF4B-3F5C-48A3-8BB1-124264C9C8AE}" type="slidenum">
               <a:rPr lang="en-US" smtClean="0"/>
-              <a:t>29</a:t>
+              <a:t>30</a:t>
             </a:fld>
             <a:endParaRPr lang="en-US"/>
           </a:p>
@@ -4608,7 +4693,7 @@
 </p:notes>
 </file>
 
-<file path=ppt/notesSlides/notesSlide17.xml><?xml version="1.0" encoding="utf-8"?>
+<file path=ppt/notesSlides/notesSlide18.xml><?xml version="1.0" encoding="utf-8"?>
 <p:notes xmlns:a="http://schemas.openxmlformats.org/drawingml/2006/main" xmlns:r="http://schemas.openxmlformats.org/officeDocument/2006/relationships" xmlns:p="http://schemas.openxmlformats.org/presentationml/2006/main">
   <p:cSld>
     <p:spTree>
@@ -4728,7 +4813,7 @@
           <a:p>
             <a:fld id="{6843FF4B-3F5C-48A3-8BB1-124264C9C8AE}" type="slidenum">
               <a:rPr lang="en-US" smtClean="0"/>
-              <a:t>30</a:t>
+              <a:t>31</a:t>
             </a:fld>
             <a:endParaRPr lang="en-US"/>
           </a:p>
@@ -4747,7 +4832,7 @@
 </p:notes>
 </file>
 
-<file path=ppt/notesSlides/notesSlide18.xml><?xml version="1.0" encoding="utf-8"?>
+<file path=ppt/notesSlides/notesSlide19.xml><?xml version="1.0" encoding="utf-8"?>
 <p:notes xmlns:a="http://schemas.openxmlformats.org/drawingml/2006/main" xmlns:r="http://schemas.openxmlformats.org/officeDocument/2006/relationships" xmlns:p="http://schemas.openxmlformats.org/presentationml/2006/main">
   <p:cSld>
     <p:spTree>
@@ -4924,7 +5009,7 @@
           <a:p>
             <a:fld id="{6843FF4B-3F5C-48A3-8BB1-124264C9C8AE}" type="slidenum">
               <a:rPr lang="en-US" smtClean="0"/>
-              <a:t>33</a:t>
+              <a:t>34</a:t>
             </a:fld>
             <a:endParaRPr lang="en-US"/>
           </a:p>
@@ -4934,99 +5019,6 @@
     <p:extLst>
       <p:ext uri="{BB962C8B-B14F-4D97-AF65-F5344CB8AC3E}">
         <p14:creationId xmlns:p14="http://schemas.microsoft.com/office/powerpoint/2010/main" val="3136739811"/>
-      </p:ext>
-    </p:extLst>
-  </p:cSld>
-  <p:clrMapOvr>
-    <a:masterClrMapping/>
-  </p:clrMapOvr>
-</p:notes>
-</file>
-
-<file path=ppt/notesSlides/notesSlide19.xml><?xml version="1.0" encoding="utf-8"?>
-<p:notes xmlns:a="http://schemas.openxmlformats.org/drawingml/2006/main" xmlns:r="http://schemas.openxmlformats.org/officeDocument/2006/relationships" xmlns:p="http://schemas.openxmlformats.org/presentationml/2006/main">
-  <p:cSld>
-    <p:spTree>
-      <p:nvGrpSpPr>
-        <p:cNvPr id="1" name=""/>
-        <p:cNvGrpSpPr/>
-        <p:nvPr/>
-      </p:nvGrpSpPr>
-      <p:grpSpPr>
-        <a:xfrm>
-          <a:off x="0" y="0"/>
-          <a:ext cx="0" cy="0"/>
-          <a:chOff x="0" y="0"/>
-          <a:chExt cx="0" cy="0"/>
-        </a:xfrm>
-      </p:grpSpPr>
-      <p:sp>
-        <p:nvSpPr>
-          <p:cNvPr id="2" name="Slide Image Placeholder 1"/>
-          <p:cNvSpPr>
-            <a:spLocks noGrp="1" noRot="1" noChangeAspect="1"/>
-          </p:cNvSpPr>
-          <p:nvPr>
-            <p:ph type="sldImg"/>
-          </p:nvPr>
-        </p:nvSpPr>
-        <p:spPr/>
-      </p:sp>
-      <p:sp>
-        <p:nvSpPr>
-          <p:cNvPr id="3" name="Notes Placeholder 2"/>
-          <p:cNvSpPr>
-            <a:spLocks noGrp="1"/>
-          </p:cNvSpPr>
-          <p:nvPr>
-            <p:ph type="body" idx="1"/>
-          </p:nvPr>
-        </p:nvSpPr>
-        <p:spPr/>
-        <p:txBody>
-          <a:bodyPr/>
-          <a:lstStyle/>
-          <a:p>
-            <a:r>
-              <a:rPr lang="en-US" dirty="0"/>
-              <a:t>EXPOSE makes ports available for exporting from container to host</a:t>
-            </a:r>
-          </a:p>
-          <a:p>
-            <a:r>
-              <a:rPr lang="en-US" dirty="0"/>
-              <a:t>ENTRYPOINT Specify default executable</a:t>
-            </a:r>
-          </a:p>
-        </p:txBody>
-      </p:sp>
-      <p:sp>
-        <p:nvSpPr>
-          <p:cNvPr id="4" name="Slide Number Placeholder 3"/>
-          <p:cNvSpPr>
-            <a:spLocks noGrp="1"/>
-          </p:cNvSpPr>
-          <p:nvPr>
-            <p:ph type="sldNum" sz="quarter" idx="5"/>
-          </p:nvPr>
-        </p:nvSpPr>
-        <p:spPr/>
-        <p:txBody>
-          <a:bodyPr/>
-          <a:lstStyle/>
-          <a:p>
-            <a:fld id="{6843FF4B-3F5C-48A3-8BB1-124264C9C8AE}" type="slidenum">
-              <a:rPr lang="en-US" smtClean="0"/>
-              <a:t>34</a:t>
-            </a:fld>
-            <a:endParaRPr lang="en-US"/>
-          </a:p>
-        </p:txBody>
-      </p:sp>
-    </p:spTree>
-    <p:extLst>
-      <p:ext uri="{BB962C8B-B14F-4D97-AF65-F5344CB8AC3E}">
-        <p14:creationId xmlns:p14="http://schemas.microsoft.com/office/powerpoint/2010/main" val="4027687097"/>
       </p:ext>
     </p:extLst>
   </p:cSld>
@@ -5209,6 +5201,99 @@
           <a:bodyPr/>
           <a:lstStyle/>
           <a:p>
+            <a:r>
+              <a:rPr lang="en-US" dirty="0"/>
+              <a:t>EXPOSE makes ports available for exporting from container to host</a:t>
+            </a:r>
+          </a:p>
+          <a:p>
+            <a:r>
+              <a:rPr lang="en-US" dirty="0"/>
+              <a:t>ENTRYPOINT Specify default executable</a:t>
+            </a:r>
+          </a:p>
+        </p:txBody>
+      </p:sp>
+      <p:sp>
+        <p:nvSpPr>
+          <p:cNvPr id="4" name="Slide Number Placeholder 3"/>
+          <p:cNvSpPr>
+            <a:spLocks noGrp="1"/>
+          </p:cNvSpPr>
+          <p:nvPr>
+            <p:ph type="sldNum" sz="quarter" idx="5"/>
+          </p:nvPr>
+        </p:nvSpPr>
+        <p:spPr/>
+        <p:txBody>
+          <a:bodyPr/>
+          <a:lstStyle/>
+          <a:p>
+            <a:fld id="{6843FF4B-3F5C-48A3-8BB1-124264C9C8AE}" type="slidenum">
+              <a:rPr lang="en-US" smtClean="0"/>
+              <a:t>35</a:t>
+            </a:fld>
+            <a:endParaRPr lang="en-US"/>
+          </a:p>
+        </p:txBody>
+      </p:sp>
+    </p:spTree>
+    <p:extLst>
+      <p:ext uri="{BB962C8B-B14F-4D97-AF65-F5344CB8AC3E}">
+        <p14:creationId xmlns:p14="http://schemas.microsoft.com/office/powerpoint/2010/main" val="4027687097"/>
+      </p:ext>
+    </p:extLst>
+  </p:cSld>
+  <p:clrMapOvr>
+    <a:masterClrMapping/>
+  </p:clrMapOvr>
+</p:notes>
+</file>
+
+<file path=ppt/notesSlides/notesSlide21.xml><?xml version="1.0" encoding="utf-8"?>
+<p:notes xmlns:a="http://schemas.openxmlformats.org/drawingml/2006/main" xmlns:r="http://schemas.openxmlformats.org/officeDocument/2006/relationships" xmlns:p="http://schemas.openxmlformats.org/presentationml/2006/main">
+  <p:cSld>
+    <p:spTree>
+      <p:nvGrpSpPr>
+        <p:cNvPr id="1" name=""/>
+        <p:cNvGrpSpPr/>
+        <p:nvPr/>
+      </p:nvGrpSpPr>
+      <p:grpSpPr>
+        <a:xfrm>
+          <a:off x="0" y="0"/>
+          <a:ext cx="0" cy="0"/>
+          <a:chOff x="0" y="0"/>
+          <a:chExt cx="0" cy="0"/>
+        </a:xfrm>
+      </p:grpSpPr>
+      <p:sp>
+        <p:nvSpPr>
+          <p:cNvPr id="2" name="Slide Image Placeholder 1"/>
+          <p:cNvSpPr>
+            <a:spLocks noGrp="1" noRot="1" noChangeAspect="1"/>
+          </p:cNvSpPr>
+          <p:nvPr>
+            <p:ph type="sldImg"/>
+          </p:nvPr>
+        </p:nvSpPr>
+        <p:spPr/>
+      </p:sp>
+      <p:sp>
+        <p:nvSpPr>
+          <p:cNvPr id="3" name="Notes Placeholder 2"/>
+          <p:cNvSpPr>
+            <a:spLocks noGrp="1"/>
+          </p:cNvSpPr>
+          <p:nvPr>
+            <p:ph type="body" idx="1"/>
+          </p:nvPr>
+        </p:nvSpPr>
+        <p:spPr/>
+        <p:txBody>
+          <a:bodyPr/>
+          <a:lstStyle/>
+          <a:p>
             <a:pPr marL="171450" indent="-171450">
               <a:buFont typeface="Arial" panose="020B0604020202020204" pitchFamily="34" charset="0"/>
               <a:buChar char="•"/>
@@ -5273,7 +5358,7 @@
           <a:p>
             <a:fld id="{6843FF4B-3F5C-48A3-8BB1-124264C9C8AE}" type="slidenum">
               <a:rPr lang="en-US" smtClean="0"/>
-              <a:t>35</a:t>
+              <a:t>36</a:t>
             </a:fld>
             <a:endParaRPr lang="en-US"/>
           </a:p>
@@ -5292,7 +5377,7 @@
 </p:notes>
 </file>
 
-<file path=ppt/notesSlides/notesSlide21.xml><?xml version="1.0" encoding="utf-8"?>
+<file path=ppt/notesSlides/notesSlide22.xml><?xml version="1.0" encoding="utf-8"?>
 <p:notes xmlns:a="http://schemas.openxmlformats.org/drawingml/2006/main" xmlns:r="http://schemas.openxmlformats.org/officeDocument/2006/relationships" xmlns:p="http://schemas.openxmlformats.org/presentationml/2006/main">
   <p:cSld>
     <p:spTree>
@@ -5366,7 +5451,7 @@
           <a:p>
             <a:fld id="{6843FF4B-3F5C-48A3-8BB1-124264C9C8AE}" type="slidenum">
               <a:rPr lang="en-US" smtClean="0"/>
-              <a:t>38</a:t>
+              <a:t>39</a:t>
             </a:fld>
             <a:endParaRPr lang="en-US"/>
           </a:p>
@@ -5385,7 +5470,7 @@
 </p:notes>
 </file>
 
-<file path=ppt/notesSlides/notesSlide22.xml><?xml version="1.0" encoding="utf-8"?>
+<file path=ppt/notesSlides/notesSlide23.xml><?xml version="1.0" encoding="utf-8"?>
 <p:notes xmlns:a="http://schemas.openxmlformats.org/drawingml/2006/main" xmlns:r="http://schemas.openxmlformats.org/officeDocument/2006/relationships" xmlns:p="http://schemas.openxmlformats.org/presentationml/2006/main">
   <p:cSld>
     <p:spTree>
@@ -5479,7 +5564,7 @@
           <a:p>
             <a:fld id="{6843FF4B-3F5C-48A3-8BB1-124264C9C8AE}" type="slidenum">
               <a:rPr lang="en-US" smtClean="0"/>
-              <a:t>40</a:t>
+              <a:t>41</a:t>
             </a:fld>
             <a:endParaRPr lang="en-US"/>
           </a:p>
@@ -5498,7 +5583,7 @@
 </p:notes>
 </file>
 
-<file path=ppt/notesSlides/notesSlide23.xml><?xml version="1.0" encoding="utf-8"?>
+<file path=ppt/notesSlides/notesSlide24.xml><?xml version="1.0" encoding="utf-8"?>
 <p:notes xmlns:a="http://schemas.openxmlformats.org/drawingml/2006/main" xmlns:r="http://schemas.openxmlformats.org/officeDocument/2006/relationships" xmlns:p="http://schemas.openxmlformats.org/presentationml/2006/main">
   <p:cSld>
     <p:spTree>
@@ -5580,7 +5665,7 @@
           <a:p>
             <a:fld id="{6843FF4B-3F5C-48A3-8BB1-124264C9C8AE}" type="slidenum">
               <a:rPr lang="en-US" smtClean="0"/>
-              <a:t>41</a:t>
+              <a:t>42</a:t>
             </a:fld>
             <a:endParaRPr lang="en-US"/>
           </a:p>
@@ -5599,7 +5684,7 @@
 </p:notes>
 </file>
 
-<file path=ppt/notesSlides/notesSlide24.xml><?xml version="1.0" encoding="utf-8"?>
+<file path=ppt/notesSlides/notesSlide25.xml><?xml version="1.0" encoding="utf-8"?>
 <p:notes xmlns:a="http://schemas.openxmlformats.org/drawingml/2006/main" xmlns:r="http://schemas.openxmlformats.org/officeDocument/2006/relationships" xmlns:p="http://schemas.openxmlformats.org/presentationml/2006/main">
   <p:cSld>
     <p:spTree>
@@ -5685,7 +5770,7 @@
           <a:p>
             <a:fld id="{6843FF4B-3F5C-48A3-8BB1-124264C9C8AE}" type="slidenum">
               <a:rPr lang="en-US" smtClean="0"/>
-              <a:t>43</a:t>
+              <a:t>44</a:t>
             </a:fld>
             <a:endParaRPr lang="en-US"/>
           </a:p>
@@ -5704,7 +5789,7 @@
 </p:notes>
 </file>
 
-<file path=ppt/notesSlides/notesSlide25.xml><?xml version="1.0" encoding="utf-8"?>
+<file path=ppt/notesSlides/notesSlide26.xml><?xml version="1.0" encoding="utf-8"?>
 <p:notes xmlns:a="http://schemas.openxmlformats.org/drawingml/2006/main" xmlns:r="http://schemas.openxmlformats.org/officeDocument/2006/relationships" xmlns:p="http://schemas.openxmlformats.org/presentationml/2006/main">
   <p:cSld>
     <p:spTree>
@@ -5794,7 +5879,7 @@
           <a:p>
             <a:fld id="{6843FF4B-3F5C-48A3-8BB1-124264C9C8AE}" type="slidenum">
               <a:rPr lang="en-US" smtClean="0"/>
-              <a:t>46</a:t>
+              <a:t>47</a:t>
             </a:fld>
             <a:endParaRPr lang="en-US"/>
           </a:p>
@@ -5813,7 +5898,7 @@
 </p:notes>
 </file>
 
-<file path=ppt/notesSlides/notesSlide26.xml><?xml version="1.0" encoding="utf-8"?>
+<file path=ppt/notesSlides/notesSlide27.xml><?xml version="1.0" encoding="utf-8"?>
 <p:notes xmlns:a="http://schemas.openxmlformats.org/drawingml/2006/main" xmlns:r="http://schemas.openxmlformats.org/officeDocument/2006/relationships" xmlns:p="http://schemas.openxmlformats.org/presentationml/2006/main">
   <p:cSld>
     <p:spTree>
@@ -5889,7 +5974,7 @@
           <a:p>
             <a:fld id="{6843FF4B-3F5C-48A3-8BB1-124264C9C8AE}" type="slidenum">
               <a:rPr lang="en-US" smtClean="0"/>
-              <a:t>48</a:t>
+              <a:t>49</a:t>
             </a:fld>
             <a:endParaRPr lang="en-US"/>
           </a:p>
@@ -5908,7 +5993,7 @@
 </p:notes>
 </file>
 
-<file path=ppt/notesSlides/notesSlide27.xml><?xml version="1.0" encoding="utf-8"?>
+<file path=ppt/notesSlides/notesSlide28.xml><?xml version="1.0" encoding="utf-8"?>
 <p:notes xmlns:a="http://schemas.openxmlformats.org/drawingml/2006/main" xmlns:r="http://schemas.openxmlformats.org/officeDocument/2006/relationships" xmlns:p="http://schemas.openxmlformats.org/presentationml/2006/main">
   <p:cSld>
     <p:spTree>
@@ -5994,7 +6079,7 @@
           <a:p>
             <a:fld id="{6843FF4B-3F5C-48A3-8BB1-124264C9C8AE}" type="slidenum">
               <a:rPr lang="en-US" smtClean="0"/>
-              <a:t>49</a:t>
+              <a:t>50</a:t>
             </a:fld>
             <a:endParaRPr lang="en-US"/>
           </a:p>
@@ -6013,7 +6098,7 @@
 </p:notes>
 </file>
 
-<file path=ppt/notesSlides/notesSlide28.xml><?xml version="1.0" encoding="utf-8"?>
+<file path=ppt/notesSlides/notesSlide29.xml><?xml version="1.0" encoding="utf-8"?>
 <p:notes xmlns:a="http://schemas.openxmlformats.org/drawingml/2006/main" xmlns:r="http://schemas.openxmlformats.org/officeDocument/2006/relationships" xmlns:p="http://schemas.openxmlformats.org/presentationml/2006/main">
   <p:cSld>
     <p:spTree>
@@ -6081,7 +6166,7 @@
           <a:p>
             <a:fld id="{6843FF4B-3F5C-48A3-8BB1-124264C9C8AE}" type="slidenum">
               <a:rPr lang="en-US" smtClean="0"/>
-              <a:t>50</a:t>
+              <a:t>51</a:t>
             </a:fld>
             <a:endParaRPr lang="en-US"/>
           </a:p>
@@ -23746,8 +23831,8 @@
         </p:nvSpPr>
         <p:spPr bwMode="auto">
           <a:xfrm>
-            <a:off x="0" y="0"/>
-            <a:ext cx="9989466" cy="923330"/>
+            <a:off x="-1" y="307776"/>
+            <a:ext cx="11922369" cy="307777"/>
           </a:xfrm>
           <a:prstGeom prst="rect">
             <a:avLst/>
@@ -23787,7 +23872,7 @@
           </a:extLst>
         </p:spPr>
         <p:txBody>
-          <a:bodyPr vert="horz" wrap="none" lIns="0" tIns="0" rIns="0" bIns="0" numCol="1" anchor="ctr" anchorCtr="0" compatLnSpc="1">
+          <a:bodyPr vert="horz" wrap="square" lIns="0" tIns="0" rIns="0" bIns="0" numCol="1" anchor="ctr" anchorCtr="0" compatLnSpc="1">
             <a:prstTxWarp prst="textNoShape">
               <a:avLst/>
             </a:prstTxWarp>
@@ -23822,159 +23907,7 @@
                 <a:effectLst/>
                 <a:latin typeface="var(--ff-mono)"/>
               </a:rPr>
-              <a:t>ERROR: failed to solve: failed to read </a:t>
-            </a:r>
-            <a:r>
-              <a:rPr kumimoji="0" lang="en-US" altLang="en-US" sz="2000" b="1" i="0" u="none" strike="noStrike" cap="none" normalizeH="0" baseline="0" dirty="0" err="1">
-                <a:ln>
-                  <a:noFill/>
-                </a:ln>
-                <a:solidFill>
-                  <a:srgbClr val="0C0D0E"/>
-                </a:solidFill>
-                <a:effectLst/>
-                <a:latin typeface="var(--ff-mono)"/>
-              </a:rPr>
-              <a:t>dockerfile</a:t>
-            </a:r>
-            <a:r>
-              <a:rPr kumimoji="0" lang="en-US" altLang="en-US" sz="2000" b="1" i="0" u="none" strike="noStrike" cap="none" normalizeH="0" baseline="0" dirty="0">
-                <a:ln>
-                  <a:noFill/>
-                </a:ln>
-                <a:solidFill>
-                  <a:srgbClr val="0C0D0E"/>
-                </a:solidFill>
-                <a:effectLst/>
-                <a:latin typeface="var(--ff-mono)"/>
-              </a:rPr>
-              <a:t>: </a:t>
-            </a:r>
-          </a:p>
-          <a:p>
-            <a:pPr marL="0" marR="0" lvl="0" indent="0" algn="l" defTabSz="914400" rtl="0" eaLnBrk="0" fontAlgn="base" latinLnBrk="0" hangingPunct="0">
-              <a:lnSpc>
-                <a:spcPct val="100000"/>
-              </a:lnSpc>
-              <a:spcBef>
-                <a:spcPct val="0"/>
-              </a:spcBef>
-              <a:spcAft>
-                <a:spcPct val="0"/>
-              </a:spcAft>
-              <a:buClrTx/>
-              <a:buSzTx/>
-              <a:buFontTx/>
-              <a:buNone/>
-              <a:tabLst/>
-            </a:pPr>
-            <a:r>
-              <a:rPr kumimoji="0" lang="en-US" altLang="en-US" sz="2000" b="1" i="0" u="none" strike="noStrike" cap="none" normalizeH="0" baseline="0" dirty="0">
-                <a:ln>
-                  <a:noFill/>
-                </a:ln>
-                <a:solidFill>
-                  <a:srgbClr val="0C0D0E"/>
-                </a:solidFill>
-                <a:effectLst/>
-                <a:latin typeface="var(--ff-mono)"/>
-              </a:rPr>
-              <a:t>open /var/snap/docker/common/var-lib-docker/</a:t>
-            </a:r>
-            <a:r>
-              <a:rPr kumimoji="0" lang="en-US" altLang="en-US" sz="2000" b="1" i="0" u="none" strike="noStrike" cap="none" normalizeH="0" baseline="0" dirty="0" err="1">
-                <a:ln>
-                  <a:noFill/>
-                </a:ln>
-                <a:solidFill>
-                  <a:srgbClr val="0C0D0E"/>
-                </a:solidFill>
-                <a:effectLst/>
-                <a:latin typeface="var(--ff-mono)"/>
-              </a:rPr>
-              <a:t>tmp</a:t>
-            </a:r>
-            <a:r>
-              <a:rPr kumimoji="0" lang="en-US" altLang="en-US" sz="2000" b="1" i="0" u="none" strike="noStrike" cap="none" normalizeH="0" baseline="0" dirty="0">
-                <a:ln>
-                  <a:noFill/>
-                </a:ln>
-                <a:solidFill>
-                  <a:srgbClr val="0C0D0E"/>
-                </a:solidFill>
-                <a:effectLst/>
-                <a:latin typeface="var(--ff-mono)"/>
-              </a:rPr>
-              <a:t>/buildkit-mount3184267428/</a:t>
-            </a:r>
-            <a:r>
-              <a:rPr kumimoji="0" lang="en-US" altLang="en-US" sz="2000" b="1" i="0" u="none" strike="noStrike" cap="none" normalizeH="0" baseline="0" dirty="0" err="1">
-                <a:ln>
-                  <a:noFill/>
-                </a:ln>
-                <a:solidFill>
-                  <a:srgbClr val="0C0D0E"/>
-                </a:solidFill>
-                <a:effectLst/>
-                <a:latin typeface="var(--ff-mono)"/>
-              </a:rPr>
-              <a:t>Dockerfile</a:t>
-            </a:r>
-            <a:r>
-              <a:rPr kumimoji="0" lang="en-US" altLang="en-US" sz="2000" b="1" i="0" u="none" strike="noStrike" cap="none" normalizeH="0" baseline="0" dirty="0">
-                <a:ln>
-                  <a:noFill/>
-                </a:ln>
-                <a:solidFill>
-                  <a:srgbClr val="0C0D0E"/>
-                </a:solidFill>
-                <a:effectLst/>
-                <a:latin typeface="var(--ff-mono)"/>
-              </a:rPr>
-              <a:t>: </a:t>
-            </a:r>
-          </a:p>
-          <a:p>
-            <a:pPr marL="0" marR="0" lvl="0" indent="0" algn="l" defTabSz="914400" rtl="0" eaLnBrk="0" fontAlgn="base" latinLnBrk="0" hangingPunct="0">
-              <a:lnSpc>
-                <a:spcPct val="100000"/>
-              </a:lnSpc>
-              <a:spcBef>
-                <a:spcPct val="0"/>
-              </a:spcBef>
-              <a:spcAft>
-                <a:spcPct val="0"/>
-              </a:spcAft>
-              <a:buClrTx/>
-              <a:buSzTx/>
-              <a:buFontTx/>
-              <a:buNone/>
-              <a:tabLst/>
-            </a:pPr>
-            <a:r>
-              <a:rPr kumimoji="0" lang="en-US" altLang="en-US" sz="2000" b="1" i="0" u="none" strike="noStrike" cap="none" normalizeH="0" baseline="0" dirty="0">
-                <a:ln>
-                  <a:noFill/>
-                </a:ln>
-                <a:solidFill>
-                  <a:srgbClr val="0C0D0E"/>
-                </a:solidFill>
-                <a:effectLst/>
-                <a:latin typeface="var(--ff-mono)"/>
-              </a:rPr>
-              <a:t>no such file or directory</a:t>
-            </a:r>
-            <a:r>
-              <a:rPr kumimoji="0" lang="en-US" altLang="en-US" sz="1600" b="1" i="0" u="none" strike="noStrike" cap="none" normalizeH="0" baseline="0" dirty="0">
-                <a:ln>
-                  <a:noFill/>
-                </a:ln>
-                <a:solidFill>
-                  <a:schemeClr val="tx1"/>
-                </a:solidFill>
-                <a:effectLst/>
-              </a:rPr>
-              <a:t> </a:t>
+              <a:t>First Method: Not recommended by Docker folks, but I do it sometimes since it is easy</a:t>
             </a:r>
             <a:endParaRPr kumimoji="0" lang="en-US" altLang="en-US" sz="4400" b="1" i="0" u="none" strike="noStrike" cap="none" normalizeH="0" baseline="0" dirty="0">
               <a:ln>
@@ -24194,7 +24127,7 @@
           <a:p>
             <a:r>
               <a:rPr lang="en-US" dirty="0"/>
-              <a:t>Official guide to install Docker</a:t>
+              <a:t>Alternative: Official guide to install Docker</a:t>
             </a:r>
           </a:p>
         </p:txBody>
@@ -24226,7 +24159,7 @@
             </a:r>
             <a:r>
               <a:rPr lang="en-US" dirty="0">
-                <a:hlinkClick r:id="rId2"/>
+                <a:hlinkClick r:id="rId3"/>
               </a:rPr>
               <a:t>https://docs.docker.com/engine/install/ubuntu/</a:t>
             </a:r>
@@ -24244,11 +24177,17 @@
               <a:t>Docker community says to follow their guide, don’t follow the Ubuntu recommendation</a:t>
             </a:r>
           </a:p>
+          <a:p>
+            <a:r>
+              <a:rPr lang="en-US" dirty="0"/>
+              <a:t>Add their repo, install packages from their repo</a:t>
+            </a:r>
+          </a:p>
         </p:txBody>
       </p:sp>
       <mc:AlternateContent xmlns:mc="http://schemas.openxmlformats.org/markup-compatibility/2006">
         <mc:Choice xmlns:p14="http://schemas.microsoft.com/office/powerpoint/2010/main" Requires="p14">
-          <p:contentPart p14:bwMode="auto" r:id="rId3">
+          <p:contentPart p14:bwMode="auto" r:id="rId4">
             <p14:nvContentPartPr>
               <p14:cNvPr id="5" name="Ink 4">
                 <a:extLst>
@@ -24280,7 +24219,7 @@
               <p:nvPr/>
             </p:nvPicPr>
             <p:blipFill>
-              <a:blip r:embed="rId4"/>
+              <a:blip r:embed="rId5"/>
               <a:stretch>
                 <a:fillRect/>
               </a:stretch>
@@ -24332,7 +24271,7 @@
           <p:cNvPr id="2" name="Title 1">
             <a:extLst>
               <a:ext uri="{FF2B5EF4-FFF2-40B4-BE49-F238E27FC236}">
-                <a16:creationId xmlns:a16="http://schemas.microsoft.com/office/drawing/2014/main" id="{6AFC59F4-5DAC-830D-6E54-FFF6D4D1B59A}"/>
+                <a16:creationId xmlns:a16="http://schemas.microsoft.com/office/drawing/2014/main" id="{8D879396-01A0-F06B-DE9E-AD8CD2CA7671}"/>
               </a:ext>
             </a:extLst>
           </p:cNvPr>
@@ -24348,10 +24287,7 @@
           <a:bodyPr/>
           <a:lstStyle/>
           <a:p>
-            <a:r>
-              <a:rPr lang="en-US" dirty="0"/>
-              <a:t>So, what are containers? 1/2</a:t>
-            </a:r>
+            <a:endParaRPr lang="en-US" dirty="0"/>
           </a:p>
         </p:txBody>
       </p:sp>
@@ -24360,7 +24296,7 @@
           <p:cNvPr id="3" name="Content Placeholder 2">
             <a:extLst>
               <a:ext uri="{FF2B5EF4-FFF2-40B4-BE49-F238E27FC236}">
-                <a16:creationId xmlns:a16="http://schemas.microsoft.com/office/drawing/2014/main" id="{63B44477-FB84-2AE8-6E10-5366E1CDEEFA}"/>
+                <a16:creationId xmlns:a16="http://schemas.microsoft.com/office/drawing/2014/main" id="{3FE9F013-1CB9-E0F1-2EAE-90AA6F159097}"/>
               </a:ext>
             </a:extLst>
           </p:cNvPr>
@@ -24371,175 +24307,22 @@
             <p:ph idx="1"/>
           </p:nvPr>
         </p:nvSpPr>
-        <p:spPr>
-          <a:xfrm>
-            <a:off x="565150" y="2160016"/>
-            <a:ext cx="9604762" cy="3927094"/>
-          </a:xfrm>
-        </p:spPr>
+        <p:spPr/>
         <p:txBody>
           <a:bodyPr/>
           <a:lstStyle/>
           <a:p>
             <a:r>
               <a:rPr lang="en-US" dirty="0"/>
-              <a:t>Docker defines it as, “</a:t>
+              <a:t>What are containers?</a:t>
             </a:r>
-            <a:r>
-              <a:rPr lang="en-US" b="0" i="0" dirty="0">
-                <a:solidFill>
-                  <a:srgbClr val="4D5156"/>
-                </a:solidFill>
-                <a:effectLst/>
-                <a:latin typeface="Roboto" panose="02000000000000000000" pitchFamily="2" charset="0"/>
-              </a:rPr>
-              <a:t>A </a:t>
-            </a:r>
-            <a:r>
-              <a:rPr lang="en-US" b="1" i="0" dirty="0">
-                <a:solidFill>
-                  <a:srgbClr val="5F6368"/>
-                </a:solidFill>
-                <a:effectLst/>
-                <a:latin typeface="Roboto" panose="02000000000000000000" pitchFamily="2" charset="0"/>
-              </a:rPr>
-              <a:t>container</a:t>
-            </a:r>
-            <a:r>
-              <a:rPr lang="en-US" b="0" i="0" dirty="0">
-                <a:solidFill>
-                  <a:srgbClr val="4D5156"/>
-                </a:solidFill>
-                <a:effectLst/>
-                <a:latin typeface="Roboto" panose="02000000000000000000" pitchFamily="2" charset="0"/>
-              </a:rPr>
-              <a:t> is </a:t>
-            </a:r>
-            <a:r>
-              <a:rPr lang="en-US" b="1" i="0" dirty="0">
-                <a:solidFill>
-                  <a:srgbClr val="5F6368"/>
-                </a:solidFill>
-                <a:effectLst/>
-                <a:latin typeface="Roboto" panose="02000000000000000000" pitchFamily="2" charset="0"/>
-              </a:rPr>
-              <a:t>a standard unit of software that packages up code and all its dependencies</a:t>
-            </a:r>
-            <a:r>
-              <a:rPr lang="en-US" b="0" i="0" dirty="0">
-                <a:solidFill>
-                  <a:srgbClr val="4D5156"/>
-                </a:solidFill>
-                <a:effectLst/>
-                <a:latin typeface="Roboto" panose="02000000000000000000" pitchFamily="2" charset="0"/>
-              </a:rPr>
-              <a:t> so the application runs quickly and reliably from one </a:t>
-            </a:r>
-            <a:r>
-              <a:rPr lang="en-US" b="1" i="0" dirty="0">
-                <a:solidFill>
-                  <a:srgbClr val="5F6368"/>
-                </a:solidFill>
-                <a:effectLst/>
-                <a:latin typeface="Roboto" panose="02000000000000000000" pitchFamily="2" charset="0"/>
-              </a:rPr>
-              <a:t>computing</a:t>
-            </a:r>
-            <a:r>
-              <a:rPr lang="en-US" b="0" i="0" dirty="0">
-                <a:solidFill>
-                  <a:srgbClr val="4D5156"/>
-                </a:solidFill>
-                <a:effectLst/>
-                <a:latin typeface="Roboto" panose="02000000000000000000" pitchFamily="2" charset="0"/>
-              </a:rPr>
-              <a:t> ...”</a:t>
-            </a:r>
-          </a:p>
-          <a:p>
-            <a:r>
-              <a:rPr lang="en-US" dirty="0">
-                <a:solidFill>
-                  <a:srgbClr val="4D5156"/>
-                </a:solidFill>
-                <a:latin typeface="Roboto" panose="02000000000000000000" pitchFamily="2" charset="0"/>
-              </a:rPr>
-              <a:t>OS/App virtualization utilizing network resources </a:t>
-            </a:r>
-          </a:p>
-          <a:p>
-            <a:r>
-              <a:rPr lang="en-US" dirty="0">
-                <a:solidFill>
-                  <a:srgbClr val="4D5156"/>
-                </a:solidFill>
-                <a:latin typeface="Roboto" panose="02000000000000000000" pitchFamily="2" charset="0"/>
-              </a:rPr>
-              <a:t>Runs in an isolated (sandboxed) user space environment (e.g., leaves host environment undistributed during/after execution)</a:t>
-            </a:r>
-          </a:p>
-          <a:p>
-            <a:r>
-              <a:rPr lang="en-US" dirty="0">
-                <a:solidFill>
-                  <a:srgbClr val="4D5156"/>
-                </a:solidFill>
-                <a:latin typeface="Roboto" panose="02000000000000000000" pitchFamily="2" charset="0"/>
-              </a:rPr>
-              <a:t>Containers share common OS</a:t>
-            </a:r>
-          </a:p>
-          <a:p>
-            <a:r>
-              <a:rPr lang="en-US" i="1" dirty="0">
-                <a:solidFill>
-                  <a:srgbClr val="4D5156"/>
-                </a:solidFill>
-                <a:latin typeface="Roboto" panose="02000000000000000000" pitchFamily="2" charset="0"/>
-              </a:rPr>
-              <a:t>Lighter </a:t>
-            </a:r>
-            <a:r>
-              <a:rPr lang="en-US" dirty="0">
-                <a:solidFill>
-                  <a:srgbClr val="4D5156"/>
-                </a:solidFill>
-                <a:latin typeface="Roboto" panose="02000000000000000000" pitchFamily="2" charset="0"/>
-              </a:rPr>
-              <a:t>than virtual machines (e.g., use fewer resources than VMs), we can run multiple containers on one server/VM</a:t>
-            </a:r>
-            <a:endParaRPr lang="en-US" i="1" dirty="0">
-              <a:solidFill>
-                <a:srgbClr val="4D5156"/>
-              </a:solidFill>
-              <a:latin typeface="Roboto" panose="02000000000000000000" pitchFamily="2" charset="0"/>
-            </a:endParaRPr>
-          </a:p>
-          <a:p>
-            <a:endParaRPr lang="en-US" dirty="0">
-              <a:solidFill>
-                <a:srgbClr val="4D5156"/>
-              </a:solidFill>
-              <a:latin typeface="Roboto" panose="02000000000000000000" pitchFamily="2" charset="0"/>
-            </a:endParaRPr>
-          </a:p>
-          <a:p>
-            <a:endParaRPr lang="en-US" dirty="0">
-              <a:solidFill>
-                <a:srgbClr val="4D5156"/>
-              </a:solidFill>
-              <a:latin typeface="Roboto" panose="02000000000000000000" pitchFamily="2" charset="0"/>
-            </a:endParaRPr>
-          </a:p>
-          <a:p>
-            <a:endParaRPr lang="en-US" dirty="0"/>
           </a:p>
         </p:txBody>
       </p:sp>
     </p:spTree>
     <p:extLst>
       <p:ext uri="{BB962C8B-B14F-4D97-AF65-F5344CB8AC3E}">
-        <p14:creationId xmlns:p14="http://schemas.microsoft.com/office/powerpoint/2010/main" val="2010499222"/>
+        <p14:creationId xmlns:p14="http://schemas.microsoft.com/office/powerpoint/2010/main" val="2624209171"/>
       </p:ext>
     </p:extLst>
   </p:cSld>
@@ -24984,6 +24767,245 @@
           <a:p>
             <a:r>
               <a:rPr lang="en-US" dirty="0"/>
+              <a:t>So, what are containers? 1/2</a:t>
+            </a:r>
+          </a:p>
+        </p:txBody>
+      </p:sp>
+      <p:sp>
+        <p:nvSpPr>
+          <p:cNvPr id="3" name="Content Placeholder 2">
+            <a:extLst>
+              <a:ext uri="{FF2B5EF4-FFF2-40B4-BE49-F238E27FC236}">
+                <a16:creationId xmlns:a16="http://schemas.microsoft.com/office/drawing/2014/main" id="{63B44477-FB84-2AE8-6E10-5366E1CDEEFA}"/>
+              </a:ext>
+            </a:extLst>
+          </p:cNvPr>
+          <p:cNvSpPr>
+            <a:spLocks noGrp="1"/>
+          </p:cNvSpPr>
+          <p:nvPr>
+            <p:ph idx="1"/>
+          </p:nvPr>
+        </p:nvSpPr>
+        <p:spPr>
+          <a:xfrm>
+            <a:off x="565150" y="2160016"/>
+            <a:ext cx="9604762" cy="3927094"/>
+          </a:xfrm>
+        </p:spPr>
+        <p:txBody>
+          <a:bodyPr/>
+          <a:lstStyle/>
+          <a:p>
+            <a:r>
+              <a:rPr lang="en-US" dirty="0"/>
+              <a:t>Docker defines it as, “</a:t>
+            </a:r>
+            <a:r>
+              <a:rPr lang="en-US" b="0" i="0" dirty="0">
+                <a:solidFill>
+                  <a:srgbClr val="4D5156"/>
+                </a:solidFill>
+                <a:effectLst/>
+                <a:latin typeface="Roboto" panose="02000000000000000000" pitchFamily="2" charset="0"/>
+              </a:rPr>
+              <a:t>A </a:t>
+            </a:r>
+            <a:r>
+              <a:rPr lang="en-US" b="1" i="0" dirty="0">
+                <a:solidFill>
+                  <a:srgbClr val="5F6368"/>
+                </a:solidFill>
+                <a:effectLst/>
+                <a:latin typeface="Roboto" panose="02000000000000000000" pitchFamily="2" charset="0"/>
+              </a:rPr>
+              <a:t>container</a:t>
+            </a:r>
+            <a:r>
+              <a:rPr lang="en-US" b="0" i="0" dirty="0">
+                <a:solidFill>
+                  <a:srgbClr val="4D5156"/>
+                </a:solidFill>
+                <a:effectLst/>
+                <a:latin typeface="Roboto" panose="02000000000000000000" pitchFamily="2" charset="0"/>
+              </a:rPr>
+              <a:t> is </a:t>
+            </a:r>
+            <a:r>
+              <a:rPr lang="en-US" b="1" i="0" dirty="0">
+                <a:solidFill>
+                  <a:srgbClr val="5F6368"/>
+                </a:solidFill>
+                <a:effectLst/>
+                <a:latin typeface="Roboto" panose="02000000000000000000" pitchFamily="2" charset="0"/>
+              </a:rPr>
+              <a:t>a standard unit of software that packages up code and all its dependencies</a:t>
+            </a:r>
+            <a:r>
+              <a:rPr lang="en-US" b="0" i="0" dirty="0">
+                <a:solidFill>
+                  <a:srgbClr val="4D5156"/>
+                </a:solidFill>
+                <a:effectLst/>
+                <a:latin typeface="Roboto" panose="02000000000000000000" pitchFamily="2" charset="0"/>
+              </a:rPr>
+              <a:t> so the application runs quickly and reliably from one </a:t>
+            </a:r>
+            <a:r>
+              <a:rPr lang="en-US" b="1" i="0" dirty="0">
+                <a:solidFill>
+                  <a:srgbClr val="5F6368"/>
+                </a:solidFill>
+                <a:effectLst/>
+                <a:latin typeface="Roboto" panose="02000000000000000000" pitchFamily="2" charset="0"/>
+              </a:rPr>
+              <a:t>computing</a:t>
+            </a:r>
+            <a:r>
+              <a:rPr lang="en-US" b="0" i="0" dirty="0">
+                <a:solidFill>
+                  <a:srgbClr val="4D5156"/>
+                </a:solidFill>
+                <a:effectLst/>
+                <a:latin typeface="Roboto" panose="02000000000000000000" pitchFamily="2" charset="0"/>
+              </a:rPr>
+              <a:t> ...”</a:t>
+            </a:r>
+          </a:p>
+          <a:p>
+            <a:r>
+              <a:rPr lang="en-US" dirty="0">
+                <a:solidFill>
+                  <a:srgbClr val="4D5156"/>
+                </a:solidFill>
+                <a:latin typeface="Roboto" panose="02000000000000000000" pitchFamily="2" charset="0"/>
+              </a:rPr>
+              <a:t>OS/App virtualization utilizing network resources </a:t>
+            </a:r>
+          </a:p>
+          <a:p>
+            <a:r>
+              <a:rPr lang="en-US" dirty="0">
+                <a:solidFill>
+                  <a:srgbClr val="4D5156"/>
+                </a:solidFill>
+                <a:latin typeface="Roboto" panose="02000000000000000000" pitchFamily="2" charset="0"/>
+              </a:rPr>
+              <a:t>Runs in an isolated (sandboxed) user space environment (e.g., leaves host environment undistributed during/after execution)</a:t>
+            </a:r>
+          </a:p>
+          <a:p>
+            <a:r>
+              <a:rPr lang="en-US" dirty="0">
+                <a:solidFill>
+                  <a:srgbClr val="4D5156"/>
+                </a:solidFill>
+                <a:latin typeface="Roboto" panose="02000000000000000000" pitchFamily="2" charset="0"/>
+              </a:rPr>
+              <a:t>Containers share common OS</a:t>
+            </a:r>
+          </a:p>
+          <a:p>
+            <a:r>
+              <a:rPr lang="en-US" i="1" dirty="0">
+                <a:solidFill>
+                  <a:srgbClr val="4D5156"/>
+                </a:solidFill>
+                <a:latin typeface="Roboto" panose="02000000000000000000" pitchFamily="2" charset="0"/>
+              </a:rPr>
+              <a:t>Lighter </a:t>
+            </a:r>
+            <a:r>
+              <a:rPr lang="en-US" dirty="0">
+                <a:solidFill>
+                  <a:srgbClr val="4D5156"/>
+                </a:solidFill>
+                <a:latin typeface="Roboto" panose="02000000000000000000" pitchFamily="2" charset="0"/>
+              </a:rPr>
+              <a:t>than virtual machines (e.g., use fewer resources than VMs), we can run multiple containers on one server/VM</a:t>
+            </a:r>
+            <a:endParaRPr lang="en-US" i="1" dirty="0">
+              <a:solidFill>
+                <a:srgbClr val="4D5156"/>
+              </a:solidFill>
+              <a:latin typeface="Roboto" panose="02000000000000000000" pitchFamily="2" charset="0"/>
+            </a:endParaRPr>
+          </a:p>
+          <a:p>
+            <a:endParaRPr lang="en-US" dirty="0">
+              <a:solidFill>
+                <a:srgbClr val="4D5156"/>
+              </a:solidFill>
+              <a:latin typeface="Roboto" panose="02000000000000000000" pitchFamily="2" charset="0"/>
+            </a:endParaRPr>
+          </a:p>
+          <a:p>
+            <a:endParaRPr lang="en-US" dirty="0">
+              <a:solidFill>
+                <a:srgbClr val="4D5156"/>
+              </a:solidFill>
+              <a:latin typeface="Roboto" panose="02000000000000000000" pitchFamily="2" charset="0"/>
+            </a:endParaRPr>
+          </a:p>
+          <a:p>
+            <a:endParaRPr lang="en-US" dirty="0"/>
+          </a:p>
+        </p:txBody>
+      </p:sp>
+    </p:spTree>
+    <p:extLst>
+      <p:ext uri="{BB962C8B-B14F-4D97-AF65-F5344CB8AC3E}">
+        <p14:creationId xmlns:p14="http://schemas.microsoft.com/office/powerpoint/2010/main" val="2010499222"/>
+      </p:ext>
+    </p:extLst>
+  </p:cSld>
+  <p:clrMapOvr>
+    <a:masterClrMapping/>
+  </p:clrMapOvr>
+</p:sld>
+</file>
+
+<file path=ppt/slides/slide31.xml><?xml version="1.0" encoding="utf-8"?>
+<p:sld xmlns:a="http://schemas.openxmlformats.org/drawingml/2006/main" xmlns:r="http://schemas.openxmlformats.org/officeDocument/2006/relationships" xmlns:p="http://schemas.openxmlformats.org/presentationml/2006/main">
+  <p:cSld>
+    <p:spTree>
+      <p:nvGrpSpPr>
+        <p:cNvPr id="1" name=""/>
+        <p:cNvGrpSpPr/>
+        <p:nvPr/>
+      </p:nvGrpSpPr>
+      <p:grpSpPr>
+        <a:xfrm>
+          <a:off x="0" y="0"/>
+          <a:ext cx="0" cy="0"/>
+          <a:chOff x="0" y="0"/>
+          <a:chExt cx="0" cy="0"/>
+        </a:xfrm>
+      </p:grpSpPr>
+      <p:sp>
+        <p:nvSpPr>
+          <p:cNvPr id="2" name="Title 1">
+            <a:extLst>
+              <a:ext uri="{FF2B5EF4-FFF2-40B4-BE49-F238E27FC236}">
+                <a16:creationId xmlns:a16="http://schemas.microsoft.com/office/drawing/2014/main" id="{6AFC59F4-5DAC-830D-6E54-FFF6D4D1B59A}"/>
+              </a:ext>
+            </a:extLst>
+          </p:cNvPr>
+          <p:cNvSpPr>
+            <a:spLocks noGrp="1"/>
+          </p:cNvSpPr>
+          <p:nvPr>
+            <p:ph type="title"/>
+          </p:nvPr>
+        </p:nvSpPr>
+        <p:spPr/>
+        <p:txBody>
+          <a:bodyPr/>
+          <a:lstStyle/>
+          <a:p>
+            <a:r>
+              <a:rPr lang="en-US" dirty="0"/>
               <a:t>So, what are containers? 2/2</a:t>
             </a:r>
           </a:p>
@@ -25152,7 +25174,7 @@
 </p:sld>
 </file>
 
-<file path=ppt/slides/slide31.xml><?xml version="1.0" encoding="utf-8"?>
+<file path=ppt/slides/slide32.xml><?xml version="1.0" encoding="utf-8"?>
 <p:sld xmlns:a="http://schemas.openxmlformats.org/drawingml/2006/main" xmlns:r="http://schemas.openxmlformats.org/officeDocument/2006/relationships" xmlns:p="http://schemas.openxmlformats.org/presentationml/2006/main">
   <p:cSld>
     <p:spTree>
@@ -25552,7 +25574,7 @@
 </p:sld>
 </file>
 
-<file path=ppt/slides/slide32.xml><?xml version="1.0" encoding="utf-8"?>
+<file path=ppt/slides/slide33.xml><?xml version="1.0" encoding="utf-8"?>
 <p:sld xmlns:a="http://schemas.openxmlformats.org/drawingml/2006/main" xmlns:r="http://schemas.openxmlformats.org/officeDocument/2006/relationships" xmlns:p="http://schemas.openxmlformats.org/presentationml/2006/main">
   <p:cSld>
     <p:spTree>
@@ -25638,7 +25660,7 @@
 </p:sld>
 </file>
 
-<file path=ppt/slides/slide33.xml><?xml version="1.0" encoding="utf-8"?>
+<file path=ppt/slides/slide34.xml><?xml version="1.0" encoding="utf-8"?>
 <p:sld xmlns:a="http://schemas.openxmlformats.org/drawingml/2006/main" xmlns:r="http://schemas.openxmlformats.org/officeDocument/2006/relationships" xmlns:p="http://schemas.openxmlformats.org/presentationml/2006/main">
   <p:cSld>
     <p:spTree>
@@ -25914,7 +25936,7 @@
 </p:sld>
 </file>
 
-<file path=ppt/slides/slide34.xml><?xml version="1.0" encoding="utf-8"?>
+<file path=ppt/slides/slide35.xml><?xml version="1.0" encoding="utf-8"?>
 <p:sld xmlns:a="http://schemas.openxmlformats.org/drawingml/2006/main" xmlns:r="http://schemas.openxmlformats.org/officeDocument/2006/relationships" xmlns:p="http://schemas.openxmlformats.org/presentationml/2006/main">
   <p:cSld>
     <p:spTree>
@@ -26366,7 +26388,7 @@
 </p:sld>
 </file>
 
-<file path=ppt/slides/slide35.xml><?xml version="1.0" encoding="utf-8"?>
+<file path=ppt/slides/slide36.xml><?xml version="1.0" encoding="utf-8"?>
 <p:sld xmlns:a="http://schemas.openxmlformats.org/drawingml/2006/main" xmlns:r="http://schemas.openxmlformats.org/officeDocument/2006/relationships" xmlns:p="http://schemas.openxmlformats.org/presentationml/2006/main">
   <p:cSld>
     <p:spTree>
@@ -26600,7 +26622,7 @@
 </p:sld>
 </file>
 
-<file path=ppt/slides/slide36.xml><?xml version="1.0" encoding="utf-8"?>
+<file path=ppt/slides/slide37.xml><?xml version="1.0" encoding="utf-8"?>
 <p:sld xmlns:a="http://schemas.openxmlformats.org/drawingml/2006/main" xmlns:r="http://schemas.openxmlformats.org/officeDocument/2006/relationships" xmlns:p="http://schemas.openxmlformats.org/presentationml/2006/main">
   <p:cSld>
     <p:spTree>
@@ -26660,7 +26682,7 @@
 </p:sld>
 </file>
 
-<file path=ppt/slides/slide37.xml><?xml version="1.0" encoding="utf-8"?>
+<file path=ppt/slides/slide38.xml><?xml version="1.0" encoding="utf-8"?>
 <p:sld xmlns:a="http://schemas.openxmlformats.org/drawingml/2006/main" xmlns:r="http://schemas.openxmlformats.org/officeDocument/2006/relationships" xmlns:p="http://schemas.openxmlformats.org/presentationml/2006/main">
   <p:cSld>
     <p:spTree>
@@ -26844,7 +26866,7 @@
 </p:sld>
 </file>
 
-<file path=ppt/slides/slide38.xml><?xml version="1.0" encoding="utf-8"?>
+<file path=ppt/slides/slide39.xml><?xml version="1.0" encoding="utf-8"?>
 <p:sld xmlns:a="http://schemas.openxmlformats.org/drawingml/2006/main" xmlns:r="http://schemas.openxmlformats.org/officeDocument/2006/relationships" xmlns:p="http://schemas.openxmlformats.org/presentationml/2006/main">
   <p:cSld>
     <p:bg>
@@ -30657,66 +30679,6 @@
       <p:bldP spid="2" grpId="0"/>
     </p:bldLst>
   </p:timing>
-</p:sld>
-</file>
-
-<file path=ppt/slides/slide39.xml><?xml version="1.0" encoding="utf-8"?>
-<p:sld xmlns:a="http://schemas.openxmlformats.org/drawingml/2006/main" xmlns:r="http://schemas.openxmlformats.org/officeDocument/2006/relationships" xmlns:p="http://schemas.openxmlformats.org/presentationml/2006/main">
-  <p:cSld>
-    <p:spTree>
-      <p:nvGrpSpPr>
-        <p:cNvPr id="1" name=""/>
-        <p:cNvGrpSpPr/>
-        <p:nvPr/>
-      </p:nvGrpSpPr>
-      <p:grpSpPr>
-        <a:xfrm>
-          <a:off x="0" y="0"/>
-          <a:ext cx="0" cy="0"/>
-          <a:chOff x="0" y="0"/>
-          <a:chExt cx="0" cy="0"/>
-        </a:xfrm>
-      </p:grpSpPr>
-      <p:pic>
-        <p:nvPicPr>
-          <p:cNvPr id="7" name="Picture 6">
-            <a:extLst>
-              <a:ext uri="{FF2B5EF4-FFF2-40B4-BE49-F238E27FC236}">
-                <a16:creationId xmlns:a16="http://schemas.microsoft.com/office/drawing/2014/main" id="{8D88A4A0-F2CD-CF6D-C032-9F47CDA21205}"/>
-              </a:ext>
-            </a:extLst>
-          </p:cNvPr>
-          <p:cNvPicPr>
-            <a:picLocks noChangeAspect="1"/>
-          </p:cNvPicPr>
-          <p:nvPr/>
-        </p:nvPicPr>
-        <p:blipFill>
-          <a:blip r:embed="rId2"/>
-          <a:stretch>
-            <a:fillRect/>
-          </a:stretch>
-        </p:blipFill>
-        <p:spPr>
-          <a:xfrm>
-            <a:off x="185547" y="431418"/>
-            <a:ext cx="11954613" cy="5337203"/>
-          </a:xfrm>
-          <a:prstGeom prst="rect">
-            <a:avLst/>
-          </a:prstGeom>
-        </p:spPr>
-      </p:pic>
-    </p:spTree>
-    <p:extLst>
-      <p:ext uri="{BB962C8B-B14F-4D97-AF65-F5344CB8AC3E}">
-        <p14:creationId xmlns:p14="http://schemas.microsoft.com/office/powerpoint/2010/main" val="3431663411"/>
-      </p:ext>
-    </p:extLst>
-  </p:cSld>
-  <p:clrMapOvr>
-    <a:masterClrMapping/>
-  </p:clrMapOvr>
 </p:sld>
 </file>
 
@@ -31293,6 +31255,66 @@
 <file path=ppt/slides/slide40.xml><?xml version="1.0" encoding="utf-8"?>
 <p:sld xmlns:a="http://schemas.openxmlformats.org/drawingml/2006/main" xmlns:r="http://schemas.openxmlformats.org/officeDocument/2006/relationships" xmlns:p="http://schemas.openxmlformats.org/presentationml/2006/main">
   <p:cSld>
+    <p:spTree>
+      <p:nvGrpSpPr>
+        <p:cNvPr id="1" name=""/>
+        <p:cNvGrpSpPr/>
+        <p:nvPr/>
+      </p:nvGrpSpPr>
+      <p:grpSpPr>
+        <a:xfrm>
+          <a:off x="0" y="0"/>
+          <a:ext cx="0" cy="0"/>
+          <a:chOff x="0" y="0"/>
+          <a:chExt cx="0" cy="0"/>
+        </a:xfrm>
+      </p:grpSpPr>
+      <p:pic>
+        <p:nvPicPr>
+          <p:cNvPr id="7" name="Picture 6">
+            <a:extLst>
+              <a:ext uri="{FF2B5EF4-FFF2-40B4-BE49-F238E27FC236}">
+                <a16:creationId xmlns:a16="http://schemas.microsoft.com/office/drawing/2014/main" id="{8D88A4A0-F2CD-CF6D-C032-9F47CDA21205}"/>
+              </a:ext>
+            </a:extLst>
+          </p:cNvPr>
+          <p:cNvPicPr>
+            <a:picLocks noChangeAspect="1"/>
+          </p:cNvPicPr>
+          <p:nvPr/>
+        </p:nvPicPr>
+        <p:blipFill>
+          <a:blip r:embed="rId2"/>
+          <a:stretch>
+            <a:fillRect/>
+          </a:stretch>
+        </p:blipFill>
+        <p:spPr>
+          <a:xfrm>
+            <a:off x="185547" y="431418"/>
+            <a:ext cx="11954613" cy="5337203"/>
+          </a:xfrm>
+          <a:prstGeom prst="rect">
+            <a:avLst/>
+          </a:prstGeom>
+        </p:spPr>
+      </p:pic>
+    </p:spTree>
+    <p:extLst>
+      <p:ext uri="{BB962C8B-B14F-4D97-AF65-F5344CB8AC3E}">
+        <p14:creationId xmlns:p14="http://schemas.microsoft.com/office/powerpoint/2010/main" val="3431663411"/>
+      </p:ext>
+    </p:extLst>
+  </p:cSld>
+  <p:clrMapOvr>
+    <a:masterClrMapping/>
+  </p:clrMapOvr>
+</p:sld>
+</file>
+
+<file path=ppt/slides/slide41.xml><?xml version="1.0" encoding="utf-8"?>
+<p:sld xmlns:a="http://schemas.openxmlformats.org/drawingml/2006/main" xmlns:r="http://schemas.openxmlformats.org/officeDocument/2006/relationships" xmlns:p="http://schemas.openxmlformats.org/presentationml/2006/main">
+  <p:cSld>
     <p:bg>
       <p:bgPr>
         <a:solidFill>
@@ -35111,7 +35133,7 @@
 </p:sld>
 </file>
 
-<file path=ppt/slides/slide41.xml><?xml version="1.0" encoding="utf-8"?>
+<file path=ppt/slides/slide42.xml><?xml version="1.0" encoding="utf-8"?>
 <p:sld xmlns:a="http://schemas.openxmlformats.org/drawingml/2006/main" xmlns:r="http://schemas.openxmlformats.org/officeDocument/2006/relationships" xmlns:p="http://schemas.openxmlformats.org/presentationml/2006/main">
   <p:cSld>
     <p:spTree>
@@ -35321,7 +35343,7 @@
 </p:sld>
 </file>
 
-<file path=ppt/slides/slide42.xml><?xml version="1.0" encoding="utf-8"?>
+<file path=ppt/slides/slide43.xml><?xml version="1.0" encoding="utf-8"?>
 <p:sld xmlns:a="http://schemas.openxmlformats.org/drawingml/2006/main" xmlns:r="http://schemas.openxmlformats.org/officeDocument/2006/relationships" xmlns:p="http://schemas.openxmlformats.org/presentationml/2006/main">
   <p:cSld>
     <p:spTree>
@@ -35381,7 +35403,7 @@
 </p:sld>
 </file>
 
-<file path=ppt/slides/slide43.xml><?xml version="1.0" encoding="utf-8"?>
+<file path=ppt/slides/slide44.xml><?xml version="1.0" encoding="utf-8"?>
 <p:sld xmlns:a="http://schemas.openxmlformats.org/drawingml/2006/main" xmlns:r="http://schemas.openxmlformats.org/officeDocument/2006/relationships" xmlns:p="http://schemas.openxmlformats.org/presentationml/2006/main">
   <p:cSld>
     <p:spTree>
@@ -35441,7 +35463,7 @@
 </p:sld>
 </file>
 
-<file path=ppt/slides/slide44.xml><?xml version="1.0" encoding="utf-8"?>
+<file path=ppt/slides/slide45.xml><?xml version="1.0" encoding="utf-8"?>
 <p:sld xmlns:a="http://schemas.openxmlformats.org/drawingml/2006/main" xmlns:r="http://schemas.openxmlformats.org/officeDocument/2006/relationships" xmlns:p="http://schemas.openxmlformats.org/presentationml/2006/main">
   <p:cSld>
     <p:spTree>
@@ -35504,14 +35526,19 @@
             <p:ph type="title"/>
           </p:nvPr>
         </p:nvSpPr>
-        <p:spPr/>
+        <p:spPr>
+          <a:xfrm>
+            <a:off x="565150" y="770890"/>
+            <a:ext cx="12259896" cy="1268984"/>
+          </a:xfrm>
+        </p:spPr>
         <p:txBody>
           <a:bodyPr/>
           <a:lstStyle/>
           <a:p>
             <a:r>
               <a:rPr lang="en-US" dirty="0"/>
-              <a:t>If it all goes right</a:t>
+              <a:t>If it all goes right (Click Refresh after Edit)</a:t>
             </a:r>
           </a:p>
         </p:txBody>
@@ -35559,7 +35586,7 @@
 </p:sld>
 </file>
 
-<file path=ppt/slides/slide45.xml><?xml version="1.0" encoding="utf-8"?>
+<file path=ppt/slides/slide46.xml><?xml version="1.0" encoding="utf-8"?>
 <p:sld xmlns:a="http://schemas.openxmlformats.org/drawingml/2006/main" xmlns:r="http://schemas.openxmlformats.org/officeDocument/2006/relationships" xmlns:p="http://schemas.openxmlformats.org/presentationml/2006/main">
   <p:cSld>
     <p:spTree>
@@ -35647,7 +35674,7 @@
 </p:sld>
 </file>
 
-<file path=ppt/slides/slide46.xml><?xml version="1.0" encoding="utf-8"?>
+<file path=ppt/slides/slide47.xml><?xml version="1.0" encoding="utf-8"?>
 <p:sld xmlns:a="http://schemas.openxmlformats.org/drawingml/2006/main" xmlns:r="http://schemas.openxmlformats.org/officeDocument/2006/relationships" xmlns:p="http://schemas.openxmlformats.org/presentationml/2006/main">
   <p:cSld>
     <p:spTree>
@@ -35772,7 +35799,7 @@
 </p:sld>
 </file>
 
-<file path=ppt/slides/slide47.xml><?xml version="1.0" encoding="utf-8"?>
+<file path=ppt/slides/slide48.xml><?xml version="1.0" encoding="utf-8"?>
 <p:sld xmlns:a="http://schemas.openxmlformats.org/drawingml/2006/main" xmlns:r="http://schemas.openxmlformats.org/officeDocument/2006/relationships" xmlns:p="http://schemas.openxmlformats.org/presentationml/2006/main">
   <p:cSld>
     <p:bg>
@@ -41725,7 +41752,7 @@
 </p:sld>
 </file>
 
-<file path=ppt/slides/slide48.xml><?xml version="1.0" encoding="utf-8"?>
+<file path=ppt/slides/slide49.xml><?xml version="1.0" encoding="utf-8"?>
 <p:sld xmlns:a="http://schemas.openxmlformats.org/drawingml/2006/main" xmlns:r="http://schemas.openxmlformats.org/officeDocument/2006/relationships" xmlns:p="http://schemas.openxmlformats.org/presentationml/2006/main">
   <p:cSld>
     <p:spTree>
@@ -41841,172 +41868,6 @@
     <p:extLst>
       <p:ext uri="{BB962C8B-B14F-4D97-AF65-F5344CB8AC3E}">
         <p14:creationId xmlns:p14="http://schemas.microsoft.com/office/powerpoint/2010/main" val="1418670607"/>
-      </p:ext>
-    </p:extLst>
-  </p:cSld>
-  <p:clrMapOvr>
-    <a:masterClrMapping/>
-  </p:clrMapOvr>
-</p:sld>
-</file>
-
-<file path=ppt/slides/slide49.xml><?xml version="1.0" encoding="utf-8"?>
-<p:sld xmlns:a="http://schemas.openxmlformats.org/drawingml/2006/main" xmlns:r="http://schemas.openxmlformats.org/officeDocument/2006/relationships" xmlns:p="http://schemas.openxmlformats.org/presentationml/2006/main">
-  <p:cSld>
-    <p:spTree>
-      <p:nvGrpSpPr>
-        <p:cNvPr id="1" name=""/>
-        <p:cNvGrpSpPr/>
-        <p:nvPr/>
-      </p:nvGrpSpPr>
-      <p:grpSpPr>
-        <a:xfrm>
-          <a:off x="0" y="0"/>
-          <a:ext cx="0" cy="0"/>
-          <a:chOff x="0" y="0"/>
-          <a:chExt cx="0" cy="0"/>
-        </a:xfrm>
-      </p:grpSpPr>
-      <p:sp>
-        <p:nvSpPr>
-          <p:cNvPr id="2" name="Title 1">
-            <a:extLst>
-              <a:ext uri="{FF2B5EF4-FFF2-40B4-BE49-F238E27FC236}">
-                <a16:creationId xmlns:a16="http://schemas.microsoft.com/office/drawing/2014/main" id="{63482F44-F85D-8799-62C1-ABBBE1CEB7AF}"/>
-              </a:ext>
-            </a:extLst>
-          </p:cNvPr>
-          <p:cNvSpPr>
-            <a:spLocks noGrp="1"/>
-          </p:cNvSpPr>
-          <p:nvPr>
-            <p:ph type="title"/>
-          </p:nvPr>
-        </p:nvSpPr>
-        <p:spPr/>
-        <p:txBody>
-          <a:bodyPr/>
-          <a:lstStyle/>
-          <a:p>
-            <a:r>
-              <a:rPr lang="en-US" dirty="0"/>
-              <a:t>Docker Compose Code</a:t>
-            </a:r>
-          </a:p>
-        </p:txBody>
-      </p:sp>
-      <p:pic>
-        <p:nvPicPr>
-          <p:cNvPr id="5" name="Picture 4">
-            <a:extLst>
-              <a:ext uri="{FF2B5EF4-FFF2-40B4-BE49-F238E27FC236}">
-                <a16:creationId xmlns:a16="http://schemas.microsoft.com/office/drawing/2014/main" id="{5473478E-3397-7087-B654-92F45CE088E7}"/>
-              </a:ext>
-            </a:extLst>
-          </p:cNvPr>
-          <p:cNvPicPr>
-            <a:picLocks noChangeAspect="1"/>
-          </p:cNvPicPr>
-          <p:nvPr/>
-        </p:nvPicPr>
-        <p:blipFill>
-          <a:blip r:embed="rId3"/>
-          <a:stretch>
-            <a:fillRect/>
-          </a:stretch>
-        </p:blipFill>
-        <p:spPr>
-          <a:xfrm>
-            <a:off x="674335" y="1302539"/>
-            <a:ext cx="9685859" cy="5555461"/>
-          </a:xfrm>
-          <a:prstGeom prst="rect">
-            <a:avLst/>
-          </a:prstGeom>
-        </p:spPr>
-      </p:pic>
-      <p:sp>
-        <p:nvSpPr>
-          <p:cNvPr id="7" name="TextBox 6">
-            <a:extLst>
-              <a:ext uri="{FF2B5EF4-FFF2-40B4-BE49-F238E27FC236}">
-                <a16:creationId xmlns:a16="http://schemas.microsoft.com/office/drawing/2014/main" id="{AC03EF31-16EC-3569-6919-3BC405264790}"/>
-              </a:ext>
-            </a:extLst>
-          </p:cNvPr>
-          <p:cNvSpPr txBox="1"/>
-          <p:nvPr/>
-        </p:nvSpPr>
-        <p:spPr>
-          <a:xfrm>
-            <a:off x="4540170" y="4436015"/>
-            <a:ext cx="5726574" cy="1815882"/>
-          </a:xfrm>
-          <a:prstGeom prst="rect">
-            <a:avLst/>
-          </a:prstGeom>
-          <a:noFill/>
-        </p:spPr>
-        <p:txBody>
-          <a:bodyPr wrap="square">
-            <a:spAutoFit/>
-          </a:bodyPr>
-          <a:lstStyle/>
-          <a:p>
-            <a:r>
-              <a:rPr lang="en-US" sz="1600" b="0" dirty="0" err="1">
-                <a:solidFill>
-                  <a:srgbClr val="8B0000"/>
-                </a:solidFill>
-                <a:effectLst/>
-                <a:latin typeface="CaskaydiaCove NF" panose="020B0509020204030204" pitchFamily="49" charset="0"/>
-              </a:rPr>
-              <a:t>wget</a:t>
-            </a:r>
-            <a:r>
-              <a:rPr lang="en-US" sz="1600" b="0" dirty="0">
-                <a:solidFill>
-                  <a:srgbClr val="8B0000"/>
-                </a:solidFill>
-                <a:effectLst/>
-                <a:latin typeface="CaskaydiaCove NF" panose="020B0509020204030204" pitchFamily="49" charset="0"/>
-              </a:rPr>
-              <a:t> --report-speed=bits -U \"Mozilla/5.0 (Windows NT 10.0; Win64; x64) </a:t>
-            </a:r>
-            <a:r>
-              <a:rPr lang="en-US" sz="1600" b="0" dirty="0" err="1">
-                <a:solidFill>
-                  <a:srgbClr val="8B0000"/>
-                </a:solidFill>
-                <a:effectLst/>
-                <a:latin typeface="CaskaydiaCove NF" panose="020B0509020204030204" pitchFamily="49" charset="0"/>
-              </a:rPr>
-              <a:t>AppleWebKit</a:t>
-            </a:r>
-            <a:r>
-              <a:rPr lang="en-US" sz="1600" b="0" dirty="0">
-                <a:solidFill>
-                  <a:srgbClr val="8B0000"/>
-                </a:solidFill>
-                <a:effectLst/>
-                <a:latin typeface="CaskaydiaCove NF" panose="020B0509020204030204" pitchFamily="49" charset="0"/>
-              </a:rPr>
-              <a:t>/537.36 (KHTML, like Gecko) Chrome/129.0.0.0 Safari/537.36\" \"https://www.minecraft.net/bedrockdedicatedserver/bin-linux/bedrock-server-1.21.31.04.zip\" &amp;&amp;</a:t>
-            </a:r>
-            <a:endParaRPr lang="en-US" sz="1600" b="0" dirty="0">
-              <a:solidFill>
-                <a:srgbClr val="333333"/>
-              </a:solidFill>
-              <a:effectLst/>
-              <a:latin typeface="CaskaydiaCove NF" panose="020B0509020204030204" pitchFamily="49" charset="0"/>
-            </a:endParaRPr>
-          </a:p>
-        </p:txBody>
-      </p:sp>
-    </p:spTree>
-    <p:extLst>
-      <p:ext uri="{BB962C8B-B14F-4D97-AF65-F5344CB8AC3E}">
-        <p14:creationId xmlns:p14="http://schemas.microsoft.com/office/powerpoint/2010/main" val="3773357757"/>
       </p:ext>
     </p:extLst>
   </p:cSld>
@@ -42628,6 +42489,172 @@
           <p:cNvPr id="2" name="Title 1">
             <a:extLst>
               <a:ext uri="{FF2B5EF4-FFF2-40B4-BE49-F238E27FC236}">
+                <a16:creationId xmlns:a16="http://schemas.microsoft.com/office/drawing/2014/main" id="{63482F44-F85D-8799-62C1-ABBBE1CEB7AF}"/>
+              </a:ext>
+            </a:extLst>
+          </p:cNvPr>
+          <p:cNvSpPr>
+            <a:spLocks noGrp="1"/>
+          </p:cNvSpPr>
+          <p:nvPr>
+            <p:ph type="title"/>
+          </p:nvPr>
+        </p:nvSpPr>
+        <p:spPr/>
+        <p:txBody>
+          <a:bodyPr/>
+          <a:lstStyle/>
+          <a:p>
+            <a:r>
+              <a:rPr lang="en-US" dirty="0"/>
+              <a:t>Docker Compose Code</a:t>
+            </a:r>
+          </a:p>
+        </p:txBody>
+      </p:sp>
+      <p:pic>
+        <p:nvPicPr>
+          <p:cNvPr id="5" name="Picture 4">
+            <a:extLst>
+              <a:ext uri="{FF2B5EF4-FFF2-40B4-BE49-F238E27FC236}">
+                <a16:creationId xmlns:a16="http://schemas.microsoft.com/office/drawing/2014/main" id="{5473478E-3397-7087-B654-92F45CE088E7}"/>
+              </a:ext>
+            </a:extLst>
+          </p:cNvPr>
+          <p:cNvPicPr>
+            <a:picLocks noChangeAspect="1"/>
+          </p:cNvPicPr>
+          <p:nvPr/>
+        </p:nvPicPr>
+        <p:blipFill>
+          <a:blip r:embed="rId3"/>
+          <a:stretch>
+            <a:fillRect/>
+          </a:stretch>
+        </p:blipFill>
+        <p:spPr>
+          <a:xfrm>
+            <a:off x="674335" y="1302539"/>
+            <a:ext cx="9685859" cy="5555461"/>
+          </a:xfrm>
+          <a:prstGeom prst="rect">
+            <a:avLst/>
+          </a:prstGeom>
+        </p:spPr>
+      </p:pic>
+      <p:sp>
+        <p:nvSpPr>
+          <p:cNvPr id="7" name="TextBox 6">
+            <a:extLst>
+              <a:ext uri="{FF2B5EF4-FFF2-40B4-BE49-F238E27FC236}">
+                <a16:creationId xmlns:a16="http://schemas.microsoft.com/office/drawing/2014/main" id="{AC03EF31-16EC-3569-6919-3BC405264790}"/>
+              </a:ext>
+            </a:extLst>
+          </p:cNvPr>
+          <p:cNvSpPr txBox="1"/>
+          <p:nvPr/>
+        </p:nvSpPr>
+        <p:spPr>
+          <a:xfrm>
+            <a:off x="4540170" y="4436015"/>
+            <a:ext cx="5726574" cy="1815882"/>
+          </a:xfrm>
+          <a:prstGeom prst="rect">
+            <a:avLst/>
+          </a:prstGeom>
+          <a:noFill/>
+        </p:spPr>
+        <p:txBody>
+          <a:bodyPr wrap="square">
+            <a:spAutoFit/>
+          </a:bodyPr>
+          <a:lstStyle/>
+          <a:p>
+            <a:r>
+              <a:rPr lang="en-US" sz="1600" b="0" dirty="0" err="1">
+                <a:solidFill>
+                  <a:srgbClr val="8B0000"/>
+                </a:solidFill>
+                <a:effectLst/>
+                <a:latin typeface="CaskaydiaCove NF" panose="020B0509020204030204" pitchFamily="49" charset="0"/>
+              </a:rPr>
+              <a:t>wget</a:t>
+            </a:r>
+            <a:r>
+              <a:rPr lang="en-US" sz="1600" b="0" dirty="0">
+                <a:solidFill>
+                  <a:srgbClr val="8B0000"/>
+                </a:solidFill>
+                <a:effectLst/>
+                <a:latin typeface="CaskaydiaCove NF" panose="020B0509020204030204" pitchFamily="49" charset="0"/>
+              </a:rPr>
+              <a:t> --report-speed=bits -U \"Mozilla/5.0 (Windows NT 10.0; Win64; x64) </a:t>
+            </a:r>
+            <a:r>
+              <a:rPr lang="en-US" sz="1600" b="0" dirty="0" err="1">
+                <a:solidFill>
+                  <a:srgbClr val="8B0000"/>
+                </a:solidFill>
+                <a:effectLst/>
+                <a:latin typeface="CaskaydiaCove NF" panose="020B0509020204030204" pitchFamily="49" charset="0"/>
+              </a:rPr>
+              <a:t>AppleWebKit</a:t>
+            </a:r>
+            <a:r>
+              <a:rPr lang="en-US" sz="1600" b="0" dirty="0">
+                <a:solidFill>
+                  <a:srgbClr val="8B0000"/>
+                </a:solidFill>
+                <a:effectLst/>
+                <a:latin typeface="CaskaydiaCove NF" panose="020B0509020204030204" pitchFamily="49" charset="0"/>
+              </a:rPr>
+              <a:t>/537.36 (KHTML, like Gecko) Chrome/129.0.0.0 Safari/537.36\" \"https://www.minecraft.net/bedrockdedicatedserver/bin-linux/bedrock-server-1.21.31.04.zip\" &amp;&amp;</a:t>
+            </a:r>
+            <a:endParaRPr lang="en-US" sz="1600" b="0" dirty="0">
+              <a:solidFill>
+                <a:srgbClr val="333333"/>
+              </a:solidFill>
+              <a:effectLst/>
+              <a:latin typeface="CaskaydiaCove NF" panose="020B0509020204030204" pitchFamily="49" charset="0"/>
+            </a:endParaRPr>
+          </a:p>
+        </p:txBody>
+      </p:sp>
+    </p:spTree>
+    <p:extLst>
+      <p:ext uri="{BB962C8B-B14F-4D97-AF65-F5344CB8AC3E}">
+        <p14:creationId xmlns:p14="http://schemas.microsoft.com/office/powerpoint/2010/main" val="3773357757"/>
+      </p:ext>
+    </p:extLst>
+  </p:cSld>
+  <p:clrMapOvr>
+    <a:masterClrMapping/>
+  </p:clrMapOvr>
+</p:sld>
+</file>
+
+<file path=ppt/slides/slide51.xml><?xml version="1.0" encoding="utf-8"?>
+<p:sld xmlns:a="http://schemas.openxmlformats.org/drawingml/2006/main" xmlns:r="http://schemas.openxmlformats.org/officeDocument/2006/relationships" xmlns:p="http://schemas.openxmlformats.org/presentationml/2006/main">
+  <p:cSld>
+    <p:spTree>
+      <p:nvGrpSpPr>
+        <p:cNvPr id="1" name=""/>
+        <p:cNvGrpSpPr/>
+        <p:nvPr/>
+      </p:nvGrpSpPr>
+      <p:grpSpPr>
+        <a:xfrm>
+          <a:off x="0" y="0"/>
+          <a:ext cx="0" cy="0"/>
+          <a:chOff x="0" y="0"/>
+          <a:chExt cx="0" cy="0"/>
+        </a:xfrm>
+      </p:grpSpPr>
+      <p:sp>
+        <p:nvSpPr>
+          <p:cNvPr id="2" name="Title 1">
+            <a:extLst>
+              <a:ext uri="{FF2B5EF4-FFF2-40B4-BE49-F238E27FC236}">
                 <a16:creationId xmlns:a16="http://schemas.microsoft.com/office/drawing/2014/main" id="{28556024-3536-D6F6-95C7-F02E5F10CA08}"/>
               </a:ext>
             </a:extLst>
@@ -42754,7 +42781,7 @@
 </p:sld>
 </file>
 
-<file path=ppt/slides/slide51.xml><?xml version="1.0" encoding="utf-8"?>
+<file path=ppt/slides/slide52.xml><?xml version="1.0" encoding="utf-8"?>
 <p:sld xmlns:a="http://schemas.openxmlformats.org/drawingml/2006/main" xmlns:r="http://schemas.openxmlformats.org/officeDocument/2006/relationships" xmlns:p="http://schemas.openxmlformats.org/presentationml/2006/main">
   <p:cSld>
     <p:spTree>
@@ -42961,7 +42988,7 @@
 </p:sld>
 </file>
 
-<file path=ppt/slides/slide52.xml><?xml version="1.0" encoding="utf-8"?>
+<file path=ppt/slides/slide53.xml><?xml version="1.0" encoding="utf-8"?>
 <p:sld xmlns:a="http://schemas.openxmlformats.org/drawingml/2006/main" xmlns:r="http://schemas.openxmlformats.org/officeDocument/2006/relationships" xmlns:p="http://schemas.openxmlformats.org/presentationml/2006/main">
   <p:cSld>
     <p:bg>
@@ -46323,7 +46350,7 @@
 </p:sld>
 </file>
 
-<file path=ppt/slides/slide53.xml><?xml version="1.0" encoding="utf-8"?>
+<file path=ppt/slides/slide54.xml><?xml version="1.0" encoding="utf-8"?>
 <p:sld xmlns:a="http://schemas.openxmlformats.org/drawingml/2006/main" xmlns:r="http://schemas.openxmlformats.org/officeDocument/2006/relationships" xmlns:p="http://schemas.openxmlformats.org/presentationml/2006/main">
   <p:cSld>
     <p:spTree>

--- a/Minecraft/Learning DevOps Through Minecraft.pptx
+++ b/Minecraft/Learning DevOps Through Minecraft.pptx
@@ -5,7 +5,7 @@
     <p:sldMasterId id="2147483712" r:id="rId1"/>
   </p:sldMasterIdLst>
   <p:notesMasterIdLst>
-    <p:notesMasterId r:id="rId56"/>
+    <p:notesMasterId r:id="rId57"/>
   </p:notesMasterIdLst>
   <p:sldIdLst>
     <p:sldId id="256" r:id="rId2"/>
@@ -54,14 +54,15 @@
     <p:sldId id="261" r:id="rId45"/>
     <p:sldId id="281" r:id="rId46"/>
     <p:sldId id="282" r:id="rId47"/>
-    <p:sldId id="302" r:id="rId48"/>
-    <p:sldId id="295" r:id="rId49"/>
-    <p:sldId id="305" r:id="rId50"/>
-    <p:sldId id="306" r:id="rId51"/>
-    <p:sldId id="307" r:id="rId52"/>
-    <p:sldId id="308" r:id="rId53"/>
-    <p:sldId id="299" r:id="rId54"/>
-    <p:sldId id="301" r:id="rId55"/>
+    <p:sldId id="311" r:id="rId48"/>
+    <p:sldId id="302" r:id="rId49"/>
+    <p:sldId id="295" r:id="rId50"/>
+    <p:sldId id="305" r:id="rId51"/>
+    <p:sldId id="306" r:id="rId52"/>
+    <p:sldId id="307" r:id="rId53"/>
+    <p:sldId id="308" r:id="rId54"/>
+    <p:sldId id="299" r:id="rId55"/>
+    <p:sldId id="301" r:id="rId56"/>
   </p:sldIdLst>
   <p:sldSz cx="12192000" cy="6858000"/>
   <p:notesSz cx="6858000" cy="9144000"/>
@@ -3645,7 +3646,7 @@
           <a:p>
             <a:fld id="{0A0A5512-2D8B-4830-BC21-39D17EC77EDC}" type="datetimeFigureOut">
               <a:rPr lang="en-US" smtClean="0"/>
-              <a:t>11/6/2024</a:t>
+              <a:t>12/4/2024</a:t>
             </a:fld>
             <a:endParaRPr lang="en-US"/>
           </a:p>
@@ -5835,6 +5836,106 @@
           <a:p>
             <a:r>
               <a:rPr lang="en-US" dirty="0"/>
+              <a:t>Update </a:t>
+            </a:r>
+            <a:r>
+              <a:rPr lang="en-US" dirty="0" err="1"/>
+              <a:t>dockerfile</a:t>
+            </a:r>
+            <a:r>
+              <a:rPr lang="en-US" dirty="0"/>
+              <a:t>, commit, push, pull on server, rebuild, and redeploy (remove </a:t>
+            </a:r>
+            <a:r>
+              <a:rPr lang="en-US"/>
+              <a:t>old instance, start new one)</a:t>
+            </a:r>
+            <a:endParaRPr lang="en-US" dirty="0"/>
+          </a:p>
+        </p:txBody>
+      </p:sp>
+      <p:sp>
+        <p:nvSpPr>
+          <p:cNvPr id="4" name="Slide Number Placeholder 3"/>
+          <p:cNvSpPr>
+            <a:spLocks noGrp="1"/>
+          </p:cNvSpPr>
+          <p:nvPr>
+            <p:ph type="sldNum" sz="quarter" idx="5"/>
+          </p:nvPr>
+        </p:nvSpPr>
+        <p:spPr/>
+        <p:txBody>
+          <a:bodyPr/>
+          <a:lstStyle/>
+          <a:p>
+            <a:fld id="{6843FF4B-3F5C-48A3-8BB1-124264C9C8AE}" type="slidenum">
+              <a:rPr lang="en-US" smtClean="0"/>
+              <a:t>47</a:t>
+            </a:fld>
+            <a:endParaRPr lang="en-US"/>
+          </a:p>
+        </p:txBody>
+      </p:sp>
+    </p:spTree>
+    <p:extLst>
+      <p:ext uri="{BB962C8B-B14F-4D97-AF65-F5344CB8AC3E}">
+        <p14:creationId xmlns:p14="http://schemas.microsoft.com/office/powerpoint/2010/main" val="2445959563"/>
+      </p:ext>
+    </p:extLst>
+  </p:cSld>
+  <p:clrMapOvr>
+    <a:masterClrMapping/>
+  </p:clrMapOvr>
+</p:notes>
+</file>
+
+<file path=ppt/notesSlides/notesSlide27.xml><?xml version="1.0" encoding="utf-8"?>
+<p:notes xmlns:a="http://schemas.openxmlformats.org/drawingml/2006/main" xmlns:r="http://schemas.openxmlformats.org/officeDocument/2006/relationships" xmlns:p="http://schemas.openxmlformats.org/presentationml/2006/main">
+  <p:cSld>
+    <p:spTree>
+      <p:nvGrpSpPr>
+        <p:cNvPr id="1" name=""/>
+        <p:cNvGrpSpPr/>
+        <p:nvPr/>
+      </p:nvGrpSpPr>
+      <p:grpSpPr>
+        <a:xfrm>
+          <a:off x="0" y="0"/>
+          <a:ext cx="0" cy="0"/>
+          <a:chOff x="0" y="0"/>
+          <a:chExt cx="0" cy="0"/>
+        </a:xfrm>
+      </p:grpSpPr>
+      <p:sp>
+        <p:nvSpPr>
+          <p:cNvPr id="2" name="Slide Image Placeholder 1"/>
+          <p:cNvSpPr>
+            <a:spLocks noGrp="1" noRot="1" noChangeAspect="1"/>
+          </p:cNvSpPr>
+          <p:nvPr>
+            <p:ph type="sldImg"/>
+          </p:nvPr>
+        </p:nvSpPr>
+        <p:spPr/>
+      </p:sp>
+      <p:sp>
+        <p:nvSpPr>
+          <p:cNvPr id="3" name="Notes Placeholder 2"/>
+          <p:cNvSpPr>
+            <a:spLocks noGrp="1"/>
+          </p:cNvSpPr>
+          <p:nvPr>
+            <p:ph type="body" idx="1"/>
+          </p:nvPr>
+        </p:nvSpPr>
+        <p:spPr/>
+        <p:txBody>
+          <a:bodyPr/>
+          <a:lstStyle/>
+          <a:p>
+            <a:r>
+              <a:rPr lang="en-US" dirty="0"/>
               <a:t>Trying to reach api.minecraftservices.com by itself results in blocked not from your network, but from destination, check w/ </a:t>
             </a:r>
             <a:r>
@@ -5879,7 +5980,7 @@
           <a:p>
             <a:fld id="{6843FF4B-3F5C-48A3-8BB1-124264C9C8AE}" type="slidenum">
               <a:rPr lang="en-US" smtClean="0"/>
-              <a:t>47</a:t>
+              <a:t>48</a:t>
             </a:fld>
             <a:endParaRPr lang="en-US"/>
           </a:p>
@@ -5898,7 +5999,7 @@
 </p:notes>
 </file>
 
-<file path=ppt/notesSlides/notesSlide27.xml><?xml version="1.0" encoding="utf-8"?>
+<file path=ppt/notesSlides/notesSlide28.xml><?xml version="1.0" encoding="utf-8"?>
 <p:notes xmlns:a="http://schemas.openxmlformats.org/drawingml/2006/main" xmlns:r="http://schemas.openxmlformats.org/officeDocument/2006/relationships" xmlns:p="http://schemas.openxmlformats.org/presentationml/2006/main">
   <p:cSld>
     <p:spTree>
@@ -5974,7 +6075,7 @@
           <a:p>
             <a:fld id="{6843FF4B-3F5C-48A3-8BB1-124264C9C8AE}" type="slidenum">
               <a:rPr lang="en-US" smtClean="0"/>
-              <a:t>49</a:t>
+              <a:t>50</a:t>
             </a:fld>
             <a:endParaRPr lang="en-US"/>
           </a:p>
@@ -5993,7 +6094,7 @@
 </p:notes>
 </file>
 
-<file path=ppt/notesSlides/notesSlide28.xml><?xml version="1.0" encoding="utf-8"?>
+<file path=ppt/notesSlides/notesSlide29.xml><?xml version="1.0" encoding="utf-8"?>
 <p:notes xmlns:a="http://schemas.openxmlformats.org/drawingml/2006/main" xmlns:r="http://schemas.openxmlformats.org/officeDocument/2006/relationships" xmlns:p="http://schemas.openxmlformats.org/presentationml/2006/main">
   <p:cSld>
     <p:spTree>
@@ -6079,7 +6180,7 @@
           <a:p>
             <a:fld id="{6843FF4B-3F5C-48A3-8BB1-124264C9C8AE}" type="slidenum">
               <a:rPr lang="en-US" smtClean="0"/>
-              <a:t>50</a:t>
+              <a:t>51</a:t>
             </a:fld>
             <a:endParaRPr lang="en-US"/>
           </a:p>
@@ -6089,93 +6190,6 @@
     <p:extLst>
       <p:ext uri="{BB962C8B-B14F-4D97-AF65-F5344CB8AC3E}">
         <p14:creationId xmlns:p14="http://schemas.microsoft.com/office/powerpoint/2010/main" val="1041027481"/>
-      </p:ext>
-    </p:extLst>
-  </p:cSld>
-  <p:clrMapOvr>
-    <a:masterClrMapping/>
-  </p:clrMapOvr>
-</p:notes>
-</file>
-
-<file path=ppt/notesSlides/notesSlide29.xml><?xml version="1.0" encoding="utf-8"?>
-<p:notes xmlns:a="http://schemas.openxmlformats.org/drawingml/2006/main" xmlns:r="http://schemas.openxmlformats.org/officeDocument/2006/relationships" xmlns:p="http://schemas.openxmlformats.org/presentationml/2006/main">
-  <p:cSld>
-    <p:spTree>
-      <p:nvGrpSpPr>
-        <p:cNvPr id="1" name=""/>
-        <p:cNvGrpSpPr/>
-        <p:nvPr/>
-      </p:nvGrpSpPr>
-      <p:grpSpPr>
-        <a:xfrm>
-          <a:off x="0" y="0"/>
-          <a:ext cx="0" cy="0"/>
-          <a:chOff x="0" y="0"/>
-          <a:chExt cx="0" cy="0"/>
-        </a:xfrm>
-      </p:grpSpPr>
-      <p:sp>
-        <p:nvSpPr>
-          <p:cNvPr id="2" name="Slide Image Placeholder 1"/>
-          <p:cNvSpPr>
-            <a:spLocks noGrp="1" noRot="1" noChangeAspect="1"/>
-          </p:cNvSpPr>
-          <p:nvPr>
-            <p:ph type="sldImg"/>
-          </p:nvPr>
-        </p:nvSpPr>
-        <p:spPr/>
-      </p:sp>
-      <p:sp>
-        <p:nvSpPr>
-          <p:cNvPr id="3" name="Notes Placeholder 2"/>
-          <p:cNvSpPr>
-            <a:spLocks noGrp="1"/>
-          </p:cNvSpPr>
-          <p:nvPr>
-            <p:ph type="body" idx="1"/>
-          </p:nvPr>
-        </p:nvSpPr>
-        <p:spPr/>
-        <p:txBody>
-          <a:bodyPr/>
-          <a:lstStyle/>
-          <a:p>
-            <a:r>
-              <a:rPr lang="en-US" dirty="0"/>
-              <a:t>The –d detaches everything</a:t>
-            </a:r>
-          </a:p>
-        </p:txBody>
-      </p:sp>
-      <p:sp>
-        <p:nvSpPr>
-          <p:cNvPr id="4" name="Slide Number Placeholder 3"/>
-          <p:cNvSpPr>
-            <a:spLocks noGrp="1"/>
-          </p:cNvSpPr>
-          <p:nvPr>
-            <p:ph type="sldNum" sz="quarter" idx="5"/>
-          </p:nvPr>
-        </p:nvSpPr>
-        <p:spPr/>
-        <p:txBody>
-          <a:bodyPr/>
-          <a:lstStyle/>
-          <a:p>
-            <a:fld id="{6843FF4B-3F5C-48A3-8BB1-124264C9C8AE}" type="slidenum">
-              <a:rPr lang="en-US" smtClean="0"/>
-              <a:t>51</a:t>
-            </a:fld>
-            <a:endParaRPr lang="en-US"/>
-          </a:p>
-        </p:txBody>
-      </p:sp>
-    </p:spTree>
-    <p:extLst>
-      <p:ext uri="{BB962C8B-B14F-4D97-AF65-F5344CB8AC3E}">
-        <p14:creationId xmlns:p14="http://schemas.microsoft.com/office/powerpoint/2010/main" val="665450786"/>
       </p:ext>
     </p:extLst>
   </p:cSld>
@@ -6260,6 +6274,93 @@
     <p:extLst>
       <p:ext uri="{BB962C8B-B14F-4D97-AF65-F5344CB8AC3E}">
         <p14:creationId xmlns:p14="http://schemas.microsoft.com/office/powerpoint/2010/main" val="515683520"/>
+      </p:ext>
+    </p:extLst>
+  </p:cSld>
+  <p:clrMapOvr>
+    <a:masterClrMapping/>
+  </p:clrMapOvr>
+</p:notes>
+</file>
+
+<file path=ppt/notesSlides/notesSlide30.xml><?xml version="1.0" encoding="utf-8"?>
+<p:notes xmlns:a="http://schemas.openxmlformats.org/drawingml/2006/main" xmlns:r="http://schemas.openxmlformats.org/officeDocument/2006/relationships" xmlns:p="http://schemas.openxmlformats.org/presentationml/2006/main">
+  <p:cSld>
+    <p:spTree>
+      <p:nvGrpSpPr>
+        <p:cNvPr id="1" name=""/>
+        <p:cNvGrpSpPr/>
+        <p:nvPr/>
+      </p:nvGrpSpPr>
+      <p:grpSpPr>
+        <a:xfrm>
+          <a:off x="0" y="0"/>
+          <a:ext cx="0" cy="0"/>
+          <a:chOff x="0" y="0"/>
+          <a:chExt cx="0" cy="0"/>
+        </a:xfrm>
+      </p:grpSpPr>
+      <p:sp>
+        <p:nvSpPr>
+          <p:cNvPr id="2" name="Slide Image Placeholder 1"/>
+          <p:cNvSpPr>
+            <a:spLocks noGrp="1" noRot="1" noChangeAspect="1"/>
+          </p:cNvSpPr>
+          <p:nvPr>
+            <p:ph type="sldImg"/>
+          </p:nvPr>
+        </p:nvSpPr>
+        <p:spPr/>
+      </p:sp>
+      <p:sp>
+        <p:nvSpPr>
+          <p:cNvPr id="3" name="Notes Placeholder 2"/>
+          <p:cNvSpPr>
+            <a:spLocks noGrp="1"/>
+          </p:cNvSpPr>
+          <p:nvPr>
+            <p:ph type="body" idx="1"/>
+          </p:nvPr>
+        </p:nvSpPr>
+        <p:spPr/>
+        <p:txBody>
+          <a:bodyPr/>
+          <a:lstStyle/>
+          <a:p>
+            <a:r>
+              <a:rPr lang="en-US" dirty="0"/>
+              <a:t>The –d detaches everything</a:t>
+            </a:r>
+          </a:p>
+        </p:txBody>
+      </p:sp>
+      <p:sp>
+        <p:nvSpPr>
+          <p:cNvPr id="4" name="Slide Number Placeholder 3"/>
+          <p:cNvSpPr>
+            <a:spLocks noGrp="1"/>
+          </p:cNvSpPr>
+          <p:nvPr>
+            <p:ph type="sldNum" sz="quarter" idx="5"/>
+          </p:nvPr>
+        </p:nvSpPr>
+        <p:spPr/>
+        <p:txBody>
+          <a:bodyPr/>
+          <a:lstStyle/>
+          <a:p>
+            <a:fld id="{6843FF4B-3F5C-48A3-8BB1-124264C9C8AE}" type="slidenum">
+              <a:rPr lang="en-US" smtClean="0"/>
+              <a:t>52</a:t>
+            </a:fld>
+            <a:endParaRPr lang="en-US"/>
+          </a:p>
+        </p:txBody>
+      </p:sp>
+    </p:spTree>
+    <p:extLst>
+      <p:ext uri="{BB962C8B-B14F-4D97-AF65-F5344CB8AC3E}">
+        <p14:creationId xmlns:p14="http://schemas.microsoft.com/office/powerpoint/2010/main" val="665450786"/>
       </p:ext>
     </p:extLst>
   </p:cSld>
@@ -8995,7 +9096,7 @@
             <a:fld id="{A5B0A250-5CC0-1746-B209-08E8B0DAE6AF}" type="datetimeFigureOut">
               <a:rPr lang="en-US" smtClean="0"/>
               <a:pPr algn="l"/>
-              <a:t>11/6/2024</a:t>
+              <a:t>12/4/2024</a:t>
             </a:fld>
             <a:endParaRPr lang="en-US" dirty="0"/>
           </a:p>
@@ -10457,7 +10558,7 @@
           <a:p>
             <a:fld id="{A5B0A250-5CC0-1746-B209-08E8B0DAE6AF}" type="datetimeFigureOut">
               <a:rPr lang="en-US" smtClean="0"/>
-              <a:t>11/6/2024</a:t>
+              <a:t>12/4/2024</a:t>
             </a:fld>
             <a:endParaRPr lang="en-US" dirty="0"/>
           </a:p>
@@ -11387,7 +11488,7 @@
           <a:p>
             <a:fld id="{A5B0A250-5CC0-1746-B209-08E8B0DAE6AF}" type="datetimeFigureOut">
               <a:rPr lang="en-US" smtClean="0"/>
-              <a:t>11/6/2024</a:t>
+              <a:t>12/4/2024</a:t>
             </a:fld>
             <a:endParaRPr lang="en-US"/>
           </a:p>
@@ -12844,7 +12945,7 @@
           <a:p>
             <a:fld id="{A5B0A250-5CC0-1746-B209-08E8B0DAE6AF}" type="datetimeFigureOut">
               <a:rPr lang="en-US" smtClean="0"/>
-              <a:t>11/6/2024</a:t>
+              <a:t>12/4/2024</a:t>
             </a:fld>
             <a:endParaRPr lang="en-US" dirty="0"/>
           </a:p>
@@ -15200,7 +15301,7 @@
           <a:p>
             <a:fld id="{A5B0A250-5CC0-1746-B209-08E8B0DAE6AF}" type="datetimeFigureOut">
               <a:rPr lang="en-US" smtClean="0"/>
-              <a:t>11/6/2024</a:t>
+              <a:t>12/4/2024</a:t>
             </a:fld>
             <a:endParaRPr lang="en-US" dirty="0"/>
           </a:p>
@@ -16241,7 +16342,7 @@
           <a:p>
             <a:fld id="{A5B0A250-5CC0-1746-B209-08E8B0DAE6AF}" type="datetimeFigureOut">
               <a:rPr lang="en-US" smtClean="0"/>
-              <a:t>11/6/2024</a:t>
+              <a:t>12/4/2024</a:t>
             </a:fld>
             <a:endParaRPr lang="en-US" dirty="0"/>
           </a:p>
@@ -17454,7 +17555,7 @@
           <a:p>
             <a:fld id="{A5B0A250-5CC0-1746-B209-08E8B0DAE6AF}" type="datetimeFigureOut">
               <a:rPr lang="en-US" smtClean="0"/>
-              <a:t>11/6/2024</a:t>
+              <a:t>12/4/2024</a:t>
             </a:fld>
             <a:endParaRPr lang="en-US" dirty="0"/>
           </a:p>
@@ -18363,7 +18464,7 @@
           <a:p>
             <a:fld id="{A5B0A250-5CC0-1746-B209-08E8B0DAE6AF}" type="datetimeFigureOut">
               <a:rPr lang="en-US" smtClean="0"/>
-              <a:t>11/6/2024</a:t>
+              <a:t>12/4/2024</a:t>
             </a:fld>
             <a:endParaRPr lang="en-US" dirty="0"/>
           </a:p>
@@ -18522,7 +18623,7 @@
             <a:fld id="{A5B0A250-5CC0-1746-B209-08E8B0DAE6AF}" type="datetimeFigureOut">
               <a:rPr lang="en-US" smtClean="0"/>
               <a:pPr/>
-              <a:t>11/6/2024</a:t>
+              <a:t>12/4/2024</a:t>
             </a:fld>
             <a:endParaRPr lang="en-US" dirty="0"/>
           </a:p>
@@ -19505,7 +19606,7 @@
           <a:p>
             <a:fld id="{A5B0A250-5CC0-1746-B209-08E8B0DAE6AF}" type="datetimeFigureOut">
               <a:rPr lang="en-US" smtClean="0"/>
-              <a:t>11/6/2024</a:t>
+              <a:t>12/4/2024</a:t>
             </a:fld>
             <a:endParaRPr lang="en-US" dirty="0"/>
           </a:p>
@@ -20567,7 +20668,7 @@
           <a:p>
             <a:fld id="{A5B0A250-5CC0-1746-B209-08E8B0DAE6AF}" type="datetimeFigureOut">
               <a:rPr lang="en-US" smtClean="0"/>
-              <a:t>11/6/2024</a:t>
+              <a:t>12/4/2024</a:t>
             </a:fld>
             <a:endParaRPr lang="en-US" dirty="0"/>
           </a:p>
@@ -20855,7 +20956,7 @@
             <a:fld id="{A5B0A250-5CC0-1746-B209-08E8B0DAE6AF}" type="datetimeFigureOut">
               <a:rPr lang="en-US" smtClean="0"/>
               <a:pPr/>
-              <a:t>11/6/2024</a:t>
+              <a:t>12/4/2024</a:t>
             </a:fld>
             <a:endParaRPr lang="en-US" dirty="0"/>
           </a:p>
@@ -22211,7 +22312,7 @@
           <a:p>
             <a:r>
               <a:rPr lang="en-US" dirty="0"/>
-              <a:t>11/7/2024</a:t>
+              <a:t>12/5/2024</a:t>
             </a:r>
           </a:p>
           <a:p>
@@ -24185,8 +24286,8 @@
           </a:p>
         </p:txBody>
       </p:sp>
-      <mc:AlternateContent xmlns:mc="http://schemas.openxmlformats.org/markup-compatibility/2006">
-        <mc:Choice xmlns:p14="http://schemas.microsoft.com/office/powerpoint/2010/main" Requires="p14">
+      <mc:AlternateContent xmlns:mc="http://schemas.openxmlformats.org/markup-compatibility/2006" xmlns:p14="http://schemas.microsoft.com/office/powerpoint/2010/main">
+        <mc:Choice Requires="p14">
           <p:contentPart p14:bwMode="auto" r:id="rId4">
             <p14:nvContentPartPr>
               <p14:cNvPr id="5" name="Ink 4">
@@ -24205,7 +24306,7 @@
             </p14:xfrm>
           </p:contentPart>
         </mc:Choice>
-        <mc:Fallback>
+        <mc:Fallback xmlns="">
           <p:pic>
             <p:nvPicPr>
               <p:cNvPr id="5" name="Ink 4">
@@ -35721,7 +35822,102 @@
           <a:p>
             <a:r>
               <a:rPr lang="en-US" dirty="0"/>
-              <a:t>If it doesn’t all go right – one possibility</a:t>
+              <a:t>If it doesn’t all go right – version mismatch</a:t>
+            </a:r>
+          </a:p>
+        </p:txBody>
+      </p:sp>
+      <p:pic>
+        <p:nvPicPr>
+          <p:cNvPr id="4" name="Picture 3">
+            <a:extLst>
+              <a:ext uri="{FF2B5EF4-FFF2-40B4-BE49-F238E27FC236}">
+                <a16:creationId xmlns:a16="http://schemas.microsoft.com/office/drawing/2014/main" id="{02CA1997-981B-1C6C-82C2-4CBEEE9C11D3}"/>
+              </a:ext>
+            </a:extLst>
+          </p:cNvPr>
+          <p:cNvPicPr>
+            <a:picLocks noChangeAspect="1"/>
+          </p:cNvPicPr>
+          <p:nvPr/>
+        </p:nvPicPr>
+        <p:blipFill>
+          <a:blip r:embed="rId3"/>
+          <a:stretch>
+            <a:fillRect/>
+          </a:stretch>
+        </p:blipFill>
+        <p:spPr>
+          <a:xfrm>
+            <a:off x="0" y="1681065"/>
+            <a:ext cx="12192000" cy="3495869"/>
+          </a:xfrm>
+          <a:prstGeom prst="rect">
+            <a:avLst/>
+          </a:prstGeom>
+        </p:spPr>
+      </p:pic>
+    </p:spTree>
+    <p:extLst>
+      <p:ext uri="{BB962C8B-B14F-4D97-AF65-F5344CB8AC3E}">
+        <p14:creationId xmlns:p14="http://schemas.microsoft.com/office/powerpoint/2010/main" val="4216899267"/>
+      </p:ext>
+    </p:extLst>
+  </p:cSld>
+  <p:clrMapOvr>
+    <a:masterClrMapping/>
+  </p:clrMapOvr>
+</p:sld>
+</file>
+
+<file path=ppt/slides/slide48.xml><?xml version="1.0" encoding="utf-8"?>
+<p:sld xmlns:a="http://schemas.openxmlformats.org/drawingml/2006/main" xmlns:r="http://schemas.openxmlformats.org/officeDocument/2006/relationships" xmlns:p="http://schemas.openxmlformats.org/presentationml/2006/main">
+  <p:cSld>
+    <p:spTree>
+      <p:nvGrpSpPr>
+        <p:cNvPr id="1" name=""/>
+        <p:cNvGrpSpPr/>
+        <p:nvPr/>
+      </p:nvGrpSpPr>
+      <p:grpSpPr>
+        <a:xfrm>
+          <a:off x="0" y="0"/>
+          <a:ext cx="0" cy="0"/>
+          <a:chOff x="0" y="0"/>
+          <a:chExt cx="0" cy="0"/>
+        </a:xfrm>
+      </p:grpSpPr>
+      <p:sp>
+        <p:nvSpPr>
+          <p:cNvPr id="2" name="Title 1">
+            <a:extLst>
+              <a:ext uri="{FF2B5EF4-FFF2-40B4-BE49-F238E27FC236}">
+                <a16:creationId xmlns:a16="http://schemas.microsoft.com/office/drawing/2014/main" id="{633C1BC4-1941-C143-4FE9-9E2F55A93C58}"/>
+              </a:ext>
+            </a:extLst>
+          </p:cNvPr>
+          <p:cNvSpPr>
+            <a:spLocks noGrp="1"/>
+          </p:cNvSpPr>
+          <p:nvPr>
+            <p:ph type="title"/>
+          </p:nvPr>
+        </p:nvSpPr>
+        <p:spPr>
+          <a:xfrm>
+            <a:off x="565150" y="770890"/>
+            <a:ext cx="10021168" cy="691329"/>
+          </a:xfrm>
+        </p:spPr>
+        <p:txBody>
+          <a:bodyPr>
+            <a:normAutofit fontScale="90000"/>
+          </a:bodyPr>
+          <a:lstStyle/>
+          <a:p>
+            <a:r>
+              <a:rPr lang="en-US" dirty="0"/>
+              <a:t>If it doesn’t all go right – firewall issue</a:t>
             </a:r>
           </a:p>
         </p:txBody>
@@ -35799,7 +35995,7 @@
 </p:sld>
 </file>
 
-<file path=ppt/slides/slide48.xml><?xml version="1.0" encoding="utf-8"?>
+<file path=ppt/slides/slide49.xml><?xml version="1.0" encoding="utf-8"?>
 <p:sld xmlns:a="http://schemas.openxmlformats.org/drawingml/2006/main" xmlns:r="http://schemas.openxmlformats.org/officeDocument/2006/relationships" xmlns:p="http://schemas.openxmlformats.org/presentationml/2006/main">
   <p:cSld>
     <p:bg>
@@ -41748,131 +41944,6 @@
   </p:cSld>
   <p:clrMapOvr>
     <a:overrideClrMapping bg1="dk1" tx1="lt1" bg2="dk2" tx2="lt2" accent1="accent1" accent2="accent2" accent3="accent3" accent4="accent4" accent5="accent5" accent6="accent6" hlink="hlink" folHlink="folHlink"/>
-  </p:clrMapOvr>
-</p:sld>
-</file>
-
-<file path=ppt/slides/slide49.xml><?xml version="1.0" encoding="utf-8"?>
-<p:sld xmlns:a="http://schemas.openxmlformats.org/drawingml/2006/main" xmlns:r="http://schemas.openxmlformats.org/officeDocument/2006/relationships" xmlns:p="http://schemas.openxmlformats.org/presentationml/2006/main">
-  <p:cSld>
-    <p:spTree>
-      <p:nvGrpSpPr>
-        <p:cNvPr id="1" name=""/>
-        <p:cNvGrpSpPr/>
-        <p:nvPr/>
-      </p:nvGrpSpPr>
-      <p:grpSpPr>
-        <a:xfrm>
-          <a:off x="0" y="0"/>
-          <a:ext cx="0" cy="0"/>
-          <a:chOff x="0" y="0"/>
-          <a:chExt cx="0" cy="0"/>
-        </a:xfrm>
-      </p:grpSpPr>
-      <p:sp>
-        <p:nvSpPr>
-          <p:cNvPr id="2" name="Title 1">
-            <a:extLst>
-              <a:ext uri="{FF2B5EF4-FFF2-40B4-BE49-F238E27FC236}">
-                <a16:creationId xmlns:a16="http://schemas.microsoft.com/office/drawing/2014/main" id="{E2B17FE9-7B0B-5E52-BA3F-3D572329871E}"/>
-              </a:ext>
-            </a:extLst>
-          </p:cNvPr>
-          <p:cNvSpPr>
-            <a:spLocks noGrp="1"/>
-          </p:cNvSpPr>
-          <p:nvPr>
-            <p:ph type="title"/>
-          </p:nvPr>
-        </p:nvSpPr>
-        <p:spPr/>
-        <p:txBody>
-          <a:bodyPr>
-            <a:normAutofit fontScale="90000"/>
-          </a:bodyPr>
-          <a:lstStyle/>
-          <a:p>
-            <a:r>
-              <a:rPr lang="en-US" dirty="0"/>
-              <a:t>Alternative is to use docker-compose</a:t>
-            </a:r>
-          </a:p>
-        </p:txBody>
-      </p:sp>
-      <p:sp>
-        <p:nvSpPr>
-          <p:cNvPr id="3" name="Content Placeholder 2">
-            <a:extLst>
-              <a:ext uri="{FF2B5EF4-FFF2-40B4-BE49-F238E27FC236}">
-                <a16:creationId xmlns:a16="http://schemas.microsoft.com/office/drawing/2014/main" id="{F90CC09A-ECC9-FDE4-CB6E-2ABBBD4562C7}"/>
-              </a:ext>
-            </a:extLst>
-          </p:cNvPr>
-          <p:cNvSpPr>
-            <a:spLocks noGrp="1"/>
-          </p:cNvSpPr>
-          <p:nvPr>
-            <p:ph idx="1"/>
-          </p:nvPr>
-        </p:nvSpPr>
-        <p:spPr>
-          <a:xfrm>
-            <a:off x="565150" y="2160016"/>
-            <a:ext cx="9203883" cy="3601212"/>
-          </a:xfrm>
-        </p:spPr>
-        <p:txBody>
-          <a:bodyPr>
-            <a:normAutofit/>
-          </a:bodyPr>
-          <a:lstStyle/>
-          <a:p>
-            <a:r>
-              <a:rPr lang="en-US" dirty="0"/>
-              <a:t>It’s meant for multi-container deployments, but we can learn the basics for launching one container</a:t>
-            </a:r>
-          </a:p>
-          <a:p>
-            <a:r>
-              <a:rPr lang="en-US" dirty="0"/>
-              <a:t>Production, staging, development, and testing workflows</a:t>
-            </a:r>
-          </a:p>
-          <a:p>
-            <a:r>
-              <a:rPr lang="en-US" dirty="0"/>
-              <a:t>Works w/ all stages of CI</a:t>
-            </a:r>
-          </a:p>
-          <a:p>
-            <a:r>
-              <a:rPr lang="en-US" dirty="0"/>
-              <a:t>Start/stop/Rebuild services</a:t>
-            </a:r>
-          </a:p>
-          <a:p>
-            <a:r>
-              <a:rPr lang="en-US" dirty="0"/>
-              <a:t>View status, stream output logs, run one-off commands</a:t>
-            </a:r>
-          </a:p>
-          <a:p>
-            <a:r>
-              <a:rPr lang="en-US" dirty="0"/>
-              <a:t>Use YAML configuration files</a:t>
-            </a:r>
-          </a:p>
-        </p:txBody>
-      </p:sp>
-    </p:spTree>
-    <p:extLst>
-      <p:ext uri="{BB962C8B-B14F-4D97-AF65-F5344CB8AC3E}">
-        <p14:creationId xmlns:p14="http://schemas.microsoft.com/office/powerpoint/2010/main" val="1418670607"/>
-      </p:ext>
-    </p:extLst>
-  </p:cSld>
-  <p:clrMapOvr>
-    <a:masterClrMapping/>
   </p:clrMapOvr>
 </p:sld>
 </file>
@@ -42489,6 +42560,131 @@
           <p:cNvPr id="2" name="Title 1">
             <a:extLst>
               <a:ext uri="{FF2B5EF4-FFF2-40B4-BE49-F238E27FC236}">
+                <a16:creationId xmlns:a16="http://schemas.microsoft.com/office/drawing/2014/main" id="{E2B17FE9-7B0B-5E52-BA3F-3D572329871E}"/>
+              </a:ext>
+            </a:extLst>
+          </p:cNvPr>
+          <p:cNvSpPr>
+            <a:spLocks noGrp="1"/>
+          </p:cNvSpPr>
+          <p:nvPr>
+            <p:ph type="title"/>
+          </p:nvPr>
+        </p:nvSpPr>
+        <p:spPr/>
+        <p:txBody>
+          <a:bodyPr>
+            <a:normAutofit fontScale="90000"/>
+          </a:bodyPr>
+          <a:lstStyle/>
+          <a:p>
+            <a:r>
+              <a:rPr lang="en-US" dirty="0"/>
+              <a:t>Alternative is to use docker-compose</a:t>
+            </a:r>
+          </a:p>
+        </p:txBody>
+      </p:sp>
+      <p:sp>
+        <p:nvSpPr>
+          <p:cNvPr id="3" name="Content Placeholder 2">
+            <a:extLst>
+              <a:ext uri="{FF2B5EF4-FFF2-40B4-BE49-F238E27FC236}">
+                <a16:creationId xmlns:a16="http://schemas.microsoft.com/office/drawing/2014/main" id="{F90CC09A-ECC9-FDE4-CB6E-2ABBBD4562C7}"/>
+              </a:ext>
+            </a:extLst>
+          </p:cNvPr>
+          <p:cNvSpPr>
+            <a:spLocks noGrp="1"/>
+          </p:cNvSpPr>
+          <p:nvPr>
+            <p:ph idx="1"/>
+          </p:nvPr>
+        </p:nvSpPr>
+        <p:spPr>
+          <a:xfrm>
+            <a:off x="565150" y="2160016"/>
+            <a:ext cx="9203883" cy="3601212"/>
+          </a:xfrm>
+        </p:spPr>
+        <p:txBody>
+          <a:bodyPr>
+            <a:normAutofit/>
+          </a:bodyPr>
+          <a:lstStyle/>
+          <a:p>
+            <a:r>
+              <a:rPr lang="en-US" dirty="0"/>
+              <a:t>It’s meant for multi-container deployments, but we can learn the basics for launching one container</a:t>
+            </a:r>
+          </a:p>
+          <a:p>
+            <a:r>
+              <a:rPr lang="en-US" dirty="0"/>
+              <a:t>Production, staging, development, and testing workflows</a:t>
+            </a:r>
+          </a:p>
+          <a:p>
+            <a:r>
+              <a:rPr lang="en-US" dirty="0"/>
+              <a:t>Works w/ all stages of CI</a:t>
+            </a:r>
+          </a:p>
+          <a:p>
+            <a:r>
+              <a:rPr lang="en-US" dirty="0"/>
+              <a:t>Start/stop/Rebuild services</a:t>
+            </a:r>
+          </a:p>
+          <a:p>
+            <a:r>
+              <a:rPr lang="en-US" dirty="0"/>
+              <a:t>View status, stream output logs, run one-off commands</a:t>
+            </a:r>
+          </a:p>
+          <a:p>
+            <a:r>
+              <a:rPr lang="en-US" dirty="0"/>
+              <a:t>Use YAML configuration files</a:t>
+            </a:r>
+          </a:p>
+        </p:txBody>
+      </p:sp>
+    </p:spTree>
+    <p:extLst>
+      <p:ext uri="{BB962C8B-B14F-4D97-AF65-F5344CB8AC3E}">
+        <p14:creationId xmlns:p14="http://schemas.microsoft.com/office/powerpoint/2010/main" val="1418670607"/>
+      </p:ext>
+    </p:extLst>
+  </p:cSld>
+  <p:clrMapOvr>
+    <a:masterClrMapping/>
+  </p:clrMapOvr>
+</p:sld>
+</file>
+
+<file path=ppt/slides/slide51.xml><?xml version="1.0" encoding="utf-8"?>
+<p:sld xmlns:a="http://schemas.openxmlformats.org/drawingml/2006/main" xmlns:r="http://schemas.openxmlformats.org/officeDocument/2006/relationships" xmlns:p="http://schemas.openxmlformats.org/presentationml/2006/main">
+  <p:cSld>
+    <p:spTree>
+      <p:nvGrpSpPr>
+        <p:cNvPr id="1" name=""/>
+        <p:cNvGrpSpPr/>
+        <p:nvPr/>
+      </p:nvGrpSpPr>
+      <p:grpSpPr>
+        <a:xfrm>
+          <a:off x="0" y="0"/>
+          <a:ext cx="0" cy="0"/>
+          <a:chOff x="0" y="0"/>
+          <a:chExt cx="0" cy="0"/>
+        </a:xfrm>
+      </p:grpSpPr>
+      <p:sp>
+        <p:nvSpPr>
+          <p:cNvPr id="2" name="Title 1">
+            <a:extLst>
+              <a:ext uri="{FF2B5EF4-FFF2-40B4-BE49-F238E27FC236}">
                 <a16:creationId xmlns:a16="http://schemas.microsoft.com/office/drawing/2014/main" id="{63482F44-F85D-8799-62C1-ABBBE1CEB7AF}"/>
               </a:ext>
             </a:extLst>
@@ -42633,7 +42829,7 @@
 </p:sld>
 </file>
 
-<file path=ppt/slides/slide51.xml><?xml version="1.0" encoding="utf-8"?>
+<file path=ppt/slides/slide52.xml><?xml version="1.0" encoding="utf-8"?>
 <p:sld xmlns:a="http://schemas.openxmlformats.org/drawingml/2006/main" xmlns:r="http://schemas.openxmlformats.org/officeDocument/2006/relationships" xmlns:p="http://schemas.openxmlformats.org/presentationml/2006/main">
   <p:cSld>
     <p:spTree>
@@ -42781,7 +42977,7 @@
 </p:sld>
 </file>
 
-<file path=ppt/slides/slide52.xml><?xml version="1.0" encoding="utf-8"?>
+<file path=ppt/slides/slide53.xml><?xml version="1.0" encoding="utf-8"?>
 <p:sld xmlns:a="http://schemas.openxmlformats.org/drawingml/2006/main" xmlns:r="http://schemas.openxmlformats.org/officeDocument/2006/relationships" xmlns:p="http://schemas.openxmlformats.org/presentationml/2006/main">
   <p:cSld>
     <p:spTree>
@@ -42988,7 +43184,7 @@
 </p:sld>
 </file>
 
-<file path=ppt/slides/slide53.xml><?xml version="1.0" encoding="utf-8"?>
+<file path=ppt/slides/slide54.xml><?xml version="1.0" encoding="utf-8"?>
 <p:sld xmlns:a="http://schemas.openxmlformats.org/drawingml/2006/main" xmlns:r="http://schemas.openxmlformats.org/officeDocument/2006/relationships" xmlns:p="http://schemas.openxmlformats.org/presentationml/2006/main">
   <p:cSld>
     <p:bg>
@@ -46350,7 +46546,7 @@
 </p:sld>
 </file>
 
-<file path=ppt/slides/slide54.xml><?xml version="1.0" encoding="utf-8"?>
+<file path=ppt/slides/slide55.xml><?xml version="1.0" encoding="utf-8"?>
 <p:sld xmlns:a="http://schemas.openxmlformats.org/drawingml/2006/main" xmlns:r="http://schemas.openxmlformats.org/officeDocument/2006/relationships" xmlns:p="http://schemas.openxmlformats.org/presentationml/2006/main">
   <p:cSld>
     <p:spTree>

--- a/Minecraft/Learning DevOps Through Minecraft.pptx
+++ b/Minecraft/Learning DevOps Through Minecraft.pptx
@@ -42680,6 +42680,36 @@
           <a:chExt cx="0" cy="0"/>
         </a:xfrm>
       </p:grpSpPr>
+      <p:pic>
+        <p:nvPicPr>
+          <p:cNvPr id="4" name="Picture 3">
+            <a:extLst>
+              <a:ext uri="{FF2B5EF4-FFF2-40B4-BE49-F238E27FC236}">
+                <a16:creationId xmlns:a16="http://schemas.microsoft.com/office/drawing/2014/main" id="{AF335FAC-B4FC-47BD-5E55-DAF32E4B2297}"/>
+              </a:ext>
+            </a:extLst>
+          </p:cNvPr>
+          <p:cNvPicPr>
+            <a:picLocks noChangeAspect="1"/>
+          </p:cNvPicPr>
+          <p:nvPr/>
+        </p:nvPicPr>
+        <p:blipFill>
+          <a:blip r:embed="rId3"/>
+          <a:stretch>
+            <a:fillRect/>
+          </a:stretch>
+        </p:blipFill>
+        <p:spPr>
+          <a:xfrm>
+            <a:off x="0" y="384299"/>
+            <a:ext cx="12089980" cy="6038447"/>
+          </a:xfrm>
+          <a:prstGeom prst="rect">
+            <a:avLst/>
+          </a:prstGeom>
+        </p:spPr>
+      </p:pic>
       <p:sp>
         <p:nvSpPr>
           <p:cNvPr id="2" name="Title 1">
@@ -42708,36 +42738,6 @@
           </a:p>
         </p:txBody>
       </p:sp>
-      <p:pic>
-        <p:nvPicPr>
-          <p:cNvPr id="5" name="Picture 4">
-            <a:extLst>
-              <a:ext uri="{FF2B5EF4-FFF2-40B4-BE49-F238E27FC236}">
-                <a16:creationId xmlns:a16="http://schemas.microsoft.com/office/drawing/2014/main" id="{5473478E-3397-7087-B654-92F45CE088E7}"/>
-              </a:ext>
-            </a:extLst>
-          </p:cNvPr>
-          <p:cNvPicPr>
-            <a:picLocks noChangeAspect="1"/>
-          </p:cNvPicPr>
-          <p:nvPr/>
-        </p:nvPicPr>
-        <p:blipFill>
-          <a:blip r:embed="rId3"/>
-          <a:stretch>
-            <a:fillRect/>
-          </a:stretch>
-        </p:blipFill>
-        <p:spPr>
-          <a:xfrm>
-            <a:off x="674335" y="1302539"/>
-            <a:ext cx="9685859" cy="5555461"/>
-          </a:xfrm>
-          <a:prstGeom prst="rect">
-            <a:avLst/>
-          </a:prstGeom>
-        </p:spPr>
-      </p:pic>
       <p:sp>
         <p:nvSpPr>
           <p:cNvPr id="7" name="TextBox 6">
@@ -42753,7 +42753,7 @@
         <p:spPr>
           <a:xfrm>
             <a:off x="4540170" y="4436015"/>
-            <a:ext cx="5726574" cy="1815882"/>
+            <a:ext cx="5726574" cy="1323439"/>
           </a:xfrm>
           <a:prstGeom prst="rect">
             <a:avLst/>
@@ -42804,7 +42804,7 @@
                 <a:effectLst/>
                 <a:latin typeface="CaskaydiaCove NF" panose="020B0509020204030204" pitchFamily="49" charset="0"/>
               </a:rPr>
-              <a:t>/537.36 (KHTML, like Gecko) Chrome/129.0.0.0 Safari/537.36\" \"https://www.minecraft.net/bedrockdedicatedserver/bin-linux/bedrock-server-1.21.31.04.zip\" &amp;&amp;</a:t>
+              <a:t>/537.36 (KHTML, like Gecko) Chrome/129.0.0.0 Safari/537.36\" \"https://www.minecraft.net/bedrockdedicatedserver/bin-linux/bedrock-server-1.21.50.10.zip\" &amp;&amp;</a:t>
             </a:r>
             <a:endParaRPr lang="en-US" sz="1600" b="0" dirty="0">
               <a:solidFill>
@@ -46783,14 +46783,21 @@
             <p:ph type="title"/>
           </p:nvPr>
         </p:nvSpPr>
-        <p:spPr/>
+        <p:spPr>
+          <a:xfrm>
+            <a:off x="565150" y="770890"/>
+            <a:ext cx="8088732" cy="1268984"/>
+          </a:xfrm>
+        </p:spPr>
         <p:txBody>
-          <a:bodyPr/>
+          <a:bodyPr>
+            <a:normAutofit fontScale="90000"/>
+          </a:bodyPr>
           <a:lstStyle/>
           <a:p>
             <a:r>
               <a:rPr lang="en-US" dirty="0"/>
-              <a:t>Virtual Machines (VMs)</a:t>
+              <a:t>What are Virtual Machines (VMs)?</a:t>
             </a:r>
           </a:p>
         </p:txBody>
